--- a/PosterPPT.pptx
+++ b/PosterPPT.pptx
@@ -1,25 +1,32 @@
 
 <file path=ppt/presentation.xml><?xml version="1.0" encoding="utf-8"?>
-<p:presentation xmlns:a="http://schemas.openxmlformats.org/drawingml/2006/main" xmlns:r="http://schemas.openxmlformats.org/officeDocument/2006/relationships" xmlns:mc="http://schemas.openxmlformats.org/markup-compatibility/2006" xmlns:mv="urn:schemas-microsoft-com:mac:vml" xmlns:p="http://schemas.openxmlformats.org/presentationml/2006/main" xmlns:c="http://schemas.openxmlformats.org/drawingml/2006/chart" xmlns:dgm="http://schemas.openxmlformats.org/drawingml/2006/diagram" xmlns:o="urn:schemas-microsoft-com:office:office" xmlns:v="urn:schemas-microsoft-com:vml" xmlns:pvml="urn:schemas-microsoft-com:office:powerpoint" xmlns:com="http://schemas.openxmlformats.org/drawingml/2006/compatibility" xmlns:p14="http://schemas.microsoft.com/office/powerpoint/2010/main" xmlns:p15="http://schemas.microsoft.com/office/powerpoint/2012/main" autoCompressPictures="0" embedTrueTypeFonts="1" strictFirstAndLastChars="0" saveSubsetFonts="1">
+<p:presentation xmlns:a="http://schemas.openxmlformats.org/drawingml/2006/main" xmlns:r="http://schemas.openxmlformats.org/officeDocument/2006/relationships" xmlns:p="http://schemas.openxmlformats.org/presentationml/2006/main" strictFirstAndLastChars="0" embedTrueTypeFonts="1" saveSubsetFonts="1" autoCompressPictures="0">
   <p:sldMasterIdLst>
-    <p:sldMasterId id="2147483659" r:id="rId3"/>
+    <p:sldMasterId id="2147483659" r:id="rId1"/>
   </p:sldMasterIdLst>
   <p:notesMasterIdLst>
-    <p:notesMasterId r:id="rId4"/>
+    <p:notesMasterId r:id="rId3"/>
   </p:notesMasterIdLst>
   <p:sldIdLst>
-    <p:sldId id="256" r:id="rId5"/>
+    <p:sldId id="256" r:id="rId2"/>
   </p:sldIdLst>
-  <p:sldSz cy="32918400" cx="43891200"/>
+  <p:sldSz cx="43891200" cy="32918400"/>
   <p:notesSz cx="7010400" cy="9296400"/>
   <p:embeddedFontLst>
     <p:embeddedFont>
-      <p:font typeface="NTR"/>
-      <p:regular r:id="rId6"/>
+      <p:font typeface="Calibri" panose="020F0502020204030204" pitchFamily="34" charset="0"/>
+      <p:regular r:id="rId4"/>
+      <p:bold r:id="rId5"/>
+      <p:italic r:id="rId6"/>
+      <p:boldItalic r:id="rId7"/>
+    </p:embeddedFont>
+    <p:embeddedFont>
+      <p:font typeface="NTR" panose="020B0604020202020204" charset="0"/>
+      <p:regular r:id="rId8"/>
     </p:embeddedFont>
   </p:embeddedFontLst>
   <p:defaultTextStyle>
-    <a:defPPr lvl="0" marR="0" rtl="0" algn="l">
+    <a:defPPr marR="0" lvl="0" algn="l" rtl="0">
       <a:lnSpc>
         <a:spcPct val="100000"/>
       </a:lnSpc>
@@ -30,7 +37,7 @@
         <a:spcPts val="0"/>
       </a:spcAft>
     </a:defPPr>
-    <a:lvl1pPr lvl="0" marR="0" rtl="0" algn="l">
+    <a:lvl1pPr marR="0" lvl="0" algn="l" rtl="0">
       <a:lnSpc>
         <a:spcPct val="100000"/>
       </a:lnSpc>
@@ -44,7 +51,7 @@
         <a:srgbClr val="000000"/>
       </a:buClr>
       <a:buFont typeface="Arial"/>
-      <a:defRPr b="0" i="0" sz="1400" u="none" cap="none" strike="noStrike">
+      <a:defRPr sz="1400" b="0" i="0" u="none" strike="noStrike" cap="none">
         <a:solidFill>
           <a:srgbClr val="000000"/>
         </a:solidFill>
@@ -54,7 +61,7 @@
         <a:sym typeface="Arial"/>
       </a:defRPr>
     </a:lvl1pPr>
-    <a:lvl2pPr lvl="1" marR="0" rtl="0" algn="l">
+    <a:lvl2pPr marR="0" lvl="1" algn="l" rtl="0">
       <a:lnSpc>
         <a:spcPct val="100000"/>
       </a:lnSpc>
@@ -68,7 +75,7 @@
         <a:srgbClr val="000000"/>
       </a:buClr>
       <a:buFont typeface="Arial"/>
-      <a:defRPr b="0" i="0" sz="1400" u="none" cap="none" strike="noStrike">
+      <a:defRPr sz="1400" b="0" i="0" u="none" strike="noStrike" cap="none">
         <a:solidFill>
           <a:srgbClr val="000000"/>
         </a:solidFill>
@@ -78,7 +85,7 @@
         <a:sym typeface="Arial"/>
       </a:defRPr>
     </a:lvl2pPr>
-    <a:lvl3pPr lvl="2" marR="0" rtl="0" algn="l">
+    <a:lvl3pPr marR="0" lvl="2" algn="l" rtl="0">
       <a:lnSpc>
         <a:spcPct val="100000"/>
       </a:lnSpc>
@@ -92,7 +99,7 @@
         <a:srgbClr val="000000"/>
       </a:buClr>
       <a:buFont typeface="Arial"/>
-      <a:defRPr b="0" i="0" sz="1400" u="none" cap="none" strike="noStrike">
+      <a:defRPr sz="1400" b="0" i="0" u="none" strike="noStrike" cap="none">
         <a:solidFill>
           <a:srgbClr val="000000"/>
         </a:solidFill>
@@ -102,7 +109,7 @@
         <a:sym typeface="Arial"/>
       </a:defRPr>
     </a:lvl3pPr>
-    <a:lvl4pPr lvl="3" marR="0" rtl="0" algn="l">
+    <a:lvl4pPr marR="0" lvl="3" algn="l" rtl="0">
       <a:lnSpc>
         <a:spcPct val="100000"/>
       </a:lnSpc>
@@ -116,7 +123,7 @@
         <a:srgbClr val="000000"/>
       </a:buClr>
       <a:buFont typeface="Arial"/>
-      <a:defRPr b="0" i="0" sz="1400" u="none" cap="none" strike="noStrike">
+      <a:defRPr sz="1400" b="0" i="0" u="none" strike="noStrike" cap="none">
         <a:solidFill>
           <a:srgbClr val="000000"/>
         </a:solidFill>
@@ -126,7 +133,7 @@
         <a:sym typeface="Arial"/>
       </a:defRPr>
     </a:lvl4pPr>
-    <a:lvl5pPr lvl="4" marR="0" rtl="0" algn="l">
+    <a:lvl5pPr marR="0" lvl="4" algn="l" rtl="0">
       <a:lnSpc>
         <a:spcPct val="100000"/>
       </a:lnSpc>
@@ -140,7 +147,7 @@
         <a:srgbClr val="000000"/>
       </a:buClr>
       <a:buFont typeface="Arial"/>
-      <a:defRPr b="0" i="0" sz="1400" u="none" cap="none" strike="noStrike">
+      <a:defRPr sz="1400" b="0" i="0" u="none" strike="noStrike" cap="none">
         <a:solidFill>
           <a:srgbClr val="000000"/>
         </a:solidFill>
@@ -150,7 +157,7 @@
         <a:sym typeface="Arial"/>
       </a:defRPr>
     </a:lvl5pPr>
-    <a:lvl6pPr lvl="5" marR="0" rtl="0" algn="l">
+    <a:lvl6pPr marR="0" lvl="5" algn="l" rtl="0">
       <a:lnSpc>
         <a:spcPct val="100000"/>
       </a:lnSpc>
@@ -164,7 +171,7 @@
         <a:srgbClr val="000000"/>
       </a:buClr>
       <a:buFont typeface="Arial"/>
-      <a:defRPr b="0" i="0" sz="1400" u="none" cap="none" strike="noStrike">
+      <a:defRPr sz="1400" b="0" i="0" u="none" strike="noStrike" cap="none">
         <a:solidFill>
           <a:srgbClr val="000000"/>
         </a:solidFill>
@@ -174,7 +181,7 @@
         <a:sym typeface="Arial"/>
       </a:defRPr>
     </a:lvl6pPr>
-    <a:lvl7pPr lvl="6" marR="0" rtl="0" algn="l">
+    <a:lvl7pPr marR="0" lvl="6" algn="l" rtl="0">
       <a:lnSpc>
         <a:spcPct val="100000"/>
       </a:lnSpc>
@@ -188,7 +195,7 @@
         <a:srgbClr val="000000"/>
       </a:buClr>
       <a:buFont typeface="Arial"/>
-      <a:defRPr b="0" i="0" sz="1400" u="none" cap="none" strike="noStrike">
+      <a:defRPr sz="1400" b="0" i="0" u="none" strike="noStrike" cap="none">
         <a:solidFill>
           <a:srgbClr val="000000"/>
         </a:solidFill>
@@ -198,7 +205,7 @@
         <a:sym typeface="Arial"/>
       </a:defRPr>
     </a:lvl7pPr>
-    <a:lvl8pPr lvl="7" marR="0" rtl="0" algn="l">
+    <a:lvl8pPr marR="0" lvl="7" algn="l" rtl="0">
       <a:lnSpc>
         <a:spcPct val="100000"/>
       </a:lnSpc>
@@ -212,7 +219,7 @@
         <a:srgbClr val="000000"/>
       </a:buClr>
       <a:buFont typeface="Arial"/>
-      <a:defRPr b="0" i="0" sz="1400" u="none" cap="none" strike="noStrike">
+      <a:defRPr sz="1400" b="0" i="0" u="none" strike="noStrike" cap="none">
         <a:solidFill>
           <a:srgbClr val="000000"/>
         </a:solidFill>
@@ -222,7 +229,7 @@
         <a:sym typeface="Arial"/>
       </a:defRPr>
     </a:lvl8pPr>
-    <a:lvl9pPr lvl="8" marR="0" rtl="0" algn="l">
+    <a:lvl9pPr marR="0" lvl="8" algn="l" rtl="0">
       <a:lnSpc>
         <a:spcPct val="100000"/>
       </a:lnSpc>
@@ -236,7 +243,7 @@
         <a:srgbClr val="000000"/>
       </a:buClr>
       <a:buFont typeface="Arial"/>
-      <a:defRPr b="0" i="0" sz="1400" u="none" cap="none" strike="noStrike">
+      <a:defRPr sz="1400" b="0" i="0" u="none" strike="noStrike" cap="none">
         <a:solidFill>
           <a:srgbClr val="000000"/>
         </a:solidFill>
@@ -251,11 +258,16 @@
 </file>
 
 <file path=ppt/notesMasters/notesMaster1.xml><?xml version="1.0" encoding="utf-8"?>
-<p:notesMaster xmlns:a="http://schemas.openxmlformats.org/drawingml/2006/main" xmlns:r="http://schemas.openxmlformats.org/officeDocument/2006/relationships" xmlns:mc="http://schemas.openxmlformats.org/markup-compatibility/2006" xmlns:mv="urn:schemas-microsoft-com:mac:vml" xmlns:p="http://schemas.openxmlformats.org/presentationml/2006/main" xmlns:c="http://schemas.openxmlformats.org/drawingml/2006/chart" xmlns:dgm="http://schemas.openxmlformats.org/drawingml/2006/diagram" xmlns:o="urn:schemas-microsoft-com:office:office" xmlns:v="urn:schemas-microsoft-com:vml" xmlns:pvml="urn:schemas-microsoft-com:office:powerpoint" xmlns:com="http://schemas.openxmlformats.org/drawingml/2006/compatibility" xmlns:p14="http://schemas.microsoft.com/office/powerpoint/2010/main" xmlns:p15="http://schemas.microsoft.com/office/powerpoint/2012/main">
+<p:notesMaster xmlns:a="http://schemas.openxmlformats.org/drawingml/2006/main" xmlns:r="http://schemas.openxmlformats.org/officeDocument/2006/relationships" xmlns:p="http://schemas.openxmlformats.org/presentationml/2006/main">
   <p:cSld>
+    <p:bg>
+      <p:bgRef idx="1001">
+        <a:schemeClr val="bg1"/>
+      </p:bgRef>
+    </p:bg>
     <p:spTree>
       <p:nvGrpSpPr>
-        <p:cNvPr id="2" name="Shape 2"/>
+        <p:cNvPr id="1" name="Shape 2"/>
         <p:cNvGrpSpPr/>
         <p:nvPr/>
       </p:nvGrpSpPr>
@@ -270,9 +282,11 @@
       <p:sp>
         <p:nvSpPr>
           <p:cNvPr id="3" name="Google Shape;3;n"/>
-          <p:cNvSpPr/>
+          <p:cNvSpPr>
+            <a:spLocks noGrp="1" noRot="1" noChangeAspect="1"/>
+          </p:cNvSpPr>
           <p:nvPr>
-            <p:ph idx="2" type="sldImg"/>
+            <p:ph type="sldImg" idx="2"/>
           </p:nvPr>
         </p:nvSpPr>
         <p:spPr>
@@ -281,9 +295,13 @@
             <a:ext cx="4673825" cy="3486150"/>
           </a:xfrm>
           <a:custGeom>
-            <a:rect b="b" l="l" r="r" t="t"/>
+            <a:avLst/>
+            <a:gdLst/>
+            <a:ahLst/>
+            <a:cxnLst/>
+            <a:rect l="l" t="t" r="r" b="b"/>
             <a:pathLst>
-              <a:path extrusionOk="0" h="120000" w="120000">
+              <a:path w="120000" h="120000" extrusionOk="0">
                 <a:moveTo>
                   <a:pt x="0" y="0"/>
                 </a:moveTo>
@@ -301,23 +319,25 @@
             </a:pathLst>
           </a:custGeom>
           <a:noFill/>
-          <a:ln cap="flat" cmpd="sng" w="9525">
+          <a:ln w="9525" cap="flat" cmpd="sng">
             <a:solidFill>
               <a:srgbClr val="000000"/>
             </a:solidFill>
             <a:prstDash val="solid"/>
             <a:round/>
-            <a:headEnd len="sm" w="sm" type="none"/>
-            <a:tailEnd len="sm" w="sm" type="none"/>
+            <a:headEnd type="none" w="sm" len="sm"/>
+            <a:tailEnd type="none" w="sm" len="sm"/>
           </a:ln>
         </p:spPr>
       </p:sp>
       <p:sp>
         <p:nvSpPr>
           <p:cNvPr id="4" name="Google Shape;4;n"/>
-          <p:cNvSpPr txBox="1"/>
+          <p:cNvSpPr txBox="1">
+            <a:spLocks noGrp="1"/>
+          </p:cNvSpPr>
           <p:nvPr>
-            <p:ph idx="1" type="body"/>
+            <p:ph type="body" idx="1"/>
           </p:nvPr>
         </p:nvSpPr>
         <p:spPr>
@@ -334,9 +354,9 @@
           </a:ln>
         </p:spPr>
         <p:txBody>
-          <a:bodyPr anchorCtr="0" anchor="t" bIns="91425" lIns="91425" spcFirstLastPara="1" rIns="91425" wrap="square" tIns="91425"/>
+          <a:bodyPr spcFirstLastPara="1" wrap="square" lIns="91425" tIns="91425" rIns="91425" bIns="91425" anchor="t" anchorCtr="0"/>
           <a:lstStyle>
-            <a:lvl1pPr indent="-298450" lvl="0" marL="457200">
+            <a:lvl1pPr marL="457200" lvl="0" indent="-298450">
               <a:spcBef>
                 <a:spcPts val="0"/>
               </a:spcBef>
@@ -347,7 +367,7 @@
               <a:buChar char="●"/>
               <a:defRPr sz="1100"/>
             </a:lvl1pPr>
-            <a:lvl2pPr indent="-298450" lvl="1" marL="914400">
+            <a:lvl2pPr marL="914400" lvl="1" indent="-298450">
               <a:spcBef>
                 <a:spcPts val="0"/>
               </a:spcBef>
@@ -358,7 +378,7 @@
               <a:buChar char="○"/>
               <a:defRPr sz="1100"/>
             </a:lvl2pPr>
-            <a:lvl3pPr indent="-298450" lvl="2" marL="1371600">
+            <a:lvl3pPr marL="1371600" lvl="2" indent="-298450">
               <a:spcBef>
                 <a:spcPts val="0"/>
               </a:spcBef>
@@ -369,7 +389,7 @@
               <a:buChar char="■"/>
               <a:defRPr sz="1100"/>
             </a:lvl3pPr>
-            <a:lvl4pPr indent="-298450" lvl="3" marL="1828800">
+            <a:lvl4pPr marL="1828800" lvl="3" indent="-298450">
               <a:spcBef>
                 <a:spcPts val="0"/>
               </a:spcBef>
@@ -380,7 +400,7 @@
               <a:buChar char="●"/>
               <a:defRPr sz="1100"/>
             </a:lvl4pPr>
-            <a:lvl5pPr indent="-298450" lvl="4" marL="2286000">
+            <a:lvl5pPr marL="2286000" lvl="4" indent="-298450">
               <a:spcBef>
                 <a:spcPts val="0"/>
               </a:spcBef>
@@ -391,7 +411,7 @@
               <a:buChar char="○"/>
               <a:defRPr sz="1100"/>
             </a:lvl5pPr>
-            <a:lvl6pPr indent="-298450" lvl="5" marL="2743200">
+            <a:lvl6pPr marL="2743200" lvl="5" indent="-298450">
               <a:spcBef>
                 <a:spcPts val="0"/>
               </a:spcBef>
@@ -402,7 +422,7 @@
               <a:buChar char="■"/>
               <a:defRPr sz="1100"/>
             </a:lvl6pPr>
-            <a:lvl7pPr indent="-298450" lvl="6" marL="3200400">
+            <a:lvl7pPr marL="3200400" lvl="6" indent="-298450">
               <a:spcBef>
                 <a:spcPts val="0"/>
               </a:spcBef>
@@ -413,7 +433,7 @@
               <a:buChar char="●"/>
               <a:defRPr sz="1100"/>
             </a:lvl7pPr>
-            <a:lvl8pPr indent="-298450" lvl="7" marL="3657600">
+            <a:lvl8pPr marL="3657600" lvl="7" indent="-298450">
               <a:spcBef>
                 <a:spcPts val="0"/>
               </a:spcBef>
@@ -424,7 +444,7 @@
               <a:buChar char="○"/>
               <a:defRPr sz="1100"/>
             </a:lvl8pPr>
-            <a:lvl9pPr indent="-298450" lvl="8" marL="4114800">
+            <a:lvl9pPr marL="4114800" lvl="8" indent="-298450">
               <a:spcBef>
                 <a:spcPts val="0"/>
               </a:spcBef>
@@ -436,14 +456,16 @@
               <a:defRPr sz="1100"/>
             </a:lvl9pPr>
           </a:lstStyle>
-          <a:p/>
+          <a:p>
+            <a:endParaRPr/>
+          </a:p>
         </p:txBody>
       </p:sp>
     </p:spTree>
   </p:cSld>
-  <p:clrMap accent1="accent1" accent2="accent2" accent3="accent3" accent4="accent4" accent5="accent5" accent6="accent6" bg1="lt1" bg2="dk2" tx1="dk1" tx2="lt2" folHlink="folHlink" hlink="hlink"/>
+  <p:clrMap bg1="lt1" tx1="dk1" bg2="dk2" tx2="lt2" accent1="accent1" accent2="accent2" accent3="accent3" accent4="accent4" accent5="accent5" accent6="accent6" hlink="hlink" folHlink="folHlink"/>
   <p:notesStyle>
-    <a:defPPr lvl="0" marR="0" rtl="0" algn="l">
+    <a:defPPr marR="0" lvl="0" algn="l" rtl="0">
       <a:lnSpc>
         <a:spcPct val="100000"/>
       </a:lnSpc>
@@ -454,7 +476,7 @@
         <a:spcPts val="0"/>
       </a:spcAft>
     </a:defPPr>
-    <a:lvl1pPr lvl="0" marR="0" rtl="0" algn="l">
+    <a:lvl1pPr marR="0" lvl="0" algn="l" rtl="0">
       <a:lnSpc>
         <a:spcPct val="100000"/>
       </a:lnSpc>
@@ -468,7 +490,7 @@
         <a:srgbClr val="000000"/>
       </a:buClr>
       <a:buFont typeface="Arial"/>
-      <a:defRPr b="0" i="0" sz="1400" u="none" cap="none" strike="noStrike">
+      <a:defRPr sz="1400" b="0" i="0" u="none" strike="noStrike" cap="none">
         <a:solidFill>
           <a:srgbClr val="000000"/>
         </a:solidFill>
@@ -478,7 +500,7 @@
         <a:sym typeface="Arial"/>
       </a:defRPr>
     </a:lvl1pPr>
-    <a:lvl2pPr lvl="1" marR="0" rtl="0" algn="l">
+    <a:lvl2pPr marR="0" lvl="1" algn="l" rtl="0">
       <a:lnSpc>
         <a:spcPct val="100000"/>
       </a:lnSpc>
@@ -492,7 +514,7 @@
         <a:srgbClr val="000000"/>
       </a:buClr>
       <a:buFont typeface="Arial"/>
-      <a:defRPr b="0" i="0" sz="1400" u="none" cap="none" strike="noStrike">
+      <a:defRPr sz="1400" b="0" i="0" u="none" strike="noStrike" cap="none">
         <a:solidFill>
           <a:srgbClr val="000000"/>
         </a:solidFill>
@@ -502,7 +524,7 @@
         <a:sym typeface="Arial"/>
       </a:defRPr>
     </a:lvl2pPr>
-    <a:lvl3pPr lvl="2" marR="0" rtl="0" algn="l">
+    <a:lvl3pPr marR="0" lvl="2" algn="l" rtl="0">
       <a:lnSpc>
         <a:spcPct val="100000"/>
       </a:lnSpc>
@@ -516,7 +538,7 @@
         <a:srgbClr val="000000"/>
       </a:buClr>
       <a:buFont typeface="Arial"/>
-      <a:defRPr b="0" i="0" sz="1400" u="none" cap="none" strike="noStrike">
+      <a:defRPr sz="1400" b="0" i="0" u="none" strike="noStrike" cap="none">
         <a:solidFill>
           <a:srgbClr val="000000"/>
         </a:solidFill>
@@ -526,7 +548,7 @@
         <a:sym typeface="Arial"/>
       </a:defRPr>
     </a:lvl3pPr>
-    <a:lvl4pPr lvl="3" marR="0" rtl="0" algn="l">
+    <a:lvl4pPr marR="0" lvl="3" algn="l" rtl="0">
       <a:lnSpc>
         <a:spcPct val="100000"/>
       </a:lnSpc>
@@ -540,7 +562,7 @@
         <a:srgbClr val="000000"/>
       </a:buClr>
       <a:buFont typeface="Arial"/>
-      <a:defRPr b="0" i="0" sz="1400" u="none" cap="none" strike="noStrike">
+      <a:defRPr sz="1400" b="0" i="0" u="none" strike="noStrike" cap="none">
         <a:solidFill>
           <a:srgbClr val="000000"/>
         </a:solidFill>
@@ -550,7 +572,7 @@
         <a:sym typeface="Arial"/>
       </a:defRPr>
     </a:lvl4pPr>
-    <a:lvl5pPr lvl="4" marR="0" rtl="0" algn="l">
+    <a:lvl5pPr marR="0" lvl="4" algn="l" rtl="0">
       <a:lnSpc>
         <a:spcPct val="100000"/>
       </a:lnSpc>
@@ -564,7 +586,7 @@
         <a:srgbClr val="000000"/>
       </a:buClr>
       <a:buFont typeface="Arial"/>
-      <a:defRPr b="0" i="0" sz="1400" u="none" cap="none" strike="noStrike">
+      <a:defRPr sz="1400" b="0" i="0" u="none" strike="noStrike" cap="none">
         <a:solidFill>
           <a:srgbClr val="000000"/>
         </a:solidFill>
@@ -574,7 +596,7 @@
         <a:sym typeface="Arial"/>
       </a:defRPr>
     </a:lvl5pPr>
-    <a:lvl6pPr lvl="5" marR="0" rtl="0" algn="l">
+    <a:lvl6pPr marR="0" lvl="5" algn="l" rtl="0">
       <a:lnSpc>
         <a:spcPct val="100000"/>
       </a:lnSpc>
@@ -588,7 +610,7 @@
         <a:srgbClr val="000000"/>
       </a:buClr>
       <a:buFont typeface="Arial"/>
-      <a:defRPr b="0" i="0" sz="1400" u="none" cap="none" strike="noStrike">
+      <a:defRPr sz="1400" b="0" i="0" u="none" strike="noStrike" cap="none">
         <a:solidFill>
           <a:srgbClr val="000000"/>
         </a:solidFill>
@@ -598,7 +620,7 @@
         <a:sym typeface="Arial"/>
       </a:defRPr>
     </a:lvl6pPr>
-    <a:lvl7pPr lvl="6" marR="0" rtl="0" algn="l">
+    <a:lvl7pPr marR="0" lvl="6" algn="l" rtl="0">
       <a:lnSpc>
         <a:spcPct val="100000"/>
       </a:lnSpc>
@@ -612,7 +634,7 @@
         <a:srgbClr val="000000"/>
       </a:buClr>
       <a:buFont typeface="Arial"/>
-      <a:defRPr b="0" i="0" sz="1400" u="none" cap="none" strike="noStrike">
+      <a:defRPr sz="1400" b="0" i="0" u="none" strike="noStrike" cap="none">
         <a:solidFill>
           <a:srgbClr val="000000"/>
         </a:solidFill>
@@ -622,7 +644,7 @@
         <a:sym typeface="Arial"/>
       </a:defRPr>
     </a:lvl7pPr>
-    <a:lvl8pPr lvl="7" marR="0" rtl="0" algn="l">
+    <a:lvl8pPr marR="0" lvl="7" algn="l" rtl="0">
       <a:lnSpc>
         <a:spcPct val="100000"/>
       </a:lnSpc>
@@ -636,7 +658,7 @@
         <a:srgbClr val="000000"/>
       </a:buClr>
       <a:buFont typeface="Arial"/>
-      <a:defRPr b="0" i="0" sz="1400" u="none" cap="none" strike="noStrike">
+      <a:defRPr sz="1400" b="0" i="0" u="none" strike="noStrike" cap="none">
         <a:solidFill>
           <a:srgbClr val="000000"/>
         </a:solidFill>
@@ -646,7 +668,7 @@
         <a:sym typeface="Arial"/>
       </a:defRPr>
     </a:lvl8pPr>
-    <a:lvl9pPr lvl="8" marR="0" rtl="0" algn="l">
+    <a:lvl9pPr marR="0" lvl="8" algn="l" rtl="0">
       <a:lnSpc>
         <a:spcPct val="100000"/>
       </a:lnSpc>
@@ -660,7 +682,7 @@
         <a:srgbClr val="000000"/>
       </a:buClr>
       <a:buFont typeface="Arial"/>
-      <a:defRPr b="0" i="0" sz="1400" u="none" cap="none" strike="noStrike">
+      <a:defRPr sz="1400" b="0" i="0" u="none" strike="noStrike" cap="none">
         <a:solidFill>
           <a:srgbClr val="000000"/>
         </a:solidFill>
@@ -675,11 +697,11 @@
 </file>
 
 <file path=ppt/notesSlides/notesSlide1.xml><?xml version="1.0" encoding="utf-8"?>
-<p:notes xmlns:a="http://schemas.openxmlformats.org/drawingml/2006/main" xmlns:r="http://schemas.openxmlformats.org/officeDocument/2006/relationships" xmlns:mc="http://schemas.openxmlformats.org/markup-compatibility/2006" xmlns:mv="urn:schemas-microsoft-com:mac:vml" xmlns:p="http://schemas.openxmlformats.org/presentationml/2006/main" xmlns:c="http://schemas.openxmlformats.org/drawingml/2006/chart" xmlns:dgm="http://schemas.openxmlformats.org/drawingml/2006/diagram" xmlns:o="urn:schemas-microsoft-com:office:office" xmlns:v="urn:schemas-microsoft-com:vml" xmlns:pvml="urn:schemas-microsoft-com:office:powerpoint" xmlns:com="http://schemas.openxmlformats.org/drawingml/2006/compatibility" xmlns:p14="http://schemas.microsoft.com/office/powerpoint/2010/main" xmlns:p15="http://schemas.microsoft.com/office/powerpoint/2012/main" showMasterPhAnim="0" showMasterSp="0">
+<p:notes xmlns:a="http://schemas.openxmlformats.org/drawingml/2006/main" xmlns:r="http://schemas.openxmlformats.org/officeDocument/2006/relationships" xmlns:p="http://schemas.openxmlformats.org/presentationml/2006/main" showMasterSp="0" showMasterPhAnim="0">
   <p:cSld>
     <p:spTree>
       <p:nvGrpSpPr>
-        <p:cNvPr id="80" name="Shape 80"/>
+        <p:cNvPr id="1" name="Shape 80"/>
         <p:cNvGrpSpPr/>
         <p:nvPr/>
       </p:nvGrpSpPr>
@@ -694,9 +716,11 @@
       <p:sp>
         <p:nvSpPr>
           <p:cNvPr id="81" name="Google Shape;81;p1:notes"/>
-          <p:cNvSpPr txBox="1"/>
+          <p:cNvSpPr txBox="1">
+            <a:spLocks noGrp="1"/>
+          </p:cNvSpPr>
           <p:nvPr>
-            <p:ph idx="1" type="body"/>
+            <p:ph type="body" idx="1"/>
           </p:nvPr>
         </p:nvSpPr>
         <p:spPr>
@@ -709,12 +733,12 @@
           </a:prstGeom>
         </p:spPr>
         <p:txBody>
-          <a:bodyPr anchorCtr="0" anchor="t" bIns="91425" lIns="91425" spcFirstLastPara="1" rIns="91425" wrap="square" tIns="91425">
+          <a:bodyPr spcFirstLastPara="1" wrap="square" lIns="91425" tIns="91425" rIns="91425" bIns="91425" anchor="t" anchorCtr="0">
             <a:noAutofit/>
           </a:bodyPr>
           <a:lstStyle/>
           <a:p>
-            <a:pPr indent="0" lvl="0" marL="0" rtl="0" algn="l">
+            <a:pPr marL="0" lvl="0" indent="0" algn="l" rtl="0">
               <a:spcBef>
                 <a:spcPts val="0"/>
               </a:spcBef>
@@ -723,9 +747,6 @@
               </a:spcAft>
               <a:buNone/>
             </a:pPr>
-            <a:r>
-              <a:t/>
-            </a:r>
             <a:endParaRPr/>
           </a:p>
         </p:txBody>
@@ -733,20 +754,26 @@
       <p:sp>
         <p:nvSpPr>
           <p:cNvPr id="82" name="Google Shape;82;p1:notes"/>
-          <p:cNvSpPr/>
+          <p:cNvSpPr>
+            <a:spLocks noGrp="1" noRot="1" noChangeAspect="1"/>
+          </p:cNvSpPr>
           <p:nvPr>
-            <p:ph idx="2" type="sldImg"/>
+            <p:ph type="sldImg" idx="2"/>
           </p:nvPr>
         </p:nvSpPr>
         <p:spPr>
           <a:xfrm>
-            <a:off x="1168625" y="697225"/>
-            <a:ext cx="4673825" cy="3486150"/>
+            <a:off x="1181100" y="696913"/>
+            <a:ext cx="4648200" cy="3486150"/>
           </a:xfrm>
           <a:custGeom>
-            <a:rect b="b" l="l" r="r" t="t"/>
+            <a:avLst/>
+            <a:gdLst/>
+            <a:ahLst/>
+            <a:cxnLst/>
+            <a:rect l="l" t="t" r="r" b="b"/>
             <a:pathLst>
-              <a:path extrusionOk="0" h="120000" w="120000">
+              <a:path w="120000" h="120000" extrusionOk="0">
                 <a:moveTo>
                   <a:pt x="0" y="0"/>
                 </a:moveTo>
@@ -774,11 +801,11 @@
 </file>
 
 <file path=ppt/slideLayouts/slideLayout1.xml><?xml version="1.0" encoding="utf-8"?>
-<p:sldLayout xmlns:a="http://schemas.openxmlformats.org/drawingml/2006/main" xmlns:r="http://schemas.openxmlformats.org/officeDocument/2006/relationships" xmlns:mc="http://schemas.openxmlformats.org/markup-compatibility/2006" xmlns:mv="urn:schemas-microsoft-com:mac:vml" xmlns:p="http://schemas.openxmlformats.org/presentationml/2006/main" xmlns:c="http://schemas.openxmlformats.org/drawingml/2006/chart" xmlns:dgm="http://schemas.openxmlformats.org/drawingml/2006/diagram" xmlns:o="urn:schemas-microsoft-com:office:office" xmlns:v="urn:schemas-microsoft-com:vml" xmlns:pvml="urn:schemas-microsoft-com:office:powerpoint" xmlns:com="http://schemas.openxmlformats.org/drawingml/2006/compatibility" xmlns:p14="http://schemas.microsoft.com/office/powerpoint/2010/main" xmlns:p15="http://schemas.microsoft.com/office/powerpoint/2012/main" matchingName="Blank" type="blank">
+<p:sldLayout xmlns:a="http://schemas.openxmlformats.org/drawingml/2006/main" xmlns:r="http://schemas.openxmlformats.org/officeDocument/2006/relationships" xmlns:p="http://schemas.openxmlformats.org/presentationml/2006/main" matchingName="Blank" type="blank">
   <p:cSld name="BLANK">
     <p:spTree>
       <p:nvGrpSpPr>
-        <p:cNvPr id="11" name="Shape 11"/>
+        <p:cNvPr id="1" name="Shape 11"/>
         <p:cNvGrpSpPr/>
         <p:nvPr/>
       </p:nvGrpSpPr>
@@ -793,9 +820,11 @@
       <p:sp>
         <p:nvSpPr>
           <p:cNvPr id="12" name="Google Shape;12;p2"/>
-          <p:cNvSpPr txBox="1"/>
+          <p:cNvSpPr txBox="1">
+            <a:spLocks noGrp="1"/>
+          </p:cNvSpPr>
           <p:nvPr>
-            <p:ph idx="10" type="dt"/>
+            <p:ph type="dt" idx="10"/>
           </p:nvPr>
         </p:nvSpPr>
         <p:spPr>
@@ -812,7 +841,7 @@
           </a:ln>
         </p:spPr>
         <p:txBody>
-          <a:bodyPr anchorCtr="0" anchor="ctr" bIns="45700" lIns="91425" spcFirstLastPara="1" rIns="91425" wrap="square" tIns="45700"/>
+          <a:bodyPr spcFirstLastPara="1" wrap="square" lIns="91425" tIns="45700" rIns="91425" bIns="45700" anchor="ctr" anchorCtr="0"/>
           <a:lstStyle>
             <a:lvl1pPr lvl="0" algn="l">
               <a:spcBef>
@@ -914,15 +943,19 @@
               <a:defRPr/>
             </a:lvl9pPr>
           </a:lstStyle>
-          <a:p/>
+          <a:p>
+            <a:endParaRPr/>
+          </a:p>
         </p:txBody>
       </p:sp>
       <p:sp>
         <p:nvSpPr>
           <p:cNvPr id="13" name="Google Shape;13;p2"/>
-          <p:cNvSpPr txBox="1"/>
+          <p:cNvSpPr txBox="1">
+            <a:spLocks noGrp="1"/>
+          </p:cNvSpPr>
           <p:nvPr>
-            <p:ph idx="11" type="ftr"/>
+            <p:ph type="ftr" idx="11"/>
           </p:nvPr>
         </p:nvSpPr>
         <p:spPr>
@@ -939,7 +972,7 @@
           </a:ln>
         </p:spPr>
         <p:txBody>
-          <a:bodyPr anchorCtr="0" anchor="ctr" bIns="45700" lIns="91425" spcFirstLastPara="1" rIns="91425" wrap="square" tIns="45700"/>
+          <a:bodyPr spcFirstLastPara="1" wrap="square" lIns="91425" tIns="45700" rIns="91425" bIns="45700" anchor="ctr" anchorCtr="0"/>
           <a:lstStyle>
             <a:lvl1pPr lvl="0" algn="ctr">
               <a:spcBef>
@@ -1041,15 +1074,19 @@
               <a:defRPr/>
             </a:lvl9pPr>
           </a:lstStyle>
-          <a:p/>
+          <a:p>
+            <a:endParaRPr/>
+          </a:p>
         </p:txBody>
       </p:sp>
       <p:sp>
         <p:nvSpPr>
           <p:cNvPr id="14" name="Google Shape;14;p2"/>
-          <p:cNvSpPr txBox="1"/>
+          <p:cNvSpPr txBox="1">
+            <a:spLocks noGrp="1"/>
+          </p:cNvSpPr>
           <p:nvPr>
-            <p:ph idx="12" type="sldNum"/>
+            <p:ph type="sldNum" idx="12"/>
           </p:nvPr>
         </p:nvSpPr>
         <p:spPr>
@@ -1066,67 +1103,67 @@
           </a:ln>
         </p:spPr>
         <p:txBody>
-          <a:bodyPr anchorCtr="0" anchor="ctr" bIns="45700" lIns="91425" spcFirstLastPara="1" rIns="91425" wrap="square" tIns="45700">
+          <a:bodyPr spcFirstLastPara="1" wrap="square" lIns="91425" tIns="45700" rIns="91425" bIns="45700" anchor="ctr" anchorCtr="0">
             <a:noAutofit/>
           </a:bodyPr>
           <a:lstStyle>
-            <a:lvl1pPr indent="0" lvl="0" marL="0" algn="r">
+            <a:lvl1pPr marL="0" lvl="0" indent="0" algn="r">
               <a:spcBef>
                 <a:spcPts val="0"/>
               </a:spcBef>
               <a:buNone/>
               <a:defRPr/>
             </a:lvl1pPr>
-            <a:lvl2pPr indent="0" lvl="1" marL="0" algn="r">
+            <a:lvl2pPr marL="0" lvl="1" indent="0" algn="r">
               <a:spcBef>
                 <a:spcPts val="0"/>
               </a:spcBef>
               <a:buNone/>
               <a:defRPr/>
             </a:lvl2pPr>
-            <a:lvl3pPr indent="0" lvl="2" marL="0" algn="r">
+            <a:lvl3pPr marL="0" lvl="2" indent="0" algn="r">
               <a:spcBef>
                 <a:spcPts val="0"/>
               </a:spcBef>
               <a:buNone/>
               <a:defRPr/>
             </a:lvl3pPr>
-            <a:lvl4pPr indent="0" lvl="3" marL="0" algn="r">
+            <a:lvl4pPr marL="0" lvl="3" indent="0" algn="r">
               <a:spcBef>
                 <a:spcPts val="0"/>
               </a:spcBef>
               <a:buNone/>
               <a:defRPr/>
             </a:lvl4pPr>
-            <a:lvl5pPr indent="0" lvl="4" marL="0" algn="r">
+            <a:lvl5pPr marL="0" lvl="4" indent="0" algn="r">
               <a:spcBef>
                 <a:spcPts val="0"/>
               </a:spcBef>
               <a:buNone/>
               <a:defRPr/>
             </a:lvl5pPr>
-            <a:lvl6pPr indent="0" lvl="5" marL="0" algn="r">
+            <a:lvl6pPr marL="0" lvl="5" indent="0" algn="r">
               <a:spcBef>
                 <a:spcPts val="0"/>
               </a:spcBef>
               <a:buNone/>
               <a:defRPr/>
             </a:lvl6pPr>
-            <a:lvl7pPr indent="0" lvl="6" marL="0" algn="r">
+            <a:lvl7pPr marL="0" lvl="6" indent="0" algn="r">
               <a:spcBef>
                 <a:spcPts val="0"/>
               </a:spcBef>
               <a:buNone/>
               <a:defRPr/>
             </a:lvl7pPr>
-            <a:lvl8pPr indent="0" lvl="7" marL="0" algn="r">
+            <a:lvl8pPr marL="0" lvl="7" indent="0" algn="r">
               <a:spcBef>
                 <a:spcPts val="0"/>
               </a:spcBef>
               <a:buNone/>
               <a:defRPr/>
             </a:lvl8pPr>
-            <a:lvl9pPr indent="0" lvl="8" marL="0" algn="r">
+            <a:lvl9pPr marL="0" lvl="8" indent="0" algn="r">
               <a:spcBef>
                 <a:spcPts val="0"/>
               </a:spcBef>
@@ -1135,7 +1172,7 @@
             </a:lvl9pPr>
           </a:lstStyle>
           <a:p>
-            <a:pPr indent="0" lvl="0" marL="0" rtl="0" algn="r">
+            <a:pPr marL="0" lvl="0" indent="0" algn="r" rtl="0">
               <a:spcBef>
                 <a:spcPts val="0"/>
               </a:spcBef>
@@ -1161,11 +1198,11 @@
 </file>
 
 <file path=ppt/slideLayouts/slideLayout10.xml><?xml version="1.0" encoding="utf-8"?>
-<p:sldLayout xmlns:a="http://schemas.openxmlformats.org/drawingml/2006/main" xmlns:r="http://schemas.openxmlformats.org/officeDocument/2006/relationships" xmlns:mc="http://schemas.openxmlformats.org/markup-compatibility/2006" xmlns:mv="urn:schemas-microsoft-com:mac:vml" xmlns:p="http://schemas.openxmlformats.org/presentationml/2006/main" xmlns:c="http://schemas.openxmlformats.org/drawingml/2006/chart" xmlns:dgm="http://schemas.openxmlformats.org/drawingml/2006/diagram" xmlns:o="urn:schemas-microsoft-com:office:office" xmlns:v="urn:schemas-microsoft-com:vml" xmlns:pvml="urn:schemas-microsoft-com:office:powerpoint" xmlns:com="http://schemas.openxmlformats.org/drawingml/2006/compatibility" xmlns:p14="http://schemas.microsoft.com/office/powerpoint/2010/main" xmlns:p15="http://schemas.microsoft.com/office/powerpoint/2012/main" matchingName="Title and Vertical Text" type="vertTx">
+<p:sldLayout xmlns:a="http://schemas.openxmlformats.org/drawingml/2006/main" xmlns:r="http://schemas.openxmlformats.org/officeDocument/2006/relationships" xmlns:p="http://schemas.openxmlformats.org/presentationml/2006/main" matchingName="Title and Vertical Text" type="vertTx">
   <p:cSld name="VERTICAL_TEXT">
     <p:spTree>
       <p:nvGrpSpPr>
-        <p:cNvPr id="68" name="Shape 68"/>
+        <p:cNvPr id="1" name="Shape 68"/>
         <p:cNvGrpSpPr/>
         <p:nvPr/>
       </p:nvGrpSpPr>
@@ -1180,7 +1217,9 @@
       <p:sp>
         <p:nvSpPr>
           <p:cNvPr id="69" name="Google Shape;69;p11"/>
-          <p:cNvSpPr txBox="1"/>
+          <p:cNvSpPr txBox="1">
+            <a:spLocks noGrp="1"/>
+          </p:cNvSpPr>
           <p:nvPr>
             <p:ph type="title"/>
           </p:nvPr>
@@ -1199,7 +1238,7 @@
           </a:ln>
         </p:spPr>
         <p:txBody>
-          <a:bodyPr anchorCtr="0" anchor="ctr" bIns="45700" lIns="91425" spcFirstLastPara="1" rIns="91425" wrap="square" tIns="45700"/>
+          <a:bodyPr spcFirstLastPara="1" wrap="square" lIns="91425" tIns="45700" rIns="91425" bIns="45700" anchor="ctr" anchorCtr="0"/>
           <a:lstStyle>
             <a:lvl1pPr lvl="0" algn="l">
               <a:lnSpc>
@@ -1307,15 +1346,19 @@
               <a:defRPr/>
             </a:lvl9pPr>
           </a:lstStyle>
-          <a:p/>
+          <a:p>
+            <a:endParaRPr/>
+          </a:p>
         </p:txBody>
       </p:sp>
       <p:sp>
         <p:nvSpPr>
           <p:cNvPr id="70" name="Google Shape;70;p11"/>
-          <p:cNvSpPr txBox="1"/>
+          <p:cNvSpPr txBox="1">
+            <a:spLocks noGrp="1"/>
+          </p:cNvSpPr>
           <p:nvPr>
-            <p:ph idx="1" type="body"/>
+            <p:ph type="body" idx="1"/>
           </p:nvPr>
         </p:nvSpPr>
         <p:spPr>
@@ -1332,9 +1375,9 @@
           </a:ln>
         </p:spPr>
         <p:txBody>
-          <a:bodyPr anchorCtr="0" anchor="t" bIns="45700" lIns="91425" spcFirstLastPara="1" rIns="91425" wrap="square" tIns="45700"/>
+          <a:bodyPr spcFirstLastPara="1" wrap="square" lIns="91425" tIns="45700" rIns="91425" bIns="45700" anchor="t" anchorCtr="0"/>
           <a:lstStyle>
-            <a:lvl1pPr indent="-342900" lvl="0" marL="457200" algn="l">
+            <a:lvl1pPr marL="457200" lvl="0" indent="-342900" algn="l">
               <a:lnSpc>
                 <a:spcPct val="90000"/>
               </a:lnSpc>
@@ -1351,7 +1394,7 @@
               <a:buChar char="•"/>
               <a:defRPr/>
             </a:lvl1pPr>
-            <a:lvl2pPr indent="-342900" lvl="1" marL="914400" algn="l">
+            <a:lvl2pPr marL="914400" lvl="1" indent="-342900" algn="l">
               <a:lnSpc>
                 <a:spcPct val="90000"/>
               </a:lnSpc>
@@ -1368,7 +1411,7 @@
               <a:buChar char="•"/>
               <a:defRPr/>
             </a:lvl2pPr>
-            <a:lvl3pPr indent="-342900" lvl="2" marL="1371600" algn="l">
+            <a:lvl3pPr marL="1371600" lvl="2" indent="-342900" algn="l">
               <a:lnSpc>
                 <a:spcPct val="90000"/>
               </a:lnSpc>
@@ -1385,7 +1428,7 @@
               <a:buChar char="•"/>
               <a:defRPr/>
             </a:lvl3pPr>
-            <a:lvl4pPr indent="-342900" lvl="3" marL="1828800" algn="l">
+            <a:lvl4pPr marL="1828800" lvl="3" indent="-342900" algn="l">
               <a:lnSpc>
                 <a:spcPct val="90000"/>
               </a:lnSpc>
@@ -1402,7 +1445,7 @@
               <a:buChar char="•"/>
               <a:defRPr/>
             </a:lvl4pPr>
-            <a:lvl5pPr indent="-342900" lvl="4" marL="2286000" algn="l">
+            <a:lvl5pPr marL="2286000" lvl="4" indent="-342900" algn="l">
               <a:lnSpc>
                 <a:spcPct val="90000"/>
               </a:lnSpc>
@@ -1419,7 +1462,7 @@
               <a:buChar char="•"/>
               <a:defRPr/>
             </a:lvl5pPr>
-            <a:lvl6pPr indent="-342900" lvl="5" marL="2743200" algn="l">
+            <a:lvl6pPr marL="2743200" lvl="5" indent="-342900" algn="l">
               <a:lnSpc>
                 <a:spcPct val="90000"/>
               </a:lnSpc>
@@ -1436,7 +1479,7 @@
               <a:buChar char="•"/>
               <a:defRPr/>
             </a:lvl6pPr>
-            <a:lvl7pPr indent="-342900" lvl="6" marL="3200400" algn="l">
+            <a:lvl7pPr marL="3200400" lvl="6" indent="-342900" algn="l">
               <a:lnSpc>
                 <a:spcPct val="90000"/>
               </a:lnSpc>
@@ -1453,7 +1496,7 @@
               <a:buChar char="•"/>
               <a:defRPr/>
             </a:lvl7pPr>
-            <a:lvl8pPr indent="-342900" lvl="7" marL="3657600" algn="l">
+            <a:lvl8pPr marL="3657600" lvl="7" indent="-342900" algn="l">
               <a:lnSpc>
                 <a:spcPct val="90000"/>
               </a:lnSpc>
@@ -1470,7 +1513,7 @@
               <a:buChar char="•"/>
               <a:defRPr/>
             </a:lvl8pPr>
-            <a:lvl9pPr indent="-342900" lvl="8" marL="4114800" algn="l">
+            <a:lvl9pPr marL="4114800" lvl="8" indent="-342900" algn="l">
               <a:lnSpc>
                 <a:spcPct val="90000"/>
               </a:lnSpc>
@@ -1488,15 +1531,19 @@
               <a:defRPr/>
             </a:lvl9pPr>
           </a:lstStyle>
-          <a:p/>
+          <a:p>
+            <a:endParaRPr/>
+          </a:p>
         </p:txBody>
       </p:sp>
       <p:sp>
         <p:nvSpPr>
           <p:cNvPr id="71" name="Google Shape;71;p11"/>
-          <p:cNvSpPr txBox="1"/>
+          <p:cNvSpPr txBox="1">
+            <a:spLocks noGrp="1"/>
+          </p:cNvSpPr>
           <p:nvPr>
-            <p:ph idx="10" type="dt"/>
+            <p:ph type="dt" idx="10"/>
           </p:nvPr>
         </p:nvSpPr>
         <p:spPr>
@@ -1513,7 +1560,7 @@
           </a:ln>
         </p:spPr>
         <p:txBody>
-          <a:bodyPr anchorCtr="0" anchor="ctr" bIns="45700" lIns="91425" spcFirstLastPara="1" rIns="91425" wrap="square" tIns="45700"/>
+          <a:bodyPr spcFirstLastPara="1" wrap="square" lIns="91425" tIns="45700" rIns="91425" bIns="45700" anchor="ctr" anchorCtr="0"/>
           <a:lstStyle>
             <a:lvl1pPr lvl="0" algn="l">
               <a:spcBef>
@@ -1615,15 +1662,19 @@
               <a:defRPr/>
             </a:lvl9pPr>
           </a:lstStyle>
-          <a:p/>
+          <a:p>
+            <a:endParaRPr/>
+          </a:p>
         </p:txBody>
       </p:sp>
       <p:sp>
         <p:nvSpPr>
           <p:cNvPr id="72" name="Google Shape;72;p11"/>
-          <p:cNvSpPr txBox="1"/>
+          <p:cNvSpPr txBox="1">
+            <a:spLocks noGrp="1"/>
+          </p:cNvSpPr>
           <p:nvPr>
-            <p:ph idx="11" type="ftr"/>
+            <p:ph type="ftr" idx="11"/>
           </p:nvPr>
         </p:nvSpPr>
         <p:spPr>
@@ -1640,7 +1691,7 @@
           </a:ln>
         </p:spPr>
         <p:txBody>
-          <a:bodyPr anchorCtr="0" anchor="ctr" bIns="45700" lIns="91425" spcFirstLastPara="1" rIns="91425" wrap="square" tIns="45700"/>
+          <a:bodyPr spcFirstLastPara="1" wrap="square" lIns="91425" tIns="45700" rIns="91425" bIns="45700" anchor="ctr" anchorCtr="0"/>
           <a:lstStyle>
             <a:lvl1pPr lvl="0" algn="ctr">
               <a:spcBef>
@@ -1742,15 +1793,19 @@
               <a:defRPr/>
             </a:lvl9pPr>
           </a:lstStyle>
-          <a:p/>
+          <a:p>
+            <a:endParaRPr/>
+          </a:p>
         </p:txBody>
       </p:sp>
       <p:sp>
         <p:nvSpPr>
           <p:cNvPr id="73" name="Google Shape;73;p11"/>
-          <p:cNvSpPr txBox="1"/>
+          <p:cNvSpPr txBox="1">
+            <a:spLocks noGrp="1"/>
+          </p:cNvSpPr>
           <p:nvPr>
-            <p:ph idx="12" type="sldNum"/>
+            <p:ph type="sldNum" idx="12"/>
           </p:nvPr>
         </p:nvSpPr>
         <p:spPr>
@@ -1767,67 +1822,67 @@
           </a:ln>
         </p:spPr>
         <p:txBody>
-          <a:bodyPr anchorCtr="0" anchor="ctr" bIns="45700" lIns="91425" spcFirstLastPara="1" rIns="91425" wrap="square" tIns="45700">
+          <a:bodyPr spcFirstLastPara="1" wrap="square" lIns="91425" tIns="45700" rIns="91425" bIns="45700" anchor="ctr" anchorCtr="0">
             <a:noAutofit/>
           </a:bodyPr>
           <a:lstStyle>
-            <a:lvl1pPr indent="0" lvl="0" marL="0" algn="r">
+            <a:lvl1pPr marL="0" lvl="0" indent="0" algn="r">
               <a:spcBef>
                 <a:spcPts val="0"/>
               </a:spcBef>
               <a:buNone/>
               <a:defRPr/>
             </a:lvl1pPr>
-            <a:lvl2pPr indent="0" lvl="1" marL="0" algn="r">
+            <a:lvl2pPr marL="0" lvl="1" indent="0" algn="r">
               <a:spcBef>
                 <a:spcPts val="0"/>
               </a:spcBef>
               <a:buNone/>
               <a:defRPr/>
             </a:lvl2pPr>
-            <a:lvl3pPr indent="0" lvl="2" marL="0" algn="r">
+            <a:lvl3pPr marL="0" lvl="2" indent="0" algn="r">
               <a:spcBef>
                 <a:spcPts val="0"/>
               </a:spcBef>
               <a:buNone/>
               <a:defRPr/>
             </a:lvl3pPr>
-            <a:lvl4pPr indent="0" lvl="3" marL="0" algn="r">
+            <a:lvl4pPr marL="0" lvl="3" indent="0" algn="r">
               <a:spcBef>
                 <a:spcPts val="0"/>
               </a:spcBef>
               <a:buNone/>
               <a:defRPr/>
             </a:lvl4pPr>
-            <a:lvl5pPr indent="0" lvl="4" marL="0" algn="r">
+            <a:lvl5pPr marL="0" lvl="4" indent="0" algn="r">
               <a:spcBef>
                 <a:spcPts val="0"/>
               </a:spcBef>
               <a:buNone/>
               <a:defRPr/>
             </a:lvl5pPr>
-            <a:lvl6pPr indent="0" lvl="5" marL="0" algn="r">
+            <a:lvl6pPr marL="0" lvl="5" indent="0" algn="r">
               <a:spcBef>
                 <a:spcPts val="0"/>
               </a:spcBef>
               <a:buNone/>
               <a:defRPr/>
             </a:lvl6pPr>
-            <a:lvl7pPr indent="0" lvl="6" marL="0" algn="r">
+            <a:lvl7pPr marL="0" lvl="6" indent="0" algn="r">
               <a:spcBef>
                 <a:spcPts val="0"/>
               </a:spcBef>
               <a:buNone/>
               <a:defRPr/>
             </a:lvl7pPr>
-            <a:lvl8pPr indent="0" lvl="7" marL="0" algn="r">
+            <a:lvl8pPr marL="0" lvl="7" indent="0" algn="r">
               <a:spcBef>
                 <a:spcPts val="0"/>
               </a:spcBef>
               <a:buNone/>
               <a:defRPr/>
             </a:lvl8pPr>
-            <a:lvl9pPr indent="0" lvl="8" marL="0" algn="r">
+            <a:lvl9pPr marL="0" lvl="8" indent="0" algn="r">
               <a:spcBef>
                 <a:spcPts val="0"/>
               </a:spcBef>
@@ -1836,7 +1891,7 @@
             </a:lvl9pPr>
           </a:lstStyle>
           <a:p>
-            <a:pPr indent="0" lvl="0" marL="0" rtl="0" algn="r">
+            <a:pPr marL="0" lvl="0" indent="0" algn="r" rtl="0">
               <a:spcBef>
                 <a:spcPts val="0"/>
               </a:spcBef>
@@ -1862,11 +1917,11 @@
 </file>
 
 <file path=ppt/slideLayouts/slideLayout11.xml><?xml version="1.0" encoding="utf-8"?>
-<p:sldLayout xmlns:a="http://schemas.openxmlformats.org/drawingml/2006/main" xmlns:r="http://schemas.openxmlformats.org/officeDocument/2006/relationships" xmlns:mc="http://schemas.openxmlformats.org/markup-compatibility/2006" xmlns:mv="urn:schemas-microsoft-com:mac:vml" xmlns:p="http://schemas.openxmlformats.org/presentationml/2006/main" xmlns:c="http://schemas.openxmlformats.org/drawingml/2006/chart" xmlns:dgm="http://schemas.openxmlformats.org/drawingml/2006/diagram" xmlns:o="urn:schemas-microsoft-com:office:office" xmlns:v="urn:schemas-microsoft-com:vml" xmlns:pvml="urn:schemas-microsoft-com:office:powerpoint" xmlns:com="http://schemas.openxmlformats.org/drawingml/2006/compatibility" xmlns:p14="http://schemas.microsoft.com/office/powerpoint/2010/main" xmlns:p15="http://schemas.microsoft.com/office/powerpoint/2012/main" matchingName="Vertical Title and Text" type="vertTitleAndTx">
+<p:sldLayout xmlns:a="http://schemas.openxmlformats.org/drawingml/2006/main" xmlns:r="http://schemas.openxmlformats.org/officeDocument/2006/relationships" xmlns:p="http://schemas.openxmlformats.org/presentationml/2006/main" matchingName="Vertical Title and Text" type="vertTitleAndTx">
   <p:cSld name="VERTICAL_TITLE_AND_VERTICAL_TEXT">
     <p:spTree>
       <p:nvGrpSpPr>
-        <p:cNvPr id="74" name="Shape 74"/>
+        <p:cNvPr id="1" name="Shape 74"/>
         <p:cNvGrpSpPr/>
         <p:nvPr/>
       </p:nvGrpSpPr>
@@ -1881,7 +1936,9 @@
       <p:sp>
         <p:nvSpPr>
           <p:cNvPr id="75" name="Google Shape;75;p12"/>
-          <p:cNvSpPr txBox="1"/>
+          <p:cNvSpPr txBox="1">
+            <a:spLocks noGrp="1"/>
+          </p:cNvSpPr>
           <p:nvPr>
             <p:ph type="title"/>
           </p:nvPr>
@@ -1900,7 +1957,7 @@
           </a:ln>
         </p:spPr>
         <p:txBody>
-          <a:bodyPr anchorCtr="0" anchor="ctr" bIns="45700" lIns="91425" spcFirstLastPara="1" rIns="91425" wrap="square" tIns="45700"/>
+          <a:bodyPr spcFirstLastPara="1" wrap="square" lIns="91425" tIns="45700" rIns="91425" bIns="45700" anchor="ctr" anchorCtr="0"/>
           <a:lstStyle>
             <a:lvl1pPr lvl="0" algn="l">
               <a:lnSpc>
@@ -2008,15 +2065,19 @@
               <a:defRPr/>
             </a:lvl9pPr>
           </a:lstStyle>
-          <a:p/>
+          <a:p>
+            <a:endParaRPr/>
+          </a:p>
         </p:txBody>
       </p:sp>
       <p:sp>
         <p:nvSpPr>
           <p:cNvPr id="76" name="Google Shape;76;p12"/>
-          <p:cNvSpPr txBox="1"/>
+          <p:cNvSpPr txBox="1">
+            <a:spLocks noGrp="1"/>
+          </p:cNvSpPr>
           <p:nvPr>
-            <p:ph idx="1" type="body"/>
+            <p:ph type="body" idx="1"/>
           </p:nvPr>
         </p:nvSpPr>
         <p:spPr>
@@ -2033,9 +2094,9 @@
           </a:ln>
         </p:spPr>
         <p:txBody>
-          <a:bodyPr anchorCtr="0" anchor="t" bIns="45700" lIns="91425" spcFirstLastPara="1" rIns="91425" wrap="square" tIns="45700"/>
+          <a:bodyPr spcFirstLastPara="1" wrap="square" lIns="91425" tIns="45700" rIns="91425" bIns="45700" anchor="t" anchorCtr="0"/>
           <a:lstStyle>
-            <a:lvl1pPr indent="-342900" lvl="0" marL="457200" algn="l">
+            <a:lvl1pPr marL="457200" lvl="0" indent="-342900" algn="l">
               <a:lnSpc>
                 <a:spcPct val="90000"/>
               </a:lnSpc>
@@ -2052,7 +2113,7 @@
               <a:buChar char="•"/>
               <a:defRPr/>
             </a:lvl1pPr>
-            <a:lvl2pPr indent="-342900" lvl="1" marL="914400" algn="l">
+            <a:lvl2pPr marL="914400" lvl="1" indent="-342900" algn="l">
               <a:lnSpc>
                 <a:spcPct val="90000"/>
               </a:lnSpc>
@@ -2069,7 +2130,7 @@
               <a:buChar char="•"/>
               <a:defRPr/>
             </a:lvl2pPr>
-            <a:lvl3pPr indent="-342900" lvl="2" marL="1371600" algn="l">
+            <a:lvl3pPr marL="1371600" lvl="2" indent="-342900" algn="l">
               <a:lnSpc>
                 <a:spcPct val="90000"/>
               </a:lnSpc>
@@ -2086,7 +2147,7 @@
               <a:buChar char="•"/>
               <a:defRPr/>
             </a:lvl3pPr>
-            <a:lvl4pPr indent="-342900" lvl="3" marL="1828800" algn="l">
+            <a:lvl4pPr marL="1828800" lvl="3" indent="-342900" algn="l">
               <a:lnSpc>
                 <a:spcPct val="90000"/>
               </a:lnSpc>
@@ -2103,7 +2164,7 @@
               <a:buChar char="•"/>
               <a:defRPr/>
             </a:lvl4pPr>
-            <a:lvl5pPr indent="-342900" lvl="4" marL="2286000" algn="l">
+            <a:lvl5pPr marL="2286000" lvl="4" indent="-342900" algn="l">
               <a:lnSpc>
                 <a:spcPct val="90000"/>
               </a:lnSpc>
@@ -2120,7 +2181,7 @@
               <a:buChar char="•"/>
               <a:defRPr/>
             </a:lvl5pPr>
-            <a:lvl6pPr indent="-342900" lvl="5" marL="2743200" algn="l">
+            <a:lvl6pPr marL="2743200" lvl="5" indent="-342900" algn="l">
               <a:lnSpc>
                 <a:spcPct val="90000"/>
               </a:lnSpc>
@@ -2137,7 +2198,7 @@
               <a:buChar char="•"/>
               <a:defRPr/>
             </a:lvl6pPr>
-            <a:lvl7pPr indent="-342900" lvl="6" marL="3200400" algn="l">
+            <a:lvl7pPr marL="3200400" lvl="6" indent="-342900" algn="l">
               <a:lnSpc>
                 <a:spcPct val="90000"/>
               </a:lnSpc>
@@ -2154,7 +2215,7 @@
               <a:buChar char="•"/>
               <a:defRPr/>
             </a:lvl7pPr>
-            <a:lvl8pPr indent="-342900" lvl="7" marL="3657600" algn="l">
+            <a:lvl8pPr marL="3657600" lvl="7" indent="-342900" algn="l">
               <a:lnSpc>
                 <a:spcPct val="90000"/>
               </a:lnSpc>
@@ -2171,7 +2232,7 @@
               <a:buChar char="•"/>
               <a:defRPr/>
             </a:lvl8pPr>
-            <a:lvl9pPr indent="-342900" lvl="8" marL="4114800" algn="l">
+            <a:lvl9pPr marL="4114800" lvl="8" indent="-342900" algn="l">
               <a:lnSpc>
                 <a:spcPct val="90000"/>
               </a:lnSpc>
@@ -2189,15 +2250,19 @@
               <a:defRPr/>
             </a:lvl9pPr>
           </a:lstStyle>
-          <a:p/>
+          <a:p>
+            <a:endParaRPr/>
+          </a:p>
         </p:txBody>
       </p:sp>
       <p:sp>
         <p:nvSpPr>
           <p:cNvPr id="77" name="Google Shape;77;p12"/>
-          <p:cNvSpPr txBox="1"/>
+          <p:cNvSpPr txBox="1">
+            <a:spLocks noGrp="1"/>
+          </p:cNvSpPr>
           <p:nvPr>
-            <p:ph idx="10" type="dt"/>
+            <p:ph type="dt" idx="10"/>
           </p:nvPr>
         </p:nvSpPr>
         <p:spPr>
@@ -2214,7 +2279,7 @@
           </a:ln>
         </p:spPr>
         <p:txBody>
-          <a:bodyPr anchorCtr="0" anchor="ctr" bIns="45700" lIns="91425" spcFirstLastPara="1" rIns="91425" wrap="square" tIns="45700"/>
+          <a:bodyPr spcFirstLastPara="1" wrap="square" lIns="91425" tIns="45700" rIns="91425" bIns="45700" anchor="ctr" anchorCtr="0"/>
           <a:lstStyle>
             <a:lvl1pPr lvl="0" algn="l">
               <a:spcBef>
@@ -2316,15 +2381,19 @@
               <a:defRPr/>
             </a:lvl9pPr>
           </a:lstStyle>
-          <a:p/>
+          <a:p>
+            <a:endParaRPr/>
+          </a:p>
         </p:txBody>
       </p:sp>
       <p:sp>
         <p:nvSpPr>
           <p:cNvPr id="78" name="Google Shape;78;p12"/>
-          <p:cNvSpPr txBox="1"/>
+          <p:cNvSpPr txBox="1">
+            <a:spLocks noGrp="1"/>
+          </p:cNvSpPr>
           <p:nvPr>
-            <p:ph idx="11" type="ftr"/>
+            <p:ph type="ftr" idx="11"/>
           </p:nvPr>
         </p:nvSpPr>
         <p:spPr>
@@ -2341,7 +2410,7 @@
           </a:ln>
         </p:spPr>
         <p:txBody>
-          <a:bodyPr anchorCtr="0" anchor="ctr" bIns="45700" lIns="91425" spcFirstLastPara="1" rIns="91425" wrap="square" tIns="45700"/>
+          <a:bodyPr spcFirstLastPara="1" wrap="square" lIns="91425" tIns="45700" rIns="91425" bIns="45700" anchor="ctr" anchorCtr="0"/>
           <a:lstStyle>
             <a:lvl1pPr lvl="0" algn="ctr">
               <a:spcBef>
@@ -2443,15 +2512,19 @@
               <a:defRPr/>
             </a:lvl9pPr>
           </a:lstStyle>
-          <a:p/>
+          <a:p>
+            <a:endParaRPr/>
+          </a:p>
         </p:txBody>
       </p:sp>
       <p:sp>
         <p:nvSpPr>
           <p:cNvPr id="79" name="Google Shape;79;p12"/>
-          <p:cNvSpPr txBox="1"/>
+          <p:cNvSpPr txBox="1">
+            <a:spLocks noGrp="1"/>
+          </p:cNvSpPr>
           <p:nvPr>
-            <p:ph idx="12" type="sldNum"/>
+            <p:ph type="sldNum" idx="12"/>
           </p:nvPr>
         </p:nvSpPr>
         <p:spPr>
@@ -2468,67 +2541,67 @@
           </a:ln>
         </p:spPr>
         <p:txBody>
-          <a:bodyPr anchorCtr="0" anchor="ctr" bIns="45700" lIns="91425" spcFirstLastPara="1" rIns="91425" wrap="square" tIns="45700">
+          <a:bodyPr spcFirstLastPara="1" wrap="square" lIns="91425" tIns="45700" rIns="91425" bIns="45700" anchor="ctr" anchorCtr="0">
             <a:noAutofit/>
           </a:bodyPr>
           <a:lstStyle>
-            <a:lvl1pPr indent="0" lvl="0" marL="0" algn="r">
+            <a:lvl1pPr marL="0" lvl="0" indent="0" algn="r">
               <a:spcBef>
                 <a:spcPts val="0"/>
               </a:spcBef>
               <a:buNone/>
               <a:defRPr/>
             </a:lvl1pPr>
-            <a:lvl2pPr indent="0" lvl="1" marL="0" algn="r">
+            <a:lvl2pPr marL="0" lvl="1" indent="0" algn="r">
               <a:spcBef>
                 <a:spcPts val="0"/>
               </a:spcBef>
               <a:buNone/>
               <a:defRPr/>
             </a:lvl2pPr>
-            <a:lvl3pPr indent="0" lvl="2" marL="0" algn="r">
+            <a:lvl3pPr marL="0" lvl="2" indent="0" algn="r">
               <a:spcBef>
                 <a:spcPts val="0"/>
               </a:spcBef>
               <a:buNone/>
               <a:defRPr/>
             </a:lvl3pPr>
-            <a:lvl4pPr indent="0" lvl="3" marL="0" algn="r">
+            <a:lvl4pPr marL="0" lvl="3" indent="0" algn="r">
               <a:spcBef>
                 <a:spcPts val="0"/>
               </a:spcBef>
               <a:buNone/>
               <a:defRPr/>
             </a:lvl4pPr>
-            <a:lvl5pPr indent="0" lvl="4" marL="0" algn="r">
+            <a:lvl5pPr marL="0" lvl="4" indent="0" algn="r">
               <a:spcBef>
                 <a:spcPts val="0"/>
               </a:spcBef>
               <a:buNone/>
               <a:defRPr/>
             </a:lvl5pPr>
-            <a:lvl6pPr indent="0" lvl="5" marL="0" algn="r">
+            <a:lvl6pPr marL="0" lvl="5" indent="0" algn="r">
               <a:spcBef>
                 <a:spcPts val="0"/>
               </a:spcBef>
               <a:buNone/>
               <a:defRPr/>
             </a:lvl6pPr>
-            <a:lvl7pPr indent="0" lvl="6" marL="0" algn="r">
+            <a:lvl7pPr marL="0" lvl="6" indent="0" algn="r">
               <a:spcBef>
                 <a:spcPts val="0"/>
               </a:spcBef>
               <a:buNone/>
               <a:defRPr/>
             </a:lvl7pPr>
-            <a:lvl8pPr indent="0" lvl="7" marL="0" algn="r">
+            <a:lvl8pPr marL="0" lvl="7" indent="0" algn="r">
               <a:spcBef>
                 <a:spcPts val="0"/>
               </a:spcBef>
               <a:buNone/>
               <a:defRPr/>
             </a:lvl8pPr>
-            <a:lvl9pPr indent="0" lvl="8" marL="0" algn="r">
+            <a:lvl9pPr marL="0" lvl="8" indent="0" algn="r">
               <a:spcBef>
                 <a:spcPts val="0"/>
               </a:spcBef>
@@ -2537,7 +2610,7 @@
             </a:lvl9pPr>
           </a:lstStyle>
           <a:p>
-            <a:pPr indent="0" lvl="0" marL="0" rtl="0" algn="r">
+            <a:pPr marL="0" lvl="0" indent="0" algn="r" rtl="0">
               <a:spcBef>
                 <a:spcPts val="0"/>
               </a:spcBef>
@@ -2563,11 +2636,11 @@
 </file>
 
 <file path=ppt/slideLayouts/slideLayout2.xml><?xml version="1.0" encoding="utf-8"?>
-<p:sldLayout xmlns:a="http://schemas.openxmlformats.org/drawingml/2006/main" xmlns:r="http://schemas.openxmlformats.org/officeDocument/2006/relationships" xmlns:mc="http://schemas.openxmlformats.org/markup-compatibility/2006" xmlns:mv="urn:schemas-microsoft-com:mac:vml" xmlns:p="http://schemas.openxmlformats.org/presentationml/2006/main" xmlns:c="http://schemas.openxmlformats.org/drawingml/2006/chart" xmlns:dgm="http://schemas.openxmlformats.org/drawingml/2006/diagram" xmlns:o="urn:schemas-microsoft-com:office:office" xmlns:v="urn:schemas-microsoft-com:vml" xmlns:pvml="urn:schemas-microsoft-com:office:powerpoint" xmlns:com="http://schemas.openxmlformats.org/drawingml/2006/compatibility" xmlns:p14="http://schemas.microsoft.com/office/powerpoint/2010/main" xmlns:p15="http://schemas.microsoft.com/office/powerpoint/2012/main" matchingName="Title Slide" type="title">
+<p:sldLayout xmlns:a="http://schemas.openxmlformats.org/drawingml/2006/main" xmlns:r="http://schemas.openxmlformats.org/officeDocument/2006/relationships" xmlns:p="http://schemas.openxmlformats.org/presentationml/2006/main" matchingName="Title Slide" type="title">
   <p:cSld name="TITLE">
     <p:spTree>
       <p:nvGrpSpPr>
-        <p:cNvPr id="15" name="Shape 15"/>
+        <p:cNvPr id="1" name="Shape 15"/>
         <p:cNvGrpSpPr/>
         <p:nvPr/>
       </p:nvGrpSpPr>
@@ -2582,7 +2655,9 @@
       <p:sp>
         <p:nvSpPr>
           <p:cNvPr id="16" name="Google Shape;16;p3"/>
-          <p:cNvSpPr txBox="1"/>
+          <p:cNvSpPr txBox="1">
+            <a:spLocks noGrp="1"/>
+          </p:cNvSpPr>
           <p:nvPr>
             <p:ph type="ctrTitle"/>
           </p:nvPr>
@@ -2601,7 +2676,7 @@
           </a:ln>
         </p:spPr>
         <p:txBody>
-          <a:bodyPr anchorCtr="0" anchor="b" bIns="45700" lIns="91425" spcFirstLastPara="1" rIns="91425" wrap="square" tIns="45700"/>
+          <a:bodyPr spcFirstLastPara="1" wrap="square" lIns="91425" tIns="45700" rIns="91425" bIns="45700" anchor="b" anchorCtr="0"/>
           <a:lstStyle>
             <a:lvl1pPr lvl="0" algn="ctr">
               <a:lnSpc>
@@ -2710,15 +2785,19 @@
               <a:defRPr/>
             </a:lvl9pPr>
           </a:lstStyle>
-          <a:p/>
+          <a:p>
+            <a:endParaRPr/>
+          </a:p>
         </p:txBody>
       </p:sp>
       <p:sp>
         <p:nvSpPr>
           <p:cNvPr id="17" name="Google Shape;17;p3"/>
-          <p:cNvSpPr txBox="1"/>
+          <p:cNvSpPr txBox="1">
+            <a:spLocks noGrp="1"/>
+          </p:cNvSpPr>
           <p:nvPr>
-            <p:ph idx="1" type="subTitle"/>
+            <p:ph type="subTitle" idx="1"/>
           </p:nvPr>
         </p:nvSpPr>
         <p:spPr>
@@ -2735,7 +2814,7 @@
           </a:ln>
         </p:spPr>
         <p:txBody>
-          <a:bodyPr anchorCtr="0" anchor="t" bIns="45700" lIns="91425" spcFirstLastPara="1" rIns="91425" wrap="square" tIns="45700"/>
+          <a:bodyPr spcFirstLastPara="1" wrap="square" lIns="91425" tIns="45700" rIns="91425" bIns="45700" anchor="t" anchorCtr="0"/>
           <a:lstStyle>
             <a:lvl1pPr lvl="0" algn="ctr">
               <a:lnSpc>
@@ -2891,15 +2970,19 @@
               <a:defRPr sz="7680"/>
             </a:lvl9pPr>
           </a:lstStyle>
-          <a:p/>
+          <a:p>
+            <a:endParaRPr/>
+          </a:p>
         </p:txBody>
       </p:sp>
       <p:sp>
         <p:nvSpPr>
           <p:cNvPr id="18" name="Google Shape;18;p3"/>
-          <p:cNvSpPr txBox="1"/>
+          <p:cNvSpPr txBox="1">
+            <a:spLocks noGrp="1"/>
+          </p:cNvSpPr>
           <p:nvPr>
-            <p:ph idx="10" type="dt"/>
+            <p:ph type="dt" idx="10"/>
           </p:nvPr>
         </p:nvSpPr>
         <p:spPr>
@@ -2916,7 +2999,7 @@
           </a:ln>
         </p:spPr>
         <p:txBody>
-          <a:bodyPr anchorCtr="0" anchor="ctr" bIns="45700" lIns="91425" spcFirstLastPara="1" rIns="91425" wrap="square" tIns="45700"/>
+          <a:bodyPr spcFirstLastPara="1" wrap="square" lIns="91425" tIns="45700" rIns="91425" bIns="45700" anchor="ctr" anchorCtr="0"/>
           <a:lstStyle>
             <a:lvl1pPr lvl="0" algn="l">
               <a:spcBef>
@@ -3018,15 +3101,19 @@
               <a:defRPr/>
             </a:lvl9pPr>
           </a:lstStyle>
-          <a:p/>
+          <a:p>
+            <a:endParaRPr/>
+          </a:p>
         </p:txBody>
       </p:sp>
       <p:sp>
         <p:nvSpPr>
           <p:cNvPr id="19" name="Google Shape;19;p3"/>
-          <p:cNvSpPr txBox="1"/>
+          <p:cNvSpPr txBox="1">
+            <a:spLocks noGrp="1"/>
+          </p:cNvSpPr>
           <p:nvPr>
-            <p:ph idx="11" type="ftr"/>
+            <p:ph type="ftr" idx="11"/>
           </p:nvPr>
         </p:nvSpPr>
         <p:spPr>
@@ -3043,7 +3130,7 @@
           </a:ln>
         </p:spPr>
         <p:txBody>
-          <a:bodyPr anchorCtr="0" anchor="ctr" bIns="45700" lIns="91425" spcFirstLastPara="1" rIns="91425" wrap="square" tIns="45700"/>
+          <a:bodyPr spcFirstLastPara="1" wrap="square" lIns="91425" tIns="45700" rIns="91425" bIns="45700" anchor="ctr" anchorCtr="0"/>
           <a:lstStyle>
             <a:lvl1pPr lvl="0" algn="ctr">
               <a:spcBef>
@@ -3145,15 +3232,19 @@
               <a:defRPr/>
             </a:lvl9pPr>
           </a:lstStyle>
-          <a:p/>
+          <a:p>
+            <a:endParaRPr/>
+          </a:p>
         </p:txBody>
       </p:sp>
       <p:sp>
         <p:nvSpPr>
           <p:cNvPr id="20" name="Google Shape;20;p3"/>
-          <p:cNvSpPr txBox="1"/>
+          <p:cNvSpPr txBox="1">
+            <a:spLocks noGrp="1"/>
+          </p:cNvSpPr>
           <p:nvPr>
-            <p:ph idx="12" type="sldNum"/>
+            <p:ph type="sldNum" idx="12"/>
           </p:nvPr>
         </p:nvSpPr>
         <p:spPr>
@@ -3170,67 +3261,67 @@
           </a:ln>
         </p:spPr>
         <p:txBody>
-          <a:bodyPr anchorCtr="0" anchor="ctr" bIns="45700" lIns="91425" spcFirstLastPara="1" rIns="91425" wrap="square" tIns="45700">
+          <a:bodyPr spcFirstLastPara="1" wrap="square" lIns="91425" tIns="45700" rIns="91425" bIns="45700" anchor="ctr" anchorCtr="0">
             <a:noAutofit/>
           </a:bodyPr>
           <a:lstStyle>
-            <a:lvl1pPr indent="0" lvl="0" marL="0" algn="r">
+            <a:lvl1pPr marL="0" lvl="0" indent="0" algn="r">
               <a:spcBef>
                 <a:spcPts val="0"/>
               </a:spcBef>
               <a:buNone/>
               <a:defRPr/>
             </a:lvl1pPr>
-            <a:lvl2pPr indent="0" lvl="1" marL="0" algn="r">
+            <a:lvl2pPr marL="0" lvl="1" indent="0" algn="r">
               <a:spcBef>
                 <a:spcPts val="0"/>
               </a:spcBef>
               <a:buNone/>
               <a:defRPr/>
             </a:lvl2pPr>
-            <a:lvl3pPr indent="0" lvl="2" marL="0" algn="r">
+            <a:lvl3pPr marL="0" lvl="2" indent="0" algn="r">
               <a:spcBef>
                 <a:spcPts val="0"/>
               </a:spcBef>
               <a:buNone/>
               <a:defRPr/>
             </a:lvl3pPr>
-            <a:lvl4pPr indent="0" lvl="3" marL="0" algn="r">
+            <a:lvl4pPr marL="0" lvl="3" indent="0" algn="r">
               <a:spcBef>
                 <a:spcPts val="0"/>
               </a:spcBef>
               <a:buNone/>
               <a:defRPr/>
             </a:lvl4pPr>
-            <a:lvl5pPr indent="0" lvl="4" marL="0" algn="r">
+            <a:lvl5pPr marL="0" lvl="4" indent="0" algn="r">
               <a:spcBef>
                 <a:spcPts val="0"/>
               </a:spcBef>
               <a:buNone/>
               <a:defRPr/>
             </a:lvl5pPr>
-            <a:lvl6pPr indent="0" lvl="5" marL="0" algn="r">
+            <a:lvl6pPr marL="0" lvl="5" indent="0" algn="r">
               <a:spcBef>
                 <a:spcPts val="0"/>
               </a:spcBef>
               <a:buNone/>
               <a:defRPr/>
             </a:lvl6pPr>
-            <a:lvl7pPr indent="0" lvl="6" marL="0" algn="r">
+            <a:lvl7pPr marL="0" lvl="6" indent="0" algn="r">
               <a:spcBef>
                 <a:spcPts val="0"/>
               </a:spcBef>
               <a:buNone/>
               <a:defRPr/>
             </a:lvl7pPr>
-            <a:lvl8pPr indent="0" lvl="7" marL="0" algn="r">
+            <a:lvl8pPr marL="0" lvl="7" indent="0" algn="r">
               <a:spcBef>
                 <a:spcPts val="0"/>
               </a:spcBef>
               <a:buNone/>
               <a:defRPr/>
             </a:lvl8pPr>
-            <a:lvl9pPr indent="0" lvl="8" marL="0" algn="r">
+            <a:lvl9pPr marL="0" lvl="8" indent="0" algn="r">
               <a:spcBef>
                 <a:spcPts val="0"/>
               </a:spcBef>
@@ -3239,7 +3330,7 @@
             </a:lvl9pPr>
           </a:lstStyle>
           <a:p>
-            <a:pPr indent="0" lvl="0" marL="0" rtl="0" algn="r">
+            <a:pPr marL="0" lvl="0" indent="0" algn="r" rtl="0">
               <a:spcBef>
                 <a:spcPts val="0"/>
               </a:spcBef>
@@ -3265,11 +3356,11 @@
 </file>
 
 <file path=ppt/slideLayouts/slideLayout3.xml><?xml version="1.0" encoding="utf-8"?>
-<p:sldLayout xmlns:a="http://schemas.openxmlformats.org/drawingml/2006/main" xmlns:r="http://schemas.openxmlformats.org/officeDocument/2006/relationships" xmlns:mc="http://schemas.openxmlformats.org/markup-compatibility/2006" xmlns:mv="urn:schemas-microsoft-com:mac:vml" xmlns:p="http://schemas.openxmlformats.org/presentationml/2006/main" xmlns:c="http://schemas.openxmlformats.org/drawingml/2006/chart" xmlns:dgm="http://schemas.openxmlformats.org/drawingml/2006/diagram" xmlns:o="urn:schemas-microsoft-com:office:office" xmlns:v="urn:schemas-microsoft-com:vml" xmlns:pvml="urn:schemas-microsoft-com:office:powerpoint" xmlns:com="http://schemas.openxmlformats.org/drawingml/2006/compatibility" xmlns:p14="http://schemas.microsoft.com/office/powerpoint/2010/main" xmlns:p15="http://schemas.microsoft.com/office/powerpoint/2012/main" matchingName="Title and Content" type="obj">
+<p:sldLayout xmlns:a="http://schemas.openxmlformats.org/drawingml/2006/main" xmlns:r="http://schemas.openxmlformats.org/officeDocument/2006/relationships" xmlns:p="http://schemas.openxmlformats.org/presentationml/2006/main" matchingName="Title and Content" type="obj">
   <p:cSld name="OBJECT">
     <p:spTree>
       <p:nvGrpSpPr>
-        <p:cNvPr id="21" name="Shape 21"/>
+        <p:cNvPr id="1" name="Shape 21"/>
         <p:cNvGrpSpPr/>
         <p:nvPr/>
       </p:nvGrpSpPr>
@@ -3284,7 +3375,9 @@
       <p:sp>
         <p:nvSpPr>
           <p:cNvPr id="22" name="Google Shape;22;p4"/>
-          <p:cNvSpPr txBox="1"/>
+          <p:cNvSpPr txBox="1">
+            <a:spLocks noGrp="1"/>
+          </p:cNvSpPr>
           <p:nvPr>
             <p:ph type="title"/>
           </p:nvPr>
@@ -3303,7 +3396,7 @@
           </a:ln>
         </p:spPr>
         <p:txBody>
-          <a:bodyPr anchorCtr="0" anchor="ctr" bIns="45700" lIns="91425" spcFirstLastPara="1" rIns="91425" wrap="square" tIns="45700"/>
+          <a:bodyPr spcFirstLastPara="1" wrap="square" lIns="91425" tIns="45700" rIns="91425" bIns="45700" anchor="ctr" anchorCtr="0"/>
           <a:lstStyle>
             <a:lvl1pPr lvl="0" algn="l">
               <a:lnSpc>
@@ -3411,15 +3504,19 @@
               <a:defRPr/>
             </a:lvl9pPr>
           </a:lstStyle>
-          <a:p/>
+          <a:p>
+            <a:endParaRPr/>
+          </a:p>
         </p:txBody>
       </p:sp>
       <p:sp>
         <p:nvSpPr>
           <p:cNvPr id="23" name="Google Shape;23;p4"/>
-          <p:cNvSpPr txBox="1"/>
+          <p:cNvSpPr txBox="1">
+            <a:spLocks noGrp="1"/>
+          </p:cNvSpPr>
           <p:nvPr>
-            <p:ph idx="1" type="body"/>
+            <p:ph type="body" idx="1"/>
           </p:nvPr>
         </p:nvSpPr>
         <p:spPr>
@@ -3436,9 +3533,9 @@
           </a:ln>
         </p:spPr>
         <p:txBody>
-          <a:bodyPr anchorCtr="0" anchor="t" bIns="45700" lIns="91425" spcFirstLastPara="1" rIns="91425" wrap="square" tIns="45700"/>
+          <a:bodyPr spcFirstLastPara="1" wrap="square" lIns="91425" tIns="45700" rIns="91425" bIns="45700" anchor="t" anchorCtr="0"/>
           <a:lstStyle>
-            <a:lvl1pPr indent="-342900" lvl="0" marL="457200" algn="l">
+            <a:lvl1pPr marL="457200" lvl="0" indent="-342900" algn="l">
               <a:lnSpc>
                 <a:spcPct val="90000"/>
               </a:lnSpc>
@@ -3455,7 +3552,7 @@
               <a:buChar char="•"/>
               <a:defRPr/>
             </a:lvl1pPr>
-            <a:lvl2pPr indent="-342900" lvl="1" marL="914400" algn="l">
+            <a:lvl2pPr marL="914400" lvl="1" indent="-342900" algn="l">
               <a:lnSpc>
                 <a:spcPct val="90000"/>
               </a:lnSpc>
@@ -3472,7 +3569,7 @@
               <a:buChar char="•"/>
               <a:defRPr/>
             </a:lvl2pPr>
-            <a:lvl3pPr indent="-342900" lvl="2" marL="1371600" algn="l">
+            <a:lvl3pPr marL="1371600" lvl="2" indent="-342900" algn="l">
               <a:lnSpc>
                 <a:spcPct val="90000"/>
               </a:lnSpc>
@@ -3489,7 +3586,7 @@
               <a:buChar char="•"/>
               <a:defRPr/>
             </a:lvl3pPr>
-            <a:lvl4pPr indent="-342900" lvl="3" marL="1828800" algn="l">
+            <a:lvl4pPr marL="1828800" lvl="3" indent="-342900" algn="l">
               <a:lnSpc>
                 <a:spcPct val="90000"/>
               </a:lnSpc>
@@ -3506,7 +3603,7 @@
               <a:buChar char="•"/>
               <a:defRPr/>
             </a:lvl4pPr>
-            <a:lvl5pPr indent="-342900" lvl="4" marL="2286000" algn="l">
+            <a:lvl5pPr marL="2286000" lvl="4" indent="-342900" algn="l">
               <a:lnSpc>
                 <a:spcPct val="90000"/>
               </a:lnSpc>
@@ -3523,7 +3620,7 @@
               <a:buChar char="•"/>
               <a:defRPr/>
             </a:lvl5pPr>
-            <a:lvl6pPr indent="-342900" lvl="5" marL="2743200" algn="l">
+            <a:lvl6pPr marL="2743200" lvl="5" indent="-342900" algn="l">
               <a:lnSpc>
                 <a:spcPct val="90000"/>
               </a:lnSpc>
@@ -3540,7 +3637,7 @@
               <a:buChar char="•"/>
               <a:defRPr/>
             </a:lvl6pPr>
-            <a:lvl7pPr indent="-342900" lvl="6" marL="3200400" algn="l">
+            <a:lvl7pPr marL="3200400" lvl="6" indent="-342900" algn="l">
               <a:lnSpc>
                 <a:spcPct val="90000"/>
               </a:lnSpc>
@@ -3557,7 +3654,7 @@
               <a:buChar char="•"/>
               <a:defRPr/>
             </a:lvl7pPr>
-            <a:lvl8pPr indent="-342900" lvl="7" marL="3657600" algn="l">
+            <a:lvl8pPr marL="3657600" lvl="7" indent="-342900" algn="l">
               <a:lnSpc>
                 <a:spcPct val="90000"/>
               </a:lnSpc>
@@ -3574,7 +3671,7 @@
               <a:buChar char="•"/>
               <a:defRPr/>
             </a:lvl8pPr>
-            <a:lvl9pPr indent="-342900" lvl="8" marL="4114800" algn="l">
+            <a:lvl9pPr marL="4114800" lvl="8" indent="-342900" algn="l">
               <a:lnSpc>
                 <a:spcPct val="90000"/>
               </a:lnSpc>
@@ -3592,15 +3689,19 @@
               <a:defRPr/>
             </a:lvl9pPr>
           </a:lstStyle>
-          <a:p/>
+          <a:p>
+            <a:endParaRPr/>
+          </a:p>
         </p:txBody>
       </p:sp>
       <p:sp>
         <p:nvSpPr>
           <p:cNvPr id="24" name="Google Shape;24;p4"/>
-          <p:cNvSpPr txBox="1"/>
+          <p:cNvSpPr txBox="1">
+            <a:spLocks noGrp="1"/>
+          </p:cNvSpPr>
           <p:nvPr>
-            <p:ph idx="10" type="dt"/>
+            <p:ph type="dt" idx="10"/>
           </p:nvPr>
         </p:nvSpPr>
         <p:spPr>
@@ -3617,7 +3718,7 @@
           </a:ln>
         </p:spPr>
         <p:txBody>
-          <a:bodyPr anchorCtr="0" anchor="ctr" bIns="45700" lIns="91425" spcFirstLastPara="1" rIns="91425" wrap="square" tIns="45700"/>
+          <a:bodyPr spcFirstLastPara="1" wrap="square" lIns="91425" tIns="45700" rIns="91425" bIns="45700" anchor="ctr" anchorCtr="0"/>
           <a:lstStyle>
             <a:lvl1pPr lvl="0" algn="l">
               <a:spcBef>
@@ -3719,15 +3820,19 @@
               <a:defRPr/>
             </a:lvl9pPr>
           </a:lstStyle>
-          <a:p/>
+          <a:p>
+            <a:endParaRPr/>
+          </a:p>
         </p:txBody>
       </p:sp>
       <p:sp>
         <p:nvSpPr>
           <p:cNvPr id="25" name="Google Shape;25;p4"/>
-          <p:cNvSpPr txBox="1"/>
+          <p:cNvSpPr txBox="1">
+            <a:spLocks noGrp="1"/>
+          </p:cNvSpPr>
           <p:nvPr>
-            <p:ph idx="11" type="ftr"/>
+            <p:ph type="ftr" idx="11"/>
           </p:nvPr>
         </p:nvSpPr>
         <p:spPr>
@@ -3744,7 +3849,7 @@
           </a:ln>
         </p:spPr>
         <p:txBody>
-          <a:bodyPr anchorCtr="0" anchor="ctr" bIns="45700" lIns="91425" spcFirstLastPara="1" rIns="91425" wrap="square" tIns="45700"/>
+          <a:bodyPr spcFirstLastPara="1" wrap="square" lIns="91425" tIns="45700" rIns="91425" bIns="45700" anchor="ctr" anchorCtr="0"/>
           <a:lstStyle>
             <a:lvl1pPr lvl="0" algn="ctr">
               <a:spcBef>
@@ -3846,15 +3951,19 @@
               <a:defRPr/>
             </a:lvl9pPr>
           </a:lstStyle>
-          <a:p/>
+          <a:p>
+            <a:endParaRPr/>
+          </a:p>
         </p:txBody>
       </p:sp>
       <p:sp>
         <p:nvSpPr>
           <p:cNvPr id="26" name="Google Shape;26;p4"/>
-          <p:cNvSpPr txBox="1"/>
+          <p:cNvSpPr txBox="1">
+            <a:spLocks noGrp="1"/>
+          </p:cNvSpPr>
           <p:nvPr>
-            <p:ph idx="12" type="sldNum"/>
+            <p:ph type="sldNum" idx="12"/>
           </p:nvPr>
         </p:nvSpPr>
         <p:spPr>
@@ -3871,67 +3980,67 @@
           </a:ln>
         </p:spPr>
         <p:txBody>
-          <a:bodyPr anchorCtr="0" anchor="ctr" bIns="45700" lIns="91425" spcFirstLastPara="1" rIns="91425" wrap="square" tIns="45700">
+          <a:bodyPr spcFirstLastPara="1" wrap="square" lIns="91425" tIns="45700" rIns="91425" bIns="45700" anchor="ctr" anchorCtr="0">
             <a:noAutofit/>
           </a:bodyPr>
           <a:lstStyle>
-            <a:lvl1pPr indent="0" lvl="0" marL="0" algn="r">
+            <a:lvl1pPr marL="0" lvl="0" indent="0" algn="r">
               <a:spcBef>
                 <a:spcPts val="0"/>
               </a:spcBef>
               <a:buNone/>
               <a:defRPr/>
             </a:lvl1pPr>
-            <a:lvl2pPr indent="0" lvl="1" marL="0" algn="r">
+            <a:lvl2pPr marL="0" lvl="1" indent="0" algn="r">
               <a:spcBef>
                 <a:spcPts val="0"/>
               </a:spcBef>
               <a:buNone/>
               <a:defRPr/>
             </a:lvl2pPr>
-            <a:lvl3pPr indent="0" lvl="2" marL="0" algn="r">
+            <a:lvl3pPr marL="0" lvl="2" indent="0" algn="r">
               <a:spcBef>
                 <a:spcPts val="0"/>
               </a:spcBef>
               <a:buNone/>
               <a:defRPr/>
             </a:lvl3pPr>
-            <a:lvl4pPr indent="0" lvl="3" marL="0" algn="r">
+            <a:lvl4pPr marL="0" lvl="3" indent="0" algn="r">
               <a:spcBef>
                 <a:spcPts val="0"/>
               </a:spcBef>
               <a:buNone/>
               <a:defRPr/>
             </a:lvl4pPr>
-            <a:lvl5pPr indent="0" lvl="4" marL="0" algn="r">
+            <a:lvl5pPr marL="0" lvl="4" indent="0" algn="r">
               <a:spcBef>
                 <a:spcPts val="0"/>
               </a:spcBef>
               <a:buNone/>
               <a:defRPr/>
             </a:lvl5pPr>
-            <a:lvl6pPr indent="0" lvl="5" marL="0" algn="r">
+            <a:lvl6pPr marL="0" lvl="5" indent="0" algn="r">
               <a:spcBef>
                 <a:spcPts val="0"/>
               </a:spcBef>
               <a:buNone/>
               <a:defRPr/>
             </a:lvl6pPr>
-            <a:lvl7pPr indent="0" lvl="6" marL="0" algn="r">
+            <a:lvl7pPr marL="0" lvl="6" indent="0" algn="r">
               <a:spcBef>
                 <a:spcPts val="0"/>
               </a:spcBef>
               <a:buNone/>
               <a:defRPr/>
             </a:lvl7pPr>
-            <a:lvl8pPr indent="0" lvl="7" marL="0" algn="r">
+            <a:lvl8pPr marL="0" lvl="7" indent="0" algn="r">
               <a:spcBef>
                 <a:spcPts val="0"/>
               </a:spcBef>
               <a:buNone/>
               <a:defRPr/>
             </a:lvl8pPr>
-            <a:lvl9pPr indent="0" lvl="8" marL="0" algn="r">
+            <a:lvl9pPr marL="0" lvl="8" indent="0" algn="r">
               <a:spcBef>
                 <a:spcPts val="0"/>
               </a:spcBef>
@@ -3940,7 +4049,7 @@
             </a:lvl9pPr>
           </a:lstStyle>
           <a:p>
-            <a:pPr indent="0" lvl="0" marL="0" rtl="0" algn="r">
+            <a:pPr marL="0" lvl="0" indent="0" algn="r" rtl="0">
               <a:spcBef>
                 <a:spcPts val="0"/>
               </a:spcBef>
@@ -3966,11 +4075,11 @@
 </file>
 
 <file path=ppt/slideLayouts/slideLayout4.xml><?xml version="1.0" encoding="utf-8"?>
-<p:sldLayout xmlns:a="http://schemas.openxmlformats.org/drawingml/2006/main" xmlns:r="http://schemas.openxmlformats.org/officeDocument/2006/relationships" xmlns:mc="http://schemas.openxmlformats.org/markup-compatibility/2006" xmlns:mv="urn:schemas-microsoft-com:mac:vml" xmlns:p="http://schemas.openxmlformats.org/presentationml/2006/main" xmlns:c="http://schemas.openxmlformats.org/drawingml/2006/chart" xmlns:dgm="http://schemas.openxmlformats.org/drawingml/2006/diagram" xmlns:o="urn:schemas-microsoft-com:office:office" xmlns:v="urn:schemas-microsoft-com:vml" xmlns:pvml="urn:schemas-microsoft-com:office:powerpoint" xmlns:com="http://schemas.openxmlformats.org/drawingml/2006/compatibility" xmlns:p14="http://schemas.microsoft.com/office/powerpoint/2010/main" xmlns:p15="http://schemas.microsoft.com/office/powerpoint/2012/main" matchingName="Section Header" type="secHead">
+<p:sldLayout xmlns:a="http://schemas.openxmlformats.org/drawingml/2006/main" xmlns:r="http://schemas.openxmlformats.org/officeDocument/2006/relationships" xmlns:p="http://schemas.openxmlformats.org/presentationml/2006/main" matchingName="Section Header" type="secHead">
   <p:cSld name="SECTION_HEADER">
     <p:spTree>
       <p:nvGrpSpPr>
-        <p:cNvPr id="27" name="Shape 27"/>
+        <p:cNvPr id="1" name="Shape 27"/>
         <p:cNvGrpSpPr/>
         <p:nvPr/>
       </p:nvGrpSpPr>
@@ -3985,7 +4094,9 @@
       <p:sp>
         <p:nvSpPr>
           <p:cNvPr id="28" name="Google Shape;28;p5"/>
-          <p:cNvSpPr txBox="1"/>
+          <p:cNvSpPr txBox="1">
+            <a:spLocks noGrp="1"/>
+          </p:cNvSpPr>
           <p:nvPr>
             <p:ph type="title"/>
           </p:nvPr>
@@ -4004,7 +4115,7 @@
           </a:ln>
         </p:spPr>
         <p:txBody>
-          <a:bodyPr anchorCtr="0" anchor="b" bIns="45700" lIns="91425" spcFirstLastPara="1" rIns="91425" wrap="square" tIns="45700"/>
+          <a:bodyPr spcFirstLastPara="1" wrap="square" lIns="91425" tIns="45700" rIns="91425" bIns="45700" anchor="b" anchorCtr="0"/>
           <a:lstStyle>
             <a:lvl1pPr lvl="0" algn="l">
               <a:lnSpc>
@@ -4113,15 +4224,19 @@
               <a:defRPr/>
             </a:lvl9pPr>
           </a:lstStyle>
-          <a:p/>
+          <a:p>
+            <a:endParaRPr/>
+          </a:p>
         </p:txBody>
       </p:sp>
       <p:sp>
         <p:nvSpPr>
           <p:cNvPr id="29" name="Google Shape;29;p5"/>
-          <p:cNvSpPr txBox="1"/>
+          <p:cNvSpPr txBox="1">
+            <a:spLocks noGrp="1"/>
+          </p:cNvSpPr>
           <p:nvPr>
-            <p:ph idx="1" type="body"/>
+            <p:ph type="body" idx="1"/>
           </p:nvPr>
         </p:nvSpPr>
         <p:spPr>
@@ -4138,9 +4253,9 @@
           </a:ln>
         </p:spPr>
         <p:txBody>
-          <a:bodyPr anchorCtr="0" anchor="t" bIns="45700" lIns="91425" spcFirstLastPara="1" rIns="91425" wrap="square" tIns="45700"/>
+          <a:bodyPr spcFirstLastPara="1" wrap="square" lIns="91425" tIns="45700" rIns="91425" bIns="45700" anchor="t" anchorCtr="0"/>
           <a:lstStyle>
-            <a:lvl1pPr indent="-228600" lvl="0" marL="457200" algn="l">
+            <a:lvl1pPr marL="457200" lvl="0" indent="-228600" algn="l">
               <a:lnSpc>
                 <a:spcPct val="90000"/>
               </a:lnSpc>
@@ -4161,7 +4276,7 @@
                 </a:solidFill>
               </a:defRPr>
             </a:lvl1pPr>
-            <a:lvl2pPr indent="-228600" lvl="1" marL="914400" algn="l">
+            <a:lvl2pPr marL="914400" lvl="1" indent="-228600" algn="l">
               <a:lnSpc>
                 <a:spcPct val="90000"/>
               </a:lnSpc>
@@ -4182,7 +4297,7 @@
                 </a:solidFill>
               </a:defRPr>
             </a:lvl2pPr>
-            <a:lvl3pPr indent="-228600" lvl="2" marL="1371600" algn="l">
+            <a:lvl3pPr marL="1371600" lvl="2" indent="-228600" algn="l">
               <a:lnSpc>
                 <a:spcPct val="90000"/>
               </a:lnSpc>
@@ -4203,7 +4318,7 @@
                 </a:solidFill>
               </a:defRPr>
             </a:lvl3pPr>
-            <a:lvl4pPr indent="-228600" lvl="3" marL="1828800" algn="l">
+            <a:lvl4pPr marL="1828800" lvl="3" indent="-228600" algn="l">
               <a:lnSpc>
                 <a:spcPct val="90000"/>
               </a:lnSpc>
@@ -4224,7 +4339,7 @@
                 </a:solidFill>
               </a:defRPr>
             </a:lvl4pPr>
-            <a:lvl5pPr indent="-228600" lvl="4" marL="2286000" algn="l">
+            <a:lvl5pPr marL="2286000" lvl="4" indent="-228600" algn="l">
               <a:lnSpc>
                 <a:spcPct val="90000"/>
               </a:lnSpc>
@@ -4245,7 +4360,7 @@
                 </a:solidFill>
               </a:defRPr>
             </a:lvl5pPr>
-            <a:lvl6pPr indent="-228600" lvl="5" marL="2743200" algn="l">
+            <a:lvl6pPr marL="2743200" lvl="5" indent="-228600" algn="l">
               <a:lnSpc>
                 <a:spcPct val="90000"/>
               </a:lnSpc>
@@ -4266,7 +4381,7 @@
                 </a:solidFill>
               </a:defRPr>
             </a:lvl6pPr>
-            <a:lvl7pPr indent="-228600" lvl="6" marL="3200400" algn="l">
+            <a:lvl7pPr marL="3200400" lvl="6" indent="-228600" algn="l">
               <a:lnSpc>
                 <a:spcPct val="90000"/>
               </a:lnSpc>
@@ -4287,7 +4402,7 @@
                 </a:solidFill>
               </a:defRPr>
             </a:lvl7pPr>
-            <a:lvl8pPr indent="-228600" lvl="7" marL="3657600" algn="l">
+            <a:lvl8pPr marL="3657600" lvl="7" indent="-228600" algn="l">
               <a:lnSpc>
                 <a:spcPct val="90000"/>
               </a:lnSpc>
@@ -4308,7 +4423,7 @@
                 </a:solidFill>
               </a:defRPr>
             </a:lvl8pPr>
-            <a:lvl9pPr indent="-228600" lvl="8" marL="4114800" algn="l">
+            <a:lvl9pPr marL="4114800" lvl="8" indent="-228600" algn="l">
               <a:lnSpc>
                 <a:spcPct val="90000"/>
               </a:lnSpc>
@@ -4330,15 +4445,19 @@
               </a:defRPr>
             </a:lvl9pPr>
           </a:lstStyle>
-          <a:p/>
+          <a:p>
+            <a:endParaRPr/>
+          </a:p>
         </p:txBody>
       </p:sp>
       <p:sp>
         <p:nvSpPr>
           <p:cNvPr id="30" name="Google Shape;30;p5"/>
-          <p:cNvSpPr txBox="1"/>
+          <p:cNvSpPr txBox="1">
+            <a:spLocks noGrp="1"/>
+          </p:cNvSpPr>
           <p:nvPr>
-            <p:ph idx="10" type="dt"/>
+            <p:ph type="dt" idx="10"/>
           </p:nvPr>
         </p:nvSpPr>
         <p:spPr>
@@ -4355,7 +4474,7 @@
           </a:ln>
         </p:spPr>
         <p:txBody>
-          <a:bodyPr anchorCtr="0" anchor="ctr" bIns="45700" lIns="91425" spcFirstLastPara="1" rIns="91425" wrap="square" tIns="45700"/>
+          <a:bodyPr spcFirstLastPara="1" wrap="square" lIns="91425" tIns="45700" rIns="91425" bIns="45700" anchor="ctr" anchorCtr="0"/>
           <a:lstStyle>
             <a:lvl1pPr lvl="0" algn="l">
               <a:spcBef>
@@ -4457,15 +4576,19 @@
               <a:defRPr/>
             </a:lvl9pPr>
           </a:lstStyle>
-          <a:p/>
+          <a:p>
+            <a:endParaRPr/>
+          </a:p>
         </p:txBody>
       </p:sp>
       <p:sp>
         <p:nvSpPr>
           <p:cNvPr id="31" name="Google Shape;31;p5"/>
-          <p:cNvSpPr txBox="1"/>
+          <p:cNvSpPr txBox="1">
+            <a:spLocks noGrp="1"/>
+          </p:cNvSpPr>
           <p:nvPr>
-            <p:ph idx="11" type="ftr"/>
+            <p:ph type="ftr" idx="11"/>
           </p:nvPr>
         </p:nvSpPr>
         <p:spPr>
@@ -4482,7 +4605,7 @@
           </a:ln>
         </p:spPr>
         <p:txBody>
-          <a:bodyPr anchorCtr="0" anchor="ctr" bIns="45700" lIns="91425" spcFirstLastPara="1" rIns="91425" wrap="square" tIns="45700"/>
+          <a:bodyPr spcFirstLastPara="1" wrap="square" lIns="91425" tIns="45700" rIns="91425" bIns="45700" anchor="ctr" anchorCtr="0"/>
           <a:lstStyle>
             <a:lvl1pPr lvl="0" algn="ctr">
               <a:spcBef>
@@ -4584,15 +4707,19 @@
               <a:defRPr/>
             </a:lvl9pPr>
           </a:lstStyle>
-          <a:p/>
+          <a:p>
+            <a:endParaRPr/>
+          </a:p>
         </p:txBody>
       </p:sp>
       <p:sp>
         <p:nvSpPr>
           <p:cNvPr id="32" name="Google Shape;32;p5"/>
-          <p:cNvSpPr txBox="1"/>
+          <p:cNvSpPr txBox="1">
+            <a:spLocks noGrp="1"/>
+          </p:cNvSpPr>
           <p:nvPr>
-            <p:ph idx="12" type="sldNum"/>
+            <p:ph type="sldNum" idx="12"/>
           </p:nvPr>
         </p:nvSpPr>
         <p:spPr>
@@ -4609,67 +4736,67 @@
           </a:ln>
         </p:spPr>
         <p:txBody>
-          <a:bodyPr anchorCtr="0" anchor="ctr" bIns="45700" lIns="91425" spcFirstLastPara="1" rIns="91425" wrap="square" tIns="45700">
+          <a:bodyPr spcFirstLastPara="1" wrap="square" lIns="91425" tIns="45700" rIns="91425" bIns="45700" anchor="ctr" anchorCtr="0">
             <a:noAutofit/>
           </a:bodyPr>
           <a:lstStyle>
-            <a:lvl1pPr indent="0" lvl="0" marL="0" algn="r">
+            <a:lvl1pPr marL="0" lvl="0" indent="0" algn="r">
               <a:spcBef>
                 <a:spcPts val="0"/>
               </a:spcBef>
               <a:buNone/>
               <a:defRPr/>
             </a:lvl1pPr>
-            <a:lvl2pPr indent="0" lvl="1" marL="0" algn="r">
+            <a:lvl2pPr marL="0" lvl="1" indent="0" algn="r">
               <a:spcBef>
                 <a:spcPts val="0"/>
               </a:spcBef>
               <a:buNone/>
               <a:defRPr/>
             </a:lvl2pPr>
-            <a:lvl3pPr indent="0" lvl="2" marL="0" algn="r">
+            <a:lvl3pPr marL="0" lvl="2" indent="0" algn="r">
               <a:spcBef>
                 <a:spcPts val="0"/>
               </a:spcBef>
               <a:buNone/>
               <a:defRPr/>
             </a:lvl3pPr>
-            <a:lvl4pPr indent="0" lvl="3" marL="0" algn="r">
+            <a:lvl4pPr marL="0" lvl="3" indent="0" algn="r">
               <a:spcBef>
                 <a:spcPts val="0"/>
               </a:spcBef>
               <a:buNone/>
               <a:defRPr/>
             </a:lvl4pPr>
-            <a:lvl5pPr indent="0" lvl="4" marL="0" algn="r">
+            <a:lvl5pPr marL="0" lvl="4" indent="0" algn="r">
               <a:spcBef>
                 <a:spcPts val="0"/>
               </a:spcBef>
               <a:buNone/>
               <a:defRPr/>
             </a:lvl5pPr>
-            <a:lvl6pPr indent="0" lvl="5" marL="0" algn="r">
+            <a:lvl6pPr marL="0" lvl="5" indent="0" algn="r">
               <a:spcBef>
                 <a:spcPts val="0"/>
               </a:spcBef>
               <a:buNone/>
               <a:defRPr/>
             </a:lvl6pPr>
-            <a:lvl7pPr indent="0" lvl="6" marL="0" algn="r">
+            <a:lvl7pPr marL="0" lvl="6" indent="0" algn="r">
               <a:spcBef>
                 <a:spcPts val="0"/>
               </a:spcBef>
               <a:buNone/>
               <a:defRPr/>
             </a:lvl7pPr>
-            <a:lvl8pPr indent="0" lvl="7" marL="0" algn="r">
+            <a:lvl8pPr marL="0" lvl="7" indent="0" algn="r">
               <a:spcBef>
                 <a:spcPts val="0"/>
               </a:spcBef>
               <a:buNone/>
               <a:defRPr/>
             </a:lvl8pPr>
-            <a:lvl9pPr indent="0" lvl="8" marL="0" algn="r">
+            <a:lvl9pPr marL="0" lvl="8" indent="0" algn="r">
               <a:spcBef>
                 <a:spcPts val="0"/>
               </a:spcBef>
@@ -4678,7 +4805,7 @@
             </a:lvl9pPr>
           </a:lstStyle>
           <a:p>
-            <a:pPr indent="0" lvl="0" marL="0" rtl="0" algn="r">
+            <a:pPr marL="0" lvl="0" indent="0" algn="r" rtl="0">
               <a:spcBef>
                 <a:spcPts val="0"/>
               </a:spcBef>
@@ -4704,11 +4831,11 @@
 </file>
 
 <file path=ppt/slideLayouts/slideLayout5.xml><?xml version="1.0" encoding="utf-8"?>
-<p:sldLayout xmlns:a="http://schemas.openxmlformats.org/drawingml/2006/main" xmlns:r="http://schemas.openxmlformats.org/officeDocument/2006/relationships" xmlns:mc="http://schemas.openxmlformats.org/markup-compatibility/2006" xmlns:mv="urn:schemas-microsoft-com:mac:vml" xmlns:p="http://schemas.openxmlformats.org/presentationml/2006/main" xmlns:c="http://schemas.openxmlformats.org/drawingml/2006/chart" xmlns:dgm="http://schemas.openxmlformats.org/drawingml/2006/diagram" xmlns:o="urn:schemas-microsoft-com:office:office" xmlns:v="urn:schemas-microsoft-com:vml" xmlns:pvml="urn:schemas-microsoft-com:office:powerpoint" xmlns:com="http://schemas.openxmlformats.org/drawingml/2006/compatibility" xmlns:p14="http://schemas.microsoft.com/office/powerpoint/2010/main" xmlns:p15="http://schemas.microsoft.com/office/powerpoint/2012/main" matchingName="Two Content" type="twoObj">
+<p:sldLayout xmlns:a="http://schemas.openxmlformats.org/drawingml/2006/main" xmlns:r="http://schemas.openxmlformats.org/officeDocument/2006/relationships" xmlns:p="http://schemas.openxmlformats.org/presentationml/2006/main" matchingName="Two Content" type="twoObj">
   <p:cSld name="TWO_OBJECTS">
     <p:spTree>
       <p:nvGrpSpPr>
-        <p:cNvPr id="33" name="Shape 33"/>
+        <p:cNvPr id="1" name="Shape 33"/>
         <p:cNvGrpSpPr/>
         <p:nvPr/>
       </p:nvGrpSpPr>
@@ -4723,7 +4850,9 @@
       <p:sp>
         <p:nvSpPr>
           <p:cNvPr id="34" name="Google Shape;34;p6"/>
-          <p:cNvSpPr txBox="1"/>
+          <p:cNvSpPr txBox="1">
+            <a:spLocks noGrp="1"/>
+          </p:cNvSpPr>
           <p:nvPr>
             <p:ph type="title"/>
           </p:nvPr>
@@ -4742,7 +4871,7 @@
           </a:ln>
         </p:spPr>
         <p:txBody>
-          <a:bodyPr anchorCtr="0" anchor="ctr" bIns="45700" lIns="91425" spcFirstLastPara="1" rIns="91425" wrap="square" tIns="45700"/>
+          <a:bodyPr spcFirstLastPara="1" wrap="square" lIns="91425" tIns="45700" rIns="91425" bIns="45700" anchor="ctr" anchorCtr="0"/>
           <a:lstStyle>
             <a:lvl1pPr lvl="0" algn="l">
               <a:lnSpc>
@@ -4850,15 +4979,19 @@
               <a:defRPr/>
             </a:lvl9pPr>
           </a:lstStyle>
-          <a:p/>
+          <a:p>
+            <a:endParaRPr/>
+          </a:p>
         </p:txBody>
       </p:sp>
       <p:sp>
         <p:nvSpPr>
           <p:cNvPr id="35" name="Google Shape;35;p6"/>
-          <p:cNvSpPr txBox="1"/>
+          <p:cNvSpPr txBox="1">
+            <a:spLocks noGrp="1"/>
+          </p:cNvSpPr>
           <p:nvPr>
-            <p:ph idx="1" type="body"/>
+            <p:ph type="body" idx="1"/>
           </p:nvPr>
         </p:nvSpPr>
         <p:spPr>
@@ -4875,9 +5008,9 @@
           </a:ln>
         </p:spPr>
         <p:txBody>
-          <a:bodyPr anchorCtr="0" anchor="t" bIns="45700" lIns="91425" spcFirstLastPara="1" rIns="91425" wrap="square" tIns="45700"/>
+          <a:bodyPr spcFirstLastPara="1" wrap="square" lIns="91425" tIns="45700" rIns="91425" bIns="45700" anchor="t" anchorCtr="0"/>
           <a:lstStyle>
-            <a:lvl1pPr indent="-342900" lvl="0" marL="457200" algn="l">
+            <a:lvl1pPr marL="457200" lvl="0" indent="-342900" algn="l">
               <a:lnSpc>
                 <a:spcPct val="90000"/>
               </a:lnSpc>
@@ -4894,7 +5027,7 @@
               <a:buChar char="•"/>
               <a:defRPr/>
             </a:lvl1pPr>
-            <a:lvl2pPr indent="-342900" lvl="1" marL="914400" algn="l">
+            <a:lvl2pPr marL="914400" lvl="1" indent="-342900" algn="l">
               <a:lnSpc>
                 <a:spcPct val="90000"/>
               </a:lnSpc>
@@ -4911,7 +5044,7 @@
               <a:buChar char="•"/>
               <a:defRPr/>
             </a:lvl2pPr>
-            <a:lvl3pPr indent="-342900" lvl="2" marL="1371600" algn="l">
+            <a:lvl3pPr marL="1371600" lvl="2" indent="-342900" algn="l">
               <a:lnSpc>
                 <a:spcPct val="90000"/>
               </a:lnSpc>
@@ -4928,7 +5061,7 @@
               <a:buChar char="•"/>
               <a:defRPr/>
             </a:lvl3pPr>
-            <a:lvl4pPr indent="-342900" lvl="3" marL="1828800" algn="l">
+            <a:lvl4pPr marL="1828800" lvl="3" indent="-342900" algn="l">
               <a:lnSpc>
                 <a:spcPct val="90000"/>
               </a:lnSpc>
@@ -4945,7 +5078,7 @@
               <a:buChar char="•"/>
               <a:defRPr/>
             </a:lvl4pPr>
-            <a:lvl5pPr indent="-342900" lvl="4" marL="2286000" algn="l">
+            <a:lvl5pPr marL="2286000" lvl="4" indent="-342900" algn="l">
               <a:lnSpc>
                 <a:spcPct val="90000"/>
               </a:lnSpc>
@@ -4962,7 +5095,7 @@
               <a:buChar char="•"/>
               <a:defRPr/>
             </a:lvl5pPr>
-            <a:lvl6pPr indent="-342900" lvl="5" marL="2743200" algn="l">
+            <a:lvl6pPr marL="2743200" lvl="5" indent="-342900" algn="l">
               <a:lnSpc>
                 <a:spcPct val="90000"/>
               </a:lnSpc>
@@ -4979,7 +5112,7 @@
               <a:buChar char="•"/>
               <a:defRPr/>
             </a:lvl6pPr>
-            <a:lvl7pPr indent="-342900" lvl="6" marL="3200400" algn="l">
+            <a:lvl7pPr marL="3200400" lvl="6" indent="-342900" algn="l">
               <a:lnSpc>
                 <a:spcPct val="90000"/>
               </a:lnSpc>
@@ -4996,7 +5129,7 @@
               <a:buChar char="•"/>
               <a:defRPr/>
             </a:lvl7pPr>
-            <a:lvl8pPr indent="-342900" lvl="7" marL="3657600" algn="l">
+            <a:lvl8pPr marL="3657600" lvl="7" indent="-342900" algn="l">
               <a:lnSpc>
                 <a:spcPct val="90000"/>
               </a:lnSpc>
@@ -5013,7 +5146,7 @@
               <a:buChar char="•"/>
               <a:defRPr/>
             </a:lvl8pPr>
-            <a:lvl9pPr indent="-342900" lvl="8" marL="4114800" algn="l">
+            <a:lvl9pPr marL="4114800" lvl="8" indent="-342900" algn="l">
               <a:lnSpc>
                 <a:spcPct val="90000"/>
               </a:lnSpc>
@@ -5031,15 +5164,19 @@
               <a:defRPr/>
             </a:lvl9pPr>
           </a:lstStyle>
-          <a:p/>
+          <a:p>
+            <a:endParaRPr/>
+          </a:p>
         </p:txBody>
       </p:sp>
       <p:sp>
         <p:nvSpPr>
           <p:cNvPr id="36" name="Google Shape;36;p6"/>
-          <p:cNvSpPr txBox="1"/>
+          <p:cNvSpPr txBox="1">
+            <a:spLocks noGrp="1"/>
+          </p:cNvSpPr>
           <p:nvPr>
-            <p:ph idx="2" type="body"/>
+            <p:ph type="body" idx="2"/>
           </p:nvPr>
         </p:nvSpPr>
         <p:spPr>
@@ -5056,9 +5193,9 @@
           </a:ln>
         </p:spPr>
         <p:txBody>
-          <a:bodyPr anchorCtr="0" anchor="t" bIns="45700" lIns="91425" spcFirstLastPara="1" rIns="91425" wrap="square" tIns="45700"/>
+          <a:bodyPr spcFirstLastPara="1" wrap="square" lIns="91425" tIns="45700" rIns="91425" bIns="45700" anchor="t" anchorCtr="0"/>
           <a:lstStyle>
-            <a:lvl1pPr indent="-342900" lvl="0" marL="457200" algn="l">
+            <a:lvl1pPr marL="457200" lvl="0" indent="-342900" algn="l">
               <a:lnSpc>
                 <a:spcPct val="90000"/>
               </a:lnSpc>
@@ -5075,7 +5212,7 @@
               <a:buChar char="•"/>
               <a:defRPr/>
             </a:lvl1pPr>
-            <a:lvl2pPr indent="-342900" lvl="1" marL="914400" algn="l">
+            <a:lvl2pPr marL="914400" lvl="1" indent="-342900" algn="l">
               <a:lnSpc>
                 <a:spcPct val="90000"/>
               </a:lnSpc>
@@ -5092,7 +5229,7 @@
               <a:buChar char="•"/>
               <a:defRPr/>
             </a:lvl2pPr>
-            <a:lvl3pPr indent="-342900" lvl="2" marL="1371600" algn="l">
+            <a:lvl3pPr marL="1371600" lvl="2" indent="-342900" algn="l">
               <a:lnSpc>
                 <a:spcPct val="90000"/>
               </a:lnSpc>
@@ -5109,7 +5246,7 @@
               <a:buChar char="•"/>
               <a:defRPr/>
             </a:lvl3pPr>
-            <a:lvl4pPr indent="-342900" lvl="3" marL="1828800" algn="l">
+            <a:lvl4pPr marL="1828800" lvl="3" indent="-342900" algn="l">
               <a:lnSpc>
                 <a:spcPct val="90000"/>
               </a:lnSpc>
@@ -5126,7 +5263,7 @@
               <a:buChar char="•"/>
               <a:defRPr/>
             </a:lvl4pPr>
-            <a:lvl5pPr indent="-342900" lvl="4" marL="2286000" algn="l">
+            <a:lvl5pPr marL="2286000" lvl="4" indent="-342900" algn="l">
               <a:lnSpc>
                 <a:spcPct val="90000"/>
               </a:lnSpc>
@@ -5143,7 +5280,7 @@
               <a:buChar char="•"/>
               <a:defRPr/>
             </a:lvl5pPr>
-            <a:lvl6pPr indent="-342900" lvl="5" marL="2743200" algn="l">
+            <a:lvl6pPr marL="2743200" lvl="5" indent="-342900" algn="l">
               <a:lnSpc>
                 <a:spcPct val="90000"/>
               </a:lnSpc>
@@ -5160,7 +5297,7 @@
               <a:buChar char="•"/>
               <a:defRPr/>
             </a:lvl6pPr>
-            <a:lvl7pPr indent="-342900" lvl="6" marL="3200400" algn="l">
+            <a:lvl7pPr marL="3200400" lvl="6" indent="-342900" algn="l">
               <a:lnSpc>
                 <a:spcPct val="90000"/>
               </a:lnSpc>
@@ -5177,7 +5314,7 @@
               <a:buChar char="•"/>
               <a:defRPr/>
             </a:lvl7pPr>
-            <a:lvl8pPr indent="-342900" lvl="7" marL="3657600" algn="l">
+            <a:lvl8pPr marL="3657600" lvl="7" indent="-342900" algn="l">
               <a:lnSpc>
                 <a:spcPct val="90000"/>
               </a:lnSpc>
@@ -5194,7 +5331,7 @@
               <a:buChar char="•"/>
               <a:defRPr/>
             </a:lvl8pPr>
-            <a:lvl9pPr indent="-342900" lvl="8" marL="4114800" algn="l">
+            <a:lvl9pPr marL="4114800" lvl="8" indent="-342900" algn="l">
               <a:lnSpc>
                 <a:spcPct val="90000"/>
               </a:lnSpc>
@@ -5212,15 +5349,19 @@
               <a:defRPr/>
             </a:lvl9pPr>
           </a:lstStyle>
-          <a:p/>
+          <a:p>
+            <a:endParaRPr/>
+          </a:p>
         </p:txBody>
       </p:sp>
       <p:sp>
         <p:nvSpPr>
           <p:cNvPr id="37" name="Google Shape;37;p6"/>
-          <p:cNvSpPr txBox="1"/>
+          <p:cNvSpPr txBox="1">
+            <a:spLocks noGrp="1"/>
+          </p:cNvSpPr>
           <p:nvPr>
-            <p:ph idx="10" type="dt"/>
+            <p:ph type="dt" idx="10"/>
           </p:nvPr>
         </p:nvSpPr>
         <p:spPr>
@@ -5237,7 +5378,7 @@
           </a:ln>
         </p:spPr>
         <p:txBody>
-          <a:bodyPr anchorCtr="0" anchor="ctr" bIns="45700" lIns="91425" spcFirstLastPara="1" rIns="91425" wrap="square" tIns="45700"/>
+          <a:bodyPr spcFirstLastPara="1" wrap="square" lIns="91425" tIns="45700" rIns="91425" bIns="45700" anchor="ctr" anchorCtr="0"/>
           <a:lstStyle>
             <a:lvl1pPr lvl="0" algn="l">
               <a:spcBef>
@@ -5339,15 +5480,19 @@
               <a:defRPr/>
             </a:lvl9pPr>
           </a:lstStyle>
-          <a:p/>
+          <a:p>
+            <a:endParaRPr/>
+          </a:p>
         </p:txBody>
       </p:sp>
       <p:sp>
         <p:nvSpPr>
           <p:cNvPr id="38" name="Google Shape;38;p6"/>
-          <p:cNvSpPr txBox="1"/>
+          <p:cNvSpPr txBox="1">
+            <a:spLocks noGrp="1"/>
+          </p:cNvSpPr>
           <p:nvPr>
-            <p:ph idx="11" type="ftr"/>
+            <p:ph type="ftr" idx="11"/>
           </p:nvPr>
         </p:nvSpPr>
         <p:spPr>
@@ -5364,7 +5509,7 @@
           </a:ln>
         </p:spPr>
         <p:txBody>
-          <a:bodyPr anchorCtr="0" anchor="ctr" bIns="45700" lIns="91425" spcFirstLastPara="1" rIns="91425" wrap="square" tIns="45700"/>
+          <a:bodyPr spcFirstLastPara="1" wrap="square" lIns="91425" tIns="45700" rIns="91425" bIns="45700" anchor="ctr" anchorCtr="0"/>
           <a:lstStyle>
             <a:lvl1pPr lvl="0" algn="ctr">
               <a:spcBef>
@@ -5466,15 +5611,19 @@
               <a:defRPr/>
             </a:lvl9pPr>
           </a:lstStyle>
-          <a:p/>
+          <a:p>
+            <a:endParaRPr/>
+          </a:p>
         </p:txBody>
       </p:sp>
       <p:sp>
         <p:nvSpPr>
           <p:cNvPr id="39" name="Google Shape;39;p6"/>
-          <p:cNvSpPr txBox="1"/>
+          <p:cNvSpPr txBox="1">
+            <a:spLocks noGrp="1"/>
+          </p:cNvSpPr>
           <p:nvPr>
-            <p:ph idx="12" type="sldNum"/>
+            <p:ph type="sldNum" idx="12"/>
           </p:nvPr>
         </p:nvSpPr>
         <p:spPr>
@@ -5491,67 +5640,67 @@
           </a:ln>
         </p:spPr>
         <p:txBody>
-          <a:bodyPr anchorCtr="0" anchor="ctr" bIns="45700" lIns="91425" spcFirstLastPara="1" rIns="91425" wrap="square" tIns="45700">
+          <a:bodyPr spcFirstLastPara="1" wrap="square" lIns="91425" tIns="45700" rIns="91425" bIns="45700" anchor="ctr" anchorCtr="0">
             <a:noAutofit/>
           </a:bodyPr>
           <a:lstStyle>
-            <a:lvl1pPr indent="0" lvl="0" marL="0" algn="r">
+            <a:lvl1pPr marL="0" lvl="0" indent="0" algn="r">
               <a:spcBef>
                 <a:spcPts val="0"/>
               </a:spcBef>
               <a:buNone/>
               <a:defRPr/>
             </a:lvl1pPr>
-            <a:lvl2pPr indent="0" lvl="1" marL="0" algn="r">
+            <a:lvl2pPr marL="0" lvl="1" indent="0" algn="r">
               <a:spcBef>
                 <a:spcPts val="0"/>
               </a:spcBef>
               <a:buNone/>
               <a:defRPr/>
             </a:lvl2pPr>
-            <a:lvl3pPr indent="0" lvl="2" marL="0" algn="r">
+            <a:lvl3pPr marL="0" lvl="2" indent="0" algn="r">
               <a:spcBef>
                 <a:spcPts val="0"/>
               </a:spcBef>
               <a:buNone/>
               <a:defRPr/>
             </a:lvl3pPr>
-            <a:lvl4pPr indent="0" lvl="3" marL="0" algn="r">
+            <a:lvl4pPr marL="0" lvl="3" indent="0" algn="r">
               <a:spcBef>
                 <a:spcPts val="0"/>
               </a:spcBef>
               <a:buNone/>
               <a:defRPr/>
             </a:lvl4pPr>
-            <a:lvl5pPr indent="0" lvl="4" marL="0" algn="r">
+            <a:lvl5pPr marL="0" lvl="4" indent="0" algn="r">
               <a:spcBef>
                 <a:spcPts val="0"/>
               </a:spcBef>
               <a:buNone/>
               <a:defRPr/>
             </a:lvl5pPr>
-            <a:lvl6pPr indent="0" lvl="5" marL="0" algn="r">
+            <a:lvl6pPr marL="0" lvl="5" indent="0" algn="r">
               <a:spcBef>
                 <a:spcPts val="0"/>
               </a:spcBef>
               <a:buNone/>
               <a:defRPr/>
             </a:lvl6pPr>
-            <a:lvl7pPr indent="0" lvl="6" marL="0" algn="r">
+            <a:lvl7pPr marL="0" lvl="6" indent="0" algn="r">
               <a:spcBef>
                 <a:spcPts val="0"/>
               </a:spcBef>
               <a:buNone/>
               <a:defRPr/>
             </a:lvl7pPr>
-            <a:lvl8pPr indent="0" lvl="7" marL="0" algn="r">
+            <a:lvl8pPr marL="0" lvl="7" indent="0" algn="r">
               <a:spcBef>
                 <a:spcPts val="0"/>
               </a:spcBef>
               <a:buNone/>
               <a:defRPr/>
             </a:lvl8pPr>
-            <a:lvl9pPr indent="0" lvl="8" marL="0" algn="r">
+            <a:lvl9pPr marL="0" lvl="8" indent="0" algn="r">
               <a:spcBef>
                 <a:spcPts val="0"/>
               </a:spcBef>
@@ -5560,7 +5709,7 @@
             </a:lvl9pPr>
           </a:lstStyle>
           <a:p>
-            <a:pPr indent="0" lvl="0" marL="0" rtl="0" algn="r">
+            <a:pPr marL="0" lvl="0" indent="0" algn="r" rtl="0">
               <a:spcBef>
                 <a:spcPts val="0"/>
               </a:spcBef>
@@ -5586,11 +5735,11 @@
 </file>
 
 <file path=ppt/slideLayouts/slideLayout6.xml><?xml version="1.0" encoding="utf-8"?>
-<p:sldLayout xmlns:a="http://schemas.openxmlformats.org/drawingml/2006/main" xmlns:r="http://schemas.openxmlformats.org/officeDocument/2006/relationships" xmlns:mc="http://schemas.openxmlformats.org/markup-compatibility/2006" xmlns:mv="urn:schemas-microsoft-com:mac:vml" xmlns:p="http://schemas.openxmlformats.org/presentationml/2006/main" xmlns:c="http://schemas.openxmlformats.org/drawingml/2006/chart" xmlns:dgm="http://schemas.openxmlformats.org/drawingml/2006/diagram" xmlns:o="urn:schemas-microsoft-com:office:office" xmlns:v="urn:schemas-microsoft-com:vml" xmlns:pvml="urn:schemas-microsoft-com:office:powerpoint" xmlns:com="http://schemas.openxmlformats.org/drawingml/2006/compatibility" xmlns:p14="http://schemas.microsoft.com/office/powerpoint/2010/main" xmlns:p15="http://schemas.microsoft.com/office/powerpoint/2012/main" matchingName="Comparison" type="twoTxTwoObj">
+<p:sldLayout xmlns:a="http://schemas.openxmlformats.org/drawingml/2006/main" xmlns:r="http://schemas.openxmlformats.org/officeDocument/2006/relationships" xmlns:p="http://schemas.openxmlformats.org/presentationml/2006/main" matchingName="Comparison" type="twoTxTwoObj">
   <p:cSld name="TWO_OBJECTS_WITH_TEXT">
     <p:spTree>
       <p:nvGrpSpPr>
-        <p:cNvPr id="40" name="Shape 40"/>
+        <p:cNvPr id="1" name="Shape 40"/>
         <p:cNvGrpSpPr/>
         <p:nvPr/>
       </p:nvGrpSpPr>
@@ -5605,7 +5754,9 @@
       <p:sp>
         <p:nvSpPr>
           <p:cNvPr id="41" name="Google Shape;41;p7"/>
-          <p:cNvSpPr txBox="1"/>
+          <p:cNvSpPr txBox="1">
+            <a:spLocks noGrp="1"/>
+          </p:cNvSpPr>
           <p:nvPr>
             <p:ph type="title"/>
           </p:nvPr>
@@ -5624,7 +5775,7 @@
           </a:ln>
         </p:spPr>
         <p:txBody>
-          <a:bodyPr anchorCtr="0" anchor="ctr" bIns="45700" lIns="91425" spcFirstLastPara="1" rIns="91425" wrap="square" tIns="45700"/>
+          <a:bodyPr spcFirstLastPara="1" wrap="square" lIns="91425" tIns="45700" rIns="91425" bIns="45700" anchor="ctr" anchorCtr="0"/>
           <a:lstStyle>
             <a:lvl1pPr lvl="0" algn="l">
               <a:lnSpc>
@@ -5732,15 +5883,19 @@
               <a:defRPr/>
             </a:lvl9pPr>
           </a:lstStyle>
-          <a:p/>
+          <a:p>
+            <a:endParaRPr/>
+          </a:p>
         </p:txBody>
       </p:sp>
       <p:sp>
         <p:nvSpPr>
           <p:cNvPr id="42" name="Google Shape;42;p7"/>
-          <p:cNvSpPr txBox="1"/>
+          <p:cNvSpPr txBox="1">
+            <a:spLocks noGrp="1"/>
+          </p:cNvSpPr>
           <p:nvPr>
-            <p:ph idx="1" type="body"/>
+            <p:ph type="body" idx="1"/>
           </p:nvPr>
         </p:nvSpPr>
         <p:spPr>
@@ -5757,9 +5912,9 @@
           </a:ln>
         </p:spPr>
         <p:txBody>
-          <a:bodyPr anchorCtr="0" anchor="b" bIns="45700" lIns="91425" spcFirstLastPara="1" rIns="91425" wrap="square" tIns="45700"/>
+          <a:bodyPr spcFirstLastPara="1" wrap="square" lIns="91425" tIns="45700" rIns="91425" bIns="45700" anchor="b" anchorCtr="0"/>
           <a:lstStyle>
-            <a:lvl1pPr indent="-228600" lvl="0" marL="457200" algn="l">
+            <a:lvl1pPr marL="457200" lvl="0" indent="-228600" algn="l">
               <a:lnSpc>
                 <a:spcPct val="90000"/>
               </a:lnSpc>
@@ -5774,9 +5929,9 @@
               </a:buClr>
               <a:buSzPts val="11520"/>
               <a:buNone/>
-              <a:defRPr b="1" sz="11520"/>
+              <a:defRPr sz="11520" b="1"/>
             </a:lvl1pPr>
-            <a:lvl2pPr indent="-228600" lvl="1" marL="914400" algn="l">
+            <a:lvl2pPr marL="914400" lvl="1" indent="-228600" algn="l">
               <a:lnSpc>
                 <a:spcPct val="90000"/>
               </a:lnSpc>
@@ -5791,9 +5946,9 @@
               </a:buClr>
               <a:buSzPts val="9600"/>
               <a:buNone/>
-              <a:defRPr b="1" sz="9600"/>
+              <a:defRPr sz="9600" b="1"/>
             </a:lvl2pPr>
-            <a:lvl3pPr indent="-228600" lvl="2" marL="1371600" algn="l">
+            <a:lvl3pPr marL="1371600" lvl="2" indent="-228600" algn="l">
               <a:lnSpc>
                 <a:spcPct val="90000"/>
               </a:lnSpc>
@@ -5808,9 +5963,9 @@
               </a:buClr>
               <a:buSzPts val="8640"/>
               <a:buNone/>
-              <a:defRPr b="1" sz="8640"/>
+              <a:defRPr sz="8640" b="1"/>
             </a:lvl3pPr>
-            <a:lvl4pPr indent="-228600" lvl="3" marL="1828800" algn="l">
+            <a:lvl4pPr marL="1828800" lvl="3" indent="-228600" algn="l">
               <a:lnSpc>
                 <a:spcPct val="90000"/>
               </a:lnSpc>
@@ -5825,9 +5980,9 @@
               </a:buClr>
               <a:buSzPts val="7680"/>
               <a:buNone/>
-              <a:defRPr b="1" sz="7680"/>
+              <a:defRPr sz="7680" b="1"/>
             </a:lvl4pPr>
-            <a:lvl5pPr indent="-228600" lvl="4" marL="2286000" algn="l">
+            <a:lvl5pPr marL="2286000" lvl="4" indent="-228600" algn="l">
               <a:lnSpc>
                 <a:spcPct val="90000"/>
               </a:lnSpc>
@@ -5842,9 +5997,9 @@
               </a:buClr>
               <a:buSzPts val="7680"/>
               <a:buNone/>
-              <a:defRPr b="1" sz="7680"/>
+              <a:defRPr sz="7680" b="1"/>
             </a:lvl5pPr>
-            <a:lvl6pPr indent="-228600" lvl="5" marL="2743200" algn="l">
+            <a:lvl6pPr marL="2743200" lvl="5" indent="-228600" algn="l">
               <a:lnSpc>
                 <a:spcPct val="90000"/>
               </a:lnSpc>
@@ -5859,9 +6014,9 @@
               </a:buClr>
               <a:buSzPts val="7680"/>
               <a:buNone/>
-              <a:defRPr b="1" sz="7680"/>
+              <a:defRPr sz="7680" b="1"/>
             </a:lvl6pPr>
-            <a:lvl7pPr indent="-228600" lvl="6" marL="3200400" algn="l">
+            <a:lvl7pPr marL="3200400" lvl="6" indent="-228600" algn="l">
               <a:lnSpc>
                 <a:spcPct val="90000"/>
               </a:lnSpc>
@@ -5876,9 +6031,9 @@
               </a:buClr>
               <a:buSzPts val="7680"/>
               <a:buNone/>
-              <a:defRPr b="1" sz="7680"/>
+              <a:defRPr sz="7680" b="1"/>
             </a:lvl7pPr>
-            <a:lvl8pPr indent="-228600" lvl="7" marL="3657600" algn="l">
+            <a:lvl8pPr marL="3657600" lvl="7" indent="-228600" algn="l">
               <a:lnSpc>
                 <a:spcPct val="90000"/>
               </a:lnSpc>
@@ -5893,9 +6048,9 @@
               </a:buClr>
               <a:buSzPts val="7680"/>
               <a:buNone/>
-              <a:defRPr b="1" sz="7680"/>
+              <a:defRPr sz="7680" b="1"/>
             </a:lvl8pPr>
-            <a:lvl9pPr indent="-228600" lvl="8" marL="4114800" algn="l">
+            <a:lvl9pPr marL="4114800" lvl="8" indent="-228600" algn="l">
               <a:lnSpc>
                 <a:spcPct val="90000"/>
               </a:lnSpc>
@@ -5910,18 +6065,22 @@
               </a:buClr>
               <a:buSzPts val="7680"/>
               <a:buNone/>
-              <a:defRPr b="1" sz="7680"/>
+              <a:defRPr sz="7680" b="1"/>
             </a:lvl9pPr>
           </a:lstStyle>
-          <a:p/>
+          <a:p>
+            <a:endParaRPr/>
+          </a:p>
         </p:txBody>
       </p:sp>
       <p:sp>
         <p:nvSpPr>
           <p:cNvPr id="43" name="Google Shape;43;p7"/>
-          <p:cNvSpPr txBox="1"/>
+          <p:cNvSpPr txBox="1">
+            <a:spLocks noGrp="1"/>
+          </p:cNvSpPr>
           <p:nvPr>
-            <p:ph idx="2" type="body"/>
+            <p:ph type="body" idx="2"/>
           </p:nvPr>
         </p:nvSpPr>
         <p:spPr>
@@ -5938,9 +6097,9 @@
           </a:ln>
         </p:spPr>
         <p:txBody>
-          <a:bodyPr anchorCtr="0" anchor="t" bIns="45700" lIns="91425" spcFirstLastPara="1" rIns="91425" wrap="square" tIns="45700"/>
+          <a:bodyPr spcFirstLastPara="1" wrap="square" lIns="91425" tIns="45700" rIns="91425" bIns="45700" anchor="t" anchorCtr="0"/>
           <a:lstStyle>
-            <a:lvl1pPr indent="-342900" lvl="0" marL="457200" algn="l">
+            <a:lvl1pPr marL="457200" lvl="0" indent="-342900" algn="l">
               <a:lnSpc>
                 <a:spcPct val="90000"/>
               </a:lnSpc>
@@ -5957,7 +6116,7 @@
               <a:buChar char="•"/>
               <a:defRPr/>
             </a:lvl1pPr>
-            <a:lvl2pPr indent="-342900" lvl="1" marL="914400" algn="l">
+            <a:lvl2pPr marL="914400" lvl="1" indent="-342900" algn="l">
               <a:lnSpc>
                 <a:spcPct val="90000"/>
               </a:lnSpc>
@@ -5974,7 +6133,7 @@
               <a:buChar char="•"/>
               <a:defRPr/>
             </a:lvl2pPr>
-            <a:lvl3pPr indent="-342900" lvl="2" marL="1371600" algn="l">
+            <a:lvl3pPr marL="1371600" lvl="2" indent="-342900" algn="l">
               <a:lnSpc>
                 <a:spcPct val="90000"/>
               </a:lnSpc>
@@ -5991,7 +6150,7 @@
               <a:buChar char="•"/>
               <a:defRPr/>
             </a:lvl3pPr>
-            <a:lvl4pPr indent="-342900" lvl="3" marL="1828800" algn="l">
+            <a:lvl4pPr marL="1828800" lvl="3" indent="-342900" algn="l">
               <a:lnSpc>
                 <a:spcPct val="90000"/>
               </a:lnSpc>
@@ -6008,7 +6167,7 @@
               <a:buChar char="•"/>
               <a:defRPr/>
             </a:lvl4pPr>
-            <a:lvl5pPr indent="-342900" lvl="4" marL="2286000" algn="l">
+            <a:lvl5pPr marL="2286000" lvl="4" indent="-342900" algn="l">
               <a:lnSpc>
                 <a:spcPct val="90000"/>
               </a:lnSpc>
@@ -6025,7 +6184,7 @@
               <a:buChar char="•"/>
               <a:defRPr/>
             </a:lvl5pPr>
-            <a:lvl6pPr indent="-342900" lvl="5" marL="2743200" algn="l">
+            <a:lvl6pPr marL="2743200" lvl="5" indent="-342900" algn="l">
               <a:lnSpc>
                 <a:spcPct val="90000"/>
               </a:lnSpc>
@@ -6042,7 +6201,7 @@
               <a:buChar char="•"/>
               <a:defRPr/>
             </a:lvl6pPr>
-            <a:lvl7pPr indent="-342900" lvl="6" marL="3200400" algn="l">
+            <a:lvl7pPr marL="3200400" lvl="6" indent="-342900" algn="l">
               <a:lnSpc>
                 <a:spcPct val="90000"/>
               </a:lnSpc>
@@ -6059,7 +6218,7 @@
               <a:buChar char="•"/>
               <a:defRPr/>
             </a:lvl7pPr>
-            <a:lvl8pPr indent="-342900" lvl="7" marL="3657600" algn="l">
+            <a:lvl8pPr marL="3657600" lvl="7" indent="-342900" algn="l">
               <a:lnSpc>
                 <a:spcPct val="90000"/>
               </a:lnSpc>
@@ -6076,7 +6235,7 @@
               <a:buChar char="•"/>
               <a:defRPr/>
             </a:lvl8pPr>
-            <a:lvl9pPr indent="-342900" lvl="8" marL="4114800" algn="l">
+            <a:lvl9pPr marL="4114800" lvl="8" indent="-342900" algn="l">
               <a:lnSpc>
                 <a:spcPct val="90000"/>
               </a:lnSpc>
@@ -6094,15 +6253,19 @@
               <a:defRPr/>
             </a:lvl9pPr>
           </a:lstStyle>
-          <a:p/>
+          <a:p>
+            <a:endParaRPr/>
+          </a:p>
         </p:txBody>
       </p:sp>
       <p:sp>
         <p:nvSpPr>
           <p:cNvPr id="44" name="Google Shape;44;p7"/>
-          <p:cNvSpPr txBox="1"/>
+          <p:cNvSpPr txBox="1">
+            <a:spLocks noGrp="1"/>
+          </p:cNvSpPr>
           <p:nvPr>
-            <p:ph idx="3" type="body"/>
+            <p:ph type="body" idx="3"/>
           </p:nvPr>
         </p:nvSpPr>
         <p:spPr>
@@ -6119,9 +6282,9 @@
           </a:ln>
         </p:spPr>
         <p:txBody>
-          <a:bodyPr anchorCtr="0" anchor="b" bIns="45700" lIns="91425" spcFirstLastPara="1" rIns="91425" wrap="square" tIns="45700"/>
+          <a:bodyPr spcFirstLastPara="1" wrap="square" lIns="91425" tIns="45700" rIns="91425" bIns="45700" anchor="b" anchorCtr="0"/>
           <a:lstStyle>
-            <a:lvl1pPr indent="-228600" lvl="0" marL="457200" algn="l">
+            <a:lvl1pPr marL="457200" lvl="0" indent="-228600" algn="l">
               <a:lnSpc>
                 <a:spcPct val="90000"/>
               </a:lnSpc>
@@ -6136,9 +6299,9 @@
               </a:buClr>
               <a:buSzPts val="11520"/>
               <a:buNone/>
-              <a:defRPr b="1" sz="11520"/>
+              <a:defRPr sz="11520" b="1"/>
             </a:lvl1pPr>
-            <a:lvl2pPr indent="-228600" lvl="1" marL="914400" algn="l">
+            <a:lvl2pPr marL="914400" lvl="1" indent="-228600" algn="l">
               <a:lnSpc>
                 <a:spcPct val="90000"/>
               </a:lnSpc>
@@ -6153,9 +6316,9 @@
               </a:buClr>
               <a:buSzPts val="9600"/>
               <a:buNone/>
-              <a:defRPr b="1" sz="9600"/>
+              <a:defRPr sz="9600" b="1"/>
             </a:lvl2pPr>
-            <a:lvl3pPr indent="-228600" lvl="2" marL="1371600" algn="l">
+            <a:lvl3pPr marL="1371600" lvl="2" indent="-228600" algn="l">
               <a:lnSpc>
                 <a:spcPct val="90000"/>
               </a:lnSpc>
@@ -6170,9 +6333,9 @@
               </a:buClr>
               <a:buSzPts val="8640"/>
               <a:buNone/>
-              <a:defRPr b="1" sz="8640"/>
+              <a:defRPr sz="8640" b="1"/>
             </a:lvl3pPr>
-            <a:lvl4pPr indent="-228600" lvl="3" marL="1828800" algn="l">
+            <a:lvl4pPr marL="1828800" lvl="3" indent="-228600" algn="l">
               <a:lnSpc>
                 <a:spcPct val="90000"/>
               </a:lnSpc>
@@ -6187,9 +6350,9 @@
               </a:buClr>
               <a:buSzPts val="7680"/>
               <a:buNone/>
-              <a:defRPr b="1" sz="7680"/>
+              <a:defRPr sz="7680" b="1"/>
             </a:lvl4pPr>
-            <a:lvl5pPr indent="-228600" lvl="4" marL="2286000" algn="l">
+            <a:lvl5pPr marL="2286000" lvl="4" indent="-228600" algn="l">
               <a:lnSpc>
                 <a:spcPct val="90000"/>
               </a:lnSpc>
@@ -6204,9 +6367,9 @@
               </a:buClr>
               <a:buSzPts val="7680"/>
               <a:buNone/>
-              <a:defRPr b="1" sz="7680"/>
+              <a:defRPr sz="7680" b="1"/>
             </a:lvl5pPr>
-            <a:lvl6pPr indent="-228600" lvl="5" marL="2743200" algn="l">
+            <a:lvl6pPr marL="2743200" lvl="5" indent="-228600" algn="l">
               <a:lnSpc>
                 <a:spcPct val="90000"/>
               </a:lnSpc>
@@ -6221,9 +6384,9 @@
               </a:buClr>
               <a:buSzPts val="7680"/>
               <a:buNone/>
-              <a:defRPr b="1" sz="7680"/>
+              <a:defRPr sz="7680" b="1"/>
             </a:lvl6pPr>
-            <a:lvl7pPr indent="-228600" lvl="6" marL="3200400" algn="l">
+            <a:lvl7pPr marL="3200400" lvl="6" indent="-228600" algn="l">
               <a:lnSpc>
                 <a:spcPct val="90000"/>
               </a:lnSpc>
@@ -6238,9 +6401,9 @@
               </a:buClr>
               <a:buSzPts val="7680"/>
               <a:buNone/>
-              <a:defRPr b="1" sz="7680"/>
+              <a:defRPr sz="7680" b="1"/>
             </a:lvl7pPr>
-            <a:lvl8pPr indent="-228600" lvl="7" marL="3657600" algn="l">
+            <a:lvl8pPr marL="3657600" lvl="7" indent="-228600" algn="l">
               <a:lnSpc>
                 <a:spcPct val="90000"/>
               </a:lnSpc>
@@ -6255,9 +6418,9 @@
               </a:buClr>
               <a:buSzPts val="7680"/>
               <a:buNone/>
-              <a:defRPr b="1" sz="7680"/>
+              <a:defRPr sz="7680" b="1"/>
             </a:lvl8pPr>
-            <a:lvl9pPr indent="-228600" lvl="8" marL="4114800" algn="l">
+            <a:lvl9pPr marL="4114800" lvl="8" indent="-228600" algn="l">
               <a:lnSpc>
                 <a:spcPct val="90000"/>
               </a:lnSpc>
@@ -6272,18 +6435,22 @@
               </a:buClr>
               <a:buSzPts val="7680"/>
               <a:buNone/>
-              <a:defRPr b="1" sz="7680"/>
+              <a:defRPr sz="7680" b="1"/>
             </a:lvl9pPr>
           </a:lstStyle>
-          <a:p/>
+          <a:p>
+            <a:endParaRPr/>
+          </a:p>
         </p:txBody>
       </p:sp>
       <p:sp>
         <p:nvSpPr>
           <p:cNvPr id="45" name="Google Shape;45;p7"/>
-          <p:cNvSpPr txBox="1"/>
+          <p:cNvSpPr txBox="1">
+            <a:spLocks noGrp="1"/>
+          </p:cNvSpPr>
           <p:nvPr>
-            <p:ph idx="4" type="body"/>
+            <p:ph type="body" idx="4"/>
           </p:nvPr>
         </p:nvSpPr>
         <p:spPr>
@@ -6300,9 +6467,9 @@
           </a:ln>
         </p:spPr>
         <p:txBody>
-          <a:bodyPr anchorCtr="0" anchor="t" bIns="45700" lIns="91425" spcFirstLastPara="1" rIns="91425" wrap="square" tIns="45700"/>
+          <a:bodyPr spcFirstLastPara="1" wrap="square" lIns="91425" tIns="45700" rIns="91425" bIns="45700" anchor="t" anchorCtr="0"/>
           <a:lstStyle>
-            <a:lvl1pPr indent="-342900" lvl="0" marL="457200" algn="l">
+            <a:lvl1pPr marL="457200" lvl="0" indent="-342900" algn="l">
               <a:lnSpc>
                 <a:spcPct val="90000"/>
               </a:lnSpc>
@@ -6319,7 +6486,7 @@
               <a:buChar char="•"/>
               <a:defRPr/>
             </a:lvl1pPr>
-            <a:lvl2pPr indent="-342900" lvl="1" marL="914400" algn="l">
+            <a:lvl2pPr marL="914400" lvl="1" indent="-342900" algn="l">
               <a:lnSpc>
                 <a:spcPct val="90000"/>
               </a:lnSpc>
@@ -6336,7 +6503,7 @@
               <a:buChar char="•"/>
               <a:defRPr/>
             </a:lvl2pPr>
-            <a:lvl3pPr indent="-342900" lvl="2" marL="1371600" algn="l">
+            <a:lvl3pPr marL="1371600" lvl="2" indent="-342900" algn="l">
               <a:lnSpc>
                 <a:spcPct val="90000"/>
               </a:lnSpc>
@@ -6353,7 +6520,7 @@
               <a:buChar char="•"/>
               <a:defRPr/>
             </a:lvl3pPr>
-            <a:lvl4pPr indent="-342900" lvl="3" marL="1828800" algn="l">
+            <a:lvl4pPr marL="1828800" lvl="3" indent="-342900" algn="l">
               <a:lnSpc>
                 <a:spcPct val="90000"/>
               </a:lnSpc>
@@ -6370,7 +6537,7 @@
               <a:buChar char="•"/>
               <a:defRPr/>
             </a:lvl4pPr>
-            <a:lvl5pPr indent="-342900" lvl="4" marL="2286000" algn="l">
+            <a:lvl5pPr marL="2286000" lvl="4" indent="-342900" algn="l">
               <a:lnSpc>
                 <a:spcPct val="90000"/>
               </a:lnSpc>
@@ -6387,7 +6554,7 @@
               <a:buChar char="•"/>
               <a:defRPr/>
             </a:lvl5pPr>
-            <a:lvl6pPr indent="-342900" lvl="5" marL="2743200" algn="l">
+            <a:lvl6pPr marL="2743200" lvl="5" indent="-342900" algn="l">
               <a:lnSpc>
                 <a:spcPct val="90000"/>
               </a:lnSpc>
@@ -6404,7 +6571,7 @@
               <a:buChar char="•"/>
               <a:defRPr/>
             </a:lvl6pPr>
-            <a:lvl7pPr indent="-342900" lvl="6" marL="3200400" algn="l">
+            <a:lvl7pPr marL="3200400" lvl="6" indent="-342900" algn="l">
               <a:lnSpc>
                 <a:spcPct val="90000"/>
               </a:lnSpc>
@@ -6421,7 +6588,7 @@
               <a:buChar char="•"/>
               <a:defRPr/>
             </a:lvl7pPr>
-            <a:lvl8pPr indent="-342900" lvl="7" marL="3657600" algn="l">
+            <a:lvl8pPr marL="3657600" lvl="7" indent="-342900" algn="l">
               <a:lnSpc>
                 <a:spcPct val="90000"/>
               </a:lnSpc>
@@ -6438,7 +6605,7 @@
               <a:buChar char="•"/>
               <a:defRPr/>
             </a:lvl8pPr>
-            <a:lvl9pPr indent="-342900" lvl="8" marL="4114800" algn="l">
+            <a:lvl9pPr marL="4114800" lvl="8" indent="-342900" algn="l">
               <a:lnSpc>
                 <a:spcPct val="90000"/>
               </a:lnSpc>
@@ -6456,15 +6623,19 @@
               <a:defRPr/>
             </a:lvl9pPr>
           </a:lstStyle>
-          <a:p/>
+          <a:p>
+            <a:endParaRPr/>
+          </a:p>
         </p:txBody>
       </p:sp>
       <p:sp>
         <p:nvSpPr>
           <p:cNvPr id="46" name="Google Shape;46;p7"/>
-          <p:cNvSpPr txBox="1"/>
+          <p:cNvSpPr txBox="1">
+            <a:spLocks noGrp="1"/>
+          </p:cNvSpPr>
           <p:nvPr>
-            <p:ph idx="10" type="dt"/>
+            <p:ph type="dt" idx="10"/>
           </p:nvPr>
         </p:nvSpPr>
         <p:spPr>
@@ -6481,7 +6652,7 @@
           </a:ln>
         </p:spPr>
         <p:txBody>
-          <a:bodyPr anchorCtr="0" anchor="ctr" bIns="45700" lIns="91425" spcFirstLastPara="1" rIns="91425" wrap="square" tIns="45700"/>
+          <a:bodyPr spcFirstLastPara="1" wrap="square" lIns="91425" tIns="45700" rIns="91425" bIns="45700" anchor="ctr" anchorCtr="0"/>
           <a:lstStyle>
             <a:lvl1pPr lvl="0" algn="l">
               <a:spcBef>
@@ -6583,15 +6754,19 @@
               <a:defRPr/>
             </a:lvl9pPr>
           </a:lstStyle>
-          <a:p/>
+          <a:p>
+            <a:endParaRPr/>
+          </a:p>
         </p:txBody>
       </p:sp>
       <p:sp>
         <p:nvSpPr>
           <p:cNvPr id="47" name="Google Shape;47;p7"/>
-          <p:cNvSpPr txBox="1"/>
+          <p:cNvSpPr txBox="1">
+            <a:spLocks noGrp="1"/>
+          </p:cNvSpPr>
           <p:nvPr>
-            <p:ph idx="11" type="ftr"/>
+            <p:ph type="ftr" idx="11"/>
           </p:nvPr>
         </p:nvSpPr>
         <p:spPr>
@@ -6608,7 +6783,7 @@
           </a:ln>
         </p:spPr>
         <p:txBody>
-          <a:bodyPr anchorCtr="0" anchor="ctr" bIns="45700" lIns="91425" spcFirstLastPara="1" rIns="91425" wrap="square" tIns="45700"/>
+          <a:bodyPr spcFirstLastPara="1" wrap="square" lIns="91425" tIns="45700" rIns="91425" bIns="45700" anchor="ctr" anchorCtr="0"/>
           <a:lstStyle>
             <a:lvl1pPr lvl="0" algn="ctr">
               <a:spcBef>
@@ -6710,15 +6885,19 @@
               <a:defRPr/>
             </a:lvl9pPr>
           </a:lstStyle>
-          <a:p/>
+          <a:p>
+            <a:endParaRPr/>
+          </a:p>
         </p:txBody>
       </p:sp>
       <p:sp>
         <p:nvSpPr>
           <p:cNvPr id="48" name="Google Shape;48;p7"/>
-          <p:cNvSpPr txBox="1"/>
+          <p:cNvSpPr txBox="1">
+            <a:spLocks noGrp="1"/>
+          </p:cNvSpPr>
           <p:nvPr>
-            <p:ph idx="12" type="sldNum"/>
+            <p:ph type="sldNum" idx="12"/>
           </p:nvPr>
         </p:nvSpPr>
         <p:spPr>
@@ -6735,67 +6914,67 @@
           </a:ln>
         </p:spPr>
         <p:txBody>
-          <a:bodyPr anchorCtr="0" anchor="ctr" bIns="45700" lIns="91425" spcFirstLastPara="1" rIns="91425" wrap="square" tIns="45700">
+          <a:bodyPr spcFirstLastPara="1" wrap="square" lIns="91425" tIns="45700" rIns="91425" bIns="45700" anchor="ctr" anchorCtr="0">
             <a:noAutofit/>
           </a:bodyPr>
           <a:lstStyle>
-            <a:lvl1pPr indent="0" lvl="0" marL="0" algn="r">
+            <a:lvl1pPr marL="0" lvl="0" indent="0" algn="r">
               <a:spcBef>
                 <a:spcPts val="0"/>
               </a:spcBef>
               <a:buNone/>
               <a:defRPr/>
             </a:lvl1pPr>
-            <a:lvl2pPr indent="0" lvl="1" marL="0" algn="r">
+            <a:lvl2pPr marL="0" lvl="1" indent="0" algn="r">
               <a:spcBef>
                 <a:spcPts val="0"/>
               </a:spcBef>
               <a:buNone/>
               <a:defRPr/>
             </a:lvl2pPr>
-            <a:lvl3pPr indent="0" lvl="2" marL="0" algn="r">
+            <a:lvl3pPr marL="0" lvl="2" indent="0" algn="r">
               <a:spcBef>
                 <a:spcPts val="0"/>
               </a:spcBef>
               <a:buNone/>
               <a:defRPr/>
             </a:lvl3pPr>
-            <a:lvl4pPr indent="0" lvl="3" marL="0" algn="r">
+            <a:lvl4pPr marL="0" lvl="3" indent="0" algn="r">
               <a:spcBef>
                 <a:spcPts val="0"/>
               </a:spcBef>
               <a:buNone/>
               <a:defRPr/>
             </a:lvl4pPr>
-            <a:lvl5pPr indent="0" lvl="4" marL="0" algn="r">
+            <a:lvl5pPr marL="0" lvl="4" indent="0" algn="r">
               <a:spcBef>
                 <a:spcPts val="0"/>
               </a:spcBef>
               <a:buNone/>
               <a:defRPr/>
             </a:lvl5pPr>
-            <a:lvl6pPr indent="0" lvl="5" marL="0" algn="r">
+            <a:lvl6pPr marL="0" lvl="5" indent="0" algn="r">
               <a:spcBef>
                 <a:spcPts val="0"/>
               </a:spcBef>
               <a:buNone/>
               <a:defRPr/>
             </a:lvl6pPr>
-            <a:lvl7pPr indent="0" lvl="6" marL="0" algn="r">
+            <a:lvl7pPr marL="0" lvl="6" indent="0" algn="r">
               <a:spcBef>
                 <a:spcPts val="0"/>
               </a:spcBef>
               <a:buNone/>
               <a:defRPr/>
             </a:lvl7pPr>
-            <a:lvl8pPr indent="0" lvl="7" marL="0" algn="r">
+            <a:lvl8pPr marL="0" lvl="7" indent="0" algn="r">
               <a:spcBef>
                 <a:spcPts val="0"/>
               </a:spcBef>
               <a:buNone/>
               <a:defRPr/>
             </a:lvl8pPr>
-            <a:lvl9pPr indent="0" lvl="8" marL="0" algn="r">
+            <a:lvl9pPr marL="0" lvl="8" indent="0" algn="r">
               <a:spcBef>
                 <a:spcPts val="0"/>
               </a:spcBef>
@@ -6804,7 +6983,7 @@
             </a:lvl9pPr>
           </a:lstStyle>
           <a:p>
-            <a:pPr indent="0" lvl="0" marL="0" rtl="0" algn="r">
+            <a:pPr marL="0" lvl="0" indent="0" algn="r" rtl="0">
               <a:spcBef>
                 <a:spcPts val="0"/>
               </a:spcBef>
@@ -6830,11 +7009,11 @@
 </file>
 
 <file path=ppt/slideLayouts/slideLayout7.xml><?xml version="1.0" encoding="utf-8"?>
-<p:sldLayout xmlns:a="http://schemas.openxmlformats.org/drawingml/2006/main" xmlns:r="http://schemas.openxmlformats.org/officeDocument/2006/relationships" xmlns:mc="http://schemas.openxmlformats.org/markup-compatibility/2006" xmlns:mv="urn:schemas-microsoft-com:mac:vml" xmlns:p="http://schemas.openxmlformats.org/presentationml/2006/main" xmlns:c="http://schemas.openxmlformats.org/drawingml/2006/chart" xmlns:dgm="http://schemas.openxmlformats.org/drawingml/2006/diagram" xmlns:o="urn:schemas-microsoft-com:office:office" xmlns:v="urn:schemas-microsoft-com:vml" xmlns:pvml="urn:schemas-microsoft-com:office:powerpoint" xmlns:com="http://schemas.openxmlformats.org/drawingml/2006/compatibility" xmlns:p14="http://schemas.microsoft.com/office/powerpoint/2010/main" xmlns:p15="http://schemas.microsoft.com/office/powerpoint/2012/main" matchingName="Title Only" type="titleOnly">
+<p:sldLayout xmlns:a="http://schemas.openxmlformats.org/drawingml/2006/main" xmlns:r="http://schemas.openxmlformats.org/officeDocument/2006/relationships" xmlns:p="http://schemas.openxmlformats.org/presentationml/2006/main" matchingName="Title Only" type="titleOnly">
   <p:cSld name="TITLE_ONLY">
     <p:spTree>
       <p:nvGrpSpPr>
-        <p:cNvPr id="49" name="Shape 49"/>
+        <p:cNvPr id="1" name="Shape 49"/>
         <p:cNvGrpSpPr/>
         <p:nvPr/>
       </p:nvGrpSpPr>
@@ -6849,7 +7028,9 @@
       <p:sp>
         <p:nvSpPr>
           <p:cNvPr id="50" name="Google Shape;50;p8"/>
-          <p:cNvSpPr txBox="1"/>
+          <p:cNvSpPr txBox="1">
+            <a:spLocks noGrp="1"/>
+          </p:cNvSpPr>
           <p:nvPr>
             <p:ph type="title"/>
           </p:nvPr>
@@ -6868,7 +7049,7 @@
           </a:ln>
         </p:spPr>
         <p:txBody>
-          <a:bodyPr anchorCtr="0" anchor="ctr" bIns="45700" lIns="91425" spcFirstLastPara="1" rIns="91425" wrap="square" tIns="45700"/>
+          <a:bodyPr spcFirstLastPara="1" wrap="square" lIns="91425" tIns="45700" rIns="91425" bIns="45700" anchor="ctr" anchorCtr="0"/>
           <a:lstStyle>
             <a:lvl1pPr lvl="0" algn="l">
               <a:lnSpc>
@@ -6976,15 +7157,19 @@
               <a:defRPr/>
             </a:lvl9pPr>
           </a:lstStyle>
-          <a:p/>
+          <a:p>
+            <a:endParaRPr/>
+          </a:p>
         </p:txBody>
       </p:sp>
       <p:sp>
         <p:nvSpPr>
           <p:cNvPr id="51" name="Google Shape;51;p8"/>
-          <p:cNvSpPr txBox="1"/>
+          <p:cNvSpPr txBox="1">
+            <a:spLocks noGrp="1"/>
+          </p:cNvSpPr>
           <p:nvPr>
-            <p:ph idx="10" type="dt"/>
+            <p:ph type="dt" idx="10"/>
           </p:nvPr>
         </p:nvSpPr>
         <p:spPr>
@@ -7001,7 +7186,7 @@
           </a:ln>
         </p:spPr>
         <p:txBody>
-          <a:bodyPr anchorCtr="0" anchor="ctr" bIns="45700" lIns="91425" spcFirstLastPara="1" rIns="91425" wrap="square" tIns="45700"/>
+          <a:bodyPr spcFirstLastPara="1" wrap="square" lIns="91425" tIns="45700" rIns="91425" bIns="45700" anchor="ctr" anchorCtr="0"/>
           <a:lstStyle>
             <a:lvl1pPr lvl="0" algn="l">
               <a:spcBef>
@@ -7103,15 +7288,19 @@
               <a:defRPr/>
             </a:lvl9pPr>
           </a:lstStyle>
-          <a:p/>
+          <a:p>
+            <a:endParaRPr/>
+          </a:p>
         </p:txBody>
       </p:sp>
       <p:sp>
         <p:nvSpPr>
           <p:cNvPr id="52" name="Google Shape;52;p8"/>
-          <p:cNvSpPr txBox="1"/>
+          <p:cNvSpPr txBox="1">
+            <a:spLocks noGrp="1"/>
+          </p:cNvSpPr>
           <p:nvPr>
-            <p:ph idx="11" type="ftr"/>
+            <p:ph type="ftr" idx="11"/>
           </p:nvPr>
         </p:nvSpPr>
         <p:spPr>
@@ -7128,7 +7317,7 @@
           </a:ln>
         </p:spPr>
         <p:txBody>
-          <a:bodyPr anchorCtr="0" anchor="ctr" bIns="45700" lIns="91425" spcFirstLastPara="1" rIns="91425" wrap="square" tIns="45700"/>
+          <a:bodyPr spcFirstLastPara="1" wrap="square" lIns="91425" tIns="45700" rIns="91425" bIns="45700" anchor="ctr" anchorCtr="0"/>
           <a:lstStyle>
             <a:lvl1pPr lvl="0" algn="ctr">
               <a:spcBef>
@@ -7230,15 +7419,19 @@
               <a:defRPr/>
             </a:lvl9pPr>
           </a:lstStyle>
-          <a:p/>
+          <a:p>
+            <a:endParaRPr/>
+          </a:p>
         </p:txBody>
       </p:sp>
       <p:sp>
         <p:nvSpPr>
           <p:cNvPr id="53" name="Google Shape;53;p8"/>
-          <p:cNvSpPr txBox="1"/>
+          <p:cNvSpPr txBox="1">
+            <a:spLocks noGrp="1"/>
+          </p:cNvSpPr>
           <p:nvPr>
-            <p:ph idx="12" type="sldNum"/>
+            <p:ph type="sldNum" idx="12"/>
           </p:nvPr>
         </p:nvSpPr>
         <p:spPr>
@@ -7255,67 +7448,67 @@
           </a:ln>
         </p:spPr>
         <p:txBody>
-          <a:bodyPr anchorCtr="0" anchor="ctr" bIns="45700" lIns="91425" spcFirstLastPara="1" rIns="91425" wrap="square" tIns="45700">
+          <a:bodyPr spcFirstLastPara="1" wrap="square" lIns="91425" tIns="45700" rIns="91425" bIns="45700" anchor="ctr" anchorCtr="0">
             <a:noAutofit/>
           </a:bodyPr>
           <a:lstStyle>
-            <a:lvl1pPr indent="0" lvl="0" marL="0" algn="r">
+            <a:lvl1pPr marL="0" lvl="0" indent="0" algn="r">
               <a:spcBef>
                 <a:spcPts val="0"/>
               </a:spcBef>
               <a:buNone/>
               <a:defRPr/>
             </a:lvl1pPr>
-            <a:lvl2pPr indent="0" lvl="1" marL="0" algn="r">
+            <a:lvl2pPr marL="0" lvl="1" indent="0" algn="r">
               <a:spcBef>
                 <a:spcPts val="0"/>
               </a:spcBef>
               <a:buNone/>
               <a:defRPr/>
             </a:lvl2pPr>
-            <a:lvl3pPr indent="0" lvl="2" marL="0" algn="r">
+            <a:lvl3pPr marL="0" lvl="2" indent="0" algn="r">
               <a:spcBef>
                 <a:spcPts val="0"/>
               </a:spcBef>
               <a:buNone/>
               <a:defRPr/>
             </a:lvl3pPr>
-            <a:lvl4pPr indent="0" lvl="3" marL="0" algn="r">
+            <a:lvl4pPr marL="0" lvl="3" indent="0" algn="r">
               <a:spcBef>
                 <a:spcPts val="0"/>
               </a:spcBef>
               <a:buNone/>
               <a:defRPr/>
             </a:lvl4pPr>
-            <a:lvl5pPr indent="0" lvl="4" marL="0" algn="r">
+            <a:lvl5pPr marL="0" lvl="4" indent="0" algn="r">
               <a:spcBef>
                 <a:spcPts val="0"/>
               </a:spcBef>
               <a:buNone/>
               <a:defRPr/>
             </a:lvl5pPr>
-            <a:lvl6pPr indent="0" lvl="5" marL="0" algn="r">
+            <a:lvl6pPr marL="0" lvl="5" indent="0" algn="r">
               <a:spcBef>
                 <a:spcPts val="0"/>
               </a:spcBef>
               <a:buNone/>
               <a:defRPr/>
             </a:lvl6pPr>
-            <a:lvl7pPr indent="0" lvl="6" marL="0" algn="r">
+            <a:lvl7pPr marL="0" lvl="6" indent="0" algn="r">
               <a:spcBef>
                 <a:spcPts val="0"/>
               </a:spcBef>
               <a:buNone/>
               <a:defRPr/>
             </a:lvl7pPr>
-            <a:lvl8pPr indent="0" lvl="7" marL="0" algn="r">
+            <a:lvl8pPr marL="0" lvl="7" indent="0" algn="r">
               <a:spcBef>
                 <a:spcPts val="0"/>
               </a:spcBef>
               <a:buNone/>
               <a:defRPr/>
             </a:lvl8pPr>
-            <a:lvl9pPr indent="0" lvl="8" marL="0" algn="r">
+            <a:lvl9pPr marL="0" lvl="8" indent="0" algn="r">
               <a:spcBef>
                 <a:spcPts val="0"/>
               </a:spcBef>
@@ -7324,7 +7517,7 @@
             </a:lvl9pPr>
           </a:lstStyle>
           <a:p>
-            <a:pPr indent="0" lvl="0" marL="0" rtl="0" algn="r">
+            <a:pPr marL="0" lvl="0" indent="0" algn="r" rtl="0">
               <a:spcBef>
                 <a:spcPts val="0"/>
               </a:spcBef>
@@ -7350,11 +7543,11 @@
 </file>
 
 <file path=ppt/slideLayouts/slideLayout8.xml><?xml version="1.0" encoding="utf-8"?>
-<p:sldLayout xmlns:a="http://schemas.openxmlformats.org/drawingml/2006/main" xmlns:r="http://schemas.openxmlformats.org/officeDocument/2006/relationships" xmlns:mc="http://schemas.openxmlformats.org/markup-compatibility/2006" xmlns:mv="urn:schemas-microsoft-com:mac:vml" xmlns:p="http://schemas.openxmlformats.org/presentationml/2006/main" xmlns:c="http://schemas.openxmlformats.org/drawingml/2006/chart" xmlns:dgm="http://schemas.openxmlformats.org/drawingml/2006/diagram" xmlns:o="urn:schemas-microsoft-com:office:office" xmlns:v="urn:schemas-microsoft-com:vml" xmlns:pvml="urn:schemas-microsoft-com:office:powerpoint" xmlns:com="http://schemas.openxmlformats.org/drawingml/2006/compatibility" xmlns:p14="http://schemas.microsoft.com/office/powerpoint/2010/main" xmlns:p15="http://schemas.microsoft.com/office/powerpoint/2012/main" matchingName="Content with Caption" type="objTx">
+<p:sldLayout xmlns:a="http://schemas.openxmlformats.org/drawingml/2006/main" xmlns:r="http://schemas.openxmlformats.org/officeDocument/2006/relationships" xmlns:p="http://schemas.openxmlformats.org/presentationml/2006/main" matchingName="Content with Caption" type="objTx">
   <p:cSld name="OBJECT_WITH_CAPTION_TEXT">
     <p:spTree>
       <p:nvGrpSpPr>
-        <p:cNvPr id="54" name="Shape 54"/>
+        <p:cNvPr id="1" name="Shape 54"/>
         <p:cNvGrpSpPr/>
         <p:nvPr/>
       </p:nvGrpSpPr>
@@ -7369,7 +7562,9 @@
       <p:sp>
         <p:nvSpPr>
           <p:cNvPr id="55" name="Google Shape;55;p9"/>
-          <p:cNvSpPr txBox="1"/>
+          <p:cNvSpPr txBox="1">
+            <a:spLocks noGrp="1"/>
+          </p:cNvSpPr>
           <p:nvPr>
             <p:ph type="title"/>
           </p:nvPr>
@@ -7388,7 +7583,7 @@
           </a:ln>
         </p:spPr>
         <p:txBody>
-          <a:bodyPr anchorCtr="0" anchor="b" bIns="45700" lIns="91425" spcFirstLastPara="1" rIns="91425" wrap="square" tIns="45700"/>
+          <a:bodyPr spcFirstLastPara="1" wrap="square" lIns="91425" tIns="45700" rIns="91425" bIns="45700" anchor="b" anchorCtr="0"/>
           <a:lstStyle>
             <a:lvl1pPr lvl="0" algn="l">
               <a:lnSpc>
@@ -7497,15 +7692,19 @@
               <a:defRPr/>
             </a:lvl9pPr>
           </a:lstStyle>
-          <a:p/>
+          <a:p>
+            <a:endParaRPr/>
+          </a:p>
         </p:txBody>
       </p:sp>
       <p:sp>
         <p:nvSpPr>
           <p:cNvPr id="56" name="Google Shape;56;p9"/>
-          <p:cNvSpPr txBox="1"/>
+          <p:cNvSpPr txBox="1">
+            <a:spLocks noGrp="1"/>
+          </p:cNvSpPr>
           <p:nvPr>
-            <p:ph idx="1" type="body"/>
+            <p:ph type="body" idx="1"/>
           </p:nvPr>
         </p:nvSpPr>
         <p:spPr>
@@ -7522,9 +7721,9 @@
           </a:ln>
         </p:spPr>
         <p:txBody>
-          <a:bodyPr anchorCtr="0" anchor="t" bIns="45700" lIns="91425" spcFirstLastPara="1" rIns="91425" wrap="square" tIns="45700"/>
+          <a:bodyPr spcFirstLastPara="1" wrap="square" lIns="91425" tIns="45700" rIns="91425" bIns="45700" anchor="t" anchorCtr="0"/>
           <a:lstStyle>
-            <a:lvl1pPr indent="-1203960" lvl="0" marL="457200" algn="l">
+            <a:lvl1pPr marL="457200" lvl="0" indent="-1203960" algn="l">
               <a:lnSpc>
                 <a:spcPct val="90000"/>
               </a:lnSpc>
@@ -7541,7 +7740,7 @@
               <a:buChar char="•"/>
               <a:defRPr sz="15360"/>
             </a:lvl1pPr>
-            <a:lvl2pPr indent="-1082040" lvl="1" marL="914400" algn="l">
+            <a:lvl2pPr marL="914400" lvl="1" indent="-1082040" algn="l">
               <a:lnSpc>
                 <a:spcPct val="90000"/>
               </a:lnSpc>
@@ -7558,7 +7757,7 @@
               <a:buChar char="•"/>
               <a:defRPr sz="13439"/>
             </a:lvl2pPr>
-            <a:lvl3pPr indent="-960120" lvl="2" marL="1371600" algn="l">
+            <a:lvl3pPr marL="1371600" lvl="2" indent="-960120" algn="l">
               <a:lnSpc>
                 <a:spcPct val="90000"/>
               </a:lnSpc>
@@ -7575,7 +7774,7 @@
               <a:buChar char="•"/>
               <a:defRPr sz="11520"/>
             </a:lvl3pPr>
-            <a:lvl4pPr indent="-838200" lvl="3" marL="1828800" algn="l">
+            <a:lvl4pPr marL="1828800" lvl="3" indent="-838200" algn="l">
               <a:lnSpc>
                 <a:spcPct val="90000"/>
               </a:lnSpc>
@@ -7592,7 +7791,7 @@
               <a:buChar char="•"/>
               <a:defRPr sz="9600"/>
             </a:lvl4pPr>
-            <a:lvl5pPr indent="-838200" lvl="4" marL="2286000" algn="l">
+            <a:lvl5pPr marL="2286000" lvl="4" indent="-838200" algn="l">
               <a:lnSpc>
                 <a:spcPct val="90000"/>
               </a:lnSpc>
@@ -7609,7 +7808,7 @@
               <a:buChar char="•"/>
               <a:defRPr sz="9600"/>
             </a:lvl5pPr>
-            <a:lvl6pPr indent="-838200" lvl="5" marL="2743200" algn="l">
+            <a:lvl6pPr marL="2743200" lvl="5" indent="-838200" algn="l">
               <a:lnSpc>
                 <a:spcPct val="90000"/>
               </a:lnSpc>
@@ -7626,7 +7825,7 @@
               <a:buChar char="•"/>
               <a:defRPr sz="9600"/>
             </a:lvl6pPr>
-            <a:lvl7pPr indent="-838200" lvl="6" marL="3200400" algn="l">
+            <a:lvl7pPr marL="3200400" lvl="6" indent="-838200" algn="l">
               <a:lnSpc>
                 <a:spcPct val="90000"/>
               </a:lnSpc>
@@ -7643,7 +7842,7 @@
               <a:buChar char="•"/>
               <a:defRPr sz="9600"/>
             </a:lvl7pPr>
-            <a:lvl8pPr indent="-838200" lvl="7" marL="3657600" algn="l">
+            <a:lvl8pPr marL="3657600" lvl="7" indent="-838200" algn="l">
               <a:lnSpc>
                 <a:spcPct val="90000"/>
               </a:lnSpc>
@@ -7660,7 +7859,7 @@
               <a:buChar char="•"/>
               <a:defRPr sz="9600"/>
             </a:lvl8pPr>
-            <a:lvl9pPr indent="-838200" lvl="8" marL="4114800" algn="l">
+            <a:lvl9pPr marL="4114800" lvl="8" indent="-838200" algn="l">
               <a:lnSpc>
                 <a:spcPct val="90000"/>
               </a:lnSpc>
@@ -7678,15 +7877,19 @@
               <a:defRPr sz="9600"/>
             </a:lvl9pPr>
           </a:lstStyle>
-          <a:p/>
+          <a:p>
+            <a:endParaRPr/>
+          </a:p>
         </p:txBody>
       </p:sp>
       <p:sp>
         <p:nvSpPr>
           <p:cNvPr id="57" name="Google Shape;57;p9"/>
-          <p:cNvSpPr txBox="1"/>
+          <p:cNvSpPr txBox="1">
+            <a:spLocks noGrp="1"/>
+          </p:cNvSpPr>
           <p:nvPr>
-            <p:ph idx="2" type="body"/>
+            <p:ph type="body" idx="2"/>
           </p:nvPr>
         </p:nvSpPr>
         <p:spPr>
@@ -7703,9 +7906,9 @@
           </a:ln>
         </p:spPr>
         <p:txBody>
-          <a:bodyPr anchorCtr="0" anchor="t" bIns="45700" lIns="91425" spcFirstLastPara="1" rIns="91425" wrap="square" tIns="45700"/>
+          <a:bodyPr spcFirstLastPara="1" wrap="square" lIns="91425" tIns="45700" rIns="91425" bIns="45700" anchor="t" anchorCtr="0"/>
           <a:lstStyle>
-            <a:lvl1pPr indent="-228600" lvl="0" marL="457200" algn="l">
+            <a:lvl1pPr marL="457200" lvl="0" indent="-228600" algn="l">
               <a:lnSpc>
                 <a:spcPct val="90000"/>
               </a:lnSpc>
@@ -7722,7 +7925,7 @@
               <a:buNone/>
               <a:defRPr sz="7680"/>
             </a:lvl1pPr>
-            <a:lvl2pPr indent="-228600" lvl="1" marL="914400" algn="l">
+            <a:lvl2pPr marL="914400" lvl="1" indent="-228600" algn="l">
               <a:lnSpc>
                 <a:spcPct val="90000"/>
               </a:lnSpc>
@@ -7739,7 +7942,7 @@
               <a:buNone/>
               <a:defRPr sz="6719"/>
             </a:lvl2pPr>
-            <a:lvl3pPr indent="-228600" lvl="2" marL="1371600" algn="l">
+            <a:lvl3pPr marL="1371600" lvl="2" indent="-228600" algn="l">
               <a:lnSpc>
                 <a:spcPct val="90000"/>
               </a:lnSpc>
@@ -7756,7 +7959,7 @@
               <a:buNone/>
               <a:defRPr sz="5760"/>
             </a:lvl3pPr>
-            <a:lvl4pPr indent="-228600" lvl="3" marL="1828800" algn="l">
+            <a:lvl4pPr marL="1828800" lvl="3" indent="-228600" algn="l">
               <a:lnSpc>
                 <a:spcPct val="90000"/>
               </a:lnSpc>
@@ -7773,7 +7976,7 @@
               <a:buNone/>
               <a:defRPr sz="4800"/>
             </a:lvl4pPr>
-            <a:lvl5pPr indent="-228600" lvl="4" marL="2286000" algn="l">
+            <a:lvl5pPr marL="2286000" lvl="4" indent="-228600" algn="l">
               <a:lnSpc>
                 <a:spcPct val="90000"/>
               </a:lnSpc>
@@ -7790,7 +7993,7 @@
               <a:buNone/>
               <a:defRPr sz="4800"/>
             </a:lvl5pPr>
-            <a:lvl6pPr indent="-228600" lvl="5" marL="2743200" algn="l">
+            <a:lvl6pPr marL="2743200" lvl="5" indent="-228600" algn="l">
               <a:lnSpc>
                 <a:spcPct val="90000"/>
               </a:lnSpc>
@@ -7807,7 +8010,7 @@
               <a:buNone/>
               <a:defRPr sz="4800"/>
             </a:lvl6pPr>
-            <a:lvl7pPr indent="-228600" lvl="6" marL="3200400" algn="l">
+            <a:lvl7pPr marL="3200400" lvl="6" indent="-228600" algn="l">
               <a:lnSpc>
                 <a:spcPct val="90000"/>
               </a:lnSpc>
@@ -7824,7 +8027,7 @@
               <a:buNone/>
               <a:defRPr sz="4800"/>
             </a:lvl7pPr>
-            <a:lvl8pPr indent="-228600" lvl="7" marL="3657600" algn="l">
+            <a:lvl8pPr marL="3657600" lvl="7" indent="-228600" algn="l">
               <a:lnSpc>
                 <a:spcPct val="90000"/>
               </a:lnSpc>
@@ -7841,7 +8044,7 @@
               <a:buNone/>
               <a:defRPr sz="4800"/>
             </a:lvl8pPr>
-            <a:lvl9pPr indent="-228600" lvl="8" marL="4114800" algn="l">
+            <a:lvl9pPr marL="4114800" lvl="8" indent="-228600" algn="l">
               <a:lnSpc>
                 <a:spcPct val="90000"/>
               </a:lnSpc>
@@ -7859,15 +8062,19 @@
               <a:defRPr sz="4800"/>
             </a:lvl9pPr>
           </a:lstStyle>
-          <a:p/>
+          <a:p>
+            <a:endParaRPr/>
+          </a:p>
         </p:txBody>
       </p:sp>
       <p:sp>
         <p:nvSpPr>
           <p:cNvPr id="58" name="Google Shape;58;p9"/>
-          <p:cNvSpPr txBox="1"/>
+          <p:cNvSpPr txBox="1">
+            <a:spLocks noGrp="1"/>
+          </p:cNvSpPr>
           <p:nvPr>
-            <p:ph idx="10" type="dt"/>
+            <p:ph type="dt" idx="10"/>
           </p:nvPr>
         </p:nvSpPr>
         <p:spPr>
@@ -7884,7 +8091,7 @@
           </a:ln>
         </p:spPr>
         <p:txBody>
-          <a:bodyPr anchorCtr="0" anchor="ctr" bIns="45700" lIns="91425" spcFirstLastPara="1" rIns="91425" wrap="square" tIns="45700"/>
+          <a:bodyPr spcFirstLastPara="1" wrap="square" lIns="91425" tIns="45700" rIns="91425" bIns="45700" anchor="ctr" anchorCtr="0"/>
           <a:lstStyle>
             <a:lvl1pPr lvl="0" algn="l">
               <a:spcBef>
@@ -7986,15 +8193,19 @@
               <a:defRPr/>
             </a:lvl9pPr>
           </a:lstStyle>
-          <a:p/>
+          <a:p>
+            <a:endParaRPr/>
+          </a:p>
         </p:txBody>
       </p:sp>
       <p:sp>
         <p:nvSpPr>
           <p:cNvPr id="59" name="Google Shape;59;p9"/>
-          <p:cNvSpPr txBox="1"/>
+          <p:cNvSpPr txBox="1">
+            <a:spLocks noGrp="1"/>
+          </p:cNvSpPr>
           <p:nvPr>
-            <p:ph idx="11" type="ftr"/>
+            <p:ph type="ftr" idx="11"/>
           </p:nvPr>
         </p:nvSpPr>
         <p:spPr>
@@ -8011,7 +8222,7 @@
           </a:ln>
         </p:spPr>
         <p:txBody>
-          <a:bodyPr anchorCtr="0" anchor="ctr" bIns="45700" lIns="91425" spcFirstLastPara="1" rIns="91425" wrap="square" tIns="45700"/>
+          <a:bodyPr spcFirstLastPara="1" wrap="square" lIns="91425" tIns="45700" rIns="91425" bIns="45700" anchor="ctr" anchorCtr="0"/>
           <a:lstStyle>
             <a:lvl1pPr lvl="0" algn="ctr">
               <a:spcBef>
@@ -8113,15 +8324,19 @@
               <a:defRPr/>
             </a:lvl9pPr>
           </a:lstStyle>
-          <a:p/>
+          <a:p>
+            <a:endParaRPr/>
+          </a:p>
         </p:txBody>
       </p:sp>
       <p:sp>
         <p:nvSpPr>
           <p:cNvPr id="60" name="Google Shape;60;p9"/>
-          <p:cNvSpPr txBox="1"/>
+          <p:cNvSpPr txBox="1">
+            <a:spLocks noGrp="1"/>
+          </p:cNvSpPr>
           <p:nvPr>
-            <p:ph idx="12" type="sldNum"/>
+            <p:ph type="sldNum" idx="12"/>
           </p:nvPr>
         </p:nvSpPr>
         <p:spPr>
@@ -8138,67 +8353,67 @@
           </a:ln>
         </p:spPr>
         <p:txBody>
-          <a:bodyPr anchorCtr="0" anchor="ctr" bIns="45700" lIns="91425" spcFirstLastPara="1" rIns="91425" wrap="square" tIns="45700">
+          <a:bodyPr spcFirstLastPara="1" wrap="square" lIns="91425" tIns="45700" rIns="91425" bIns="45700" anchor="ctr" anchorCtr="0">
             <a:noAutofit/>
           </a:bodyPr>
           <a:lstStyle>
-            <a:lvl1pPr indent="0" lvl="0" marL="0" algn="r">
+            <a:lvl1pPr marL="0" lvl="0" indent="0" algn="r">
               <a:spcBef>
                 <a:spcPts val="0"/>
               </a:spcBef>
               <a:buNone/>
               <a:defRPr/>
             </a:lvl1pPr>
-            <a:lvl2pPr indent="0" lvl="1" marL="0" algn="r">
+            <a:lvl2pPr marL="0" lvl="1" indent="0" algn="r">
               <a:spcBef>
                 <a:spcPts val="0"/>
               </a:spcBef>
               <a:buNone/>
               <a:defRPr/>
             </a:lvl2pPr>
-            <a:lvl3pPr indent="0" lvl="2" marL="0" algn="r">
+            <a:lvl3pPr marL="0" lvl="2" indent="0" algn="r">
               <a:spcBef>
                 <a:spcPts val="0"/>
               </a:spcBef>
               <a:buNone/>
               <a:defRPr/>
             </a:lvl3pPr>
-            <a:lvl4pPr indent="0" lvl="3" marL="0" algn="r">
+            <a:lvl4pPr marL="0" lvl="3" indent="0" algn="r">
               <a:spcBef>
                 <a:spcPts val="0"/>
               </a:spcBef>
               <a:buNone/>
               <a:defRPr/>
             </a:lvl4pPr>
-            <a:lvl5pPr indent="0" lvl="4" marL="0" algn="r">
+            <a:lvl5pPr marL="0" lvl="4" indent="0" algn="r">
               <a:spcBef>
                 <a:spcPts val="0"/>
               </a:spcBef>
               <a:buNone/>
               <a:defRPr/>
             </a:lvl5pPr>
-            <a:lvl6pPr indent="0" lvl="5" marL="0" algn="r">
+            <a:lvl6pPr marL="0" lvl="5" indent="0" algn="r">
               <a:spcBef>
                 <a:spcPts val="0"/>
               </a:spcBef>
               <a:buNone/>
               <a:defRPr/>
             </a:lvl6pPr>
-            <a:lvl7pPr indent="0" lvl="6" marL="0" algn="r">
+            <a:lvl7pPr marL="0" lvl="6" indent="0" algn="r">
               <a:spcBef>
                 <a:spcPts val="0"/>
               </a:spcBef>
               <a:buNone/>
               <a:defRPr/>
             </a:lvl7pPr>
-            <a:lvl8pPr indent="0" lvl="7" marL="0" algn="r">
+            <a:lvl8pPr marL="0" lvl="7" indent="0" algn="r">
               <a:spcBef>
                 <a:spcPts val="0"/>
               </a:spcBef>
               <a:buNone/>
               <a:defRPr/>
             </a:lvl8pPr>
-            <a:lvl9pPr indent="0" lvl="8" marL="0" algn="r">
+            <a:lvl9pPr marL="0" lvl="8" indent="0" algn="r">
               <a:spcBef>
                 <a:spcPts val="0"/>
               </a:spcBef>
@@ -8207,7 +8422,7 @@
             </a:lvl9pPr>
           </a:lstStyle>
           <a:p>
-            <a:pPr indent="0" lvl="0" marL="0" rtl="0" algn="r">
+            <a:pPr marL="0" lvl="0" indent="0" algn="r" rtl="0">
               <a:spcBef>
                 <a:spcPts val="0"/>
               </a:spcBef>
@@ -8233,11 +8448,11 @@
 </file>
 
 <file path=ppt/slideLayouts/slideLayout9.xml><?xml version="1.0" encoding="utf-8"?>
-<p:sldLayout xmlns:a="http://schemas.openxmlformats.org/drawingml/2006/main" xmlns:r="http://schemas.openxmlformats.org/officeDocument/2006/relationships" xmlns:mc="http://schemas.openxmlformats.org/markup-compatibility/2006" xmlns:mv="urn:schemas-microsoft-com:mac:vml" xmlns:p="http://schemas.openxmlformats.org/presentationml/2006/main" xmlns:c="http://schemas.openxmlformats.org/drawingml/2006/chart" xmlns:dgm="http://schemas.openxmlformats.org/drawingml/2006/diagram" xmlns:o="urn:schemas-microsoft-com:office:office" xmlns:v="urn:schemas-microsoft-com:vml" xmlns:pvml="urn:schemas-microsoft-com:office:powerpoint" xmlns:com="http://schemas.openxmlformats.org/drawingml/2006/compatibility" xmlns:p14="http://schemas.microsoft.com/office/powerpoint/2010/main" xmlns:p15="http://schemas.microsoft.com/office/powerpoint/2012/main" matchingName="Picture with Caption" type="picTx">
+<p:sldLayout xmlns:a="http://schemas.openxmlformats.org/drawingml/2006/main" xmlns:r="http://schemas.openxmlformats.org/officeDocument/2006/relationships" xmlns:p="http://schemas.openxmlformats.org/presentationml/2006/main" matchingName="Picture with Caption" type="picTx">
   <p:cSld name="PICTURE_WITH_CAPTION_TEXT">
     <p:spTree>
       <p:nvGrpSpPr>
-        <p:cNvPr id="61" name="Shape 61"/>
+        <p:cNvPr id="1" name="Shape 61"/>
         <p:cNvGrpSpPr/>
         <p:nvPr/>
       </p:nvGrpSpPr>
@@ -8252,7 +8467,9 @@
       <p:sp>
         <p:nvSpPr>
           <p:cNvPr id="62" name="Google Shape;62;p10"/>
-          <p:cNvSpPr txBox="1"/>
+          <p:cNvSpPr txBox="1">
+            <a:spLocks noGrp="1"/>
+          </p:cNvSpPr>
           <p:nvPr>
             <p:ph type="title"/>
           </p:nvPr>
@@ -8271,7 +8488,7 @@
           </a:ln>
         </p:spPr>
         <p:txBody>
-          <a:bodyPr anchorCtr="0" anchor="b" bIns="45700" lIns="91425" spcFirstLastPara="1" rIns="91425" wrap="square" tIns="45700"/>
+          <a:bodyPr spcFirstLastPara="1" wrap="square" lIns="91425" tIns="45700" rIns="91425" bIns="45700" anchor="b" anchorCtr="0"/>
           <a:lstStyle>
             <a:lvl1pPr lvl="0" algn="l">
               <a:lnSpc>
@@ -8380,15 +8597,19 @@
               <a:defRPr/>
             </a:lvl9pPr>
           </a:lstStyle>
-          <a:p/>
+          <a:p>
+            <a:endParaRPr/>
+          </a:p>
         </p:txBody>
       </p:sp>
       <p:sp>
         <p:nvSpPr>
           <p:cNvPr id="63" name="Google Shape;63;p10"/>
-          <p:cNvSpPr/>
+          <p:cNvSpPr>
+            <a:spLocks noGrp="1"/>
+          </p:cNvSpPr>
           <p:nvPr>
-            <p:ph idx="2" type="pic"/>
+            <p:ph type="pic" idx="2"/>
           </p:nvPr>
         </p:nvSpPr>
         <p:spPr>
@@ -8405,9 +8626,9 @@
           </a:ln>
         </p:spPr>
         <p:txBody>
-          <a:bodyPr anchorCtr="0" anchor="t" bIns="45700" lIns="91425" spcFirstLastPara="1" rIns="91425" wrap="square" tIns="45700"/>
+          <a:bodyPr spcFirstLastPara="1" wrap="square" lIns="91425" tIns="45700" rIns="91425" bIns="45700" anchor="t" anchorCtr="0"/>
           <a:lstStyle>
-            <a:lvl1pPr lvl="0" marR="0" rtl="0" algn="l">
+            <a:lvl1pPr marR="0" lvl="0" algn="l" rtl="0">
               <a:lnSpc>
                 <a:spcPct val="90000"/>
               </a:lnSpc>
@@ -8423,7 +8644,7 @@
               <a:buSzPts val="15360"/>
               <a:buFont typeface="Arial"/>
               <a:buNone/>
-              <a:defRPr b="0" i="0" sz="15360" u="none" cap="none" strike="noStrike">
+              <a:defRPr sz="15360" b="0" i="0" u="none" strike="noStrike" cap="none">
                 <a:solidFill>
                   <a:schemeClr val="dk1"/>
                 </a:solidFill>
@@ -8433,7 +8654,7 @@
                 <a:sym typeface="Calibri"/>
               </a:defRPr>
             </a:lvl1pPr>
-            <a:lvl2pPr lvl="1" marR="0" rtl="0" algn="l">
+            <a:lvl2pPr marR="0" lvl="1" algn="l" rtl="0">
               <a:lnSpc>
                 <a:spcPct val="90000"/>
               </a:lnSpc>
@@ -8449,7 +8670,7 @@
               <a:buSzPts val="13440"/>
               <a:buFont typeface="Arial"/>
               <a:buNone/>
-              <a:defRPr b="0" i="0" sz="13439" u="none" cap="none" strike="noStrike">
+              <a:defRPr sz="13439" b="0" i="0" u="none" strike="noStrike" cap="none">
                 <a:solidFill>
                   <a:schemeClr val="dk1"/>
                 </a:solidFill>
@@ -8459,7 +8680,7 @@
                 <a:sym typeface="Calibri"/>
               </a:defRPr>
             </a:lvl2pPr>
-            <a:lvl3pPr lvl="2" marR="0" rtl="0" algn="l">
+            <a:lvl3pPr marR="0" lvl="2" algn="l" rtl="0">
               <a:lnSpc>
                 <a:spcPct val="90000"/>
               </a:lnSpc>
@@ -8475,7 +8696,7 @@
               <a:buSzPts val="11520"/>
               <a:buFont typeface="Arial"/>
               <a:buNone/>
-              <a:defRPr b="0" i="0" sz="11520" u="none" cap="none" strike="noStrike">
+              <a:defRPr sz="11520" b="0" i="0" u="none" strike="noStrike" cap="none">
                 <a:solidFill>
                   <a:schemeClr val="dk1"/>
                 </a:solidFill>
@@ -8485,7 +8706,7 @@
                 <a:sym typeface="Calibri"/>
               </a:defRPr>
             </a:lvl3pPr>
-            <a:lvl4pPr lvl="3" marR="0" rtl="0" algn="l">
+            <a:lvl4pPr marR="0" lvl="3" algn="l" rtl="0">
               <a:lnSpc>
                 <a:spcPct val="90000"/>
               </a:lnSpc>
@@ -8501,7 +8722,7 @@
               <a:buSzPts val="9600"/>
               <a:buFont typeface="Arial"/>
               <a:buNone/>
-              <a:defRPr b="0" i="0" sz="9600" u="none" cap="none" strike="noStrike">
+              <a:defRPr sz="9600" b="0" i="0" u="none" strike="noStrike" cap="none">
                 <a:solidFill>
                   <a:schemeClr val="dk1"/>
                 </a:solidFill>
@@ -8511,7 +8732,7 @@
                 <a:sym typeface="Calibri"/>
               </a:defRPr>
             </a:lvl4pPr>
-            <a:lvl5pPr lvl="4" marR="0" rtl="0" algn="l">
+            <a:lvl5pPr marR="0" lvl="4" algn="l" rtl="0">
               <a:lnSpc>
                 <a:spcPct val="90000"/>
               </a:lnSpc>
@@ -8527,7 +8748,7 @@
               <a:buSzPts val="9600"/>
               <a:buFont typeface="Arial"/>
               <a:buNone/>
-              <a:defRPr b="0" i="0" sz="9600" u="none" cap="none" strike="noStrike">
+              <a:defRPr sz="9600" b="0" i="0" u="none" strike="noStrike" cap="none">
                 <a:solidFill>
                   <a:schemeClr val="dk1"/>
                 </a:solidFill>
@@ -8537,7 +8758,7 @@
                 <a:sym typeface="Calibri"/>
               </a:defRPr>
             </a:lvl5pPr>
-            <a:lvl6pPr lvl="5" marR="0" rtl="0" algn="l">
+            <a:lvl6pPr marR="0" lvl="5" algn="l" rtl="0">
               <a:lnSpc>
                 <a:spcPct val="90000"/>
               </a:lnSpc>
@@ -8553,7 +8774,7 @@
               <a:buSzPts val="9600"/>
               <a:buFont typeface="Arial"/>
               <a:buNone/>
-              <a:defRPr b="0" i="0" sz="9600" u="none" cap="none" strike="noStrike">
+              <a:defRPr sz="9600" b="0" i="0" u="none" strike="noStrike" cap="none">
                 <a:solidFill>
                   <a:schemeClr val="dk1"/>
                 </a:solidFill>
@@ -8563,7 +8784,7 @@
                 <a:sym typeface="Calibri"/>
               </a:defRPr>
             </a:lvl6pPr>
-            <a:lvl7pPr lvl="6" marR="0" rtl="0" algn="l">
+            <a:lvl7pPr marR="0" lvl="6" algn="l" rtl="0">
               <a:lnSpc>
                 <a:spcPct val="90000"/>
               </a:lnSpc>
@@ -8579,7 +8800,7 @@
               <a:buSzPts val="9600"/>
               <a:buFont typeface="Arial"/>
               <a:buNone/>
-              <a:defRPr b="0" i="0" sz="9600" u="none" cap="none" strike="noStrike">
+              <a:defRPr sz="9600" b="0" i="0" u="none" strike="noStrike" cap="none">
                 <a:solidFill>
                   <a:schemeClr val="dk1"/>
                 </a:solidFill>
@@ -8589,7 +8810,7 @@
                 <a:sym typeface="Calibri"/>
               </a:defRPr>
             </a:lvl7pPr>
-            <a:lvl8pPr lvl="7" marR="0" rtl="0" algn="l">
+            <a:lvl8pPr marR="0" lvl="7" algn="l" rtl="0">
               <a:lnSpc>
                 <a:spcPct val="90000"/>
               </a:lnSpc>
@@ -8605,7 +8826,7 @@
               <a:buSzPts val="9600"/>
               <a:buFont typeface="Arial"/>
               <a:buNone/>
-              <a:defRPr b="0" i="0" sz="9600" u="none" cap="none" strike="noStrike">
+              <a:defRPr sz="9600" b="0" i="0" u="none" strike="noStrike" cap="none">
                 <a:solidFill>
                   <a:schemeClr val="dk1"/>
                 </a:solidFill>
@@ -8615,7 +8836,7 @@
                 <a:sym typeface="Calibri"/>
               </a:defRPr>
             </a:lvl8pPr>
-            <a:lvl9pPr lvl="8" marR="0" rtl="0" algn="l">
+            <a:lvl9pPr marR="0" lvl="8" algn="l" rtl="0">
               <a:lnSpc>
                 <a:spcPct val="90000"/>
               </a:lnSpc>
@@ -8631,7 +8852,7 @@
               <a:buSzPts val="9600"/>
               <a:buFont typeface="Arial"/>
               <a:buNone/>
-              <a:defRPr b="0" i="0" sz="9600" u="none" cap="none" strike="noStrike">
+              <a:defRPr sz="9600" b="0" i="0" u="none" strike="noStrike" cap="none">
                 <a:solidFill>
                   <a:schemeClr val="dk1"/>
                 </a:solidFill>
@@ -8642,15 +8863,19 @@
               </a:defRPr>
             </a:lvl9pPr>
           </a:lstStyle>
-          <a:p/>
+          <a:p>
+            <a:endParaRPr/>
+          </a:p>
         </p:txBody>
       </p:sp>
       <p:sp>
         <p:nvSpPr>
           <p:cNvPr id="64" name="Google Shape;64;p10"/>
-          <p:cNvSpPr txBox="1"/>
+          <p:cNvSpPr txBox="1">
+            <a:spLocks noGrp="1"/>
+          </p:cNvSpPr>
           <p:nvPr>
-            <p:ph idx="1" type="body"/>
+            <p:ph type="body" idx="1"/>
           </p:nvPr>
         </p:nvSpPr>
         <p:spPr>
@@ -8667,9 +8892,9 @@
           </a:ln>
         </p:spPr>
         <p:txBody>
-          <a:bodyPr anchorCtr="0" anchor="t" bIns="45700" lIns="91425" spcFirstLastPara="1" rIns="91425" wrap="square" tIns="45700"/>
+          <a:bodyPr spcFirstLastPara="1" wrap="square" lIns="91425" tIns="45700" rIns="91425" bIns="45700" anchor="t" anchorCtr="0"/>
           <a:lstStyle>
-            <a:lvl1pPr indent="-228600" lvl="0" marL="457200" algn="l">
+            <a:lvl1pPr marL="457200" lvl="0" indent="-228600" algn="l">
               <a:lnSpc>
                 <a:spcPct val="90000"/>
               </a:lnSpc>
@@ -8686,7 +8911,7 @@
               <a:buNone/>
               <a:defRPr sz="7680"/>
             </a:lvl1pPr>
-            <a:lvl2pPr indent="-228600" lvl="1" marL="914400" algn="l">
+            <a:lvl2pPr marL="914400" lvl="1" indent="-228600" algn="l">
               <a:lnSpc>
                 <a:spcPct val="90000"/>
               </a:lnSpc>
@@ -8703,7 +8928,7 @@
               <a:buNone/>
               <a:defRPr sz="6719"/>
             </a:lvl2pPr>
-            <a:lvl3pPr indent="-228600" lvl="2" marL="1371600" algn="l">
+            <a:lvl3pPr marL="1371600" lvl="2" indent="-228600" algn="l">
               <a:lnSpc>
                 <a:spcPct val="90000"/>
               </a:lnSpc>
@@ -8720,7 +8945,7 @@
               <a:buNone/>
               <a:defRPr sz="5760"/>
             </a:lvl3pPr>
-            <a:lvl4pPr indent="-228600" lvl="3" marL="1828800" algn="l">
+            <a:lvl4pPr marL="1828800" lvl="3" indent="-228600" algn="l">
               <a:lnSpc>
                 <a:spcPct val="90000"/>
               </a:lnSpc>
@@ -8737,7 +8962,7 @@
               <a:buNone/>
               <a:defRPr sz="4800"/>
             </a:lvl4pPr>
-            <a:lvl5pPr indent="-228600" lvl="4" marL="2286000" algn="l">
+            <a:lvl5pPr marL="2286000" lvl="4" indent="-228600" algn="l">
               <a:lnSpc>
                 <a:spcPct val="90000"/>
               </a:lnSpc>
@@ -8754,7 +8979,7 @@
               <a:buNone/>
               <a:defRPr sz="4800"/>
             </a:lvl5pPr>
-            <a:lvl6pPr indent="-228600" lvl="5" marL="2743200" algn="l">
+            <a:lvl6pPr marL="2743200" lvl="5" indent="-228600" algn="l">
               <a:lnSpc>
                 <a:spcPct val="90000"/>
               </a:lnSpc>
@@ -8771,7 +8996,7 @@
               <a:buNone/>
               <a:defRPr sz="4800"/>
             </a:lvl6pPr>
-            <a:lvl7pPr indent="-228600" lvl="6" marL="3200400" algn="l">
+            <a:lvl7pPr marL="3200400" lvl="6" indent="-228600" algn="l">
               <a:lnSpc>
                 <a:spcPct val="90000"/>
               </a:lnSpc>
@@ -8788,7 +9013,7 @@
               <a:buNone/>
               <a:defRPr sz="4800"/>
             </a:lvl7pPr>
-            <a:lvl8pPr indent="-228600" lvl="7" marL="3657600" algn="l">
+            <a:lvl8pPr marL="3657600" lvl="7" indent="-228600" algn="l">
               <a:lnSpc>
                 <a:spcPct val="90000"/>
               </a:lnSpc>
@@ -8805,7 +9030,7 @@
               <a:buNone/>
               <a:defRPr sz="4800"/>
             </a:lvl8pPr>
-            <a:lvl9pPr indent="-228600" lvl="8" marL="4114800" algn="l">
+            <a:lvl9pPr marL="4114800" lvl="8" indent="-228600" algn="l">
               <a:lnSpc>
                 <a:spcPct val="90000"/>
               </a:lnSpc>
@@ -8823,15 +9048,19 @@
               <a:defRPr sz="4800"/>
             </a:lvl9pPr>
           </a:lstStyle>
-          <a:p/>
+          <a:p>
+            <a:endParaRPr/>
+          </a:p>
         </p:txBody>
       </p:sp>
       <p:sp>
         <p:nvSpPr>
           <p:cNvPr id="65" name="Google Shape;65;p10"/>
-          <p:cNvSpPr txBox="1"/>
+          <p:cNvSpPr txBox="1">
+            <a:spLocks noGrp="1"/>
+          </p:cNvSpPr>
           <p:nvPr>
-            <p:ph idx="10" type="dt"/>
+            <p:ph type="dt" idx="10"/>
           </p:nvPr>
         </p:nvSpPr>
         <p:spPr>
@@ -8848,7 +9077,7 @@
           </a:ln>
         </p:spPr>
         <p:txBody>
-          <a:bodyPr anchorCtr="0" anchor="ctr" bIns="45700" lIns="91425" spcFirstLastPara="1" rIns="91425" wrap="square" tIns="45700"/>
+          <a:bodyPr spcFirstLastPara="1" wrap="square" lIns="91425" tIns="45700" rIns="91425" bIns="45700" anchor="ctr" anchorCtr="0"/>
           <a:lstStyle>
             <a:lvl1pPr lvl="0" algn="l">
               <a:spcBef>
@@ -8950,15 +9179,19 @@
               <a:defRPr/>
             </a:lvl9pPr>
           </a:lstStyle>
-          <a:p/>
+          <a:p>
+            <a:endParaRPr/>
+          </a:p>
         </p:txBody>
       </p:sp>
       <p:sp>
         <p:nvSpPr>
           <p:cNvPr id="66" name="Google Shape;66;p10"/>
-          <p:cNvSpPr txBox="1"/>
+          <p:cNvSpPr txBox="1">
+            <a:spLocks noGrp="1"/>
+          </p:cNvSpPr>
           <p:nvPr>
-            <p:ph idx="11" type="ftr"/>
+            <p:ph type="ftr" idx="11"/>
           </p:nvPr>
         </p:nvSpPr>
         <p:spPr>
@@ -8975,7 +9208,7 @@
           </a:ln>
         </p:spPr>
         <p:txBody>
-          <a:bodyPr anchorCtr="0" anchor="ctr" bIns="45700" lIns="91425" spcFirstLastPara="1" rIns="91425" wrap="square" tIns="45700"/>
+          <a:bodyPr spcFirstLastPara="1" wrap="square" lIns="91425" tIns="45700" rIns="91425" bIns="45700" anchor="ctr" anchorCtr="0"/>
           <a:lstStyle>
             <a:lvl1pPr lvl="0" algn="ctr">
               <a:spcBef>
@@ -9077,15 +9310,19 @@
               <a:defRPr/>
             </a:lvl9pPr>
           </a:lstStyle>
-          <a:p/>
+          <a:p>
+            <a:endParaRPr/>
+          </a:p>
         </p:txBody>
       </p:sp>
       <p:sp>
         <p:nvSpPr>
           <p:cNvPr id="67" name="Google Shape;67;p10"/>
-          <p:cNvSpPr txBox="1"/>
+          <p:cNvSpPr txBox="1">
+            <a:spLocks noGrp="1"/>
+          </p:cNvSpPr>
           <p:nvPr>
-            <p:ph idx="12" type="sldNum"/>
+            <p:ph type="sldNum" idx="12"/>
           </p:nvPr>
         </p:nvSpPr>
         <p:spPr>
@@ -9102,67 +9339,67 @@
           </a:ln>
         </p:spPr>
         <p:txBody>
-          <a:bodyPr anchorCtr="0" anchor="ctr" bIns="45700" lIns="91425" spcFirstLastPara="1" rIns="91425" wrap="square" tIns="45700">
+          <a:bodyPr spcFirstLastPara="1" wrap="square" lIns="91425" tIns="45700" rIns="91425" bIns="45700" anchor="ctr" anchorCtr="0">
             <a:noAutofit/>
           </a:bodyPr>
           <a:lstStyle>
-            <a:lvl1pPr indent="0" lvl="0" marL="0" algn="r">
+            <a:lvl1pPr marL="0" lvl="0" indent="0" algn="r">
               <a:spcBef>
                 <a:spcPts val="0"/>
               </a:spcBef>
               <a:buNone/>
               <a:defRPr/>
             </a:lvl1pPr>
-            <a:lvl2pPr indent="0" lvl="1" marL="0" algn="r">
+            <a:lvl2pPr marL="0" lvl="1" indent="0" algn="r">
               <a:spcBef>
                 <a:spcPts val="0"/>
               </a:spcBef>
               <a:buNone/>
               <a:defRPr/>
             </a:lvl2pPr>
-            <a:lvl3pPr indent="0" lvl="2" marL="0" algn="r">
+            <a:lvl3pPr marL="0" lvl="2" indent="0" algn="r">
               <a:spcBef>
                 <a:spcPts val="0"/>
               </a:spcBef>
               <a:buNone/>
               <a:defRPr/>
             </a:lvl3pPr>
-            <a:lvl4pPr indent="0" lvl="3" marL="0" algn="r">
+            <a:lvl4pPr marL="0" lvl="3" indent="0" algn="r">
               <a:spcBef>
                 <a:spcPts val="0"/>
               </a:spcBef>
               <a:buNone/>
               <a:defRPr/>
             </a:lvl4pPr>
-            <a:lvl5pPr indent="0" lvl="4" marL="0" algn="r">
+            <a:lvl5pPr marL="0" lvl="4" indent="0" algn="r">
               <a:spcBef>
                 <a:spcPts val="0"/>
               </a:spcBef>
               <a:buNone/>
               <a:defRPr/>
             </a:lvl5pPr>
-            <a:lvl6pPr indent="0" lvl="5" marL="0" algn="r">
+            <a:lvl6pPr marL="0" lvl="5" indent="0" algn="r">
               <a:spcBef>
                 <a:spcPts val="0"/>
               </a:spcBef>
               <a:buNone/>
               <a:defRPr/>
             </a:lvl6pPr>
-            <a:lvl7pPr indent="0" lvl="6" marL="0" algn="r">
+            <a:lvl7pPr marL="0" lvl="6" indent="0" algn="r">
               <a:spcBef>
                 <a:spcPts val="0"/>
               </a:spcBef>
               <a:buNone/>
               <a:defRPr/>
             </a:lvl7pPr>
-            <a:lvl8pPr indent="0" lvl="7" marL="0" algn="r">
+            <a:lvl8pPr marL="0" lvl="7" indent="0" algn="r">
               <a:spcBef>
                 <a:spcPts val="0"/>
               </a:spcBef>
               <a:buNone/>
               <a:defRPr/>
             </a:lvl8pPr>
-            <a:lvl9pPr indent="0" lvl="8" marL="0" algn="r">
+            <a:lvl9pPr marL="0" lvl="8" indent="0" algn="r">
               <a:spcBef>
                 <a:spcPts val="0"/>
               </a:spcBef>
@@ -9171,7 +9408,7 @@
             </a:lvl9pPr>
           </a:lstStyle>
           <a:p>
-            <a:pPr indent="0" lvl="0" marL="0" rtl="0" algn="r">
+            <a:pPr marL="0" lvl="0" indent="0" algn="r" rtl="0">
               <a:spcBef>
                 <a:spcPts val="0"/>
               </a:spcBef>
@@ -9197,18 +9434,19 @@
 </file>
 
 <file path=ppt/slideMasters/slideMaster1.xml><?xml version="1.0" encoding="utf-8"?>
-<p:sldMaster xmlns:a="http://schemas.openxmlformats.org/drawingml/2006/main" xmlns:r="http://schemas.openxmlformats.org/officeDocument/2006/relationships" xmlns:mc="http://schemas.openxmlformats.org/markup-compatibility/2006" xmlns:mv="urn:schemas-microsoft-com:mac:vml" xmlns:p="http://schemas.openxmlformats.org/presentationml/2006/main" xmlns:c="http://schemas.openxmlformats.org/drawingml/2006/chart" xmlns:dgm="http://schemas.openxmlformats.org/drawingml/2006/diagram" xmlns:o="urn:schemas-microsoft-com:office:office" xmlns:v="urn:schemas-microsoft-com:vml" xmlns:pvml="urn:schemas-microsoft-com:office:powerpoint" xmlns:com="http://schemas.openxmlformats.org/drawingml/2006/compatibility" xmlns:p14="http://schemas.microsoft.com/office/powerpoint/2010/main" xmlns:p15="http://schemas.microsoft.com/office/powerpoint/2012/main">
+<p:sldMaster xmlns:a="http://schemas.openxmlformats.org/drawingml/2006/main" xmlns:r="http://schemas.openxmlformats.org/officeDocument/2006/relationships" xmlns:p="http://schemas.openxmlformats.org/presentationml/2006/main">
   <p:cSld>
     <p:bg>
       <p:bgPr>
         <a:solidFill>
           <a:schemeClr val="lt1"/>
         </a:solidFill>
+        <a:effectLst/>
       </p:bgPr>
     </p:bg>
     <p:spTree>
       <p:nvGrpSpPr>
-        <p:cNvPr id="5" name="Shape 5"/>
+        <p:cNvPr id="1" name="Shape 5"/>
         <p:cNvGrpSpPr/>
         <p:nvPr/>
       </p:nvGrpSpPr>
@@ -9223,7 +9461,9 @@
       <p:sp>
         <p:nvSpPr>
           <p:cNvPr id="6" name="Google Shape;6;p1"/>
-          <p:cNvSpPr txBox="1"/>
+          <p:cNvSpPr txBox="1">
+            <a:spLocks noGrp="1"/>
+          </p:cNvSpPr>
           <p:nvPr>
             <p:ph type="title"/>
           </p:nvPr>
@@ -9242,9 +9482,9 @@
           </a:ln>
         </p:spPr>
         <p:txBody>
-          <a:bodyPr anchorCtr="0" anchor="ctr" bIns="45700" lIns="91425" spcFirstLastPara="1" rIns="91425" wrap="square" tIns="45700"/>
+          <a:bodyPr spcFirstLastPara="1" wrap="square" lIns="91425" tIns="45700" rIns="91425" bIns="45700" anchor="ctr" anchorCtr="0"/>
           <a:lstStyle>
-            <a:lvl1pPr lvl="0" marR="0" rtl="0" algn="l">
+            <a:lvl1pPr marR="0" lvl="0" algn="l" rtl="0">
               <a:lnSpc>
                 <a:spcPct val="90000"/>
               </a:lnSpc>
@@ -9260,7 +9500,7 @@
               <a:buSzPts val="21120"/>
               <a:buFont typeface="Calibri"/>
               <a:buNone/>
-              <a:defRPr b="0" i="0" sz="21120" u="none" cap="none" strike="noStrike">
+              <a:defRPr sz="21120" b="0" i="0" u="none" strike="noStrike" cap="none">
                 <a:solidFill>
                   <a:schemeClr val="dk1"/>
                 </a:solidFill>
@@ -9359,15 +9599,19 @@
               <a:defRPr sz="1800"/>
             </a:lvl9pPr>
           </a:lstStyle>
-          <a:p/>
+          <a:p>
+            <a:endParaRPr/>
+          </a:p>
         </p:txBody>
       </p:sp>
       <p:sp>
         <p:nvSpPr>
           <p:cNvPr id="7" name="Google Shape;7;p1"/>
-          <p:cNvSpPr txBox="1"/>
+          <p:cNvSpPr txBox="1">
+            <a:spLocks noGrp="1"/>
+          </p:cNvSpPr>
           <p:nvPr>
-            <p:ph idx="1" type="body"/>
+            <p:ph type="body" idx="1"/>
           </p:nvPr>
         </p:nvSpPr>
         <p:spPr>
@@ -9384,9 +9628,9 @@
           </a:ln>
         </p:spPr>
         <p:txBody>
-          <a:bodyPr anchorCtr="0" anchor="t" bIns="45700" lIns="91425" spcFirstLastPara="1" rIns="91425" wrap="square" tIns="45700"/>
+          <a:bodyPr spcFirstLastPara="1" wrap="square" lIns="91425" tIns="45700" rIns="91425" bIns="45700" anchor="t" anchorCtr="0"/>
           <a:lstStyle>
-            <a:lvl1pPr indent="-1082040" lvl="0" marL="457200" marR="0" rtl="0" algn="l">
+            <a:lvl1pPr marL="457200" marR="0" lvl="0" indent="-1082040" algn="l" rtl="0">
               <a:lnSpc>
                 <a:spcPct val="90000"/>
               </a:lnSpc>
@@ -9402,7 +9646,7 @@
               <a:buSzPts val="13440"/>
               <a:buFont typeface="Arial"/>
               <a:buChar char="•"/>
-              <a:defRPr b="0" i="0" sz="13439" u="none" cap="none" strike="noStrike">
+              <a:defRPr sz="13439" b="0" i="0" u="none" strike="noStrike" cap="none">
                 <a:solidFill>
                   <a:schemeClr val="dk1"/>
                 </a:solidFill>
@@ -9412,7 +9656,7 @@
                 <a:sym typeface="Calibri"/>
               </a:defRPr>
             </a:lvl1pPr>
-            <a:lvl2pPr indent="-960120" lvl="1" marL="914400" marR="0" rtl="0" algn="l">
+            <a:lvl2pPr marL="914400" marR="0" lvl="1" indent="-960120" algn="l" rtl="0">
               <a:lnSpc>
                 <a:spcPct val="90000"/>
               </a:lnSpc>
@@ -9428,7 +9672,7 @@
               <a:buSzPts val="11520"/>
               <a:buFont typeface="Arial"/>
               <a:buChar char="•"/>
-              <a:defRPr b="0" i="0" sz="11520" u="none" cap="none" strike="noStrike">
+              <a:defRPr sz="11520" b="0" i="0" u="none" strike="noStrike" cap="none">
                 <a:solidFill>
                   <a:schemeClr val="dk1"/>
                 </a:solidFill>
@@ -9438,7 +9682,7 @@
                 <a:sym typeface="Calibri"/>
               </a:defRPr>
             </a:lvl2pPr>
-            <a:lvl3pPr indent="-838200" lvl="2" marL="1371600" marR="0" rtl="0" algn="l">
+            <a:lvl3pPr marL="1371600" marR="0" lvl="2" indent="-838200" algn="l" rtl="0">
               <a:lnSpc>
                 <a:spcPct val="90000"/>
               </a:lnSpc>
@@ -9454,7 +9698,7 @@
               <a:buSzPts val="9600"/>
               <a:buFont typeface="Arial"/>
               <a:buChar char="•"/>
-              <a:defRPr b="0" i="0" sz="9600" u="none" cap="none" strike="noStrike">
+              <a:defRPr sz="9600" b="0" i="0" u="none" strike="noStrike" cap="none">
                 <a:solidFill>
                   <a:schemeClr val="dk1"/>
                 </a:solidFill>
@@ -9464,7 +9708,7 @@
                 <a:sym typeface="Calibri"/>
               </a:defRPr>
             </a:lvl3pPr>
-            <a:lvl4pPr indent="-777239" lvl="3" marL="1828800" marR="0" rtl="0" algn="l">
+            <a:lvl4pPr marL="1828800" marR="0" lvl="3" indent="-777239" algn="l" rtl="0">
               <a:lnSpc>
                 <a:spcPct val="90000"/>
               </a:lnSpc>
@@ -9480,7 +9724,7 @@
               <a:buSzPts val="8640"/>
               <a:buFont typeface="Arial"/>
               <a:buChar char="•"/>
-              <a:defRPr b="0" i="0" sz="8640" u="none" cap="none" strike="noStrike">
+              <a:defRPr sz="8640" b="0" i="0" u="none" strike="noStrike" cap="none">
                 <a:solidFill>
                   <a:schemeClr val="dk1"/>
                 </a:solidFill>
@@ -9490,7 +9734,7 @@
                 <a:sym typeface="Calibri"/>
               </a:defRPr>
             </a:lvl4pPr>
-            <a:lvl5pPr indent="-777239" lvl="4" marL="2286000" marR="0" rtl="0" algn="l">
+            <a:lvl5pPr marL="2286000" marR="0" lvl="4" indent="-777239" algn="l" rtl="0">
               <a:lnSpc>
                 <a:spcPct val="90000"/>
               </a:lnSpc>
@@ -9506,7 +9750,7 @@
               <a:buSzPts val="8640"/>
               <a:buFont typeface="Arial"/>
               <a:buChar char="•"/>
-              <a:defRPr b="0" i="0" sz="8640" u="none" cap="none" strike="noStrike">
+              <a:defRPr sz="8640" b="0" i="0" u="none" strike="noStrike" cap="none">
                 <a:solidFill>
                   <a:schemeClr val="dk1"/>
                 </a:solidFill>
@@ -9516,7 +9760,7 @@
                 <a:sym typeface="Calibri"/>
               </a:defRPr>
             </a:lvl5pPr>
-            <a:lvl6pPr indent="-777239" lvl="5" marL="2743200" marR="0" rtl="0" algn="l">
+            <a:lvl6pPr marL="2743200" marR="0" lvl="5" indent="-777239" algn="l" rtl="0">
               <a:lnSpc>
                 <a:spcPct val="90000"/>
               </a:lnSpc>
@@ -9532,7 +9776,7 @@
               <a:buSzPts val="8640"/>
               <a:buFont typeface="Arial"/>
               <a:buChar char="•"/>
-              <a:defRPr b="0" i="0" sz="8640" u="none" cap="none" strike="noStrike">
+              <a:defRPr sz="8640" b="0" i="0" u="none" strike="noStrike" cap="none">
                 <a:solidFill>
                   <a:schemeClr val="dk1"/>
                 </a:solidFill>
@@ -9542,7 +9786,7 @@
                 <a:sym typeface="Calibri"/>
               </a:defRPr>
             </a:lvl6pPr>
-            <a:lvl7pPr indent="-777239" lvl="6" marL="3200400" marR="0" rtl="0" algn="l">
+            <a:lvl7pPr marL="3200400" marR="0" lvl="6" indent="-777239" algn="l" rtl="0">
               <a:lnSpc>
                 <a:spcPct val="90000"/>
               </a:lnSpc>
@@ -9558,7 +9802,7 @@
               <a:buSzPts val="8640"/>
               <a:buFont typeface="Arial"/>
               <a:buChar char="•"/>
-              <a:defRPr b="0" i="0" sz="8640" u="none" cap="none" strike="noStrike">
+              <a:defRPr sz="8640" b="0" i="0" u="none" strike="noStrike" cap="none">
                 <a:solidFill>
                   <a:schemeClr val="dk1"/>
                 </a:solidFill>
@@ -9568,7 +9812,7 @@
                 <a:sym typeface="Calibri"/>
               </a:defRPr>
             </a:lvl7pPr>
-            <a:lvl8pPr indent="-777239" lvl="7" marL="3657600" marR="0" rtl="0" algn="l">
+            <a:lvl8pPr marL="3657600" marR="0" lvl="7" indent="-777239" algn="l" rtl="0">
               <a:lnSpc>
                 <a:spcPct val="90000"/>
               </a:lnSpc>
@@ -9584,7 +9828,7 @@
               <a:buSzPts val="8640"/>
               <a:buFont typeface="Arial"/>
               <a:buChar char="•"/>
-              <a:defRPr b="0" i="0" sz="8640" u="none" cap="none" strike="noStrike">
+              <a:defRPr sz="8640" b="0" i="0" u="none" strike="noStrike" cap="none">
                 <a:solidFill>
                   <a:schemeClr val="dk1"/>
                 </a:solidFill>
@@ -9594,7 +9838,7 @@
                 <a:sym typeface="Calibri"/>
               </a:defRPr>
             </a:lvl8pPr>
-            <a:lvl9pPr indent="-777240" lvl="8" marL="4114800" marR="0" rtl="0" algn="l">
+            <a:lvl9pPr marL="4114800" marR="0" lvl="8" indent="-777240" algn="l" rtl="0">
               <a:lnSpc>
                 <a:spcPct val="90000"/>
               </a:lnSpc>
@@ -9610,7 +9854,7 @@
               <a:buSzPts val="8640"/>
               <a:buFont typeface="Arial"/>
               <a:buChar char="•"/>
-              <a:defRPr b="0" i="0" sz="8640" u="none" cap="none" strike="noStrike">
+              <a:defRPr sz="8640" b="0" i="0" u="none" strike="noStrike" cap="none">
                 <a:solidFill>
                   <a:schemeClr val="dk1"/>
                 </a:solidFill>
@@ -9621,15 +9865,19 @@
               </a:defRPr>
             </a:lvl9pPr>
           </a:lstStyle>
-          <a:p/>
+          <a:p>
+            <a:endParaRPr/>
+          </a:p>
         </p:txBody>
       </p:sp>
       <p:sp>
         <p:nvSpPr>
           <p:cNvPr id="8" name="Google Shape;8;p1"/>
-          <p:cNvSpPr txBox="1"/>
+          <p:cNvSpPr txBox="1">
+            <a:spLocks noGrp="1"/>
+          </p:cNvSpPr>
           <p:nvPr>
-            <p:ph idx="10" type="dt"/>
+            <p:ph type="dt" idx="10"/>
           </p:nvPr>
         </p:nvSpPr>
         <p:spPr>
@@ -9646,18 +9894,18 @@
           </a:ln>
         </p:spPr>
         <p:txBody>
-          <a:bodyPr anchorCtr="0" anchor="ctr" bIns="45700" lIns="91425" spcFirstLastPara="1" rIns="91425" wrap="square" tIns="45700"/>
+          <a:bodyPr spcFirstLastPara="1" wrap="square" lIns="91425" tIns="45700" rIns="91425" bIns="45700" anchor="ctr" anchorCtr="0"/>
           <a:lstStyle>
-            <a:lvl1pPr lvl="0" marR="0" rtl="0" algn="l">
-              <a:spcBef>
-                <a:spcPts val="0"/>
-              </a:spcBef>
-              <a:spcAft>
-                <a:spcPts val="0"/>
-              </a:spcAft>
-              <a:buSzPts val="1400"/>
-              <a:buNone/>
-              <a:defRPr b="0" i="0" sz="5760" u="none" cap="none" strike="noStrike">
+            <a:lvl1pPr marR="0" lvl="0" algn="l" rtl="0">
+              <a:spcBef>
+                <a:spcPts val="0"/>
+              </a:spcBef>
+              <a:spcAft>
+                <a:spcPts val="0"/>
+              </a:spcAft>
+              <a:buSzPts val="1400"/>
+              <a:buNone/>
+              <a:defRPr sz="5760" b="0" i="0" u="none" strike="noStrike" cap="none">
                 <a:solidFill>
                   <a:srgbClr val="888888"/>
                 </a:solidFill>
@@ -9667,16 +9915,16 @@
                 <a:sym typeface="Calibri"/>
               </a:defRPr>
             </a:lvl1pPr>
-            <a:lvl2pPr lvl="1" marR="0" rtl="0" algn="l">
-              <a:spcBef>
-                <a:spcPts val="0"/>
-              </a:spcBef>
-              <a:spcAft>
-                <a:spcPts val="0"/>
-              </a:spcAft>
-              <a:buSzPts val="1400"/>
-              <a:buNone/>
-              <a:defRPr b="0" i="0" sz="1800" u="none" cap="none" strike="noStrike">
+            <a:lvl2pPr marR="0" lvl="1" algn="l" rtl="0">
+              <a:spcBef>
+                <a:spcPts val="0"/>
+              </a:spcBef>
+              <a:spcAft>
+                <a:spcPts val="0"/>
+              </a:spcAft>
+              <a:buSzPts val="1400"/>
+              <a:buNone/>
+              <a:defRPr sz="1800" b="0" i="0" u="none" strike="noStrike" cap="none">
                 <a:solidFill>
                   <a:schemeClr val="dk1"/>
                 </a:solidFill>
@@ -9686,16 +9934,16 @@
                 <a:sym typeface="Calibri"/>
               </a:defRPr>
             </a:lvl2pPr>
-            <a:lvl3pPr lvl="2" marR="0" rtl="0" algn="l">
-              <a:spcBef>
-                <a:spcPts val="0"/>
-              </a:spcBef>
-              <a:spcAft>
-                <a:spcPts val="0"/>
-              </a:spcAft>
-              <a:buSzPts val="1400"/>
-              <a:buNone/>
-              <a:defRPr b="0" i="0" sz="1800" u="none" cap="none" strike="noStrike">
+            <a:lvl3pPr marR="0" lvl="2" algn="l" rtl="0">
+              <a:spcBef>
+                <a:spcPts val="0"/>
+              </a:spcBef>
+              <a:spcAft>
+                <a:spcPts val="0"/>
+              </a:spcAft>
+              <a:buSzPts val="1400"/>
+              <a:buNone/>
+              <a:defRPr sz="1800" b="0" i="0" u="none" strike="noStrike" cap="none">
                 <a:solidFill>
                   <a:schemeClr val="dk1"/>
                 </a:solidFill>
@@ -9705,16 +9953,16 @@
                 <a:sym typeface="Calibri"/>
               </a:defRPr>
             </a:lvl3pPr>
-            <a:lvl4pPr lvl="3" marR="0" rtl="0" algn="l">
-              <a:spcBef>
-                <a:spcPts val="0"/>
-              </a:spcBef>
-              <a:spcAft>
-                <a:spcPts val="0"/>
-              </a:spcAft>
-              <a:buSzPts val="1400"/>
-              <a:buNone/>
-              <a:defRPr b="0" i="0" sz="1800" u="none" cap="none" strike="noStrike">
+            <a:lvl4pPr marR="0" lvl="3" algn="l" rtl="0">
+              <a:spcBef>
+                <a:spcPts val="0"/>
+              </a:spcBef>
+              <a:spcAft>
+                <a:spcPts val="0"/>
+              </a:spcAft>
+              <a:buSzPts val="1400"/>
+              <a:buNone/>
+              <a:defRPr sz="1800" b="0" i="0" u="none" strike="noStrike" cap="none">
                 <a:solidFill>
                   <a:schemeClr val="dk1"/>
                 </a:solidFill>
@@ -9724,16 +9972,16 @@
                 <a:sym typeface="Calibri"/>
               </a:defRPr>
             </a:lvl4pPr>
-            <a:lvl5pPr lvl="4" marR="0" rtl="0" algn="l">
-              <a:spcBef>
-                <a:spcPts val="0"/>
-              </a:spcBef>
-              <a:spcAft>
-                <a:spcPts val="0"/>
-              </a:spcAft>
-              <a:buSzPts val="1400"/>
-              <a:buNone/>
-              <a:defRPr b="0" i="0" sz="1800" u="none" cap="none" strike="noStrike">
+            <a:lvl5pPr marR="0" lvl="4" algn="l" rtl="0">
+              <a:spcBef>
+                <a:spcPts val="0"/>
+              </a:spcBef>
+              <a:spcAft>
+                <a:spcPts val="0"/>
+              </a:spcAft>
+              <a:buSzPts val="1400"/>
+              <a:buNone/>
+              <a:defRPr sz="1800" b="0" i="0" u="none" strike="noStrike" cap="none">
                 <a:solidFill>
                   <a:schemeClr val="dk1"/>
                 </a:solidFill>
@@ -9743,16 +9991,16 @@
                 <a:sym typeface="Calibri"/>
               </a:defRPr>
             </a:lvl5pPr>
-            <a:lvl6pPr lvl="5" marR="0" rtl="0" algn="l">
-              <a:spcBef>
-                <a:spcPts val="0"/>
-              </a:spcBef>
-              <a:spcAft>
-                <a:spcPts val="0"/>
-              </a:spcAft>
-              <a:buSzPts val="1400"/>
-              <a:buNone/>
-              <a:defRPr b="0" i="0" sz="1800" u="none" cap="none" strike="noStrike">
+            <a:lvl6pPr marR="0" lvl="5" algn="l" rtl="0">
+              <a:spcBef>
+                <a:spcPts val="0"/>
+              </a:spcBef>
+              <a:spcAft>
+                <a:spcPts val="0"/>
+              </a:spcAft>
+              <a:buSzPts val="1400"/>
+              <a:buNone/>
+              <a:defRPr sz="1800" b="0" i="0" u="none" strike="noStrike" cap="none">
                 <a:solidFill>
                   <a:schemeClr val="dk1"/>
                 </a:solidFill>
@@ -9762,16 +10010,16 @@
                 <a:sym typeface="Calibri"/>
               </a:defRPr>
             </a:lvl6pPr>
-            <a:lvl7pPr lvl="6" marR="0" rtl="0" algn="l">
-              <a:spcBef>
-                <a:spcPts val="0"/>
-              </a:spcBef>
-              <a:spcAft>
-                <a:spcPts val="0"/>
-              </a:spcAft>
-              <a:buSzPts val="1400"/>
-              <a:buNone/>
-              <a:defRPr b="0" i="0" sz="1800" u="none" cap="none" strike="noStrike">
+            <a:lvl7pPr marR="0" lvl="6" algn="l" rtl="0">
+              <a:spcBef>
+                <a:spcPts val="0"/>
+              </a:spcBef>
+              <a:spcAft>
+                <a:spcPts val="0"/>
+              </a:spcAft>
+              <a:buSzPts val="1400"/>
+              <a:buNone/>
+              <a:defRPr sz="1800" b="0" i="0" u="none" strike="noStrike" cap="none">
                 <a:solidFill>
                   <a:schemeClr val="dk1"/>
                 </a:solidFill>
@@ -9781,16 +10029,16 @@
                 <a:sym typeface="Calibri"/>
               </a:defRPr>
             </a:lvl7pPr>
-            <a:lvl8pPr lvl="7" marR="0" rtl="0" algn="l">
-              <a:spcBef>
-                <a:spcPts val="0"/>
-              </a:spcBef>
-              <a:spcAft>
-                <a:spcPts val="0"/>
-              </a:spcAft>
-              <a:buSzPts val="1400"/>
-              <a:buNone/>
-              <a:defRPr b="0" i="0" sz="1800" u="none" cap="none" strike="noStrike">
+            <a:lvl8pPr marR="0" lvl="7" algn="l" rtl="0">
+              <a:spcBef>
+                <a:spcPts val="0"/>
+              </a:spcBef>
+              <a:spcAft>
+                <a:spcPts val="0"/>
+              </a:spcAft>
+              <a:buSzPts val="1400"/>
+              <a:buNone/>
+              <a:defRPr sz="1800" b="0" i="0" u="none" strike="noStrike" cap="none">
                 <a:solidFill>
                   <a:schemeClr val="dk1"/>
                 </a:solidFill>
@@ -9800,16 +10048,16 @@
                 <a:sym typeface="Calibri"/>
               </a:defRPr>
             </a:lvl8pPr>
-            <a:lvl9pPr lvl="8" marR="0" rtl="0" algn="l">
-              <a:spcBef>
-                <a:spcPts val="0"/>
-              </a:spcBef>
-              <a:spcAft>
-                <a:spcPts val="0"/>
-              </a:spcAft>
-              <a:buSzPts val="1400"/>
-              <a:buNone/>
-              <a:defRPr b="0" i="0" sz="1800" u="none" cap="none" strike="noStrike">
+            <a:lvl9pPr marR="0" lvl="8" algn="l" rtl="0">
+              <a:spcBef>
+                <a:spcPts val="0"/>
+              </a:spcBef>
+              <a:spcAft>
+                <a:spcPts val="0"/>
+              </a:spcAft>
+              <a:buSzPts val="1400"/>
+              <a:buNone/>
+              <a:defRPr sz="1800" b="0" i="0" u="none" strike="noStrike" cap="none">
                 <a:solidFill>
                   <a:schemeClr val="dk1"/>
                 </a:solidFill>
@@ -9820,15 +10068,19 @@
               </a:defRPr>
             </a:lvl9pPr>
           </a:lstStyle>
-          <a:p/>
+          <a:p>
+            <a:endParaRPr/>
+          </a:p>
         </p:txBody>
       </p:sp>
       <p:sp>
         <p:nvSpPr>
           <p:cNvPr id="9" name="Google Shape;9;p1"/>
-          <p:cNvSpPr txBox="1"/>
+          <p:cNvSpPr txBox="1">
+            <a:spLocks noGrp="1"/>
+          </p:cNvSpPr>
           <p:nvPr>
-            <p:ph idx="11" type="ftr"/>
+            <p:ph type="ftr" idx="11"/>
           </p:nvPr>
         </p:nvSpPr>
         <p:spPr>
@@ -9845,18 +10097,18 @@
           </a:ln>
         </p:spPr>
         <p:txBody>
-          <a:bodyPr anchorCtr="0" anchor="ctr" bIns="45700" lIns="91425" spcFirstLastPara="1" rIns="91425" wrap="square" tIns="45700"/>
+          <a:bodyPr spcFirstLastPara="1" wrap="square" lIns="91425" tIns="45700" rIns="91425" bIns="45700" anchor="ctr" anchorCtr="0"/>
           <a:lstStyle>
-            <a:lvl1pPr lvl="0" marR="0" rtl="0" algn="ctr">
-              <a:spcBef>
-                <a:spcPts val="0"/>
-              </a:spcBef>
-              <a:spcAft>
-                <a:spcPts val="0"/>
-              </a:spcAft>
-              <a:buSzPts val="1400"/>
-              <a:buNone/>
-              <a:defRPr b="0" i="0" sz="5760" u="none" cap="none" strike="noStrike">
+            <a:lvl1pPr marR="0" lvl="0" algn="ctr" rtl="0">
+              <a:spcBef>
+                <a:spcPts val="0"/>
+              </a:spcBef>
+              <a:spcAft>
+                <a:spcPts val="0"/>
+              </a:spcAft>
+              <a:buSzPts val="1400"/>
+              <a:buNone/>
+              <a:defRPr sz="5760" b="0" i="0" u="none" strike="noStrike" cap="none">
                 <a:solidFill>
                   <a:srgbClr val="888888"/>
                 </a:solidFill>
@@ -9866,16 +10118,16 @@
                 <a:sym typeface="Calibri"/>
               </a:defRPr>
             </a:lvl1pPr>
-            <a:lvl2pPr lvl="1" marR="0" rtl="0" algn="l">
-              <a:spcBef>
-                <a:spcPts val="0"/>
-              </a:spcBef>
-              <a:spcAft>
-                <a:spcPts val="0"/>
-              </a:spcAft>
-              <a:buSzPts val="1400"/>
-              <a:buNone/>
-              <a:defRPr b="0" i="0" sz="1800" u="none" cap="none" strike="noStrike">
+            <a:lvl2pPr marR="0" lvl="1" algn="l" rtl="0">
+              <a:spcBef>
+                <a:spcPts val="0"/>
+              </a:spcBef>
+              <a:spcAft>
+                <a:spcPts val="0"/>
+              </a:spcAft>
+              <a:buSzPts val="1400"/>
+              <a:buNone/>
+              <a:defRPr sz="1800" b="0" i="0" u="none" strike="noStrike" cap="none">
                 <a:solidFill>
                   <a:schemeClr val="dk1"/>
                 </a:solidFill>
@@ -9885,16 +10137,16 @@
                 <a:sym typeface="Calibri"/>
               </a:defRPr>
             </a:lvl2pPr>
-            <a:lvl3pPr lvl="2" marR="0" rtl="0" algn="l">
-              <a:spcBef>
-                <a:spcPts val="0"/>
-              </a:spcBef>
-              <a:spcAft>
-                <a:spcPts val="0"/>
-              </a:spcAft>
-              <a:buSzPts val="1400"/>
-              <a:buNone/>
-              <a:defRPr b="0" i="0" sz="1800" u="none" cap="none" strike="noStrike">
+            <a:lvl3pPr marR="0" lvl="2" algn="l" rtl="0">
+              <a:spcBef>
+                <a:spcPts val="0"/>
+              </a:spcBef>
+              <a:spcAft>
+                <a:spcPts val="0"/>
+              </a:spcAft>
+              <a:buSzPts val="1400"/>
+              <a:buNone/>
+              <a:defRPr sz="1800" b="0" i="0" u="none" strike="noStrike" cap="none">
                 <a:solidFill>
                   <a:schemeClr val="dk1"/>
                 </a:solidFill>
@@ -9904,16 +10156,16 @@
                 <a:sym typeface="Calibri"/>
               </a:defRPr>
             </a:lvl3pPr>
-            <a:lvl4pPr lvl="3" marR="0" rtl="0" algn="l">
-              <a:spcBef>
-                <a:spcPts val="0"/>
-              </a:spcBef>
-              <a:spcAft>
-                <a:spcPts val="0"/>
-              </a:spcAft>
-              <a:buSzPts val="1400"/>
-              <a:buNone/>
-              <a:defRPr b="0" i="0" sz="1800" u="none" cap="none" strike="noStrike">
+            <a:lvl4pPr marR="0" lvl="3" algn="l" rtl="0">
+              <a:spcBef>
+                <a:spcPts val="0"/>
+              </a:spcBef>
+              <a:spcAft>
+                <a:spcPts val="0"/>
+              </a:spcAft>
+              <a:buSzPts val="1400"/>
+              <a:buNone/>
+              <a:defRPr sz="1800" b="0" i="0" u="none" strike="noStrike" cap="none">
                 <a:solidFill>
                   <a:schemeClr val="dk1"/>
                 </a:solidFill>
@@ -9923,16 +10175,16 @@
                 <a:sym typeface="Calibri"/>
               </a:defRPr>
             </a:lvl4pPr>
-            <a:lvl5pPr lvl="4" marR="0" rtl="0" algn="l">
-              <a:spcBef>
-                <a:spcPts val="0"/>
-              </a:spcBef>
-              <a:spcAft>
-                <a:spcPts val="0"/>
-              </a:spcAft>
-              <a:buSzPts val="1400"/>
-              <a:buNone/>
-              <a:defRPr b="0" i="0" sz="1800" u="none" cap="none" strike="noStrike">
+            <a:lvl5pPr marR="0" lvl="4" algn="l" rtl="0">
+              <a:spcBef>
+                <a:spcPts val="0"/>
+              </a:spcBef>
+              <a:spcAft>
+                <a:spcPts val="0"/>
+              </a:spcAft>
+              <a:buSzPts val="1400"/>
+              <a:buNone/>
+              <a:defRPr sz="1800" b="0" i="0" u="none" strike="noStrike" cap="none">
                 <a:solidFill>
                   <a:schemeClr val="dk1"/>
                 </a:solidFill>
@@ -9942,16 +10194,16 @@
                 <a:sym typeface="Calibri"/>
               </a:defRPr>
             </a:lvl5pPr>
-            <a:lvl6pPr lvl="5" marR="0" rtl="0" algn="l">
-              <a:spcBef>
-                <a:spcPts val="0"/>
-              </a:spcBef>
-              <a:spcAft>
-                <a:spcPts val="0"/>
-              </a:spcAft>
-              <a:buSzPts val="1400"/>
-              <a:buNone/>
-              <a:defRPr b="0" i="0" sz="1800" u="none" cap="none" strike="noStrike">
+            <a:lvl6pPr marR="0" lvl="5" algn="l" rtl="0">
+              <a:spcBef>
+                <a:spcPts val="0"/>
+              </a:spcBef>
+              <a:spcAft>
+                <a:spcPts val="0"/>
+              </a:spcAft>
+              <a:buSzPts val="1400"/>
+              <a:buNone/>
+              <a:defRPr sz="1800" b="0" i="0" u="none" strike="noStrike" cap="none">
                 <a:solidFill>
                   <a:schemeClr val="dk1"/>
                 </a:solidFill>
@@ -9961,16 +10213,16 @@
                 <a:sym typeface="Calibri"/>
               </a:defRPr>
             </a:lvl6pPr>
-            <a:lvl7pPr lvl="6" marR="0" rtl="0" algn="l">
-              <a:spcBef>
-                <a:spcPts val="0"/>
-              </a:spcBef>
-              <a:spcAft>
-                <a:spcPts val="0"/>
-              </a:spcAft>
-              <a:buSzPts val="1400"/>
-              <a:buNone/>
-              <a:defRPr b="0" i="0" sz="1800" u="none" cap="none" strike="noStrike">
+            <a:lvl7pPr marR="0" lvl="6" algn="l" rtl="0">
+              <a:spcBef>
+                <a:spcPts val="0"/>
+              </a:spcBef>
+              <a:spcAft>
+                <a:spcPts val="0"/>
+              </a:spcAft>
+              <a:buSzPts val="1400"/>
+              <a:buNone/>
+              <a:defRPr sz="1800" b="0" i="0" u="none" strike="noStrike" cap="none">
                 <a:solidFill>
                   <a:schemeClr val="dk1"/>
                 </a:solidFill>
@@ -9980,16 +10232,16 @@
                 <a:sym typeface="Calibri"/>
               </a:defRPr>
             </a:lvl7pPr>
-            <a:lvl8pPr lvl="7" marR="0" rtl="0" algn="l">
-              <a:spcBef>
-                <a:spcPts val="0"/>
-              </a:spcBef>
-              <a:spcAft>
-                <a:spcPts val="0"/>
-              </a:spcAft>
-              <a:buSzPts val="1400"/>
-              <a:buNone/>
-              <a:defRPr b="0" i="0" sz="1800" u="none" cap="none" strike="noStrike">
+            <a:lvl8pPr marR="0" lvl="7" algn="l" rtl="0">
+              <a:spcBef>
+                <a:spcPts val="0"/>
+              </a:spcBef>
+              <a:spcAft>
+                <a:spcPts val="0"/>
+              </a:spcAft>
+              <a:buSzPts val="1400"/>
+              <a:buNone/>
+              <a:defRPr sz="1800" b="0" i="0" u="none" strike="noStrike" cap="none">
                 <a:solidFill>
                   <a:schemeClr val="dk1"/>
                 </a:solidFill>
@@ -9999,16 +10251,16 @@
                 <a:sym typeface="Calibri"/>
               </a:defRPr>
             </a:lvl8pPr>
-            <a:lvl9pPr lvl="8" marR="0" rtl="0" algn="l">
-              <a:spcBef>
-                <a:spcPts val="0"/>
-              </a:spcBef>
-              <a:spcAft>
-                <a:spcPts val="0"/>
-              </a:spcAft>
-              <a:buSzPts val="1400"/>
-              <a:buNone/>
-              <a:defRPr b="0" i="0" sz="1800" u="none" cap="none" strike="noStrike">
+            <a:lvl9pPr marR="0" lvl="8" algn="l" rtl="0">
+              <a:spcBef>
+                <a:spcPts val="0"/>
+              </a:spcBef>
+              <a:spcAft>
+                <a:spcPts val="0"/>
+              </a:spcAft>
+              <a:buSzPts val="1400"/>
+              <a:buNone/>
+              <a:defRPr sz="1800" b="0" i="0" u="none" strike="noStrike" cap="none">
                 <a:solidFill>
                   <a:schemeClr val="dk1"/>
                 </a:solidFill>
@@ -10019,15 +10271,19 @@
               </a:defRPr>
             </a:lvl9pPr>
           </a:lstStyle>
-          <a:p/>
+          <a:p>
+            <a:endParaRPr/>
+          </a:p>
         </p:txBody>
       </p:sp>
       <p:sp>
         <p:nvSpPr>
           <p:cNvPr id="10" name="Google Shape;10;p1"/>
-          <p:cNvSpPr txBox="1"/>
+          <p:cNvSpPr txBox="1">
+            <a:spLocks noGrp="1"/>
+          </p:cNvSpPr>
           <p:nvPr>
-            <p:ph idx="12" type="sldNum"/>
+            <p:ph type="sldNum" idx="12"/>
           </p:nvPr>
         </p:nvSpPr>
         <p:spPr>
@@ -10044,16 +10300,16 @@
           </a:ln>
         </p:spPr>
         <p:txBody>
-          <a:bodyPr anchorCtr="0" anchor="ctr" bIns="45700" lIns="91425" spcFirstLastPara="1" rIns="91425" wrap="square" tIns="45700">
+          <a:bodyPr spcFirstLastPara="1" wrap="square" lIns="91425" tIns="45700" rIns="91425" bIns="45700" anchor="ctr" anchorCtr="0">
             <a:noAutofit/>
           </a:bodyPr>
           <a:lstStyle>
-            <a:lvl1pPr indent="0" lvl="0" marL="0" marR="0" rtl="0" algn="r">
-              <a:spcBef>
-                <a:spcPts val="0"/>
-              </a:spcBef>
-              <a:buNone/>
-              <a:defRPr b="0" i="0" sz="5760" u="none" cap="none" strike="noStrike">
+            <a:lvl1pPr marL="0" marR="0" lvl="0" indent="0" algn="r" rtl="0">
+              <a:spcBef>
+                <a:spcPts val="0"/>
+              </a:spcBef>
+              <a:buNone/>
+              <a:defRPr sz="5760" b="0" i="0" u="none" strike="noStrike" cap="none">
                 <a:solidFill>
                   <a:srgbClr val="888888"/>
                 </a:solidFill>
@@ -10063,12 +10319,12 @@
                 <a:sym typeface="Calibri"/>
               </a:defRPr>
             </a:lvl1pPr>
-            <a:lvl2pPr indent="0" lvl="1" marL="0" marR="0" rtl="0" algn="r">
-              <a:spcBef>
-                <a:spcPts val="0"/>
-              </a:spcBef>
-              <a:buNone/>
-              <a:defRPr b="0" i="0" sz="5760" u="none" cap="none" strike="noStrike">
+            <a:lvl2pPr marL="0" marR="0" lvl="1" indent="0" algn="r" rtl="0">
+              <a:spcBef>
+                <a:spcPts val="0"/>
+              </a:spcBef>
+              <a:buNone/>
+              <a:defRPr sz="5760" b="0" i="0" u="none" strike="noStrike" cap="none">
                 <a:solidFill>
                   <a:srgbClr val="888888"/>
                 </a:solidFill>
@@ -10078,12 +10334,12 @@
                 <a:sym typeface="Calibri"/>
               </a:defRPr>
             </a:lvl2pPr>
-            <a:lvl3pPr indent="0" lvl="2" marL="0" marR="0" rtl="0" algn="r">
-              <a:spcBef>
-                <a:spcPts val="0"/>
-              </a:spcBef>
-              <a:buNone/>
-              <a:defRPr b="0" i="0" sz="5760" u="none" cap="none" strike="noStrike">
+            <a:lvl3pPr marL="0" marR="0" lvl="2" indent="0" algn="r" rtl="0">
+              <a:spcBef>
+                <a:spcPts val="0"/>
+              </a:spcBef>
+              <a:buNone/>
+              <a:defRPr sz="5760" b="0" i="0" u="none" strike="noStrike" cap="none">
                 <a:solidFill>
                   <a:srgbClr val="888888"/>
                 </a:solidFill>
@@ -10093,12 +10349,12 @@
                 <a:sym typeface="Calibri"/>
               </a:defRPr>
             </a:lvl3pPr>
-            <a:lvl4pPr indent="0" lvl="3" marL="0" marR="0" rtl="0" algn="r">
-              <a:spcBef>
-                <a:spcPts val="0"/>
-              </a:spcBef>
-              <a:buNone/>
-              <a:defRPr b="0" i="0" sz="5760" u="none" cap="none" strike="noStrike">
+            <a:lvl4pPr marL="0" marR="0" lvl="3" indent="0" algn="r" rtl="0">
+              <a:spcBef>
+                <a:spcPts val="0"/>
+              </a:spcBef>
+              <a:buNone/>
+              <a:defRPr sz="5760" b="0" i="0" u="none" strike="noStrike" cap="none">
                 <a:solidFill>
                   <a:srgbClr val="888888"/>
                 </a:solidFill>
@@ -10108,12 +10364,12 @@
                 <a:sym typeface="Calibri"/>
               </a:defRPr>
             </a:lvl4pPr>
-            <a:lvl5pPr indent="0" lvl="4" marL="0" marR="0" rtl="0" algn="r">
-              <a:spcBef>
-                <a:spcPts val="0"/>
-              </a:spcBef>
-              <a:buNone/>
-              <a:defRPr b="0" i="0" sz="5760" u="none" cap="none" strike="noStrike">
+            <a:lvl5pPr marL="0" marR="0" lvl="4" indent="0" algn="r" rtl="0">
+              <a:spcBef>
+                <a:spcPts val="0"/>
+              </a:spcBef>
+              <a:buNone/>
+              <a:defRPr sz="5760" b="0" i="0" u="none" strike="noStrike" cap="none">
                 <a:solidFill>
                   <a:srgbClr val="888888"/>
                 </a:solidFill>
@@ -10123,12 +10379,12 @@
                 <a:sym typeface="Calibri"/>
               </a:defRPr>
             </a:lvl5pPr>
-            <a:lvl6pPr indent="0" lvl="5" marL="0" marR="0" rtl="0" algn="r">
-              <a:spcBef>
-                <a:spcPts val="0"/>
-              </a:spcBef>
-              <a:buNone/>
-              <a:defRPr b="0" i="0" sz="5760" u="none" cap="none" strike="noStrike">
+            <a:lvl6pPr marL="0" marR="0" lvl="5" indent="0" algn="r" rtl="0">
+              <a:spcBef>
+                <a:spcPts val="0"/>
+              </a:spcBef>
+              <a:buNone/>
+              <a:defRPr sz="5760" b="0" i="0" u="none" strike="noStrike" cap="none">
                 <a:solidFill>
                   <a:srgbClr val="888888"/>
                 </a:solidFill>
@@ -10138,12 +10394,12 @@
                 <a:sym typeface="Calibri"/>
               </a:defRPr>
             </a:lvl6pPr>
-            <a:lvl7pPr indent="0" lvl="6" marL="0" marR="0" rtl="0" algn="r">
-              <a:spcBef>
-                <a:spcPts val="0"/>
-              </a:spcBef>
-              <a:buNone/>
-              <a:defRPr b="0" i="0" sz="5760" u="none" cap="none" strike="noStrike">
+            <a:lvl7pPr marL="0" marR="0" lvl="6" indent="0" algn="r" rtl="0">
+              <a:spcBef>
+                <a:spcPts val="0"/>
+              </a:spcBef>
+              <a:buNone/>
+              <a:defRPr sz="5760" b="0" i="0" u="none" strike="noStrike" cap="none">
                 <a:solidFill>
                   <a:srgbClr val="888888"/>
                 </a:solidFill>
@@ -10153,12 +10409,12 @@
                 <a:sym typeface="Calibri"/>
               </a:defRPr>
             </a:lvl7pPr>
-            <a:lvl8pPr indent="0" lvl="7" marL="0" marR="0" rtl="0" algn="r">
-              <a:spcBef>
-                <a:spcPts val="0"/>
-              </a:spcBef>
-              <a:buNone/>
-              <a:defRPr b="0" i="0" sz="5760" u="none" cap="none" strike="noStrike">
+            <a:lvl8pPr marL="0" marR="0" lvl="7" indent="0" algn="r" rtl="0">
+              <a:spcBef>
+                <a:spcPts val="0"/>
+              </a:spcBef>
+              <a:buNone/>
+              <a:defRPr sz="5760" b="0" i="0" u="none" strike="noStrike" cap="none">
                 <a:solidFill>
                   <a:srgbClr val="888888"/>
                 </a:solidFill>
@@ -10168,12 +10424,12 @@
                 <a:sym typeface="Calibri"/>
               </a:defRPr>
             </a:lvl8pPr>
-            <a:lvl9pPr indent="0" lvl="8" marL="0" marR="0" rtl="0" algn="r">
-              <a:spcBef>
-                <a:spcPts val="0"/>
-              </a:spcBef>
-              <a:buNone/>
-              <a:defRPr b="0" i="0" sz="5760" u="none" cap="none" strike="noStrike">
+            <a:lvl9pPr marL="0" marR="0" lvl="8" indent="0" algn="r" rtl="0">
+              <a:spcBef>
+                <a:spcPts val="0"/>
+              </a:spcBef>
+              <a:buNone/>
+              <a:defRPr sz="5760" b="0" i="0" u="none" strike="noStrike" cap="none">
                 <a:solidFill>
                   <a:srgbClr val="888888"/>
                 </a:solidFill>
@@ -10185,7 +10441,7 @@
             </a:lvl9pPr>
           </a:lstStyle>
           <a:p>
-            <a:pPr indent="0" lvl="0" marL="0" rtl="0" algn="r">
+            <a:pPr marL="0" lvl="0" indent="0" algn="r" rtl="0">
               <a:spcBef>
                 <a:spcPts val="0"/>
               </a:spcBef>
@@ -10204,7 +10460,7 @@
       </p:sp>
     </p:spTree>
   </p:cSld>
-  <p:clrMap accent1="accent1" accent2="accent2" accent3="accent3" accent4="accent4" accent5="accent5" accent6="accent6" bg1="lt1" bg2="dk2" tx1="dk1" tx2="lt2" folHlink="folHlink" hlink="hlink"/>
+  <p:clrMap bg1="lt1" tx1="dk1" bg2="dk2" tx2="lt2" accent1="accent1" accent2="accent2" accent3="accent3" accent4="accent4" accent5="accent5" accent6="accent6" hlink="hlink" folHlink="folHlink"/>
   <p:sldLayoutIdLst>
     <p:sldLayoutId id="2147483648" r:id="rId1"/>
     <p:sldLayoutId id="2147483649" r:id="rId2"/>
@@ -10218,10 +10474,10 @@
     <p:sldLayoutId id="2147483657" r:id="rId10"/>
     <p:sldLayoutId id="2147483658" r:id="rId11"/>
   </p:sldLayoutIdLst>
-  <p:hf dt="0" ftr="0" hdr="0" sldNum="0"/>
+  <p:hf sldNum="0" hdr="0" ftr="0" dt="0"/>
   <p:txStyles>
     <p:titleStyle>
-      <a:defPPr lvl="0" marR="0" rtl="0" algn="l">
+      <a:defPPr marR="0" lvl="0" algn="l" rtl="0">
         <a:lnSpc>
           <a:spcPct val="100000"/>
         </a:lnSpc>
@@ -10232,7 +10488,7 @@
           <a:spcPts val="0"/>
         </a:spcAft>
       </a:defPPr>
-      <a:lvl1pPr lvl="0" marR="0" rtl="0" algn="l">
+      <a:lvl1pPr marR="0" lvl="0" algn="l" rtl="0">
         <a:lnSpc>
           <a:spcPct val="100000"/>
         </a:lnSpc>
@@ -10246,7 +10502,7 @@
           <a:srgbClr val="000000"/>
         </a:buClr>
         <a:buFont typeface="Arial"/>
-        <a:defRPr b="0" i="0" sz="1400" u="none" cap="none" strike="noStrike">
+        <a:defRPr sz="1400" b="0" i="0" u="none" strike="noStrike" cap="none">
           <a:solidFill>
             <a:srgbClr val="000000"/>
           </a:solidFill>
@@ -10256,7 +10512,7 @@
           <a:sym typeface="Arial"/>
         </a:defRPr>
       </a:lvl1pPr>
-      <a:lvl2pPr lvl="1" marR="0" rtl="0" algn="l">
+      <a:lvl2pPr marR="0" lvl="1" algn="l" rtl="0">
         <a:lnSpc>
           <a:spcPct val="100000"/>
         </a:lnSpc>
@@ -10270,7 +10526,7 @@
           <a:srgbClr val="000000"/>
         </a:buClr>
         <a:buFont typeface="Arial"/>
-        <a:defRPr b="0" i="0" sz="1400" u="none" cap="none" strike="noStrike">
+        <a:defRPr sz="1400" b="0" i="0" u="none" strike="noStrike" cap="none">
           <a:solidFill>
             <a:srgbClr val="000000"/>
           </a:solidFill>
@@ -10280,7 +10536,7 @@
           <a:sym typeface="Arial"/>
         </a:defRPr>
       </a:lvl2pPr>
-      <a:lvl3pPr lvl="2" marR="0" rtl="0" algn="l">
+      <a:lvl3pPr marR="0" lvl="2" algn="l" rtl="0">
         <a:lnSpc>
           <a:spcPct val="100000"/>
         </a:lnSpc>
@@ -10294,7 +10550,7 @@
           <a:srgbClr val="000000"/>
         </a:buClr>
         <a:buFont typeface="Arial"/>
-        <a:defRPr b="0" i="0" sz="1400" u="none" cap="none" strike="noStrike">
+        <a:defRPr sz="1400" b="0" i="0" u="none" strike="noStrike" cap="none">
           <a:solidFill>
             <a:srgbClr val="000000"/>
           </a:solidFill>
@@ -10304,7 +10560,7 @@
           <a:sym typeface="Arial"/>
         </a:defRPr>
       </a:lvl3pPr>
-      <a:lvl4pPr lvl="3" marR="0" rtl="0" algn="l">
+      <a:lvl4pPr marR="0" lvl="3" algn="l" rtl="0">
         <a:lnSpc>
           <a:spcPct val="100000"/>
         </a:lnSpc>
@@ -10318,7 +10574,7 @@
           <a:srgbClr val="000000"/>
         </a:buClr>
         <a:buFont typeface="Arial"/>
-        <a:defRPr b="0" i="0" sz="1400" u="none" cap="none" strike="noStrike">
+        <a:defRPr sz="1400" b="0" i="0" u="none" strike="noStrike" cap="none">
           <a:solidFill>
             <a:srgbClr val="000000"/>
           </a:solidFill>
@@ -10328,7 +10584,7 @@
           <a:sym typeface="Arial"/>
         </a:defRPr>
       </a:lvl4pPr>
-      <a:lvl5pPr lvl="4" marR="0" rtl="0" algn="l">
+      <a:lvl5pPr marR="0" lvl="4" algn="l" rtl="0">
         <a:lnSpc>
           <a:spcPct val="100000"/>
         </a:lnSpc>
@@ -10342,7 +10598,7 @@
           <a:srgbClr val="000000"/>
         </a:buClr>
         <a:buFont typeface="Arial"/>
-        <a:defRPr b="0" i="0" sz="1400" u="none" cap="none" strike="noStrike">
+        <a:defRPr sz="1400" b="0" i="0" u="none" strike="noStrike" cap="none">
           <a:solidFill>
             <a:srgbClr val="000000"/>
           </a:solidFill>
@@ -10352,7 +10608,7 @@
           <a:sym typeface="Arial"/>
         </a:defRPr>
       </a:lvl5pPr>
-      <a:lvl6pPr lvl="5" marR="0" rtl="0" algn="l">
+      <a:lvl6pPr marR="0" lvl="5" algn="l" rtl="0">
         <a:lnSpc>
           <a:spcPct val="100000"/>
         </a:lnSpc>
@@ -10366,7 +10622,7 @@
           <a:srgbClr val="000000"/>
         </a:buClr>
         <a:buFont typeface="Arial"/>
-        <a:defRPr b="0" i="0" sz="1400" u="none" cap="none" strike="noStrike">
+        <a:defRPr sz="1400" b="0" i="0" u="none" strike="noStrike" cap="none">
           <a:solidFill>
             <a:srgbClr val="000000"/>
           </a:solidFill>
@@ -10376,7 +10632,7 @@
           <a:sym typeface="Arial"/>
         </a:defRPr>
       </a:lvl6pPr>
-      <a:lvl7pPr lvl="6" marR="0" rtl="0" algn="l">
+      <a:lvl7pPr marR="0" lvl="6" algn="l" rtl="0">
         <a:lnSpc>
           <a:spcPct val="100000"/>
         </a:lnSpc>
@@ -10390,7 +10646,7 @@
           <a:srgbClr val="000000"/>
         </a:buClr>
         <a:buFont typeface="Arial"/>
-        <a:defRPr b="0" i="0" sz="1400" u="none" cap="none" strike="noStrike">
+        <a:defRPr sz="1400" b="0" i="0" u="none" strike="noStrike" cap="none">
           <a:solidFill>
             <a:srgbClr val="000000"/>
           </a:solidFill>
@@ -10400,7 +10656,7 @@
           <a:sym typeface="Arial"/>
         </a:defRPr>
       </a:lvl7pPr>
-      <a:lvl8pPr lvl="7" marR="0" rtl="0" algn="l">
+      <a:lvl8pPr marR="0" lvl="7" algn="l" rtl="0">
         <a:lnSpc>
           <a:spcPct val="100000"/>
         </a:lnSpc>
@@ -10414,7 +10670,7 @@
           <a:srgbClr val="000000"/>
         </a:buClr>
         <a:buFont typeface="Arial"/>
-        <a:defRPr b="0" i="0" sz="1400" u="none" cap="none" strike="noStrike">
+        <a:defRPr sz="1400" b="0" i="0" u="none" strike="noStrike" cap="none">
           <a:solidFill>
             <a:srgbClr val="000000"/>
           </a:solidFill>
@@ -10424,7 +10680,7 @@
           <a:sym typeface="Arial"/>
         </a:defRPr>
       </a:lvl8pPr>
-      <a:lvl9pPr lvl="8" marR="0" rtl="0" algn="l">
+      <a:lvl9pPr marR="0" lvl="8" algn="l" rtl="0">
         <a:lnSpc>
           <a:spcPct val="100000"/>
         </a:lnSpc>
@@ -10438,7 +10694,7 @@
           <a:srgbClr val="000000"/>
         </a:buClr>
         <a:buFont typeface="Arial"/>
-        <a:defRPr b="0" i="0" sz="1400" u="none" cap="none" strike="noStrike">
+        <a:defRPr sz="1400" b="0" i="0" u="none" strike="noStrike" cap="none">
           <a:solidFill>
             <a:srgbClr val="000000"/>
           </a:solidFill>
@@ -10450,7 +10706,7 @@
       </a:lvl9pPr>
     </p:titleStyle>
     <p:bodyStyle>
-      <a:defPPr lvl="0" marR="0" rtl="0" algn="l">
+      <a:defPPr marR="0" lvl="0" algn="l" rtl="0">
         <a:lnSpc>
           <a:spcPct val="100000"/>
         </a:lnSpc>
@@ -10461,7 +10717,7 @@
           <a:spcPts val="0"/>
         </a:spcAft>
       </a:defPPr>
-      <a:lvl1pPr lvl="0" marR="0" rtl="0" algn="l">
+      <a:lvl1pPr marR="0" lvl="0" algn="l" rtl="0">
         <a:lnSpc>
           <a:spcPct val="100000"/>
         </a:lnSpc>
@@ -10475,7 +10731,7 @@
           <a:srgbClr val="000000"/>
         </a:buClr>
         <a:buFont typeface="Arial"/>
-        <a:defRPr b="0" i="0" sz="1400" u="none" cap="none" strike="noStrike">
+        <a:defRPr sz="1400" b="0" i="0" u="none" strike="noStrike" cap="none">
           <a:solidFill>
             <a:srgbClr val="000000"/>
           </a:solidFill>
@@ -10485,7 +10741,7 @@
           <a:sym typeface="Arial"/>
         </a:defRPr>
       </a:lvl1pPr>
-      <a:lvl2pPr lvl="1" marR="0" rtl="0" algn="l">
+      <a:lvl2pPr marR="0" lvl="1" algn="l" rtl="0">
         <a:lnSpc>
           <a:spcPct val="100000"/>
         </a:lnSpc>
@@ -10499,7 +10755,7 @@
           <a:srgbClr val="000000"/>
         </a:buClr>
         <a:buFont typeface="Arial"/>
-        <a:defRPr b="0" i="0" sz="1400" u="none" cap="none" strike="noStrike">
+        <a:defRPr sz="1400" b="0" i="0" u="none" strike="noStrike" cap="none">
           <a:solidFill>
             <a:srgbClr val="000000"/>
           </a:solidFill>
@@ -10509,7 +10765,7 @@
           <a:sym typeface="Arial"/>
         </a:defRPr>
       </a:lvl2pPr>
-      <a:lvl3pPr lvl="2" marR="0" rtl="0" algn="l">
+      <a:lvl3pPr marR="0" lvl="2" algn="l" rtl="0">
         <a:lnSpc>
           <a:spcPct val="100000"/>
         </a:lnSpc>
@@ -10523,7 +10779,7 @@
           <a:srgbClr val="000000"/>
         </a:buClr>
         <a:buFont typeface="Arial"/>
-        <a:defRPr b="0" i="0" sz="1400" u="none" cap="none" strike="noStrike">
+        <a:defRPr sz="1400" b="0" i="0" u="none" strike="noStrike" cap="none">
           <a:solidFill>
             <a:srgbClr val="000000"/>
           </a:solidFill>
@@ -10533,7 +10789,7 @@
           <a:sym typeface="Arial"/>
         </a:defRPr>
       </a:lvl3pPr>
-      <a:lvl4pPr lvl="3" marR="0" rtl="0" algn="l">
+      <a:lvl4pPr marR="0" lvl="3" algn="l" rtl="0">
         <a:lnSpc>
           <a:spcPct val="100000"/>
         </a:lnSpc>
@@ -10547,7 +10803,7 @@
           <a:srgbClr val="000000"/>
         </a:buClr>
         <a:buFont typeface="Arial"/>
-        <a:defRPr b="0" i="0" sz="1400" u="none" cap="none" strike="noStrike">
+        <a:defRPr sz="1400" b="0" i="0" u="none" strike="noStrike" cap="none">
           <a:solidFill>
             <a:srgbClr val="000000"/>
           </a:solidFill>
@@ -10557,7 +10813,7 @@
           <a:sym typeface="Arial"/>
         </a:defRPr>
       </a:lvl4pPr>
-      <a:lvl5pPr lvl="4" marR="0" rtl="0" algn="l">
+      <a:lvl5pPr marR="0" lvl="4" algn="l" rtl="0">
         <a:lnSpc>
           <a:spcPct val="100000"/>
         </a:lnSpc>
@@ -10571,7 +10827,7 @@
           <a:srgbClr val="000000"/>
         </a:buClr>
         <a:buFont typeface="Arial"/>
-        <a:defRPr b="0" i="0" sz="1400" u="none" cap="none" strike="noStrike">
+        <a:defRPr sz="1400" b="0" i="0" u="none" strike="noStrike" cap="none">
           <a:solidFill>
             <a:srgbClr val="000000"/>
           </a:solidFill>
@@ -10581,7 +10837,7 @@
           <a:sym typeface="Arial"/>
         </a:defRPr>
       </a:lvl5pPr>
-      <a:lvl6pPr lvl="5" marR="0" rtl="0" algn="l">
+      <a:lvl6pPr marR="0" lvl="5" algn="l" rtl="0">
         <a:lnSpc>
           <a:spcPct val="100000"/>
         </a:lnSpc>
@@ -10595,7 +10851,7 @@
           <a:srgbClr val="000000"/>
         </a:buClr>
         <a:buFont typeface="Arial"/>
-        <a:defRPr b="0" i="0" sz="1400" u="none" cap="none" strike="noStrike">
+        <a:defRPr sz="1400" b="0" i="0" u="none" strike="noStrike" cap="none">
           <a:solidFill>
             <a:srgbClr val="000000"/>
           </a:solidFill>
@@ -10605,7 +10861,7 @@
           <a:sym typeface="Arial"/>
         </a:defRPr>
       </a:lvl6pPr>
-      <a:lvl7pPr lvl="6" marR="0" rtl="0" algn="l">
+      <a:lvl7pPr marR="0" lvl="6" algn="l" rtl="0">
         <a:lnSpc>
           <a:spcPct val="100000"/>
         </a:lnSpc>
@@ -10619,7 +10875,7 @@
           <a:srgbClr val="000000"/>
         </a:buClr>
         <a:buFont typeface="Arial"/>
-        <a:defRPr b="0" i="0" sz="1400" u="none" cap="none" strike="noStrike">
+        <a:defRPr sz="1400" b="0" i="0" u="none" strike="noStrike" cap="none">
           <a:solidFill>
             <a:srgbClr val="000000"/>
           </a:solidFill>
@@ -10629,7 +10885,7 @@
           <a:sym typeface="Arial"/>
         </a:defRPr>
       </a:lvl7pPr>
-      <a:lvl8pPr lvl="7" marR="0" rtl="0" algn="l">
+      <a:lvl8pPr marR="0" lvl="7" algn="l" rtl="0">
         <a:lnSpc>
           <a:spcPct val="100000"/>
         </a:lnSpc>
@@ -10643,7 +10899,7 @@
           <a:srgbClr val="000000"/>
         </a:buClr>
         <a:buFont typeface="Arial"/>
-        <a:defRPr b="0" i="0" sz="1400" u="none" cap="none" strike="noStrike">
+        <a:defRPr sz="1400" b="0" i="0" u="none" strike="noStrike" cap="none">
           <a:solidFill>
             <a:srgbClr val="000000"/>
           </a:solidFill>
@@ -10653,7 +10909,7 @@
           <a:sym typeface="Arial"/>
         </a:defRPr>
       </a:lvl8pPr>
-      <a:lvl9pPr lvl="8" marR="0" rtl="0" algn="l">
+      <a:lvl9pPr marR="0" lvl="8" algn="l" rtl="0">
         <a:lnSpc>
           <a:spcPct val="100000"/>
         </a:lnSpc>
@@ -10667,7 +10923,7 @@
           <a:srgbClr val="000000"/>
         </a:buClr>
         <a:buFont typeface="Arial"/>
-        <a:defRPr b="0" i="0" sz="1400" u="none" cap="none" strike="noStrike">
+        <a:defRPr sz="1400" b="0" i="0" u="none" strike="noStrike" cap="none">
           <a:solidFill>
             <a:srgbClr val="000000"/>
           </a:solidFill>
@@ -10679,7 +10935,7 @@
       </a:lvl9pPr>
     </p:bodyStyle>
     <p:otherStyle>
-      <a:defPPr lvl="0" marR="0" rtl="0" algn="l">
+      <a:defPPr marR="0" lvl="0" algn="l" rtl="0">
         <a:lnSpc>
           <a:spcPct val="100000"/>
         </a:lnSpc>
@@ -10690,7 +10946,7 @@
           <a:spcPts val="0"/>
         </a:spcAft>
       </a:defPPr>
-      <a:lvl1pPr lvl="0" marR="0" rtl="0" algn="l">
+      <a:lvl1pPr marR="0" lvl="0" algn="l" rtl="0">
         <a:lnSpc>
           <a:spcPct val="100000"/>
         </a:lnSpc>
@@ -10704,7 +10960,7 @@
           <a:srgbClr val="000000"/>
         </a:buClr>
         <a:buFont typeface="Arial"/>
-        <a:defRPr b="0" i="0" sz="1400" u="none" cap="none" strike="noStrike">
+        <a:defRPr sz="1400" b="0" i="0" u="none" strike="noStrike" cap="none">
           <a:solidFill>
             <a:srgbClr val="000000"/>
           </a:solidFill>
@@ -10714,7 +10970,7 @@
           <a:sym typeface="Arial"/>
         </a:defRPr>
       </a:lvl1pPr>
-      <a:lvl2pPr lvl="1" marR="0" rtl="0" algn="l">
+      <a:lvl2pPr marR="0" lvl="1" algn="l" rtl="0">
         <a:lnSpc>
           <a:spcPct val="100000"/>
         </a:lnSpc>
@@ -10728,7 +10984,7 @@
           <a:srgbClr val="000000"/>
         </a:buClr>
         <a:buFont typeface="Arial"/>
-        <a:defRPr b="0" i="0" sz="1400" u="none" cap="none" strike="noStrike">
+        <a:defRPr sz="1400" b="0" i="0" u="none" strike="noStrike" cap="none">
           <a:solidFill>
             <a:srgbClr val="000000"/>
           </a:solidFill>
@@ -10738,7 +10994,7 @@
           <a:sym typeface="Arial"/>
         </a:defRPr>
       </a:lvl2pPr>
-      <a:lvl3pPr lvl="2" marR="0" rtl="0" algn="l">
+      <a:lvl3pPr marR="0" lvl="2" algn="l" rtl="0">
         <a:lnSpc>
           <a:spcPct val="100000"/>
         </a:lnSpc>
@@ -10752,7 +11008,7 @@
           <a:srgbClr val="000000"/>
         </a:buClr>
         <a:buFont typeface="Arial"/>
-        <a:defRPr b="0" i="0" sz="1400" u="none" cap="none" strike="noStrike">
+        <a:defRPr sz="1400" b="0" i="0" u="none" strike="noStrike" cap="none">
           <a:solidFill>
             <a:srgbClr val="000000"/>
           </a:solidFill>
@@ -10762,7 +11018,7 @@
           <a:sym typeface="Arial"/>
         </a:defRPr>
       </a:lvl3pPr>
-      <a:lvl4pPr lvl="3" marR="0" rtl="0" algn="l">
+      <a:lvl4pPr marR="0" lvl="3" algn="l" rtl="0">
         <a:lnSpc>
           <a:spcPct val="100000"/>
         </a:lnSpc>
@@ -10776,7 +11032,7 @@
           <a:srgbClr val="000000"/>
         </a:buClr>
         <a:buFont typeface="Arial"/>
-        <a:defRPr b="0" i="0" sz="1400" u="none" cap="none" strike="noStrike">
+        <a:defRPr sz="1400" b="0" i="0" u="none" strike="noStrike" cap="none">
           <a:solidFill>
             <a:srgbClr val="000000"/>
           </a:solidFill>
@@ -10786,7 +11042,7 @@
           <a:sym typeface="Arial"/>
         </a:defRPr>
       </a:lvl4pPr>
-      <a:lvl5pPr lvl="4" marR="0" rtl="0" algn="l">
+      <a:lvl5pPr marR="0" lvl="4" algn="l" rtl="0">
         <a:lnSpc>
           <a:spcPct val="100000"/>
         </a:lnSpc>
@@ -10800,7 +11056,7 @@
           <a:srgbClr val="000000"/>
         </a:buClr>
         <a:buFont typeface="Arial"/>
-        <a:defRPr b="0" i="0" sz="1400" u="none" cap="none" strike="noStrike">
+        <a:defRPr sz="1400" b="0" i="0" u="none" strike="noStrike" cap="none">
           <a:solidFill>
             <a:srgbClr val="000000"/>
           </a:solidFill>
@@ -10810,7 +11066,7 @@
           <a:sym typeface="Arial"/>
         </a:defRPr>
       </a:lvl5pPr>
-      <a:lvl6pPr lvl="5" marR="0" rtl="0" algn="l">
+      <a:lvl6pPr marR="0" lvl="5" algn="l" rtl="0">
         <a:lnSpc>
           <a:spcPct val="100000"/>
         </a:lnSpc>
@@ -10824,7 +11080,7 @@
           <a:srgbClr val="000000"/>
         </a:buClr>
         <a:buFont typeface="Arial"/>
-        <a:defRPr b="0" i="0" sz="1400" u="none" cap="none" strike="noStrike">
+        <a:defRPr sz="1400" b="0" i="0" u="none" strike="noStrike" cap="none">
           <a:solidFill>
             <a:srgbClr val="000000"/>
           </a:solidFill>
@@ -10834,7 +11090,7 @@
           <a:sym typeface="Arial"/>
         </a:defRPr>
       </a:lvl6pPr>
-      <a:lvl7pPr lvl="6" marR="0" rtl="0" algn="l">
+      <a:lvl7pPr marR="0" lvl="6" algn="l" rtl="0">
         <a:lnSpc>
           <a:spcPct val="100000"/>
         </a:lnSpc>
@@ -10848,7 +11104,7 @@
           <a:srgbClr val="000000"/>
         </a:buClr>
         <a:buFont typeface="Arial"/>
-        <a:defRPr b="0" i="0" sz="1400" u="none" cap="none" strike="noStrike">
+        <a:defRPr sz="1400" b="0" i="0" u="none" strike="noStrike" cap="none">
           <a:solidFill>
             <a:srgbClr val="000000"/>
           </a:solidFill>
@@ -10858,7 +11114,7 @@
           <a:sym typeface="Arial"/>
         </a:defRPr>
       </a:lvl7pPr>
-      <a:lvl8pPr lvl="7" marR="0" rtl="0" algn="l">
+      <a:lvl8pPr marR="0" lvl="7" algn="l" rtl="0">
         <a:lnSpc>
           <a:spcPct val="100000"/>
         </a:lnSpc>
@@ -10872,7 +11128,7 @@
           <a:srgbClr val="000000"/>
         </a:buClr>
         <a:buFont typeface="Arial"/>
-        <a:defRPr b="0" i="0" sz="1400" u="none" cap="none" strike="noStrike">
+        <a:defRPr sz="1400" b="0" i="0" u="none" strike="noStrike" cap="none">
           <a:solidFill>
             <a:srgbClr val="000000"/>
           </a:solidFill>
@@ -10882,7 +11138,7 @@
           <a:sym typeface="Arial"/>
         </a:defRPr>
       </a:lvl8pPr>
-      <a:lvl9pPr lvl="8" marR="0" rtl="0" algn="l">
+      <a:lvl9pPr marR="0" lvl="8" algn="l" rtl="0">
         <a:lnSpc>
           <a:spcPct val="100000"/>
         </a:lnSpc>
@@ -10896,7 +11152,7 @@
           <a:srgbClr val="000000"/>
         </a:buClr>
         <a:buFont typeface="Arial"/>
-        <a:defRPr b="0" i="0" sz="1400" u="none" cap="none" strike="noStrike">
+        <a:defRPr sz="1400" b="0" i="0" u="none" strike="noStrike" cap="none">
           <a:solidFill>
             <a:srgbClr val="000000"/>
           </a:solidFill>
@@ -10912,11 +11168,11 @@
 </file>
 
 <file path=ppt/slides/slide1.xml><?xml version="1.0" encoding="utf-8"?>
-<p:sld xmlns:a="http://schemas.openxmlformats.org/drawingml/2006/main" xmlns:r="http://schemas.openxmlformats.org/officeDocument/2006/relationships" xmlns:mc="http://schemas.openxmlformats.org/markup-compatibility/2006" xmlns:mv="urn:schemas-microsoft-com:mac:vml" xmlns:p="http://schemas.openxmlformats.org/presentationml/2006/main" xmlns:c="http://schemas.openxmlformats.org/drawingml/2006/chart" xmlns:dgm="http://schemas.openxmlformats.org/drawingml/2006/diagram" xmlns:o="urn:schemas-microsoft-com:office:office" xmlns:v="urn:schemas-microsoft-com:vml" xmlns:pvml="urn:schemas-microsoft-com:office:powerpoint" xmlns:com="http://schemas.openxmlformats.org/drawingml/2006/compatibility" xmlns:p14="http://schemas.microsoft.com/office/powerpoint/2010/main" xmlns:p15="http://schemas.microsoft.com/office/powerpoint/2012/main">
+<p:sld xmlns:a="http://schemas.openxmlformats.org/drawingml/2006/main" xmlns:r="http://schemas.openxmlformats.org/officeDocument/2006/relationships" xmlns:p="http://schemas.openxmlformats.org/presentationml/2006/main">
   <p:cSld>
     <p:spTree>
       <p:nvGrpSpPr>
-        <p:cNvPr id="83" name="Shape 83"/>
+        <p:cNvPr id="1" name="Shape 83"/>
         <p:cNvGrpSpPr/>
         <p:nvPr/>
       </p:nvGrpSpPr>
@@ -10938,7 +11194,7 @@
           <a:blip r:embed="rId3">
             <a:alphaModFix/>
           </a:blip>
-          <a:srcRect b="0" l="0" r="0" t="0"/>
+          <a:srcRect/>
           <a:stretch/>
         </p:blipFill>
         <p:spPr>
@@ -10975,12 +11231,12 @@
           </a:ln>
         </p:spPr>
         <p:txBody>
-          <a:bodyPr anchorCtr="0" anchor="ctr" bIns="68575" lIns="137150" spcFirstLastPara="1" rIns="137150" wrap="square" tIns="68575">
+          <a:bodyPr spcFirstLastPara="1" wrap="square" lIns="137150" tIns="68575" rIns="137150" bIns="68575" anchor="ctr" anchorCtr="0">
             <a:noAutofit/>
           </a:bodyPr>
           <a:lstStyle/>
           <a:p>
-            <a:pPr indent="0" lvl="0" marL="0" marR="0" rtl="0" algn="l">
+            <a:pPr marL="0" marR="0" lvl="0" indent="0" algn="l" rtl="0">
               <a:spcBef>
                 <a:spcPts val="0"/>
               </a:spcBef>
@@ -10990,7 +11246,7 @@
               <a:buNone/>
             </a:pPr>
             <a:r>
-              <a:rPr b="0" i="0" lang="en-US" sz="9800" u="none" cap="none" strike="noStrike">
+              <a:rPr lang="en-US" sz="9800" b="0" i="0" u="none" strike="noStrike" cap="none">
                 <a:solidFill>
                   <a:srgbClr val="EDB21F"/>
                 </a:solidFill>
@@ -11001,7 +11257,7 @@
               </a:rPr>
               <a:t>Fid’Lin</a:t>
             </a:r>
-            <a:endParaRPr b="0" i="0" sz="8200" u="none" cap="none" strike="noStrike">
+            <a:endParaRPr sz="8200" b="0" i="0" u="none" strike="noStrike" cap="none">
               <a:solidFill>
                 <a:srgbClr val="EDB21F"/>
               </a:solidFill>
@@ -11012,7 +11268,7 @@
             </a:endParaRPr>
           </a:p>
           <a:p>
-            <a:pPr indent="0" lvl="0" marL="0" marR="0" rtl="0" algn="l">
+            <a:pPr marL="0" marR="0" lvl="0" indent="0" algn="l" rtl="0">
               <a:spcBef>
                 <a:spcPts val="0"/>
               </a:spcBef>
@@ -11022,7 +11278,7 @@
               <a:buNone/>
             </a:pPr>
             <a:r>
-              <a:rPr b="0" i="1" lang="en-US" sz="4200" u="none" cap="none" strike="noStrike">
+              <a:rPr lang="en-US" sz="4200" b="0" i="1" u="none" strike="noStrike" cap="none">
                 <a:solidFill>
                   <a:schemeClr val="lt1"/>
                 </a:solidFill>
@@ -11036,7 +11292,7 @@
             <a:endParaRPr/>
           </a:p>
           <a:p>
-            <a:pPr indent="0" lvl="0" marL="0" marR="0" rtl="0" algn="l">
+            <a:pPr marL="0" marR="0" lvl="0" indent="0" algn="l" rtl="0">
               <a:spcBef>
                 <a:spcPts val="0"/>
               </a:spcBef>
@@ -11046,7 +11302,7 @@
               <a:buNone/>
             </a:pPr>
             <a:r>
-              <a:rPr b="0" i="1" lang="en-US" sz="4200" u="none" cap="none" strike="noStrike">
+              <a:rPr lang="en-US" sz="4200" b="0" i="1" u="none" strike="noStrike" cap="none">
                 <a:solidFill>
                   <a:schemeClr val="lt1"/>
                 </a:solidFill>
@@ -11083,12 +11339,12 @@
           </a:ln>
         </p:spPr>
         <p:txBody>
-          <a:bodyPr anchorCtr="0" anchor="ctr" bIns="68575" lIns="137150" spcFirstLastPara="1" rIns="137150" wrap="square" tIns="68575">
+          <a:bodyPr spcFirstLastPara="1" wrap="square" lIns="137150" tIns="68575" rIns="137150" bIns="68575" anchor="ctr" anchorCtr="0">
             <a:noAutofit/>
           </a:bodyPr>
           <a:lstStyle/>
           <a:p>
-            <a:pPr indent="0" lvl="0" marL="0" marR="0" rtl="0" algn="l">
+            <a:pPr marL="0" marR="0" lvl="0" indent="0" algn="l" rtl="0">
               <a:spcBef>
                 <a:spcPts val="0"/>
               </a:spcBef>
@@ -11098,7 +11354,7 @@
               <a:buNone/>
             </a:pPr>
             <a:r>
-              <a:rPr b="0" i="0" lang="en-US" sz="5100" u="none" cap="none" strike="noStrike">
+              <a:rPr lang="en-US" sz="5100" b="0" i="0" u="none" strike="noStrike" cap="none">
                 <a:solidFill>
                   <a:schemeClr val="lt1"/>
                 </a:solidFill>
@@ -11133,12 +11389,12 @@
           </a:ln>
         </p:spPr>
         <p:txBody>
-          <a:bodyPr anchorCtr="0" anchor="t" bIns="68575" lIns="137150" spcFirstLastPara="1" rIns="137150" wrap="square" tIns="68575">
+          <a:bodyPr spcFirstLastPara="1" wrap="square" lIns="137150" tIns="68575" rIns="137150" bIns="68575" anchor="t" anchorCtr="0">
             <a:noAutofit/>
           </a:bodyPr>
           <a:lstStyle/>
           <a:p>
-            <a:pPr indent="0" lvl="0" marL="0" marR="0" rtl="0" algn="l">
+            <a:pPr marL="0" marR="0" lvl="0" indent="0" algn="l" rtl="0">
               <a:spcBef>
                 <a:spcPts val="0"/>
               </a:spcBef>
@@ -11148,7 +11404,7 @@
               <a:buNone/>
             </a:pPr>
             <a:r>
-              <a:rPr b="0" i="0" lang="en-US" sz="4800" u="none" cap="none" strike="noStrike">
+              <a:rPr lang="en-US" sz="4800" b="0" i="0" u="none" strike="noStrike" cap="none" dirty="0" err="1">
                 <a:solidFill>
                   <a:srgbClr val="000000"/>
                 </a:solidFill>
@@ -11157,9 +11413,21 @@
                 <a:cs typeface="NTR"/>
                 <a:sym typeface="NTR"/>
               </a:rPr>
-              <a:t>Fid’Lin, the fiddle / violin player practice app, is an application intended to aid fiddle or violin players learn how to play and practice their instrument. The app shall assist with tuning, intonation, scales, tempo, etc. </a:t>
+              <a:t>Fid’Lin</a:t>
             </a:r>
-            <a:endParaRPr b="0" i="0" sz="4800" u="none" cap="none" strike="noStrike">
+            <a:r>
+              <a:rPr lang="en-US" sz="4800" b="0" i="0" u="none" strike="noStrike" cap="none" dirty="0">
+                <a:solidFill>
+                  <a:srgbClr val="000000"/>
+                </a:solidFill>
+                <a:latin typeface="NTR"/>
+                <a:ea typeface="NTR"/>
+                <a:cs typeface="NTR"/>
+                <a:sym typeface="NTR"/>
+              </a:rPr>
+              <a:t>, the fiddle / violin player practice app, is an application intended to aid fiddle or violin players in learning how to play and practice their instrument. The app shall assist with tuning, intonation, scales, tempo, etc.</a:t>
+            </a:r>
+            <a:endParaRPr sz="4800" b="0" i="0" u="none" strike="noStrike" cap="none" dirty="0">
               <a:solidFill>
                 <a:schemeClr val="dk1"/>
               </a:solidFill>
@@ -11193,12 +11461,12 @@
           </a:ln>
         </p:spPr>
         <p:txBody>
-          <a:bodyPr anchorCtr="0" anchor="ctr" bIns="68575" lIns="137150" spcFirstLastPara="1" rIns="137150" wrap="square" tIns="68575">
+          <a:bodyPr spcFirstLastPara="1" wrap="square" lIns="137150" tIns="68575" rIns="137150" bIns="68575" anchor="ctr" anchorCtr="0">
             <a:noAutofit/>
           </a:bodyPr>
           <a:lstStyle/>
           <a:p>
-            <a:pPr indent="0" lvl="0" marL="0" marR="0" rtl="0" algn="l">
+            <a:pPr marL="0" marR="0" lvl="0" indent="0" algn="l" rtl="0">
               <a:spcBef>
                 <a:spcPts val="0"/>
               </a:spcBef>
@@ -11208,7 +11476,7 @@
               <a:buNone/>
             </a:pPr>
             <a:r>
-              <a:rPr b="0" i="0" lang="en-US" sz="5100" u="none" cap="none" strike="noStrike">
+              <a:rPr lang="en-US" sz="5100" b="0" i="0" u="none" strike="noStrike" cap="none">
                 <a:solidFill>
                   <a:schemeClr val="lt1"/>
                 </a:solidFill>
@@ -11243,12 +11511,12 @@
           </a:ln>
         </p:spPr>
         <p:txBody>
-          <a:bodyPr anchorCtr="0" anchor="t" bIns="68575" lIns="137150" spcFirstLastPara="1" rIns="137150" wrap="square" tIns="68575">
+          <a:bodyPr spcFirstLastPara="1" wrap="square" lIns="137150" tIns="68575" rIns="137150" bIns="68575" anchor="t" anchorCtr="0">
             <a:noAutofit/>
           </a:bodyPr>
           <a:lstStyle/>
           <a:p>
-            <a:pPr indent="0" lvl="0" marL="0" marR="0" rtl="0" algn="l">
+            <a:pPr marL="0" marR="0" lvl="0" indent="0" algn="l" rtl="0">
               <a:spcBef>
                 <a:spcPts val="0"/>
               </a:spcBef>
@@ -11258,24 +11526,95 @@
               <a:buNone/>
             </a:pPr>
             <a:r>
-              <a:rPr b="0" i="0" lang="en-US" sz="3600" u="none" cap="none" strike="noStrike">
+              <a:rPr lang="en-US" sz="3600" b="0" i="0" u="none" strike="noStrike" cap="none" dirty="0">
                 <a:solidFill>
                   <a:schemeClr val="dk1"/>
                 </a:solidFill>
-                <a:latin typeface="Calibri"/>
+                <a:latin typeface="NTR" panose="020B0604020202020204" charset="0"/>
                 <a:ea typeface="Calibri"/>
-                <a:cs typeface="Calibri"/>
+                <a:cs typeface="NTR" panose="020B0604020202020204" charset="0"/>
                 <a:sym typeface="Calibri"/>
               </a:rPr>
-              <a:t>Learning to play a musical instrument can be a difficult and time consuming process. Regular practice is an important part of learning an instrument. Thus, in order to effectively learn an instrument, practice must be done in an efficient manner. For a stringed instrument such as a fiddle or violin, this means checking if the open strings are tuned correctly as well as checking if the fiddler’s fingers are in the correct position. Our application, FidLin, is created to help fiddle, and violin players alike practice properly in order to get the most effective usage of their time rehearsing. Thus, FidLin will include a profile system to help the user keep up with their progress as they practice their instrument. FidLin allows the user to properly tune their open strings. Additionally, our application gives the user feedback while they play to allow them to determine where they need more practice. By including a metronome, our application also assists musicians to keep a tempo. In order to assist with finger positions and intonation, our application provides practice scales for the user to play along with while providing feedback on what the fiddle player plays. By providing these abilities our application assists fiddle players to make the most of their time practicing. </a:t>
+              <a:t>Learning to play a musical instrument can be a difficult and time consuming process. Regular practice is an important part of learning an instrument. Thus, in order to effectively learn an instrument, practice must be done in an efficient manner. For a stringed instrument such as a fiddle or violin, this means checking if the open strings are tuned correctly as well as checking if the fiddler’s fingers are in the correct position. Our application, </a:t>
             </a:r>
-            <a:endParaRPr b="0" i="0" sz="3600" u="none" cap="none" strike="noStrike">
+            <a:r>
+              <a:rPr lang="en-US" sz="3600" b="0" i="0" u="none" strike="noStrike" cap="none" dirty="0" err="1">
+                <a:solidFill>
+                  <a:schemeClr val="dk1"/>
+                </a:solidFill>
+                <a:latin typeface="NTR" panose="020B0604020202020204" charset="0"/>
+                <a:ea typeface="Calibri"/>
+                <a:cs typeface="NTR" panose="020B0604020202020204" charset="0"/>
+                <a:sym typeface="Calibri"/>
+              </a:rPr>
+              <a:t>FidLin</a:t>
+            </a:r>
+            <a:r>
+              <a:rPr lang="en-US" sz="3600" b="0" i="0" u="none" strike="noStrike" cap="none" dirty="0">
+                <a:solidFill>
+                  <a:schemeClr val="dk1"/>
+                </a:solidFill>
+                <a:latin typeface="NTR" panose="020B0604020202020204" charset="0"/>
+                <a:ea typeface="Calibri"/>
+                <a:cs typeface="NTR" panose="020B0604020202020204" charset="0"/>
+                <a:sym typeface="Calibri"/>
+              </a:rPr>
+              <a:t>, is created to help fiddle, and violin players alike practice properly in order to get the most effective usage of their time rehearsing. Thus, </a:t>
+            </a:r>
+            <a:r>
+              <a:rPr lang="en-US" sz="3600" b="0" i="0" u="none" strike="noStrike" cap="none" dirty="0" err="1">
+                <a:solidFill>
+                  <a:schemeClr val="dk1"/>
+                </a:solidFill>
+                <a:latin typeface="NTR" panose="020B0604020202020204" charset="0"/>
+                <a:ea typeface="Calibri"/>
+                <a:cs typeface="NTR" panose="020B0604020202020204" charset="0"/>
+                <a:sym typeface="Calibri"/>
+              </a:rPr>
+              <a:t>FidLin</a:t>
+            </a:r>
+            <a:r>
+              <a:rPr lang="en-US" sz="3600" b="0" i="0" u="none" strike="noStrike" cap="none" dirty="0">
+                <a:solidFill>
+                  <a:schemeClr val="dk1"/>
+                </a:solidFill>
+                <a:latin typeface="NTR" panose="020B0604020202020204" charset="0"/>
+                <a:ea typeface="Calibri"/>
+                <a:cs typeface="NTR" panose="020B0604020202020204" charset="0"/>
+                <a:sym typeface="Calibri"/>
+              </a:rPr>
+              <a:t> will include a profile system to help the user keep up with their progress as they practice their instrument. </a:t>
+            </a:r>
+            <a:r>
+              <a:rPr lang="en-US" sz="3600" b="0" i="0" u="none" strike="noStrike" cap="none" dirty="0" err="1">
+                <a:solidFill>
+                  <a:schemeClr val="dk1"/>
+                </a:solidFill>
+                <a:latin typeface="NTR" panose="020B0604020202020204" charset="0"/>
+                <a:ea typeface="Calibri"/>
+                <a:cs typeface="NTR" panose="020B0604020202020204" charset="0"/>
+                <a:sym typeface="Calibri"/>
+              </a:rPr>
+              <a:t>FidLin</a:t>
+            </a:r>
+            <a:r>
+              <a:rPr lang="en-US" sz="3600" b="0" i="0" u="none" strike="noStrike" cap="none" dirty="0">
+                <a:solidFill>
+                  <a:schemeClr val="dk1"/>
+                </a:solidFill>
+                <a:latin typeface="NTR" panose="020B0604020202020204" charset="0"/>
+                <a:ea typeface="Calibri"/>
+                <a:cs typeface="NTR" panose="020B0604020202020204" charset="0"/>
+                <a:sym typeface="Calibri"/>
+              </a:rPr>
+              <a:t> allows the user to properly tune their open strings. Additionally, our application gives the user feedback while they play to allow them to determine where they need more practice. By including a metronome, our application also assists musicians to keep a tempo. In order to assist with finger positions and intonation, our application provides practice scales for the user to play along with while providing feedback on what the fiddle player plays. By providing these abilities our application assists fiddle players to make the most of their time practicing. </a:t>
+            </a:r>
+            <a:endParaRPr sz="3600" b="0" i="0" u="none" strike="noStrike" cap="none" dirty="0">
               <a:solidFill>
                 <a:schemeClr val="dk1"/>
               </a:solidFill>
-              <a:latin typeface="Arial"/>
-              <a:ea typeface="Arial"/>
-              <a:cs typeface="Arial"/>
+              <a:latin typeface="NTR" panose="020B0604020202020204" charset="0"/>
+              <a:cs typeface="NTR" panose="020B0604020202020204" charset="0"/>
               <a:sym typeface="Arial"/>
             </a:endParaRPr>
           </a:p>
@@ -11303,12 +11642,12 @@
           </a:ln>
         </p:spPr>
         <p:txBody>
-          <a:bodyPr anchorCtr="0" anchor="ctr" bIns="68575" lIns="137150" spcFirstLastPara="1" rIns="137150" wrap="square" tIns="68575">
+          <a:bodyPr spcFirstLastPara="1" wrap="square" lIns="137150" tIns="68575" rIns="137150" bIns="68575" anchor="ctr" anchorCtr="0">
             <a:noAutofit/>
           </a:bodyPr>
           <a:lstStyle/>
           <a:p>
-            <a:pPr indent="0" lvl="0" marL="0" marR="0" rtl="0" algn="l">
+            <a:pPr marL="0" marR="0" lvl="0" indent="0" algn="l" rtl="0">
               <a:spcBef>
                 <a:spcPts val="0"/>
               </a:spcBef>
@@ -11318,7 +11657,7 @@
               <a:buNone/>
             </a:pPr>
             <a:r>
-              <a:rPr b="0" i="0" lang="en-US" sz="5100" u="none" cap="none" strike="noStrike">
+              <a:rPr lang="en-US" sz="5100" b="0" i="0" u="none" strike="noStrike" cap="none">
                 <a:solidFill>
                   <a:schemeClr val="lt1"/>
                 </a:solidFill>
@@ -11341,7 +11680,7 @@
         </p:nvSpPr>
         <p:spPr>
           <a:xfrm>
-            <a:off x="32757400" y="7033675"/>
+            <a:off x="32757475" y="5222625"/>
             <a:ext cx="10109700" cy="784200"/>
           </a:xfrm>
           <a:prstGeom prst="rect">
@@ -11355,12 +11694,12 @@
           </a:ln>
         </p:spPr>
         <p:txBody>
-          <a:bodyPr anchorCtr="0" anchor="ctr" bIns="68575" lIns="137150" spcFirstLastPara="1" rIns="137150" wrap="square" tIns="68575">
+          <a:bodyPr spcFirstLastPara="1" wrap="square" lIns="137150" tIns="68575" rIns="137150" bIns="68575" anchor="ctr" anchorCtr="0">
             <a:noAutofit/>
           </a:bodyPr>
           <a:lstStyle/>
           <a:p>
-            <a:pPr indent="0" lvl="0" marL="0" marR="0" rtl="0" algn="l">
+            <a:pPr marL="0" marR="0" lvl="0" indent="0" algn="l" rtl="0">
               <a:spcBef>
                 <a:spcPts val="0"/>
               </a:spcBef>
@@ -11370,7 +11709,7 @@
               <a:buNone/>
             </a:pPr>
             <a:r>
-              <a:rPr b="0" i="0" lang="en-US" sz="5100" u="none" cap="none" strike="noStrike">
+              <a:rPr lang="en-US" sz="5100" b="0" i="0" u="none" strike="noStrike" cap="none" dirty="0">
                 <a:solidFill>
                   <a:schemeClr val="lt1"/>
                 </a:solidFill>
@@ -11381,7 +11720,7 @@
               </a:rPr>
               <a:t>Methods &amp; tools used</a:t>
             </a:r>
-            <a:endParaRPr/>
+            <a:endParaRPr dirty="0"/>
           </a:p>
         </p:txBody>
       </p:sp>
@@ -11405,12 +11744,12 @@
           </a:ln>
         </p:spPr>
         <p:txBody>
-          <a:bodyPr anchorCtr="0" anchor="t" bIns="45700" lIns="91425" spcFirstLastPara="1" rIns="91425" wrap="square" tIns="45700">
+          <a:bodyPr spcFirstLastPara="1" wrap="square" lIns="91425" tIns="45700" rIns="91425" bIns="45700" anchor="t" anchorCtr="0">
             <a:noAutofit/>
           </a:bodyPr>
           <a:lstStyle/>
           <a:p>
-            <a:pPr indent="0" lvl="0" marL="0" marR="0" rtl="0" algn="l">
+            <a:pPr marL="0" marR="0" lvl="0" indent="0" algn="l" rtl="0">
               <a:spcBef>
                 <a:spcPts val="0"/>
               </a:spcBef>
@@ -11419,10 +11758,7 @@
               </a:spcAft>
               <a:buNone/>
             </a:pPr>
-            <a:r>
-              <a:t/>
-            </a:r>
-            <a:endParaRPr b="0" i="0" sz="3400" u="none" cap="none" strike="noStrike">
+            <a:endParaRPr sz="3400" b="0" i="0" u="none" strike="noStrike" cap="none">
               <a:solidFill>
                 <a:schemeClr val="dk1"/>
               </a:solidFill>
@@ -11433,7 +11769,7 @@
             </a:endParaRPr>
           </a:p>
           <a:p>
-            <a:pPr indent="0" lvl="0" marL="0" marR="0" rtl="0" algn="l">
+            <a:pPr marL="0" marR="0" lvl="0" indent="0" algn="l" rtl="0">
               <a:spcBef>
                 <a:spcPts val="0"/>
               </a:spcBef>
@@ -11442,10 +11778,7 @@
               </a:spcAft>
               <a:buNone/>
             </a:pPr>
-            <a:r>
-              <a:t/>
-            </a:r>
-            <a:endParaRPr b="0" i="0" sz="3400" u="none" cap="none" strike="noStrike">
+            <a:endParaRPr sz="3400" b="0" i="0" u="none" strike="noStrike" cap="none">
               <a:solidFill>
                 <a:schemeClr val="dk1"/>
               </a:solidFill>
@@ -11456,7 +11789,7 @@
             </a:endParaRPr>
           </a:p>
           <a:p>
-            <a:pPr indent="0" lvl="0" marL="0" marR="0" rtl="0" algn="l">
+            <a:pPr marL="0" marR="0" lvl="0" indent="0" algn="l" rtl="0">
               <a:spcBef>
                 <a:spcPts val="0"/>
               </a:spcBef>
@@ -11465,10 +11798,7 @@
               </a:spcAft>
               <a:buNone/>
             </a:pPr>
-            <a:r>
-              <a:t/>
-            </a:r>
-            <a:endParaRPr b="0" i="0" sz="3400" u="none" cap="none" strike="noStrike">
+            <a:endParaRPr sz="3400" b="0" i="0" u="none" strike="noStrike" cap="none">
               <a:solidFill>
                 <a:schemeClr val="dk1"/>
               </a:solidFill>
@@ -11479,7 +11809,7 @@
             </a:endParaRPr>
           </a:p>
           <a:p>
-            <a:pPr indent="0" lvl="0" marL="0" marR="0" rtl="0" algn="l">
+            <a:pPr marL="0" marR="0" lvl="0" indent="0" algn="l" rtl="0">
               <a:spcBef>
                 <a:spcPts val="0"/>
               </a:spcBef>
@@ -11488,10 +11818,7 @@
               </a:spcAft>
               <a:buNone/>
             </a:pPr>
-            <a:r>
-              <a:t/>
-            </a:r>
-            <a:endParaRPr b="0" i="0" sz="3400" u="none" cap="none" strike="noStrike">
+            <a:endParaRPr sz="3400" b="0" i="0" u="none" strike="noStrike" cap="none">
               <a:solidFill>
                 <a:schemeClr val="dk1"/>
               </a:solidFill>
@@ -11502,7 +11829,7 @@
             </a:endParaRPr>
           </a:p>
           <a:p>
-            <a:pPr indent="0" lvl="0" marL="0" marR="0" rtl="0" algn="l">
+            <a:pPr marL="0" marR="0" lvl="0" indent="0" algn="l" rtl="0">
               <a:spcBef>
                 <a:spcPts val="0"/>
               </a:spcBef>
@@ -11511,10 +11838,7 @@
               </a:spcAft>
               <a:buNone/>
             </a:pPr>
-            <a:r>
-              <a:t/>
-            </a:r>
-            <a:endParaRPr b="0" i="0" sz="3400" u="none" cap="none" strike="noStrike">
+            <a:endParaRPr sz="3400" b="0" i="0" u="none" strike="noStrike" cap="none">
               <a:solidFill>
                 <a:schemeClr val="dk1"/>
               </a:solidFill>
@@ -11525,7 +11849,7 @@
             </a:endParaRPr>
           </a:p>
           <a:p>
-            <a:pPr indent="0" lvl="0" marL="0" marR="0" rtl="0" algn="l">
+            <a:pPr marL="0" marR="0" lvl="0" indent="0" algn="l" rtl="0">
               <a:spcBef>
                 <a:spcPts val="0"/>
               </a:spcBef>
@@ -11534,10 +11858,7 @@
               </a:spcAft>
               <a:buNone/>
             </a:pPr>
-            <a:r>
-              <a:t/>
-            </a:r>
-            <a:endParaRPr b="0" i="0" sz="3400" u="none" cap="none" strike="noStrike">
+            <a:endParaRPr sz="3400" b="0" i="0" u="none" strike="noStrike" cap="none">
               <a:solidFill>
                 <a:schemeClr val="dk1"/>
               </a:solidFill>
@@ -11548,7 +11869,7 @@
             </a:endParaRPr>
           </a:p>
           <a:p>
-            <a:pPr indent="0" lvl="0" marL="0" marR="0" rtl="0" algn="l">
+            <a:pPr marL="0" marR="0" lvl="0" indent="0" algn="l" rtl="0">
               <a:spcBef>
                 <a:spcPts val="0"/>
               </a:spcBef>
@@ -11557,10 +11878,7 @@
               </a:spcAft>
               <a:buNone/>
             </a:pPr>
-            <a:r>
-              <a:t/>
-            </a:r>
-            <a:endParaRPr b="0" i="0" sz="3400" u="none" cap="none" strike="noStrike">
+            <a:endParaRPr sz="3400" b="0" i="0" u="none" strike="noStrike" cap="none">
               <a:solidFill>
                 <a:schemeClr val="dk1"/>
               </a:solidFill>
@@ -11569,125 +11887,6 @@
               <a:cs typeface="Arial"/>
               <a:sym typeface="Arial"/>
             </a:endParaRPr>
-          </a:p>
-        </p:txBody>
-      </p:sp>
-      <p:sp>
-        <p:nvSpPr>
-          <p:cNvPr id="93" name="Google Shape;93;p13"/>
-          <p:cNvSpPr txBox="1"/>
-          <p:nvPr/>
-        </p:nvSpPr>
-        <p:spPr>
-          <a:xfrm>
-            <a:off x="665020" y="22794913"/>
-            <a:ext cx="9753600" cy="2185214"/>
-          </a:xfrm>
-          <a:prstGeom prst="rect">
-            <a:avLst/>
-          </a:prstGeom>
-          <a:noFill/>
-          <a:ln>
-            <a:noFill/>
-          </a:ln>
-        </p:spPr>
-        <p:txBody>
-          <a:bodyPr anchorCtr="0" anchor="t" bIns="45700" lIns="91425" spcFirstLastPara="1" rIns="91425" wrap="square" tIns="45700">
-            <a:noAutofit/>
-          </a:bodyPr>
-          <a:lstStyle/>
-          <a:p>
-            <a:pPr indent="0" lvl="0" marL="0" marR="0" rtl="0" algn="l">
-              <a:spcBef>
-                <a:spcPts val="0"/>
-              </a:spcBef>
-              <a:spcAft>
-                <a:spcPts val="0"/>
-              </a:spcAft>
-              <a:buNone/>
-            </a:pPr>
-            <a:r>
-              <a:t/>
-            </a:r>
-            <a:endParaRPr b="0" i="0" sz="3400" u="none" cap="none" strike="noStrike">
-              <a:solidFill>
-                <a:schemeClr val="dk1"/>
-              </a:solidFill>
-              <a:latin typeface="Arial"/>
-              <a:ea typeface="Arial"/>
-              <a:cs typeface="Arial"/>
-              <a:sym typeface="Arial"/>
-            </a:endParaRPr>
-          </a:p>
-          <a:p>
-            <a:pPr indent="0" lvl="0" marL="0" marR="0" rtl="0" algn="l">
-              <a:spcBef>
-                <a:spcPts val="0"/>
-              </a:spcBef>
-              <a:spcAft>
-                <a:spcPts val="0"/>
-              </a:spcAft>
-              <a:buNone/>
-            </a:pPr>
-            <a:r>
-              <a:t/>
-            </a:r>
-            <a:endParaRPr b="0" i="0" sz="3400" u="none" cap="none" strike="noStrike">
-              <a:solidFill>
-                <a:schemeClr val="dk1"/>
-              </a:solidFill>
-              <a:latin typeface="Arial"/>
-              <a:ea typeface="Arial"/>
-              <a:cs typeface="Arial"/>
-              <a:sym typeface="Arial"/>
-            </a:endParaRPr>
-          </a:p>
-          <a:p>
-            <a:pPr indent="0" lvl="0" marL="0" marR="0" rtl="0" algn="l">
-              <a:spcBef>
-                <a:spcPts val="0"/>
-              </a:spcBef>
-              <a:spcAft>
-                <a:spcPts val="0"/>
-              </a:spcAft>
-              <a:buNone/>
-            </a:pPr>
-            <a:r>
-              <a:t/>
-            </a:r>
-            <a:endParaRPr b="0" i="0" sz="3400" u="none" cap="none" strike="noStrike">
-              <a:solidFill>
-                <a:schemeClr val="dk1"/>
-              </a:solidFill>
-              <a:latin typeface="Arial"/>
-              <a:ea typeface="Arial"/>
-              <a:cs typeface="Arial"/>
-              <a:sym typeface="Arial"/>
-            </a:endParaRPr>
-          </a:p>
-          <a:p>
-            <a:pPr indent="0" lvl="0" marL="0" marR="0" rtl="0" algn="l">
-              <a:spcBef>
-                <a:spcPts val="0"/>
-              </a:spcBef>
-              <a:spcAft>
-                <a:spcPts val="0"/>
-              </a:spcAft>
-              <a:buNone/>
-            </a:pPr>
-            <a:r>
-              <a:rPr b="0" i="0" lang="en-US" sz="3400" u="none" cap="none" strike="noStrike">
-                <a:solidFill>
-                  <a:schemeClr val="dk1"/>
-                </a:solidFill>
-                <a:latin typeface="Arial"/>
-                <a:ea typeface="Arial"/>
-                <a:cs typeface="Arial"/>
-                <a:sym typeface="Arial"/>
-              </a:rPr>
-              <a:t>.</a:t>
-            </a:r>
-            <a:endParaRPr/>
           </a:p>
         </p:txBody>
       </p:sp>
@@ -11713,12 +11912,12 @@
           </a:ln>
         </p:spPr>
         <p:txBody>
-          <a:bodyPr anchorCtr="0" anchor="ctr" bIns="68575" lIns="137150" spcFirstLastPara="1" rIns="137150" wrap="square" tIns="68575">
+          <a:bodyPr spcFirstLastPara="1" wrap="square" lIns="137150" tIns="68575" rIns="137150" bIns="68575" anchor="ctr" anchorCtr="0">
             <a:noAutofit/>
           </a:bodyPr>
           <a:lstStyle/>
           <a:p>
-            <a:pPr indent="0" lvl="0" marL="0" marR="0" rtl="0" algn="l">
+            <a:pPr marL="0" marR="0" lvl="0" indent="0" algn="l" rtl="0">
               <a:spcBef>
                 <a:spcPts val="0"/>
               </a:spcBef>
@@ -11728,7 +11927,7 @@
               <a:buNone/>
             </a:pPr>
             <a:r>
-              <a:rPr b="0" i="0" lang="en-US" sz="5100" u="none" cap="none" strike="noStrike">
+              <a:rPr lang="en-US" sz="5100" b="0" i="0" u="none" strike="noStrike" cap="none">
                 <a:solidFill>
                   <a:schemeClr val="lt1"/>
                 </a:solidFill>
@@ -11765,12 +11964,12 @@
           </a:ln>
         </p:spPr>
         <p:txBody>
-          <a:bodyPr anchorCtr="0" anchor="ctr" bIns="68575" lIns="137150" spcFirstLastPara="1" rIns="137150" wrap="square" tIns="68575">
+          <a:bodyPr spcFirstLastPara="1" wrap="square" lIns="137150" tIns="68575" rIns="137150" bIns="68575" anchor="ctr" anchorCtr="0">
             <a:noAutofit/>
           </a:bodyPr>
           <a:lstStyle/>
           <a:p>
-            <a:pPr indent="0" lvl="0" marL="0" marR="0" rtl="0" algn="l">
+            <a:pPr marL="0" marR="0" lvl="0" indent="0" algn="l" rtl="0">
               <a:spcBef>
                 <a:spcPts val="0"/>
               </a:spcBef>
@@ -11779,10 +11978,7 @@
               </a:spcAft>
               <a:buNone/>
             </a:pPr>
-            <a:r>
-              <a:t/>
-            </a:r>
-            <a:endParaRPr b="0" i="0" sz="1800" u="none" cap="none" strike="noStrike">
+            <a:endParaRPr sz="1800" b="0" i="0" u="none" strike="noStrike" cap="none">
               <a:solidFill>
                 <a:schemeClr val="lt1"/>
               </a:solidFill>
@@ -11814,12 +12010,12 @@
           </a:ln>
         </p:spPr>
         <p:txBody>
-          <a:bodyPr anchorCtr="0" anchor="t" bIns="68575" lIns="137150" spcFirstLastPara="1" rIns="137150" wrap="square" tIns="68575">
+          <a:bodyPr spcFirstLastPara="1" wrap="square" lIns="137150" tIns="68575" rIns="137150" bIns="68575" anchor="t" anchorCtr="0">
             <a:noAutofit/>
           </a:bodyPr>
           <a:lstStyle/>
           <a:p>
-            <a:pPr indent="0" lvl="0" marL="0" marR="0" rtl="0" algn="l">
+            <a:pPr marL="0" marR="0" lvl="0" indent="0" algn="l" rtl="0">
               <a:lnSpc>
                 <a:spcPct val="120000"/>
               </a:lnSpc>
@@ -11832,7 +12028,7 @@
               <a:buNone/>
             </a:pPr>
             <a:r>
-              <a:rPr b="0" i="0" lang="en-US" sz="4800" u="none" cap="none" strike="noStrike">
+              <a:rPr lang="en-US" sz="4800" b="0" i="0" u="none" strike="noStrike" cap="none" dirty="0">
                 <a:solidFill>
                   <a:srgbClr val="000000"/>
                 </a:solidFill>
@@ -11843,7 +12039,7 @@
               </a:rPr>
               <a:t>A functioning mobile app in which its purpose is to assist the user in various ways for the fiddle or violin. It allows the user to create a profile and keep up with progression on learning their instrument. It additionally helps the player tune their instrument by recording the pitch of the instrument and notifying the user to tune the instrument to a higher or lower pitch. This app also helps the user learn basic scales and keeps up with tempo using a metronome. The app has built in support for all major and minor scales, both major and minor, as well as chromatic scales in first position. It covers two octaves.</a:t>
             </a:r>
-            <a:endParaRPr b="0" i="0" sz="4800" u="none" cap="none" strike="noStrike">
+            <a:endParaRPr sz="4800" b="0" i="0" u="none" strike="noStrike" cap="none" dirty="0">
               <a:solidFill>
                 <a:srgbClr val="474747"/>
               </a:solidFill>
@@ -11865,7 +12061,7 @@
           <a:blip r:embed="rId4">
             <a:alphaModFix/>
           </a:blip>
-          <a:srcRect b="0" l="0" r="0" t="0"/>
+          <a:srcRect/>
           <a:stretch/>
         </p:blipFill>
         <p:spPr>
@@ -11892,13 +12088,13 @@
           <a:blip r:embed="rId5">
             <a:alphaModFix/>
           </a:blip>
-          <a:srcRect b="0" l="0" r="0" t="0"/>
+          <a:srcRect/>
           <a:stretch/>
         </p:blipFill>
         <p:spPr>
           <a:xfrm>
-            <a:off x="28441363" y="17626124"/>
-            <a:ext cx="5530994" cy="9109887"/>
+            <a:off x="28294332" y="17413686"/>
+            <a:ext cx="5678025" cy="9653219"/>
           </a:xfrm>
           <a:prstGeom prst="rect">
             <a:avLst/>
@@ -11929,12 +12125,12 @@
           </a:ln>
         </p:spPr>
         <p:txBody>
-          <a:bodyPr anchorCtr="0" anchor="t" bIns="45700" lIns="91425" spcFirstLastPara="1" rIns="91425" wrap="square" tIns="45700">
+          <a:bodyPr spcFirstLastPara="1" wrap="square" lIns="91425" tIns="45700" rIns="91425" bIns="45700" anchor="t" anchorCtr="0">
             <a:noAutofit/>
           </a:bodyPr>
           <a:lstStyle/>
           <a:p>
-            <a:pPr indent="0" lvl="0" marL="0" rtl="0" algn="l">
+            <a:pPr marL="0" lvl="0" indent="0" algn="l" rtl="0">
               <a:spcBef>
                 <a:spcPts val="0"/>
               </a:spcBef>
@@ -11943,9 +12139,6 @@
               </a:spcAft>
               <a:buNone/>
             </a:pPr>
-            <a:r>
-              <a:t/>
-            </a:r>
             <a:endParaRPr sz="4800">
               <a:solidFill>
                 <a:schemeClr val="dk1"/>
@@ -11957,7 +12150,7 @@
             </a:endParaRPr>
           </a:p>
           <a:p>
-            <a:pPr indent="0" lvl="0" marL="0" marR="0" rtl="0" algn="ctr">
+            <a:pPr marL="0" marR="0" lvl="0" indent="0" algn="ctr" rtl="0">
               <a:spcBef>
                 <a:spcPts val="0"/>
               </a:spcBef>
@@ -11967,7 +12160,7 @@
               <a:buNone/>
             </a:pPr>
             <a:r>
-              <a:rPr b="0" i="0" lang="en-US" sz="4800" u="none" cap="none" strike="noStrike">
+              <a:rPr lang="en-US" sz="4800" b="0" i="0" u="none" strike="noStrike" cap="none">
                 <a:solidFill>
                   <a:schemeClr val="dk1"/>
                 </a:solidFill>
@@ -12010,12 +12203,12 @@
           </a:ln>
         </p:spPr>
         <p:txBody>
-          <a:bodyPr anchorCtr="0" anchor="t" bIns="45700" lIns="91425" spcFirstLastPara="1" rIns="91425" wrap="square" tIns="45700">
+          <a:bodyPr spcFirstLastPara="1" wrap="square" lIns="91425" tIns="45700" rIns="91425" bIns="45700" anchor="t" anchorCtr="0">
             <a:noAutofit/>
           </a:bodyPr>
           <a:lstStyle/>
           <a:p>
-            <a:pPr indent="0" lvl="0" marL="0" marR="0" rtl="0" algn="ctr">
+            <a:pPr marL="0" marR="0" lvl="0" indent="0" algn="ctr" rtl="0">
               <a:spcBef>
                 <a:spcPts val="0"/>
               </a:spcBef>
@@ -12056,8 +12249,8 @@
         </p:nvSpPr>
         <p:spPr>
           <a:xfrm>
-            <a:off x="32935444" y="8217787"/>
-            <a:ext cx="9753600" cy="1911300"/>
+            <a:off x="32757406" y="6585850"/>
+            <a:ext cx="10109700" cy="8402044"/>
           </a:xfrm>
           <a:prstGeom prst="rect">
             <a:avLst/>
@@ -12068,12 +12261,12 @@
           </a:ln>
         </p:spPr>
         <p:txBody>
-          <a:bodyPr anchorCtr="0" anchor="t" bIns="68575" lIns="137150" spcFirstLastPara="1" rIns="137150" wrap="square" tIns="68575">
+          <a:bodyPr spcFirstLastPara="1" wrap="square" lIns="137150" tIns="68575" rIns="137150" bIns="68575" anchor="t" anchorCtr="0">
             <a:noAutofit/>
           </a:bodyPr>
           <a:lstStyle/>
           <a:p>
-            <a:pPr indent="0" lvl="0" marL="0" marR="0" rtl="0" algn="l">
+            <a:pPr marL="0" marR="0" lvl="0" indent="0" algn="l" rtl="0">
               <a:lnSpc>
                 <a:spcPct val="120000"/>
               </a:lnSpc>
@@ -12086,7 +12279,7 @@
               <a:buNone/>
             </a:pPr>
             <a:r>
-              <a:rPr b="0" lang="en-US" sz="4800" u="none">
+              <a:rPr lang="en-US" sz="4800" b="0" u="none" dirty="0">
                 <a:solidFill>
                   <a:srgbClr val="474747"/>
                 </a:solidFill>
@@ -12095,9 +12288,9 @@
                 <a:cs typeface="NTR"/>
                 <a:sym typeface="NTR"/>
               </a:rPr>
-              <a:t>Application written entirely in C#. It was built using Visual Studio Community 2017 using Xamarin for Android development. </a:t>
+              <a:t>The application was written entirely in C#. It was built using Visual Studio Community 2017 using Xamarin forms for Android development. Source control for the project what done with GitHub. Communication for the project was done primarily through Discord. Project assignments and team organizations was handled using a standard Trello board.</a:t>
             </a:r>
-            <a:endParaRPr b="0" sz="4800" u="none">
+            <a:endParaRPr sz="4800" b="0" u="none" dirty="0">
               <a:solidFill>
                 <a:srgbClr val="474747"/>
               </a:solidFill>
@@ -12157,12 +12350,12 @@
           </a:ln>
         </p:spPr>
         <p:txBody>
-          <a:bodyPr anchorCtr="0" anchor="t" bIns="91425" lIns="91425" spcFirstLastPara="1" rIns="91425" wrap="square" tIns="91425">
+          <a:bodyPr spcFirstLastPara="1" wrap="square" lIns="91425" tIns="91425" rIns="91425" bIns="91425" anchor="t" anchorCtr="0">
             <a:noAutofit/>
           </a:bodyPr>
           <a:lstStyle/>
           <a:p>
-            <a:pPr indent="0" lvl="0" marL="0" rtl="0" algn="ctr">
+            <a:pPr marL="0" lvl="0" indent="0" algn="ctr" rtl="0">
               <a:spcBef>
                 <a:spcPts val="0"/>
               </a:spcBef>
@@ -12188,7 +12381,7 @@
             </a:endParaRPr>
           </a:p>
           <a:p>
-            <a:pPr indent="0" lvl="0" marL="0" rtl="0" algn="ctr">
+            <a:pPr marL="0" lvl="0" indent="0" algn="ctr" rtl="0">
               <a:spcBef>
                 <a:spcPts val="0"/>
               </a:spcBef>
@@ -12225,13 +12418,13 @@
           <a:blip r:embed="rId7">
             <a:alphaModFix/>
           </a:blip>
-          <a:srcRect b="1989" l="0" r="0" t="0"/>
+          <a:srcRect b="1989"/>
           <a:stretch/>
         </p:blipFill>
         <p:spPr>
           <a:xfrm>
             <a:off x="22435675" y="17519900"/>
-            <a:ext cx="5379050" cy="9322326"/>
+            <a:ext cx="5232015" cy="9322325"/>
           </a:xfrm>
           <a:prstGeom prst="rect">
             <a:avLst/>
@@ -12262,12 +12455,12 @@
           </a:ln>
         </p:spPr>
         <p:txBody>
-          <a:bodyPr anchorCtr="0" anchor="t" bIns="91425" lIns="91425" spcFirstLastPara="1" rIns="91425" wrap="square" tIns="91425">
+          <a:bodyPr spcFirstLastPara="1" wrap="square" lIns="91425" tIns="91425" rIns="91425" bIns="91425" anchor="t" anchorCtr="0">
             <a:noAutofit/>
           </a:bodyPr>
           <a:lstStyle/>
           <a:p>
-            <a:pPr indent="0" lvl="0" marL="0" rtl="0" algn="ctr">
+            <a:pPr marL="0" lvl="0" indent="0" algn="ctr" rtl="0">
               <a:spcBef>
                 <a:spcPts val="0"/>
               </a:spcBef>
@@ -12303,7 +12496,288 @@
 </file>
 
 <file path=ppt/theme/theme1.xml><?xml version="1.0" encoding="utf-8"?>
-<a:theme xmlns:a="http://schemas.openxmlformats.org/drawingml/2006/main" xmlns:r="http://schemas.openxmlformats.org/officeDocument/2006/relationships">
+<a:theme xmlns:a="http://schemas.openxmlformats.org/drawingml/2006/main" name="Office Theme">
+  <a:themeElements>
+    <a:clrScheme name="Office Theme">
+      <a:dk1>
+        <a:srgbClr val="000000"/>
+      </a:dk1>
+      <a:lt1>
+        <a:srgbClr val="FFFFFF"/>
+      </a:lt1>
+      <a:dk2>
+        <a:srgbClr val="44546A"/>
+      </a:dk2>
+      <a:lt2>
+        <a:srgbClr val="E7E6E6"/>
+      </a:lt2>
+      <a:accent1>
+        <a:srgbClr val="5B9BD5"/>
+      </a:accent1>
+      <a:accent2>
+        <a:srgbClr val="ED7D31"/>
+      </a:accent2>
+      <a:accent3>
+        <a:srgbClr val="A5A5A5"/>
+      </a:accent3>
+      <a:accent4>
+        <a:srgbClr val="FFC000"/>
+      </a:accent4>
+      <a:accent5>
+        <a:srgbClr val="4472C4"/>
+      </a:accent5>
+      <a:accent6>
+        <a:srgbClr val="70AD47"/>
+      </a:accent6>
+      <a:hlink>
+        <a:srgbClr val="0563C1"/>
+      </a:hlink>
+      <a:folHlink>
+        <a:srgbClr val="954F72"/>
+      </a:folHlink>
+    </a:clrScheme>
+    <a:fontScheme name="Office">
+      <a:majorFont>
+        <a:latin typeface="Arial"/>
+        <a:ea typeface=""/>
+        <a:cs typeface=""/>
+        <a:font script="Jpan" typeface="ＭＳ Ｐゴシック"/>
+        <a:font script="Hang" typeface="맑은 고딕"/>
+        <a:font script="Hans" typeface="宋体"/>
+        <a:font script="Hant" typeface="新細明體"/>
+        <a:font script="Arab" typeface="Times New Roman"/>
+        <a:font script="Hebr" typeface="Times New Roman"/>
+        <a:font script="Thai" typeface="Angsana New"/>
+        <a:font script="Ethi" typeface="Nyala"/>
+        <a:font script="Beng" typeface="Vrinda"/>
+        <a:font script="Gujr" typeface="Shruti"/>
+        <a:font script="Khmr" typeface="MoolBoran"/>
+        <a:font script="Knda" typeface="Tunga"/>
+        <a:font script="Guru" typeface="Raavi"/>
+        <a:font script="Cans" typeface="Euphemia"/>
+        <a:font script="Cher" typeface="Plantagenet Cherokee"/>
+        <a:font script="Yiii" typeface="Microsoft Yi Baiti"/>
+        <a:font script="Tibt" typeface="Microsoft Himalaya"/>
+        <a:font script="Thaa" typeface="MV Boli"/>
+        <a:font script="Deva" typeface="Mangal"/>
+        <a:font script="Telu" typeface="Gautami"/>
+        <a:font script="Taml" typeface="Latha"/>
+        <a:font script="Syrc" typeface="Estrangelo Edessa"/>
+        <a:font script="Orya" typeface="Kalinga"/>
+        <a:font script="Mlym" typeface="Kartika"/>
+        <a:font script="Laoo" typeface="DokChampa"/>
+        <a:font script="Sinh" typeface="Iskoola Pota"/>
+        <a:font script="Mong" typeface="Mongolian Baiti"/>
+        <a:font script="Viet" typeface="Times New Roman"/>
+        <a:font script="Uigh" typeface="Microsoft Uighur"/>
+        <a:font script="Geor" typeface="Sylfaen"/>
+      </a:majorFont>
+      <a:minorFont>
+        <a:latin typeface="Arial"/>
+        <a:ea typeface=""/>
+        <a:cs typeface=""/>
+        <a:font script="Jpan" typeface="ＭＳ Ｐゴシック"/>
+        <a:font script="Hang" typeface="맑은 고딕"/>
+        <a:font script="Hans" typeface="宋体"/>
+        <a:font script="Hant" typeface="新細明體"/>
+        <a:font script="Arab" typeface="Arial"/>
+        <a:font script="Hebr" typeface="Arial"/>
+        <a:font script="Thai" typeface="Cordia New"/>
+        <a:font script="Ethi" typeface="Nyala"/>
+        <a:font script="Beng" typeface="Vrinda"/>
+        <a:font script="Gujr" typeface="Shruti"/>
+        <a:font script="Khmr" typeface="DaunPenh"/>
+        <a:font script="Knda" typeface="Tunga"/>
+        <a:font script="Guru" typeface="Raavi"/>
+        <a:font script="Cans" typeface="Euphemia"/>
+        <a:font script="Cher" typeface="Plantagenet Cherokee"/>
+        <a:font script="Yiii" typeface="Microsoft Yi Baiti"/>
+        <a:font script="Tibt" typeface="Microsoft Himalaya"/>
+        <a:font script="Thaa" typeface="MV Boli"/>
+        <a:font script="Deva" typeface="Mangal"/>
+        <a:font script="Telu" typeface="Gautami"/>
+        <a:font script="Taml" typeface="Latha"/>
+        <a:font script="Syrc" typeface="Estrangelo Edessa"/>
+        <a:font script="Orya" typeface="Kalinga"/>
+        <a:font script="Mlym" typeface="Kartika"/>
+        <a:font script="Laoo" typeface="DokChampa"/>
+        <a:font script="Sinh" typeface="Iskoola Pota"/>
+        <a:font script="Mong" typeface="Mongolian Baiti"/>
+        <a:font script="Viet" typeface="Arial"/>
+        <a:font script="Uigh" typeface="Microsoft Uighur"/>
+        <a:font script="Geor" typeface="Sylfaen"/>
+      </a:minorFont>
+    </a:fontScheme>
+    <a:fmtScheme name="Office">
+      <a:fillStyleLst>
+        <a:solidFill>
+          <a:schemeClr val="phClr"/>
+        </a:solidFill>
+        <a:gradFill rotWithShape="1">
+          <a:gsLst>
+            <a:gs pos="0">
+              <a:schemeClr val="phClr">
+                <a:tint val="50000"/>
+                <a:satMod val="300000"/>
+              </a:schemeClr>
+            </a:gs>
+            <a:gs pos="35000">
+              <a:schemeClr val="phClr">
+                <a:tint val="37000"/>
+                <a:satMod val="300000"/>
+              </a:schemeClr>
+            </a:gs>
+            <a:gs pos="100000">
+              <a:schemeClr val="phClr">
+                <a:tint val="15000"/>
+                <a:satMod val="350000"/>
+              </a:schemeClr>
+            </a:gs>
+          </a:gsLst>
+          <a:lin ang="16200000" scaled="1"/>
+        </a:gradFill>
+        <a:gradFill rotWithShape="1">
+          <a:gsLst>
+            <a:gs pos="0">
+              <a:schemeClr val="phClr">
+                <a:tint val="100000"/>
+                <a:shade val="100000"/>
+                <a:satMod val="130000"/>
+              </a:schemeClr>
+            </a:gs>
+            <a:gs pos="100000">
+              <a:schemeClr val="phClr">
+                <a:tint val="50000"/>
+                <a:shade val="100000"/>
+                <a:satMod val="350000"/>
+              </a:schemeClr>
+            </a:gs>
+          </a:gsLst>
+          <a:lin ang="16200000" scaled="0"/>
+        </a:gradFill>
+      </a:fillStyleLst>
+      <a:lnStyleLst>
+        <a:ln w="9525" cap="flat" cmpd="sng" algn="ctr">
+          <a:solidFill>
+            <a:schemeClr val="phClr">
+              <a:shade val="95000"/>
+              <a:satMod val="105000"/>
+            </a:schemeClr>
+          </a:solidFill>
+          <a:prstDash val="solid"/>
+        </a:ln>
+        <a:ln w="25400" cap="flat" cmpd="sng" algn="ctr">
+          <a:solidFill>
+            <a:schemeClr val="phClr"/>
+          </a:solidFill>
+          <a:prstDash val="solid"/>
+        </a:ln>
+        <a:ln w="38100" cap="flat" cmpd="sng" algn="ctr">
+          <a:solidFill>
+            <a:schemeClr val="phClr"/>
+          </a:solidFill>
+          <a:prstDash val="solid"/>
+        </a:ln>
+      </a:lnStyleLst>
+      <a:effectStyleLst>
+        <a:effectStyle>
+          <a:effectLst>
+            <a:outerShdw blurRad="40000" dist="20000" dir="5400000" rotWithShape="0">
+              <a:srgbClr val="000000">
+                <a:alpha val="38000"/>
+              </a:srgbClr>
+            </a:outerShdw>
+          </a:effectLst>
+        </a:effectStyle>
+        <a:effectStyle>
+          <a:effectLst>
+            <a:outerShdw blurRad="40000" dist="23000" dir="5400000" rotWithShape="0">
+              <a:srgbClr val="000000">
+                <a:alpha val="35000"/>
+              </a:srgbClr>
+            </a:outerShdw>
+          </a:effectLst>
+        </a:effectStyle>
+        <a:effectStyle>
+          <a:effectLst>
+            <a:outerShdw blurRad="40000" dist="23000" dir="5400000" rotWithShape="0">
+              <a:srgbClr val="000000">
+                <a:alpha val="35000"/>
+              </a:srgbClr>
+            </a:outerShdw>
+          </a:effectLst>
+          <a:scene3d>
+            <a:camera prst="orthographicFront">
+              <a:rot lat="0" lon="0" rev="0"/>
+            </a:camera>
+            <a:lightRig rig="threePt" dir="t">
+              <a:rot lat="0" lon="0" rev="1200000"/>
+            </a:lightRig>
+          </a:scene3d>
+          <a:sp3d>
+            <a:bevelT w="63500" h="25400"/>
+          </a:sp3d>
+        </a:effectStyle>
+      </a:effectStyleLst>
+      <a:bgFillStyleLst>
+        <a:solidFill>
+          <a:schemeClr val="phClr"/>
+        </a:solidFill>
+        <a:gradFill rotWithShape="1">
+          <a:gsLst>
+            <a:gs pos="0">
+              <a:schemeClr val="phClr">
+                <a:tint val="40000"/>
+                <a:satMod val="350000"/>
+              </a:schemeClr>
+            </a:gs>
+            <a:gs pos="40000">
+              <a:schemeClr val="phClr">
+                <a:tint val="45000"/>
+                <a:shade val="99000"/>
+                <a:satMod val="350000"/>
+              </a:schemeClr>
+            </a:gs>
+            <a:gs pos="100000">
+              <a:schemeClr val="phClr">
+                <a:shade val="20000"/>
+                <a:satMod val="255000"/>
+              </a:schemeClr>
+            </a:gs>
+          </a:gsLst>
+          <a:path path="circle">
+            <a:fillToRect l="50000" t="-80000" r="50000" b="180000"/>
+          </a:path>
+        </a:gradFill>
+        <a:gradFill rotWithShape="1">
+          <a:gsLst>
+            <a:gs pos="0">
+              <a:schemeClr val="phClr">
+                <a:tint val="80000"/>
+                <a:satMod val="300000"/>
+              </a:schemeClr>
+            </a:gs>
+            <a:gs pos="100000">
+              <a:schemeClr val="phClr">
+                <a:shade val="30000"/>
+                <a:satMod val="200000"/>
+              </a:schemeClr>
+            </a:gs>
+          </a:gsLst>
+          <a:path path="circle">
+            <a:fillToRect l="50000" t="50000" r="50000" b="50000"/>
+          </a:path>
+        </a:gradFill>
+      </a:bgFillStyleLst>
+    </a:fmtScheme>
+  </a:themeElements>
+  <a:objectDefaults/>
+  <a:extraClrSchemeLst/>
+</a:theme>
+</file>
+
+<file path=ppt/theme/theme2.xml><?xml version="1.0" encoding="utf-8"?>
+<a:theme xmlns:a="http://schemas.openxmlformats.org/drawingml/2006/main">
   <a:themeElements>
     <a:clrScheme name="Default">
       <a:dk1>
@@ -12578,284 +13052,7 @@
       </a:bgFillStyleLst>
     </a:fmtScheme>
   </a:themeElements>
-</a:theme>
-</file>
-
-<file path=ppt/theme/theme2.xml><?xml version="1.0" encoding="utf-8"?>
-<a:theme xmlns:a="http://schemas.openxmlformats.org/drawingml/2006/main" xmlns:r="http://schemas.openxmlformats.org/officeDocument/2006/relationships" name="Office Theme">
-  <a:themeElements>
-    <a:clrScheme name="Office Theme">
-      <a:dk1>
-        <a:srgbClr val="000000"/>
-      </a:dk1>
-      <a:lt1>
-        <a:srgbClr val="FFFFFF"/>
-      </a:lt1>
-      <a:dk2>
-        <a:srgbClr val="44546A"/>
-      </a:dk2>
-      <a:lt2>
-        <a:srgbClr val="E7E6E6"/>
-      </a:lt2>
-      <a:accent1>
-        <a:srgbClr val="5B9BD5"/>
-      </a:accent1>
-      <a:accent2>
-        <a:srgbClr val="ED7D31"/>
-      </a:accent2>
-      <a:accent3>
-        <a:srgbClr val="A5A5A5"/>
-      </a:accent3>
-      <a:accent4>
-        <a:srgbClr val="FFC000"/>
-      </a:accent4>
-      <a:accent5>
-        <a:srgbClr val="4472C4"/>
-      </a:accent5>
-      <a:accent6>
-        <a:srgbClr val="70AD47"/>
-      </a:accent6>
-      <a:hlink>
-        <a:srgbClr val="0563C1"/>
-      </a:hlink>
-      <a:folHlink>
-        <a:srgbClr val="954F72"/>
-      </a:folHlink>
-    </a:clrScheme>
-    <a:fontScheme name="Office">
-      <a:majorFont>
-        <a:latin typeface="Arial"/>
-        <a:ea typeface=""/>
-        <a:cs typeface=""/>
-        <a:font script="Jpan" typeface="ＭＳ Ｐゴシック"/>
-        <a:font script="Hang" typeface="맑은 고딕"/>
-        <a:font script="Hans" typeface="宋体"/>
-        <a:font script="Hant" typeface="新細明體"/>
-        <a:font script="Arab" typeface="Times New Roman"/>
-        <a:font script="Hebr" typeface="Times New Roman"/>
-        <a:font script="Thai" typeface="Angsana New"/>
-        <a:font script="Ethi" typeface="Nyala"/>
-        <a:font script="Beng" typeface="Vrinda"/>
-        <a:font script="Gujr" typeface="Shruti"/>
-        <a:font script="Khmr" typeface="MoolBoran"/>
-        <a:font script="Knda" typeface="Tunga"/>
-        <a:font script="Guru" typeface="Raavi"/>
-        <a:font script="Cans" typeface="Euphemia"/>
-        <a:font script="Cher" typeface="Plantagenet Cherokee"/>
-        <a:font script="Yiii" typeface="Microsoft Yi Baiti"/>
-        <a:font script="Tibt" typeface="Microsoft Himalaya"/>
-        <a:font script="Thaa" typeface="MV Boli"/>
-        <a:font script="Deva" typeface="Mangal"/>
-        <a:font script="Telu" typeface="Gautami"/>
-        <a:font script="Taml" typeface="Latha"/>
-        <a:font script="Syrc" typeface="Estrangelo Edessa"/>
-        <a:font script="Orya" typeface="Kalinga"/>
-        <a:font script="Mlym" typeface="Kartika"/>
-        <a:font script="Laoo" typeface="DokChampa"/>
-        <a:font script="Sinh" typeface="Iskoola Pota"/>
-        <a:font script="Mong" typeface="Mongolian Baiti"/>
-        <a:font script="Viet" typeface="Times New Roman"/>
-        <a:font script="Uigh" typeface="Microsoft Uighur"/>
-        <a:font script="Geor" typeface="Sylfaen"/>
-      </a:majorFont>
-      <a:minorFont>
-        <a:latin typeface="Arial"/>
-        <a:ea typeface=""/>
-        <a:cs typeface=""/>
-        <a:font script="Jpan" typeface="ＭＳ Ｐゴシック"/>
-        <a:font script="Hang" typeface="맑은 고딕"/>
-        <a:font script="Hans" typeface="宋体"/>
-        <a:font script="Hant" typeface="新細明體"/>
-        <a:font script="Arab" typeface="Arial"/>
-        <a:font script="Hebr" typeface="Arial"/>
-        <a:font script="Thai" typeface="Cordia New"/>
-        <a:font script="Ethi" typeface="Nyala"/>
-        <a:font script="Beng" typeface="Vrinda"/>
-        <a:font script="Gujr" typeface="Shruti"/>
-        <a:font script="Khmr" typeface="DaunPenh"/>
-        <a:font script="Knda" typeface="Tunga"/>
-        <a:font script="Guru" typeface="Raavi"/>
-        <a:font script="Cans" typeface="Euphemia"/>
-        <a:font script="Cher" typeface="Plantagenet Cherokee"/>
-        <a:font script="Yiii" typeface="Microsoft Yi Baiti"/>
-        <a:font script="Tibt" typeface="Microsoft Himalaya"/>
-        <a:font script="Thaa" typeface="MV Boli"/>
-        <a:font script="Deva" typeface="Mangal"/>
-        <a:font script="Telu" typeface="Gautami"/>
-        <a:font script="Taml" typeface="Latha"/>
-        <a:font script="Syrc" typeface="Estrangelo Edessa"/>
-        <a:font script="Orya" typeface="Kalinga"/>
-        <a:font script="Mlym" typeface="Kartika"/>
-        <a:font script="Laoo" typeface="DokChampa"/>
-        <a:font script="Sinh" typeface="Iskoola Pota"/>
-        <a:font script="Mong" typeface="Mongolian Baiti"/>
-        <a:font script="Viet" typeface="Arial"/>
-        <a:font script="Uigh" typeface="Microsoft Uighur"/>
-        <a:font script="Geor" typeface="Sylfaen"/>
-      </a:minorFont>
-    </a:fontScheme>
-    <a:fmtScheme name="Office">
-      <a:fillStyleLst>
-        <a:solidFill>
-          <a:schemeClr val="phClr"/>
-        </a:solidFill>
-        <a:gradFill rotWithShape="1">
-          <a:gsLst>
-            <a:gs pos="0">
-              <a:schemeClr val="phClr">
-                <a:tint val="50000"/>
-                <a:satMod val="300000"/>
-              </a:schemeClr>
-            </a:gs>
-            <a:gs pos="35000">
-              <a:schemeClr val="phClr">
-                <a:tint val="37000"/>
-                <a:satMod val="300000"/>
-              </a:schemeClr>
-            </a:gs>
-            <a:gs pos="100000">
-              <a:schemeClr val="phClr">
-                <a:tint val="15000"/>
-                <a:satMod val="350000"/>
-              </a:schemeClr>
-            </a:gs>
-          </a:gsLst>
-          <a:lin ang="16200000" scaled="1"/>
-        </a:gradFill>
-        <a:gradFill rotWithShape="1">
-          <a:gsLst>
-            <a:gs pos="0">
-              <a:schemeClr val="phClr">
-                <a:tint val="100000"/>
-                <a:shade val="100000"/>
-                <a:satMod val="130000"/>
-              </a:schemeClr>
-            </a:gs>
-            <a:gs pos="100000">
-              <a:schemeClr val="phClr">
-                <a:tint val="50000"/>
-                <a:shade val="100000"/>
-                <a:satMod val="350000"/>
-              </a:schemeClr>
-            </a:gs>
-          </a:gsLst>
-          <a:lin ang="16200000" scaled="0"/>
-        </a:gradFill>
-      </a:fillStyleLst>
-      <a:lnStyleLst>
-        <a:ln w="9525" cap="flat" cmpd="sng" algn="ctr">
-          <a:solidFill>
-            <a:schemeClr val="phClr">
-              <a:shade val="95000"/>
-              <a:satMod val="105000"/>
-            </a:schemeClr>
-          </a:solidFill>
-          <a:prstDash val="solid"/>
-        </a:ln>
-        <a:ln w="25400" cap="flat" cmpd="sng" algn="ctr">
-          <a:solidFill>
-            <a:schemeClr val="phClr"/>
-          </a:solidFill>
-          <a:prstDash val="solid"/>
-        </a:ln>
-        <a:ln w="38100" cap="flat" cmpd="sng" algn="ctr">
-          <a:solidFill>
-            <a:schemeClr val="phClr"/>
-          </a:solidFill>
-          <a:prstDash val="solid"/>
-        </a:ln>
-      </a:lnStyleLst>
-      <a:effectStyleLst>
-        <a:effectStyle>
-          <a:effectLst>
-            <a:outerShdw blurRad="40000" dist="20000" dir="5400000" rotWithShape="0">
-              <a:srgbClr val="000000">
-                <a:alpha val="38000"/>
-              </a:srgbClr>
-            </a:outerShdw>
-          </a:effectLst>
-        </a:effectStyle>
-        <a:effectStyle>
-          <a:effectLst>
-            <a:outerShdw blurRad="40000" dist="23000" dir="5400000" rotWithShape="0">
-              <a:srgbClr val="000000">
-                <a:alpha val="35000"/>
-              </a:srgbClr>
-            </a:outerShdw>
-          </a:effectLst>
-        </a:effectStyle>
-        <a:effectStyle>
-          <a:effectLst>
-            <a:outerShdw blurRad="40000" dist="23000" dir="5400000" rotWithShape="0">
-              <a:srgbClr val="000000">
-                <a:alpha val="35000"/>
-              </a:srgbClr>
-            </a:outerShdw>
-          </a:effectLst>
-          <a:scene3d>
-            <a:camera prst="orthographicFront">
-              <a:rot lat="0" lon="0" rev="0"/>
-            </a:camera>
-            <a:lightRig rig="threePt" dir="t">
-              <a:rot lat="0" lon="0" rev="1200000"/>
-            </a:lightRig>
-          </a:scene3d>
-          <a:sp3d>
-            <a:bevelT w="63500" h="25400"/>
-          </a:sp3d>
-        </a:effectStyle>
-      </a:effectStyleLst>
-      <a:bgFillStyleLst>
-        <a:solidFill>
-          <a:schemeClr val="phClr"/>
-        </a:solidFill>
-        <a:gradFill rotWithShape="1">
-          <a:gsLst>
-            <a:gs pos="0">
-              <a:schemeClr val="phClr">
-                <a:tint val="40000"/>
-                <a:satMod val="350000"/>
-              </a:schemeClr>
-            </a:gs>
-            <a:gs pos="40000">
-              <a:schemeClr val="phClr">
-                <a:tint val="45000"/>
-                <a:shade val="99000"/>
-                <a:satMod val="350000"/>
-              </a:schemeClr>
-            </a:gs>
-            <a:gs pos="100000">
-              <a:schemeClr val="phClr">
-                <a:shade val="20000"/>
-                <a:satMod val="255000"/>
-              </a:schemeClr>
-            </a:gs>
-          </a:gsLst>
-          <a:path path="circle">
-            <a:fillToRect l="50000" t="-80000" r="50000" b="180000"/>
-          </a:path>
-        </a:gradFill>
-        <a:gradFill rotWithShape="1">
-          <a:gsLst>
-            <a:gs pos="0">
-              <a:schemeClr val="phClr">
-                <a:tint val="80000"/>
-                <a:satMod val="300000"/>
-              </a:schemeClr>
-            </a:gs>
-            <a:gs pos="100000">
-              <a:schemeClr val="phClr">
-                <a:shade val="30000"/>
-                <a:satMod val="200000"/>
-              </a:schemeClr>
-            </a:gs>
-          </a:gsLst>
-          <a:path path="circle">
-            <a:fillToRect l="50000" t="50000" r="50000" b="50000"/>
-          </a:path>
-        </a:gradFill>
-      </a:bgFillStyleLst>
-    </a:fmtScheme>
-  </a:themeElements>
+  <a:objectDefaults/>
+  <a:extraClrSchemeLst/>
 </a:theme>
 </file>
--- a/PosterPPT.pptx
+++ b/PosterPPT.pptx
@@ -11526,7 +11526,7 @@
               <a:buNone/>
             </a:pPr>
             <a:r>
-              <a:rPr lang="en-US" sz="3600" b="0" i="0" u="none" strike="noStrike" cap="none" dirty="0">
+              <a:rPr lang="en-US" sz="4800" b="0" i="0" u="none" strike="noStrike" cap="none" dirty="0">
                 <a:solidFill>
                   <a:schemeClr val="dk1"/>
                 </a:solidFill>
@@ -11538,7 +11538,7 @@
               <a:t>Learning to play a musical instrument can be a difficult and time consuming process. Regular practice is an important part of learning an instrument. Thus, in order to effectively learn an instrument, practice must be done in an efficient manner. For a stringed instrument such as a fiddle or violin, this means checking if the open strings are tuned correctly as well as checking if the fiddler’s fingers are in the correct position. Our application, </a:t>
             </a:r>
             <a:r>
-              <a:rPr lang="en-US" sz="3600" b="0" i="0" u="none" strike="noStrike" cap="none" dirty="0" err="1">
+              <a:rPr lang="en-US" sz="4800" b="0" i="0" u="none" strike="noStrike" cap="none" dirty="0" err="1">
                 <a:solidFill>
                   <a:schemeClr val="dk1"/>
                 </a:solidFill>
@@ -11550,7 +11550,7 @@
               <a:t>FidLin</a:t>
             </a:r>
             <a:r>
-              <a:rPr lang="en-US" sz="3600" b="0" i="0" u="none" strike="noStrike" cap="none" dirty="0">
+              <a:rPr lang="en-US" sz="4800" b="0" i="0" u="none" strike="noStrike" cap="none" dirty="0">
                 <a:solidFill>
                   <a:schemeClr val="dk1"/>
                 </a:solidFill>
@@ -11559,10 +11559,10 @@
                 <a:cs typeface="NTR" panose="020B0604020202020204" charset="0"/>
                 <a:sym typeface="Calibri"/>
               </a:rPr>
-              <a:t>, is created to help fiddle, and violin players alike practice properly in order to get the most effective usage of their time rehearsing. Thus, </a:t>
+              <a:t>, is created to help fiddle, and violin players alike practice properly in order to get the most effective usage of their time rehearsing. </a:t>
             </a:r>
             <a:r>
-              <a:rPr lang="en-US" sz="3600" b="0" i="0" u="none" strike="noStrike" cap="none" dirty="0" err="1">
+              <a:rPr lang="en-US" sz="4800" b="0" i="0" u="none" strike="noStrike" cap="none" dirty="0" err="1">
                 <a:solidFill>
                   <a:schemeClr val="dk1"/>
                 </a:solidFill>
@@ -11574,7 +11574,7 @@
               <a:t>FidLin</a:t>
             </a:r>
             <a:r>
-              <a:rPr lang="en-US" sz="3600" b="0" i="0" u="none" strike="noStrike" cap="none" dirty="0">
+              <a:rPr lang="en-US" sz="4800" b="0" i="0" u="none" strike="noStrike" cap="none" dirty="0">
                 <a:solidFill>
                   <a:schemeClr val="dk1"/>
                 </a:solidFill>
@@ -11583,33 +11583,9 @@
                 <a:cs typeface="NTR" panose="020B0604020202020204" charset="0"/>
                 <a:sym typeface="Calibri"/>
               </a:rPr>
-              <a:t> will include a profile system to help the user keep up with their progress as they practice their instrument. </a:t>
+              <a:t> allows the user to properly tune their open strings. By including a metronome, our application also assists musicians to keep a tempo. In order to assist with finger positions and intonation, our application provides practice scales for the user to play along with while providing feedback on what the fiddle player plays.</a:t>
             </a:r>
-            <a:r>
-              <a:rPr lang="en-US" sz="3600" b="0" i="0" u="none" strike="noStrike" cap="none" dirty="0" err="1">
-                <a:solidFill>
-                  <a:schemeClr val="dk1"/>
-                </a:solidFill>
-                <a:latin typeface="NTR" panose="020B0604020202020204" charset="0"/>
-                <a:ea typeface="Calibri"/>
-                <a:cs typeface="NTR" panose="020B0604020202020204" charset="0"/>
-                <a:sym typeface="Calibri"/>
-              </a:rPr>
-              <a:t>FidLin</a:t>
-            </a:r>
-            <a:r>
-              <a:rPr lang="en-US" sz="3600" b="0" i="0" u="none" strike="noStrike" cap="none" dirty="0">
-                <a:solidFill>
-                  <a:schemeClr val="dk1"/>
-                </a:solidFill>
-                <a:latin typeface="NTR" panose="020B0604020202020204" charset="0"/>
-                <a:ea typeface="Calibri"/>
-                <a:cs typeface="NTR" panose="020B0604020202020204" charset="0"/>
-                <a:sym typeface="Calibri"/>
-              </a:rPr>
-              <a:t> allows the user to properly tune their open strings. Additionally, our application gives the user feedback while they play to allow them to determine where they need more practice. By including a metronome, our application also assists musicians to keep a tempo. In order to assist with finger positions and intonation, our application provides practice scales for the user to play along with while providing feedback on what the fiddle player plays. By providing these abilities our application assists fiddle players to make the most of their time practicing. </a:t>
-            </a:r>
-            <a:endParaRPr sz="3600" b="0" i="0" u="none" strike="noStrike" cap="none" dirty="0">
+            <a:endParaRPr sz="4800" b="0" i="0" u="none" strike="noStrike" cap="none" dirty="0">
               <a:solidFill>
                 <a:schemeClr val="dk1"/>
               </a:solidFill>
@@ -11721,172 +11697,6 @@
               <a:t>Methods &amp; tools used</a:t>
             </a:r>
             <a:endParaRPr dirty="0"/>
-          </a:p>
-        </p:txBody>
-      </p:sp>
-      <p:sp>
-        <p:nvSpPr>
-          <p:cNvPr id="92" name="Google Shape;92;p13"/>
-          <p:cNvSpPr txBox="1"/>
-          <p:nvPr/>
-        </p:nvSpPr>
-        <p:spPr>
-          <a:xfrm>
-            <a:off x="741220" y="27432000"/>
-            <a:ext cx="9448800" cy="3754874"/>
-          </a:xfrm>
-          <a:prstGeom prst="rect">
-            <a:avLst/>
-          </a:prstGeom>
-          <a:noFill/>
-          <a:ln>
-            <a:noFill/>
-          </a:ln>
-        </p:spPr>
-        <p:txBody>
-          <a:bodyPr spcFirstLastPara="1" wrap="square" lIns="91425" tIns="45700" rIns="91425" bIns="45700" anchor="t" anchorCtr="0">
-            <a:noAutofit/>
-          </a:bodyPr>
-          <a:lstStyle/>
-          <a:p>
-            <a:pPr marL="0" marR="0" lvl="0" indent="0" algn="l" rtl="0">
-              <a:spcBef>
-                <a:spcPts val="0"/>
-              </a:spcBef>
-              <a:spcAft>
-                <a:spcPts val="0"/>
-              </a:spcAft>
-              <a:buNone/>
-            </a:pPr>
-            <a:endParaRPr sz="3400" b="0" i="0" u="none" strike="noStrike" cap="none">
-              <a:solidFill>
-                <a:schemeClr val="dk1"/>
-              </a:solidFill>
-              <a:latin typeface="Arial"/>
-              <a:ea typeface="Arial"/>
-              <a:cs typeface="Arial"/>
-              <a:sym typeface="Arial"/>
-            </a:endParaRPr>
-          </a:p>
-          <a:p>
-            <a:pPr marL="0" marR="0" lvl="0" indent="0" algn="l" rtl="0">
-              <a:spcBef>
-                <a:spcPts val="0"/>
-              </a:spcBef>
-              <a:spcAft>
-                <a:spcPts val="0"/>
-              </a:spcAft>
-              <a:buNone/>
-            </a:pPr>
-            <a:endParaRPr sz="3400" b="0" i="0" u="none" strike="noStrike" cap="none">
-              <a:solidFill>
-                <a:schemeClr val="dk1"/>
-              </a:solidFill>
-              <a:latin typeface="Arial"/>
-              <a:ea typeface="Arial"/>
-              <a:cs typeface="Arial"/>
-              <a:sym typeface="Arial"/>
-            </a:endParaRPr>
-          </a:p>
-          <a:p>
-            <a:pPr marL="0" marR="0" lvl="0" indent="0" algn="l" rtl="0">
-              <a:spcBef>
-                <a:spcPts val="0"/>
-              </a:spcBef>
-              <a:spcAft>
-                <a:spcPts val="0"/>
-              </a:spcAft>
-              <a:buNone/>
-            </a:pPr>
-            <a:endParaRPr sz="3400" b="0" i="0" u="none" strike="noStrike" cap="none">
-              <a:solidFill>
-                <a:schemeClr val="dk1"/>
-              </a:solidFill>
-              <a:latin typeface="Arial"/>
-              <a:ea typeface="Arial"/>
-              <a:cs typeface="Arial"/>
-              <a:sym typeface="Arial"/>
-            </a:endParaRPr>
-          </a:p>
-          <a:p>
-            <a:pPr marL="0" marR="0" lvl="0" indent="0" algn="l" rtl="0">
-              <a:spcBef>
-                <a:spcPts val="0"/>
-              </a:spcBef>
-              <a:spcAft>
-                <a:spcPts val="0"/>
-              </a:spcAft>
-              <a:buNone/>
-            </a:pPr>
-            <a:endParaRPr sz="3400" b="0" i="0" u="none" strike="noStrike" cap="none">
-              <a:solidFill>
-                <a:schemeClr val="dk1"/>
-              </a:solidFill>
-              <a:latin typeface="Arial"/>
-              <a:ea typeface="Arial"/>
-              <a:cs typeface="Arial"/>
-              <a:sym typeface="Arial"/>
-            </a:endParaRPr>
-          </a:p>
-          <a:p>
-            <a:pPr marL="0" marR="0" lvl="0" indent="0" algn="l" rtl="0">
-              <a:spcBef>
-                <a:spcPts val="0"/>
-              </a:spcBef>
-              <a:spcAft>
-                <a:spcPts val="0"/>
-              </a:spcAft>
-              <a:buNone/>
-            </a:pPr>
-            <a:endParaRPr sz="3400" b="0" i="0" u="none" strike="noStrike" cap="none">
-              <a:solidFill>
-                <a:schemeClr val="dk1"/>
-              </a:solidFill>
-              <a:latin typeface="Arial"/>
-              <a:ea typeface="Arial"/>
-              <a:cs typeface="Arial"/>
-              <a:sym typeface="Arial"/>
-            </a:endParaRPr>
-          </a:p>
-          <a:p>
-            <a:pPr marL="0" marR="0" lvl="0" indent="0" algn="l" rtl="0">
-              <a:spcBef>
-                <a:spcPts val="0"/>
-              </a:spcBef>
-              <a:spcAft>
-                <a:spcPts val="0"/>
-              </a:spcAft>
-              <a:buNone/>
-            </a:pPr>
-            <a:endParaRPr sz="3400" b="0" i="0" u="none" strike="noStrike" cap="none">
-              <a:solidFill>
-                <a:schemeClr val="dk1"/>
-              </a:solidFill>
-              <a:latin typeface="Arial"/>
-              <a:ea typeface="Arial"/>
-              <a:cs typeface="Arial"/>
-              <a:sym typeface="Arial"/>
-            </a:endParaRPr>
-          </a:p>
-          <a:p>
-            <a:pPr marL="0" marR="0" lvl="0" indent="0" algn="l" rtl="0">
-              <a:spcBef>
-                <a:spcPts val="0"/>
-              </a:spcBef>
-              <a:spcAft>
-                <a:spcPts val="0"/>
-              </a:spcAft>
-              <a:buNone/>
-            </a:pPr>
-            <a:endParaRPr sz="3400" b="0" i="0" u="none" strike="noStrike" cap="none">
-              <a:solidFill>
-                <a:schemeClr val="dk1"/>
-              </a:solidFill>
-              <a:latin typeface="Arial"/>
-              <a:ea typeface="Arial"/>
-              <a:cs typeface="Arial"/>
-              <a:sym typeface="Arial"/>
-            </a:endParaRPr>
           </a:p>
         </p:txBody>
       </p:sp>
@@ -12113,7 +11923,7 @@
         </p:nvSpPr>
         <p:spPr>
           <a:xfrm>
-            <a:off x="16884285" y="26438203"/>
+            <a:off x="16884286" y="26438203"/>
             <a:ext cx="4218600" cy="2908500"/>
           </a:xfrm>
           <a:prstGeom prst="rect">
@@ -12139,7 +11949,7 @@
               </a:spcAft>
               <a:buNone/>
             </a:pPr>
-            <a:endParaRPr sz="4800">
+            <a:endParaRPr sz="4800" dirty="0">
               <a:solidFill>
                 <a:schemeClr val="dk1"/>
               </a:solidFill>
@@ -12160,7 +11970,7 @@
               <a:buNone/>
             </a:pPr>
             <a:r>
-              <a:rPr lang="en-US" sz="4800" b="0" i="0" u="none" strike="noStrike" cap="none">
+              <a:rPr lang="en-US" sz="4800" b="0" i="0" u="none" strike="noStrike" cap="none" dirty="0">
                 <a:solidFill>
                   <a:schemeClr val="dk1"/>
                 </a:solidFill>
@@ -12171,7 +11981,7 @@
               </a:rPr>
               <a:t>Tuning Menu</a:t>
             </a:r>
-            <a:endParaRPr sz="4800">
+            <a:endParaRPr sz="4800" dirty="0">
               <a:solidFill>
                 <a:schemeClr val="dk1"/>
               </a:solidFill>
@@ -12191,7 +12001,7 @@
         </p:nvSpPr>
         <p:spPr>
           <a:xfrm>
-            <a:off x="29656306" y="27066905"/>
+            <a:off x="29582794" y="27246253"/>
             <a:ext cx="3101100" cy="646200"/>
           </a:xfrm>
           <a:prstGeom prst="rect">
@@ -12218,7 +12028,7 @@
               <a:buNone/>
             </a:pPr>
             <a:r>
-              <a:rPr lang="en-US" sz="4800">
+              <a:rPr lang="en-US" sz="4800" dirty="0">
                 <a:solidFill>
                   <a:schemeClr val="dk1"/>
                 </a:solidFill>
@@ -12229,7 +12039,7 @@
               </a:rPr>
               <a:t>Scale Menu</a:t>
             </a:r>
-            <a:endParaRPr sz="4800">
+            <a:endParaRPr sz="4800" dirty="0">
               <a:solidFill>
                 <a:schemeClr val="dk1"/>
               </a:solidFill>
@@ -12318,7 +12128,7 @@
         </p:blipFill>
         <p:spPr>
           <a:xfrm>
-            <a:off x="34598999" y="18176076"/>
+            <a:off x="34598999" y="17435273"/>
             <a:ext cx="7692375" cy="3072100"/>
           </a:xfrm>
           <a:prstGeom prst="rect">
@@ -12338,7 +12148,7 @@
         </p:nvSpPr>
         <p:spPr>
           <a:xfrm>
-            <a:off x="36084775" y="21529900"/>
+            <a:off x="36178686" y="20578069"/>
             <a:ext cx="4533000" cy="784200"/>
           </a:xfrm>
           <a:prstGeom prst="rect">
@@ -12365,7 +12175,7 @@
               <a:buNone/>
             </a:pPr>
             <a:r>
-              <a:rPr lang="en-US" sz="4800">
+              <a:rPr lang="en-US" sz="4800" dirty="0">
                 <a:latin typeface="Calibri"/>
                 <a:ea typeface="Calibri"/>
                 <a:cs typeface="Calibri"/>
@@ -12373,7 +12183,7 @@
               </a:rPr>
               <a:t>Metronome Window</a:t>
             </a:r>
-            <a:endParaRPr sz="4800">
+            <a:endParaRPr sz="4800" dirty="0">
               <a:latin typeface="Calibri"/>
               <a:ea typeface="Calibri"/>
               <a:cs typeface="Calibri"/>
@@ -12391,7 +12201,7 @@
               <a:buNone/>
             </a:pPr>
             <a:r>
-              <a:rPr lang="en-US" sz="2400">
+              <a:rPr lang="en-US" sz="2400" dirty="0">
                 <a:latin typeface="Calibri"/>
                 <a:ea typeface="Calibri"/>
                 <a:cs typeface="Calibri"/>
@@ -12399,7 +12209,7 @@
               </a:rPr>
               <a:t>(UI not finalized)</a:t>
             </a:r>
-            <a:endParaRPr sz="2400">
+            <a:endParaRPr sz="2400" dirty="0">
               <a:latin typeface="Calibri"/>
               <a:ea typeface="Calibri"/>
               <a:cs typeface="Calibri"/>

--- a/PosterPPT.pptx
+++ b/PosterPPT.pptx
@@ -1,25 +1,32 @@
 
 <file path=ppt/presentation.xml><?xml version="1.0" encoding="utf-8"?>
-<p:presentation xmlns:a="http://schemas.openxmlformats.org/drawingml/2006/main" xmlns:r="http://schemas.openxmlformats.org/officeDocument/2006/relationships" xmlns:mc="http://schemas.openxmlformats.org/markup-compatibility/2006" xmlns:mv="urn:schemas-microsoft-com:mac:vml" xmlns:p="http://schemas.openxmlformats.org/presentationml/2006/main" xmlns:c="http://schemas.openxmlformats.org/drawingml/2006/chart" xmlns:dgm="http://schemas.openxmlformats.org/drawingml/2006/diagram" xmlns:o="urn:schemas-microsoft-com:office:office" xmlns:v="urn:schemas-microsoft-com:vml" xmlns:pvml="urn:schemas-microsoft-com:office:powerpoint" xmlns:com="http://schemas.openxmlformats.org/drawingml/2006/compatibility" xmlns:p14="http://schemas.microsoft.com/office/powerpoint/2010/main" xmlns:p15="http://schemas.microsoft.com/office/powerpoint/2012/main" autoCompressPictures="0" embedTrueTypeFonts="1" strictFirstAndLastChars="0" saveSubsetFonts="1">
+<p:presentation xmlns:a="http://schemas.openxmlformats.org/drawingml/2006/main" xmlns:r="http://schemas.openxmlformats.org/officeDocument/2006/relationships" xmlns:p="http://schemas.openxmlformats.org/presentationml/2006/main" strictFirstAndLastChars="0" embedTrueTypeFonts="1" saveSubsetFonts="1" autoCompressPictures="0">
   <p:sldMasterIdLst>
-    <p:sldMasterId id="2147483659" r:id="rId3"/>
+    <p:sldMasterId id="2147483659" r:id="rId1"/>
   </p:sldMasterIdLst>
   <p:notesMasterIdLst>
-    <p:notesMasterId r:id="rId4"/>
+    <p:notesMasterId r:id="rId3"/>
   </p:notesMasterIdLst>
   <p:sldIdLst>
-    <p:sldId id="256" r:id="rId5"/>
+    <p:sldId id="256" r:id="rId2"/>
   </p:sldIdLst>
-  <p:sldSz cy="32918400" cx="43891200"/>
+  <p:sldSz cx="43891200" cy="32918400"/>
   <p:notesSz cx="7010400" cy="9296400"/>
   <p:embeddedFontLst>
     <p:embeddedFont>
-      <p:font typeface="NTR"/>
-      <p:regular r:id="rId6"/>
+      <p:font typeface="Calibri" panose="020F0502020204030204" pitchFamily="34" charset="0"/>
+      <p:regular r:id="rId4"/>
+      <p:bold r:id="rId5"/>
+      <p:italic r:id="rId6"/>
+      <p:boldItalic r:id="rId7"/>
+    </p:embeddedFont>
+    <p:embeddedFont>
+      <p:font typeface="NTR" panose="020B0604020202020204" charset="0"/>
+      <p:regular r:id="rId8"/>
     </p:embeddedFont>
   </p:embeddedFontLst>
   <p:defaultTextStyle>
-    <a:defPPr lvl="0" marR="0" rtl="0" algn="l">
+    <a:defPPr marR="0" lvl="0" algn="l" rtl="0">
       <a:lnSpc>
         <a:spcPct val="100000"/>
       </a:lnSpc>
@@ -30,7 +37,7 @@
         <a:spcPts val="0"/>
       </a:spcAft>
     </a:defPPr>
-    <a:lvl1pPr lvl="0" marR="0" rtl="0" algn="l">
+    <a:lvl1pPr marR="0" lvl="0" algn="l" rtl="0">
       <a:lnSpc>
         <a:spcPct val="100000"/>
       </a:lnSpc>
@@ -44,7 +51,7 @@
         <a:srgbClr val="000000"/>
       </a:buClr>
       <a:buFont typeface="Arial"/>
-      <a:defRPr b="0" i="0" sz="1400" u="none" cap="none" strike="noStrike">
+      <a:defRPr sz="1400" b="0" i="0" u="none" strike="noStrike" cap="none">
         <a:solidFill>
           <a:srgbClr val="000000"/>
         </a:solidFill>
@@ -54,7 +61,7 @@
         <a:sym typeface="Arial"/>
       </a:defRPr>
     </a:lvl1pPr>
-    <a:lvl2pPr lvl="1" marR="0" rtl="0" algn="l">
+    <a:lvl2pPr marR="0" lvl="1" algn="l" rtl="0">
       <a:lnSpc>
         <a:spcPct val="100000"/>
       </a:lnSpc>
@@ -68,7 +75,7 @@
         <a:srgbClr val="000000"/>
       </a:buClr>
       <a:buFont typeface="Arial"/>
-      <a:defRPr b="0" i="0" sz="1400" u="none" cap="none" strike="noStrike">
+      <a:defRPr sz="1400" b="0" i="0" u="none" strike="noStrike" cap="none">
         <a:solidFill>
           <a:srgbClr val="000000"/>
         </a:solidFill>
@@ -78,7 +85,7 @@
         <a:sym typeface="Arial"/>
       </a:defRPr>
     </a:lvl2pPr>
-    <a:lvl3pPr lvl="2" marR="0" rtl="0" algn="l">
+    <a:lvl3pPr marR="0" lvl="2" algn="l" rtl="0">
       <a:lnSpc>
         <a:spcPct val="100000"/>
       </a:lnSpc>
@@ -92,7 +99,7 @@
         <a:srgbClr val="000000"/>
       </a:buClr>
       <a:buFont typeface="Arial"/>
-      <a:defRPr b="0" i="0" sz="1400" u="none" cap="none" strike="noStrike">
+      <a:defRPr sz="1400" b="0" i="0" u="none" strike="noStrike" cap="none">
         <a:solidFill>
           <a:srgbClr val="000000"/>
         </a:solidFill>
@@ -102,7 +109,7 @@
         <a:sym typeface="Arial"/>
       </a:defRPr>
     </a:lvl3pPr>
-    <a:lvl4pPr lvl="3" marR="0" rtl="0" algn="l">
+    <a:lvl4pPr marR="0" lvl="3" algn="l" rtl="0">
       <a:lnSpc>
         <a:spcPct val="100000"/>
       </a:lnSpc>
@@ -116,7 +123,7 @@
         <a:srgbClr val="000000"/>
       </a:buClr>
       <a:buFont typeface="Arial"/>
-      <a:defRPr b="0" i="0" sz="1400" u="none" cap="none" strike="noStrike">
+      <a:defRPr sz="1400" b="0" i="0" u="none" strike="noStrike" cap="none">
         <a:solidFill>
           <a:srgbClr val="000000"/>
         </a:solidFill>
@@ -126,7 +133,7 @@
         <a:sym typeface="Arial"/>
       </a:defRPr>
     </a:lvl4pPr>
-    <a:lvl5pPr lvl="4" marR="0" rtl="0" algn="l">
+    <a:lvl5pPr marR="0" lvl="4" algn="l" rtl="0">
       <a:lnSpc>
         <a:spcPct val="100000"/>
       </a:lnSpc>
@@ -140,7 +147,7 @@
         <a:srgbClr val="000000"/>
       </a:buClr>
       <a:buFont typeface="Arial"/>
-      <a:defRPr b="0" i="0" sz="1400" u="none" cap="none" strike="noStrike">
+      <a:defRPr sz="1400" b="0" i="0" u="none" strike="noStrike" cap="none">
         <a:solidFill>
           <a:srgbClr val="000000"/>
         </a:solidFill>
@@ -150,7 +157,7 @@
         <a:sym typeface="Arial"/>
       </a:defRPr>
     </a:lvl5pPr>
-    <a:lvl6pPr lvl="5" marR="0" rtl="0" algn="l">
+    <a:lvl6pPr marR="0" lvl="5" algn="l" rtl="0">
       <a:lnSpc>
         <a:spcPct val="100000"/>
       </a:lnSpc>
@@ -164,7 +171,7 @@
         <a:srgbClr val="000000"/>
       </a:buClr>
       <a:buFont typeface="Arial"/>
-      <a:defRPr b="0" i="0" sz="1400" u="none" cap="none" strike="noStrike">
+      <a:defRPr sz="1400" b="0" i="0" u="none" strike="noStrike" cap="none">
         <a:solidFill>
           <a:srgbClr val="000000"/>
         </a:solidFill>
@@ -174,7 +181,7 @@
         <a:sym typeface="Arial"/>
       </a:defRPr>
     </a:lvl6pPr>
-    <a:lvl7pPr lvl="6" marR="0" rtl="0" algn="l">
+    <a:lvl7pPr marR="0" lvl="6" algn="l" rtl="0">
       <a:lnSpc>
         <a:spcPct val="100000"/>
       </a:lnSpc>
@@ -188,7 +195,7 @@
         <a:srgbClr val="000000"/>
       </a:buClr>
       <a:buFont typeface="Arial"/>
-      <a:defRPr b="0" i="0" sz="1400" u="none" cap="none" strike="noStrike">
+      <a:defRPr sz="1400" b="0" i="0" u="none" strike="noStrike" cap="none">
         <a:solidFill>
           <a:srgbClr val="000000"/>
         </a:solidFill>
@@ -198,7 +205,7 @@
         <a:sym typeface="Arial"/>
       </a:defRPr>
     </a:lvl7pPr>
-    <a:lvl8pPr lvl="7" marR="0" rtl="0" algn="l">
+    <a:lvl8pPr marR="0" lvl="7" algn="l" rtl="0">
       <a:lnSpc>
         <a:spcPct val="100000"/>
       </a:lnSpc>
@@ -212,7 +219,7 @@
         <a:srgbClr val="000000"/>
       </a:buClr>
       <a:buFont typeface="Arial"/>
-      <a:defRPr b="0" i="0" sz="1400" u="none" cap="none" strike="noStrike">
+      <a:defRPr sz="1400" b="0" i="0" u="none" strike="noStrike" cap="none">
         <a:solidFill>
           <a:srgbClr val="000000"/>
         </a:solidFill>
@@ -222,7 +229,7 @@
         <a:sym typeface="Arial"/>
       </a:defRPr>
     </a:lvl8pPr>
-    <a:lvl9pPr lvl="8" marR="0" rtl="0" algn="l">
+    <a:lvl9pPr marR="0" lvl="8" algn="l" rtl="0">
       <a:lnSpc>
         <a:spcPct val="100000"/>
       </a:lnSpc>
@@ -236,7 +243,7 @@
         <a:srgbClr val="000000"/>
       </a:buClr>
       <a:buFont typeface="Arial"/>
-      <a:defRPr b="0" i="0" sz="1400" u="none" cap="none" strike="noStrike">
+      <a:defRPr sz="1400" b="0" i="0" u="none" strike="noStrike" cap="none">
         <a:solidFill>
           <a:srgbClr val="000000"/>
         </a:solidFill>
@@ -250,19 +257,163 @@
 </p:presentation>
 </file>
 
+<file path=ppt/ink/ink1.xml><?xml version="1.0" encoding="utf-8"?>
+<inkml:ink xmlns:inkml="http://www.w3.org/2003/InkML">
+  <inkml:definitions>
+    <inkml:context xml:id="ctx0">
+      <inkml:inkSource xml:id="inkSrc0">
+        <inkml:traceFormat>
+          <inkml:channel name="X" type="integer" min="-2.14748E9" max="2.14748E9" units="cm"/>
+          <inkml:channel name="Y" type="integer" min="-2.14748E9" max="2.14748E9" units="cm"/>
+        </inkml:traceFormat>
+        <inkml:channelProperties>
+          <inkml:channelProperty channel="X" name="resolution" value="1000" units="1/cm"/>
+          <inkml:channelProperty channel="Y" name="resolution" value="1000" units="1/cm"/>
+        </inkml:channelProperties>
+      </inkml:inkSource>
+      <inkml:timestamp xml:id="ts0" timeString="2019-04-02T21:15:09.062"/>
+    </inkml:context>
+    <inkml:brush xml:id="br0">
+      <inkml:brushProperty name="width" value="0.1" units="cm"/>
+      <inkml:brushProperty name="height" value="0.6" units="cm"/>
+      <inkml:brushProperty name="color" value="#333333"/>
+      <inkml:brushProperty name="ignorePressure" value="1"/>
+      <inkml:brushProperty name="inkEffects" value="pencil"/>
+    </inkml:brush>
+  </inkml:definitions>
+  <inkml:trace contextRef="#ctx0" brushRef="#br0">1 0,'0'0</inkml:trace>
+</inkml:ink>
+</file>
+
+<file path=ppt/ink/ink2.xml><?xml version="1.0" encoding="utf-8"?>
+<inkml:ink xmlns:inkml="http://www.w3.org/2003/InkML">
+  <inkml:definitions>
+    <inkml:context xml:id="ctx0">
+      <inkml:inkSource xml:id="inkSrc0">
+        <inkml:traceFormat>
+          <inkml:channel name="X" type="integer" min="-2.14748E9" max="2.14748E9" units="cm"/>
+          <inkml:channel name="Y" type="integer" min="-2.14748E9" max="2.14748E9" units="cm"/>
+        </inkml:traceFormat>
+        <inkml:channelProperties>
+          <inkml:channelProperty channel="X" name="resolution" value="1000" units="1/cm"/>
+          <inkml:channelProperty channel="Y" name="resolution" value="1000" units="1/cm"/>
+        </inkml:channelProperties>
+      </inkml:inkSource>
+      <inkml:timestamp xml:id="ts0" timeString="2019-04-02T21:15:47.478"/>
+    </inkml:context>
+    <inkml:brush xml:id="br0">
+      <inkml:brushProperty name="width" value="0.1" units="cm"/>
+      <inkml:brushProperty name="height" value="0.6" units="cm"/>
+      <inkml:brushProperty name="color" value="#292929"/>
+      <inkml:brushProperty name="ignorePressure" value="1"/>
+      <inkml:brushProperty name="inkEffects" value="pencil"/>
+    </inkml:brush>
+  </inkml:definitions>
+  <inkml:trace contextRef="#ctx0" brushRef="#br0">397 11,'5'0,"13"0,26-3,51 0,56-1,57 7,51 7,44 3,52 8,57-1,39 5,26 6,5 4,-32 4,-72-5,-91-8,-92-6,-74-6,-57-1,-45-1,-48 2,-57 9,-44 10,-38 4,-23 7,1 1,11-1,24-8,14-10,19-10,22-7,16 0,15-2,5-1,3-3,3-1,-2-1,-4-1,-8 5,-6 2,-5 0,8-2,9-1,0-5,-9-7,-8-8,2-1,7 3,-1-3,-20 3,-24-3,-49-11,-51-2,-43 5,-15 1,2-4,28 4,44 2,56 5,46 5,32 6,20 2,5 3,1 2,2 0,9 0</inkml:trace>
+</inkml:ink>
+</file>
+
+<file path=ppt/ink/ink3.xml><?xml version="1.0" encoding="utf-8"?>
+<inkml:ink xmlns:inkml="http://www.w3.org/2003/InkML">
+  <inkml:definitions>
+    <inkml:context xml:id="ctx0">
+      <inkml:inkSource xml:id="inkSrc0">
+        <inkml:traceFormat>
+          <inkml:channel name="X" type="integer" min="-2.14748E9" max="2.14748E9" units="cm"/>
+          <inkml:channel name="Y" type="integer" min="-2.14748E9" max="2.14748E9" units="cm"/>
+        </inkml:traceFormat>
+        <inkml:channelProperties>
+          <inkml:channelProperty channel="X" name="resolution" value="1000" units="1/cm"/>
+          <inkml:channelProperty channel="Y" name="resolution" value="1000" units="1/cm"/>
+        </inkml:channelProperties>
+      </inkml:inkSource>
+      <inkml:timestamp xml:id="ts0" timeString="2019-04-02T21:16:35.728"/>
+    </inkml:context>
+    <inkml:brush xml:id="br0">
+      <inkml:brushProperty name="width" value="0.3" units="cm"/>
+      <inkml:brushProperty name="height" value="0.6" units="cm"/>
+      <inkml:brushProperty name="color" value="#292929"/>
+      <inkml:brushProperty name="tip" value="rectangle"/>
+      <inkml:brushProperty name="rasterOp" value="maskPen"/>
+      <inkml:brushProperty name="ignorePressure" value="1"/>
+    </inkml:brush>
+  </inkml:definitions>
+  <inkml:trace contextRef="#ctx0" brushRef="#br0">144 522,'0'-12,"0"0,-2 0,1 1,-2-1,1 1,-1-1,-2-2,-60-179,58 173,-1-1,-1 2,-1-1,0 1,-8-9,25 45,1 0,2 4,-5-13,1 1,-2 0,1 0,-1 0,-1 0,0 1,0 0,-1-1,0 1,-1 0,0 0,0 3,0 46,-3 0,-2 0,-2 0,-9 27,11-70,4-16,0 0,0-1,0 1,0 0,0 0,0 0,0 0,0 0,0 0,0 0,-1 0,1 0,0 0,0 0,0 0,0 0,0 0,0 0,0 0,0 0,0 0,0 0,0 0,0 0,0 0,0 0,0 0,0 0,0 0,-1 0,1 0,0 0,0 0,0 0,0 0,0 0,0 0,0 0,0 0,0 1,0-1,0 0,0 0,0 0,0 0,0 0,0 0,0 0,0 0,0 0,0 0,0 0,0 0,0 0,0 0,0 0,0 0,0 0,0 0,0 1,0-1,0 0,0 0,-2-8,2-11,6-26,6-21,1-6,34-184,-39 216,-4 9,-3 23,0 0,0-1,1 1,0 0,2-5,-3 13,-1-1,0 0,0 1,1-1,-1 0,0 1,1-1,-1 1,0-1,1 0,-1 1,1-1,-1 1,1 0,-1-1,1 1,0-1,-1 1,1 0,-1-1,1 1,0 0,-1 0,1 0,0-1,-1 1,1 0,0 0,0 0,-1 0,1 0,0 0,-1 0,1 0,0 1,-1-1,1 0,0 0,-1 0,1 1,0-1,-1 0,1 1,-1-1,1 1,-1-1,1 1,3 2,0 0,0 1,0 0,0 0,1 2,21 29,-2 1,-1 2,0-1,5 11,13 36,-10-22,-20-43,-11-19,0 1,0-1,1 0,-1 0,0 0,0 0,0 1,0-1,0 0,0 0,0 0,0 0,0 0,1 1,-1-1,0 0,0 0,0 0,0 0,0 0,1 0,-1 0,0 0,0 0,0 0,0 0,1 1,-1-1,0 0,0 0,0 0,0 0,1 0,-1 0,0 0,0 0,0-1,0 1,1 0,-1 0,0 0,0 0,0 0,0 0,1 0,-1 0,0 0,0 0,0-1,0 1,0 0,0 0,1 0,-1 0,0 0,0-1,1-10,-11-56,3 17,-2-6,-4-4,2 8,-1-20,12 66,-1 3,0 0,1 0,0 0,0 0,0 0,0 0,0 0,1 0,-1 0,1-1,-1 4,0-1,0 1,0 0,1 0,-1 0,0 0,0 0,0-1,0 1,0 0,0 0,0 0,1 0,-1 0,0 0,0 0,0 0,0-1,0 1,1 0,-1 0,0 0,0 0,0 0,0 0,1 0,-1 0,0 0,0 0,0 0,0 0,1 0,-1 0,0 0,0 0,0 0,0 0,1 1,-1-1,0 0,0 0,0 0,0 0,0 0,1 0,-1 0,0 0,0 1,0-1,0 0,0 0,6 9,-2 4,-1-1,0 1,-1 0,0 0,-1 0,-1 10,1-7,3 111,8 101,-7-190,4 49,-3 19,-6-105,0 0,0-1,0 1,1 0,-1 0,0 0,-1-1,1 1,0 0,0 0,0 0,0-1,-1 1,1 0,0 0,-1-1,1 1,0 0,-1 0,1-1,-1 0,0-1,0 1,1-1,-1 1,0-1,0 0,1 1,-1-1,1 0,-1 0,1 1,-1-1,1 0,-1 0,1 0,0 0,-1 0,1 0,-26-57,-1-5,-38-76,-11-48,73 180,-2-6,-25-69,27 70,0 0,0 0,1 0,0-1,1-7,3 10,-2 10,0 0,0 0,0 0,0 0,0 0,0-1,0 1,0 0,0 0,0 0,1 0,-1 0,0 0,0 0,0 0,0 0,0 0,0 0,0 0,0 0,1 0,-1 0,0 0,0 0,0 0,0 0,0 0,0 0,0 0,0 0,0 0,1 0,-1 0,0 0,0 1,0-1,0 0,0 0,0 0,0 0,0 0,0 0,0 0,0 0,0 0,0 0,10 17,6 26,-1 5,-1-4,6 10,-10-31,-1 0,-1 1,-1 1,-1-1,-1 1,-1 0,-2 0,0 3,-2-13,1 30,-2-41,1 0,0 0,-1 0,0 0,0 0,0 0,0-1,-1 1,0 0,2-4,0 0,0 0,0 1,0-1,-1 0,1 0,0 0,0 0,0 0,-1 0,1 1,0-1,0 0,0 0,-1 0,1 0,0 0,0 0,-1 0,1 0,0 0,0 0,0 0,-1 0,1 0,0 0,0 0,-1 0,1 0,0 0,0-1,0 1,-1 0,1 0,0 0,0 0,0 0,0 0,-1-1,1 1,0 0,0 0,0 0,0-1,0 1,-1 0,1 0,0 0,0-1,0 1,0 0,0 0,-6-11,1 0</inkml:trace>
+</inkml:ink>
+</file>
+
+<file path=ppt/ink/ink4.xml><?xml version="1.0" encoding="utf-8"?>
+<inkml:ink xmlns:inkml="http://www.w3.org/2003/InkML">
+  <inkml:definitions>
+    <inkml:context xml:id="ctx0">
+      <inkml:inkSource xml:id="inkSrc0">
+        <inkml:traceFormat>
+          <inkml:channel name="X" type="integer" min="-2.14748E9" max="2.14748E9" units="cm"/>
+          <inkml:channel name="Y" type="integer" min="-2.14748E9" max="2.14748E9" units="cm"/>
+        </inkml:traceFormat>
+        <inkml:channelProperties>
+          <inkml:channelProperty channel="X" name="resolution" value="1000" units="1/cm"/>
+          <inkml:channelProperty channel="Y" name="resolution" value="1000" units="1/cm"/>
+        </inkml:channelProperties>
+      </inkml:inkSource>
+      <inkml:timestamp xml:id="ts0" timeString="2019-04-02T21:16:46.711"/>
+    </inkml:context>
+    <inkml:brush xml:id="br0">
+      <inkml:brushProperty name="width" value="0.3" units="cm"/>
+      <inkml:brushProperty name="height" value="0.6" units="cm"/>
+      <inkml:brushProperty name="color" value="#292929"/>
+      <inkml:brushProperty name="tip" value="rectangle"/>
+      <inkml:brushProperty name="rasterOp" value="maskPen"/>
+      <inkml:brushProperty name="ignorePressure" value="1"/>
+    </inkml:brush>
+  </inkml:definitions>
+  <inkml:trace contextRef="#ctx0" brushRef="#br0">403 427,'-21'-36,"2"-1,2 0,1-1,1-5,11 34,-1-7,1 0,0 0,0-1,2 1,-1-16,2-16,3-16,-2 63,-2 20,-1-1,-2 2,-4 28,-27 246,30-233,6-43,-2 0,0 1,-1-2,-1 1,-1 0,-2 4,7-21,0-1,0 0,0 1,-1-1,1 0,0 1,0-1,0 0,0 1,0-1,-1 0,1 1,0-1,0 0,0 0,-1 1,1-1,0 0,-1 0,1 0,0 1,0-1,-1 0,1 0,0 0,-1 0,1 0,-1 0,1 0,0-1,-1 1,1-1,0 1,0-1,-1 1,1-1,0 1,0-1,0 0,-1 1,1-1,0 1,0-1,0 0,-3-28,1 0,1-1,2-15,0 4,0-3,0 4,-1 1,-7-39,1 33,3 13,-3 1,-1-3,4 22,2 7,0 0,0 0,-1 0,0 0,0 0,0 1,0-1,-1 1,-1-2,4 5,0 1,0 0,0 0,0 0,0 0,-1-1,1 1,0 0,0 0,0 0,0 0,-1 0,1 0,0-1,0 1,0 0,-1 0,1 0,0 0,0 0,-1 0,1 0,0 0,0 0,0 0,-1 0,1 0,0 0,0 0,-1 0,1 0,0 1,0-1,0 0,-1 0,-4 7,-2 12,7-17,-31 138,26-107,1 1,1 0,2 9,3 255,-3-282,1-16,0 0,0 1,0-1,0 0,0 0,0 0,0 0,0 0,0 1,0-1,0 0,0 0,0 0,0 0,0 0,-1 1,1-1,0 0,0 0,0 0,0 0,0 0,0 0,0 0,0 0,-1 1,1-1,0 0,0 0,0 0,0 0,0 0,-1 0,1 0,0 0,0 0,0 0,0 0,-1 0,1 0,0 0,0 0,0 0,0 0,0 0,-1 0,1 0,0 0,0 0,0 0,0 0,0-1,0 1,-1 0,1 0,-6-7,1-5,0 1,0-1,2 0,-1 0,2 0,-1 0,1-5,-8-36,7 42,-8-29,2-3,7 29,0 0,1-1,0 1,1 0,1 0,0-6,0 4</inkml:trace>
+</inkml:ink>
+</file>
+
+<file path=ppt/ink/ink5.xml><?xml version="1.0" encoding="utf-8"?>
+<inkml:ink xmlns:inkml="http://www.w3.org/2003/InkML">
+  <inkml:definitions>
+    <inkml:context xml:id="ctx0">
+      <inkml:inkSource xml:id="inkSrc0">
+        <inkml:traceFormat>
+          <inkml:channel name="X" type="integer" min="-2.14748E9" max="2.14748E9" units="cm"/>
+          <inkml:channel name="Y" type="integer" min="-2.14748E9" max="2.14748E9" units="cm"/>
+        </inkml:traceFormat>
+        <inkml:channelProperties>
+          <inkml:channelProperty channel="X" name="resolution" value="1000" units="1/cm"/>
+          <inkml:channelProperty channel="Y" name="resolution" value="1000" units="1/cm"/>
+        </inkml:channelProperties>
+      </inkml:inkSource>
+      <inkml:timestamp xml:id="ts0" timeString="2019-04-02T21:16:50.313"/>
+    </inkml:context>
+    <inkml:brush xml:id="br0">
+      <inkml:brushProperty name="width" value="0.3" units="cm"/>
+      <inkml:brushProperty name="height" value="0.6" units="cm"/>
+      <inkml:brushProperty name="color" value="#292929"/>
+      <inkml:brushProperty name="tip" value="rectangle"/>
+      <inkml:brushProperty name="rasterOp" value="maskPen"/>
+      <inkml:brushProperty name="ignorePressure" value="1"/>
+    </inkml:brush>
+  </inkml:definitions>
+  <inkml:trace contextRef="#ctx0" brushRef="#br0">199 352,'2'0,"0"0,1 0,-1 1,0-1,1 0,-1 1,0 0,0-1,1 1,-1 0,0 0,0 0,0 1,0-1,0 0,0 1,0 0,0 0,0 0,0 1,-1-1,1 1,-1-1,1 1,-1 0,0-1,0 1,0 0,0 0,-1 0,14 61,-4 1,-2 1,-3 15,-2 200,-3-268,0-12,0 14,-1 0,-1 10,0-20,-1-5,-2-8,4 6,-12-26,2-1,1-1,1 1,1-2,2 1,0-1,3 0,0-22,-2-12,-2 0,-9-28,4 22,7 23,4 33,1 42,1 206,-2-222,0 1,-1-1,0 0,-1 0,0-1,-1 1,-1 2,4-10,0-1,0 0,0 0,0 1,-1-1,1 0,-1 0,1 0,-1 0,0-1,1 1,-1 0,-1-1,2 0,0 0,0-1,0 1,-1-1,1 1,0-1,0 0,-1 1,1-1,0 0,-1 0,1 0,0 0,-1 0,1 0,0 0,-1-1,1 1,0 0,0-1,-1 1,1-1,0 1,0-1,0 0,-1 0,-4-3,0-1,0 1,1-2,-1 1,1 0,0-1,1 0,0 0,0-1,-3-4,2 1,0 0,1-1,0 1,1-1,0 0,1 0,0-1,-1-11,2 0,0 0,2 0,3-17,18-89,-8 58,-4 23,12-30,-5 17,-13 48,1-1,0 2,0-1,1 0,2-2</inkml:trace>
+</inkml:ink>
+</file>
+
 <file path=ppt/notesMasters/notesMaster1.xml><?xml version="1.0" encoding="utf-8"?>
-<p:notesMaster xmlns:a="http://schemas.openxmlformats.org/drawingml/2006/main" xmlns:r="http://schemas.openxmlformats.org/officeDocument/2006/relationships" xmlns:mc="http://schemas.openxmlformats.org/markup-compatibility/2006" xmlns:mv="urn:schemas-microsoft-com:mac:vml" xmlns:p="http://schemas.openxmlformats.org/presentationml/2006/main" xmlns:c="http://schemas.openxmlformats.org/drawingml/2006/chart" xmlns:dgm="http://schemas.openxmlformats.org/drawingml/2006/diagram" xmlns:o="urn:schemas-microsoft-com:office:office" xmlns:v="urn:schemas-microsoft-com:vml" xmlns:pvml="urn:schemas-microsoft-com:office:powerpoint" xmlns:com="http://schemas.openxmlformats.org/drawingml/2006/compatibility" xmlns:p14="http://schemas.microsoft.com/office/powerpoint/2010/main" xmlns:p15="http://schemas.microsoft.com/office/powerpoint/2012/main">
+<p:notesMaster xmlns:a="http://schemas.openxmlformats.org/drawingml/2006/main" xmlns:r="http://schemas.openxmlformats.org/officeDocument/2006/relationships" xmlns:p="http://schemas.openxmlformats.org/presentationml/2006/main">
   <p:cSld>
     <p:bg>
       <p:bgPr>
         <a:solidFill>
           <a:schemeClr val="lt1"/>
         </a:solidFill>
+        <a:effectLst/>
       </p:bgPr>
     </p:bg>
     <p:spTree>
       <p:nvGrpSpPr>
-        <p:cNvPr id="2" name="Shape 2"/>
+        <p:cNvPr id="1" name="Shape 2"/>
         <p:cNvGrpSpPr/>
         <p:nvPr/>
       </p:nvGrpSpPr>
@@ -277,9 +428,11 @@
       <p:sp>
         <p:nvSpPr>
           <p:cNvPr id="3" name="Google Shape;3;n"/>
-          <p:cNvSpPr/>
+          <p:cNvSpPr>
+            <a:spLocks noGrp="1" noRot="1" noChangeAspect="1"/>
+          </p:cNvSpPr>
           <p:nvPr>
-            <p:ph idx="2" type="sldImg"/>
+            <p:ph type="sldImg" idx="2"/>
           </p:nvPr>
         </p:nvSpPr>
         <p:spPr>
@@ -288,9 +441,13 @@
             <a:ext cx="4673825" cy="3486150"/>
           </a:xfrm>
           <a:custGeom>
-            <a:rect b="b" l="l" r="r" t="t"/>
+            <a:avLst/>
+            <a:gdLst/>
+            <a:ahLst/>
+            <a:cxnLst/>
+            <a:rect l="l" t="t" r="r" b="b"/>
             <a:pathLst>
-              <a:path extrusionOk="0" h="120000" w="120000">
+              <a:path w="120000" h="120000" extrusionOk="0">
                 <a:moveTo>
                   <a:pt x="0" y="0"/>
                 </a:moveTo>
@@ -308,23 +465,25 @@
             </a:pathLst>
           </a:custGeom>
           <a:noFill/>
-          <a:ln cap="flat" cmpd="sng" w="9525">
+          <a:ln w="9525" cap="flat" cmpd="sng">
             <a:solidFill>
               <a:srgbClr val="000000"/>
             </a:solidFill>
             <a:prstDash val="solid"/>
             <a:round/>
-            <a:headEnd len="sm" w="sm" type="none"/>
-            <a:tailEnd len="sm" w="sm" type="none"/>
+            <a:headEnd type="none" w="sm" len="sm"/>
+            <a:tailEnd type="none" w="sm" len="sm"/>
           </a:ln>
         </p:spPr>
       </p:sp>
       <p:sp>
         <p:nvSpPr>
           <p:cNvPr id="4" name="Google Shape;4;n"/>
-          <p:cNvSpPr txBox="1"/>
+          <p:cNvSpPr txBox="1">
+            <a:spLocks noGrp="1"/>
+          </p:cNvSpPr>
           <p:nvPr>
-            <p:ph idx="1" type="body"/>
+            <p:ph type="body" idx="1"/>
           </p:nvPr>
         </p:nvSpPr>
         <p:spPr>
@@ -341,9 +500,9 @@
           </a:ln>
         </p:spPr>
         <p:txBody>
-          <a:bodyPr anchorCtr="0" anchor="t" bIns="91425" lIns="91425" spcFirstLastPara="1" rIns="91425" wrap="square" tIns="91425"/>
+          <a:bodyPr spcFirstLastPara="1" wrap="square" lIns="91425" tIns="91425" rIns="91425" bIns="91425" anchor="t" anchorCtr="0"/>
           <a:lstStyle>
-            <a:lvl1pPr indent="-298450" lvl="0" marL="457200" marR="0" rtl="0" algn="l">
+            <a:lvl1pPr marL="457200" marR="0" lvl="0" indent="-298450" algn="l" rtl="0">
               <a:lnSpc>
                 <a:spcPct val="100000"/>
               </a:lnSpc>
@@ -359,7 +518,7 @@
               <a:buSzPts val="1100"/>
               <a:buFont typeface="Arial"/>
               <a:buChar char="●"/>
-              <a:defRPr b="0" i="0" sz="1100" u="none" cap="none" strike="noStrike">
+              <a:defRPr sz="1100" b="0" i="0" u="none" strike="noStrike" cap="none">
                 <a:solidFill>
                   <a:srgbClr val="000000"/>
                 </a:solidFill>
@@ -369,7 +528,7 @@
                 <a:sym typeface="Arial"/>
               </a:defRPr>
             </a:lvl1pPr>
-            <a:lvl2pPr indent="-298450" lvl="1" marL="914400" marR="0" rtl="0" algn="l">
+            <a:lvl2pPr marL="914400" marR="0" lvl="1" indent="-298450" algn="l" rtl="0">
               <a:lnSpc>
                 <a:spcPct val="100000"/>
               </a:lnSpc>
@@ -385,7 +544,7 @@
               <a:buSzPts val="1100"/>
               <a:buFont typeface="Arial"/>
               <a:buChar char="○"/>
-              <a:defRPr b="0" i="0" sz="1100" u="none" cap="none" strike="noStrike">
+              <a:defRPr sz="1100" b="0" i="0" u="none" strike="noStrike" cap="none">
                 <a:solidFill>
                   <a:srgbClr val="000000"/>
                 </a:solidFill>
@@ -395,7 +554,7 @@
                 <a:sym typeface="Arial"/>
               </a:defRPr>
             </a:lvl2pPr>
-            <a:lvl3pPr indent="-298450" lvl="2" marL="1371600" marR="0" rtl="0" algn="l">
+            <a:lvl3pPr marL="1371600" marR="0" lvl="2" indent="-298450" algn="l" rtl="0">
               <a:lnSpc>
                 <a:spcPct val="100000"/>
               </a:lnSpc>
@@ -411,7 +570,7 @@
               <a:buSzPts val="1100"/>
               <a:buFont typeface="Arial"/>
               <a:buChar char="■"/>
-              <a:defRPr b="0" i="0" sz="1100" u="none" cap="none" strike="noStrike">
+              <a:defRPr sz="1100" b="0" i="0" u="none" strike="noStrike" cap="none">
                 <a:solidFill>
                   <a:srgbClr val="000000"/>
                 </a:solidFill>
@@ -421,7 +580,7 @@
                 <a:sym typeface="Arial"/>
               </a:defRPr>
             </a:lvl3pPr>
-            <a:lvl4pPr indent="-298450" lvl="3" marL="1828800" marR="0" rtl="0" algn="l">
+            <a:lvl4pPr marL="1828800" marR="0" lvl="3" indent="-298450" algn="l" rtl="0">
               <a:lnSpc>
                 <a:spcPct val="100000"/>
               </a:lnSpc>
@@ -437,7 +596,7 @@
               <a:buSzPts val="1100"/>
               <a:buFont typeface="Arial"/>
               <a:buChar char="●"/>
-              <a:defRPr b="0" i="0" sz="1100" u="none" cap="none" strike="noStrike">
+              <a:defRPr sz="1100" b="0" i="0" u="none" strike="noStrike" cap="none">
                 <a:solidFill>
                   <a:srgbClr val="000000"/>
                 </a:solidFill>
@@ -447,7 +606,7 @@
                 <a:sym typeface="Arial"/>
               </a:defRPr>
             </a:lvl4pPr>
-            <a:lvl5pPr indent="-298450" lvl="4" marL="2286000" marR="0" rtl="0" algn="l">
+            <a:lvl5pPr marL="2286000" marR="0" lvl="4" indent="-298450" algn="l" rtl="0">
               <a:lnSpc>
                 <a:spcPct val="100000"/>
               </a:lnSpc>
@@ -463,7 +622,7 @@
               <a:buSzPts val="1100"/>
               <a:buFont typeface="Arial"/>
               <a:buChar char="○"/>
-              <a:defRPr b="0" i="0" sz="1100" u="none" cap="none" strike="noStrike">
+              <a:defRPr sz="1100" b="0" i="0" u="none" strike="noStrike" cap="none">
                 <a:solidFill>
                   <a:srgbClr val="000000"/>
                 </a:solidFill>
@@ -473,7 +632,7 @@
                 <a:sym typeface="Arial"/>
               </a:defRPr>
             </a:lvl5pPr>
-            <a:lvl6pPr indent="-298450" lvl="5" marL="2743200" marR="0" rtl="0" algn="l">
+            <a:lvl6pPr marL="2743200" marR="0" lvl="5" indent="-298450" algn="l" rtl="0">
               <a:lnSpc>
                 <a:spcPct val="100000"/>
               </a:lnSpc>
@@ -489,7 +648,7 @@
               <a:buSzPts val="1100"/>
               <a:buFont typeface="Arial"/>
               <a:buChar char="■"/>
-              <a:defRPr b="0" i="0" sz="1100" u="none" cap="none" strike="noStrike">
+              <a:defRPr sz="1100" b="0" i="0" u="none" strike="noStrike" cap="none">
                 <a:solidFill>
                   <a:srgbClr val="000000"/>
                 </a:solidFill>
@@ -499,7 +658,7 @@
                 <a:sym typeface="Arial"/>
               </a:defRPr>
             </a:lvl6pPr>
-            <a:lvl7pPr indent="-298450" lvl="6" marL="3200400" marR="0" rtl="0" algn="l">
+            <a:lvl7pPr marL="3200400" marR="0" lvl="6" indent="-298450" algn="l" rtl="0">
               <a:lnSpc>
                 <a:spcPct val="100000"/>
               </a:lnSpc>
@@ -515,7 +674,7 @@
               <a:buSzPts val="1100"/>
               <a:buFont typeface="Arial"/>
               <a:buChar char="●"/>
-              <a:defRPr b="0" i="0" sz="1100" u="none" cap="none" strike="noStrike">
+              <a:defRPr sz="1100" b="0" i="0" u="none" strike="noStrike" cap="none">
                 <a:solidFill>
                   <a:srgbClr val="000000"/>
                 </a:solidFill>
@@ -525,7 +684,7 @@
                 <a:sym typeface="Arial"/>
               </a:defRPr>
             </a:lvl7pPr>
-            <a:lvl8pPr indent="-298450" lvl="7" marL="3657600" marR="0" rtl="0" algn="l">
+            <a:lvl8pPr marL="3657600" marR="0" lvl="7" indent="-298450" algn="l" rtl="0">
               <a:lnSpc>
                 <a:spcPct val="100000"/>
               </a:lnSpc>
@@ -541,7 +700,7 @@
               <a:buSzPts val="1100"/>
               <a:buFont typeface="Arial"/>
               <a:buChar char="○"/>
-              <a:defRPr b="0" i="0" sz="1100" u="none" cap="none" strike="noStrike">
+              <a:defRPr sz="1100" b="0" i="0" u="none" strike="noStrike" cap="none">
                 <a:solidFill>
                   <a:srgbClr val="000000"/>
                 </a:solidFill>
@@ -551,7 +710,7 @@
                 <a:sym typeface="Arial"/>
               </a:defRPr>
             </a:lvl8pPr>
-            <a:lvl9pPr indent="-298450" lvl="8" marL="4114800" marR="0" rtl="0" algn="l">
+            <a:lvl9pPr marL="4114800" marR="0" lvl="8" indent="-298450" algn="l" rtl="0">
               <a:lnSpc>
                 <a:spcPct val="100000"/>
               </a:lnSpc>
@@ -567,7 +726,7 @@
               <a:buSzPts val="1100"/>
               <a:buFont typeface="Arial"/>
               <a:buChar char="■"/>
-              <a:defRPr b="0" i="0" sz="1100" u="none" cap="none" strike="noStrike">
+              <a:defRPr sz="1100" b="0" i="0" u="none" strike="noStrike" cap="none">
                 <a:solidFill>
                   <a:srgbClr val="000000"/>
                 </a:solidFill>
@@ -578,14 +737,16 @@
               </a:defRPr>
             </a:lvl9pPr>
           </a:lstStyle>
-          <a:p/>
+          <a:p>
+            <a:endParaRPr/>
+          </a:p>
         </p:txBody>
       </p:sp>
     </p:spTree>
   </p:cSld>
-  <p:clrMap accent1="accent1" accent2="accent2" accent3="accent3" accent4="accent4" accent5="accent5" accent6="accent6" bg1="lt1" bg2="dk2" tx1="dk1" tx2="lt2" folHlink="folHlink" hlink="hlink"/>
+  <p:clrMap bg1="lt1" tx1="dk1" bg2="dk2" tx2="lt2" accent1="accent1" accent2="accent2" accent3="accent3" accent4="accent4" accent5="accent5" accent6="accent6" hlink="hlink" folHlink="folHlink"/>
   <p:notesStyle>
-    <a:defPPr lvl="0" marR="0" rtl="0" algn="l">
+    <a:defPPr marR="0" lvl="0" algn="l" rtl="0">
       <a:lnSpc>
         <a:spcPct val="100000"/>
       </a:lnSpc>
@@ -596,7 +757,7 @@
         <a:spcPts val="0"/>
       </a:spcAft>
     </a:defPPr>
-    <a:lvl1pPr lvl="0" marR="0" rtl="0" algn="l">
+    <a:lvl1pPr marR="0" lvl="0" algn="l" rtl="0">
       <a:lnSpc>
         <a:spcPct val="100000"/>
       </a:lnSpc>
@@ -610,7 +771,7 @@
         <a:srgbClr val="000000"/>
       </a:buClr>
       <a:buFont typeface="Arial"/>
-      <a:defRPr b="0" i="0" sz="1400" u="none" cap="none" strike="noStrike">
+      <a:defRPr sz="1400" b="0" i="0" u="none" strike="noStrike" cap="none">
         <a:solidFill>
           <a:srgbClr val="000000"/>
         </a:solidFill>
@@ -620,7 +781,7 @@
         <a:sym typeface="Arial"/>
       </a:defRPr>
     </a:lvl1pPr>
-    <a:lvl2pPr lvl="1" marR="0" rtl="0" algn="l">
+    <a:lvl2pPr marR="0" lvl="1" algn="l" rtl="0">
       <a:lnSpc>
         <a:spcPct val="100000"/>
       </a:lnSpc>
@@ -634,7 +795,7 @@
         <a:srgbClr val="000000"/>
       </a:buClr>
       <a:buFont typeface="Arial"/>
-      <a:defRPr b="0" i="0" sz="1400" u="none" cap="none" strike="noStrike">
+      <a:defRPr sz="1400" b="0" i="0" u="none" strike="noStrike" cap="none">
         <a:solidFill>
           <a:srgbClr val="000000"/>
         </a:solidFill>
@@ -644,7 +805,7 @@
         <a:sym typeface="Arial"/>
       </a:defRPr>
     </a:lvl2pPr>
-    <a:lvl3pPr lvl="2" marR="0" rtl="0" algn="l">
+    <a:lvl3pPr marR="0" lvl="2" algn="l" rtl="0">
       <a:lnSpc>
         <a:spcPct val="100000"/>
       </a:lnSpc>
@@ -658,7 +819,7 @@
         <a:srgbClr val="000000"/>
       </a:buClr>
       <a:buFont typeface="Arial"/>
-      <a:defRPr b="0" i="0" sz="1400" u="none" cap="none" strike="noStrike">
+      <a:defRPr sz="1400" b="0" i="0" u="none" strike="noStrike" cap="none">
         <a:solidFill>
           <a:srgbClr val="000000"/>
         </a:solidFill>
@@ -668,7 +829,7 @@
         <a:sym typeface="Arial"/>
       </a:defRPr>
     </a:lvl3pPr>
-    <a:lvl4pPr lvl="3" marR="0" rtl="0" algn="l">
+    <a:lvl4pPr marR="0" lvl="3" algn="l" rtl="0">
       <a:lnSpc>
         <a:spcPct val="100000"/>
       </a:lnSpc>
@@ -682,7 +843,7 @@
         <a:srgbClr val="000000"/>
       </a:buClr>
       <a:buFont typeface="Arial"/>
-      <a:defRPr b="0" i="0" sz="1400" u="none" cap="none" strike="noStrike">
+      <a:defRPr sz="1400" b="0" i="0" u="none" strike="noStrike" cap="none">
         <a:solidFill>
           <a:srgbClr val="000000"/>
         </a:solidFill>
@@ -692,7 +853,7 @@
         <a:sym typeface="Arial"/>
       </a:defRPr>
     </a:lvl4pPr>
-    <a:lvl5pPr lvl="4" marR="0" rtl="0" algn="l">
+    <a:lvl5pPr marR="0" lvl="4" algn="l" rtl="0">
       <a:lnSpc>
         <a:spcPct val="100000"/>
       </a:lnSpc>
@@ -706,7 +867,7 @@
         <a:srgbClr val="000000"/>
       </a:buClr>
       <a:buFont typeface="Arial"/>
-      <a:defRPr b="0" i="0" sz="1400" u="none" cap="none" strike="noStrike">
+      <a:defRPr sz="1400" b="0" i="0" u="none" strike="noStrike" cap="none">
         <a:solidFill>
           <a:srgbClr val="000000"/>
         </a:solidFill>
@@ -716,7 +877,7 @@
         <a:sym typeface="Arial"/>
       </a:defRPr>
     </a:lvl5pPr>
-    <a:lvl6pPr lvl="5" marR="0" rtl="0" algn="l">
+    <a:lvl6pPr marR="0" lvl="5" algn="l" rtl="0">
       <a:lnSpc>
         <a:spcPct val="100000"/>
       </a:lnSpc>
@@ -730,7 +891,7 @@
         <a:srgbClr val="000000"/>
       </a:buClr>
       <a:buFont typeface="Arial"/>
-      <a:defRPr b="0" i="0" sz="1400" u="none" cap="none" strike="noStrike">
+      <a:defRPr sz="1400" b="0" i="0" u="none" strike="noStrike" cap="none">
         <a:solidFill>
           <a:srgbClr val="000000"/>
         </a:solidFill>
@@ -740,7 +901,7 @@
         <a:sym typeface="Arial"/>
       </a:defRPr>
     </a:lvl6pPr>
-    <a:lvl7pPr lvl="6" marR="0" rtl="0" algn="l">
+    <a:lvl7pPr marR="0" lvl="6" algn="l" rtl="0">
       <a:lnSpc>
         <a:spcPct val="100000"/>
       </a:lnSpc>
@@ -754,7 +915,7 @@
         <a:srgbClr val="000000"/>
       </a:buClr>
       <a:buFont typeface="Arial"/>
-      <a:defRPr b="0" i="0" sz="1400" u="none" cap="none" strike="noStrike">
+      <a:defRPr sz="1400" b="0" i="0" u="none" strike="noStrike" cap="none">
         <a:solidFill>
           <a:srgbClr val="000000"/>
         </a:solidFill>
@@ -764,7 +925,7 @@
         <a:sym typeface="Arial"/>
       </a:defRPr>
     </a:lvl7pPr>
-    <a:lvl8pPr lvl="7" marR="0" rtl="0" algn="l">
+    <a:lvl8pPr marR="0" lvl="7" algn="l" rtl="0">
       <a:lnSpc>
         <a:spcPct val="100000"/>
       </a:lnSpc>
@@ -778,7 +939,7 @@
         <a:srgbClr val="000000"/>
       </a:buClr>
       <a:buFont typeface="Arial"/>
-      <a:defRPr b="0" i="0" sz="1400" u="none" cap="none" strike="noStrike">
+      <a:defRPr sz="1400" b="0" i="0" u="none" strike="noStrike" cap="none">
         <a:solidFill>
           <a:srgbClr val="000000"/>
         </a:solidFill>
@@ -788,7 +949,7 @@
         <a:sym typeface="Arial"/>
       </a:defRPr>
     </a:lvl8pPr>
-    <a:lvl9pPr lvl="8" marR="0" rtl="0" algn="l">
+    <a:lvl9pPr marR="0" lvl="8" algn="l" rtl="0">
       <a:lnSpc>
         <a:spcPct val="100000"/>
       </a:lnSpc>
@@ -802,7 +963,7 @@
         <a:srgbClr val="000000"/>
       </a:buClr>
       <a:buFont typeface="Arial"/>
-      <a:defRPr b="0" i="0" sz="1400" u="none" cap="none" strike="noStrike">
+      <a:defRPr sz="1400" b="0" i="0" u="none" strike="noStrike" cap="none">
         <a:solidFill>
           <a:srgbClr val="000000"/>
         </a:solidFill>
@@ -817,11 +978,11 @@
 </file>
 
 <file path=ppt/notesSlides/notesSlide1.xml><?xml version="1.0" encoding="utf-8"?>
-<p:notes xmlns:a="http://schemas.openxmlformats.org/drawingml/2006/main" xmlns:r="http://schemas.openxmlformats.org/officeDocument/2006/relationships" xmlns:mc="http://schemas.openxmlformats.org/markup-compatibility/2006" xmlns:mv="urn:schemas-microsoft-com:mac:vml" xmlns:p="http://schemas.openxmlformats.org/presentationml/2006/main" xmlns:c="http://schemas.openxmlformats.org/drawingml/2006/chart" xmlns:dgm="http://schemas.openxmlformats.org/drawingml/2006/diagram" xmlns:o="urn:schemas-microsoft-com:office:office" xmlns:v="urn:schemas-microsoft-com:vml" xmlns:pvml="urn:schemas-microsoft-com:office:powerpoint" xmlns:com="http://schemas.openxmlformats.org/drawingml/2006/compatibility" xmlns:p14="http://schemas.microsoft.com/office/powerpoint/2010/main" xmlns:p15="http://schemas.microsoft.com/office/powerpoint/2012/main" showMasterPhAnim="0" showMasterSp="0">
+<p:notes xmlns:a="http://schemas.openxmlformats.org/drawingml/2006/main" xmlns:r="http://schemas.openxmlformats.org/officeDocument/2006/relationships" xmlns:p="http://schemas.openxmlformats.org/presentationml/2006/main" showMasterSp="0" showMasterPhAnim="0">
   <p:cSld>
     <p:spTree>
       <p:nvGrpSpPr>
-        <p:cNvPr id="80" name="Shape 80"/>
+        <p:cNvPr id="1" name="Shape 80"/>
         <p:cNvGrpSpPr/>
         <p:nvPr/>
       </p:nvGrpSpPr>
@@ -836,9 +997,11 @@
       <p:sp>
         <p:nvSpPr>
           <p:cNvPr id="81" name="Google Shape;81;p1:notes"/>
-          <p:cNvSpPr txBox="1"/>
+          <p:cNvSpPr txBox="1">
+            <a:spLocks noGrp="1"/>
+          </p:cNvSpPr>
           <p:nvPr>
-            <p:ph idx="1" type="body"/>
+            <p:ph type="body" idx="1"/>
           </p:nvPr>
         </p:nvSpPr>
         <p:spPr>
@@ -855,12 +1018,12 @@
           </a:ln>
         </p:spPr>
         <p:txBody>
-          <a:bodyPr anchorCtr="0" anchor="t" bIns="91425" lIns="91425" spcFirstLastPara="1" rIns="91425" wrap="square" tIns="91425">
+          <a:bodyPr spcFirstLastPara="1" wrap="square" lIns="91425" tIns="91425" rIns="91425" bIns="91425" anchor="t" anchorCtr="0">
             <a:noAutofit/>
           </a:bodyPr>
           <a:lstStyle/>
           <a:p>
-            <a:pPr indent="0" lvl="0" marL="0" rtl="0" algn="l">
+            <a:pPr marL="0" lvl="0" indent="0" algn="l" rtl="0">
               <a:lnSpc>
                 <a:spcPct val="100000"/>
               </a:lnSpc>
@@ -873,9 +1036,6 @@
               <a:buSzPts val="1100"/>
               <a:buNone/>
             </a:pPr>
-            <a:r>
-              <a:t/>
-            </a:r>
             <a:endParaRPr/>
           </a:p>
         </p:txBody>
@@ -883,9 +1043,11 @@
       <p:sp>
         <p:nvSpPr>
           <p:cNvPr id="82" name="Google Shape;82;p1:notes"/>
-          <p:cNvSpPr/>
+          <p:cNvSpPr>
+            <a:spLocks noGrp="1" noRot="1" noChangeAspect="1"/>
+          </p:cNvSpPr>
           <p:nvPr>
-            <p:ph idx="2" type="sldImg"/>
+            <p:ph type="sldImg" idx="2"/>
           </p:nvPr>
         </p:nvSpPr>
         <p:spPr>
@@ -894,9 +1056,13 @@
             <a:ext cx="4648200" cy="3486150"/>
           </a:xfrm>
           <a:custGeom>
-            <a:rect b="b" l="l" r="r" t="t"/>
+            <a:avLst/>
+            <a:gdLst/>
+            <a:ahLst/>
+            <a:cxnLst/>
+            <a:rect l="l" t="t" r="r" b="b"/>
             <a:pathLst>
-              <a:path extrusionOk="0" h="120000" w="120000">
+              <a:path w="120000" h="120000" extrusionOk="0">
                 <a:moveTo>
                   <a:pt x="0" y="0"/>
                 </a:moveTo>
@@ -914,14 +1080,14 @@
             </a:pathLst>
           </a:custGeom>
           <a:noFill/>
-          <a:ln cap="flat" cmpd="sng" w="9525">
+          <a:ln w="9525" cap="flat" cmpd="sng">
             <a:solidFill>
               <a:srgbClr val="000000"/>
             </a:solidFill>
             <a:prstDash val="solid"/>
             <a:round/>
-            <a:headEnd len="sm" w="sm" type="none"/>
-            <a:tailEnd len="sm" w="sm" type="none"/>
+            <a:headEnd type="none" w="sm" len="sm"/>
+            <a:tailEnd type="none" w="sm" len="sm"/>
           </a:ln>
         </p:spPr>
       </p:sp>
@@ -934,11 +1100,11 @@
 </file>
 
 <file path=ppt/slideLayouts/slideLayout1.xml><?xml version="1.0" encoding="utf-8"?>
-<p:sldLayout xmlns:a="http://schemas.openxmlformats.org/drawingml/2006/main" xmlns:r="http://schemas.openxmlformats.org/officeDocument/2006/relationships" xmlns:mc="http://schemas.openxmlformats.org/markup-compatibility/2006" xmlns:mv="urn:schemas-microsoft-com:mac:vml" xmlns:p="http://schemas.openxmlformats.org/presentationml/2006/main" xmlns:c="http://schemas.openxmlformats.org/drawingml/2006/chart" xmlns:dgm="http://schemas.openxmlformats.org/drawingml/2006/diagram" xmlns:o="urn:schemas-microsoft-com:office:office" xmlns:v="urn:schemas-microsoft-com:vml" xmlns:pvml="urn:schemas-microsoft-com:office:powerpoint" xmlns:com="http://schemas.openxmlformats.org/drawingml/2006/compatibility" xmlns:p14="http://schemas.microsoft.com/office/powerpoint/2010/main" xmlns:p15="http://schemas.microsoft.com/office/powerpoint/2012/main" matchingName="Blank" type="blank">
+<p:sldLayout xmlns:a="http://schemas.openxmlformats.org/drawingml/2006/main" xmlns:r="http://schemas.openxmlformats.org/officeDocument/2006/relationships" xmlns:p="http://schemas.openxmlformats.org/presentationml/2006/main" matchingName="Blank" type="blank">
   <p:cSld name="BLANK">
     <p:spTree>
       <p:nvGrpSpPr>
-        <p:cNvPr id="11" name="Shape 11"/>
+        <p:cNvPr id="1" name="Shape 11"/>
         <p:cNvGrpSpPr/>
         <p:nvPr/>
       </p:nvGrpSpPr>
@@ -953,9 +1119,11 @@
       <p:sp>
         <p:nvSpPr>
           <p:cNvPr id="12" name="Google Shape;12;p2"/>
-          <p:cNvSpPr txBox="1"/>
+          <p:cNvSpPr txBox="1">
+            <a:spLocks noGrp="1"/>
+          </p:cNvSpPr>
           <p:nvPr>
-            <p:ph idx="10" type="dt"/>
+            <p:ph type="dt" idx="10"/>
           </p:nvPr>
         </p:nvSpPr>
         <p:spPr>
@@ -972,7 +1140,7 @@
           </a:ln>
         </p:spPr>
         <p:txBody>
-          <a:bodyPr anchorCtr="0" anchor="ctr" bIns="45700" lIns="91425" spcFirstLastPara="1" rIns="91425" wrap="square" tIns="45700"/>
+          <a:bodyPr spcFirstLastPara="1" wrap="square" lIns="91425" tIns="45700" rIns="91425" bIns="45700" anchor="ctr" anchorCtr="0"/>
           <a:lstStyle>
             <a:lvl1pPr lvl="0" algn="l">
               <a:lnSpc>
@@ -1101,15 +1269,19 @@
               <a:defRPr/>
             </a:lvl9pPr>
           </a:lstStyle>
-          <a:p/>
+          <a:p>
+            <a:endParaRPr/>
+          </a:p>
         </p:txBody>
       </p:sp>
       <p:sp>
         <p:nvSpPr>
           <p:cNvPr id="13" name="Google Shape;13;p2"/>
-          <p:cNvSpPr txBox="1"/>
+          <p:cNvSpPr txBox="1">
+            <a:spLocks noGrp="1"/>
+          </p:cNvSpPr>
           <p:nvPr>
-            <p:ph idx="11" type="ftr"/>
+            <p:ph type="ftr" idx="11"/>
           </p:nvPr>
         </p:nvSpPr>
         <p:spPr>
@@ -1126,7 +1298,7 @@
           </a:ln>
         </p:spPr>
         <p:txBody>
-          <a:bodyPr anchorCtr="0" anchor="ctr" bIns="45700" lIns="91425" spcFirstLastPara="1" rIns="91425" wrap="square" tIns="45700"/>
+          <a:bodyPr spcFirstLastPara="1" wrap="square" lIns="91425" tIns="45700" rIns="91425" bIns="45700" anchor="ctr" anchorCtr="0"/>
           <a:lstStyle>
             <a:lvl1pPr lvl="0" algn="ctr">
               <a:lnSpc>
@@ -1255,15 +1427,19 @@
               <a:defRPr/>
             </a:lvl9pPr>
           </a:lstStyle>
-          <a:p/>
+          <a:p>
+            <a:endParaRPr/>
+          </a:p>
         </p:txBody>
       </p:sp>
       <p:sp>
         <p:nvSpPr>
           <p:cNvPr id="14" name="Google Shape;14;p2"/>
-          <p:cNvSpPr txBox="1"/>
+          <p:cNvSpPr txBox="1">
+            <a:spLocks noGrp="1"/>
+          </p:cNvSpPr>
           <p:nvPr>
-            <p:ph idx="12" type="sldNum"/>
+            <p:ph type="sldNum" idx="12"/>
           </p:nvPr>
         </p:nvSpPr>
         <p:spPr>
@@ -1280,11 +1456,11 @@
           </a:ln>
         </p:spPr>
         <p:txBody>
-          <a:bodyPr anchorCtr="0" anchor="ctr" bIns="45700" lIns="91425" spcFirstLastPara="1" rIns="91425" wrap="square" tIns="45700">
+          <a:bodyPr spcFirstLastPara="1" wrap="square" lIns="91425" tIns="45700" rIns="91425" bIns="45700" anchor="ctr" anchorCtr="0">
             <a:noAutofit/>
           </a:bodyPr>
           <a:lstStyle>
-            <a:lvl1pPr indent="0" lvl="0" marL="0" marR="0" algn="r">
+            <a:lvl1pPr marL="0" marR="0" lvl="0" indent="0" algn="r">
               <a:lnSpc>
                 <a:spcPct val="100000"/>
               </a:lnSpc>
@@ -1300,7 +1476,7 @@
               <a:buSzPts val="5760"/>
               <a:buFont typeface="Arial"/>
               <a:buNone/>
-              <a:defRPr b="0" i="0" sz="5760" u="none" cap="none" strike="noStrike">
+              <a:defRPr sz="5760" b="0" i="0" u="none" strike="noStrike" cap="none">
                 <a:solidFill>
                   <a:srgbClr val="888888"/>
                 </a:solidFill>
@@ -1310,7 +1486,7 @@
                 <a:sym typeface="Calibri"/>
               </a:defRPr>
             </a:lvl1pPr>
-            <a:lvl2pPr indent="0" lvl="1" marL="0" marR="0" algn="r">
+            <a:lvl2pPr marL="0" marR="0" lvl="1" indent="0" algn="r">
               <a:lnSpc>
                 <a:spcPct val="100000"/>
               </a:lnSpc>
@@ -1326,7 +1502,7 @@
               <a:buSzPts val="5760"/>
               <a:buFont typeface="Arial"/>
               <a:buNone/>
-              <a:defRPr b="0" i="0" sz="5760" u="none" cap="none" strike="noStrike">
+              <a:defRPr sz="5760" b="0" i="0" u="none" strike="noStrike" cap="none">
                 <a:solidFill>
                   <a:srgbClr val="888888"/>
                 </a:solidFill>
@@ -1336,7 +1512,7 @@
                 <a:sym typeface="Calibri"/>
               </a:defRPr>
             </a:lvl2pPr>
-            <a:lvl3pPr indent="0" lvl="2" marL="0" marR="0" algn="r">
+            <a:lvl3pPr marL="0" marR="0" lvl="2" indent="0" algn="r">
               <a:lnSpc>
                 <a:spcPct val="100000"/>
               </a:lnSpc>
@@ -1352,7 +1528,7 @@
               <a:buSzPts val="5760"/>
               <a:buFont typeface="Arial"/>
               <a:buNone/>
-              <a:defRPr b="0" i="0" sz="5760" u="none" cap="none" strike="noStrike">
+              <a:defRPr sz="5760" b="0" i="0" u="none" strike="noStrike" cap="none">
                 <a:solidFill>
                   <a:srgbClr val="888888"/>
                 </a:solidFill>
@@ -1362,7 +1538,7 @@
                 <a:sym typeface="Calibri"/>
               </a:defRPr>
             </a:lvl3pPr>
-            <a:lvl4pPr indent="0" lvl="3" marL="0" marR="0" algn="r">
+            <a:lvl4pPr marL="0" marR="0" lvl="3" indent="0" algn="r">
               <a:lnSpc>
                 <a:spcPct val="100000"/>
               </a:lnSpc>
@@ -1378,7 +1554,7 @@
               <a:buSzPts val="5760"/>
               <a:buFont typeface="Arial"/>
               <a:buNone/>
-              <a:defRPr b="0" i="0" sz="5760" u="none" cap="none" strike="noStrike">
+              <a:defRPr sz="5760" b="0" i="0" u="none" strike="noStrike" cap="none">
                 <a:solidFill>
                   <a:srgbClr val="888888"/>
                 </a:solidFill>
@@ -1388,7 +1564,7 @@
                 <a:sym typeface="Calibri"/>
               </a:defRPr>
             </a:lvl4pPr>
-            <a:lvl5pPr indent="0" lvl="4" marL="0" marR="0" algn="r">
+            <a:lvl5pPr marL="0" marR="0" lvl="4" indent="0" algn="r">
               <a:lnSpc>
                 <a:spcPct val="100000"/>
               </a:lnSpc>
@@ -1404,7 +1580,7 @@
               <a:buSzPts val="5760"/>
               <a:buFont typeface="Arial"/>
               <a:buNone/>
-              <a:defRPr b="0" i="0" sz="5760" u="none" cap="none" strike="noStrike">
+              <a:defRPr sz="5760" b="0" i="0" u="none" strike="noStrike" cap="none">
                 <a:solidFill>
                   <a:srgbClr val="888888"/>
                 </a:solidFill>
@@ -1414,7 +1590,7 @@
                 <a:sym typeface="Calibri"/>
               </a:defRPr>
             </a:lvl5pPr>
-            <a:lvl6pPr indent="0" lvl="5" marL="0" marR="0" algn="r">
+            <a:lvl6pPr marL="0" marR="0" lvl="5" indent="0" algn="r">
               <a:lnSpc>
                 <a:spcPct val="100000"/>
               </a:lnSpc>
@@ -1430,7 +1606,7 @@
               <a:buSzPts val="5760"/>
               <a:buFont typeface="Arial"/>
               <a:buNone/>
-              <a:defRPr b="0" i="0" sz="5760" u="none" cap="none" strike="noStrike">
+              <a:defRPr sz="5760" b="0" i="0" u="none" strike="noStrike" cap="none">
                 <a:solidFill>
                   <a:srgbClr val="888888"/>
                 </a:solidFill>
@@ -1440,7 +1616,7 @@
                 <a:sym typeface="Calibri"/>
               </a:defRPr>
             </a:lvl6pPr>
-            <a:lvl7pPr indent="0" lvl="6" marL="0" marR="0" algn="r">
+            <a:lvl7pPr marL="0" marR="0" lvl="6" indent="0" algn="r">
               <a:lnSpc>
                 <a:spcPct val="100000"/>
               </a:lnSpc>
@@ -1456,7 +1632,7 @@
               <a:buSzPts val="5760"/>
               <a:buFont typeface="Arial"/>
               <a:buNone/>
-              <a:defRPr b="0" i="0" sz="5760" u="none" cap="none" strike="noStrike">
+              <a:defRPr sz="5760" b="0" i="0" u="none" strike="noStrike" cap="none">
                 <a:solidFill>
                   <a:srgbClr val="888888"/>
                 </a:solidFill>
@@ -1466,7 +1642,7 @@
                 <a:sym typeface="Calibri"/>
               </a:defRPr>
             </a:lvl7pPr>
-            <a:lvl8pPr indent="0" lvl="7" marL="0" marR="0" algn="r">
+            <a:lvl8pPr marL="0" marR="0" lvl="7" indent="0" algn="r">
               <a:lnSpc>
                 <a:spcPct val="100000"/>
               </a:lnSpc>
@@ -1482,7 +1658,7 @@
               <a:buSzPts val="5760"/>
               <a:buFont typeface="Arial"/>
               <a:buNone/>
-              <a:defRPr b="0" i="0" sz="5760" u="none" cap="none" strike="noStrike">
+              <a:defRPr sz="5760" b="0" i="0" u="none" strike="noStrike" cap="none">
                 <a:solidFill>
                   <a:srgbClr val="888888"/>
                 </a:solidFill>
@@ -1492,7 +1668,7 @@
                 <a:sym typeface="Calibri"/>
               </a:defRPr>
             </a:lvl8pPr>
-            <a:lvl9pPr indent="0" lvl="8" marL="0" marR="0" algn="r">
+            <a:lvl9pPr marL="0" marR="0" lvl="8" indent="0" algn="r">
               <a:lnSpc>
                 <a:spcPct val="100000"/>
               </a:lnSpc>
@@ -1508,7 +1684,7 @@
               <a:buSzPts val="5760"/>
               <a:buFont typeface="Arial"/>
               <a:buNone/>
-              <a:defRPr b="0" i="0" sz="5760" u="none" cap="none" strike="noStrike">
+              <a:defRPr sz="5760" b="0" i="0" u="none" strike="noStrike" cap="none">
                 <a:solidFill>
                   <a:srgbClr val="888888"/>
                 </a:solidFill>
@@ -1520,7 +1696,7 @@
             </a:lvl9pPr>
           </a:lstStyle>
           <a:p>
-            <a:pPr indent="0" lvl="0" marL="0" rtl="0" algn="r">
+            <a:pPr marL="0" lvl="0" indent="0" algn="r" rtl="0">
               <a:spcBef>
                 <a:spcPts val="0"/>
               </a:spcBef>
@@ -1546,11 +1722,11 @@
 </file>
 
 <file path=ppt/slideLayouts/slideLayout10.xml><?xml version="1.0" encoding="utf-8"?>
-<p:sldLayout xmlns:a="http://schemas.openxmlformats.org/drawingml/2006/main" xmlns:r="http://schemas.openxmlformats.org/officeDocument/2006/relationships" xmlns:mc="http://schemas.openxmlformats.org/markup-compatibility/2006" xmlns:mv="urn:schemas-microsoft-com:mac:vml" xmlns:p="http://schemas.openxmlformats.org/presentationml/2006/main" xmlns:c="http://schemas.openxmlformats.org/drawingml/2006/chart" xmlns:dgm="http://schemas.openxmlformats.org/drawingml/2006/diagram" xmlns:o="urn:schemas-microsoft-com:office:office" xmlns:v="urn:schemas-microsoft-com:vml" xmlns:pvml="urn:schemas-microsoft-com:office:powerpoint" xmlns:com="http://schemas.openxmlformats.org/drawingml/2006/compatibility" xmlns:p14="http://schemas.microsoft.com/office/powerpoint/2010/main" xmlns:p15="http://schemas.microsoft.com/office/powerpoint/2012/main" matchingName="Title and Vertical Text" type="vertTx">
+<p:sldLayout xmlns:a="http://schemas.openxmlformats.org/drawingml/2006/main" xmlns:r="http://schemas.openxmlformats.org/officeDocument/2006/relationships" xmlns:p="http://schemas.openxmlformats.org/presentationml/2006/main" matchingName="Title and Vertical Text" type="vertTx">
   <p:cSld name="VERTICAL_TEXT">
     <p:spTree>
       <p:nvGrpSpPr>
-        <p:cNvPr id="68" name="Shape 68"/>
+        <p:cNvPr id="1" name="Shape 68"/>
         <p:cNvGrpSpPr/>
         <p:nvPr/>
       </p:nvGrpSpPr>
@@ -1565,7 +1741,9 @@
       <p:sp>
         <p:nvSpPr>
           <p:cNvPr id="69" name="Google Shape;69;p11"/>
-          <p:cNvSpPr txBox="1"/>
+          <p:cNvSpPr txBox="1">
+            <a:spLocks noGrp="1"/>
+          </p:cNvSpPr>
           <p:nvPr>
             <p:ph type="title"/>
           </p:nvPr>
@@ -1584,7 +1762,7 @@
           </a:ln>
         </p:spPr>
         <p:txBody>
-          <a:bodyPr anchorCtr="0" anchor="ctr" bIns="45700" lIns="91425" spcFirstLastPara="1" rIns="91425" wrap="square" tIns="45700"/>
+          <a:bodyPr spcFirstLastPara="1" wrap="square" lIns="91425" tIns="45700" rIns="91425" bIns="45700" anchor="ctr" anchorCtr="0"/>
           <a:lstStyle>
             <a:lvl1pPr lvl="0" algn="l">
               <a:lnSpc>
@@ -1716,15 +1894,19 @@
               <a:defRPr/>
             </a:lvl9pPr>
           </a:lstStyle>
-          <a:p/>
+          <a:p>
+            <a:endParaRPr/>
+          </a:p>
         </p:txBody>
       </p:sp>
       <p:sp>
         <p:nvSpPr>
           <p:cNvPr id="70" name="Google Shape;70;p11"/>
-          <p:cNvSpPr txBox="1"/>
+          <p:cNvSpPr txBox="1">
+            <a:spLocks noGrp="1"/>
+          </p:cNvSpPr>
           <p:nvPr>
-            <p:ph idx="1" type="body"/>
+            <p:ph type="body" idx="1"/>
           </p:nvPr>
         </p:nvSpPr>
         <p:spPr>
@@ -1741,9 +1923,9 @@
           </a:ln>
         </p:spPr>
         <p:txBody>
-          <a:bodyPr anchorCtr="0" anchor="t" bIns="45700" lIns="91425" spcFirstLastPara="1" rIns="91425" wrap="square" tIns="45700"/>
+          <a:bodyPr spcFirstLastPara="1" wrap="square" lIns="91425" tIns="45700" rIns="91425" bIns="45700" anchor="t" anchorCtr="0"/>
           <a:lstStyle>
-            <a:lvl1pPr indent="-342900" lvl="0" marL="457200" algn="l">
+            <a:lvl1pPr marL="457200" lvl="0" indent="-342900" algn="l">
               <a:lnSpc>
                 <a:spcPct val="90000"/>
               </a:lnSpc>
@@ -1760,7 +1942,7 @@
               <a:buChar char="•"/>
               <a:defRPr/>
             </a:lvl1pPr>
-            <a:lvl2pPr indent="-342900" lvl="1" marL="914400" algn="l">
+            <a:lvl2pPr marL="914400" lvl="1" indent="-342900" algn="l">
               <a:lnSpc>
                 <a:spcPct val="90000"/>
               </a:lnSpc>
@@ -1777,7 +1959,7 @@
               <a:buChar char="•"/>
               <a:defRPr/>
             </a:lvl2pPr>
-            <a:lvl3pPr indent="-342900" lvl="2" marL="1371600" algn="l">
+            <a:lvl3pPr marL="1371600" lvl="2" indent="-342900" algn="l">
               <a:lnSpc>
                 <a:spcPct val="90000"/>
               </a:lnSpc>
@@ -1794,7 +1976,7 @@
               <a:buChar char="•"/>
               <a:defRPr/>
             </a:lvl3pPr>
-            <a:lvl4pPr indent="-342900" lvl="3" marL="1828800" algn="l">
+            <a:lvl4pPr marL="1828800" lvl="3" indent="-342900" algn="l">
               <a:lnSpc>
                 <a:spcPct val="90000"/>
               </a:lnSpc>
@@ -1811,7 +1993,7 @@
               <a:buChar char="•"/>
               <a:defRPr/>
             </a:lvl4pPr>
-            <a:lvl5pPr indent="-342900" lvl="4" marL="2286000" algn="l">
+            <a:lvl5pPr marL="2286000" lvl="4" indent="-342900" algn="l">
               <a:lnSpc>
                 <a:spcPct val="90000"/>
               </a:lnSpc>
@@ -1828,7 +2010,7 @@
               <a:buChar char="•"/>
               <a:defRPr/>
             </a:lvl5pPr>
-            <a:lvl6pPr indent="-342900" lvl="5" marL="2743200" algn="l">
+            <a:lvl6pPr marL="2743200" lvl="5" indent="-342900" algn="l">
               <a:lnSpc>
                 <a:spcPct val="90000"/>
               </a:lnSpc>
@@ -1845,7 +2027,7 @@
               <a:buChar char="•"/>
               <a:defRPr/>
             </a:lvl6pPr>
-            <a:lvl7pPr indent="-342900" lvl="6" marL="3200400" algn="l">
+            <a:lvl7pPr marL="3200400" lvl="6" indent="-342900" algn="l">
               <a:lnSpc>
                 <a:spcPct val="90000"/>
               </a:lnSpc>
@@ -1862,7 +2044,7 @@
               <a:buChar char="•"/>
               <a:defRPr/>
             </a:lvl7pPr>
-            <a:lvl8pPr indent="-342900" lvl="7" marL="3657600" algn="l">
+            <a:lvl8pPr marL="3657600" lvl="7" indent="-342900" algn="l">
               <a:lnSpc>
                 <a:spcPct val="90000"/>
               </a:lnSpc>
@@ -1879,7 +2061,7 @@
               <a:buChar char="•"/>
               <a:defRPr/>
             </a:lvl8pPr>
-            <a:lvl9pPr indent="-342900" lvl="8" marL="4114800" algn="l">
+            <a:lvl9pPr marL="4114800" lvl="8" indent="-342900" algn="l">
               <a:lnSpc>
                 <a:spcPct val="90000"/>
               </a:lnSpc>
@@ -1897,15 +2079,19 @@
               <a:defRPr/>
             </a:lvl9pPr>
           </a:lstStyle>
-          <a:p/>
+          <a:p>
+            <a:endParaRPr/>
+          </a:p>
         </p:txBody>
       </p:sp>
       <p:sp>
         <p:nvSpPr>
           <p:cNvPr id="71" name="Google Shape;71;p11"/>
-          <p:cNvSpPr txBox="1"/>
+          <p:cNvSpPr txBox="1">
+            <a:spLocks noGrp="1"/>
+          </p:cNvSpPr>
           <p:nvPr>
-            <p:ph idx="10" type="dt"/>
+            <p:ph type="dt" idx="10"/>
           </p:nvPr>
         </p:nvSpPr>
         <p:spPr>
@@ -1922,7 +2108,7 @@
           </a:ln>
         </p:spPr>
         <p:txBody>
-          <a:bodyPr anchorCtr="0" anchor="ctr" bIns="45700" lIns="91425" spcFirstLastPara="1" rIns="91425" wrap="square" tIns="45700"/>
+          <a:bodyPr spcFirstLastPara="1" wrap="square" lIns="91425" tIns="45700" rIns="91425" bIns="45700" anchor="ctr" anchorCtr="0"/>
           <a:lstStyle>
             <a:lvl1pPr lvl="0" algn="l">
               <a:lnSpc>
@@ -2051,15 +2237,19 @@
               <a:defRPr/>
             </a:lvl9pPr>
           </a:lstStyle>
-          <a:p/>
+          <a:p>
+            <a:endParaRPr/>
+          </a:p>
         </p:txBody>
       </p:sp>
       <p:sp>
         <p:nvSpPr>
           <p:cNvPr id="72" name="Google Shape;72;p11"/>
-          <p:cNvSpPr txBox="1"/>
+          <p:cNvSpPr txBox="1">
+            <a:spLocks noGrp="1"/>
+          </p:cNvSpPr>
           <p:nvPr>
-            <p:ph idx="11" type="ftr"/>
+            <p:ph type="ftr" idx="11"/>
           </p:nvPr>
         </p:nvSpPr>
         <p:spPr>
@@ -2076,7 +2266,7 @@
           </a:ln>
         </p:spPr>
         <p:txBody>
-          <a:bodyPr anchorCtr="0" anchor="ctr" bIns="45700" lIns="91425" spcFirstLastPara="1" rIns="91425" wrap="square" tIns="45700"/>
+          <a:bodyPr spcFirstLastPara="1" wrap="square" lIns="91425" tIns="45700" rIns="91425" bIns="45700" anchor="ctr" anchorCtr="0"/>
           <a:lstStyle>
             <a:lvl1pPr lvl="0" algn="ctr">
               <a:lnSpc>
@@ -2205,15 +2395,19 @@
               <a:defRPr/>
             </a:lvl9pPr>
           </a:lstStyle>
-          <a:p/>
+          <a:p>
+            <a:endParaRPr/>
+          </a:p>
         </p:txBody>
       </p:sp>
       <p:sp>
         <p:nvSpPr>
           <p:cNvPr id="73" name="Google Shape;73;p11"/>
-          <p:cNvSpPr txBox="1"/>
+          <p:cNvSpPr txBox="1">
+            <a:spLocks noGrp="1"/>
+          </p:cNvSpPr>
           <p:nvPr>
-            <p:ph idx="12" type="sldNum"/>
+            <p:ph type="sldNum" idx="12"/>
           </p:nvPr>
         </p:nvSpPr>
         <p:spPr>
@@ -2230,11 +2424,11 @@
           </a:ln>
         </p:spPr>
         <p:txBody>
-          <a:bodyPr anchorCtr="0" anchor="ctr" bIns="45700" lIns="91425" spcFirstLastPara="1" rIns="91425" wrap="square" tIns="45700">
+          <a:bodyPr spcFirstLastPara="1" wrap="square" lIns="91425" tIns="45700" rIns="91425" bIns="45700" anchor="ctr" anchorCtr="0">
             <a:noAutofit/>
           </a:bodyPr>
           <a:lstStyle>
-            <a:lvl1pPr indent="0" lvl="0" marL="0" marR="0" algn="r">
+            <a:lvl1pPr marL="0" marR="0" lvl="0" indent="0" algn="r">
               <a:lnSpc>
                 <a:spcPct val="100000"/>
               </a:lnSpc>
@@ -2250,7 +2444,7 @@
               <a:buSzPts val="5760"/>
               <a:buFont typeface="Arial"/>
               <a:buNone/>
-              <a:defRPr b="0" i="0" sz="5760" u="none" cap="none" strike="noStrike">
+              <a:defRPr sz="5760" b="0" i="0" u="none" strike="noStrike" cap="none">
                 <a:solidFill>
                   <a:srgbClr val="888888"/>
                 </a:solidFill>
@@ -2260,7 +2454,7 @@
                 <a:sym typeface="Calibri"/>
               </a:defRPr>
             </a:lvl1pPr>
-            <a:lvl2pPr indent="0" lvl="1" marL="0" marR="0" algn="r">
+            <a:lvl2pPr marL="0" marR="0" lvl="1" indent="0" algn="r">
               <a:lnSpc>
                 <a:spcPct val="100000"/>
               </a:lnSpc>
@@ -2276,7 +2470,7 @@
               <a:buSzPts val="5760"/>
               <a:buFont typeface="Arial"/>
               <a:buNone/>
-              <a:defRPr b="0" i="0" sz="5760" u="none" cap="none" strike="noStrike">
+              <a:defRPr sz="5760" b="0" i="0" u="none" strike="noStrike" cap="none">
                 <a:solidFill>
                   <a:srgbClr val="888888"/>
                 </a:solidFill>
@@ -2286,7 +2480,7 @@
                 <a:sym typeface="Calibri"/>
               </a:defRPr>
             </a:lvl2pPr>
-            <a:lvl3pPr indent="0" lvl="2" marL="0" marR="0" algn="r">
+            <a:lvl3pPr marL="0" marR="0" lvl="2" indent="0" algn="r">
               <a:lnSpc>
                 <a:spcPct val="100000"/>
               </a:lnSpc>
@@ -2302,7 +2496,7 @@
               <a:buSzPts val="5760"/>
               <a:buFont typeface="Arial"/>
               <a:buNone/>
-              <a:defRPr b="0" i="0" sz="5760" u="none" cap="none" strike="noStrike">
+              <a:defRPr sz="5760" b="0" i="0" u="none" strike="noStrike" cap="none">
                 <a:solidFill>
                   <a:srgbClr val="888888"/>
                 </a:solidFill>
@@ -2312,7 +2506,7 @@
                 <a:sym typeface="Calibri"/>
               </a:defRPr>
             </a:lvl3pPr>
-            <a:lvl4pPr indent="0" lvl="3" marL="0" marR="0" algn="r">
+            <a:lvl4pPr marL="0" marR="0" lvl="3" indent="0" algn="r">
               <a:lnSpc>
                 <a:spcPct val="100000"/>
               </a:lnSpc>
@@ -2328,7 +2522,7 @@
               <a:buSzPts val="5760"/>
               <a:buFont typeface="Arial"/>
               <a:buNone/>
-              <a:defRPr b="0" i="0" sz="5760" u="none" cap="none" strike="noStrike">
+              <a:defRPr sz="5760" b="0" i="0" u="none" strike="noStrike" cap="none">
                 <a:solidFill>
                   <a:srgbClr val="888888"/>
                 </a:solidFill>
@@ -2338,7 +2532,7 @@
                 <a:sym typeface="Calibri"/>
               </a:defRPr>
             </a:lvl4pPr>
-            <a:lvl5pPr indent="0" lvl="4" marL="0" marR="0" algn="r">
+            <a:lvl5pPr marL="0" marR="0" lvl="4" indent="0" algn="r">
               <a:lnSpc>
                 <a:spcPct val="100000"/>
               </a:lnSpc>
@@ -2354,7 +2548,7 @@
               <a:buSzPts val="5760"/>
               <a:buFont typeface="Arial"/>
               <a:buNone/>
-              <a:defRPr b="0" i="0" sz="5760" u="none" cap="none" strike="noStrike">
+              <a:defRPr sz="5760" b="0" i="0" u="none" strike="noStrike" cap="none">
                 <a:solidFill>
                   <a:srgbClr val="888888"/>
                 </a:solidFill>
@@ -2364,7 +2558,7 @@
                 <a:sym typeface="Calibri"/>
               </a:defRPr>
             </a:lvl5pPr>
-            <a:lvl6pPr indent="0" lvl="5" marL="0" marR="0" algn="r">
+            <a:lvl6pPr marL="0" marR="0" lvl="5" indent="0" algn="r">
               <a:lnSpc>
                 <a:spcPct val="100000"/>
               </a:lnSpc>
@@ -2380,7 +2574,7 @@
               <a:buSzPts val="5760"/>
               <a:buFont typeface="Arial"/>
               <a:buNone/>
-              <a:defRPr b="0" i="0" sz="5760" u="none" cap="none" strike="noStrike">
+              <a:defRPr sz="5760" b="0" i="0" u="none" strike="noStrike" cap="none">
                 <a:solidFill>
                   <a:srgbClr val="888888"/>
                 </a:solidFill>
@@ -2390,7 +2584,7 @@
                 <a:sym typeface="Calibri"/>
               </a:defRPr>
             </a:lvl6pPr>
-            <a:lvl7pPr indent="0" lvl="6" marL="0" marR="0" algn="r">
+            <a:lvl7pPr marL="0" marR="0" lvl="6" indent="0" algn="r">
               <a:lnSpc>
                 <a:spcPct val="100000"/>
               </a:lnSpc>
@@ -2406,7 +2600,7 @@
               <a:buSzPts val="5760"/>
               <a:buFont typeface="Arial"/>
               <a:buNone/>
-              <a:defRPr b="0" i="0" sz="5760" u="none" cap="none" strike="noStrike">
+              <a:defRPr sz="5760" b="0" i="0" u="none" strike="noStrike" cap="none">
                 <a:solidFill>
                   <a:srgbClr val="888888"/>
                 </a:solidFill>
@@ -2416,7 +2610,7 @@
                 <a:sym typeface="Calibri"/>
               </a:defRPr>
             </a:lvl7pPr>
-            <a:lvl8pPr indent="0" lvl="7" marL="0" marR="0" algn="r">
+            <a:lvl8pPr marL="0" marR="0" lvl="7" indent="0" algn="r">
               <a:lnSpc>
                 <a:spcPct val="100000"/>
               </a:lnSpc>
@@ -2432,7 +2626,7 @@
               <a:buSzPts val="5760"/>
               <a:buFont typeface="Arial"/>
               <a:buNone/>
-              <a:defRPr b="0" i="0" sz="5760" u="none" cap="none" strike="noStrike">
+              <a:defRPr sz="5760" b="0" i="0" u="none" strike="noStrike" cap="none">
                 <a:solidFill>
                   <a:srgbClr val="888888"/>
                 </a:solidFill>
@@ -2442,7 +2636,7 @@
                 <a:sym typeface="Calibri"/>
               </a:defRPr>
             </a:lvl8pPr>
-            <a:lvl9pPr indent="0" lvl="8" marL="0" marR="0" algn="r">
+            <a:lvl9pPr marL="0" marR="0" lvl="8" indent="0" algn="r">
               <a:lnSpc>
                 <a:spcPct val="100000"/>
               </a:lnSpc>
@@ -2458,7 +2652,7 @@
               <a:buSzPts val="5760"/>
               <a:buFont typeface="Arial"/>
               <a:buNone/>
-              <a:defRPr b="0" i="0" sz="5760" u="none" cap="none" strike="noStrike">
+              <a:defRPr sz="5760" b="0" i="0" u="none" strike="noStrike" cap="none">
                 <a:solidFill>
                   <a:srgbClr val="888888"/>
                 </a:solidFill>
@@ -2470,7 +2664,7 @@
             </a:lvl9pPr>
           </a:lstStyle>
           <a:p>
-            <a:pPr indent="0" lvl="0" marL="0" rtl="0" algn="r">
+            <a:pPr marL="0" lvl="0" indent="0" algn="r" rtl="0">
               <a:spcBef>
                 <a:spcPts val="0"/>
               </a:spcBef>
@@ -2496,11 +2690,11 @@
 </file>
 
 <file path=ppt/slideLayouts/slideLayout11.xml><?xml version="1.0" encoding="utf-8"?>
-<p:sldLayout xmlns:a="http://schemas.openxmlformats.org/drawingml/2006/main" xmlns:r="http://schemas.openxmlformats.org/officeDocument/2006/relationships" xmlns:mc="http://schemas.openxmlformats.org/markup-compatibility/2006" xmlns:mv="urn:schemas-microsoft-com:mac:vml" xmlns:p="http://schemas.openxmlformats.org/presentationml/2006/main" xmlns:c="http://schemas.openxmlformats.org/drawingml/2006/chart" xmlns:dgm="http://schemas.openxmlformats.org/drawingml/2006/diagram" xmlns:o="urn:schemas-microsoft-com:office:office" xmlns:v="urn:schemas-microsoft-com:vml" xmlns:pvml="urn:schemas-microsoft-com:office:powerpoint" xmlns:com="http://schemas.openxmlformats.org/drawingml/2006/compatibility" xmlns:p14="http://schemas.microsoft.com/office/powerpoint/2010/main" xmlns:p15="http://schemas.microsoft.com/office/powerpoint/2012/main" matchingName="Vertical Title and Text" type="vertTitleAndTx">
+<p:sldLayout xmlns:a="http://schemas.openxmlformats.org/drawingml/2006/main" xmlns:r="http://schemas.openxmlformats.org/officeDocument/2006/relationships" xmlns:p="http://schemas.openxmlformats.org/presentationml/2006/main" matchingName="Vertical Title and Text" type="vertTitleAndTx">
   <p:cSld name="VERTICAL_TITLE_AND_VERTICAL_TEXT">
     <p:spTree>
       <p:nvGrpSpPr>
-        <p:cNvPr id="74" name="Shape 74"/>
+        <p:cNvPr id="1" name="Shape 74"/>
         <p:cNvGrpSpPr/>
         <p:nvPr/>
       </p:nvGrpSpPr>
@@ -2515,7 +2709,9 @@
       <p:sp>
         <p:nvSpPr>
           <p:cNvPr id="75" name="Google Shape;75;p12"/>
-          <p:cNvSpPr txBox="1"/>
+          <p:cNvSpPr txBox="1">
+            <a:spLocks noGrp="1"/>
+          </p:cNvSpPr>
           <p:nvPr>
             <p:ph type="title"/>
           </p:nvPr>
@@ -2534,7 +2730,7 @@
           </a:ln>
         </p:spPr>
         <p:txBody>
-          <a:bodyPr anchorCtr="0" anchor="ctr" bIns="45700" lIns="91425" spcFirstLastPara="1" rIns="91425" wrap="square" tIns="45700"/>
+          <a:bodyPr spcFirstLastPara="1" wrap="square" lIns="91425" tIns="45700" rIns="91425" bIns="45700" anchor="ctr" anchorCtr="0"/>
           <a:lstStyle>
             <a:lvl1pPr lvl="0" algn="l">
               <a:lnSpc>
@@ -2666,15 +2862,19 @@
               <a:defRPr/>
             </a:lvl9pPr>
           </a:lstStyle>
-          <a:p/>
+          <a:p>
+            <a:endParaRPr/>
+          </a:p>
         </p:txBody>
       </p:sp>
       <p:sp>
         <p:nvSpPr>
           <p:cNvPr id="76" name="Google Shape;76;p12"/>
-          <p:cNvSpPr txBox="1"/>
+          <p:cNvSpPr txBox="1">
+            <a:spLocks noGrp="1"/>
+          </p:cNvSpPr>
           <p:nvPr>
-            <p:ph idx="1" type="body"/>
+            <p:ph type="body" idx="1"/>
           </p:nvPr>
         </p:nvSpPr>
         <p:spPr>
@@ -2691,9 +2891,9 @@
           </a:ln>
         </p:spPr>
         <p:txBody>
-          <a:bodyPr anchorCtr="0" anchor="t" bIns="45700" lIns="91425" spcFirstLastPara="1" rIns="91425" wrap="square" tIns="45700"/>
+          <a:bodyPr spcFirstLastPara="1" wrap="square" lIns="91425" tIns="45700" rIns="91425" bIns="45700" anchor="t" anchorCtr="0"/>
           <a:lstStyle>
-            <a:lvl1pPr indent="-342900" lvl="0" marL="457200" algn="l">
+            <a:lvl1pPr marL="457200" lvl="0" indent="-342900" algn="l">
               <a:lnSpc>
                 <a:spcPct val="90000"/>
               </a:lnSpc>
@@ -2710,7 +2910,7 @@
               <a:buChar char="•"/>
               <a:defRPr/>
             </a:lvl1pPr>
-            <a:lvl2pPr indent="-342900" lvl="1" marL="914400" algn="l">
+            <a:lvl2pPr marL="914400" lvl="1" indent="-342900" algn="l">
               <a:lnSpc>
                 <a:spcPct val="90000"/>
               </a:lnSpc>
@@ -2727,7 +2927,7 @@
               <a:buChar char="•"/>
               <a:defRPr/>
             </a:lvl2pPr>
-            <a:lvl3pPr indent="-342900" lvl="2" marL="1371600" algn="l">
+            <a:lvl3pPr marL="1371600" lvl="2" indent="-342900" algn="l">
               <a:lnSpc>
                 <a:spcPct val="90000"/>
               </a:lnSpc>
@@ -2744,7 +2944,7 @@
               <a:buChar char="•"/>
               <a:defRPr/>
             </a:lvl3pPr>
-            <a:lvl4pPr indent="-342900" lvl="3" marL="1828800" algn="l">
+            <a:lvl4pPr marL="1828800" lvl="3" indent="-342900" algn="l">
               <a:lnSpc>
                 <a:spcPct val="90000"/>
               </a:lnSpc>
@@ -2761,7 +2961,7 @@
               <a:buChar char="•"/>
               <a:defRPr/>
             </a:lvl4pPr>
-            <a:lvl5pPr indent="-342900" lvl="4" marL="2286000" algn="l">
+            <a:lvl5pPr marL="2286000" lvl="4" indent="-342900" algn="l">
               <a:lnSpc>
                 <a:spcPct val="90000"/>
               </a:lnSpc>
@@ -2778,7 +2978,7 @@
               <a:buChar char="•"/>
               <a:defRPr/>
             </a:lvl5pPr>
-            <a:lvl6pPr indent="-342900" lvl="5" marL="2743200" algn="l">
+            <a:lvl6pPr marL="2743200" lvl="5" indent="-342900" algn="l">
               <a:lnSpc>
                 <a:spcPct val="90000"/>
               </a:lnSpc>
@@ -2795,7 +2995,7 @@
               <a:buChar char="•"/>
               <a:defRPr/>
             </a:lvl6pPr>
-            <a:lvl7pPr indent="-342900" lvl="6" marL="3200400" algn="l">
+            <a:lvl7pPr marL="3200400" lvl="6" indent="-342900" algn="l">
               <a:lnSpc>
                 <a:spcPct val="90000"/>
               </a:lnSpc>
@@ -2812,7 +3012,7 @@
               <a:buChar char="•"/>
               <a:defRPr/>
             </a:lvl7pPr>
-            <a:lvl8pPr indent="-342900" lvl="7" marL="3657600" algn="l">
+            <a:lvl8pPr marL="3657600" lvl="7" indent="-342900" algn="l">
               <a:lnSpc>
                 <a:spcPct val="90000"/>
               </a:lnSpc>
@@ -2829,7 +3029,7 @@
               <a:buChar char="•"/>
               <a:defRPr/>
             </a:lvl8pPr>
-            <a:lvl9pPr indent="-342900" lvl="8" marL="4114800" algn="l">
+            <a:lvl9pPr marL="4114800" lvl="8" indent="-342900" algn="l">
               <a:lnSpc>
                 <a:spcPct val="90000"/>
               </a:lnSpc>
@@ -2847,15 +3047,19 @@
               <a:defRPr/>
             </a:lvl9pPr>
           </a:lstStyle>
-          <a:p/>
+          <a:p>
+            <a:endParaRPr/>
+          </a:p>
         </p:txBody>
       </p:sp>
       <p:sp>
         <p:nvSpPr>
           <p:cNvPr id="77" name="Google Shape;77;p12"/>
-          <p:cNvSpPr txBox="1"/>
+          <p:cNvSpPr txBox="1">
+            <a:spLocks noGrp="1"/>
+          </p:cNvSpPr>
           <p:nvPr>
-            <p:ph idx="10" type="dt"/>
+            <p:ph type="dt" idx="10"/>
           </p:nvPr>
         </p:nvSpPr>
         <p:spPr>
@@ -2872,7 +3076,7 @@
           </a:ln>
         </p:spPr>
         <p:txBody>
-          <a:bodyPr anchorCtr="0" anchor="ctr" bIns="45700" lIns="91425" spcFirstLastPara="1" rIns="91425" wrap="square" tIns="45700"/>
+          <a:bodyPr spcFirstLastPara="1" wrap="square" lIns="91425" tIns="45700" rIns="91425" bIns="45700" anchor="ctr" anchorCtr="0"/>
           <a:lstStyle>
             <a:lvl1pPr lvl="0" algn="l">
               <a:lnSpc>
@@ -3001,15 +3205,19 @@
               <a:defRPr/>
             </a:lvl9pPr>
           </a:lstStyle>
-          <a:p/>
+          <a:p>
+            <a:endParaRPr/>
+          </a:p>
         </p:txBody>
       </p:sp>
       <p:sp>
         <p:nvSpPr>
           <p:cNvPr id="78" name="Google Shape;78;p12"/>
-          <p:cNvSpPr txBox="1"/>
+          <p:cNvSpPr txBox="1">
+            <a:spLocks noGrp="1"/>
+          </p:cNvSpPr>
           <p:nvPr>
-            <p:ph idx="11" type="ftr"/>
+            <p:ph type="ftr" idx="11"/>
           </p:nvPr>
         </p:nvSpPr>
         <p:spPr>
@@ -3026,7 +3234,7 @@
           </a:ln>
         </p:spPr>
         <p:txBody>
-          <a:bodyPr anchorCtr="0" anchor="ctr" bIns="45700" lIns="91425" spcFirstLastPara="1" rIns="91425" wrap="square" tIns="45700"/>
+          <a:bodyPr spcFirstLastPara="1" wrap="square" lIns="91425" tIns="45700" rIns="91425" bIns="45700" anchor="ctr" anchorCtr="0"/>
           <a:lstStyle>
             <a:lvl1pPr lvl="0" algn="ctr">
               <a:lnSpc>
@@ -3155,15 +3363,19 @@
               <a:defRPr/>
             </a:lvl9pPr>
           </a:lstStyle>
-          <a:p/>
+          <a:p>
+            <a:endParaRPr/>
+          </a:p>
         </p:txBody>
       </p:sp>
       <p:sp>
         <p:nvSpPr>
           <p:cNvPr id="79" name="Google Shape;79;p12"/>
-          <p:cNvSpPr txBox="1"/>
+          <p:cNvSpPr txBox="1">
+            <a:spLocks noGrp="1"/>
+          </p:cNvSpPr>
           <p:nvPr>
-            <p:ph idx="12" type="sldNum"/>
+            <p:ph type="sldNum" idx="12"/>
           </p:nvPr>
         </p:nvSpPr>
         <p:spPr>
@@ -3180,11 +3392,11 @@
           </a:ln>
         </p:spPr>
         <p:txBody>
-          <a:bodyPr anchorCtr="0" anchor="ctr" bIns="45700" lIns="91425" spcFirstLastPara="1" rIns="91425" wrap="square" tIns="45700">
+          <a:bodyPr spcFirstLastPara="1" wrap="square" lIns="91425" tIns="45700" rIns="91425" bIns="45700" anchor="ctr" anchorCtr="0">
             <a:noAutofit/>
           </a:bodyPr>
           <a:lstStyle>
-            <a:lvl1pPr indent="0" lvl="0" marL="0" marR="0" algn="r">
+            <a:lvl1pPr marL="0" marR="0" lvl="0" indent="0" algn="r">
               <a:lnSpc>
                 <a:spcPct val="100000"/>
               </a:lnSpc>
@@ -3200,7 +3412,7 @@
               <a:buSzPts val="5760"/>
               <a:buFont typeface="Arial"/>
               <a:buNone/>
-              <a:defRPr b="0" i="0" sz="5760" u="none" cap="none" strike="noStrike">
+              <a:defRPr sz="5760" b="0" i="0" u="none" strike="noStrike" cap="none">
                 <a:solidFill>
                   <a:srgbClr val="888888"/>
                 </a:solidFill>
@@ -3210,7 +3422,7 @@
                 <a:sym typeface="Calibri"/>
               </a:defRPr>
             </a:lvl1pPr>
-            <a:lvl2pPr indent="0" lvl="1" marL="0" marR="0" algn="r">
+            <a:lvl2pPr marL="0" marR="0" lvl="1" indent="0" algn="r">
               <a:lnSpc>
                 <a:spcPct val="100000"/>
               </a:lnSpc>
@@ -3226,7 +3438,7 @@
               <a:buSzPts val="5760"/>
               <a:buFont typeface="Arial"/>
               <a:buNone/>
-              <a:defRPr b="0" i="0" sz="5760" u="none" cap="none" strike="noStrike">
+              <a:defRPr sz="5760" b="0" i="0" u="none" strike="noStrike" cap="none">
                 <a:solidFill>
                   <a:srgbClr val="888888"/>
                 </a:solidFill>
@@ -3236,7 +3448,7 @@
                 <a:sym typeface="Calibri"/>
               </a:defRPr>
             </a:lvl2pPr>
-            <a:lvl3pPr indent="0" lvl="2" marL="0" marR="0" algn="r">
+            <a:lvl3pPr marL="0" marR="0" lvl="2" indent="0" algn="r">
               <a:lnSpc>
                 <a:spcPct val="100000"/>
               </a:lnSpc>
@@ -3252,7 +3464,7 @@
               <a:buSzPts val="5760"/>
               <a:buFont typeface="Arial"/>
               <a:buNone/>
-              <a:defRPr b="0" i="0" sz="5760" u="none" cap="none" strike="noStrike">
+              <a:defRPr sz="5760" b="0" i="0" u="none" strike="noStrike" cap="none">
                 <a:solidFill>
                   <a:srgbClr val="888888"/>
                 </a:solidFill>
@@ -3262,7 +3474,7 @@
                 <a:sym typeface="Calibri"/>
               </a:defRPr>
             </a:lvl3pPr>
-            <a:lvl4pPr indent="0" lvl="3" marL="0" marR="0" algn="r">
+            <a:lvl4pPr marL="0" marR="0" lvl="3" indent="0" algn="r">
               <a:lnSpc>
                 <a:spcPct val="100000"/>
               </a:lnSpc>
@@ -3278,7 +3490,7 @@
               <a:buSzPts val="5760"/>
               <a:buFont typeface="Arial"/>
               <a:buNone/>
-              <a:defRPr b="0" i="0" sz="5760" u="none" cap="none" strike="noStrike">
+              <a:defRPr sz="5760" b="0" i="0" u="none" strike="noStrike" cap="none">
                 <a:solidFill>
                   <a:srgbClr val="888888"/>
                 </a:solidFill>
@@ -3288,7 +3500,7 @@
                 <a:sym typeface="Calibri"/>
               </a:defRPr>
             </a:lvl4pPr>
-            <a:lvl5pPr indent="0" lvl="4" marL="0" marR="0" algn="r">
+            <a:lvl5pPr marL="0" marR="0" lvl="4" indent="0" algn="r">
               <a:lnSpc>
                 <a:spcPct val="100000"/>
               </a:lnSpc>
@@ -3304,7 +3516,7 @@
               <a:buSzPts val="5760"/>
               <a:buFont typeface="Arial"/>
               <a:buNone/>
-              <a:defRPr b="0" i="0" sz="5760" u="none" cap="none" strike="noStrike">
+              <a:defRPr sz="5760" b="0" i="0" u="none" strike="noStrike" cap="none">
                 <a:solidFill>
                   <a:srgbClr val="888888"/>
                 </a:solidFill>
@@ -3314,7 +3526,7 @@
                 <a:sym typeface="Calibri"/>
               </a:defRPr>
             </a:lvl5pPr>
-            <a:lvl6pPr indent="0" lvl="5" marL="0" marR="0" algn="r">
+            <a:lvl6pPr marL="0" marR="0" lvl="5" indent="0" algn="r">
               <a:lnSpc>
                 <a:spcPct val="100000"/>
               </a:lnSpc>
@@ -3330,7 +3542,7 @@
               <a:buSzPts val="5760"/>
               <a:buFont typeface="Arial"/>
               <a:buNone/>
-              <a:defRPr b="0" i="0" sz="5760" u="none" cap="none" strike="noStrike">
+              <a:defRPr sz="5760" b="0" i="0" u="none" strike="noStrike" cap="none">
                 <a:solidFill>
                   <a:srgbClr val="888888"/>
                 </a:solidFill>
@@ -3340,7 +3552,7 @@
                 <a:sym typeface="Calibri"/>
               </a:defRPr>
             </a:lvl6pPr>
-            <a:lvl7pPr indent="0" lvl="6" marL="0" marR="0" algn="r">
+            <a:lvl7pPr marL="0" marR="0" lvl="6" indent="0" algn="r">
               <a:lnSpc>
                 <a:spcPct val="100000"/>
               </a:lnSpc>
@@ -3356,7 +3568,7 @@
               <a:buSzPts val="5760"/>
               <a:buFont typeface="Arial"/>
               <a:buNone/>
-              <a:defRPr b="0" i="0" sz="5760" u="none" cap="none" strike="noStrike">
+              <a:defRPr sz="5760" b="0" i="0" u="none" strike="noStrike" cap="none">
                 <a:solidFill>
                   <a:srgbClr val="888888"/>
                 </a:solidFill>
@@ -3366,7 +3578,7 @@
                 <a:sym typeface="Calibri"/>
               </a:defRPr>
             </a:lvl7pPr>
-            <a:lvl8pPr indent="0" lvl="7" marL="0" marR="0" algn="r">
+            <a:lvl8pPr marL="0" marR="0" lvl="7" indent="0" algn="r">
               <a:lnSpc>
                 <a:spcPct val="100000"/>
               </a:lnSpc>
@@ -3382,7 +3594,7 @@
               <a:buSzPts val="5760"/>
               <a:buFont typeface="Arial"/>
               <a:buNone/>
-              <a:defRPr b="0" i="0" sz="5760" u="none" cap="none" strike="noStrike">
+              <a:defRPr sz="5760" b="0" i="0" u="none" strike="noStrike" cap="none">
                 <a:solidFill>
                   <a:srgbClr val="888888"/>
                 </a:solidFill>
@@ -3392,7 +3604,7 @@
                 <a:sym typeface="Calibri"/>
               </a:defRPr>
             </a:lvl8pPr>
-            <a:lvl9pPr indent="0" lvl="8" marL="0" marR="0" algn="r">
+            <a:lvl9pPr marL="0" marR="0" lvl="8" indent="0" algn="r">
               <a:lnSpc>
                 <a:spcPct val="100000"/>
               </a:lnSpc>
@@ -3408,7 +3620,7 @@
               <a:buSzPts val="5760"/>
               <a:buFont typeface="Arial"/>
               <a:buNone/>
-              <a:defRPr b="0" i="0" sz="5760" u="none" cap="none" strike="noStrike">
+              <a:defRPr sz="5760" b="0" i="0" u="none" strike="noStrike" cap="none">
                 <a:solidFill>
                   <a:srgbClr val="888888"/>
                 </a:solidFill>
@@ -3420,7 +3632,7 @@
             </a:lvl9pPr>
           </a:lstStyle>
           <a:p>
-            <a:pPr indent="0" lvl="0" marL="0" rtl="0" algn="r">
+            <a:pPr marL="0" lvl="0" indent="0" algn="r" rtl="0">
               <a:spcBef>
                 <a:spcPts val="0"/>
               </a:spcBef>
@@ -3446,11 +3658,11 @@
 </file>
 
 <file path=ppt/slideLayouts/slideLayout2.xml><?xml version="1.0" encoding="utf-8"?>
-<p:sldLayout xmlns:a="http://schemas.openxmlformats.org/drawingml/2006/main" xmlns:r="http://schemas.openxmlformats.org/officeDocument/2006/relationships" xmlns:mc="http://schemas.openxmlformats.org/markup-compatibility/2006" xmlns:mv="urn:schemas-microsoft-com:mac:vml" xmlns:p="http://schemas.openxmlformats.org/presentationml/2006/main" xmlns:c="http://schemas.openxmlformats.org/drawingml/2006/chart" xmlns:dgm="http://schemas.openxmlformats.org/drawingml/2006/diagram" xmlns:o="urn:schemas-microsoft-com:office:office" xmlns:v="urn:schemas-microsoft-com:vml" xmlns:pvml="urn:schemas-microsoft-com:office:powerpoint" xmlns:com="http://schemas.openxmlformats.org/drawingml/2006/compatibility" xmlns:p14="http://schemas.microsoft.com/office/powerpoint/2010/main" xmlns:p15="http://schemas.microsoft.com/office/powerpoint/2012/main" matchingName="Title Slide" type="title">
+<p:sldLayout xmlns:a="http://schemas.openxmlformats.org/drawingml/2006/main" xmlns:r="http://schemas.openxmlformats.org/officeDocument/2006/relationships" xmlns:p="http://schemas.openxmlformats.org/presentationml/2006/main" matchingName="Title Slide" type="title">
   <p:cSld name="TITLE">
     <p:spTree>
       <p:nvGrpSpPr>
-        <p:cNvPr id="15" name="Shape 15"/>
+        <p:cNvPr id="1" name="Shape 15"/>
         <p:cNvGrpSpPr/>
         <p:nvPr/>
       </p:nvGrpSpPr>
@@ -3465,7 +3677,9 @@
       <p:sp>
         <p:nvSpPr>
           <p:cNvPr id="16" name="Google Shape;16;p3"/>
-          <p:cNvSpPr txBox="1"/>
+          <p:cNvSpPr txBox="1">
+            <a:spLocks noGrp="1"/>
+          </p:cNvSpPr>
           <p:nvPr>
             <p:ph type="ctrTitle"/>
           </p:nvPr>
@@ -3484,7 +3698,7 @@
           </a:ln>
         </p:spPr>
         <p:txBody>
-          <a:bodyPr anchorCtr="0" anchor="b" bIns="45700" lIns="91425" spcFirstLastPara="1" rIns="91425" wrap="square" tIns="45700"/>
+          <a:bodyPr spcFirstLastPara="1" wrap="square" lIns="91425" tIns="45700" rIns="91425" bIns="45700" anchor="b" anchorCtr="0"/>
           <a:lstStyle>
             <a:lvl1pPr lvl="0" algn="ctr">
               <a:lnSpc>
@@ -3617,15 +3831,19 @@
               <a:defRPr/>
             </a:lvl9pPr>
           </a:lstStyle>
-          <a:p/>
+          <a:p>
+            <a:endParaRPr/>
+          </a:p>
         </p:txBody>
       </p:sp>
       <p:sp>
         <p:nvSpPr>
           <p:cNvPr id="17" name="Google Shape;17;p3"/>
-          <p:cNvSpPr txBox="1"/>
+          <p:cNvSpPr txBox="1">
+            <a:spLocks noGrp="1"/>
+          </p:cNvSpPr>
           <p:nvPr>
-            <p:ph idx="1" type="subTitle"/>
+            <p:ph type="subTitle" idx="1"/>
           </p:nvPr>
         </p:nvSpPr>
         <p:spPr>
@@ -3642,7 +3860,7 @@
           </a:ln>
         </p:spPr>
         <p:txBody>
-          <a:bodyPr anchorCtr="0" anchor="t" bIns="45700" lIns="91425" spcFirstLastPara="1" rIns="91425" wrap="square" tIns="45700"/>
+          <a:bodyPr spcFirstLastPara="1" wrap="square" lIns="91425" tIns="45700" rIns="91425" bIns="45700" anchor="t" anchorCtr="0"/>
           <a:lstStyle>
             <a:lvl1pPr lvl="0" algn="ctr">
               <a:lnSpc>
@@ -3798,15 +4016,19 @@
               <a:defRPr sz="7680"/>
             </a:lvl9pPr>
           </a:lstStyle>
-          <a:p/>
+          <a:p>
+            <a:endParaRPr/>
+          </a:p>
         </p:txBody>
       </p:sp>
       <p:sp>
         <p:nvSpPr>
           <p:cNvPr id="18" name="Google Shape;18;p3"/>
-          <p:cNvSpPr txBox="1"/>
+          <p:cNvSpPr txBox="1">
+            <a:spLocks noGrp="1"/>
+          </p:cNvSpPr>
           <p:nvPr>
-            <p:ph idx="10" type="dt"/>
+            <p:ph type="dt" idx="10"/>
           </p:nvPr>
         </p:nvSpPr>
         <p:spPr>
@@ -3823,7 +4045,7 @@
           </a:ln>
         </p:spPr>
         <p:txBody>
-          <a:bodyPr anchorCtr="0" anchor="ctr" bIns="45700" lIns="91425" spcFirstLastPara="1" rIns="91425" wrap="square" tIns="45700"/>
+          <a:bodyPr spcFirstLastPara="1" wrap="square" lIns="91425" tIns="45700" rIns="91425" bIns="45700" anchor="ctr" anchorCtr="0"/>
           <a:lstStyle>
             <a:lvl1pPr lvl="0" algn="l">
               <a:lnSpc>
@@ -3952,15 +4174,19 @@
               <a:defRPr/>
             </a:lvl9pPr>
           </a:lstStyle>
-          <a:p/>
+          <a:p>
+            <a:endParaRPr/>
+          </a:p>
         </p:txBody>
       </p:sp>
       <p:sp>
         <p:nvSpPr>
           <p:cNvPr id="19" name="Google Shape;19;p3"/>
-          <p:cNvSpPr txBox="1"/>
+          <p:cNvSpPr txBox="1">
+            <a:spLocks noGrp="1"/>
+          </p:cNvSpPr>
           <p:nvPr>
-            <p:ph idx="11" type="ftr"/>
+            <p:ph type="ftr" idx="11"/>
           </p:nvPr>
         </p:nvSpPr>
         <p:spPr>
@@ -3977,7 +4203,7 @@
           </a:ln>
         </p:spPr>
         <p:txBody>
-          <a:bodyPr anchorCtr="0" anchor="ctr" bIns="45700" lIns="91425" spcFirstLastPara="1" rIns="91425" wrap="square" tIns="45700"/>
+          <a:bodyPr spcFirstLastPara="1" wrap="square" lIns="91425" tIns="45700" rIns="91425" bIns="45700" anchor="ctr" anchorCtr="0"/>
           <a:lstStyle>
             <a:lvl1pPr lvl="0" algn="ctr">
               <a:lnSpc>
@@ -4106,15 +4332,19 @@
               <a:defRPr/>
             </a:lvl9pPr>
           </a:lstStyle>
-          <a:p/>
+          <a:p>
+            <a:endParaRPr/>
+          </a:p>
         </p:txBody>
       </p:sp>
       <p:sp>
         <p:nvSpPr>
           <p:cNvPr id="20" name="Google Shape;20;p3"/>
-          <p:cNvSpPr txBox="1"/>
+          <p:cNvSpPr txBox="1">
+            <a:spLocks noGrp="1"/>
+          </p:cNvSpPr>
           <p:nvPr>
-            <p:ph idx="12" type="sldNum"/>
+            <p:ph type="sldNum" idx="12"/>
           </p:nvPr>
         </p:nvSpPr>
         <p:spPr>
@@ -4131,11 +4361,11 @@
           </a:ln>
         </p:spPr>
         <p:txBody>
-          <a:bodyPr anchorCtr="0" anchor="ctr" bIns="45700" lIns="91425" spcFirstLastPara="1" rIns="91425" wrap="square" tIns="45700">
+          <a:bodyPr spcFirstLastPara="1" wrap="square" lIns="91425" tIns="45700" rIns="91425" bIns="45700" anchor="ctr" anchorCtr="0">
             <a:noAutofit/>
           </a:bodyPr>
           <a:lstStyle>
-            <a:lvl1pPr indent="0" lvl="0" marL="0" marR="0" algn="r">
+            <a:lvl1pPr marL="0" marR="0" lvl="0" indent="0" algn="r">
               <a:lnSpc>
                 <a:spcPct val="100000"/>
               </a:lnSpc>
@@ -4151,7 +4381,7 @@
               <a:buSzPts val="5760"/>
               <a:buFont typeface="Arial"/>
               <a:buNone/>
-              <a:defRPr b="0" i="0" sz="5760" u="none" cap="none" strike="noStrike">
+              <a:defRPr sz="5760" b="0" i="0" u="none" strike="noStrike" cap="none">
                 <a:solidFill>
                   <a:srgbClr val="888888"/>
                 </a:solidFill>
@@ -4161,7 +4391,7 @@
                 <a:sym typeface="Calibri"/>
               </a:defRPr>
             </a:lvl1pPr>
-            <a:lvl2pPr indent="0" lvl="1" marL="0" marR="0" algn="r">
+            <a:lvl2pPr marL="0" marR="0" lvl="1" indent="0" algn="r">
               <a:lnSpc>
                 <a:spcPct val="100000"/>
               </a:lnSpc>
@@ -4177,7 +4407,7 @@
               <a:buSzPts val="5760"/>
               <a:buFont typeface="Arial"/>
               <a:buNone/>
-              <a:defRPr b="0" i="0" sz="5760" u="none" cap="none" strike="noStrike">
+              <a:defRPr sz="5760" b="0" i="0" u="none" strike="noStrike" cap="none">
                 <a:solidFill>
                   <a:srgbClr val="888888"/>
                 </a:solidFill>
@@ -4187,7 +4417,7 @@
                 <a:sym typeface="Calibri"/>
               </a:defRPr>
             </a:lvl2pPr>
-            <a:lvl3pPr indent="0" lvl="2" marL="0" marR="0" algn="r">
+            <a:lvl3pPr marL="0" marR="0" lvl="2" indent="0" algn="r">
               <a:lnSpc>
                 <a:spcPct val="100000"/>
               </a:lnSpc>
@@ -4203,7 +4433,7 @@
               <a:buSzPts val="5760"/>
               <a:buFont typeface="Arial"/>
               <a:buNone/>
-              <a:defRPr b="0" i="0" sz="5760" u="none" cap="none" strike="noStrike">
+              <a:defRPr sz="5760" b="0" i="0" u="none" strike="noStrike" cap="none">
                 <a:solidFill>
                   <a:srgbClr val="888888"/>
                 </a:solidFill>
@@ -4213,7 +4443,7 @@
                 <a:sym typeface="Calibri"/>
               </a:defRPr>
             </a:lvl3pPr>
-            <a:lvl4pPr indent="0" lvl="3" marL="0" marR="0" algn="r">
+            <a:lvl4pPr marL="0" marR="0" lvl="3" indent="0" algn="r">
               <a:lnSpc>
                 <a:spcPct val="100000"/>
               </a:lnSpc>
@@ -4229,7 +4459,7 @@
               <a:buSzPts val="5760"/>
               <a:buFont typeface="Arial"/>
               <a:buNone/>
-              <a:defRPr b="0" i="0" sz="5760" u="none" cap="none" strike="noStrike">
+              <a:defRPr sz="5760" b="0" i="0" u="none" strike="noStrike" cap="none">
                 <a:solidFill>
                   <a:srgbClr val="888888"/>
                 </a:solidFill>
@@ -4239,7 +4469,7 @@
                 <a:sym typeface="Calibri"/>
               </a:defRPr>
             </a:lvl4pPr>
-            <a:lvl5pPr indent="0" lvl="4" marL="0" marR="0" algn="r">
+            <a:lvl5pPr marL="0" marR="0" lvl="4" indent="0" algn="r">
               <a:lnSpc>
                 <a:spcPct val="100000"/>
               </a:lnSpc>
@@ -4255,7 +4485,7 @@
               <a:buSzPts val="5760"/>
               <a:buFont typeface="Arial"/>
               <a:buNone/>
-              <a:defRPr b="0" i="0" sz="5760" u="none" cap="none" strike="noStrike">
+              <a:defRPr sz="5760" b="0" i="0" u="none" strike="noStrike" cap="none">
                 <a:solidFill>
                   <a:srgbClr val="888888"/>
                 </a:solidFill>
@@ -4265,7 +4495,7 @@
                 <a:sym typeface="Calibri"/>
               </a:defRPr>
             </a:lvl5pPr>
-            <a:lvl6pPr indent="0" lvl="5" marL="0" marR="0" algn="r">
+            <a:lvl6pPr marL="0" marR="0" lvl="5" indent="0" algn="r">
               <a:lnSpc>
                 <a:spcPct val="100000"/>
               </a:lnSpc>
@@ -4281,7 +4511,7 @@
               <a:buSzPts val="5760"/>
               <a:buFont typeface="Arial"/>
               <a:buNone/>
-              <a:defRPr b="0" i="0" sz="5760" u="none" cap="none" strike="noStrike">
+              <a:defRPr sz="5760" b="0" i="0" u="none" strike="noStrike" cap="none">
                 <a:solidFill>
                   <a:srgbClr val="888888"/>
                 </a:solidFill>
@@ -4291,7 +4521,7 @@
                 <a:sym typeface="Calibri"/>
               </a:defRPr>
             </a:lvl6pPr>
-            <a:lvl7pPr indent="0" lvl="6" marL="0" marR="0" algn="r">
+            <a:lvl7pPr marL="0" marR="0" lvl="6" indent="0" algn="r">
               <a:lnSpc>
                 <a:spcPct val="100000"/>
               </a:lnSpc>
@@ -4307,7 +4537,7 @@
               <a:buSzPts val="5760"/>
               <a:buFont typeface="Arial"/>
               <a:buNone/>
-              <a:defRPr b="0" i="0" sz="5760" u="none" cap="none" strike="noStrike">
+              <a:defRPr sz="5760" b="0" i="0" u="none" strike="noStrike" cap="none">
                 <a:solidFill>
                   <a:srgbClr val="888888"/>
                 </a:solidFill>
@@ -4317,7 +4547,7 @@
                 <a:sym typeface="Calibri"/>
               </a:defRPr>
             </a:lvl7pPr>
-            <a:lvl8pPr indent="0" lvl="7" marL="0" marR="0" algn="r">
+            <a:lvl8pPr marL="0" marR="0" lvl="7" indent="0" algn="r">
               <a:lnSpc>
                 <a:spcPct val="100000"/>
               </a:lnSpc>
@@ -4333,7 +4563,7 @@
               <a:buSzPts val="5760"/>
               <a:buFont typeface="Arial"/>
               <a:buNone/>
-              <a:defRPr b="0" i="0" sz="5760" u="none" cap="none" strike="noStrike">
+              <a:defRPr sz="5760" b="0" i="0" u="none" strike="noStrike" cap="none">
                 <a:solidFill>
                   <a:srgbClr val="888888"/>
                 </a:solidFill>
@@ -4343,7 +4573,7 @@
                 <a:sym typeface="Calibri"/>
               </a:defRPr>
             </a:lvl8pPr>
-            <a:lvl9pPr indent="0" lvl="8" marL="0" marR="0" algn="r">
+            <a:lvl9pPr marL="0" marR="0" lvl="8" indent="0" algn="r">
               <a:lnSpc>
                 <a:spcPct val="100000"/>
               </a:lnSpc>
@@ -4359,7 +4589,7 @@
               <a:buSzPts val="5760"/>
               <a:buFont typeface="Arial"/>
               <a:buNone/>
-              <a:defRPr b="0" i="0" sz="5760" u="none" cap="none" strike="noStrike">
+              <a:defRPr sz="5760" b="0" i="0" u="none" strike="noStrike" cap="none">
                 <a:solidFill>
                   <a:srgbClr val="888888"/>
                 </a:solidFill>
@@ -4371,7 +4601,7 @@
             </a:lvl9pPr>
           </a:lstStyle>
           <a:p>
-            <a:pPr indent="0" lvl="0" marL="0" rtl="0" algn="r">
+            <a:pPr marL="0" lvl="0" indent="0" algn="r" rtl="0">
               <a:spcBef>
                 <a:spcPts val="0"/>
               </a:spcBef>
@@ -4397,11 +4627,11 @@
 </file>
 
 <file path=ppt/slideLayouts/slideLayout3.xml><?xml version="1.0" encoding="utf-8"?>
-<p:sldLayout xmlns:a="http://schemas.openxmlformats.org/drawingml/2006/main" xmlns:r="http://schemas.openxmlformats.org/officeDocument/2006/relationships" xmlns:mc="http://schemas.openxmlformats.org/markup-compatibility/2006" xmlns:mv="urn:schemas-microsoft-com:mac:vml" xmlns:p="http://schemas.openxmlformats.org/presentationml/2006/main" xmlns:c="http://schemas.openxmlformats.org/drawingml/2006/chart" xmlns:dgm="http://schemas.openxmlformats.org/drawingml/2006/diagram" xmlns:o="urn:schemas-microsoft-com:office:office" xmlns:v="urn:schemas-microsoft-com:vml" xmlns:pvml="urn:schemas-microsoft-com:office:powerpoint" xmlns:com="http://schemas.openxmlformats.org/drawingml/2006/compatibility" xmlns:p14="http://schemas.microsoft.com/office/powerpoint/2010/main" xmlns:p15="http://schemas.microsoft.com/office/powerpoint/2012/main" matchingName="Title and Content" type="obj">
+<p:sldLayout xmlns:a="http://schemas.openxmlformats.org/drawingml/2006/main" xmlns:r="http://schemas.openxmlformats.org/officeDocument/2006/relationships" xmlns:p="http://schemas.openxmlformats.org/presentationml/2006/main" matchingName="Title and Content" type="obj">
   <p:cSld name="OBJECT">
     <p:spTree>
       <p:nvGrpSpPr>
-        <p:cNvPr id="21" name="Shape 21"/>
+        <p:cNvPr id="1" name="Shape 21"/>
         <p:cNvGrpSpPr/>
         <p:nvPr/>
       </p:nvGrpSpPr>
@@ -4416,7 +4646,9 @@
       <p:sp>
         <p:nvSpPr>
           <p:cNvPr id="22" name="Google Shape;22;p4"/>
-          <p:cNvSpPr txBox="1"/>
+          <p:cNvSpPr txBox="1">
+            <a:spLocks noGrp="1"/>
+          </p:cNvSpPr>
           <p:nvPr>
             <p:ph type="title"/>
           </p:nvPr>
@@ -4435,7 +4667,7 @@
           </a:ln>
         </p:spPr>
         <p:txBody>
-          <a:bodyPr anchorCtr="0" anchor="ctr" bIns="45700" lIns="91425" spcFirstLastPara="1" rIns="91425" wrap="square" tIns="45700"/>
+          <a:bodyPr spcFirstLastPara="1" wrap="square" lIns="91425" tIns="45700" rIns="91425" bIns="45700" anchor="ctr" anchorCtr="0"/>
           <a:lstStyle>
             <a:lvl1pPr lvl="0" algn="l">
               <a:lnSpc>
@@ -4567,15 +4799,19 @@
               <a:defRPr/>
             </a:lvl9pPr>
           </a:lstStyle>
-          <a:p/>
+          <a:p>
+            <a:endParaRPr/>
+          </a:p>
         </p:txBody>
       </p:sp>
       <p:sp>
         <p:nvSpPr>
           <p:cNvPr id="23" name="Google Shape;23;p4"/>
-          <p:cNvSpPr txBox="1"/>
+          <p:cNvSpPr txBox="1">
+            <a:spLocks noGrp="1"/>
+          </p:cNvSpPr>
           <p:nvPr>
-            <p:ph idx="1" type="body"/>
+            <p:ph type="body" idx="1"/>
           </p:nvPr>
         </p:nvSpPr>
         <p:spPr>
@@ -4592,9 +4828,9 @@
           </a:ln>
         </p:spPr>
         <p:txBody>
-          <a:bodyPr anchorCtr="0" anchor="t" bIns="45700" lIns="91425" spcFirstLastPara="1" rIns="91425" wrap="square" tIns="45700"/>
+          <a:bodyPr spcFirstLastPara="1" wrap="square" lIns="91425" tIns="45700" rIns="91425" bIns="45700" anchor="t" anchorCtr="0"/>
           <a:lstStyle>
-            <a:lvl1pPr indent="-342900" lvl="0" marL="457200" algn="l">
+            <a:lvl1pPr marL="457200" lvl="0" indent="-342900" algn="l">
               <a:lnSpc>
                 <a:spcPct val="90000"/>
               </a:lnSpc>
@@ -4611,7 +4847,7 @@
               <a:buChar char="•"/>
               <a:defRPr/>
             </a:lvl1pPr>
-            <a:lvl2pPr indent="-342900" lvl="1" marL="914400" algn="l">
+            <a:lvl2pPr marL="914400" lvl="1" indent="-342900" algn="l">
               <a:lnSpc>
                 <a:spcPct val="90000"/>
               </a:lnSpc>
@@ -4628,7 +4864,7 @@
               <a:buChar char="•"/>
               <a:defRPr/>
             </a:lvl2pPr>
-            <a:lvl3pPr indent="-342900" lvl="2" marL="1371600" algn="l">
+            <a:lvl3pPr marL="1371600" lvl="2" indent="-342900" algn="l">
               <a:lnSpc>
                 <a:spcPct val="90000"/>
               </a:lnSpc>
@@ -4645,7 +4881,7 @@
               <a:buChar char="•"/>
               <a:defRPr/>
             </a:lvl3pPr>
-            <a:lvl4pPr indent="-342900" lvl="3" marL="1828800" algn="l">
+            <a:lvl4pPr marL="1828800" lvl="3" indent="-342900" algn="l">
               <a:lnSpc>
                 <a:spcPct val="90000"/>
               </a:lnSpc>
@@ -4662,7 +4898,7 @@
               <a:buChar char="•"/>
               <a:defRPr/>
             </a:lvl4pPr>
-            <a:lvl5pPr indent="-342900" lvl="4" marL="2286000" algn="l">
+            <a:lvl5pPr marL="2286000" lvl="4" indent="-342900" algn="l">
               <a:lnSpc>
                 <a:spcPct val="90000"/>
               </a:lnSpc>
@@ -4679,7 +4915,7 @@
               <a:buChar char="•"/>
               <a:defRPr/>
             </a:lvl5pPr>
-            <a:lvl6pPr indent="-342900" lvl="5" marL="2743200" algn="l">
+            <a:lvl6pPr marL="2743200" lvl="5" indent="-342900" algn="l">
               <a:lnSpc>
                 <a:spcPct val="90000"/>
               </a:lnSpc>
@@ -4696,7 +4932,7 @@
               <a:buChar char="•"/>
               <a:defRPr/>
             </a:lvl6pPr>
-            <a:lvl7pPr indent="-342900" lvl="6" marL="3200400" algn="l">
+            <a:lvl7pPr marL="3200400" lvl="6" indent="-342900" algn="l">
               <a:lnSpc>
                 <a:spcPct val="90000"/>
               </a:lnSpc>
@@ -4713,7 +4949,7 @@
               <a:buChar char="•"/>
               <a:defRPr/>
             </a:lvl7pPr>
-            <a:lvl8pPr indent="-342900" lvl="7" marL="3657600" algn="l">
+            <a:lvl8pPr marL="3657600" lvl="7" indent="-342900" algn="l">
               <a:lnSpc>
                 <a:spcPct val="90000"/>
               </a:lnSpc>
@@ -4730,7 +4966,7 @@
               <a:buChar char="•"/>
               <a:defRPr/>
             </a:lvl8pPr>
-            <a:lvl9pPr indent="-342900" lvl="8" marL="4114800" algn="l">
+            <a:lvl9pPr marL="4114800" lvl="8" indent="-342900" algn="l">
               <a:lnSpc>
                 <a:spcPct val="90000"/>
               </a:lnSpc>
@@ -4748,15 +4984,19 @@
               <a:defRPr/>
             </a:lvl9pPr>
           </a:lstStyle>
-          <a:p/>
+          <a:p>
+            <a:endParaRPr/>
+          </a:p>
         </p:txBody>
       </p:sp>
       <p:sp>
         <p:nvSpPr>
           <p:cNvPr id="24" name="Google Shape;24;p4"/>
-          <p:cNvSpPr txBox="1"/>
+          <p:cNvSpPr txBox="1">
+            <a:spLocks noGrp="1"/>
+          </p:cNvSpPr>
           <p:nvPr>
-            <p:ph idx="10" type="dt"/>
+            <p:ph type="dt" idx="10"/>
           </p:nvPr>
         </p:nvSpPr>
         <p:spPr>
@@ -4773,7 +5013,7 @@
           </a:ln>
         </p:spPr>
         <p:txBody>
-          <a:bodyPr anchorCtr="0" anchor="ctr" bIns="45700" lIns="91425" spcFirstLastPara="1" rIns="91425" wrap="square" tIns="45700"/>
+          <a:bodyPr spcFirstLastPara="1" wrap="square" lIns="91425" tIns="45700" rIns="91425" bIns="45700" anchor="ctr" anchorCtr="0"/>
           <a:lstStyle>
             <a:lvl1pPr lvl="0" algn="l">
               <a:lnSpc>
@@ -4902,15 +5142,19 @@
               <a:defRPr/>
             </a:lvl9pPr>
           </a:lstStyle>
-          <a:p/>
+          <a:p>
+            <a:endParaRPr/>
+          </a:p>
         </p:txBody>
       </p:sp>
       <p:sp>
         <p:nvSpPr>
           <p:cNvPr id="25" name="Google Shape;25;p4"/>
-          <p:cNvSpPr txBox="1"/>
+          <p:cNvSpPr txBox="1">
+            <a:spLocks noGrp="1"/>
+          </p:cNvSpPr>
           <p:nvPr>
-            <p:ph idx="11" type="ftr"/>
+            <p:ph type="ftr" idx="11"/>
           </p:nvPr>
         </p:nvSpPr>
         <p:spPr>
@@ -4927,7 +5171,7 @@
           </a:ln>
         </p:spPr>
         <p:txBody>
-          <a:bodyPr anchorCtr="0" anchor="ctr" bIns="45700" lIns="91425" spcFirstLastPara="1" rIns="91425" wrap="square" tIns="45700"/>
+          <a:bodyPr spcFirstLastPara="1" wrap="square" lIns="91425" tIns="45700" rIns="91425" bIns="45700" anchor="ctr" anchorCtr="0"/>
           <a:lstStyle>
             <a:lvl1pPr lvl="0" algn="ctr">
               <a:lnSpc>
@@ -5056,15 +5300,19 @@
               <a:defRPr/>
             </a:lvl9pPr>
           </a:lstStyle>
-          <a:p/>
+          <a:p>
+            <a:endParaRPr/>
+          </a:p>
         </p:txBody>
       </p:sp>
       <p:sp>
         <p:nvSpPr>
           <p:cNvPr id="26" name="Google Shape;26;p4"/>
-          <p:cNvSpPr txBox="1"/>
+          <p:cNvSpPr txBox="1">
+            <a:spLocks noGrp="1"/>
+          </p:cNvSpPr>
           <p:nvPr>
-            <p:ph idx="12" type="sldNum"/>
+            <p:ph type="sldNum" idx="12"/>
           </p:nvPr>
         </p:nvSpPr>
         <p:spPr>
@@ -5081,11 +5329,11 @@
           </a:ln>
         </p:spPr>
         <p:txBody>
-          <a:bodyPr anchorCtr="0" anchor="ctr" bIns="45700" lIns="91425" spcFirstLastPara="1" rIns="91425" wrap="square" tIns="45700">
+          <a:bodyPr spcFirstLastPara="1" wrap="square" lIns="91425" tIns="45700" rIns="91425" bIns="45700" anchor="ctr" anchorCtr="0">
             <a:noAutofit/>
           </a:bodyPr>
           <a:lstStyle>
-            <a:lvl1pPr indent="0" lvl="0" marL="0" marR="0" algn="r">
+            <a:lvl1pPr marL="0" marR="0" lvl="0" indent="0" algn="r">
               <a:lnSpc>
                 <a:spcPct val="100000"/>
               </a:lnSpc>
@@ -5101,7 +5349,7 @@
               <a:buSzPts val="5760"/>
               <a:buFont typeface="Arial"/>
               <a:buNone/>
-              <a:defRPr b="0" i="0" sz="5760" u="none" cap="none" strike="noStrike">
+              <a:defRPr sz="5760" b="0" i="0" u="none" strike="noStrike" cap="none">
                 <a:solidFill>
                   <a:srgbClr val="888888"/>
                 </a:solidFill>
@@ -5111,7 +5359,7 @@
                 <a:sym typeface="Calibri"/>
               </a:defRPr>
             </a:lvl1pPr>
-            <a:lvl2pPr indent="0" lvl="1" marL="0" marR="0" algn="r">
+            <a:lvl2pPr marL="0" marR="0" lvl="1" indent="0" algn="r">
               <a:lnSpc>
                 <a:spcPct val="100000"/>
               </a:lnSpc>
@@ -5127,7 +5375,7 @@
               <a:buSzPts val="5760"/>
               <a:buFont typeface="Arial"/>
               <a:buNone/>
-              <a:defRPr b="0" i="0" sz="5760" u="none" cap="none" strike="noStrike">
+              <a:defRPr sz="5760" b="0" i="0" u="none" strike="noStrike" cap="none">
                 <a:solidFill>
                   <a:srgbClr val="888888"/>
                 </a:solidFill>
@@ -5137,7 +5385,7 @@
                 <a:sym typeface="Calibri"/>
               </a:defRPr>
             </a:lvl2pPr>
-            <a:lvl3pPr indent="0" lvl="2" marL="0" marR="0" algn="r">
+            <a:lvl3pPr marL="0" marR="0" lvl="2" indent="0" algn="r">
               <a:lnSpc>
                 <a:spcPct val="100000"/>
               </a:lnSpc>
@@ -5153,7 +5401,7 @@
               <a:buSzPts val="5760"/>
               <a:buFont typeface="Arial"/>
               <a:buNone/>
-              <a:defRPr b="0" i="0" sz="5760" u="none" cap="none" strike="noStrike">
+              <a:defRPr sz="5760" b="0" i="0" u="none" strike="noStrike" cap="none">
                 <a:solidFill>
                   <a:srgbClr val="888888"/>
                 </a:solidFill>
@@ -5163,7 +5411,7 @@
                 <a:sym typeface="Calibri"/>
               </a:defRPr>
             </a:lvl3pPr>
-            <a:lvl4pPr indent="0" lvl="3" marL="0" marR="0" algn="r">
+            <a:lvl4pPr marL="0" marR="0" lvl="3" indent="0" algn="r">
               <a:lnSpc>
                 <a:spcPct val="100000"/>
               </a:lnSpc>
@@ -5179,7 +5427,7 @@
               <a:buSzPts val="5760"/>
               <a:buFont typeface="Arial"/>
               <a:buNone/>
-              <a:defRPr b="0" i="0" sz="5760" u="none" cap="none" strike="noStrike">
+              <a:defRPr sz="5760" b="0" i="0" u="none" strike="noStrike" cap="none">
                 <a:solidFill>
                   <a:srgbClr val="888888"/>
                 </a:solidFill>
@@ -5189,7 +5437,7 @@
                 <a:sym typeface="Calibri"/>
               </a:defRPr>
             </a:lvl4pPr>
-            <a:lvl5pPr indent="0" lvl="4" marL="0" marR="0" algn="r">
+            <a:lvl5pPr marL="0" marR="0" lvl="4" indent="0" algn="r">
               <a:lnSpc>
                 <a:spcPct val="100000"/>
               </a:lnSpc>
@@ -5205,7 +5453,7 @@
               <a:buSzPts val="5760"/>
               <a:buFont typeface="Arial"/>
               <a:buNone/>
-              <a:defRPr b="0" i="0" sz="5760" u="none" cap="none" strike="noStrike">
+              <a:defRPr sz="5760" b="0" i="0" u="none" strike="noStrike" cap="none">
                 <a:solidFill>
                   <a:srgbClr val="888888"/>
                 </a:solidFill>
@@ -5215,7 +5463,7 @@
                 <a:sym typeface="Calibri"/>
               </a:defRPr>
             </a:lvl5pPr>
-            <a:lvl6pPr indent="0" lvl="5" marL="0" marR="0" algn="r">
+            <a:lvl6pPr marL="0" marR="0" lvl="5" indent="0" algn="r">
               <a:lnSpc>
                 <a:spcPct val="100000"/>
               </a:lnSpc>
@@ -5231,7 +5479,7 @@
               <a:buSzPts val="5760"/>
               <a:buFont typeface="Arial"/>
               <a:buNone/>
-              <a:defRPr b="0" i="0" sz="5760" u="none" cap="none" strike="noStrike">
+              <a:defRPr sz="5760" b="0" i="0" u="none" strike="noStrike" cap="none">
                 <a:solidFill>
                   <a:srgbClr val="888888"/>
                 </a:solidFill>
@@ -5241,7 +5489,7 @@
                 <a:sym typeface="Calibri"/>
               </a:defRPr>
             </a:lvl6pPr>
-            <a:lvl7pPr indent="0" lvl="6" marL="0" marR="0" algn="r">
+            <a:lvl7pPr marL="0" marR="0" lvl="6" indent="0" algn="r">
               <a:lnSpc>
                 <a:spcPct val="100000"/>
               </a:lnSpc>
@@ -5257,7 +5505,7 @@
               <a:buSzPts val="5760"/>
               <a:buFont typeface="Arial"/>
               <a:buNone/>
-              <a:defRPr b="0" i="0" sz="5760" u="none" cap="none" strike="noStrike">
+              <a:defRPr sz="5760" b="0" i="0" u="none" strike="noStrike" cap="none">
                 <a:solidFill>
                   <a:srgbClr val="888888"/>
                 </a:solidFill>
@@ -5267,7 +5515,7 @@
                 <a:sym typeface="Calibri"/>
               </a:defRPr>
             </a:lvl7pPr>
-            <a:lvl8pPr indent="0" lvl="7" marL="0" marR="0" algn="r">
+            <a:lvl8pPr marL="0" marR="0" lvl="7" indent="0" algn="r">
               <a:lnSpc>
                 <a:spcPct val="100000"/>
               </a:lnSpc>
@@ -5283,7 +5531,7 @@
               <a:buSzPts val="5760"/>
               <a:buFont typeface="Arial"/>
               <a:buNone/>
-              <a:defRPr b="0" i="0" sz="5760" u="none" cap="none" strike="noStrike">
+              <a:defRPr sz="5760" b="0" i="0" u="none" strike="noStrike" cap="none">
                 <a:solidFill>
                   <a:srgbClr val="888888"/>
                 </a:solidFill>
@@ -5293,7 +5541,7 @@
                 <a:sym typeface="Calibri"/>
               </a:defRPr>
             </a:lvl8pPr>
-            <a:lvl9pPr indent="0" lvl="8" marL="0" marR="0" algn="r">
+            <a:lvl9pPr marL="0" marR="0" lvl="8" indent="0" algn="r">
               <a:lnSpc>
                 <a:spcPct val="100000"/>
               </a:lnSpc>
@@ -5309,7 +5557,7 @@
               <a:buSzPts val="5760"/>
               <a:buFont typeface="Arial"/>
               <a:buNone/>
-              <a:defRPr b="0" i="0" sz="5760" u="none" cap="none" strike="noStrike">
+              <a:defRPr sz="5760" b="0" i="0" u="none" strike="noStrike" cap="none">
                 <a:solidFill>
                   <a:srgbClr val="888888"/>
                 </a:solidFill>
@@ -5321,7 +5569,7 @@
             </a:lvl9pPr>
           </a:lstStyle>
           <a:p>
-            <a:pPr indent="0" lvl="0" marL="0" rtl="0" algn="r">
+            <a:pPr marL="0" lvl="0" indent="0" algn="r" rtl="0">
               <a:spcBef>
                 <a:spcPts val="0"/>
               </a:spcBef>
@@ -5347,11 +5595,11 @@
 </file>
 
 <file path=ppt/slideLayouts/slideLayout4.xml><?xml version="1.0" encoding="utf-8"?>
-<p:sldLayout xmlns:a="http://schemas.openxmlformats.org/drawingml/2006/main" xmlns:r="http://schemas.openxmlformats.org/officeDocument/2006/relationships" xmlns:mc="http://schemas.openxmlformats.org/markup-compatibility/2006" xmlns:mv="urn:schemas-microsoft-com:mac:vml" xmlns:p="http://schemas.openxmlformats.org/presentationml/2006/main" xmlns:c="http://schemas.openxmlformats.org/drawingml/2006/chart" xmlns:dgm="http://schemas.openxmlformats.org/drawingml/2006/diagram" xmlns:o="urn:schemas-microsoft-com:office:office" xmlns:v="urn:schemas-microsoft-com:vml" xmlns:pvml="urn:schemas-microsoft-com:office:powerpoint" xmlns:com="http://schemas.openxmlformats.org/drawingml/2006/compatibility" xmlns:p14="http://schemas.microsoft.com/office/powerpoint/2010/main" xmlns:p15="http://schemas.microsoft.com/office/powerpoint/2012/main" matchingName="Section Header" type="secHead">
+<p:sldLayout xmlns:a="http://schemas.openxmlformats.org/drawingml/2006/main" xmlns:r="http://schemas.openxmlformats.org/officeDocument/2006/relationships" xmlns:p="http://schemas.openxmlformats.org/presentationml/2006/main" matchingName="Section Header" type="secHead">
   <p:cSld name="SECTION_HEADER">
     <p:spTree>
       <p:nvGrpSpPr>
-        <p:cNvPr id="27" name="Shape 27"/>
+        <p:cNvPr id="1" name="Shape 27"/>
         <p:cNvGrpSpPr/>
         <p:nvPr/>
       </p:nvGrpSpPr>
@@ -5366,7 +5614,9 @@
       <p:sp>
         <p:nvSpPr>
           <p:cNvPr id="28" name="Google Shape;28;p5"/>
-          <p:cNvSpPr txBox="1"/>
+          <p:cNvSpPr txBox="1">
+            <a:spLocks noGrp="1"/>
+          </p:cNvSpPr>
           <p:nvPr>
             <p:ph type="title"/>
           </p:nvPr>
@@ -5385,7 +5635,7 @@
           </a:ln>
         </p:spPr>
         <p:txBody>
-          <a:bodyPr anchorCtr="0" anchor="b" bIns="45700" lIns="91425" spcFirstLastPara="1" rIns="91425" wrap="square" tIns="45700"/>
+          <a:bodyPr spcFirstLastPara="1" wrap="square" lIns="91425" tIns="45700" rIns="91425" bIns="45700" anchor="b" anchorCtr="0"/>
           <a:lstStyle>
             <a:lvl1pPr lvl="0" algn="l">
               <a:lnSpc>
@@ -5518,15 +5768,19 @@
               <a:defRPr/>
             </a:lvl9pPr>
           </a:lstStyle>
-          <a:p/>
+          <a:p>
+            <a:endParaRPr/>
+          </a:p>
         </p:txBody>
       </p:sp>
       <p:sp>
         <p:nvSpPr>
           <p:cNvPr id="29" name="Google Shape;29;p5"/>
-          <p:cNvSpPr txBox="1"/>
+          <p:cNvSpPr txBox="1">
+            <a:spLocks noGrp="1"/>
+          </p:cNvSpPr>
           <p:nvPr>
-            <p:ph idx="1" type="body"/>
+            <p:ph type="body" idx="1"/>
           </p:nvPr>
         </p:nvSpPr>
         <p:spPr>
@@ -5543,9 +5797,9 @@
           </a:ln>
         </p:spPr>
         <p:txBody>
-          <a:bodyPr anchorCtr="0" anchor="t" bIns="45700" lIns="91425" spcFirstLastPara="1" rIns="91425" wrap="square" tIns="45700"/>
+          <a:bodyPr spcFirstLastPara="1" wrap="square" lIns="91425" tIns="45700" rIns="91425" bIns="45700" anchor="t" anchorCtr="0"/>
           <a:lstStyle>
-            <a:lvl1pPr indent="-228600" lvl="0" marL="457200" algn="l">
+            <a:lvl1pPr marL="457200" lvl="0" indent="-228600" algn="l">
               <a:lnSpc>
                 <a:spcPct val="90000"/>
               </a:lnSpc>
@@ -5566,7 +5820,7 @@
                 </a:solidFill>
               </a:defRPr>
             </a:lvl1pPr>
-            <a:lvl2pPr indent="-228600" lvl="1" marL="914400" algn="l">
+            <a:lvl2pPr marL="914400" lvl="1" indent="-228600" algn="l">
               <a:lnSpc>
                 <a:spcPct val="90000"/>
               </a:lnSpc>
@@ -5587,7 +5841,7 @@
                 </a:solidFill>
               </a:defRPr>
             </a:lvl2pPr>
-            <a:lvl3pPr indent="-228600" lvl="2" marL="1371600" algn="l">
+            <a:lvl3pPr marL="1371600" lvl="2" indent="-228600" algn="l">
               <a:lnSpc>
                 <a:spcPct val="90000"/>
               </a:lnSpc>
@@ -5608,7 +5862,7 @@
                 </a:solidFill>
               </a:defRPr>
             </a:lvl3pPr>
-            <a:lvl4pPr indent="-228600" lvl="3" marL="1828800" algn="l">
+            <a:lvl4pPr marL="1828800" lvl="3" indent="-228600" algn="l">
               <a:lnSpc>
                 <a:spcPct val="90000"/>
               </a:lnSpc>
@@ -5629,7 +5883,7 @@
                 </a:solidFill>
               </a:defRPr>
             </a:lvl4pPr>
-            <a:lvl5pPr indent="-228600" lvl="4" marL="2286000" algn="l">
+            <a:lvl5pPr marL="2286000" lvl="4" indent="-228600" algn="l">
               <a:lnSpc>
                 <a:spcPct val="90000"/>
               </a:lnSpc>
@@ -5650,7 +5904,7 @@
                 </a:solidFill>
               </a:defRPr>
             </a:lvl5pPr>
-            <a:lvl6pPr indent="-228600" lvl="5" marL="2743200" algn="l">
+            <a:lvl6pPr marL="2743200" lvl="5" indent="-228600" algn="l">
               <a:lnSpc>
                 <a:spcPct val="90000"/>
               </a:lnSpc>
@@ -5671,7 +5925,7 @@
                 </a:solidFill>
               </a:defRPr>
             </a:lvl6pPr>
-            <a:lvl7pPr indent="-228600" lvl="6" marL="3200400" algn="l">
+            <a:lvl7pPr marL="3200400" lvl="6" indent="-228600" algn="l">
               <a:lnSpc>
                 <a:spcPct val="90000"/>
               </a:lnSpc>
@@ -5692,7 +5946,7 @@
                 </a:solidFill>
               </a:defRPr>
             </a:lvl7pPr>
-            <a:lvl8pPr indent="-228600" lvl="7" marL="3657600" algn="l">
+            <a:lvl8pPr marL="3657600" lvl="7" indent="-228600" algn="l">
               <a:lnSpc>
                 <a:spcPct val="90000"/>
               </a:lnSpc>
@@ -5713,7 +5967,7 @@
                 </a:solidFill>
               </a:defRPr>
             </a:lvl8pPr>
-            <a:lvl9pPr indent="-228600" lvl="8" marL="4114800" algn="l">
+            <a:lvl9pPr marL="4114800" lvl="8" indent="-228600" algn="l">
               <a:lnSpc>
                 <a:spcPct val="90000"/>
               </a:lnSpc>
@@ -5735,15 +5989,19 @@
               </a:defRPr>
             </a:lvl9pPr>
           </a:lstStyle>
-          <a:p/>
+          <a:p>
+            <a:endParaRPr/>
+          </a:p>
         </p:txBody>
       </p:sp>
       <p:sp>
         <p:nvSpPr>
           <p:cNvPr id="30" name="Google Shape;30;p5"/>
-          <p:cNvSpPr txBox="1"/>
+          <p:cNvSpPr txBox="1">
+            <a:spLocks noGrp="1"/>
+          </p:cNvSpPr>
           <p:nvPr>
-            <p:ph idx="10" type="dt"/>
+            <p:ph type="dt" idx="10"/>
           </p:nvPr>
         </p:nvSpPr>
         <p:spPr>
@@ -5760,7 +6018,7 @@
           </a:ln>
         </p:spPr>
         <p:txBody>
-          <a:bodyPr anchorCtr="0" anchor="ctr" bIns="45700" lIns="91425" spcFirstLastPara="1" rIns="91425" wrap="square" tIns="45700"/>
+          <a:bodyPr spcFirstLastPara="1" wrap="square" lIns="91425" tIns="45700" rIns="91425" bIns="45700" anchor="ctr" anchorCtr="0"/>
           <a:lstStyle>
             <a:lvl1pPr lvl="0" algn="l">
               <a:lnSpc>
@@ -5889,15 +6147,19 @@
               <a:defRPr/>
             </a:lvl9pPr>
           </a:lstStyle>
-          <a:p/>
+          <a:p>
+            <a:endParaRPr/>
+          </a:p>
         </p:txBody>
       </p:sp>
       <p:sp>
         <p:nvSpPr>
           <p:cNvPr id="31" name="Google Shape;31;p5"/>
-          <p:cNvSpPr txBox="1"/>
+          <p:cNvSpPr txBox="1">
+            <a:spLocks noGrp="1"/>
+          </p:cNvSpPr>
           <p:nvPr>
-            <p:ph idx="11" type="ftr"/>
+            <p:ph type="ftr" idx="11"/>
           </p:nvPr>
         </p:nvSpPr>
         <p:spPr>
@@ -5914,7 +6176,7 @@
           </a:ln>
         </p:spPr>
         <p:txBody>
-          <a:bodyPr anchorCtr="0" anchor="ctr" bIns="45700" lIns="91425" spcFirstLastPara="1" rIns="91425" wrap="square" tIns="45700"/>
+          <a:bodyPr spcFirstLastPara="1" wrap="square" lIns="91425" tIns="45700" rIns="91425" bIns="45700" anchor="ctr" anchorCtr="0"/>
           <a:lstStyle>
             <a:lvl1pPr lvl="0" algn="ctr">
               <a:lnSpc>
@@ -6043,15 +6305,19 @@
               <a:defRPr/>
             </a:lvl9pPr>
           </a:lstStyle>
-          <a:p/>
+          <a:p>
+            <a:endParaRPr/>
+          </a:p>
         </p:txBody>
       </p:sp>
       <p:sp>
         <p:nvSpPr>
           <p:cNvPr id="32" name="Google Shape;32;p5"/>
-          <p:cNvSpPr txBox="1"/>
+          <p:cNvSpPr txBox="1">
+            <a:spLocks noGrp="1"/>
+          </p:cNvSpPr>
           <p:nvPr>
-            <p:ph idx="12" type="sldNum"/>
+            <p:ph type="sldNum" idx="12"/>
           </p:nvPr>
         </p:nvSpPr>
         <p:spPr>
@@ -6068,11 +6334,11 @@
           </a:ln>
         </p:spPr>
         <p:txBody>
-          <a:bodyPr anchorCtr="0" anchor="ctr" bIns="45700" lIns="91425" spcFirstLastPara="1" rIns="91425" wrap="square" tIns="45700">
+          <a:bodyPr spcFirstLastPara="1" wrap="square" lIns="91425" tIns="45700" rIns="91425" bIns="45700" anchor="ctr" anchorCtr="0">
             <a:noAutofit/>
           </a:bodyPr>
           <a:lstStyle>
-            <a:lvl1pPr indent="0" lvl="0" marL="0" marR="0" algn="r">
+            <a:lvl1pPr marL="0" marR="0" lvl="0" indent="0" algn="r">
               <a:lnSpc>
                 <a:spcPct val="100000"/>
               </a:lnSpc>
@@ -6088,7 +6354,7 @@
               <a:buSzPts val="5760"/>
               <a:buFont typeface="Arial"/>
               <a:buNone/>
-              <a:defRPr b="0" i="0" sz="5760" u="none" cap="none" strike="noStrike">
+              <a:defRPr sz="5760" b="0" i="0" u="none" strike="noStrike" cap="none">
                 <a:solidFill>
                   <a:srgbClr val="888888"/>
                 </a:solidFill>
@@ -6098,7 +6364,7 @@
                 <a:sym typeface="Calibri"/>
               </a:defRPr>
             </a:lvl1pPr>
-            <a:lvl2pPr indent="0" lvl="1" marL="0" marR="0" algn="r">
+            <a:lvl2pPr marL="0" marR="0" lvl="1" indent="0" algn="r">
               <a:lnSpc>
                 <a:spcPct val="100000"/>
               </a:lnSpc>
@@ -6114,7 +6380,7 @@
               <a:buSzPts val="5760"/>
               <a:buFont typeface="Arial"/>
               <a:buNone/>
-              <a:defRPr b="0" i="0" sz="5760" u="none" cap="none" strike="noStrike">
+              <a:defRPr sz="5760" b="0" i="0" u="none" strike="noStrike" cap="none">
                 <a:solidFill>
                   <a:srgbClr val="888888"/>
                 </a:solidFill>
@@ -6124,7 +6390,7 @@
                 <a:sym typeface="Calibri"/>
               </a:defRPr>
             </a:lvl2pPr>
-            <a:lvl3pPr indent="0" lvl="2" marL="0" marR="0" algn="r">
+            <a:lvl3pPr marL="0" marR="0" lvl="2" indent="0" algn="r">
               <a:lnSpc>
                 <a:spcPct val="100000"/>
               </a:lnSpc>
@@ -6140,7 +6406,7 @@
               <a:buSzPts val="5760"/>
               <a:buFont typeface="Arial"/>
               <a:buNone/>
-              <a:defRPr b="0" i="0" sz="5760" u="none" cap="none" strike="noStrike">
+              <a:defRPr sz="5760" b="0" i="0" u="none" strike="noStrike" cap="none">
                 <a:solidFill>
                   <a:srgbClr val="888888"/>
                 </a:solidFill>
@@ -6150,7 +6416,7 @@
                 <a:sym typeface="Calibri"/>
               </a:defRPr>
             </a:lvl3pPr>
-            <a:lvl4pPr indent="0" lvl="3" marL="0" marR="0" algn="r">
+            <a:lvl4pPr marL="0" marR="0" lvl="3" indent="0" algn="r">
               <a:lnSpc>
                 <a:spcPct val="100000"/>
               </a:lnSpc>
@@ -6166,7 +6432,7 @@
               <a:buSzPts val="5760"/>
               <a:buFont typeface="Arial"/>
               <a:buNone/>
-              <a:defRPr b="0" i="0" sz="5760" u="none" cap="none" strike="noStrike">
+              <a:defRPr sz="5760" b="0" i="0" u="none" strike="noStrike" cap="none">
                 <a:solidFill>
                   <a:srgbClr val="888888"/>
                 </a:solidFill>
@@ -6176,7 +6442,7 @@
                 <a:sym typeface="Calibri"/>
               </a:defRPr>
             </a:lvl4pPr>
-            <a:lvl5pPr indent="0" lvl="4" marL="0" marR="0" algn="r">
+            <a:lvl5pPr marL="0" marR="0" lvl="4" indent="0" algn="r">
               <a:lnSpc>
                 <a:spcPct val="100000"/>
               </a:lnSpc>
@@ -6192,7 +6458,7 @@
               <a:buSzPts val="5760"/>
               <a:buFont typeface="Arial"/>
               <a:buNone/>
-              <a:defRPr b="0" i="0" sz="5760" u="none" cap="none" strike="noStrike">
+              <a:defRPr sz="5760" b="0" i="0" u="none" strike="noStrike" cap="none">
                 <a:solidFill>
                   <a:srgbClr val="888888"/>
                 </a:solidFill>
@@ -6202,7 +6468,7 @@
                 <a:sym typeface="Calibri"/>
               </a:defRPr>
             </a:lvl5pPr>
-            <a:lvl6pPr indent="0" lvl="5" marL="0" marR="0" algn="r">
+            <a:lvl6pPr marL="0" marR="0" lvl="5" indent="0" algn="r">
               <a:lnSpc>
                 <a:spcPct val="100000"/>
               </a:lnSpc>
@@ -6218,7 +6484,7 @@
               <a:buSzPts val="5760"/>
               <a:buFont typeface="Arial"/>
               <a:buNone/>
-              <a:defRPr b="0" i="0" sz="5760" u="none" cap="none" strike="noStrike">
+              <a:defRPr sz="5760" b="0" i="0" u="none" strike="noStrike" cap="none">
                 <a:solidFill>
                   <a:srgbClr val="888888"/>
                 </a:solidFill>
@@ -6228,7 +6494,7 @@
                 <a:sym typeface="Calibri"/>
               </a:defRPr>
             </a:lvl6pPr>
-            <a:lvl7pPr indent="0" lvl="6" marL="0" marR="0" algn="r">
+            <a:lvl7pPr marL="0" marR="0" lvl="6" indent="0" algn="r">
               <a:lnSpc>
                 <a:spcPct val="100000"/>
               </a:lnSpc>
@@ -6244,7 +6510,7 @@
               <a:buSzPts val="5760"/>
               <a:buFont typeface="Arial"/>
               <a:buNone/>
-              <a:defRPr b="0" i="0" sz="5760" u="none" cap="none" strike="noStrike">
+              <a:defRPr sz="5760" b="0" i="0" u="none" strike="noStrike" cap="none">
                 <a:solidFill>
                   <a:srgbClr val="888888"/>
                 </a:solidFill>
@@ -6254,7 +6520,7 @@
                 <a:sym typeface="Calibri"/>
               </a:defRPr>
             </a:lvl7pPr>
-            <a:lvl8pPr indent="0" lvl="7" marL="0" marR="0" algn="r">
+            <a:lvl8pPr marL="0" marR="0" lvl="7" indent="0" algn="r">
               <a:lnSpc>
                 <a:spcPct val="100000"/>
               </a:lnSpc>
@@ -6270,7 +6536,7 @@
               <a:buSzPts val="5760"/>
               <a:buFont typeface="Arial"/>
               <a:buNone/>
-              <a:defRPr b="0" i="0" sz="5760" u="none" cap="none" strike="noStrike">
+              <a:defRPr sz="5760" b="0" i="0" u="none" strike="noStrike" cap="none">
                 <a:solidFill>
                   <a:srgbClr val="888888"/>
                 </a:solidFill>
@@ -6280,7 +6546,7 @@
                 <a:sym typeface="Calibri"/>
               </a:defRPr>
             </a:lvl8pPr>
-            <a:lvl9pPr indent="0" lvl="8" marL="0" marR="0" algn="r">
+            <a:lvl9pPr marL="0" marR="0" lvl="8" indent="0" algn="r">
               <a:lnSpc>
                 <a:spcPct val="100000"/>
               </a:lnSpc>
@@ -6296,7 +6562,7 @@
               <a:buSzPts val="5760"/>
               <a:buFont typeface="Arial"/>
               <a:buNone/>
-              <a:defRPr b="0" i="0" sz="5760" u="none" cap="none" strike="noStrike">
+              <a:defRPr sz="5760" b="0" i="0" u="none" strike="noStrike" cap="none">
                 <a:solidFill>
                   <a:srgbClr val="888888"/>
                 </a:solidFill>
@@ -6308,7 +6574,7 @@
             </a:lvl9pPr>
           </a:lstStyle>
           <a:p>
-            <a:pPr indent="0" lvl="0" marL="0" rtl="0" algn="r">
+            <a:pPr marL="0" lvl="0" indent="0" algn="r" rtl="0">
               <a:spcBef>
                 <a:spcPts val="0"/>
               </a:spcBef>
@@ -6334,11 +6600,11 @@
 </file>
 
 <file path=ppt/slideLayouts/slideLayout5.xml><?xml version="1.0" encoding="utf-8"?>
-<p:sldLayout xmlns:a="http://schemas.openxmlformats.org/drawingml/2006/main" xmlns:r="http://schemas.openxmlformats.org/officeDocument/2006/relationships" xmlns:mc="http://schemas.openxmlformats.org/markup-compatibility/2006" xmlns:mv="urn:schemas-microsoft-com:mac:vml" xmlns:p="http://schemas.openxmlformats.org/presentationml/2006/main" xmlns:c="http://schemas.openxmlformats.org/drawingml/2006/chart" xmlns:dgm="http://schemas.openxmlformats.org/drawingml/2006/diagram" xmlns:o="urn:schemas-microsoft-com:office:office" xmlns:v="urn:schemas-microsoft-com:vml" xmlns:pvml="urn:schemas-microsoft-com:office:powerpoint" xmlns:com="http://schemas.openxmlformats.org/drawingml/2006/compatibility" xmlns:p14="http://schemas.microsoft.com/office/powerpoint/2010/main" xmlns:p15="http://schemas.microsoft.com/office/powerpoint/2012/main" matchingName="Two Content" type="twoObj">
+<p:sldLayout xmlns:a="http://schemas.openxmlformats.org/drawingml/2006/main" xmlns:r="http://schemas.openxmlformats.org/officeDocument/2006/relationships" xmlns:p="http://schemas.openxmlformats.org/presentationml/2006/main" matchingName="Two Content" type="twoObj">
   <p:cSld name="TWO_OBJECTS">
     <p:spTree>
       <p:nvGrpSpPr>
-        <p:cNvPr id="33" name="Shape 33"/>
+        <p:cNvPr id="1" name="Shape 33"/>
         <p:cNvGrpSpPr/>
         <p:nvPr/>
       </p:nvGrpSpPr>
@@ -6353,7 +6619,9 @@
       <p:sp>
         <p:nvSpPr>
           <p:cNvPr id="34" name="Google Shape;34;p6"/>
-          <p:cNvSpPr txBox="1"/>
+          <p:cNvSpPr txBox="1">
+            <a:spLocks noGrp="1"/>
+          </p:cNvSpPr>
           <p:nvPr>
             <p:ph type="title"/>
           </p:nvPr>
@@ -6372,7 +6640,7 @@
           </a:ln>
         </p:spPr>
         <p:txBody>
-          <a:bodyPr anchorCtr="0" anchor="ctr" bIns="45700" lIns="91425" spcFirstLastPara="1" rIns="91425" wrap="square" tIns="45700"/>
+          <a:bodyPr spcFirstLastPara="1" wrap="square" lIns="91425" tIns="45700" rIns="91425" bIns="45700" anchor="ctr" anchorCtr="0"/>
           <a:lstStyle>
             <a:lvl1pPr lvl="0" algn="l">
               <a:lnSpc>
@@ -6504,15 +6772,19 @@
               <a:defRPr/>
             </a:lvl9pPr>
           </a:lstStyle>
-          <a:p/>
+          <a:p>
+            <a:endParaRPr/>
+          </a:p>
         </p:txBody>
       </p:sp>
       <p:sp>
         <p:nvSpPr>
           <p:cNvPr id="35" name="Google Shape;35;p6"/>
-          <p:cNvSpPr txBox="1"/>
+          <p:cNvSpPr txBox="1">
+            <a:spLocks noGrp="1"/>
+          </p:cNvSpPr>
           <p:nvPr>
-            <p:ph idx="1" type="body"/>
+            <p:ph type="body" idx="1"/>
           </p:nvPr>
         </p:nvSpPr>
         <p:spPr>
@@ -6529,9 +6801,9 @@
           </a:ln>
         </p:spPr>
         <p:txBody>
-          <a:bodyPr anchorCtr="0" anchor="t" bIns="45700" lIns="91425" spcFirstLastPara="1" rIns="91425" wrap="square" tIns="45700"/>
+          <a:bodyPr spcFirstLastPara="1" wrap="square" lIns="91425" tIns="45700" rIns="91425" bIns="45700" anchor="t" anchorCtr="0"/>
           <a:lstStyle>
-            <a:lvl1pPr indent="-342900" lvl="0" marL="457200" algn="l">
+            <a:lvl1pPr marL="457200" lvl="0" indent="-342900" algn="l">
               <a:lnSpc>
                 <a:spcPct val="90000"/>
               </a:lnSpc>
@@ -6548,7 +6820,7 @@
               <a:buChar char="•"/>
               <a:defRPr/>
             </a:lvl1pPr>
-            <a:lvl2pPr indent="-342900" lvl="1" marL="914400" algn="l">
+            <a:lvl2pPr marL="914400" lvl="1" indent="-342900" algn="l">
               <a:lnSpc>
                 <a:spcPct val="90000"/>
               </a:lnSpc>
@@ -6565,7 +6837,7 @@
               <a:buChar char="•"/>
               <a:defRPr/>
             </a:lvl2pPr>
-            <a:lvl3pPr indent="-342900" lvl="2" marL="1371600" algn="l">
+            <a:lvl3pPr marL="1371600" lvl="2" indent="-342900" algn="l">
               <a:lnSpc>
                 <a:spcPct val="90000"/>
               </a:lnSpc>
@@ -6582,7 +6854,7 @@
               <a:buChar char="•"/>
               <a:defRPr/>
             </a:lvl3pPr>
-            <a:lvl4pPr indent="-342900" lvl="3" marL="1828800" algn="l">
+            <a:lvl4pPr marL="1828800" lvl="3" indent="-342900" algn="l">
               <a:lnSpc>
                 <a:spcPct val="90000"/>
               </a:lnSpc>
@@ -6599,7 +6871,7 @@
               <a:buChar char="•"/>
               <a:defRPr/>
             </a:lvl4pPr>
-            <a:lvl5pPr indent="-342900" lvl="4" marL="2286000" algn="l">
+            <a:lvl5pPr marL="2286000" lvl="4" indent="-342900" algn="l">
               <a:lnSpc>
                 <a:spcPct val="90000"/>
               </a:lnSpc>
@@ -6616,7 +6888,7 @@
               <a:buChar char="•"/>
               <a:defRPr/>
             </a:lvl5pPr>
-            <a:lvl6pPr indent="-342900" lvl="5" marL="2743200" algn="l">
+            <a:lvl6pPr marL="2743200" lvl="5" indent="-342900" algn="l">
               <a:lnSpc>
                 <a:spcPct val="90000"/>
               </a:lnSpc>
@@ -6633,7 +6905,7 @@
               <a:buChar char="•"/>
               <a:defRPr/>
             </a:lvl6pPr>
-            <a:lvl7pPr indent="-342900" lvl="6" marL="3200400" algn="l">
+            <a:lvl7pPr marL="3200400" lvl="6" indent="-342900" algn="l">
               <a:lnSpc>
                 <a:spcPct val="90000"/>
               </a:lnSpc>
@@ -6650,7 +6922,7 @@
               <a:buChar char="•"/>
               <a:defRPr/>
             </a:lvl7pPr>
-            <a:lvl8pPr indent="-342900" lvl="7" marL="3657600" algn="l">
+            <a:lvl8pPr marL="3657600" lvl="7" indent="-342900" algn="l">
               <a:lnSpc>
                 <a:spcPct val="90000"/>
               </a:lnSpc>
@@ -6667,7 +6939,7 @@
               <a:buChar char="•"/>
               <a:defRPr/>
             </a:lvl8pPr>
-            <a:lvl9pPr indent="-342900" lvl="8" marL="4114800" algn="l">
+            <a:lvl9pPr marL="4114800" lvl="8" indent="-342900" algn="l">
               <a:lnSpc>
                 <a:spcPct val="90000"/>
               </a:lnSpc>
@@ -6685,15 +6957,19 @@
               <a:defRPr/>
             </a:lvl9pPr>
           </a:lstStyle>
-          <a:p/>
+          <a:p>
+            <a:endParaRPr/>
+          </a:p>
         </p:txBody>
       </p:sp>
       <p:sp>
         <p:nvSpPr>
           <p:cNvPr id="36" name="Google Shape;36;p6"/>
-          <p:cNvSpPr txBox="1"/>
+          <p:cNvSpPr txBox="1">
+            <a:spLocks noGrp="1"/>
+          </p:cNvSpPr>
           <p:nvPr>
-            <p:ph idx="2" type="body"/>
+            <p:ph type="body" idx="2"/>
           </p:nvPr>
         </p:nvSpPr>
         <p:spPr>
@@ -6710,9 +6986,9 @@
           </a:ln>
         </p:spPr>
         <p:txBody>
-          <a:bodyPr anchorCtr="0" anchor="t" bIns="45700" lIns="91425" spcFirstLastPara="1" rIns="91425" wrap="square" tIns="45700"/>
+          <a:bodyPr spcFirstLastPara="1" wrap="square" lIns="91425" tIns="45700" rIns="91425" bIns="45700" anchor="t" anchorCtr="0"/>
           <a:lstStyle>
-            <a:lvl1pPr indent="-342900" lvl="0" marL="457200" algn="l">
+            <a:lvl1pPr marL="457200" lvl="0" indent="-342900" algn="l">
               <a:lnSpc>
                 <a:spcPct val="90000"/>
               </a:lnSpc>
@@ -6729,7 +7005,7 @@
               <a:buChar char="•"/>
               <a:defRPr/>
             </a:lvl1pPr>
-            <a:lvl2pPr indent="-342900" lvl="1" marL="914400" algn="l">
+            <a:lvl2pPr marL="914400" lvl="1" indent="-342900" algn="l">
               <a:lnSpc>
                 <a:spcPct val="90000"/>
               </a:lnSpc>
@@ -6746,7 +7022,7 @@
               <a:buChar char="•"/>
               <a:defRPr/>
             </a:lvl2pPr>
-            <a:lvl3pPr indent="-342900" lvl="2" marL="1371600" algn="l">
+            <a:lvl3pPr marL="1371600" lvl="2" indent="-342900" algn="l">
               <a:lnSpc>
                 <a:spcPct val="90000"/>
               </a:lnSpc>
@@ -6763,7 +7039,7 @@
               <a:buChar char="•"/>
               <a:defRPr/>
             </a:lvl3pPr>
-            <a:lvl4pPr indent="-342900" lvl="3" marL="1828800" algn="l">
+            <a:lvl4pPr marL="1828800" lvl="3" indent="-342900" algn="l">
               <a:lnSpc>
                 <a:spcPct val="90000"/>
               </a:lnSpc>
@@ -6780,7 +7056,7 @@
               <a:buChar char="•"/>
               <a:defRPr/>
             </a:lvl4pPr>
-            <a:lvl5pPr indent="-342900" lvl="4" marL="2286000" algn="l">
+            <a:lvl5pPr marL="2286000" lvl="4" indent="-342900" algn="l">
               <a:lnSpc>
                 <a:spcPct val="90000"/>
               </a:lnSpc>
@@ -6797,7 +7073,7 @@
               <a:buChar char="•"/>
               <a:defRPr/>
             </a:lvl5pPr>
-            <a:lvl6pPr indent="-342900" lvl="5" marL="2743200" algn="l">
+            <a:lvl6pPr marL="2743200" lvl="5" indent="-342900" algn="l">
               <a:lnSpc>
                 <a:spcPct val="90000"/>
               </a:lnSpc>
@@ -6814,7 +7090,7 @@
               <a:buChar char="•"/>
               <a:defRPr/>
             </a:lvl6pPr>
-            <a:lvl7pPr indent="-342900" lvl="6" marL="3200400" algn="l">
+            <a:lvl7pPr marL="3200400" lvl="6" indent="-342900" algn="l">
               <a:lnSpc>
                 <a:spcPct val="90000"/>
               </a:lnSpc>
@@ -6831,7 +7107,7 @@
               <a:buChar char="•"/>
               <a:defRPr/>
             </a:lvl7pPr>
-            <a:lvl8pPr indent="-342900" lvl="7" marL="3657600" algn="l">
+            <a:lvl8pPr marL="3657600" lvl="7" indent="-342900" algn="l">
               <a:lnSpc>
                 <a:spcPct val="90000"/>
               </a:lnSpc>
@@ -6848,7 +7124,7 @@
               <a:buChar char="•"/>
               <a:defRPr/>
             </a:lvl8pPr>
-            <a:lvl9pPr indent="-342900" lvl="8" marL="4114800" algn="l">
+            <a:lvl9pPr marL="4114800" lvl="8" indent="-342900" algn="l">
               <a:lnSpc>
                 <a:spcPct val="90000"/>
               </a:lnSpc>
@@ -6866,15 +7142,19 @@
               <a:defRPr/>
             </a:lvl9pPr>
           </a:lstStyle>
-          <a:p/>
+          <a:p>
+            <a:endParaRPr/>
+          </a:p>
         </p:txBody>
       </p:sp>
       <p:sp>
         <p:nvSpPr>
           <p:cNvPr id="37" name="Google Shape;37;p6"/>
-          <p:cNvSpPr txBox="1"/>
+          <p:cNvSpPr txBox="1">
+            <a:spLocks noGrp="1"/>
+          </p:cNvSpPr>
           <p:nvPr>
-            <p:ph idx="10" type="dt"/>
+            <p:ph type="dt" idx="10"/>
           </p:nvPr>
         </p:nvSpPr>
         <p:spPr>
@@ -6891,7 +7171,7 @@
           </a:ln>
         </p:spPr>
         <p:txBody>
-          <a:bodyPr anchorCtr="0" anchor="ctr" bIns="45700" lIns="91425" spcFirstLastPara="1" rIns="91425" wrap="square" tIns="45700"/>
+          <a:bodyPr spcFirstLastPara="1" wrap="square" lIns="91425" tIns="45700" rIns="91425" bIns="45700" anchor="ctr" anchorCtr="0"/>
           <a:lstStyle>
             <a:lvl1pPr lvl="0" algn="l">
               <a:lnSpc>
@@ -7020,15 +7300,19 @@
               <a:defRPr/>
             </a:lvl9pPr>
           </a:lstStyle>
-          <a:p/>
+          <a:p>
+            <a:endParaRPr/>
+          </a:p>
         </p:txBody>
       </p:sp>
       <p:sp>
         <p:nvSpPr>
           <p:cNvPr id="38" name="Google Shape;38;p6"/>
-          <p:cNvSpPr txBox="1"/>
+          <p:cNvSpPr txBox="1">
+            <a:spLocks noGrp="1"/>
+          </p:cNvSpPr>
           <p:nvPr>
-            <p:ph idx="11" type="ftr"/>
+            <p:ph type="ftr" idx="11"/>
           </p:nvPr>
         </p:nvSpPr>
         <p:spPr>
@@ -7045,7 +7329,7 @@
           </a:ln>
         </p:spPr>
         <p:txBody>
-          <a:bodyPr anchorCtr="0" anchor="ctr" bIns="45700" lIns="91425" spcFirstLastPara="1" rIns="91425" wrap="square" tIns="45700"/>
+          <a:bodyPr spcFirstLastPara="1" wrap="square" lIns="91425" tIns="45700" rIns="91425" bIns="45700" anchor="ctr" anchorCtr="0"/>
           <a:lstStyle>
             <a:lvl1pPr lvl="0" algn="ctr">
               <a:lnSpc>
@@ -7174,15 +7458,19 @@
               <a:defRPr/>
             </a:lvl9pPr>
           </a:lstStyle>
-          <a:p/>
+          <a:p>
+            <a:endParaRPr/>
+          </a:p>
         </p:txBody>
       </p:sp>
       <p:sp>
         <p:nvSpPr>
           <p:cNvPr id="39" name="Google Shape;39;p6"/>
-          <p:cNvSpPr txBox="1"/>
+          <p:cNvSpPr txBox="1">
+            <a:spLocks noGrp="1"/>
+          </p:cNvSpPr>
           <p:nvPr>
-            <p:ph idx="12" type="sldNum"/>
+            <p:ph type="sldNum" idx="12"/>
           </p:nvPr>
         </p:nvSpPr>
         <p:spPr>
@@ -7199,11 +7487,11 @@
           </a:ln>
         </p:spPr>
         <p:txBody>
-          <a:bodyPr anchorCtr="0" anchor="ctr" bIns="45700" lIns="91425" spcFirstLastPara="1" rIns="91425" wrap="square" tIns="45700">
+          <a:bodyPr spcFirstLastPara="1" wrap="square" lIns="91425" tIns="45700" rIns="91425" bIns="45700" anchor="ctr" anchorCtr="0">
             <a:noAutofit/>
           </a:bodyPr>
           <a:lstStyle>
-            <a:lvl1pPr indent="0" lvl="0" marL="0" marR="0" algn="r">
+            <a:lvl1pPr marL="0" marR="0" lvl="0" indent="0" algn="r">
               <a:lnSpc>
                 <a:spcPct val="100000"/>
               </a:lnSpc>
@@ -7219,7 +7507,7 @@
               <a:buSzPts val="5760"/>
               <a:buFont typeface="Arial"/>
               <a:buNone/>
-              <a:defRPr b="0" i="0" sz="5760" u="none" cap="none" strike="noStrike">
+              <a:defRPr sz="5760" b="0" i="0" u="none" strike="noStrike" cap="none">
                 <a:solidFill>
                   <a:srgbClr val="888888"/>
                 </a:solidFill>
@@ -7229,7 +7517,7 @@
                 <a:sym typeface="Calibri"/>
               </a:defRPr>
             </a:lvl1pPr>
-            <a:lvl2pPr indent="0" lvl="1" marL="0" marR="0" algn="r">
+            <a:lvl2pPr marL="0" marR="0" lvl="1" indent="0" algn="r">
               <a:lnSpc>
                 <a:spcPct val="100000"/>
               </a:lnSpc>
@@ -7245,7 +7533,7 @@
               <a:buSzPts val="5760"/>
               <a:buFont typeface="Arial"/>
               <a:buNone/>
-              <a:defRPr b="0" i="0" sz="5760" u="none" cap="none" strike="noStrike">
+              <a:defRPr sz="5760" b="0" i="0" u="none" strike="noStrike" cap="none">
                 <a:solidFill>
                   <a:srgbClr val="888888"/>
                 </a:solidFill>
@@ -7255,7 +7543,7 @@
                 <a:sym typeface="Calibri"/>
               </a:defRPr>
             </a:lvl2pPr>
-            <a:lvl3pPr indent="0" lvl="2" marL="0" marR="0" algn="r">
+            <a:lvl3pPr marL="0" marR="0" lvl="2" indent="0" algn="r">
               <a:lnSpc>
                 <a:spcPct val="100000"/>
               </a:lnSpc>
@@ -7271,7 +7559,7 @@
               <a:buSzPts val="5760"/>
               <a:buFont typeface="Arial"/>
               <a:buNone/>
-              <a:defRPr b="0" i="0" sz="5760" u="none" cap="none" strike="noStrike">
+              <a:defRPr sz="5760" b="0" i="0" u="none" strike="noStrike" cap="none">
                 <a:solidFill>
                   <a:srgbClr val="888888"/>
                 </a:solidFill>
@@ -7281,7 +7569,7 @@
                 <a:sym typeface="Calibri"/>
               </a:defRPr>
             </a:lvl3pPr>
-            <a:lvl4pPr indent="0" lvl="3" marL="0" marR="0" algn="r">
+            <a:lvl4pPr marL="0" marR="0" lvl="3" indent="0" algn="r">
               <a:lnSpc>
                 <a:spcPct val="100000"/>
               </a:lnSpc>
@@ -7297,7 +7585,7 @@
               <a:buSzPts val="5760"/>
               <a:buFont typeface="Arial"/>
               <a:buNone/>
-              <a:defRPr b="0" i="0" sz="5760" u="none" cap="none" strike="noStrike">
+              <a:defRPr sz="5760" b="0" i="0" u="none" strike="noStrike" cap="none">
                 <a:solidFill>
                   <a:srgbClr val="888888"/>
                 </a:solidFill>
@@ -7307,7 +7595,7 @@
                 <a:sym typeface="Calibri"/>
               </a:defRPr>
             </a:lvl4pPr>
-            <a:lvl5pPr indent="0" lvl="4" marL="0" marR="0" algn="r">
+            <a:lvl5pPr marL="0" marR="0" lvl="4" indent="0" algn="r">
               <a:lnSpc>
                 <a:spcPct val="100000"/>
               </a:lnSpc>
@@ -7323,7 +7611,7 @@
               <a:buSzPts val="5760"/>
               <a:buFont typeface="Arial"/>
               <a:buNone/>
-              <a:defRPr b="0" i="0" sz="5760" u="none" cap="none" strike="noStrike">
+              <a:defRPr sz="5760" b="0" i="0" u="none" strike="noStrike" cap="none">
                 <a:solidFill>
                   <a:srgbClr val="888888"/>
                 </a:solidFill>
@@ -7333,7 +7621,7 @@
                 <a:sym typeface="Calibri"/>
               </a:defRPr>
             </a:lvl5pPr>
-            <a:lvl6pPr indent="0" lvl="5" marL="0" marR="0" algn="r">
+            <a:lvl6pPr marL="0" marR="0" lvl="5" indent="0" algn="r">
               <a:lnSpc>
                 <a:spcPct val="100000"/>
               </a:lnSpc>
@@ -7349,7 +7637,7 @@
               <a:buSzPts val="5760"/>
               <a:buFont typeface="Arial"/>
               <a:buNone/>
-              <a:defRPr b="0" i="0" sz="5760" u="none" cap="none" strike="noStrike">
+              <a:defRPr sz="5760" b="0" i="0" u="none" strike="noStrike" cap="none">
                 <a:solidFill>
                   <a:srgbClr val="888888"/>
                 </a:solidFill>
@@ -7359,7 +7647,7 @@
                 <a:sym typeface="Calibri"/>
               </a:defRPr>
             </a:lvl6pPr>
-            <a:lvl7pPr indent="0" lvl="6" marL="0" marR="0" algn="r">
+            <a:lvl7pPr marL="0" marR="0" lvl="6" indent="0" algn="r">
               <a:lnSpc>
                 <a:spcPct val="100000"/>
               </a:lnSpc>
@@ -7375,7 +7663,7 @@
               <a:buSzPts val="5760"/>
               <a:buFont typeface="Arial"/>
               <a:buNone/>
-              <a:defRPr b="0" i="0" sz="5760" u="none" cap="none" strike="noStrike">
+              <a:defRPr sz="5760" b="0" i="0" u="none" strike="noStrike" cap="none">
                 <a:solidFill>
                   <a:srgbClr val="888888"/>
                 </a:solidFill>
@@ -7385,7 +7673,7 @@
                 <a:sym typeface="Calibri"/>
               </a:defRPr>
             </a:lvl7pPr>
-            <a:lvl8pPr indent="0" lvl="7" marL="0" marR="0" algn="r">
+            <a:lvl8pPr marL="0" marR="0" lvl="7" indent="0" algn="r">
               <a:lnSpc>
                 <a:spcPct val="100000"/>
               </a:lnSpc>
@@ -7401,7 +7689,7 @@
               <a:buSzPts val="5760"/>
               <a:buFont typeface="Arial"/>
               <a:buNone/>
-              <a:defRPr b="0" i="0" sz="5760" u="none" cap="none" strike="noStrike">
+              <a:defRPr sz="5760" b="0" i="0" u="none" strike="noStrike" cap="none">
                 <a:solidFill>
                   <a:srgbClr val="888888"/>
                 </a:solidFill>
@@ -7411,7 +7699,7 @@
                 <a:sym typeface="Calibri"/>
               </a:defRPr>
             </a:lvl8pPr>
-            <a:lvl9pPr indent="0" lvl="8" marL="0" marR="0" algn="r">
+            <a:lvl9pPr marL="0" marR="0" lvl="8" indent="0" algn="r">
               <a:lnSpc>
                 <a:spcPct val="100000"/>
               </a:lnSpc>
@@ -7427,7 +7715,7 @@
               <a:buSzPts val="5760"/>
               <a:buFont typeface="Arial"/>
               <a:buNone/>
-              <a:defRPr b="0" i="0" sz="5760" u="none" cap="none" strike="noStrike">
+              <a:defRPr sz="5760" b="0" i="0" u="none" strike="noStrike" cap="none">
                 <a:solidFill>
                   <a:srgbClr val="888888"/>
                 </a:solidFill>
@@ -7439,7 +7727,7 @@
             </a:lvl9pPr>
           </a:lstStyle>
           <a:p>
-            <a:pPr indent="0" lvl="0" marL="0" rtl="0" algn="r">
+            <a:pPr marL="0" lvl="0" indent="0" algn="r" rtl="0">
               <a:spcBef>
                 <a:spcPts val="0"/>
               </a:spcBef>
@@ -7465,11 +7753,11 @@
 </file>
 
 <file path=ppt/slideLayouts/slideLayout6.xml><?xml version="1.0" encoding="utf-8"?>
-<p:sldLayout xmlns:a="http://schemas.openxmlformats.org/drawingml/2006/main" xmlns:r="http://schemas.openxmlformats.org/officeDocument/2006/relationships" xmlns:mc="http://schemas.openxmlformats.org/markup-compatibility/2006" xmlns:mv="urn:schemas-microsoft-com:mac:vml" xmlns:p="http://schemas.openxmlformats.org/presentationml/2006/main" xmlns:c="http://schemas.openxmlformats.org/drawingml/2006/chart" xmlns:dgm="http://schemas.openxmlformats.org/drawingml/2006/diagram" xmlns:o="urn:schemas-microsoft-com:office:office" xmlns:v="urn:schemas-microsoft-com:vml" xmlns:pvml="urn:schemas-microsoft-com:office:powerpoint" xmlns:com="http://schemas.openxmlformats.org/drawingml/2006/compatibility" xmlns:p14="http://schemas.microsoft.com/office/powerpoint/2010/main" xmlns:p15="http://schemas.microsoft.com/office/powerpoint/2012/main" matchingName="Comparison" type="twoTxTwoObj">
+<p:sldLayout xmlns:a="http://schemas.openxmlformats.org/drawingml/2006/main" xmlns:r="http://schemas.openxmlformats.org/officeDocument/2006/relationships" xmlns:p="http://schemas.openxmlformats.org/presentationml/2006/main" matchingName="Comparison" type="twoTxTwoObj">
   <p:cSld name="TWO_OBJECTS_WITH_TEXT">
     <p:spTree>
       <p:nvGrpSpPr>
-        <p:cNvPr id="40" name="Shape 40"/>
+        <p:cNvPr id="1" name="Shape 40"/>
         <p:cNvGrpSpPr/>
         <p:nvPr/>
       </p:nvGrpSpPr>
@@ -7484,7 +7772,9 @@
       <p:sp>
         <p:nvSpPr>
           <p:cNvPr id="41" name="Google Shape;41;p7"/>
-          <p:cNvSpPr txBox="1"/>
+          <p:cNvSpPr txBox="1">
+            <a:spLocks noGrp="1"/>
+          </p:cNvSpPr>
           <p:nvPr>
             <p:ph type="title"/>
           </p:nvPr>
@@ -7503,7 +7793,7 @@
           </a:ln>
         </p:spPr>
         <p:txBody>
-          <a:bodyPr anchorCtr="0" anchor="ctr" bIns="45700" lIns="91425" spcFirstLastPara="1" rIns="91425" wrap="square" tIns="45700"/>
+          <a:bodyPr spcFirstLastPara="1" wrap="square" lIns="91425" tIns="45700" rIns="91425" bIns="45700" anchor="ctr" anchorCtr="0"/>
           <a:lstStyle>
             <a:lvl1pPr lvl="0" algn="l">
               <a:lnSpc>
@@ -7635,15 +7925,19 @@
               <a:defRPr/>
             </a:lvl9pPr>
           </a:lstStyle>
-          <a:p/>
+          <a:p>
+            <a:endParaRPr/>
+          </a:p>
         </p:txBody>
       </p:sp>
       <p:sp>
         <p:nvSpPr>
           <p:cNvPr id="42" name="Google Shape;42;p7"/>
-          <p:cNvSpPr txBox="1"/>
+          <p:cNvSpPr txBox="1">
+            <a:spLocks noGrp="1"/>
+          </p:cNvSpPr>
           <p:nvPr>
-            <p:ph idx="1" type="body"/>
+            <p:ph type="body" idx="1"/>
           </p:nvPr>
         </p:nvSpPr>
         <p:spPr>
@@ -7660,9 +7954,9 @@
           </a:ln>
         </p:spPr>
         <p:txBody>
-          <a:bodyPr anchorCtr="0" anchor="b" bIns="45700" lIns="91425" spcFirstLastPara="1" rIns="91425" wrap="square" tIns="45700"/>
+          <a:bodyPr spcFirstLastPara="1" wrap="square" lIns="91425" tIns="45700" rIns="91425" bIns="45700" anchor="b" anchorCtr="0"/>
           <a:lstStyle>
-            <a:lvl1pPr indent="-228600" lvl="0" marL="457200" algn="l">
+            <a:lvl1pPr marL="457200" lvl="0" indent="-228600" algn="l">
               <a:lnSpc>
                 <a:spcPct val="90000"/>
               </a:lnSpc>
@@ -7677,9 +7971,9 @@
               </a:buClr>
               <a:buSzPts val="11520"/>
               <a:buNone/>
-              <a:defRPr b="1" sz="11520"/>
+              <a:defRPr sz="11520" b="1"/>
             </a:lvl1pPr>
-            <a:lvl2pPr indent="-228600" lvl="1" marL="914400" algn="l">
+            <a:lvl2pPr marL="914400" lvl="1" indent="-228600" algn="l">
               <a:lnSpc>
                 <a:spcPct val="90000"/>
               </a:lnSpc>
@@ -7694,9 +7988,9 @@
               </a:buClr>
               <a:buSzPts val="9600"/>
               <a:buNone/>
-              <a:defRPr b="1" sz="9600"/>
+              <a:defRPr sz="9600" b="1"/>
             </a:lvl2pPr>
-            <a:lvl3pPr indent="-228600" lvl="2" marL="1371600" algn="l">
+            <a:lvl3pPr marL="1371600" lvl="2" indent="-228600" algn="l">
               <a:lnSpc>
                 <a:spcPct val="90000"/>
               </a:lnSpc>
@@ -7711,9 +8005,9 @@
               </a:buClr>
               <a:buSzPts val="8640"/>
               <a:buNone/>
-              <a:defRPr b="1" sz="8640"/>
+              <a:defRPr sz="8640" b="1"/>
             </a:lvl3pPr>
-            <a:lvl4pPr indent="-228600" lvl="3" marL="1828800" algn="l">
+            <a:lvl4pPr marL="1828800" lvl="3" indent="-228600" algn="l">
               <a:lnSpc>
                 <a:spcPct val="90000"/>
               </a:lnSpc>
@@ -7728,9 +8022,9 @@
               </a:buClr>
               <a:buSzPts val="7680"/>
               <a:buNone/>
-              <a:defRPr b="1" sz="7680"/>
+              <a:defRPr sz="7680" b="1"/>
             </a:lvl4pPr>
-            <a:lvl5pPr indent="-228600" lvl="4" marL="2286000" algn="l">
+            <a:lvl5pPr marL="2286000" lvl="4" indent="-228600" algn="l">
               <a:lnSpc>
                 <a:spcPct val="90000"/>
               </a:lnSpc>
@@ -7745,9 +8039,9 @@
               </a:buClr>
               <a:buSzPts val="7680"/>
               <a:buNone/>
-              <a:defRPr b="1" sz="7680"/>
+              <a:defRPr sz="7680" b="1"/>
             </a:lvl5pPr>
-            <a:lvl6pPr indent="-228600" lvl="5" marL="2743200" algn="l">
+            <a:lvl6pPr marL="2743200" lvl="5" indent="-228600" algn="l">
               <a:lnSpc>
                 <a:spcPct val="90000"/>
               </a:lnSpc>
@@ -7762,9 +8056,9 @@
               </a:buClr>
               <a:buSzPts val="7680"/>
               <a:buNone/>
-              <a:defRPr b="1" sz="7680"/>
+              <a:defRPr sz="7680" b="1"/>
             </a:lvl6pPr>
-            <a:lvl7pPr indent="-228600" lvl="6" marL="3200400" algn="l">
+            <a:lvl7pPr marL="3200400" lvl="6" indent="-228600" algn="l">
               <a:lnSpc>
                 <a:spcPct val="90000"/>
               </a:lnSpc>
@@ -7779,9 +8073,9 @@
               </a:buClr>
               <a:buSzPts val="7680"/>
               <a:buNone/>
-              <a:defRPr b="1" sz="7680"/>
+              <a:defRPr sz="7680" b="1"/>
             </a:lvl7pPr>
-            <a:lvl8pPr indent="-228600" lvl="7" marL="3657600" algn="l">
+            <a:lvl8pPr marL="3657600" lvl="7" indent="-228600" algn="l">
               <a:lnSpc>
                 <a:spcPct val="90000"/>
               </a:lnSpc>
@@ -7796,9 +8090,9 @@
               </a:buClr>
               <a:buSzPts val="7680"/>
               <a:buNone/>
-              <a:defRPr b="1" sz="7680"/>
+              <a:defRPr sz="7680" b="1"/>
             </a:lvl8pPr>
-            <a:lvl9pPr indent="-228600" lvl="8" marL="4114800" algn="l">
+            <a:lvl9pPr marL="4114800" lvl="8" indent="-228600" algn="l">
               <a:lnSpc>
                 <a:spcPct val="90000"/>
               </a:lnSpc>
@@ -7813,18 +8107,22 @@
               </a:buClr>
               <a:buSzPts val="7680"/>
               <a:buNone/>
-              <a:defRPr b="1" sz="7680"/>
+              <a:defRPr sz="7680" b="1"/>
             </a:lvl9pPr>
           </a:lstStyle>
-          <a:p/>
+          <a:p>
+            <a:endParaRPr/>
+          </a:p>
         </p:txBody>
       </p:sp>
       <p:sp>
         <p:nvSpPr>
           <p:cNvPr id="43" name="Google Shape;43;p7"/>
-          <p:cNvSpPr txBox="1"/>
+          <p:cNvSpPr txBox="1">
+            <a:spLocks noGrp="1"/>
+          </p:cNvSpPr>
           <p:nvPr>
-            <p:ph idx="2" type="body"/>
+            <p:ph type="body" idx="2"/>
           </p:nvPr>
         </p:nvSpPr>
         <p:spPr>
@@ -7841,9 +8139,9 @@
           </a:ln>
         </p:spPr>
         <p:txBody>
-          <a:bodyPr anchorCtr="0" anchor="t" bIns="45700" lIns="91425" spcFirstLastPara="1" rIns="91425" wrap="square" tIns="45700"/>
+          <a:bodyPr spcFirstLastPara="1" wrap="square" lIns="91425" tIns="45700" rIns="91425" bIns="45700" anchor="t" anchorCtr="0"/>
           <a:lstStyle>
-            <a:lvl1pPr indent="-342900" lvl="0" marL="457200" algn="l">
+            <a:lvl1pPr marL="457200" lvl="0" indent="-342900" algn="l">
               <a:lnSpc>
                 <a:spcPct val="90000"/>
               </a:lnSpc>
@@ -7860,7 +8158,7 @@
               <a:buChar char="•"/>
               <a:defRPr/>
             </a:lvl1pPr>
-            <a:lvl2pPr indent="-342900" lvl="1" marL="914400" algn="l">
+            <a:lvl2pPr marL="914400" lvl="1" indent="-342900" algn="l">
               <a:lnSpc>
                 <a:spcPct val="90000"/>
               </a:lnSpc>
@@ -7877,7 +8175,7 @@
               <a:buChar char="•"/>
               <a:defRPr/>
             </a:lvl2pPr>
-            <a:lvl3pPr indent="-342900" lvl="2" marL="1371600" algn="l">
+            <a:lvl3pPr marL="1371600" lvl="2" indent="-342900" algn="l">
               <a:lnSpc>
                 <a:spcPct val="90000"/>
               </a:lnSpc>
@@ -7894,7 +8192,7 @@
               <a:buChar char="•"/>
               <a:defRPr/>
             </a:lvl3pPr>
-            <a:lvl4pPr indent="-342900" lvl="3" marL="1828800" algn="l">
+            <a:lvl4pPr marL="1828800" lvl="3" indent="-342900" algn="l">
               <a:lnSpc>
                 <a:spcPct val="90000"/>
               </a:lnSpc>
@@ -7911,7 +8209,7 @@
               <a:buChar char="•"/>
               <a:defRPr/>
             </a:lvl4pPr>
-            <a:lvl5pPr indent="-342900" lvl="4" marL="2286000" algn="l">
+            <a:lvl5pPr marL="2286000" lvl="4" indent="-342900" algn="l">
               <a:lnSpc>
                 <a:spcPct val="90000"/>
               </a:lnSpc>
@@ -7928,7 +8226,7 @@
               <a:buChar char="•"/>
               <a:defRPr/>
             </a:lvl5pPr>
-            <a:lvl6pPr indent="-342900" lvl="5" marL="2743200" algn="l">
+            <a:lvl6pPr marL="2743200" lvl="5" indent="-342900" algn="l">
               <a:lnSpc>
                 <a:spcPct val="90000"/>
               </a:lnSpc>
@@ -7945,7 +8243,7 @@
               <a:buChar char="•"/>
               <a:defRPr/>
             </a:lvl6pPr>
-            <a:lvl7pPr indent="-342900" lvl="6" marL="3200400" algn="l">
+            <a:lvl7pPr marL="3200400" lvl="6" indent="-342900" algn="l">
               <a:lnSpc>
                 <a:spcPct val="90000"/>
               </a:lnSpc>
@@ -7962,7 +8260,7 @@
               <a:buChar char="•"/>
               <a:defRPr/>
             </a:lvl7pPr>
-            <a:lvl8pPr indent="-342900" lvl="7" marL="3657600" algn="l">
+            <a:lvl8pPr marL="3657600" lvl="7" indent="-342900" algn="l">
               <a:lnSpc>
                 <a:spcPct val="90000"/>
               </a:lnSpc>
@@ -7979,7 +8277,7 @@
               <a:buChar char="•"/>
               <a:defRPr/>
             </a:lvl8pPr>
-            <a:lvl9pPr indent="-342900" lvl="8" marL="4114800" algn="l">
+            <a:lvl9pPr marL="4114800" lvl="8" indent="-342900" algn="l">
               <a:lnSpc>
                 <a:spcPct val="90000"/>
               </a:lnSpc>
@@ -7997,15 +8295,19 @@
               <a:defRPr/>
             </a:lvl9pPr>
           </a:lstStyle>
-          <a:p/>
+          <a:p>
+            <a:endParaRPr/>
+          </a:p>
         </p:txBody>
       </p:sp>
       <p:sp>
         <p:nvSpPr>
           <p:cNvPr id="44" name="Google Shape;44;p7"/>
-          <p:cNvSpPr txBox="1"/>
+          <p:cNvSpPr txBox="1">
+            <a:spLocks noGrp="1"/>
+          </p:cNvSpPr>
           <p:nvPr>
-            <p:ph idx="3" type="body"/>
+            <p:ph type="body" idx="3"/>
           </p:nvPr>
         </p:nvSpPr>
         <p:spPr>
@@ -8022,9 +8324,9 @@
           </a:ln>
         </p:spPr>
         <p:txBody>
-          <a:bodyPr anchorCtr="0" anchor="b" bIns="45700" lIns="91425" spcFirstLastPara="1" rIns="91425" wrap="square" tIns="45700"/>
+          <a:bodyPr spcFirstLastPara="1" wrap="square" lIns="91425" tIns="45700" rIns="91425" bIns="45700" anchor="b" anchorCtr="0"/>
           <a:lstStyle>
-            <a:lvl1pPr indent="-228600" lvl="0" marL="457200" algn="l">
+            <a:lvl1pPr marL="457200" lvl="0" indent="-228600" algn="l">
               <a:lnSpc>
                 <a:spcPct val="90000"/>
               </a:lnSpc>
@@ -8039,9 +8341,9 @@
               </a:buClr>
               <a:buSzPts val="11520"/>
               <a:buNone/>
-              <a:defRPr b="1" sz="11520"/>
+              <a:defRPr sz="11520" b="1"/>
             </a:lvl1pPr>
-            <a:lvl2pPr indent="-228600" lvl="1" marL="914400" algn="l">
+            <a:lvl2pPr marL="914400" lvl="1" indent="-228600" algn="l">
               <a:lnSpc>
                 <a:spcPct val="90000"/>
               </a:lnSpc>
@@ -8056,9 +8358,9 @@
               </a:buClr>
               <a:buSzPts val="9600"/>
               <a:buNone/>
-              <a:defRPr b="1" sz="9600"/>
+              <a:defRPr sz="9600" b="1"/>
             </a:lvl2pPr>
-            <a:lvl3pPr indent="-228600" lvl="2" marL="1371600" algn="l">
+            <a:lvl3pPr marL="1371600" lvl="2" indent="-228600" algn="l">
               <a:lnSpc>
                 <a:spcPct val="90000"/>
               </a:lnSpc>
@@ -8073,9 +8375,9 @@
               </a:buClr>
               <a:buSzPts val="8640"/>
               <a:buNone/>
-              <a:defRPr b="1" sz="8640"/>
+              <a:defRPr sz="8640" b="1"/>
             </a:lvl3pPr>
-            <a:lvl4pPr indent="-228600" lvl="3" marL="1828800" algn="l">
+            <a:lvl4pPr marL="1828800" lvl="3" indent="-228600" algn="l">
               <a:lnSpc>
                 <a:spcPct val="90000"/>
               </a:lnSpc>
@@ -8090,9 +8392,9 @@
               </a:buClr>
               <a:buSzPts val="7680"/>
               <a:buNone/>
-              <a:defRPr b="1" sz="7680"/>
+              <a:defRPr sz="7680" b="1"/>
             </a:lvl4pPr>
-            <a:lvl5pPr indent="-228600" lvl="4" marL="2286000" algn="l">
+            <a:lvl5pPr marL="2286000" lvl="4" indent="-228600" algn="l">
               <a:lnSpc>
                 <a:spcPct val="90000"/>
               </a:lnSpc>
@@ -8107,9 +8409,9 @@
               </a:buClr>
               <a:buSzPts val="7680"/>
               <a:buNone/>
-              <a:defRPr b="1" sz="7680"/>
+              <a:defRPr sz="7680" b="1"/>
             </a:lvl5pPr>
-            <a:lvl6pPr indent="-228600" lvl="5" marL="2743200" algn="l">
+            <a:lvl6pPr marL="2743200" lvl="5" indent="-228600" algn="l">
               <a:lnSpc>
                 <a:spcPct val="90000"/>
               </a:lnSpc>
@@ -8124,9 +8426,9 @@
               </a:buClr>
               <a:buSzPts val="7680"/>
               <a:buNone/>
-              <a:defRPr b="1" sz="7680"/>
+              <a:defRPr sz="7680" b="1"/>
             </a:lvl6pPr>
-            <a:lvl7pPr indent="-228600" lvl="6" marL="3200400" algn="l">
+            <a:lvl7pPr marL="3200400" lvl="6" indent="-228600" algn="l">
               <a:lnSpc>
                 <a:spcPct val="90000"/>
               </a:lnSpc>
@@ -8141,9 +8443,9 @@
               </a:buClr>
               <a:buSzPts val="7680"/>
               <a:buNone/>
-              <a:defRPr b="1" sz="7680"/>
+              <a:defRPr sz="7680" b="1"/>
             </a:lvl7pPr>
-            <a:lvl8pPr indent="-228600" lvl="7" marL="3657600" algn="l">
+            <a:lvl8pPr marL="3657600" lvl="7" indent="-228600" algn="l">
               <a:lnSpc>
                 <a:spcPct val="90000"/>
               </a:lnSpc>
@@ -8158,9 +8460,9 @@
               </a:buClr>
               <a:buSzPts val="7680"/>
               <a:buNone/>
-              <a:defRPr b="1" sz="7680"/>
+              <a:defRPr sz="7680" b="1"/>
             </a:lvl8pPr>
-            <a:lvl9pPr indent="-228600" lvl="8" marL="4114800" algn="l">
+            <a:lvl9pPr marL="4114800" lvl="8" indent="-228600" algn="l">
               <a:lnSpc>
                 <a:spcPct val="90000"/>
               </a:lnSpc>
@@ -8175,18 +8477,22 @@
               </a:buClr>
               <a:buSzPts val="7680"/>
               <a:buNone/>
-              <a:defRPr b="1" sz="7680"/>
+              <a:defRPr sz="7680" b="1"/>
             </a:lvl9pPr>
           </a:lstStyle>
-          <a:p/>
+          <a:p>
+            <a:endParaRPr/>
+          </a:p>
         </p:txBody>
       </p:sp>
       <p:sp>
         <p:nvSpPr>
           <p:cNvPr id="45" name="Google Shape;45;p7"/>
-          <p:cNvSpPr txBox="1"/>
+          <p:cNvSpPr txBox="1">
+            <a:spLocks noGrp="1"/>
+          </p:cNvSpPr>
           <p:nvPr>
-            <p:ph idx="4" type="body"/>
+            <p:ph type="body" idx="4"/>
           </p:nvPr>
         </p:nvSpPr>
         <p:spPr>
@@ -8203,9 +8509,9 @@
           </a:ln>
         </p:spPr>
         <p:txBody>
-          <a:bodyPr anchorCtr="0" anchor="t" bIns="45700" lIns="91425" spcFirstLastPara="1" rIns="91425" wrap="square" tIns="45700"/>
+          <a:bodyPr spcFirstLastPara="1" wrap="square" lIns="91425" tIns="45700" rIns="91425" bIns="45700" anchor="t" anchorCtr="0"/>
           <a:lstStyle>
-            <a:lvl1pPr indent="-342900" lvl="0" marL="457200" algn="l">
+            <a:lvl1pPr marL="457200" lvl="0" indent="-342900" algn="l">
               <a:lnSpc>
                 <a:spcPct val="90000"/>
               </a:lnSpc>
@@ -8222,7 +8528,7 @@
               <a:buChar char="•"/>
               <a:defRPr/>
             </a:lvl1pPr>
-            <a:lvl2pPr indent="-342900" lvl="1" marL="914400" algn="l">
+            <a:lvl2pPr marL="914400" lvl="1" indent="-342900" algn="l">
               <a:lnSpc>
                 <a:spcPct val="90000"/>
               </a:lnSpc>
@@ -8239,7 +8545,7 @@
               <a:buChar char="•"/>
               <a:defRPr/>
             </a:lvl2pPr>
-            <a:lvl3pPr indent="-342900" lvl="2" marL="1371600" algn="l">
+            <a:lvl3pPr marL="1371600" lvl="2" indent="-342900" algn="l">
               <a:lnSpc>
                 <a:spcPct val="90000"/>
               </a:lnSpc>
@@ -8256,7 +8562,7 @@
               <a:buChar char="•"/>
               <a:defRPr/>
             </a:lvl3pPr>
-            <a:lvl4pPr indent="-342900" lvl="3" marL="1828800" algn="l">
+            <a:lvl4pPr marL="1828800" lvl="3" indent="-342900" algn="l">
               <a:lnSpc>
                 <a:spcPct val="90000"/>
               </a:lnSpc>
@@ -8273,7 +8579,7 @@
               <a:buChar char="•"/>
               <a:defRPr/>
             </a:lvl4pPr>
-            <a:lvl5pPr indent="-342900" lvl="4" marL="2286000" algn="l">
+            <a:lvl5pPr marL="2286000" lvl="4" indent="-342900" algn="l">
               <a:lnSpc>
                 <a:spcPct val="90000"/>
               </a:lnSpc>
@@ -8290,7 +8596,7 @@
               <a:buChar char="•"/>
               <a:defRPr/>
             </a:lvl5pPr>
-            <a:lvl6pPr indent="-342900" lvl="5" marL="2743200" algn="l">
+            <a:lvl6pPr marL="2743200" lvl="5" indent="-342900" algn="l">
               <a:lnSpc>
                 <a:spcPct val="90000"/>
               </a:lnSpc>
@@ -8307,7 +8613,7 @@
               <a:buChar char="•"/>
               <a:defRPr/>
             </a:lvl6pPr>
-            <a:lvl7pPr indent="-342900" lvl="6" marL="3200400" algn="l">
+            <a:lvl7pPr marL="3200400" lvl="6" indent="-342900" algn="l">
               <a:lnSpc>
                 <a:spcPct val="90000"/>
               </a:lnSpc>
@@ -8324,7 +8630,7 @@
               <a:buChar char="•"/>
               <a:defRPr/>
             </a:lvl7pPr>
-            <a:lvl8pPr indent="-342900" lvl="7" marL="3657600" algn="l">
+            <a:lvl8pPr marL="3657600" lvl="7" indent="-342900" algn="l">
               <a:lnSpc>
                 <a:spcPct val="90000"/>
               </a:lnSpc>
@@ -8341,7 +8647,7 @@
               <a:buChar char="•"/>
               <a:defRPr/>
             </a:lvl8pPr>
-            <a:lvl9pPr indent="-342900" lvl="8" marL="4114800" algn="l">
+            <a:lvl9pPr marL="4114800" lvl="8" indent="-342900" algn="l">
               <a:lnSpc>
                 <a:spcPct val="90000"/>
               </a:lnSpc>
@@ -8359,15 +8665,19 @@
               <a:defRPr/>
             </a:lvl9pPr>
           </a:lstStyle>
-          <a:p/>
+          <a:p>
+            <a:endParaRPr/>
+          </a:p>
         </p:txBody>
       </p:sp>
       <p:sp>
         <p:nvSpPr>
           <p:cNvPr id="46" name="Google Shape;46;p7"/>
-          <p:cNvSpPr txBox="1"/>
+          <p:cNvSpPr txBox="1">
+            <a:spLocks noGrp="1"/>
+          </p:cNvSpPr>
           <p:nvPr>
-            <p:ph idx="10" type="dt"/>
+            <p:ph type="dt" idx="10"/>
           </p:nvPr>
         </p:nvSpPr>
         <p:spPr>
@@ -8384,7 +8694,7 @@
           </a:ln>
         </p:spPr>
         <p:txBody>
-          <a:bodyPr anchorCtr="0" anchor="ctr" bIns="45700" lIns="91425" spcFirstLastPara="1" rIns="91425" wrap="square" tIns="45700"/>
+          <a:bodyPr spcFirstLastPara="1" wrap="square" lIns="91425" tIns="45700" rIns="91425" bIns="45700" anchor="ctr" anchorCtr="0"/>
           <a:lstStyle>
             <a:lvl1pPr lvl="0" algn="l">
               <a:lnSpc>
@@ -8513,15 +8823,19 @@
               <a:defRPr/>
             </a:lvl9pPr>
           </a:lstStyle>
-          <a:p/>
+          <a:p>
+            <a:endParaRPr/>
+          </a:p>
         </p:txBody>
       </p:sp>
       <p:sp>
         <p:nvSpPr>
           <p:cNvPr id="47" name="Google Shape;47;p7"/>
-          <p:cNvSpPr txBox="1"/>
+          <p:cNvSpPr txBox="1">
+            <a:spLocks noGrp="1"/>
+          </p:cNvSpPr>
           <p:nvPr>
-            <p:ph idx="11" type="ftr"/>
+            <p:ph type="ftr" idx="11"/>
           </p:nvPr>
         </p:nvSpPr>
         <p:spPr>
@@ -8538,7 +8852,7 @@
           </a:ln>
         </p:spPr>
         <p:txBody>
-          <a:bodyPr anchorCtr="0" anchor="ctr" bIns="45700" lIns="91425" spcFirstLastPara="1" rIns="91425" wrap="square" tIns="45700"/>
+          <a:bodyPr spcFirstLastPara="1" wrap="square" lIns="91425" tIns="45700" rIns="91425" bIns="45700" anchor="ctr" anchorCtr="0"/>
           <a:lstStyle>
             <a:lvl1pPr lvl="0" algn="ctr">
               <a:lnSpc>
@@ -8667,15 +8981,19 @@
               <a:defRPr/>
             </a:lvl9pPr>
           </a:lstStyle>
-          <a:p/>
+          <a:p>
+            <a:endParaRPr/>
+          </a:p>
         </p:txBody>
       </p:sp>
       <p:sp>
         <p:nvSpPr>
           <p:cNvPr id="48" name="Google Shape;48;p7"/>
-          <p:cNvSpPr txBox="1"/>
+          <p:cNvSpPr txBox="1">
+            <a:spLocks noGrp="1"/>
+          </p:cNvSpPr>
           <p:nvPr>
-            <p:ph idx="12" type="sldNum"/>
+            <p:ph type="sldNum" idx="12"/>
           </p:nvPr>
         </p:nvSpPr>
         <p:spPr>
@@ -8692,11 +9010,11 @@
           </a:ln>
         </p:spPr>
         <p:txBody>
-          <a:bodyPr anchorCtr="0" anchor="ctr" bIns="45700" lIns="91425" spcFirstLastPara="1" rIns="91425" wrap="square" tIns="45700">
+          <a:bodyPr spcFirstLastPara="1" wrap="square" lIns="91425" tIns="45700" rIns="91425" bIns="45700" anchor="ctr" anchorCtr="0">
             <a:noAutofit/>
           </a:bodyPr>
           <a:lstStyle>
-            <a:lvl1pPr indent="0" lvl="0" marL="0" marR="0" algn="r">
+            <a:lvl1pPr marL="0" marR="0" lvl="0" indent="0" algn="r">
               <a:lnSpc>
                 <a:spcPct val="100000"/>
               </a:lnSpc>
@@ -8712,7 +9030,7 @@
               <a:buSzPts val="5760"/>
               <a:buFont typeface="Arial"/>
               <a:buNone/>
-              <a:defRPr b="0" i="0" sz="5760" u="none" cap="none" strike="noStrike">
+              <a:defRPr sz="5760" b="0" i="0" u="none" strike="noStrike" cap="none">
                 <a:solidFill>
                   <a:srgbClr val="888888"/>
                 </a:solidFill>
@@ -8722,7 +9040,7 @@
                 <a:sym typeface="Calibri"/>
               </a:defRPr>
             </a:lvl1pPr>
-            <a:lvl2pPr indent="0" lvl="1" marL="0" marR="0" algn="r">
+            <a:lvl2pPr marL="0" marR="0" lvl="1" indent="0" algn="r">
               <a:lnSpc>
                 <a:spcPct val="100000"/>
               </a:lnSpc>
@@ -8738,7 +9056,7 @@
               <a:buSzPts val="5760"/>
               <a:buFont typeface="Arial"/>
               <a:buNone/>
-              <a:defRPr b="0" i="0" sz="5760" u="none" cap="none" strike="noStrike">
+              <a:defRPr sz="5760" b="0" i="0" u="none" strike="noStrike" cap="none">
                 <a:solidFill>
                   <a:srgbClr val="888888"/>
                 </a:solidFill>
@@ -8748,7 +9066,7 @@
                 <a:sym typeface="Calibri"/>
               </a:defRPr>
             </a:lvl2pPr>
-            <a:lvl3pPr indent="0" lvl="2" marL="0" marR="0" algn="r">
+            <a:lvl3pPr marL="0" marR="0" lvl="2" indent="0" algn="r">
               <a:lnSpc>
                 <a:spcPct val="100000"/>
               </a:lnSpc>
@@ -8764,7 +9082,7 @@
               <a:buSzPts val="5760"/>
               <a:buFont typeface="Arial"/>
               <a:buNone/>
-              <a:defRPr b="0" i="0" sz="5760" u="none" cap="none" strike="noStrike">
+              <a:defRPr sz="5760" b="0" i="0" u="none" strike="noStrike" cap="none">
                 <a:solidFill>
                   <a:srgbClr val="888888"/>
                 </a:solidFill>
@@ -8774,7 +9092,7 @@
                 <a:sym typeface="Calibri"/>
               </a:defRPr>
             </a:lvl3pPr>
-            <a:lvl4pPr indent="0" lvl="3" marL="0" marR="0" algn="r">
+            <a:lvl4pPr marL="0" marR="0" lvl="3" indent="0" algn="r">
               <a:lnSpc>
                 <a:spcPct val="100000"/>
               </a:lnSpc>
@@ -8790,7 +9108,7 @@
               <a:buSzPts val="5760"/>
               <a:buFont typeface="Arial"/>
               <a:buNone/>
-              <a:defRPr b="0" i="0" sz="5760" u="none" cap="none" strike="noStrike">
+              <a:defRPr sz="5760" b="0" i="0" u="none" strike="noStrike" cap="none">
                 <a:solidFill>
                   <a:srgbClr val="888888"/>
                 </a:solidFill>
@@ -8800,7 +9118,7 @@
                 <a:sym typeface="Calibri"/>
               </a:defRPr>
             </a:lvl4pPr>
-            <a:lvl5pPr indent="0" lvl="4" marL="0" marR="0" algn="r">
+            <a:lvl5pPr marL="0" marR="0" lvl="4" indent="0" algn="r">
               <a:lnSpc>
                 <a:spcPct val="100000"/>
               </a:lnSpc>
@@ -8816,7 +9134,7 @@
               <a:buSzPts val="5760"/>
               <a:buFont typeface="Arial"/>
               <a:buNone/>
-              <a:defRPr b="0" i="0" sz="5760" u="none" cap="none" strike="noStrike">
+              <a:defRPr sz="5760" b="0" i="0" u="none" strike="noStrike" cap="none">
                 <a:solidFill>
                   <a:srgbClr val="888888"/>
                 </a:solidFill>
@@ -8826,7 +9144,7 @@
                 <a:sym typeface="Calibri"/>
               </a:defRPr>
             </a:lvl5pPr>
-            <a:lvl6pPr indent="0" lvl="5" marL="0" marR="0" algn="r">
+            <a:lvl6pPr marL="0" marR="0" lvl="5" indent="0" algn="r">
               <a:lnSpc>
                 <a:spcPct val="100000"/>
               </a:lnSpc>
@@ -8842,7 +9160,7 @@
               <a:buSzPts val="5760"/>
               <a:buFont typeface="Arial"/>
               <a:buNone/>
-              <a:defRPr b="0" i="0" sz="5760" u="none" cap="none" strike="noStrike">
+              <a:defRPr sz="5760" b="0" i="0" u="none" strike="noStrike" cap="none">
                 <a:solidFill>
                   <a:srgbClr val="888888"/>
                 </a:solidFill>
@@ -8852,7 +9170,7 @@
                 <a:sym typeface="Calibri"/>
               </a:defRPr>
             </a:lvl6pPr>
-            <a:lvl7pPr indent="0" lvl="6" marL="0" marR="0" algn="r">
+            <a:lvl7pPr marL="0" marR="0" lvl="6" indent="0" algn="r">
               <a:lnSpc>
                 <a:spcPct val="100000"/>
               </a:lnSpc>
@@ -8868,7 +9186,7 @@
               <a:buSzPts val="5760"/>
               <a:buFont typeface="Arial"/>
               <a:buNone/>
-              <a:defRPr b="0" i="0" sz="5760" u="none" cap="none" strike="noStrike">
+              <a:defRPr sz="5760" b="0" i="0" u="none" strike="noStrike" cap="none">
                 <a:solidFill>
                   <a:srgbClr val="888888"/>
                 </a:solidFill>
@@ -8878,7 +9196,7 @@
                 <a:sym typeface="Calibri"/>
               </a:defRPr>
             </a:lvl7pPr>
-            <a:lvl8pPr indent="0" lvl="7" marL="0" marR="0" algn="r">
+            <a:lvl8pPr marL="0" marR="0" lvl="7" indent="0" algn="r">
               <a:lnSpc>
                 <a:spcPct val="100000"/>
               </a:lnSpc>
@@ -8894,7 +9212,7 @@
               <a:buSzPts val="5760"/>
               <a:buFont typeface="Arial"/>
               <a:buNone/>
-              <a:defRPr b="0" i="0" sz="5760" u="none" cap="none" strike="noStrike">
+              <a:defRPr sz="5760" b="0" i="0" u="none" strike="noStrike" cap="none">
                 <a:solidFill>
                   <a:srgbClr val="888888"/>
                 </a:solidFill>
@@ -8904,7 +9222,7 @@
                 <a:sym typeface="Calibri"/>
               </a:defRPr>
             </a:lvl8pPr>
-            <a:lvl9pPr indent="0" lvl="8" marL="0" marR="0" algn="r">
+            <a:lvl9pPr marL="0" marR="0" lvl="8" indent="0" algn="r">
               <a:lnSpc>
                 <a:spcPct val="100000"/>
               </a:lnSpc>
@@ -8920,7 +9238,7 @@
               <a:buSzPts val="5760"/>
               <a:buFont typeface="Arial"/>
               <a:buNone/>
-              <a:defRPr b="0" i="0" sz="5760" u="none" cap="none" strike="noStrike">
+              <a:defRPr sz="5760" b="0" i="0" u="none" strike="noStrike" cap="none">
                 <a:solidFill>
                   <a:srgbClr val="888888"/>
                 </a:solidFill>
@@ -8932,7 +9250,7 @@
             </a:lvl9pPr>
           </a:lstStyle>
           <a:p>
-            <a:pPr indent="0" lvl="0" marL="0" rtl="0" algn="r">
+            <a:pPr marL="0" lvl="0" indent="0" algn="r" rtl="0">
               <a:spcBef>
                 <a:spcPts val="0"/>
               </a:spcBef>
@@ -8958,11 +9276,11 @@
 </file>
 
 <file path=ppt/slideLayouts/slideLayout7.xml><?xml version="1.0" encoding="utf-8"?>
-<p:sldLayout xmlns:a="http://schemas.openxmlformats.org/drawingml/2006/main" xmlns:r="http://schemas.openxmlformats.org/officeDocument/2006/relationships" xmlns:mc="http://schemas.openxmlformats.org/markup-compatibility/2006" xmlns:mv="urn:schemas-microsoft-com:mac:vml" xmlns:p="http://schemas.openxmlformats.org/presentationml/2006/main" xmlns:c="http://schemas.openxmlformats.org/drawingml/2006/chart" xmlns:dgm="http://schemas.openxmlformats.org/drawingml/2006/diagram" xmlns:o="urn:schemas-microsoft-com:office:office" xmlns:v="urn:schemas-microsoft-com:vml" xmlns:pvml="urn:schemas-microsoft-com:office:powerpoint" xmlns:com="http://schemas.openxmlformats.org/drawingml/2006/compatibility" xmlns:p14="http://schemas.microsoft.com/office/powerpoint/2010/main" xmlns:p15="http://schemas.microsoft.com/office/powerpoint/2012/main" matchingName="Title Only" type="titleOnly">
+<p:sldLayout xmlns:a="http://schemas.openxmlformats.org/drawingml/2006/main" xmlns:r="http://schemas.openxmlformats.org/officeDocument/2006/relationships" xmlns:p="http://schemas.openxmlformats.org/presentationml/2006/main" matchingName="Title Only" type="titleOnly">
   <p:cSld name="TITLE_ONLY">
     <p:spTree>
       <p:nvGrpSpPr>
-        <p:cNvPr id="49" name="Shape 49"/>
+        <p:cNvPr id="1" name="Shape 49"/>
         <p:cNvGrpSpPr/>
         <p:nvPr/>
       </p:nvGrpSpPr>
@@ -8977,7 +9295,9 @@
       <p:sp>
         <p:nvSpPr>
           <p:cNvPr id="50" name="Google Shape;50;p8"/>
-          <p:cNvSpPr txBox="1"/>
+          <p:cNvSpPr txBox="1">
+            <a:spLocks noGrp="1"/>
+          </p:cNvSpPr>
           <p:nvPr>
             <p:ph type="title"/>
           </p:nvPr>
@@ -8996,7 +9316,7 @@
           </a:ln>
         </p:spPr>
         <p:txBody>
-          <a:bodyPr anchorCtr="0" anchor="ctr" bIns="45700" lIns="91425" spcFirstLastPara="1" rIns="91425" wrap="square" tIns="45700"/>
+          <a:bodyPr spcFirstLastPara="1" wrap="square" lIns="91425" tIns="45700" rIns="91425" bIns="45700" anchor="ctr" anchorCtr="0"/>
           <a:lstStyle>
             <a:lvl1pPr lvl="0" algn="l">
               <a:lnSpc>
@@ -9128,15 +9448,19 @@
               <a:defRPr/>
             </a:lvl9pPr>
           </a:lstStyle>
-          <a:p/>
+          <a:p>
+            <a:endParaRPr/>
+          </a:p>
         </p:txBody>
       </p:sp>
       <p:sp>
         <p:nvSpPr>
           <p:cNvPr id="51" name="Google Shape;51;p8"/>
-          <p:cNvSpPr txBox="1"/>
+          <p:cNvSpPr txBox="1">
+            <a:spLocks noGrp="1"/>
+          </p:cNvSpPr>
           <p:nvPr>
-            <p:ph idx="10" type="dt"/>
+            <p:ph type="dt" idx="10"/>
           </p:nvPr>
         </p:nvSpPr>
         <p:spPr>
@@ -9153,7 +9477,7 @@
           </a:ln>
         </p:spPr>
         <p:txBody>
-          <a:bodyPr anchorCtr="0" anchor="ctr" bIns="45700" lIns="91425" spcFirstLastPara="1" rIns="91425" wrap="square" tIns="45700"/>
+          <a:bodyPr spcFirstLastPara="1" wrap="square" lIns="91425" tIns="45700" rIns="91425" bIns="45700" anchor="ctr" anchorCtr="0"/>
           <a:lstStyle>
             <a:lvl1pPr lvl="0" algn="l">
               <a:lnSpc>
@@ -9282,15 +9606,19 @@
               <a:defRPr/>
             </a:lvl9pPr>
           </a:lstStyle>
-          <a:p/>
+          <a:p>
+            <a:endParaRPr/>
+          </a:p>
         </p:txBody>
       </p:sp>
       <p:sp>
         <p:nvSpPr>
           <p:cNvPr id="52" name="Google Shape;52;p8"/>
-          <p:cNvSpPr txBox="1"/>
+          <p:cNvSpPr txBox="1">
+            <a:spLocks noGrp="1"/>
+          </p:cNvSpPr>
           <p:nvPr>
-            <p:ph idx="11" type="ftr"/>
+            <p:ph type="ftr" idx="11"/>
           </p:nvPr>
         </p:nvSpPr>
         <p:spPr>
@@ -9307,7 +9635,7 @@
           </a:ln>
         </p:spPr>
         <p:txBody>
-          <a:bodyPr anchorCtr="0" anchor="ctr" bIns="45700" lIns="91425" spcFirstLastPara="1" rIns="91425" wrap="square" tIns="45700"/>
+          <a:bodyPr spcFirstLastPara="1" wrap="square" lIns="91425" tIns="45700" rIns="91425" bIns="45700" anchor="ctr" anchorCtr="0"/>
           <a:lstStyle>
             <a:lvl1pPr lvl="0" algn="ctr">
               <a:lnSpc>
@@ -9436,15 +9764,19 @@
               <a:defRPr/>
             </a:lvl9pPr>
           </a:lstStyle>
-          <a:p/>
+          <a:p>
+            <a:endParaRPr/>
+          </a:p>
         </p:txBody>
       </p:sp>
       <p:sp>
         <p:nvSpPr>
           <p:cNvPr id="53" name="Google Shape;53;p8"/>
-          <p:cNvSpPr txBox="1"/>
+          <p:cNvSpPr txBox="1">
+            <a:spLocks noGrp="1"/>
+          </p:cNvSpPr>
           <p:nvPr>
-            <p:ph idx="12" type="sldNum"/>
+            <p:ph type="sldNum" idx="12"/>
           </p:nvPr>
         </p:nvSpPr>
         <p:spPr>
@@ -9461,11 +9793,11 @@
           </a:ln>
         </p:spPr>
         <p:txBody>
-          <a:bodyPr anchorCtr="0" anchor="ctr" bIns="45700" lIns="91425" spcFirstLastPara="1" rIns="91425" wrap="square" tIns="45700">
+          <a:bodyPr spcFirstLastPara="1" wrap="square" lIns="91425" tIns="45700" rIns="91425" bIns="45700" anchor="ctr" anchorCtr="0">
             <a:noAutofit/>
           </a:bodyPr>
           <a:lstStyle>
-            <a:lvl1pPr indent="0" lvl="0" marL="0" marR="0" algn="r">
+            <a:lvl1pPr marL="0" marR="0" lvl="0" indent="0" algn="r">
               <a:lnSpc>
                 <a:spcPct val="100000"/>
               </a:lnSpc>
@@ -9481,7 +9813,7 @@
               <a:buSzPts val="5760"/>
               <a:buFont typeface="Arial"/>
               <a:buNone/>
-              <a:defRPr b="0" i="0" sz="5760" u="none" cap="none" strike="noStrike">
+              <a:defRPr sz="5760" b="0" i="0" u="none" strike="noStrike" cap="none">
                 <a:solidFill>
                   <a:srgbClr val="888888"/>
                 </a:solidFill>
@@ -9491,7 +9823,7 @@
                 <a:sym typeface="Calibri"/>
               </a:defRPr>
             </a:lvl1pPr>
-            <a:lvl2pPr indent="0" lvl="1" marL="0" marR="0" algn="r">
+            <a:lvl2pPr marL="0" marR="0" lvl="1" indent="0" algn="r">
               <a:lnSpc>
                 <a:spcPct val="100000"/>
               </a:lnSpc>
@@ -9507,7 +9839,7 @@
               <a:buSzPts val="5760"/>
               <a:buFont typeface="Arial"/>
               <a:buNone/>
-              <a:defRPr b="0" i="0" sz="5760" u="none" cap="none" strike="noStrike">
+              <a:defRPr sz="5760" b="0" i="0" u="none" strike="noStrike" cap="none">
                 <a:solidFill>
                   <a:srgbClr val="888888"/>
                 </a:solidFill>
@@ -9517,7 +9849,7 @@
                 <a:sym typeface="Calibri"/>
               </a:defRPr>
             </a:lvl2pPr>
-            <a:lvl3pPr indent="0" lvl="2" marL="0" marR="0" algn="r">
+            <a:lvl3pPr marL="0" marR="0" lvl="2" indent="0" algn="r">
               <a:lnSpc>
                 <a:spcPct val="100000"/>
               </a:lnSpc>
@@ -9533,7 +9865,7 @@
               <a:buSzPts val="5760"/>
               <a:buFont typeface="Arial"/>
               <a:buNone/>
-              <a:defRPr b="0" i="0" sz="5760" u="none" cap="none" strike="noStrike">
+              <a:defRPr sz="5760" b="0" i="0" u="none" strike="noStrike" cap="none">
                 <a:solidFill>
                   <a:srgbClr val="888888"/>
                 </a:solidFill>
@@ -9543,7 +9875,7 @@
                 <a:sym typeface="Calibri"/>
               </a:defRPr>
             </a:lvl3pPr>
-            <a:lvl4pPr indent="0" lvl="3" marL="0" marR="0" algn="r">
+            <a:lvl4pPr marL="0" marR="0" lvl="3" indent="0" algn="r">
               <a:lnSpc>
                 <a:spcPct val="100000"/>
               </a:lnSpc>
@@ -9559,7 +9891,7 @@
               <a:buSzPts val="5760"/>
               <a:buFont typeface="Arial"/>
               <a:buNone/>
-              <a:defRPr b="0" i="0" sz="5760" u="none" cap="none" strike="noStrike">
+              <a:defRPr sz="5760" b="0" i="0" u="none" strike="noStrike" cap="none">
                 <a:solidFill>
                   <a:srgbClr val="888888"/>
                 </a:solidFill>
@@ -9569,7 +9901,7 @@
                 <a:sym typeface="Calibri"/>
               </a:defRPr>
             </a:lvl4pPr>
-            <a:lvl5pPr indent="0" lvl="4" marL="0" marR="0" algn="r">
+            <a:lvl5pPr marL="0" marR="0" lvl="4" indent="0" algn="r">
               <a:lnSpc>
                 <a:spcPct val="100000"/>
               </a:lnSpc>
@@ -9585,7 +9917,7 @@
               <a:buSzPts val="5760"/>
               <a:buFont typeface="Arial"/>
               <a:buNone/>
-              <a:defRPr b="0" i="0" sz="5760" u="none" cap="none" strike="noStrike">
+              <a:defRPr sz="5760" b="0" i="0" u="none" strike="noStrike" cap="none">
                 <a:solidFill>
                   <a:srgbClr val="888888"/>
                 </a:solidFill>
@@ -9595,7 +9927,7 @@
                 <a:sym typeface="Calibri"/>
               </a:defRPr>
             </a:lvl5pPr>
-            <a:lvl6pPr indent="0" lvl="5" marL="0" marR="0" algn="r">
+            <a:lvl6pPr marL="0" marR="0" lvl="5" indent="0" algn="r">
               <a:lnSpc>
                 <a:spcPct val="100000"/>
               </a:lnSpc>
@@ -9611,7 +9943,7 @@
               <a:buSzPts val="5760"/>
               <a:buFont typeface="Arial"/>
               <a:buNone/>
-              <a:defRPr b="0" i="0" sz="5760" u="none" cap="none" strike="noStrike">
+              <a:defRPr sz="5760" b="0" i="0" u="none" strike="noStrike" cap="none">
                 <a:solidFill>
                   <a:srgbClr val="888888"/>
                 </a:solidFill>
@@ -9621,7 +9953,7 @@
                 <a:sym typeface="Calibri"/>
               </a:defRPr>
             </a:lvl6pPr>
-            <a:lvl7pPr indent="0" lvl="6" marL="0" marR="0" algn="r">
+            <a:lvl7pPr marL="0" marR="0" lvl="6" indent="0" algn="r">
               <a:lnSpc>
                 <a:spcPct val="100000"/>
               </a:lnSpc>
@@ -9637,7 +9969,7 @@
               <a:buSzPts val="5760"/>
               <a:buFont typeface="Arial"/>
               <a:buNone/>
-              <a:defRPr b="0" i="0" sz="5760" u="none" cap="none" strike="noStrike">
+              <a:defRPr sz="5760" b="0" i="0" u="none" strike="noStrike" cap="none">
                 <a:solidFill>
                   <a:srgbClr val="888888"/>
                 </a:solidFill>
@@ -9647,7 +9979,7 @@
                 <a:sym typeface="Calibri"/>
               </a:defRPr>
             </a:lvl7pPr>
-            <a:lvl8pPr indent="0" lvl="7" marL="0" marR="0" algn="r">
+            <a:lvl8pPr marL="0" marR="0" lvl="7" indent="0" algn="r">
               <a:lnSpc>
                 <a:spcPct val="100000"/>
               </a:lnSpc>
@@ -9663,7 +9995,7 @@
               <a:buSzPts val="5760"/>
               <a:buFont typeface="Arial"/>
               <a:buNone/>
-              <a:defRPr b="0" i="0" sz="5760" u="none" cap="none" strike="noStrike">
+              <a:defRPr sz="5760" b="0" i="0" u="none" strike="noStrike" cap="none">
                 <a:solidFill>
                   <a:srgbClr val="888888"/>
                 </a:solidFill>
@@ -9673,7 +10005,7 @@
                 <a:sym typeface="Calibri"/>
               </a:defRPr>
             </a:lvl8pPr>
-            <a:lvl9pPr indent="0" lvl="8" marL="0" marR="0" algn="r">
+            <a:lvl9pPr marL="0" marR="0" lvl="8" indent="0" algn="r">
               <a:lnSpc>
                 <a:spcPct val="100000"/>
               </a:lnSpc>
@@ -9689,7 +10021,7 @@
               <a:buSzPts val="5760"/>
               <a:buFont typeface="Arial"/>
               <a:buNone/>
-              <a:defRPr b="0" i="0" sz="5760" u="none" cap="none" strike="noStrike">
+              <a:defRPr sz="5760" b="0" i="0" u="none" strike="noStrike" cap="none">
                 <a:solidFill>
                   <a:srgbClr val="888888"/>
                 </a:solidFill>
@@ -9701,7 +10033,7 @@
             </a:lvl9pPr>
           </a:lstStyle>
           <a:p>
-            <a:pPr indent="0" lvl="0" marL="0" rtl="0" algn="r">
+            <a:pPr marL="0" lvl="0" indent="0" algn="r" rtl="0">
               <a:spcBef>
                 <a:spcPts val="0"/>
               </a:spcBef>
@@ -9727,11 +10059,11 @@
 </file>
 
 <file path=ppt/slideLayouts/slideLayout8.xml><?xml version="1.0" encoding="utf-8"?>
-<p:sldLayout xmlns:a="http://schemas.openxmlformats.org/drawingml/2006/main" xmlns:r="http://schemas.openxmlformats.org/officeDocument/2006/relationships" xmlns:mc="http://schemas.openxmlformats.org/markup-compatibility/2006" xmlns:mv="urn:schemas-microsoft-com:mac:vml" xmlns:p="http://schemas.openxmlformats.org/presentationml/2006/main" xmlns:c="http://schemas.openxmlformats.org/drawingml/2006/chart" xmlns:dgm="http://schemas.openxmlformats.org/drawingml/2006/diagram" xmlns:o="urn:schemas-microsoft-com:office:office" xmlns:v="urn:schemas-microsoft-com:vml" xmlns:pvml="urn:schemas-microsoft-com:office:powerpoint" xmlns:com="http://schemas.openxmlformats.org/drawingml/2006/compatibility" xmlns:p14="http://schemas.microsoft.com/office/powerpoint/2010/main" xmlns:p15="http://schemas.microsoft.com/office/powerpoint/2012/main" matchingName="Content with Caption" type="objTx">
+<p:sldLayout xmlns:a="http://schemas.openxmlformats.org/drawingml/2006/main" xmlns:r="http://schemas.openxmlformats.org/officeDocument/2006/relationships" xmlns:p="http://schemas.openxmlformats.org/presentationml/2006/main" matchingName="Content with Caption" type="objTx">
   <p:cSld name="OBJECT_WITH_CAPTION_TEXT">
     <p:spTree>
       <p:nvGrpSpPr>
-        <p:cNvPr id="54" name="Shape 54"/>
+        <p:cNvPr id="1" name="Shape 54"/>
         <p:cNvGrpSpPr/>
         <p:nvPr/>
       </p:nvGrpSpPr>
@@ -9746,7 +10078,9 @@
       <p:sp>
         <p:nvSpPr>
           <p:cNvPr id="55" name="Google Shape;55;p9"/>
-          <p:cNvSpPr txBox="1"/>
+          <p:cNvSpPr txBox="1">
+            <a:spLocks noGrp="1"/>
+          </p:cNvSpPr>
           <p:nvPr>
             <p:ph type="title"/>
           </p:nvPr>
@@ -9765,7 +10099,7 @@
           </a:ln>
         </p:spPr>
         <p:txBody>
-          <a:bodyPr anchorCtr="0" anchor="b" bIns="45700" lIns="91425" spcFirstLastPara="1" rIns="91425" wrap="square" tIns="45700"/>
+          <a:bodyPr spcFirstLastPara="1" wrap="square" lIns="91425" tIns="45700" rIns="91425" bIns="45700" anchor="b" anchorCtr="0"/>
           <a:lstStyle>
             <a:lvl1pPr lvl="0" algn="l">
               <a:lnSpc>
@@ -9898,15 +10232,19 @@
               <a:defRPr/>
             </a:lvl9pPr>
           </a:lstStyle>
-          <a:p/>
+          <a:p>
+            <a:endParaRPr/>
+          </a:p>
         </p:txBody>
       </p:sp>
       <p:sp>
         <p:nvSpPr>
           <p:cNvPr id="56" name="Google Shape;56;p9"/>
-          <p:cNvSpPr txBox="1"/>
+          <p:cNvSpPr txBox="1">
+            <a:spLocks noGrp="1"/>
+          </p:cNvSpPr>
           <p:nvPr>
-            <p:ph idx="1" type="body"/>
+            <p:ph type="body" idx="1"/>
           </p:nvPr>
         </p:nvSpPr>
         <p:spPr>
@@ -9923,9 +10261,9 @@
           </a:ln>
         </p:spPr>
         <p:txBody>
-          <a:bodyPr anchorCtr="0" anchor="t" bIns="45700" lIns="91425" spcFirstLastPara="1" rIns="91425" wrap="square" tIns="45700"/>
+          <a:bodyPr spcFirstLastPara="1" wrap="square" lIns="91425" tIns="45700" rIns="91425" bIns="45700" anchor="t" anchorCtr="0"/>
           <a:lstStyle>
-            <a:lvl1pPr indent="-1203960" lvl="0" marL="457200" algn="l">
+            <a:lvl1pPr marL="457200" lvl="0" indent="-1203960" algn="l">
               <a:lnSpc>
                 <a:spcPct val="90000"/>
               </a:lnSpc>
@@ -9942,7 +10280,7 @@
               <a:buChar char="•"/>
               <a:defRPr sz="15360"/>
             </a:lvl1pPr>
-            <a:lvl2pPr indent="-1082040" lvl="1" marL="914400" algn="l">
+            <a:lvl2pPr marL="914400" lvl="1" indent="-1082040" algn="l">
               <a:lnSpc>
                 <a:spcPct val="90000"/>
               </a:lnSpc>
@@ -9959,7 +10297,7 @@
               <a:buChar char="•"/>
               <a:defRPr sz="13439"/>
             </a:lvl2pPr>
-            <a:lvl3pPr indent="-960120" lvl="2" marL="1371600" algn="l">
+            <a:lvl3pPr marL="1371600" lvl="2" indent="-960120" algn="l">
               <a:lnSpc>
                 <a:spcPct val="90000"/>
               </a:lnSpc>
@@ -9976,7 +10314,7 @@
               <a:buChar char="•"/>
               <a:defRPr sz="11520"/>
             </a:lvl3pPr>
-            <a:lvl4pPr indent="-838200" lvl="3" marL="1828800" algn="l">
+            <a:lvl4pPr marL="1828800" lvl="3" indent="-838200" algn="l">
               <a:lnSpc>
                 <a:spcPct val="90000"/>
               </a:lnSpc>
@@ -9993,7 +10331,7 @@
               <a:buChar char="•"/>
               <a:defRPr sz="9600"/>
             </a:lvl4pPr>
-            <a:lvl5pPr indent="-838200" lvl="4" marL="2286000" algn="l">
+            <a:lvl5pPr marL="2286000" lvl="4" indent="-838200" algn="l">
               <a:lnSpc>
                 <a:spcPct val="90000"/>
               </a:lnSpc>
@@ -10010,7 +10348,7 @@
               <a:buChar char="•"/>
               <a:defRPr sz="9600"/>
             </a:lvl5pPr>
-            <a:lvl6pPr indent="-838200" lvl="5" marL="2743200" algn="l">
+            <a:lvl6pPr marL="2743200" lvl="5" indent="-838200" algn="l">
               <a:lnSpc>
                 <a:spcPct val="90000"/>
               </a:lnSpc>
@@ -10027,7 +10365,7 @@
               <a:buChar char="•"/>
               <a:defRPr sz="9600"/>
             </a:lvl6pPr>
-            <a:lvl7pPr indent="-838200" lvl="6" marL="3200400" algn="l">
+            <a:lvl7pPr marL="3200400" lvl="6" indent="-838200" algn="l">
               <a:lnSpc>
                 <a:spcPct val="90000"/>
               </a:lnSpc>
@@ -10044,7 +10382,7 @@
               <a:buChar char="•"/>
               <a:defRPr sz="9600"/>
             </a:lvl7pPr>
-            <a:lvl8pPr indent="-838200" lvl="7" marL="3657600" algn="l">
+            <a:lvl8pPr marL="3657600" lvl="7" indent="-838200" algn="l">
               <a:lnSpc>
                 <a:spcPct val="90000"/>
               </a:lnSpc>
@@ -10061,7 +10399,7 @@
               <a:buChar char="•"/>
               <a:defRPr sz="9600"/>
             </a:lvl8pPr>
-            <a:lvl9pPr indent="-838200" lvl="8" marL="4114800" algn="l">
+            <a:lvl9pPr marL="4114800" lvl="8" indent="-838200" algn="l">
               <a:lnSpc>
                 <a:spcPct val="90000"/>
               </a:lnSpc>
@@ -10079,15 +10417,19 @@
               <a:defRPr sz="9600"/>
             </a:lvl9pPr>
           </a:lstStyle>
-          <a:p/>
+          <a:p>
+            <a:endParaRPr/>
+          </a:p>
         </p:txBody>
       </p:sp>
       <p:sp>
         <p:nvSpPr>
           <p:cNvPr id="57" name="Google Shape;57;p9"/>
-          <p:cNvSpPr txBox="1"/>
+          <p:cNvSpPr txBox="1">
+            <a:spLocks noGrp="1"/>
+          </p:cNvSpPr>
           <p:nvPr>
-            <p:ph idx="2" type="body"/>
+            <p:ph type="body" idx="2"/>
           </p:nvPr>
         </p:nvSpPr>
         <p:spPr>
@@ -10104,9 +10446,9 @@
           </a:ln>
         </p:spPr>
         <p:txBody>
-          <a:bodyPr anchorCtr="0" anchor="t" bIns="45700" lIns="91425" spcFirstLastPara="1" rIns="91425" wrap="square" tIns="45700"/>
+          <a:bodyPr spcFirstLastPara="1" wrap="square" lIns="91425" tIns="45700" rIns="91425" bIns="45700" anchor="t" anchorCtr="0"/>
           <a:lstStyle>
-            <a:lvl1pPr indent="-228600" lvl="0" marL="457200" algn="l">
+            <a:lvl1pPr marL="457200" lvl="0" indent="-228600" algn="l">
               <a:lnSpc>
                 <a:spcPct val="90000"/>
               </a:lnSpc>
@@ -10123,7 +10465,7 @@
               <a:buNone/>
               <a:defRPr sz="7680"/>
             </a:lvl1pPr>
-            <a:lvl2pPr indent="-228600" lvl="1" marL="914400" algn="l">
+            <a:lvl2pPr marL="914400" lvl="1" indent="-228600" algn="l">
               <a:lnSpc>
                 <a:spcPct val="90000"/>
               </a:lnSpc>
@@ -10140,7 +10482,7 @@
               <a:buNone/>
               <a:defRPr sz="6719"/>
             </a:lvl2pPr>
-            <a:lvl3pPr indent="-228600" lvl="2" marL="1371600" algn="l">
+            <a:lvl3pPr marL="1371600" lvl="2" indent="-228600" algn="l">
               <a:lnSpc>
                 <a:spcPct val="90000"/>
               </a:lnSpc>
@@ -10157,7 +10499,7 @@
               <a:buNone/>
               <a:defRPr sz="5760"/>
             </a:lvl3pPr>
-            <a:lvl4pPr indent="-228600" lvl="3" marL="1828800" algn="l">
+            <a:lvl4pPr marL="1828800" lvl="3" indent="-228600" algn="l">
               <a:lnSpc>
                 <a:spcPct val="90000"/>
               </a:lnSpc>
@@ -10174,7 +10516,7 @@
               <a:buNone/>
               <a:defRPr sz="4800"/>
             </a:lvl4pPr>
-            <a:lvl5pPr indent="-228600" lvl="4" marL="2286000" algn="l">
+            <a:lvl5pPr marL="2286000" lvl="4" indent="-228600" algn="l">
               <a:lnSpc>
                 <a:spcPct val="90000"/>
               </a:lnSpc>
@@ -10191,7 +10533,7 @@
               <a:buNone/>
               <a:defRPr sz="4800"/>
             </a:lvl5pPr>
-            <a:lvl6pPr indent="-228600" lvl="5" marL="2743200" algn="l">
+            <a:lvl6pPr marL="2743200" lvl="5" indent="-228600" algn="l">
               <a:lnSpc>
                 <a:spcPct val="90000"/>
               </a:lnSpc>
@@ -10208,7 +10550,7 @@
               <a:buNone/>
               <a:defRPr sz="4800"/>
             </a:lvl6pPr>
-            <a:lvl7pPr indent="-228600" lvl="6" marL="3200400" algn="l">
+            <a:lvl7pPr marL="3200400" lvl="6" indent="-228600" algn="l">
               <a:lnSpc>
                 <a:spcPct val="90000"/>
               </a:lnSpc>
@@ -10225,7 +10567,7 @@
               <a:buNone/>
               <a:defRPr sz="4800"/>
             </a:lvl7pPr>
-            <a:lvl8pPr indent="-228600" lvl="7" marL="3657600" algn="l">
+            <a:lvl8pPr marL="3657600" lvl="7" indent="-228600" algn="l">
               <a:lnSpc>
                 <a:spcPct val="90000"/>
               </a:lnSpc>
@@ -10242,7 +10584,7 @@
               <a:buNone/>
               <a:defRPr sz="4800"/>
             </a:lvl8pPr>
-            <a:lvl9pPr indent="-228600" lvl="8" marL="4114800" algn="l">
+            <a:lvl9pPr marL="4114800" lvl="8" indent="-228600" algn="l">
               <a:lnSpc>
                 <a:spcPct val="90000"/>
               </a:lnSpc>
@@ -10260,15 +10602,19 @@
               <a:defRPr sz="4800"/>
             </a:lvl9pPr>
           </a:lstStyle>
-          <a:p/>
+          <a:p>
+            <a:endParaRPr/>
+          </a:p>
         </p:txBody>
       </p:sp>
       <p:sp>
         <p:nvSpPr>
           <p:cNvPr id="58" name="Google Shape;58;p9"/>
-          <p:cNvSpPr txBox="1"/>
+          <p:cNvSpPr txBox="1">
+            <a:spLocks noGrp="1"/>
+          </p:cNvSpPr>
           <p:nvPr>
-            <p:ph idx="10" type="dt"/>
+            <p:ph type="dt" idx="10"/>
           </p:nvPr>
         </p:nvSpPr>
         <p:spPr>
@@ -10285,7 +10631,7 @@
           </a:ln>
         </p:spPr>
         <p:txBody>
-          <a:bodyPr anchorCtr="0" anchor="ctr" bIns="45700" lIns="91425" spcFirstLastPara="1" rIns="91425" wrap="square" tIns="45700"/>
+          <a:bodyPr spcFirstLastPara="1" wrap="square" lIns="91425" tIns="45700" rIns="91425" bIns="45700" anchor="ctr" anchorCtr="0"/>
           <a:lstStyle>
             <a:lvl1pPr lvl="0" algn="l">
               <a:lnSpc>
@@ -10414,15 +10760,19 @@
               <a:defRPr/>
             </a:lvl9pPr>
           </a:lstStyle>
-          <a:p/>
+          <a:p>
+            <a:endParaRPr/>
+          </a:p>
         </p:txBody>
       </p:sp>
       <p:sp>
         <p:nvSpPr>
           <p:cNvPr id="59" name="Google Shape;59;p9"/>
-          <p:cNvSpPr txBox="1"/>
+          <p:cNvSpPr txBox="1">
+            <a:spLocks noGrp="1"/>
+          </p:cNvSpPr>
           <p:nvPr>
-            <p:ph idx="11" type="ftr"/>
+            <p:ph type="ftr" idx="11"/>
           </p:nvPr>
         </p:nvSpPr>
         <p:spPr>
@@ -10439,7 +10789,7 @@
           </a:ln>
         </p:spPr>
         <p:txBody>
-          <a:bodyPr anchorCtr="0" anchor="ctr" bIns="45700" lIns="91425" spcFirstLastPara="1" rIns="91425" wrap="square" tIns="45700"/>
+          <a:bodyPr spcFirstLastPara="1" wrap="square" lIns="91425" tIns="45700" rIns="91425" bIns="45700" anchor="ctr" anchorCtr="0"/>
           <a:lstStyle>
             <a:lvl1pPr lvl="0" algn="ctr">
               <a:lnSpc>
@@ -10568,15 +10918,19 @@
               <a:defRPr/>
             </a:lvl9pPr>
           </a:lstStyle>
-          <a:p/>
+          <a:p>
+            <a:endParaRPr/>
+          </a:p>
         </p:txBody>
       </p:sp>
       <p:sp>
         <p:nvSpPr>
           <p:cNvPr id="60" name="Google Shape;60;p9"/>
-          <p:cNvSpPr txBox="1"/>
+          <p:cNvSpPr txBox="1">
+            <a:spLocks noGrp="1"/>
+          </p:cNvSpPr>
           <p:nvPr>
-            <p:ph idx="12" type="sldNum"/>
+            <p:ph type="sldNum" idx="12"/>
           </p:nvPr>
         </p:nvSpPr>
         <p:spPr>
@@ -10593,11 +10947,11 @@
           </a:ln>
         </p:spPr>
         <p:txBody>
-          <a:bodyPr anchorCtr="0" anchor="ctr" bIns="45700" lIns="91425" spcFirstLastPara="1" rIns="91425" wrap="square" tIns="45700">
+          <a:bodyPr spcFirstLastPara="1" wrap="square" lIns="91425" tIns="45700" rIns="91425" bIns="45700" anchor="ctr" anchorCtr="0">
             <a:noAutofit/>
           </a:bodyPr>
           <a:lstStyle>
-            <a:lvl1pPr indent="0" lvl="0" marL="0" marR="0" algn="r">
+            <a:lvl1pPr marL="0" marR="0" lvl="0" indent="0" algn="r">
               <a:lnSpc>
                 <a:spcPct val="100000"/>
               </a:lnSpc>
@@ -10613,7 +10967,7 @@
               <a:buSzPts val="5760"/>
               <a:buFont typeface="Arial"/>
               <a:buNone/>
-              <a:defRPr b="0" i="0" sz="5760" u="none" cap="none" strike="noStrike">
+              <a:defRPr sz="5760" b="0" i="0" u="none" strike="noStrike" cap="none">
                 <a:solidFill>
                   <a:srgbClr val="888888"/>
                 </a:solidFill>
@@ -10623,7 +10977,7 @@
                 <a:sym typeface="Calibri"/>
               </a:defRPr>
             </a:lvl1pPr>
-            <a:lvl2pPr indent="0" lvl="1" marL="0" marR="0" algn="r">
+            <a:lvl2pPr marL="0" marR="0" lvl="1" indent="0" algn="r">
               <a:lnSpc>
                 <a:spcPct val="100000"/>
               </a:lnSpc>
@@ -10639,7 +10993,7 @@
               <a:buSzPts val="5760"/>
               <a:buFont typeface="Arial"/>
               <a:buNone/>
-              <a:defRPr b="0" i="0" sz="5760" u="none" cap="none" strike="noStrike">
+              <a:defRPr sz="5760" b="0" i="0" u="none" strike="noStrike" cap="none">
                 <a:solidFill>
                   <a:srgbClr val="888888"/>
                 </a:solidFill>
@@ -10649,7 +11003,7 @@
                 <a:sym typeface="Calibri"/>
               </a:defRPr>
             </a:lvl2pPr>
-            <a:lvl3pPr indent="0" lvl="2" marL="0" marR="0" algn="r">
+            <a:lvl3pPr marL="0" marR="0" lvl="2" indent="0" algn="r">
               <a:lnSpc>
                 <a:spcPct val="100000"/>
               </a:lnSpc>
@@ -10665,7 +11019,7 @@
               <a:buSzPts val="5760"/>
               <a:buFont typeface="Arial"/>
               <a:buNone/>
-              <a:defRPr b="0" i="0" sz="5760" u="none" cap="none" strike="noStrike">
+              <a:defRPr sz="5760" b="0" i="0" u="none" strike="noStrike" cap="none">
                 <a:solidFill>
                   <a:srgbClr val="888888"/>
                 </a:solidFill>
@@ -10675,7 +11029,7 @@
                 <a:sym typeface="Calibri"/>
               </a:defRPr>
             </a:lvl3pPr>
-            <a:lvl4pPr indent="0" lvl="3" marL="0" marR="0" algn="r">
+            <a:lvl4pPr marL="0" marR="0" lvl="3" indent="0" algn="r">
               <a:lnSpc>
                 <a:spcPct val="100000"/>
               </a:lnSpc>
@@ -10691,7 +11045,7 @@
               <a:buSzPts val="5760"/>
               <a:buFont typeface="Arial"/>
               <a:buNone/>
-              <a:defRPr b="0" i="0" sz="5760" u="none" cap="none" strike="noStrike">
+              <a:defRPr sz="5760" b="0" i="0" u="none" strike="noStrike" cap="none">
                 <a:solidFill>
                   <a:srgbClr val="888888"/>
                 </a:solidFill>
@@ -10701,7 +11055,7 @@
                 <a:sym typeface="Calibri"/>
               </a:defRPr>
             </a:lvl4pPr>
-            <a:lvl5pPr indent="0" lvl="4" marL="0" marR="0" algn="r">
+            <a:lvl5pPr marL="0" marR="0" lvl="4" indent="0" algn="r">
               <a:lnSpc>
                 <a:spcPct val="100000"/>
               </a:lnSpc>
@@ -10717,7 +11071,7 @@
               <a:buSzPts val="5760"/>
               <a:buFont typeface="Arial"/>
               <a:buNone/>
-              <a:defRPr b="0" i="0" sz="5760" u="none" cap="none" strike="noStrike">
+              <a:defRPr sz="5760" b="0" i="0" u="none" strike="noStrike" cap="none">
                 <a:solidFill>
                   <a:srgbClr val="888888"/>
                 </a:solidFill>
@@ -10727,7 +11081,7 @@
                 <a:sym typeface="Calibri"/>
               </a:defRPr>
             </a:lvl5pPr>
-            <a:lvl6pPr indent="0" lvl="5" marL="0" marR="0" algn="r">
+            <a:lvl6pPr marL="0" marR="0" lvl="5" indent="0" algn="r">
               <a:lnSpc>
                 <a:spcPct val="100000"/>
               </a:lnSpc>
@@ -10743,7 +11097,7 @@
               <a:buSzPts val="5760"/>
               <a:buFont typeface="Arial"/>
               <a:buNone/>
-              <a:defRPr b="0" i="0" sz="5760" u="none" cap="none" strike="noStrike">
+              <a:defRPr sz="5760" b="0" i="0" u="none" strike="noStrike" cap="none">
                 <a:solidFill>
                   <a:srgbClr val="888888"/>
                 </a:solidFill>
@@ -10753,7 +11107,7 @@
                 <a:sym typeface="Calibri"/>
               </a:defRPr>
             </a:lvl6pPr>
-            <a:lvl7pPr indent="0" lvl="6" marL="0" marR="0" algn="r">
+            <a:lvl7pPr marL="0" marR="0" lvl="6" indent="0" algn="r">
               <a:lnSpc>
                 <a:spcPct val="100000"/>
               </a:lnSpc>
@@ -10769,7 +11123,7 @@
               <a:buSzPts val="5760"/>
               <a:buFont typeface="Arial"/>
               <a:buNone/>
-              <a:defRPr b="0" i="0" sz="5760" u="none" cap="none" strike="noStrike">
+              <a:defRPr sz="5760" b="0" i="0" u="none" strike="noStrike" cap="none">
                 <a:solidFill>
                   <a:srgbClr val="888888"/>
                 </a:solidFill>
@@ -10779,7 +11133,7 @@
                 <a:sym typeface="Calibri"/>
               </a:defRPr>
             </a:lvl7pPr>
-            <a:lvl8pPr indent="0" lvl="7" marL="0" marR="0" algn="r">
+            <a:lvl8pPr marL="0" marR="0" lvl="7" indent="0" algn="r">
               <a:lnSpc>
                 <a:spcPct val="100000"/>
               </a:lnSpc>
@@ -10795,7 +11149,7 @@
               <a:buSzPts val="5760"/>
               <a:buFont typeface="Arial"/>
               <a:buNone/>
-              <a:defRPr b="0" i="0" sz="5760" u="none" cap="none" strike="noStrike">
+              <a:defRPr sz="5760" b="0" i="0" u="none" strike="noStrike" cap="none">
                 <a:solidFill>
                   <a:srgbClr val="888888"/>
                 </a:solidFill>
@@ -10805,7 +11159,7 @@
                 <a:sym typeface="Calibri"/>
               </a:defRPr>
             </a:lvl8pPr>
-            <a:lvl9pPr indent="0" lvl="8" marL="0" marR="0" algn="r">
+            <a:lvl9pPr marL="0" marR="0" lvl="8" indent="0" algn="r">
               <a:lnSpc>
                 <a:spcPct val="100000"/>
               </a:lnSpc>
@@ -10821,7 +11175,7 @@
               <a:buSzPts val="5760"/>
               <a:buFont typeface="Arial"/>
               <a:buNone/>
-              <a:defRPr b="0" i="0" sz="5760" u="none" cap="none" strike="noStrike">
+              <a:defRPr sz="5760" b="0" i="0" u="none" strike="noStrike" cap="none">
                 <a:solidFill>
                   <a:srgbClr val="888888"/>
                 </a:solidFill>
@@ -10833,7 +11187,7 @@
             </a:lvl9pPr>
           </a:lstStyle>
           <a:p>
-            <a:pPr indent="0" lvl="0" marL="0" rtl="0" algn="r">
+            <a:pPr marL="0" lvl="0" indent="0" algn="r" rtl="0">
               <a:spcBef>
                 <a:spcPts val="0"/>
               </a:spcBef>
@@ -10859,11 +11213,11 @@
 </file>
 
 <file path=ppt/slideLayouts/slideLayout9.xml><?xml version="1.0" encoding="utf-8"?>
-<p:sldLayout xmlns:a="http://schemas.openxmlformats.org/drawingml/2006/main" xmlns:r="http://schemas.openxmlformats.org/officeDocument/2006/relationships" xmlns:mc="http://schemas.openxmlformats.org/markup-compatibility/2006" xmlns:mv="urn:schemas-microsoft-com:mac:vml" xmlns:p="http://schemas.openxmlformats.org/presentationml/2006/main" xmlns:c="http://schemas.openxmlformats.org/drawingml/2006/chart" xmlns:dgm="http://schemas.openxmlformats.org/drawingml/2006/diagram" xmlns:o="urn:schemas-microsoft-com:office:office" xmlns:v="urn:schemas-microsoft-com:vml" xmlns:pvml="urn:schemas-microsoft-com:office:powerpoint" xmlns:com="http://schemas.openxmlformats.org/drawingml/2006/compatibility" xmlns:p14="http://schemas.microsoft.com/office/powerpoint/2010/main" xmlns:p15="http://schemas.microsoft.com/office/powerpoint/2012/main" matchingName="Picture with Caption" type="picTx">
+<p:sldLayout xmlns:a="http://schemas.openxmlformats.org/drawingml/2006/main" xmlns:r="http://schemas.openxmlformats.org/officeDocument/2006/relationships" xmlns:p="http://schemas.openxmlformats.org/presentationml/2006/main" matchingName="Picture with Caption" type="picTx">
   <p:cSld name="PICTURE_WITH_CAPTION_TEXT">
     <p:spTree>
       <p:nvGrpSpPr>
-        <p:cNvPr id="61" name="Shape 61"/>
+        <p:cNvPr id="1" name="Shape 61"/>
         <p:cNvGrpSpPr/>
         <p:nvPr/>
       </p:nvGrpSpPr>
@@ -10878,7 +11232,9 @@
       <p:sp>
         <p:nvSpPr>
           <p:cNvPr id="62" name="Google Shape;62;p10"/>
-          <p:cNvSpPr txBox="1"/>
+          <p:cNvSpPr txBox="1">
+            <a:spLocks noGrp="1"/>
+          </p:cNvSpPr>
           <p:nvPr>
             <p:ph type="title"/>
           </p:nvPr>
@@ -10897,7 +11253,7 @@
           </a:ln>
         </p:spPr>
         <p:txBody>
-          <a:bodyPr anchorCtr="0" anchor="b" bIns="45700" lIns="91425" spcFirstLastPara="1" rIns="91425" wrap="square" tIns="45700"/>
+          <a:bodyPr spcFirstLastPara="1" wrap="square" lIns="91425" tIns="45700" rIns="91425" bIns="45700" anchor="b" anchorCtr="0"/>
           <a:lstStyle>
             <a:lvl1pPr lvl="0" algn="l">
               <a:lnSpc>
@@ -11030,15 +11386,19 @@
               <a:defRPr/>
             </a:lvl9pPr>
           </a:lstStyle>
-          <a:p/>
+          <a:p>
+            <a:endParaRPr/>
+          </a:p>
         </p:txBody>
       </p:sp>
       <p:sp>
         <p:nvSpPr>
           <p:cNvPr id="63" name="Google Shape;63;p10"/>
-          <p:cNvSpPr/>
+          <p:cNvSpPr>
+            <a:spLocks noGrp="1"/>
+          </p:cNvSpPr>
           <p:nvPr>
-            <p:ph idx="2" type="pic"/>
+            <p:ph type="pic" idx="2"/>
           </p:nvPr>
         </p:nvSpPr>
         <p:spPr>
@@ -11055,9 +11415,9 @@
           </a:ln>
         </p:spPr>
         <p:txBody>
-          <a:bodyPr anchorCtr="0" anchor="t" bIns="45700" lIns="91425" spcFirstLastPara="1" rIns="91425" wrap="square" tIns="45700"/>
+          <a:bodyPr spcFirstLastPara="1" wrap="square" lIns="91425" tIns="45700" rIns="91425" bIns="45700" anchor="t" anchorCtr="0"/>
           <a:lstStyle>
-            <a:lvl1pPr lvl="0" marR="0" rtl="0" algn="l">
+            <a:lvl1pPr marR="0" lvl="0" algn="l" rtl="0">
               <a:lnSpc>
                 <a:spcPct val="90000"/>
               </a:lnSpc>
@@ -11073,7 +11433,7 @@
               <a:buSzPts val="15360"/>
               <a:buFont typeface="Arial"/>
               <a:buNone/>
-              <a:defRPr b="0" i="0" sz="15360" u="none" cap="none" strike="noStrike">
+              <a:defRPr sz="15360" b="0" i="0" u="none" strike="noStrike" cap="none">
                 <a:solidFill>
                   <a:schemeClr val="dk1"/>
                 </a:solidFill>
@@ -11083,7 +11443,7 @@
                 <a:sym typeface="Calibri"/>
               </a:defRPr>
             </a:lvl1pPr>
-            <a:lvl2pPr lvl="1" marR="0" rtl="0" algn="l">
+            <a:lvl2pPr marR="0" lvl="1" algn="l" rtl="0">
               <a:lnSpc>
                 <a:spcPct val="90000"/>
               </a:lnSpc>
@@ -11099,7 +11459,7 @@
               <a:buSzPts val="13440"/>
               <a:buFont typeface="Arial"/>
               <a:buNone/>
-              <a:defRPr b="0" i="0" sz="13439" u="none" cap="none" strike="noStrike">
+              <a:defRPr sz="13439" b="0" i="0" u="none" strike="noStrike" cap="none">
                 <a:solidFill>
                   <a:schemeClr val="dk1"/>
                 </a:solidFill>
@@ -11109,7 +11469,7 @@
                 <a:sym typeface="Calibri"/>
               </a:defRPr>
             </a:lvl2pPr>
-            <a:lvl3pPr lvl="2" marR="0" rtl="0" algn="l">
+            <a:lvl3pPr marR="0" lvl="2" algn="l" rtl="0">
               <a:lnSpc>
                 <a:spcPct val="90000"/>
               </a:lnSpc>
@@ -11125,7 +11485,7 @@
               <a:buSzPts val="11520"/>
               <a:buFont typeface="Arial"/>
               <a:buNone/>
-              <a:defRPr b="0" i="0" sz="11520" u="none" cap="none" strike="noStrike">
+              <a:defRPr sz="11520" b="0" i="0" u="none" strike="noStrike" cap="none">
                 <a:solidFill>
                   <a:schemeClr val="dk1"/>
                 </a:solidFill>
@@ -11135,7 +11495,7 @@
                 <a:sym typeface="Calibri"/>
               </a:defRPr>
             </a:lvl3pPr>
-            <a:lvl4pPr lvl="3" marR="0" rtl="0" algn="l">
+            <a:lvl4pPr marR="0" lvl="3" algn="l" rtl="0">
               <a:lnSpc>
                 <a:spcPct val="90000"/>
               </a:lnSpc>
@@ -11151,7 +11511,7 @@
               <a:buSzPts val="9600"/>
               <a:buFont typeface="Arial"/>
               <a:buNone/>
-              <a:defRPr b="0" i="0" sz="9600" u="none" cap="none" strike="noStrike">
+              <a:defRPr sz="9600" b="0" i="0" u="none" strike="noStrike" cap="none">
                 <a:solidFill>
                   <a:schemeClr val="dk1"/>
                 </a:solidFill>
@@ -11161,7 +11521,7 @@
                 <a:sym typeface="Calibri"/>
               </a:defRPr>
             </a:lvl4pPr>
-            <a:lvl5pPr lvl="4" marR="0" rtl="0" algn="l">
+            <a:lvl5pPr marR="0" lvl="4" algn="l" rtl="0">
               <a:lnSpc>
                 <a:spcPct val="90000"/>
               </a:lnSpc>
@@ -11177,7 +11537,7 @@
               <a:buSzPts val="9600"/>
               <a:buFont typeface="Arial"/>
               <a:buNone/>
-              <a:defRPr b="0" i="0" sz="9600" u="none" cap="none" strike="noStrike">
+              <a:defRPr sz="9600" b="0" i="0" u="none" strike="noStrike" cap="none">
                 <a:solidFill>
                   <a:schemeClr val="dk1"/>
                 </a:solidFill>
@@ -11187,7 +11547,7 @@
                 <a:sym typeface="Calibri"/>
               </a:defRPr>
             </a:lvl5pPr>
-            <a:lvl6pPr lvl="5" marR="0" rtl="0" algn="l">
+            <a:lvl6pPr marR="0" lvl="5" algn="l" rtl="0">
               <a:lnSpc>
                 <a:spcPct val="90000"/>
               </a:lnSpc>
@@ -11203,7 +11563,7 @@
               <a:buSzPts val="9600"/>
               <a:buFont typeface="Arial"/>
               <a:buNone/>
-              <a:defRPr b="0" i="0" sz="9600" u="none" cap="none" strike="noStrike">
+              <a:defRPr sz="9600" b="0" i="0" u="none" strike="noStrike" cap="none">
                 <a:solidFill>
                   <a:schemeClr val="dk1"/>
                 </a:solidFill>
@@ -11213,7 +11573,7 @@
                 <a:sym typeface="Calibri"/>
               </a:defRPr>
             </a:lvl6pPr>
-            <a:lvl7pPr lvl="6" marR="0" rtl="0" algn="l">
+            <a:lvl7pPr marR="0" lvl="6" algn="l" rtl="0">
               <a:lnSpc>
                 <a:spcPct val="90000"/>
               </a:lnSpc>
@@ -11229,7 +11589,7 @@
               <a:buSzPts val="9600"/>
               <a:buFont typeface="Arial"/>
               <a:buNone/>
-              <a:defRPr b="0" i="0" sz="9600" u="none" cap="none" strike="noStrike">
+              <a:defRPr sz="9600" b="0" i="0" u="none" strike="noStrike" cap="none">
                 <a:solidFill>
                   <a:schemeClr val="dk1"/>
                 </a:solidFill>
@@ -11239,7 +11599,7 @@
                 <a:sym typeface="Calibri"/>
               </a:defRPr>
             </a:lvl7pPr>
-            <a:lvl8pPr lvl="7" marR="0" rtl="0" algn="l">
+            <a:lvl8pPr marR="0" lvl="7" algn="l" rtl="0">
               <a:lnSpc>
                 <a:spcPct val="90000"/>
               </a:lnSpc>
@@ -11255,7 +11615,7 @@
               <a:buSzPts val="9600"/>
               <a:buFont typeface="Arial"/>
               <a:buNone/>
-              <a:defRPr b="0" i="0" sz="9600" u="none" cap="none" strike="noStrike">
+              <a:defRPr sz="9600" b="0" i="0" u="none" strike="noStrike" cap="none">
                 <a:solidFill>
                   <a:schemeClr val="dk1"/>
                 </a:solidFill>
@@ -11265,7 +11625,7 @@
                 <a:sym typeface="Calibri"/>
               </a:defRPr>
             </a:lvl8pPr>
-            <a:lvl9pPr lvl="8" marR="0" rtl="0" algn="l">
+            <a:lvl9pPr marR="0" lvl="8" algn="l" rtl="0">
               <a:lnSpc>
                 <a:spcPct val="90000"/>
               </a:lnSpc>
@@ -11281,7 +11641,7 @@
               <a:buSzPts val="9600"/>
               <a:buFont typeface="Arial"/>
               <a:buNone/>
-              <a:defRPr b="0" i="0" sz="9600" u="none" cap="none" strike="noStrike">
+              <a:defRPr sz="9600" b="0" i="0" u="none" strike="noStrike" cap="none">
                 <a:solidFill>
                   <a:schemeClr val="dk1"/>
                 </a:solidFill>
@@ -11292,15 +11652,19 @@
               </a:defRPr>
             </a:lvl9pPr>
           </a:lstStyle>
-          <a:p/>
+          <a:p>
+            <a:endParaRPr/>
+          </a:p>
         </p:txBody>
       </p:sp>
       <p:sp>
         <p:nvSpPr>
           <p:cNvPr id="64" name="Google Shape;64;p10"/>
-          <p:cNvSpPr txBox="1"/>
+          <p:cNvSpPr txBox="1">
+            <a:spLocks noGrp="1"/>
+          </p:cNvSpPr>
           <p:nvPr>
-            <p:ph idx="1" type="body"/>
+            <p:ph type="body" idx="1"/>
           </p:nvPr>
         </p:nvSpPr>
         <p:spPr>
@@ -11317,9 +11681,9 @@
           </a:ln>
         </p:spPr>
         <p:txBody>
-          <a:bodyPr anchorCtr="0" anchor="t" bIns="45700" lIns="91425" spcFirstLastPara="1" rIns="91425" wrap="square" tIns="45700"/>
+          <a:bodyPr spcFirstLastPara="1" wrap="square" lIns="91425" tIns="45700" rIns="91425" bIns="45700" anchor="t" anchorCtr="0"/>
           <a:lstStyle>
-            <a:lvl1pPr indent="-228600" lvl="0" marL="457200" algn="l">
+            <a:lvl1pPr marL="457200" lvl="0" indent="-228600" algn="l">
               <a:lnSpc>
                 <a:spcPct val="90000"/>
               </a:lnSpc>
@@ -11336,7 +11700,7 @@
               <a:buNone/>
               <a:defRPr sz="7680"/>
             </a:lvl1pPr>
-            <a:lvl2pPr indent="-228600" lvl="1" marL="914400" algn="l">
+            <a:lvl2pPr marL="914400" lvl="1" indent="-228600" algn="l">
               <a:lnSpc>
                 <a:spcPct val="90000"/>
               </a:lnSpc>
@@ -11353,7 +11717,7 @@
               <a:buNone/>
               <a:defRPr sz="6719"/>
             </a:lvl2pPr>
-            <a:lvl3pPr indent="-228600" lvl="2" marL="1371600" algn="l">
+            <a:lvl3pPr marL="1371600" lvl="2" indent="-228600" algn="l">
               <a:lnSpc>
                 <a:spcPct val="90000"/>
               </a:lnSpc>
@@ -11370,7 +11734,7 @@
               <a:buNone/>
               <a:defRPr sz="5760"/>
             </a:lvl3pPr>
-            <a:lvl4pPr indent="-228600" lvl="3" marL="1828800" algn="l">
+            <a:lvl4pPr marL="1828800" lvl="3" indent="-228600" algn="l">
               <a:lnSpc>
                 <a:spcPct val="90000"/>
               </a:lnSpc>
@@ -11387,7 +11751,7 @@
               <a:buNone/>
               <a:defRPr sz="4800"/>
             </a:lvl4pPr>
-            <a:lvl5pPr indent="-228600" lvl="4" marL="2286000" algn="l">
+            <a:lvl5pPr marL="2286000" lvl="4" indent="-228600" algn="l">
               <a:lnSpc>
                 <a:spcPct val="90000"/>
               </a:lnSpc>
@@ -11404,7 +11768,7 @@
               <a:buNone/>
               <a:defRPr sz="4800"/>
             </a:lvl5pPr>
-            <a:lvl6pPr indent="-228600" lvl="5" marL="2743200" algn="l">
+            <a:lvl6pPr marL="2743200" lvl="5" indent="-228600" algn="l">
               <a:lnSpc>
                 <a:spcPct val="90000"/>
               </a:lnSpc>
@@ -11421,7 +11785,7 @@
               <a:buNone/>
               <a:defRPr sz="4800"/>
             </a:lvl6pPr>
-            <a:lvl7pPr indent="-228600" lvl="6" marL="3200400" algn="l">
+            <a:lvl7pPr marL="3200400" lvl="6" indent="-228600" algn="l">
               <a:lnSpc>
                 <a:spcPct val="90000"/>
               </a:lnSpc>
@@ -11438,7 +11802,7 @@
               <a:buNone/>
               <a:defRPr sz="4800"/>
             </a:lvl7pPr>
-            <a:lvl8pPr indent="-228600" lvl="7" marL="3657600" algn="l">
+            <a:lvl8pPr marL="3657600" lvl="7" indent="-228600" algn="l">
               <a:lnSpc>
                 <a:spcPct val="90000"/>
               </a:lnSpc>
@@ -11455,7 +11819,7 @@
               <a:buNone/>
               <a:defRPr sz="4800"/>
             </a:lvl8pPr>
-            <a:lvl9pPr indent="-228600" lvl="8" marL="4114800" algn="l">
+            <a:lvl9pPr marL="4114800" lvl="8" indent="-228600" algn="l">
               <a:lnSpc>
                 <a:spcPct val="90000"/>
               </a:lnSpc>
@@ -11473,15 +11837,19 @@
               <a:defRPr sz="4800"/>
             </a:lvl9pPr>
           </a:lstStyle>
-          <a:p/>
+          <a:p>
+            <a:endParaRPr/>
+          </a:p>
         </p:txBody>
       </p:sp>
       <p:sp>
         <p:nvSpPr>
           <p:cNvPr id="65" name="Google Shape;65;p10"/>
-          <p:cNvSpPr txBox="1"/>
+          <p:cNvSpPr txBox="1">
+            <a:spLocks noGrp="1"/>
+          </p:cNvSpPr>
           <p:nvPr>
-            <p:ph idx="10" type="dt"/>
+            <p:ph type="dt" idx="10"/>
           </p:nvPr>
         </p:nvSpPr>
         <p:spPr>
@@ -11498,7 +11866,7 @@
           </a:ln>
         </p:spPr>
         <p:txBody>
-          <a:bodyPr anchorCtr="0" anchor="ctr" bIns="45700" lIns="91425" spcFirstLastPara="1" rIns="91425" wrap="square" tIns="45700"/>
+          <a:bodyPr spcFirstLastPara="1" wrap="square" lIns="91425" tIns="45700" rIns="91425" bIns="45700" anchor="ctr" anchorCtr="0"/>
           <a:lstStyle>
             <a:lvl1pPr lvl="0" algn="l">
               <a:lnSpc>
@@ -11627,15 +11995,19 @@
               <a:defRPr/>
             </a:lvl9pPr>
           </a:lstStyle>
-          <a:p/>
+          <a:p>
+            <a:endParaRPr/>
+          </a:p>
         </p:txBody>
       </p:sp>
       <p:sp>
         <p:nvSpPr>
           <p:cNvPr id="66" name="Google Shape;66;p10"/>
-          <p:cNvSpPr txBox="1"/>
+          <p:cNvSpPr txBox="1">
+            <a:spLocks noGrp="1"/>
+          </p:cNvSpPr>
           <p:nvPr>
-            <p:ph idx="11" type="ftr"/>
+            <p:ph type="ftr" idx="11"/>
           </p:nvPr>
         </p:nvSpPr>
         <p:spPr>
@@ -11652,7 +12024,7 @@
           </a:ln>
         </p:spPr>
         <p:txBody>
-          <a:bodyPr anchorCtr="0" anchor="ctr" bIns="45700" lIns="91425" spcFirstLastPara="1" rIns="91425" wrap="square" tIns="45700"/>
+          <a:bodyPr spcFirstLastPara="1" wrap="square" lIns="91425" tIns="45700" rIns="91425" bIns="45700" anchor="ctr" anchorCtr="0"/>
           <a:lstStyle>
             <a:lvl1pPr lvl="0" algn="ctr">
               <a:lnSpc>
@@ -11781,15 +12153,19 @@
               <a:defRPr/>
             </a:lvl9pPr>
           </a:lstStyle>
-          <a:p/>
+          <a:p>
+            <a:endParaRPr/>
+          </a:p>
         </p:txBody>
       </p:sp>
       <p:sp>
         <p:nvSpPr>
           <p:cNvPr id="67" name="Google Shape;67;p10"/>
-          <p:cNvSpPr txBox="1"/>
+          <p:cNvSpPr txBox="1">
+            <a:spLocks noGrp="1"/>
+          </p:cNvSpPr>
           <p:nvPr>
-            <p:ph idx="12" type="sldNum"/>
+            <p:ph type="sldNum" idx="12"/>
           </p:nvPr>
         </p:nvSpPr>
         <p:spPr>
@@ -11806,11 +12182,11 @@
           </a:ln>
         </p:spPr>
         <p:txBody>
-          <a:bodyPr anchorCtr="0" anchor="ctr" bIns="45700" lIns="91425" spcFirstLastPara="1" rIns="91425" wrap="square" tIns="45700">
+          <a:bodyPr spcFirstLastPara="1" wrap="square" lIns="91425" tIns="45700" rIns="91425" bIns="45700" anchor="ctr" anchorCtr="0">
             <a:noAutofit/>
           </a:bodyPr>
           <a:lstStyle>
-            <a:lvl1pPr indent="0" lvl="0" marL="0" marR="0" algn="r">
+            <a:lvl1pPr marL="0" marR="0" lvl="0" indent="0" algn="r">
               <a:lnSpc>
                 <a:spcPct val="100000"/>
               </a:lnSpc>
@@ -11826,7 +12202,7 @@
               <a:buSzPts val="5760"/>
               <a:buFont typeface="Arial"/>
               <a:buNone/>
-              <a:defRPr b="0" i="0" sz="5760" u="none" cap="none" strike="noStrike">
+              <a:defRPr sz="5760" b="0" i="0" u="none" strike="noStrike" cap="none">
                 <a:solidFill>
                   <a:srgbClr val="888888"/>
                 </a:solidFill>
@@ -11836,7 +12212,7 @@
                 <a:sym typeface="Calibri"/>
               </a:defRPr>
             </a:lvl1pPr>
-            <a:lvl2pPr indent="0" lvl="1" marL="0" marR="0" algn="r">
+            <a:lvl2pPr marL="0" marR="0" lvl="1" indent="0" algn="r">
               <a:lnSpc>
                 <a:spcPct val="100000"/>
               </a:lnSpc>
@@ -11852,7 +12228,7 @@
               <a:buSzPts val="5760"/>
               <a:buFont typeface="Arial"/>
               <a:buNone/>
-              <a:defRPr b="0" i="0" sz="5760" u="none" cap="none" strike="noStrike">
+              <a:defRPr sz="5760" b="0" i="0" u="none" strike="noStrike" cap="none">
                 <a:solidFill>
                   <a:srgbClr val="888888"/>
                 </a:solidFill>
@@ -11862,7 +12238,7 @@
                 <a:sym typeface="Calibri"/>
               </a:defRPr>
             </a:lvl2pPr>
-            <a:lvl3pPr indent="0" lvl="2" marL="0" marR="0" algn="r">
+            <a:lvl3pPr marL="0" marR="0" lvl="2" indent="0" algn="r">
               <a:lnSpc>
                 <a:spcPct val="100000"/>
               </a:lnSpc>
@@ -11878,7 +12254,7 @@
               <a:buSzPts val="5760"/>
               <a:buFont typeface="Arial"/>
               <a:buNone/>
-              <a:defRPr b="0" i="0" sz="5760" u="none" cap="none" strike="noStrike">
+              <a:defRPr sz="5760" b="0" i="0" u="none" strike="noStrike" cap="none">
                 <a:solidFill>
                   <a:srgbClr val="888888"/>
                 </a:solidFill>
@@ -11888,7 +12264,7 @@
                 <a:sym typeface="Calibri"/>
               </a:defRPr>
             </a:lvl3pPr>
-            <a:lvl4pPr indent="0" lvl="3" marL="0" marR="0" algn="r">
+            <a:lvl4pPr marL="0" marR="0" lvl="3" indent="0" algn="r">
               <a:lnSpc>
                 <a:spcPct val="100000"/>
               </a:lnSpc>
@@ -11904,7 +12280,7 @@
               <a:buSzPts val="5760"/>
               <a:buFont typeface="Arial"/>
               <a:buNone/>
-              <a:defRPr b="0" i="0" sz="5760" u="none" cap="none" strike="noStrike">
+              <a:defRPr sz="5760" b="0" i="0" u="none" strike="noStrike" cap="none">
                 <a:solidFill>
                   <a:srgbClr val="888888"/>
                 </a:solidFill>
@@ -11914,7 +12290,7 @@
                 <a:sym typeface="Calibri"/>
               </a:defRPr>
             </a:lvl4pPr>
-            <a:lvl5pPr indent="0" lvl="4" marL="0" marR="0" algn="r">
+            <a:lvl5pPr marL="0" marR="0" lvl="4" indent="0" algn="r">
               <a:lnSpc>
                 <a:spcPct val="100000"/>
               </a:lnSpc>
@@ -11930,7 +12306,7 @@
               <a:buSzPts val="5760"/>
               <a:buFont typeface="Arial"/>
               <a:buNone/>
-              <a:defRPr b="0" i="0" sz="5760" u="none" cap="none" strike="noStrike">
+              <a:defRPr sz="5760" b="0" i="0" u="none" strike="noStrike" cap="none">
                 <a:solidFill>
                   <a:srgbClr val="888888"/>
                 </a:solidFill>
@@ -11940,7 +12316,7 @@
                 <a:sym typeface="Calibri"/>
               </a:defRPr>
             </a:lvl5pPr>
-            <a:lvl6pPr indent="0" lvl="5" marL="0" marR="0" algn="r">
+            <a:lvl6pPr marL="0" marR="0" lvl="5" indent="0" algn="r">
               <a:lnSpc>
                 <a:spcPct val="100000"/>
               </a:lnSpc>
@@ -11956,7 +12332,7 @@
               <a:buSzPts val="5760"/>
               <a:buFont typeface="Arial"/>
               <a:buNone/>
-              <a:defRPr b="0" i="0" sz="5760" u="none" cap="none" strike="noStrike">
+              <a:defRPr sz="5760" b="0" i="0" u="none" strike="noStrike" cap="none">
                 <a:solidFill>
                   <a:srgbClr val="888888"/>
                 </a:solidFill>
@@ -11966,7 +12342,7 @@
                 <a:sym typeface="Calibri"/>
               </a:defRPr>
             </a:lvl6pPr>
-            <a:lvl7pPr indent="0" lvl="6" marL="0" marR="0" algn="r">
+            <a:lvl7pPr marL="0" marR="0" lvl="6" indent="0" algn="r">
               <a:lnSpc>
                 <a:spcPct val="100000"/>
               </a:lnSpc>
@@ -11982,7 +12358,7 @@
               <a:buSzPts val="5760"/>
               <a:buFont typeface="Arial"/>
               <a:buNone/>
-              <a:defRPr b="0" i="0" sz="5760" u="none" cap="none" strike="noStrike">
+              <a:defRPr sz="5760" b="0" i="0" u="none" strike="noStrike" cap="none">
                 <a:solidFill>
                   <a:srgbClr val="888888"/>
                 </a:solidFill>
@@ -11992,7 +12368,7 @@
                 <a:sym typeface="Calibri"/>
               </a:defRPr>
             </a:lvl7pPr>
-            <a:lvl8pPr indent="0" lvl="7" marL="0" marR="0" algn="r">
+            <a:lvl8pPr marL="0" marR="0" lvl="7" indent="0" algn="r">
               <a:lnSpc>
                 <a:spcPct val="100000"/>
               </a:lnSpc>
@@ -12008,7 +12384,7 @@
               <a:buSzPts val="5760"/>
               <a:buFont typeface="Arial"/>
               <a:buNone/>
-              <a:defRPr b="0" i="0" sz="5760" u="none" cap="none" strike="noStrike">
+              <a:defRPr sz="5760" b="0" i="0" u="none" strike="noStrike" cap="none">
                 <a:solidFill>
                   <a:srgbClr val="888888"/>
                 </a:solidFill>
@@ -12018,7 +12394,7 @@
                 <a:sym typeface="Calibri"/>
               </a:defRPr>
             </a:lvl8pPr>
-            <a:lvl9pPr indent="0" lvl="8" marL="0" marR="0" algn="r">
+            <a:lvl9pPr marL="0" marR="0" lvl="8" indent="0" algn="r">
               <a:lnSpc>
                 <a:spcPct val="100000"/>
               </a:lnSpc>
@@ -12034,7 +12410,7 @@
               <a:buSzPts val="5760"/>
               <a:buFont typeface="Arial"/>
               <a:buNone/>
-              <a:defRPr b="0" i="0" sz="5760" u="none" cap="none" strike="noStrike">
+              <a:defRPr sz="5760" b="0" i="0" u="none" strike="noStrike" cap="none">
                 <a:solidFill>
                   <a:srgbClr val="888888"/>
                 </a:solidFill>
@@ -12046,7 +12422,7 @@
             </a:lvl9pPr>
           </a:lstStyle>
           <a:p>
-            <a:pPr indent="0" lvl="0" marL="0" rtl="0" algn="r">
+            <a:pPr marL="0" lvl="0" indent="0" algn="r" rtl="0">
               <a:spcBef>
                 <a:spcPts val="0"/>
               </a:spcBef>
@@ -12072,18 +12448,19 @@
 </file>
 
 <file path=ppt/slideMasters/slideMaster1.xml><?xml version="1.0" encoding="utf-8"?>
-<p:sldMaster xmlns:a="http://schemas.openxmlformats.org/drawingml/2006/main" xmlns:r="http://schemas.openxmlformats.org/officeDocument/2006/relationships" xmlns:mc="http://schemas.openxmlformats.org/markup-compatibility/2006" xmlns:mv="urn:schemas-microsoft-com:mac:vml" xmlns:p="http://schemas.openxmlformats.org/presentationml/2006/main" xmlns:c="http://schemas.openxmlformats.org/drawingml/2006/chart" xmlns:dgm="http://schemas.openxmlformats.org/drawingml/2006/diagram" xmlns:o="urn:schemas-microsoft-com:office:office" xmlns:v="urn:schemas-microsoft-com:vml" xmlns:pvml="urn:schemas-microsoft-com:office:powerpoint" xmlns:com="http://schemas.openxmlformats.org/drawingml/2006/compatibility" xmlns:p14="http://schemas.microsoft.com/office/powerpoint/2010/main" xmlns:p15="http://schemas.microsoft.com/office/powerpoint/2012/main">
+<p:sldMaster xmlns:a="http://schemas.openxmlformats.org/drawingml/2006/main" xmlns:r="http://schemas.openxmlformats.org/officeDocument/2006/relationships" xmlns:p="http://schemas.openxmlformats.org/presentationml/2006/main">
   <p:cSld>
     <p:bg>
       <p:bgPr>
         <a:solidFill>
           <a:schemeClr val="lt1"/>
         </a:solidFill>
+        <a:effectLst/>
       </p:bgPr>
     </p:bg>
     <p:spTree>
       <p:nvGrpSpPr>
-        <p:cNvPr id="5" name="Shape 5"/>
+        <p:cNvPr id="1" name="Shape 5"/>
         <p:cNvGrpSpPr/>
         <p:nvPr/>
       </p:nvGrpSpPr>
@@ -12098,7 +12475,9 @@
       <p:sp>
         <p:nvSpPr>
           <p:cNvPr id="6" name="Google Shape;6;p1"/>
-          <p:cNvSpPr txBox="1"/>
+          <p:cNvSpPr txBox="1">
+            <a:spLocks noGrp="1"/>
+          </p:cNvSpPr>
           <p:nvPr>
             <p:ph type="title"/>
           </p:nvPr>
@@ -12117,9 +12496,9 @@
           </a:ln>
         </p:spPr>
         <p:txBody>
-          <a:bodyPr anchorCtr="0" anchor="ctr" bIns="45700" lIns="91425" spcFirstLastPara="1" rIns="91425" wrap="square" tIns="45700"/>
+          <a:bodyPr spcFirstLastPara="1" wrap="square" lIns="91425" tIns="45700" rIns="91425" bIns="45700" anchor="ctr" anchorCtr="0"/>
           <a:lstStyle>
-            <a:lvl1pPr lvl="0" marR="0" rtl="0" algn="l">
+            <a:lvl1pPr marR="0" lvl="0" algn="l" rtl="0">
               <a:lnSpc>
                 <a:spcPct val="90000"/>
               </a:lnSpc>
@@ -12135,7 +12514,7 @@
               <a:buSzPts val="21120"/>
               <a:buFont typeface="Calibri"/>
               <a:buNone/>
-              <a:defRPr b="0" i="0" sz="21120" u="none" cap="none" strike="noStrike">
+              <a:defRPr sz="21120" b="0" i="0" u="none" strike="noStrike" cap="none">
                 <a:solidFill>
                   <a:schemeClr val="dk1"/>
                 </a:solidFill>
@@ -12145,23 +12524,23 @@
                 <a:sym typeface="Calibri"/>
               </a:defRPr>
             </a:lvl1pPr>
-            <a:lvl2pPr lvl="1" marR="0" rtl="0" algn="l">
-              <a:lnSpc>
-                <a:spcPct val="100000"/>
-              </a:lnSpc>
-              <a:spcBef>
-                <a:spcPts val="0"/>
-              </a:spcBef>
-              <a:spcAft>
-                <a:spcPts val="0"/>
-              </a:spcAft>
-              <a:buClr>
-                <a:srgbClr val="000000"/>
-              </a:buClr>
-              <a:buSzPts val="1400"/>
-              <a:buFont typeface="Arial"/>
-              <a:buNone/>
-              <a:defRPr b="0" i="0" sz="1800" u="none" cap="none" strike="noStrike">
+            <a:lvl2pPr marR="0" lvl="1" algn="l" rtl="0">
+              <a:lnSpc>
+                <a:spcPct val="100000"/>
+              </a:lnSpc>
+              <a:spcBef>
+                <a:spcPts val="0"/>
+              </a:spcBef>
+              <a:spcAft>
+                <a:spcPts val="0"/>
+              </a:spcAft>
+              <a:buClr>
+                <a:srgbClr val="000000"/>
+              </a:buClr>
+              <a:buSzPts val="1400"/>
+              <a:buFont typeface="Arial"/>
+              <a:buNone/>
+              <a:defRPr sz="1800" b="0" i="0" u="none" strike="noStrike" cap="none">
                 <a:solidFill>
                   <a:srgbClr val="000000"/>
                 </a:solidFill>
@@ -12171,23 +12550,23 @@
                 <a:sym typeface="Arial"/>
               </a:defRPr>
             </a:lvl2pPr>
-            <a:lvl3pPr lvl="2" marR="0" rtl="0" algn="l">
-              <a:lnSpc>
-                <a:spcPct val="100000"/>
-              </a:lnSpc>
-              <a:spcBef>
-                <a:spcPts val="0"/>
-              </a:spcBef>
-              <a:spcAft>
-                <a:spcPts val="0"/>
-              </a:spcAft>
-              <a:buClr>
-                <a:srgbClr val="000000"/>
-              </a:buClr>
-              <a:buSzPts val="1400"/>
-              <a:buFont typeface="Arial"/>
-              <a:buNone/>
-              <a:defRPr b="0" i="0" sz="1800" u="none" cap="none" strike="noStrike">
+            <a:lvl3pPr marR="0" lvl="2" algn="l" rtl="0">
+              <a:lnSpc>
+                <a:spcPct val="100000"/>
+              </a:lnSpc>
+              <a:spcBef>
+                <a:spcPts val="0"/>
+              </a:spcBef>
+              <a:spcAft>
+                <a:spcPts val="0"/>
+              </a:spcAft>
+              <a:buClr>
+                <a:srgbClr val="000000"/>
+              </a:buClr>
+              <a:buSzPts val="1400"/>
+              <a:buFont typeface="Arial"/>
+              <a:buNone/>
+              <a:defRPr sz="1800" b="0" i="0" u="none" strike="noStrike" cap="none">
                 <a:solidFill>
                   <a:srgbClr val="000000"/>
                 </a:solidFill>
@@ -12197,23 +12576,23 @@
                 <a:sym typeface="Arial"/>
               </a:defRPr>
             </a:lvl3pPr>
-            <a:lvl4pPr lvl="3" marR="0" rtl="0" algn="l">
-              <a:lnSpc>
-                <a:spcPct val="100000"/>
-              </a:lnSpc>
-              <a:spcBef>
-                <a:spcPts val="0"/>
-              </a:spcBef>
-              <a:spcAft>
-                <a:spcPts val="0"/>
-              </a:spcAft>
-              <a:buClr>
-                <a:srgbClr val="000000"/>
-              </a:buClr>
-              <a:buSzPts val="1400"/>
-              <a:buFont typeface="Arial"/>
-              <a:buNone/>
-              <a:defRPr b="0" i="0" sz="1800" u="none" cap="none" strike="noStrike">
+            <a:lvl4pPr marR="0" lvl="3" algn="l" rtl="0">
+              <a:lnSpc>
+                <a:spcPct val="100000"/>
+              </a:lnSpc>
+              <a:spcBef>
+                <a:spcPts val="0"/>
+              </a:spcBef>
+              <a:spcAft>
+                <a:spcPts val="0"/>
+              </a:spcAft>
+              <a:buClr>
+                <a:srgbClr val="000000"/>
+              </a:buClr>
+              <a:buSzPts val="1400"/>
+              <a:buFont typeface="Arial"/>
+              <a:buNone/>
+              <a:defRPr sz="1800" b="0" i="0" u="none" strike="noStrike" cap="none">
                 <a:solidFill>
                   <a:srgbClr val="000000"/>
                 </a:solidFill>
@@ -12223,23 +12602,23 @@
                 <a:sym typeface="Arial"/>
               </a:defRPr>
             </a:lvl4pPr>
-            <a:lvl5pPr lvl="4" marR="0" rtl="0" algn="l">
-              <a:lnSpc>
-                <a:spcPct val="100000"/>
-              </a:lnSpc>
-              <a:spcBef>
-                <a:spcPts val="0"/>
-              </a:spcBef>
-              <a:spcAft>
-                <a:spcPts val="0"/>
-              </a:spcAft>
-              <a:buClr>
-                <a:srgbClr val="000000"/>
-              </a:buClr>
-              <a:buSzPts val="1400"/>
-              <a:buFont typeface="Arial"/>
-              <a:buNone/>
-              <a:defRPr b="0" i="0" sz="1800" u="none" cap="none" strike="noStrike">
+            <a:lvl5pPr marR="0" lvl="4" algn="l" rtl="0">
+              <a:lnSpc>
+                <a:spcPct val="100000"/>
+              </a:lnSpc>
+              <a:spcBef>
+                <a:spcPts val="0"/>
+              </a:spcBef>
+              <a:spcAft>
+                <a:spcPts val="0"/>
+              </a:spcAft>
+              <a:buClr>
+                <a:srgbClr val="000000"/>
+              </a:buClr>
+              <a:buSzPts val="1400"/>
+              <a:buFont typeface="Arial"/>
+              <a:buNone/>
+              <a:defRPr sz="1800" b="0" i="0" u="none" strike="noStrike" cap="none">
                 <a:solidFill>
                   <a:srgbClr val="000000"/>
                 </a:solidFill>
@@ -12249,23 +12628,23 @@
                 <a:sym typeface="Arial"/>
               </a:defRPr>
             </a:lvl5pPr>
-            <a:lvl6pPr lvl="5" marR="0" rtl="0" algn="l">
-              <a:lnSpc>
-                <a:spcPct val="100000"/>
-              </a:lnSpc>
-              <a:spcBef>
-                <a:spcPts val="0"/>
-              </a:spcBef>
-              <a:spcAft>
-                <a:spcPts val="0"/>
-              </a:spcAft>
-              <a:buClr>
-                <a:srgbClr val="000000"/>
-              </a:buClr>
-              <a:buSzPts val="1400"/>
-              <a:buFont typeface="Arial"/>
-              <a:buNone/>
-              <a:defRPr b="0" i="0" sz="1800" u="none" cap="none" strike="noStrike">
+            <a:lvl6pPr marR="0" lvl="5" algn="l" rtl="0">
+              <a:lnSpc>
+                <a:spcPct val="100000"/>
+              </a:lnSpc>
+              <a:spcBef>
+                <a:spcPts val="0"/>
+              </a:spcBef>
+              <a:spcAft>
+                <a:spcPts val="0"/>
+              </a:spcAft>
+              <a:buClr>
+                <a:srgbClr val="000000"/>
+              </a:buClr>
+              <a:buSzPts val="1400"/>
+              <a:buFont typeface="Arial"/>
+              <a:buNone/>
+              <a:defRPr sz="1800" b="0" i="0" u="none" strike="noStrike" cap="none">
                 <a:solidFill>
                   <a:srgbClr val="000000"/>
                 </a:solidFill>
@@ -12275,23 +12654,23 @@
                 <a:sym typeface="Arial"/>
               </a:defRPr>
             </a:lvl6pPr>
-            <a:lvl7pPr lvl="6" marR="0" rtl="0" algn="l">
-              <a:lnSpc>
-                <a:spcPct val="100000"/>
-              </a:lnSpc>
-              <a:spcBef>
-                <a:spcPts val="0"/>
-              </a:spcBef>
-              <a:spcAft>
-                <a:spcPts val="0"/>
-              </a:spcAft>
-              <a:buClr>
-                <a:srgbClr val="000000"/>
-              </a:buClr>
-              <a:buSzPts val="1400"/>
-              <a:buFont typeface="Arial"/>
-              <a:buNone/>
-              <a:defRPr b="0" i="0" sz="1800" u="none" cap="none" strike="noStrike">
+            <a:lvl7pPr marR="0" lvl="6" algn="l" rtl="0">
+              <a:lnSpc>
+                <a:spcPct val="100000"/>
+              </a:lnSpc>
+              <a:spcBef>
+                <a:spcPts val="0"/>
+              </a:spcBef>
+              <a:spcAft>
+                <a:spcPts val="0"/>
+              </a:spcAft>
+              <a:buClr>
+                <a:srgbClr val="000000"/>
+              </a:buClr>
+              <a:buSzPts val="1400"/>
+              <a:buFont typeface="Arial"/>
+              <a:buNone/>
+              <a:defRPr sz="1800" b="0" i="0" u="none" strike="noStrike" cap="none">
                 <a:solidFill>
                   <a:srgbClr val="000000"/>
                 </a:solidFill>
@@ -12301,23 +12680,23 @@
                 <a:sym typeface="Arial"/>
               </a:defRPr>
             </a:lvl7pPr>
-            <a:lvl8pPr lvl="7" marR="0" rtl="0" algn="l">
-              <a:lnSpc>
-                <a:spcPct val="100000"/>
-              </a:lnSpc>
-              <a:spcBef>
-                <a:spcPts val="0"/>
-              </a:spcBef>
-              <a:spcAft>
-                <a:spcPts val="0"/>
-              </a:spcAft>
-              <a:buClr>
-                <a:srgbClr val="000000"/>
-              </a:buClr>
-              <a:buSzPts val="1400"/>
-              <a:buFont typeface="Arial"/>
-              <a:buNone/>
-              <a:defRPr b="0" i="0" sz="1800" u="none" cap="none" strike="noStrike">
+            <a:lvl8pPr marR="0" lvl="7" algn="l" rtl="0">
+              <a:lnSpc>
+                <a:spcPct val="100000"/>
+              </a:lnSpc>
+              <a:spcBef>
+                <a:spcPts val="0"/>
+              </a:spcBef>
+              <a:spcAft>
+                <a:spcPts val="0"/>
+              </a:spcAft>
+              <a:buClr>
+                <a:srgbClr val="000000"/>
+              </a:buClr>
+              <a:buSzPts val="1400"/>
+              <a:buFont typeface="Arial"/>
+              <a:buNone/>
+              <a:defRPr sz="1800" b="0" i="0" u="none" strike="noStrike" cap="none">
                 <a:solidFill>
                   <a:srgbClr val="000000"/>
                 </a:solidFill>
@@ -12327,23 +12706,23 @@
                 <a:sym typeface="Arial"/>
               </a:defRPr>
             </a:lvl8pPr>
-            <a:lvl9pPr lvl="8" marR="0" rtl="0" algn="l">
-              <a:lnSpc>
-                <a:spcPct val="100000"/>
-              </a:lnSpc>
-              <a:spcBef>
-                <a:spcPts val="0"/>
-              </a:spcBef>
-              <a:spcAft>
-                <a:spcPts val="0"/>
-              </a:spcAft>
-              <a:buClr>
-                <a:srgbClr val="000000"/>
-              </a:buClr>
-              <a:buSzPts val="1400"/>
-              <a:buFont typeface="Arial"/>
-              <a:buNone/>
-              <a:defRPr b="0" i="0" sz="1800" u="none" cap="none" strike="noStrike">
+            <a:lvl9pPr marR="0" lvl="8" algn="l" rtl="0">
+              <a:lnSpc>
+                <a:spcPct val="100000"/>
+              </a:lnSpc>
+              <a:spcBef>
+                <a:spcPts val="0"/>
+              </a:spcBef>
+              <a:spcAft>
+                <a:spcPts val="0"/>
+              </a:spcAft>
+              <a:buClr>
+                <a:srgbClr val="000000"/>
+              </a:buClr>
+              <a:buSzPts val="1400"/>
+              <a:buFont typeface="Arial"/>
+              <a:buNone/>
+              <a:defRPr sz="1800" b="0" i="0" u="none" strike="noStrike" cap="none">
                 <a:solidFill>
                   <a:srgbClr val="000000"/>
                 </a:solidFill>
@@ -12354,15 +12733,19 @@
               </a:defRPr>
             </a:lvl9pPr>
           </a:lstStyle>
-          <a:p/>
+          <a:p>
+            <a:endParaRPr/>
+          </a:p>
         </p:txBody>
       </p:sp>
       <p:sp>
         <p:nvSpPr>
           <p:cNvPr id="7" name="Google Shape;7;p1"/>
-          <p:cNvSpPr txBox="1"/>
+          <p:cNvSpPr txBox="1">
+            <a:spLocks noGrp="1"/>
+          </p:cNvSpPr>
           <p:nvPr>
-            <p:ph idx="1" type="body"/>
+            <p:ph type="body" idx="1"/>
           </p:nvPr>
         </p:nvSpPr>
         <p:spPr>
@@ -12379,9 +12762,9 @@
           </a:ln>
         </p:spPr>
         <p:txBody>
-          <a:bodyPr anchorCtr="0" anchor="t" bIns="45700" lIns="91425" spcFirstLastPara="1" rIns="91425" wrap="square" tIns="45700"/>
+          <a:bodyPr spcFirstLastPara="1" wrap="square" lIns="91425" tIns="45700" rIns="91425" bIns="45700" anchor="t" anchorCtr="0"/>
           <a:lstStyle>
-            <a:lvl1pPr indent="-1082040" lvl="0" marL="457200" marR="0" rtl="0" algn="l">
+            <a:lvl1pPr marL="457200" marR="0" lvl="0" indent="-1082040" algn="l" rtl="0">
               <a:lnSpc>
                 <a:spcPct val="90000"/>
               </a:lnSpc>
@@ -12397,7 +12780,7 @@
               <a:buSzPts val="13440"/>
               <a:buFont typeface="Arial"/>
               <a:buChar char="•"/>
-              <a:defRPr b="0" i="0" sz="13439" u="none" cap="none" strike="noStrike">
+              <a:defRPr sz="13439" b="0" i="0" u="none" strike="noStrike" cap="none">
                 <a:solidFill>
                   <a:schemeClr val="dk1"/>
                 </a:solidFill>
@@ -12407,7 +12790,7 @@
                 <a:sym typeface="Calibri"/>
               </a:defRPr>
             </a:lvl1pPr>
-            <a:lvl2pPr indent="-960120" lvl="1" marL="914400" marR="0" rtl="0" algn="l">
+            <a:lvl2pPr marL="914400" marR="0" lvl="1" indent="-960120" algn="l" rtl="0">
               <a:lnSpc>
                 <a:spcPct val="90000"/>
               </a:lnSpc>
@@ -12423,7 +12806,7 @@
               <a:buSzPts val="11520"/>
               <a:buFont typeface="Arial"/>
               <a:buChar char="•"/>
-              <a:defRPr b="0" i="0" sz="11520" u="none" cap="none" strike="noStrike">
+              <a:defRPr sz="11520" b="0" i="0" u="none" strike="noStrike" cap="none">
                 <a:solidFill>
                   <a:schemeClr val="dk1"/>
                 </a:solidFill>
@@ -12433,7 +12816,7 @@
                 <a:sym typeface="Calibri"/>
               </a:defRPr>
             </a:lvl2pPr>
-            <a:lvl3pPr indent="-838200" lvl="2" marL="1371600" marR="0" rtl="0" algn="l">
+            <a:lvl3pPr marL="1371600" marR="0" lvl="2" indent="-838200" algn="l" rtl="0">
               <a:lnSpc>
                 <a:spcPct val="90000"/>
               </a:lnSpc>
@@ -12449,7 +12832,7 @@
               <a:buSzPts val="9600"/>
               <a:buFont typeface="Arial"/>
               <a:buChar char="•"/>
-              <a:defRPr b="0" i="0" sz="9600" u="none" cap="none" strike="noStrike">
+              <a:defRPr sz="9600" b="0" i="0" u="none" strike="noStrike" cap="none">
                 <a:solidFill>
                   <a:schemeClr val="dk1"/>
                 </a:solidFill>
@@ -12459,7 +12842,7 @@
                 <a:sym typeface="Calibri"/>
               </a:defRPr>
             </a:lvl3pPr>
-            <a:lvl4pPr indent="-777239" lvl="3" marL="1828800" marR="0" rtl="0" algn="l">
+            <a:lvl4pPr marL="1828800" marR="0" lvl="3" indent="-777239" algn="l" rtl="0">
               <a:lnSpc>
                 <a:spcPct val="90000"/>
               </a:lnSpc>
@@ -12475,7 +12858,7 @@
               <a:buSzPts val="8640"/>
               <a:buFont typeface="Arial"/>
               <a:buChar char="•"/>
-              <a:defRPr b="0" i="0" sz="8640" u="none" cap="none" strike="noStrike">
+              <a:defRPr sz="8640" b="0" i="0" u="none" strike="noStrike" cap="none">
                 <a:solidFill>
                   <a:schemeClr val="dk1"/>
                 </a:solidFill>
@@ -12485,7 +12868,7 @@
                 <a:sym typeface="Calibri"/>
               </a:defRPr>
             </a:lvl4pPr>
-            <a:lvl5pPr indent="-777239" lvl="4" marL="2286000" marR="0" rtl="0" algn="l">
+            <a:lvl5pPr marL="2286000" marR="0" lvl="4" indent="-777239" algn="l" rtl="0">
               <a:lnSpc>
                 <a:spcPct val="90000"/>
               </a:lnSpc>
@@ -12501,7 +12884,7 @@
               <a:buSzPts val="8640"/>
               <a:buFont typeface="Arial"/>
               <a:buChar char="•"/>
-              <a:defRPr b="0" i="0" sz="8640" u="none" cap="none" strike="noStrike">
+              <a:defRPr sz="8640" b="0" i="0" u="none" strike="noStrike" cap="none">
                 <a:solidFill>
                   <a:schemeClr val="dk1"/>
                 </a:solidFill>
@@ -12511,7 +12894,7 @@
                 <a:sym typeface="Calibri"/>
               </a:defRPr>
             </a:lvl5pPr>
-            <a:lvl6pPr indent="-777239" lvl="5" marL="2743200" marR="0" rtl="0" algn="l">
+            <a:lvl6pPr marL="2743200" marR="0" lvl="5" indent="-777239" algn="l" rtl="0">
               <a:lnSpc>
                 <a:spcPct val="90000"/>
               </a:lnSpc>
@@ -12527,7 +12910,7 @@
               <a:buSzPts val="8640"/>
               <a:buFont typeface="Arial"/>
               <a:buChar char="•"/>
-              <a:defRPr b="0" i="0" sz="8640" u="none" cap="none" strike="noStrike">
+              <a:defRPr sz="8640" b="0" i="0" u="none" strike="noStrike" cap="none">
                 <a:solidFill>
                   <a:schemeClr val="dk1"/>
                 </a:solidFill>
@@ -12537,7 +12920,7 @@
                 <a:sym typeface="Calibri"/>
               </a:defRPr>
             </a:lvl6pPr>
-            <a:lvl7pPr indent="-777239" lvl="6" marL="3200400" marR="0" rtl="0" algn="l">
+            <a:lvl7pPr marL="3200400" marR="0" lvl="6" indent="-777239" algn="l" rtl="0">
               <a:lnSpc>
                 <a:spcPct val="90000"/>
               </a:lnSpc>
@@ -12553,7 +12936,7 @@
               <a:buSzPts val="8640"/>
               <a:buFont typeface="Arial"/>
               <a:buChar char="•"/>
-              <a:defRPr b="0" i="0" sz="8640" u="none" cap="none" strike="noStrike">
+              <a:defRPr sz="8640" b="0" i="0" u="none" strike="noStrike" cap="none">
                 <a:solidFill>
                   <a:schemeClr val="dk1"/>
                 </a:solidFill>
@@ -12563,7 +12946,7 @@
                 <a:sym typeface="Calibri"/>
               </a:defRPr>
             </a:lvl7pPr>
-            <a:lvl8pPr indent="-777239" lvl="7" marL="3657600" marR="0" rtl="0" algn="l">
+            <a:lvl8pPr marL="3657600" marR="0" lvl="7" indent="-777239" algn="l" rtl="0">
               <a:lnSpc>
                 <a:spcPct val="90000"/>
               </a:lnSpc>
@@ -12579,7 +12962,7 @@
               <a:buSzPts val="8640"/>
               <a:buFont typeface="Arial"/>
               <a:buChar char="•"/>
-              <a:defRPr b="0" i="0" sz="8640" u="none" cap="none" strike="noStrike">
+              <a:defRPr sz="8640" b="0" i="0" u="none" strike="noStrike" cap="none">
                 <a:solidFill>
                   <a:schemeClr val="dk1"/>
                 </a:solidFill>
@@ -12589,7 +12972,7 @@
                 <a:sym typeface="Calibri"/>
               </a:defRPr>
             </a:lvl8pPr>
-            <a:lvl9pPr indent="-777240" lvl="8" marL="4114800" marR="0" rtl="0" algn="l">
+            <a:lvl9pPr marL="4114800" marR="0" lvl="8" indent="-777240" algn="l" rtl="0">
               <a:lnSpc>
                 <a:spcPct val="90000"/>
               </a:lnSpc>
@@ -12605,7 +12988,7 @@
               <a:buSzPts val="8640"/>
               <a:buFont typeface="Arial"/>
               <a:buChar char="•"/>
-              <a:defRPr b="0" i="0" sz="8640" u="none" cap="none" strike="noStrike">
+              <a:defRPr sz="8640" b="0" i="0" u="none" strike="noStrike" cap="none">
                 <a:solidFill>
                   <a:schemeClr val="dk1"/>
                 </a:solidFill>
@@ -12616,15 +12999,19 @@
               </a:defRPr>
             </a:lvl9pPr>
           </a:lstStyle>
-          <a:p/>
+          <a:p>
+            <a:endParaRPr/>
+          </a:p>
         </p:txBody>
       </p:sp>
       <p:sp>
         <p:nvSpPr>
           <p:cNvPr id="8" name="Google Shape;8;p1"/>
-          <p:cNvSpPr txBox="1"/>
+          <p:cNvSpPr txBox="1">
+            <a:spLocks noGrp="1"/>
+          </p:cNvSpPr>
           <p:nvPr>
-            <p:ph idx="10" type="dt"/>
+            <p:ph type="dt" idx="10"/>
           </p:nvPr>
         </p:nvSpPr>
         <p:spPr>
@@ -12641,25 +13028,25 @@
           </a:ln>
         </p:spPr>
         <p:txBody>
-          <a:bodyPr anchorCtr="0" anchor="ctr" bIns="45700" lIns="91425" spcFirstLastPara="1" rIns="91425" wrap="square" tIns="45700"/>
+          <a:bodyPr spcFirstLastPara="1" wrap="square" lIns="91425" tIns="45700" rIns="91425" bIns="45700" anchor="ctr" anchorCtr="0"/>
           <a:lstStyle>
-            <a:lvl1pPr lvl="0" marR="0" rtl="0" algn="l">
-              <a:lnSpc>
-                <a:spcPct val="100000"/>
-              </a:lnSpc>
-              <a:spcBef>
-                <a:spcPts val="0"/>
-              </a:spcBef>
-              <a:spcAft>
-                <a:spcPts val="0"/>
-              </a:spcAft>
-              <a:buClr>
-                <a:srgbClr val="000000"/>
-              </a:buClr>
-              <a:buSzPts val="1400"/>
-              <a:buFont typeface="Arial"/>
-              <a:buNone/>
-              <a:defRPr b="0" i="0" sz="5760" u="none" cap="none" strike="noStrike">
+            <a:lvl1pPr marR="0" lvl="0" algn="l" rtl="0">
+              <a:lnSpc>
+                <a:spcPct val="100000"/>
+              </a:lnSpc>
+              <a:spcBef>
+                <a:spcPts val="0"/>
+              </a:spcBef>
+              <a:spcAft>
+                <a:spcPts val="0"/>
+              </a:spcAft>
+              <a:buClr>
+                <a:srgbClr val="000000"/>
+              </a:buClr>
+              <a:buSzPts val="1400"/>
+              <a:buFont typeface="Arial"/>
+              <a:buNone/>
+              <a:defRPr sz="5760" b="0" i="0" u="none" strike="noStrike" cap="none">
                 <a:solidFill>
                   <a:srgbClr val="888888"/>
                 </a:solidFill>
@@ -12669,23 +13056,23 @@
                 <a:sym typeface="Calibri"/>
               </a:defRPr>
             </a:lvl1pPr>
-            <a:lvl2pPr lvl="1" marR="0" rtl="0" algn="l">
-              <a:lnSpc>
-                <a:spcPct val="100000"/>
-              </a:lnSpc>
-              <a:spcBef>
-                <a:spcPts val="0"/>
-              </a:spcBef>
-              <a:spcAft>
-                <a:spcPts val="0"/>
-              </a:spcAft>
-              <a:buClr>
-                <a:srgbClr val="000000"/>
-              </a:buClr>
-              <a:buSzPts val="1400"/>
-              <a:buFont typeface="Arial"/>
-              <a:buNone/>
-              <a:defRPr b="0" i="0" sz="1800" u="none" cap="none" strike="noStrike">
+            <a:lvl2pPr marR="0" lvl="1" algn="l" rtl="0">
+              <a:lnSpc>
+                <a:spcPct val="100000"/>
+              </a:lnSpc>
+              <a:spcBef>
+                <a:spcPts val="0"/>
+              </a:spcBef>
+              <a:spcAft>
+                <a:spcPts val="0"/>
+              </a:spcAft>
+              <a:buClr>
+                <a:srgbClr val="000000"/>
+              </a:buClr>
+              <a:buSzPts val="1400"/>
+              <a:buFont typeface="Arial"/>
+              <a:buNone/>
+              <a:defRPr sz="1800" b="0" i="0" u="none" strike="noStrike" cap="none">
                 <a:solidFill>
                   <a:schemeClr val="dk1"/>
                 </a:solidFill>
@@ -12695,23 +13082,23 @@
                 <a:sym typeface="Calibri"/>
               </a:defRPr>
             </a:lvl2pPr>
-            <a:lvl3pPr lvl="2" marR="0" rtl="0" algn="l">
-              <a:lnSpc>
-                <a:spcPct val="100000"/>
-              </a:lnSpc>
-              <a:spcBef>
-                <a:spcPts val="0"/>
-              </a:spcBef>
-              <a:spcAft>
-                <a:spcPts val="0"/>
-              </a:spcAft>
-              <a:buClr>
-                <a:srgbClr val="000000"/>
-              </a:buClr>
-              <a:buSzPts val="1400"/>
-              <a:buFont typeface="Arial"/>
-              <a:buNone/>
-              <a:defRPr b="0" i="0" sz="1800" u="none" cap="none" strike="noStrike">
+            <a:lvl3pPr marR="0" lvl="2" algn="l" rtl="0">
+              <a:lnSpc>
+                <a:spcPct val="100000"/>
+              </a:lnSpc>
+              <a:spcBef>
+                <a:spcPts val="0"/>
+              </a:spcBef>
+              <a:spcAft>
+                <a:spcPts val="0"/>
+              </a:spcAft>
+              <a:buClr>
+                <a:srgbClr val="000000"/>
+              </a:buClr>
+              <a:buSzPts val="1400"/>
+              <a:buFont typeface="Arial"/>
+              <a:buNone/>
+              <a:defRPr sz="1800" b="0" i="0" u="none" strike="noStrike" cap="none">
                 <a:solidFill>
                   <a:schemeClr val="dk1"/>
                 </a:solidFill>
@@ -12721,23 +13108,23 @@
                 <a:sym typeface="Calibri"/>
               </a:defRPr>
             </a:lvl3pPr>
-            <a:lvl4pPr lvl="3" marR="0" rtl="0" algn="l">
-              <a:lnSpc>
-                <a:spcPct val="100000"/>
-              </a:lnSpc>
-              <a:spcBef>
-                <a:spcPts val="0"/>
-              </a:spcBef>
-              <a:spcAft>
-                <a:spcPts val="0"/>
-              </a:spcAft>
-              <a:buClr>
-                <a:srgbClr val="000000"/>
-              </a:buClr>
-              <a:buSzPts val="1400"/>
-              <a:buFont typeface="Arial"/>
-              <a:buNone/>
-              <a:defRPr b="0" i="0" sz="1800" u="none" cap="none" strike="noStrike">
+            <a:lvl4pPr marR="0" lvl="3" algn="l" rtl="0">
+              <a:lnSpc>
+                <a:spcPct val="100000"/>
+              </a:lnSpc>
+              <a:spcBef>
+                <a:spcPts val="0"/>
+              </a:spcBef>
+              <a:spcAft>
+                <a:spcPts val="0"/>
+              </a:spcAft>
+              <a:buClr>
+                <a:srgbClr val="000000"/>
+              </a:buClr>
+              <a:buSzPts val="1400"/>
+              <a:buFont typeface="Arial"/>
+              <a:buNone/>
+              <a:defRPr sz="1800" b="0" i="0" u="none" strike="noStrike" cap="none">
                 <a:solidFill>
                   <a:schemeClr val="dk1"/>
                 </a:solidFill>
@@ -12747,23 +13134,23 @@
                 <a:sym typeface="Calibri"/>
               </a:defRPr>
             </a:lvl4pPr>
-            <a:lvl5pPr lvl="4" marR="0" rtl="0" algn="l">
-              <a:lnSpc>
-                <a:spcPct val="100000"/>
-              </a:lnSpc>
-              <a:spcBef>
-                <a:spcPts val="0"/>
-              </a:spcBef>
-              <a:spcAft>
-                <a:spcPts val="0"/>
-              </a:spcAft>
-              <a:buClr>
-                <a:srgbClr val="000000"/>
-              </a:buClr>
-              <a:buSzPts val="1400"/>
-              <a:buFont typeface="Arial"/>
-              <a:buNone/>
-              <a:defRPr b="0" i="0" sz="1800" u="none" cap="none" strike="noStrike">
+            <a:lvl5pPr marR="0" lvl="4" algn="l" rtl="0">
+              <a:lnSpc>
+                <a:spcPct val="100000"/>
+              </a:lnSpc>
+              <a:spcBef>
+                <a:spcPts val="0"/>
+              </a:spcBef>
+              <a:spcAft>
+                <a:spcPts val="0"/>
+              </a:spcAft>
+              <a:buClr>
+                <a:srgbClr val="000000"/>
+              </a:buClr>
+              <a:buSzPts val="1400"/>
+              <a:buFont typeface="Arial"/>
+              <a:buNone/>
+              <a:defRPr sz="1800" b="0" i="0" u="none" strike="noStrike" cap="none">
                 <a:solidFill>
                   <a:schemeClr val="dk1"/>
                 </a:solidFill>
@@ -12773,23 +13160,23 @@
                 <a:sym typeface="Calibri"/>
               </a:defRPr>
             </a:lvl5pPr>
-            <a:lvl6pPr lvl="5" marR="0" rtl="0" algn="l">
-              <a:lnSpc>
-                <a:spcPct val="100000"/>
-              </a:lnSpc>
-              <a:spcBef>
-                <a:spcPts val="0"/>
-              </a:spcBef>
-              <a:spcAft>
-                <a:spcPts val="0"/>
-              </a:spcAft>
-              <a:buClr>
-                <a:srgbClr val="000000"/>
-              </a:buClr>
-              <a:buSzPts val="1400"/>
-              <a:buFont typeface="Arial"/>
-              <a:buNone/>
-              <a:defRPr b="0" i="0" sz="1800" u="none" cap="none" strike="noStrike">
+            <a:lvl6pPr marR="0" lvl="5" algn="l" rtl="0">
+              <a:lnSpc>
+                <a:spcPct val="100000"/>
+              </a:lnSpc>
+              <a:spcBef>
+                <a:spcPts val="0"/>
+              </a:spcBef>
+              <a:spcAft>
+                <a:spcPts val="0"/>
+              </a:spcAft>
+              <a:buClr>
+                <a:srgbClr val="000000"/>
+              </a:buClr>
+              <a:buSzPts val="1400"/>
+              <a:buFont typeface="Arial"/>
+              <a:buNone/>
+              <a:defRPr sz="1800" b="0" i="0" u="none" strike="noStrike" cap="none">
                 <a:solidFill>
                   <a:schemeClr val="dk1"/>
                 </a:solidFill>
@@ -12799,23 +13186,23 @@
                 <a:sym typeface="Calibri"/>
               </a:defRPr>
             </a:lvl6pPr>
-            <a:lvl7pPr lvl="6" marR="0" rtl="0" algn="l">
-              <a:lnSpc>
-                <a:spcPct val="100000"/>
-              </a:lnSpc>
-              <a:spcBef>
-                <a:spcPts val="0"/>
-              </a:spcBef>
-              <a:spcAft>
-                <a:spcPts val="0"/>
-              </a:spcAft>
-              <a:buClr>
-                <a:srgbClr val="000000"/>
-              </a:buClr>
-              <a:buSzPts val="1400"/>
-              <a:buFont typeface="Arial"/>
-              <a:buNone/>
-              <a:defRPr b="0" i="0" sz="1800" u="none" cap="none" strike="noStrike">
+            <a:lvl7pPr marR="0" lvl="6" algn="l" rtl="0">
+              <a:lnSpc>
+                <a:spcPct val="100000"/>
+              </a:lnSpc>
+              <a:spcBef>
+                <a:spcPts val="0"/>
+              </a:spcBef>
+              <a:spcAft>
+                <a:spcPts val="0"/>
+              </a:spcAft>
+              <a:buClr>
+                <a:srgbClr val="000000"/>
+              </a:buClr>
+              <a:buSzPts val="1400"/>
+              <a:buFont typeface="Arial"/>
+              <a:buNone/>
+              <a:defRPr sz="1800" b="0" i="0" u="none" strike="noStrike" cap="none">
                 <a:solidFill>
                   <a:schemeClr val="dk1"/>
                 </a:solidFill>
@@ -12825,23 +13212,23 @@
                 <a:sym typeface="Calibri"/>
               </a:defRPr>
             </a:lvl7pPr>
-            <a:lvl8pPr lvl="7" marR="0" rtl="0" algn="l">
-              <a:lnSpc>
-                <a:spcPct val="100000"/>
-              </a:lnSpc>
-              <a:spcBef>
-                <a:spcPts val="0"/>
-              </a:spcBef>
-              <a:spcAft>
-                <a:spcPts val="0"/>
-              </a:spcAft>
-              <a:buClr>
-                <a:srgbClr val="000000"/>
-              </a:buClr>
-              <a:buSzPts val="1400"/>
-              <a:buFont typeface="Arial"/>
-              <a:buNone/>
-              <a:defRPr b="0" i="0" sz="1800" u="none" cap="none" strike="noStrike">
+            <a:lvl8pPr marR="0" lvl="7" algn="l" rtl="0">
+              <a:lnSpc>
+                <a:spcPct val="100000"/>
+              </a:lnSpc>
+              <a:spcBef>
+                <a:spcPts val="0"/>
+              </a:spcBef>
+              <a:spcAft>
+                <a:spcPts val="0"/>
+              </a:spcAft>
+              <a:buClr>
+                <a:srgbClr val="000000"/>
+              </a:buClr>
+              <a:buSzPts val="1400"/>
+              <a:buFont typeface="Arial"/>
+              <a:buNone/>
+              <a:defRPr sz="1800" b="0" i="0" u="none" strike="noStrike" cap="none">
                 <a:solidFill>
                   <a:schemeClr val="dk1"/>
                 </a:solidFill>
@@ -12851,23 +13238,23 @@
                 <a:sym typeface="Calibri"/>
               </a:defRPr>
             </a:lvl8pPr>
-            <a:lvl9pPr lvl="8" marR="0" rtl="0" algn="l">
-              <a:lnSpc>
-                <a:spcPct val="100000"/>
-              </a:lnSpc>
-              <a:spcBef>
-                <a:spcPts val="0"/>
-              </a:spcBef>
-              <a:spcAft>
-                <a:spcPts val="0"/>
-              </a:spcAft>
-              <a:buClr>
-                <a:srgbClr val="000000"/>
-              </a:buClr>
-              <a:buSzPts val="1400"/>
-              <a:buFont typeface="Arial"/>
-              <a:buNone/>
-              <a:defRPr b="0" i="0" sz="1800" u="none" cap="none" strike="noStrike">
+            <a:lvl9pPr marR="0" lvl="8" algn="l" rtl="0">
+              <a:lnSpc>
+                <a:spcPct val="100000"/>
+              </a:lnSpc>
+              <a:spcBef>
+                <a:spcPts val="0"/>
+              </a:spcBef>
+              <a:spcAft>
+                <a:spcPts val="0"/>
+              </a:spcAft>
+              <a:buClr>
+                <a:srgbClr val="000000"/>
+              </a:buClr>
+              <a:buSzPts val="1400"/>
+              <a:buFont typeface="Arial"/>
+              <a:buNone/>
+              <a:defRPr sz="1800" b="0" i="0" u="none" strike="noStrike" cap="none">
                 <a:solidFill>
                   <a:schemeClr val="dk1"/>
                 </a:solidFill>
@@ -12878,15 +13265,19 @@
               </a:defRPr>
             </a:lvl9pPr>
           </a:lstStyle>
-          <a:p/>
+          <a:p>
+            <a:endParaRPr/>
+          </a:p>
         </p:txBody>
       </p:sp>
       <p:sp>
         <p:nvSpPr>
           <p:cNvPr id="9" name="Google Shape;9;p1"/>
-          <p:cNvSpPr txBox="1"/>
+          <p:cNvSpPr txBox="1">
+            <a:spLocks noGrp="1"/>
+          </p:cNvSpPr>
           <p:nvPr>
-            <p:ph idx="11" type="ftr"/>
+            <p:ph type="ftr" idx="11"/>
           </p:nvPr>
         </p:nvSpPr>
         <p:spPr>
@@ -12903,25 +13294,25 @@
           </a:ln>
         </p:spPr>
         <p:txBody>
-          <a:bodyPr anchorCtr="0" anchor="ctr" bIns="45700" lIns="91425" spcFirstLastPara="1" rIns="91425" wrap="square" tIns="45700"/>
+          <a:bodyPr spcFirstLastPara="1" wrap="square" lIns="91425" tIns="45700" rIns="91425" bIns="45700" anchor="ctr" anchorCtr="0"/>
           <a:lstStyle>
-            <a:lvl1pPr lvl="0" marR="0" rtl="0" algn="ctr">
-              <a:lnSpc>
-                <a:spcPct val="100000"/>
-              </a:lnSpc>
-              <a:spcBef>
-                <a:spcPts val="0"/>
-              </a:spcBef>
-              <a:spcAft>
-                <a:spcPts val="0"/>
-              </a:spcAft>
-              <a:buClr>
-                <a:srgbClr val="000000"/>
-              </a:buClr>
-              <a:buSzPts val="1400"/>
-              <a:buFont typeface="Arial"/>
-              <a:buNone/>
-              <a:defRPr b="0" i="0" sz="5760" u="none" cap="none" strike="noStrike">
+            <a:lvl1pPr marR="0" lvl="0" algn="ctr" rtl="0">
+              <a:lnSpc>
+                <a:spcPct val="100000"/>
+              </a:lnSpc>
+              <a:spcBef>
+                <a:spcPts val="0"/>
+              </a:spcBef>
+              <a:spcAft>
+                <a:spcPts val="0"/>
+              </a:spcAft>
+              <a:buClr>
+                <a:srgbClr val="000000"/>
+              </a:buClr>
+              <a:buSzPts val="1400"/>
+              <a:buFont typeface="Arial"/>
+              <a:buNone/>
+              <a:defRPr sz="5760" b="0" i="0" u="none" strike="noStrike" cap="none">
                 <a:solidFill>
                   <a:srgbClr val="888888"/>
                 </a:solidFill>
@@ -12931,23 +13322,23 @@
                 <a:sym typeface="Calibri"/>
               </a:defRPr>
             </a:lvl1pPr>
-            <a:lvl2pPr lvl="1" marR="0" rtl="0" algn="l">
-              <a:lnSpc>
-                <a:spcPct val="100000"/>
-              </a:lnSpc>
-              <a:spcBef>
-                <a:spcPts val="0"/>
-              </a:spcBef>
-              <a:spcAft>
-                <a:spcPts val="0"/>
-              </a:spcAft>
-              <a:buClr>
-                <a:srgbClr val="000000"/>
-              </a:buClr>
-              <a:buSzPts val="1400"/>
-              <a:buFont typeface="Arial"/>
-              <a:buNone/>
-              <a:defRPr b="0" i="0" sz="1800" u="none" cap="none" strike="noStrike">
+            <a:lvl2pPr marR="0" lvl="1" algn="l" rtl="0">
+              <a:lnSpc>
+                <a:spcPct val="100000"/>
+              </a:lnSpc>
+              <a:spcBef>
+                <a:spcPts val="0"/>
+              </a:spcBef>
+              <a:spcAft>
+                <a:spcPts val="0"/>
+              </a:spcAft>
+              <a:buClr>
+                <a:srgbClr val="000000"/>
+              </a:buClr>
+              <a:buSzPts val="1400"/>
+              <a:buFont typeface="Arial"/>
+              <a:buNone/>
+              <a:defRPr sz="1800" b="0" i="0" u="none" strike="noStrike" cap="none">
                 <a:solidFill>
                   <a:schemeClr val="dk1"/>
                 </a:solidFill>
@@ -12957,23 +13348,23 @@
                 <a:sym typeface="Calibri"/>
               </a:defRPr>
             </a:lvl2pPr>
-            <a:lvl3pPr lvl="2" marR="0" rtl="0" algn="l">
-              <a:lnSpc>
-                <a:spcPct val="100000"/>
-              </a:lnSpc>
-              <a:spcBef>
-                <a:spcPts val="0"/>
-              </a:spcBef>
-              <a:spcAft>
-                <a:spcPts val="0"/>
-              </a:spcAft>
-              <a:buClr>
-                <a:srgbClr val="000000"/>
-              </a:buClr>
-              <a:buSzPts val="1400"/>
-              <a:buFont typeface="Arial"/>
-              <a:buNone/>
-              <a:defRPr b="0" i="0" sz="1800" u="none" cap="none" strike="noStrike">
+            <a:lvl3pPr marR="0" lvl="2" algn="l" rtl="0">
+              <a:lnSpc>
+                <a:spcPct val="100000"/>
+              </a:lnSpc>
+              <a:spcBef>
+                <a:spcPts val="0"/>
+              </a:spcBef>
+              <a:spcAft>
+                <a:spcPts val="0"/>
+              </a:spcAft>
+              <a:buClr>
+                <a:srgbClr val="000000"/>
+              </a:buClr>
+              <a:buSzPts val="1400"/>
+              <a:buFont typeface="Arial"/>
+              <a:buNone/>
+              <a:defRPr sz="1800" b="0" i="0" u="none" strike="noStrike" cap="none">
                 <a:solidFill>
                   <a:schemeClr val="dk1"/>
                 </a:solidFill>
@@ -12983,23 +13374,23 @@
                 <a:sym typeface="Calibri"/>
               </a:defRPr>
             </a:lvl3pPr>
-            <a:lvl4pPr lvl="3" marR="0" rtl="0" algn="l">
-              <a:lnSpc>
-                <a:spcPct val="100000"/>
-              </a:lnSpc>
-              <a:spcBef>
-                <a:spcPts val="0"/>
-              </a:spcBef>
-              <a:spcAft>
-                <a:spcPts val="0"/>
-              </a:spcAft>
-              <a:buClr>
-                <a:srgbClr val="000000"/>
-              </a:buClr>
-              <a:buSzPts val="1400"/>
-              <a:buFont typeface="Arial"/>
-              <a:buNone/>
-              <a:defRPr b="0" i="0" sz="1800" u="none" cap="none" strike="noStrike">
+            <a:lvl4pPr marR="0" lvl="3" algn="l" rtl="0">
+              <a:lnSpc>
+                <a:spcPct val="100000"/>
+              </a:lnSpc>
+              <a:spcBef>
+                <a:spcPts val="0"/>
+              </a:spcBef>
+              <a:spcAft>
+                <a:spcPts val="0"/>
+              </a:spcAft>
+              <a:buClr>
+                <a:srgbClr val="000000"/>
+              </a:buClr>
+              <a:buSzPts val="1400"/>
+              <a:buFont typeface="Arial"/>
+              <a:buNone/>
+              <a:defRPr sz="1800" b="0" i="0" u="none" strike="noStrike" cap="none">
                 <a:solidFill>
                   <a:schemeClr val="dk1"/>
                 </a:solidFill>
@@ -13009,23 +13400,23 @@
                 <a:sym typeface="Calibri"/>
               </a:defRPr>
             </a:lvl4pPr>
-            <a:lvl5pPr lvl="4" marR="0" rtl="0" algn="l">
-              <a:lnSpc>
-                <a:spcPct val="100000"/>
-              </a:lnSpc>
-              <a:spcBef>
-                <a:spcPts val="0"/>
-              </a:spcBef>
-              <a:spcAft>
-                <a:spcPts val="0"/>
-              </a:spcAft>
-              <a:buClr>
-                <a:srgbClr val="000000"/>
-              </a:buClr>
-              <a:buSzPts val="1400"/>
-              <a:buFont typeface="Arial"/>
-              <a:buNone/>
-              <a:defRPr b="0" i="0" sz="1800" u="none" cap="none" strike="noStrike">
+            <a:lvl5pPr marR="0" lvl="4" algn="l" rtl="0">
+              <a:lnSpc>
+                <a:spcPct val="100000"/>
+              </a:lnSpc>
+              <a:spcBef>
+                <a:spcPts val="0"/>
+              </a:spcBef>
+              <a:spcAft>
+                <a:spcPts val="0"/>
+              </a:spcAft>
+              <a:buClr>
+                <a:srgbClr val="000000"/>
+              </a:buClr>
+              <a:buSzPts val="1400"/>
+              <a:buFont typeface="Arial"/>
+              <a:buNone/>
+              <a:defRPr sz="1800" b="0" i="0" u="none" strike="noStrike" cap="none">
                 <a:solidFill>
                   <a:schemeClr val="dk1"/>
                 </a:solidFill>
@@ -13035,23 +13426,23 @@
                 <a:sym typeface="Calibri"/>
               </a:defRPr>
             </a:lvl5pPr>
-            <a:lvl6pPr lvl="5" marR="0" rtl="0" algn="l">
-              <a:lnSpc>
-                <a:spcPct val="100000"/>
-              </a:lnSpc>
-              <a:spcBef>
-                <a:spcPts val="0"/>
-              </a:spcBef>
-              <a:spcAft>
-                <a:spcPts val="0"/>
-              </a:spcAft>
-              <a:buClr>
-                <a:srgbClr val="000000"/>
-              </a:buClr>
-              <a:buSzPts val="1400"/>
-              <a:buFont typeface="Arial"/>
-              <a:buNone/>
-              <a:defRPr b="0" i="0" sz="1800" u="none" cap="none" strike="noStrike">
+            <a:lvl6pPr marR="0" lvl="5" algn="l" rtl="0">
+              <a:lnSpc>
+                <a:spcPct val="100000"/>
+              </a:lnSpc>
+              <a:spcBef>
+                <a:spcPts val="0"/>
+              </a:spcBef>
+              <a:spcAft>
+                <a:spcPts val="0"/>
+              </a:spcAft>
+              <a:buClr>
+                <a:srgbClr val="000000"/>
+              </a:buClr>
+              <a:buSzPts val="1400"/>
+              <a:buFont typeface="Arial"/>
+              <a:buNone/>
+              <a:defRPr sz="1800" b="0" i="0" u="none" strike="noStrike" cap="none">
                 <a:solidFill>
                   <a:schemeClr val="dk1"/>
                 </a:solidFill>
@@ -13061,23 +13452,23 @@
                 <a:sym typeface="Calibri"/>
               </a:defRPr>
             </a:lvl6pPr>
-            <a:lvl7pPr lvl="6" marR="0" rtl="0" algn="l">
-              <a:lnSpc>
-                <a:spcPct val="100000"/>
-              </a:lnSpc>
-              <a:spcBef>
-                <a:spcPts val="0"/>
-              </a:spcBef>
-              <a:spcAft>
-                <a:spcPts val="0"/>
-              </a:spcAft>
-              <a:buClr>
-                <a:srgbClr val="000000"/>
-              </a:buClr>
-              <a:buSzPts val="1400"/>
-              <a:buFont typeface="Arial"/>
-              <a:buNone/>
-              <a:defRPr b="0" i="0" sz="1800" u="none" cap="none" strike="noStrike">
+            <a:lvl7pPr marR="0" lvl="6" algn="l" rtl="0">
+              <a:lnSpc>
+                <a:spcPct val="100000"/>
+              </a:lnSpc>
+              <a:spcBef>
+                <a:spcPts val="0"/>
+              </a:spcBef>
+              <a:spcAft>
+                <a:spcPts val="0"/>
+              </a:spcAft>
+              <a:buClr>
+                <a:srgbClr val="000000"/>
+              </a:buClr>
+              <a:buSzPts val="1400"/>
+              <a:buFont typeface="Arial"/>
+              <a:buNone/>
+              <a:defRPr sz="1800" b="0" i="0" u="none" strike="noStrike" cap="none">
                 <a:solidFill>
                   <a:schemeClr val="dk1"/>
                 </a:solidFill>
@@ -13087,23 +13478,23 @@
                 <a:sym typeface="Calibri"/>
               </a:defRPr>
             </a:lvl7pPr>
-            <a:lvl8pPr lvl="7" marR="0" rtl="0" algn="l">
-              <a:lnSpc>
-                <a:spcPct val="100000"/>
-              </a:lnSpc>
-              <a:spcBef>
-                <a:spcPts val="0"/>
-              </a:spcBef>
-              <a:spcAft>
-                <a:spcPts val="0"/>
-              </a:spcAft>
-              <a:buClr>
-                <a:srgbClr val="000000"/>
-              </a:buClr>
-              <a:buSzPts val="1400"/>
-              <a:buFont typeface="Arial"/>
-              <a:buNone/>
-              <a:defRPr b="0" i="0" sz="1800" u="none" cap="none" strike="noStrike">
+            <a:lvl8pPr marR="0" lvl="7" algn="l" rtl="0">
+              <a:lnSpc>
+                <a:spcPct val="100000"/>
+              </a:lnSpc>
+              <a:spcBef>
+                <a:spcPts val="0"/>
+              </a:spcBef>
+              <a:spcAft>
+                <a:spcPts val="0"/>
+              </a:spcAft>
+              <a:buClr>
+                <a:srgbClr val="000000"/>
+              </a:buClr>
+              <a:buSzPts val="1400"/>
+              <a:buFont typeface="Arial"/>
+              <a:buNone/>
+              <a:defRPr sz="1800" b="0" i="0" u="none" strike="noStrike" cap="none">
                 <a:solidFill>
                   <a:schemeClr val="dk1"/>
                 </a:solidFill>
@@ -13113,23 +13504,23 @@
                 <a:sym typeface="Calibri"/>
               </a:defRPr>
             </a:lvl8pPr>
-            <a:lvl9pPr lvl="8" marR="0" rtl="0" algn="l">
-              <a:lnSpc>
-                <a:spcPct val="100000"/>
-              </a:lnSpc>
-              <a:spcBef>
-                <a:spcPts val="0"/>
-              </a:spcBef>
-              <a:spcAft>
-                <a:spcPts val="0"/>
-              </a:spcAft>
-              <a:buClr>
-                <a:srgbClr val="000000"/>
-              </a:buClr>
-              <a:buSzPts val="1400"/>
-              <a:buFont typeface="Arial"/>
-              <a:buNone/>
-              <a:defRPr b="0" i="0" sz="1800" u="none" cap="none" strike="noStrike">
+            <a:lvl9pPr marR="0" lvl="8" algn="l" rtl="0">
+              <a:lnSpc>
+                <a:spcPct val="100000"/>
+              </a:lnSpc>
+              <a:spcBef>
+                <a:spcPts val="0"/>
+              </a:spcBef>
+              <a:spcAft>
+                <a:spcPts val="0"/>
+              </a:spcAft>
+              <a:buClr>
+                <a:srgbClr val="000000"/>
+              </a:buClr>
+              <a:buSzPts val="1400"/>
+              <a:buFont typeface="Arial"/>
+              <a:buNone/>
+              <a:defRPr sz="1800" b="0" i="0" u="none" strike="noStrike" cap="none">
                 <a:solidFill>
                   <a:schemeClr val="dk1"/>
                 </a:solidFill>
@@ -13140,15 +13531,19 @@
               </a:defRPr>
             </a:lvl9pPr>
           </a:lstStyle>
-          <a:p/>
+          <a:p>
+            <a:endParaRPr/>
+          </a:p>
         </p:txBody>
       </p:sp>
       <p:sp>
         <p:nvSpPr>
           <p:cNvPr id="10" name="Google Shape;10;p1"/>
-          <p:cNvSpPr txBox="1"/>
+          <p:cNvSpPr txBox="1">
+            <a:spLocks noGrp="1"/>
+          </p:cNvSpPr>
           <p:nvPr>
-            <p:ph idx="12" type="sldNum"/>
+            <p:ph type="sldNum" idx="12"/>
           </p:nvPr>
         </p:nvSpPr>
         <p:spPr>
@@ -13165,11 +13560,11 @@
           </a:ln>
         </p:spPr>
         <p:txBody>
-          <a:bodyPr anchorCtr="0" anchor="ctr" bIns="45700" lIns="91425" spcFirstLastPara="1" rIns="91425" wrap="square" tIns="45700">
+          <a:bodyPr spcFirstLastPara="1" wrap="square" lIns="91425" tIns="45700" rIns="91425" bIns="45700" anchor="ctr" anchorCtr="0">
             <a:noAutofit/>
           </a:bodyPr>
           <a:lstStyle>
-            <a:lvl1pPr indent="0" lvl="0" marL="0" marR="0" rtl="0" algn="r">
+            <a:lvl1pPr marL="0" marR="0" lvl="0" indent="0" algn="r" rtl="0">
               <a:lnSpc>
                 <a:spcPct val="100000"/>
               </a:lnSpc>
@@ -13185,7 +13580,7 @@
               <a:buSzPts val="5760"/>
               <a:buFont typeface="Arial"/>
               <a:buNone/>
-              <a:defRPr b="0" i="0" sz="5760" u="none" cap="none" strike="noStrike">
+              <a:defRPr sz="5760" b="0" i="0" u="none" strike="noStrike" cap="none">
                 <a:solidFill>
                   <a:srgbClr val="888888"/>
                 </a:solidFill>
@@ -13195,7 +13590,7 @@
                 <a:sym typeface="Calibri"/>
               </a:defRPr>
             </a:lvl1pPr>
-            <a:lvl2pPr indent="0" lvl="1" marL="0" marR="0" rtl="0" algn="r">
+            <a:lvl2pPr marL="0" marR="0" lvl="1" indent="0" algn="r" rtl="0">
               <a:lnSpc>
                 <a:spcPct val="100000"/>
               </a:lnSpc>
@@ -13211,7 +13606,7 @@
               <a:buSzPts val="5760"/>
               <a:buFont typeface="Arial"/>
               <a:buNone/>
-              <a:defRPr b="0" i="0" sz="5760" u="none" cap="none" strike="noStrike">
+              <a:defRPr sz="5760" b="0" i="0" u="none" strike="noStrike" cap="none">
                 <a:solidFill>
                   <a:srgbClr val="888888"/>
                 </a:solidFill>
@@ -13221,7 +13616,7 @@
                 <a:sym typeface="Calibri"/>
               </a:defRPr>
             </a:lvl2pPr>
-            <a:lvl3pPr indent="0" lvl="2" marL="0" marR="0" rtl="0" algn="r">
+            <a:lvl3pPr marL="0" marR="0" lvl="2" indent="0" algn="r" rtl="0">
               <a:lnSpc>
                 <a:spcPct val="100000"/>
               </a:lnSpc>
@@ -13237,7 +13632,7 @@
               <a:buSzPts val="5760"/>
               <a:buFont typeface="Arial"/>
               <a:buNone/>
-              <a:defRPr b="0" i="0" sz="5760" u="none" cap="none" strike="noStrike">
+              <a:defRPr sz="5760" b="0" i="0" u="none" strike="noStrike" cap="none">
                 <a:solidFill>
                   <a:srgbClr val="888888"/>
                 </a:solidFill>
@@ -13247,7 +13642,7 @@
                 <a:sym typeface="Calibri"/>
               </a:defRPr>
             </a:lvl3pPr>
-            <a:lvl4pPr indent="0" lvl="3" marL="0" marR="0" rtl="0" algn="r">
+            <a:lvl4pPr marL="0" marR="0" lvl="3" indent="0" algn="r" rtl="0">
               <a:lnSpc>
                 <a:spcPct val="100000"/>
               </a:lnSpc>
@@ -13263,7 +13658,7 @@
               <a:buSzPts val="5760"/>
               <a:buFont typeface="Arial"/>
               <a:buNone/>
-              <a:defRPr b="0" i="0" sz="5760" u="none" cap="none" strike="noStrike">
+              <a:defRPr sz="5760" b="0" i="0" u="none" strike="noStrike" cap="none">
                 <a:solidFill>
                   <a:srgbClr val="888888"/>
                 </a:solidFill>
@@ -13273,7 +13668,7 @@
                 <a:sym typeface="Calibri"/>
               </a:defRPr>
             </a:lvl4pPr>
-            <a:lvl5pPr indent="0" lvl="4" marL="0" marR="0" rtl="0" algn="r">
+            <a:lvl5pPr marL="0" marR="0" lvl="4" indent="0" algn="r" rtl="0">
               <a:lnSpc>
                 <a:spcPct val="100000"/>
               </a:lnSpc>
@@ -13289,7 +13684,7 @@
               <a:buSzPts val="5760"/>
               <a:buFont typeface="Arial"/>
               <a:buNone/>
-              <a:defRPr b="0" i="0" sz="5760" u="none" cap="none" strike="noStrike">
+              <a:defRPr sz="5760" b="0" i="0" u="none" strike="noStrike" cap="none">
                 <a:solidFill>
                   <a:srgbClr val="888888"/>
                 </a:solidFill>
@@ -13299,7 +13694,7 @@
                 <a:sym typeface="Calibri"/>
               </a:defRPr>
             </a:lvl5pPr>
-            <a:lvl6pPr indent="0" lvl="5" marL="0" marR="0" rtl="0" algn="r">
+            <a:lvl6pPr marL="0" marR="0" lvl="5" indent="0" algn="r" rtl="0">
               <a:lnSpc>
                 <a:spcPct val="100000"/>
               </a:lnSpc>
@@ -13315,7 +13710,7 @@
               <a:buSzPts val="5760"/>
               <a:buFont typeface="Arial"/>
               <a:buNone/>
-              <a:defRPr b="0" i="0" sz="5760" u="none" cap="none" strike="noStrike">
+              <a:defRPr sz="5760" b="0" i="0" u="none" strike="noStrike" cap="none">
                 <a:solidFill>
                   <a:srgbClr val="888888"/>
                 </a:solidFill>
@@ -13325,7 +13720,7 @@
                 <a:sym typeface="Calibri"/>
               </a:defRPr>
             </a:lvl6pPr>
-            <a:lvl7pPr indent="0" lvl="6" marL="0" marR="0" rtl="0" algn="r">
+            <a:lvl7pPr marL="0" marR="0" lvl="6" indent="0" algn="r" rtl="0">
               <a:lnSpc>
                 <a:spcPct val="100000"/>
               </a:lnSpc>
@@ -13341,7 +13736,7 @@
               <a:buSzPts val="5760"/>
               <a:buFont typeface="Arial"/>
               <a:buNone/>
-              <a:defRPr b="0" i="0" sz="5760" u="none" cap="none" strike="noStrike">
+              <a:defRPr sz="5760" b="0" i="0" u="none" strike="noStrike" cap="none">
                 <a:solidFill>
                   <a:srgbClr val="888888"/>
                 </a:solidFill>
@@ -13351,7 +13746,7 @@
                 <a:sym typeface="Calibri"/>
               </a:defRPr>
             </a:lvl7pPr>
-            <a:lvl8pPr indent="0" lvl="7" marL="0" marR="0" rtl="0" algn="r">
+            <a:lvl8pPr marL="0" marR="0" lvl="7" indent="0" algn="r" rtl="0">
               <a:lnSpc>
                 <a:spcPct val="100000"/>
               </a:lnSpc>
@@ -13367,7 +13762,7 @@
               <a:buSzPts val="5760"/>
               <a:buFont typeface="Arial"/>
               <a:buNone/>
-              <a:defRPr b="0" i="0" sz="5760" u="none" cap="none" strike="noStrike">
+              <a:defRPr sz="5760" b="0" i="0" u="none" strike="noStrike" cap="none">
                 <a:solidFill>
                   <a:srgbClr val="888888"/>
                 </a:solidFill>
@@ -13377,7 +13772,7 @@
                 <a:sym typeface="Calibri"/>
               </a:defRPr>
             </a:lvl8pPr>
-            <a:lvl9pPr indent="0" lvl="8" marL="0" marR="0" rtl="0" algn="r">
+            <a:lvl9pPr marL="0" marR="0" lvl="8" indent="0" algn="r" rtl="0">
               <a:lnSpc>
                 <a:spcPct val="100000"/>
               </a:lnSpc>
@@ -13393,7 +13788,7 @@
               <a:buSzPts val="5760"/>
               <a:buFont typeface="Arial"/>
               <a:buNone/>
-              <a:defRPr b="0" i="0" sz="5760" u="none" cap="none" strike="noStrike">
+              <a:defRPr sz="5760" b="0" i="0" u="none" strike="noStrike" cap="none">
                 <a:solidFill>
                   <a:srgbClr val="888888"/>
                 </a:solidFill>
@@ -13405,7 +13800,7 @@
             </a:lvl9pPr>
           </a:lstStyle>
           <a:p>
-            <a:pPr indent="0" lvl="0" marL="0" rtl="0" algn="r">
+            <a:pPr marL="0" lvl="0" indent="0" algn="r" rtl="0">
               <a:spcBef>
                 <a:spcPts val="0"/>
               </a:spcBef>
@@ -13424,7 +13819,7 @@
       </p:sp>
     </p:spTree>
   </p:cSld>
-  <p:clrMap accent1="accent1" accent2="accent2" accent3="accent3" accent4="accent4" accent5="accent5" accent6="accent6" bg1="lt1" bg2="dk2" tx1="dk1" tx2="lt2" folHlink="folHlink" hlink="hlink"/>
+  <p:clrMap bg1="lt1" tx1="dk1" bg2="dk2" tx2="lt2" accent1="accent1" accent2="accent2" accent3="accent3" accent4="accent4" accent5="accent5" accent6="accent6" hlink="hlink" folHlink="folHlink"/>
   <p:sldLayoutIdLst>
     <p:sldLayoutId id="2147483648" r:id="rId1"/>
     <p:sldLayoutId id="2147483649" r:id="rId2"/>
@@ -13438,10 +13833,10 @@
     <p:sldLayoutId id="2147483657" r:id="rId10"/>
     <p:sldLayoutId id="2147483658" r:id="rId11"/>
   </p:sldLayoutIdLst>
-  <p:hf dt="0" ftr="0" hdr="0" sldNum="0"/>
+  <p:hf sldNum="0" hdr="0" ftr="0" dt="0"/>
   <p:txStyles>
     <p:titleStyle>
-      <a:defPPr lvl="0" marR="0" rtl="0" algn="l">
+      <a:defPPr marR="0" lvl="0" algn="l" rtl="0">
         <a:lnSpc>
           <a:spcPct val="100000"/>
         </a:lnSpc>
@@ -13452,7 +13847,7 @@
           <a:spcPts val="0"/>
         </a:spcAft>
       </a:defPPr>
-      <a:lvl1pPr lvl="0" marR="0" rtl="0" algn="l">
+      <a:lvl1pPr marR="0" lvl="0" algn="l" rtl="0">
         <a:lnSpc>
           <a:spcPct val="100000"/>
         </a:lnSpc>
@@ -13466,7 +13861,7 @@
           <a:srgbClr val="000000"/>
         </a:buClr>
         <a:buFont typeface="Arial"/>
-        <a:defRPr b="0" i="0" sz="1400" u="none" cap="none" strike="noStrike">
+        <a:defRPr sz="1400" b="0" i="0" u="none" strike="noStrike" cap="none">
           <a:solidFill>
             <a:srgbClr val="000000"/>
           </a:solidFill>
@@ -13476,7 +13871,7 @@
           <a:sym typeface="Arial"/>
         </a:defRPr>
       </a:lvl1pPr>
-      <a:lvl2pPr lvl="1" marR="0" rtl="0" algn="l">
+      <a:lvl2pPr marR="0" lvl="1" algn="l" rtl="0">
         <a:lnSpc>
           <a:spcPct val="100000"/>
         </a:lnSpc>
@@ -13490,7 +13885,7 @@
           <a:srgbClr val="000000"/>
         </a:buClr>
         <a:buFont typeface="Arial"/>
-        <a:defRPr b="0" i="0" sz="1400" u="none" cap="none" strike="noStrike">
+        <a:defRPr sz="1400" b="0" i="0" u="none" strike="noStrike" cap="none">
           <a:solidFill>
             <a:srgbClr val="000000"/>
           </a:solidFill>
@@ -13500,7 +13895,7 @@
           <a:sym typeface="Arial"/>
         </a:defRPr>
       </a:lvl2pPr>
-      <a:lvl3pPr lvl="2" marR="0" rtl="0" algn="l">
+      <a:lvl3pPr marR="0" lvl="2" algn="l" rtl="0">
         <a:lnSpc>
           <a:spcPct val="100000"/>
         </a:lnSpc>
@@ -13514,7 +13909,7 @@
           <a:srgbClr val="000000"/>
         </a:buClr>
         <a:buFont typeface="Arial"/>
-        <a:defRPr b="0" i="0" sz="1400" u="none" cap="none" strike="noStrike">
+        <a:defRPr sz="1400" b="0" i="0" u="none" strike="noStrike" cap="none">
           <a:solidFill>
             <a:srgbClr val="000000"/>
           </a:solidFill>
@@ -13524,7 +13919,7 @@
           <a:sym typeface="Arial"/>
         </a:defRPr>
       </a:lvl3pPr>
-      <a:lvl4pPr lvl="3" marR="0" rtl="0" algn="l">
+      <a:lvl4pPr marR="0" lvl="3" algn="l" rtl="0">
         <a:lnSpc>
           <a:spcPct val="100000"/>
         </a:lnSpc>
@@ -13538,7 +13933,7 @@
           <a:srgbClr val="000000"/>
         </a:buClr>
         <a:buFont typeface="Arial"/>
-        <a:defRPr b="0" i="0" sz="1400" u="none" cap="none" strike="noStrike">
+        <a:defRPr sz="1400" b="0" i="0" u="none" strike="noStrike" cap="none">
           <a:solidFill>
             <a:srgbClr val="000000"/>
           </a:solidFill>
@@ -13548,7 +13943,7 @@
           <a:sym typeface="Arial"/>
         </a:defRPr>
       </a:lvl4pPr>
-      <a:lvl5pPr lvl="4" marR="0" rtl="0" algn="l">
+      <a:lvl5pPr marR="0" lvl="4" algn="l" rtl="0">
         <a:lnSpc>
           <a:spcPct val="100000"/>
         </a:lnSpc>
@@ -13562,7 +13957,7 @@
           <a:srgbClr val="000000"/>
         </a:buClr>
         <a:buFont typeface="Arial"/>
-        <a:defRPr b="0" i="0" sz="1400" u="none" cap="none" strike="noStrike">
+        <a:defRPr sz="1400" b="0" i="0" u="none" strike="noStrike" cap="none">
           <a:solidFill>
             <a:srgbClr val="000000"/>
           </a:solidFill>
@@ -13572,7 +13967,7 @@
           <a:sym typeface="Arial"/>
         </a:defRPr>
       </a:lvl5pPr>
-      <a:lvl6pPr lvl="5" marR="0" rtl="0" algn="l">
+      <a:lvl6pPr marR="0" lvl="5" algn="l" rtl="0">
         <a:lnSpc>
           <a:spcPct val="100000"/>
         </a:lnSpc>
@@ -13586,7 +13981,7 @@
           <a:srgbClr val="000000"/>
         </a:buClr>
         <a:buFont typeface="Arial"/>
-        <a:defRPr b="0" i="0" sz="1400" u="none" cap="none" strike="noStrike">
+        <a:defRPr sz="1400" b="0" i="0" u="none" strike="noStrike" cap="none">
           <a:solidFill>
             <a:srgbClr val="000000"/>
           </a:solidFill>
@@ -13596,7 +13991,7 @@
           <a:sym typeface="Arial"/>
         </a:defRPr>
       </a:lvl6pPr>
-      <a:lvl7pPr lvl="6" marR="0" rtl="0" algn="l">
+      <a:lvl7pPr marR="0" lvl="6" algn="l" rtl="0">
         <a:lnSpc>
           <a:spcPct val="100000"/>
         </a:lnSpc>
@@ -13610,7 +14005,7 @@
           <a:srgbClr val="000000"/>
         </a:buClr>
         <a:buFont typeface="Arial"/>
-        <a:defRPr b="0" i="0" sz="1400" u="none" cap="none" strike="noStrike">
+        <a:defRPr sz="1400" b="0" i="0" u="none" strike="noStrike" cap="none">
           <a:solidFill>
             <a:srgbClr val="000000"/>
           </a:solidFill>
@@ -13620,7 +14015,7 @@
           <a:sym typeface="Arial"/>
         </a:defRPr>
       </a:lvl7pPr>
-      <a:lvl8pPr lvl="7" marR="0" rtl="0" algn="l">
+      <a:lvl8pPr marR="0" lvl="7" algn="l" rtl="0">
         <a:lnSpc>
           <a:spcPct val="100000"/>
         </a:lnSpc>
@@ -13634,7 +14029,7 @@
           <a:srgbClr val="000000"/>
         </a:buClr>
         <a:buFont typeface="Arial"/>
-        <a:defRPr b="0" i="0" sz="1400" u="none" cap="none" strike="noStrike">
+        <a:defRPr sz="1400" b="0" i="0" u="none" strike="noStrike" cap="none">
           <a:solidFill>
             <a:srgbClr val="000000"/>
           </a:solidFill>
@@ -13644,7 +14039,7 @@
           <a:sym typeface="Arial"/>
         </a:defRPr>
       </a:lvl8pPr>
-      <a:lvl9pPr lvl="8" marR="0" rtl="0" algn="l">
+      <a:lvl9pPr marR="0" lvl="8" algn="l" rtl="0">
         <a:lnSpc>
           <a:spcPct val="100000"/>
         </a:lnSpc>
@@ -13658,7 +14053,7 @@
           <a:srgbClr val="000000"/>
         </a:buClr>
         <a:buFont typeface="Arial"/>
-        <a:defRPr b="0" i="0" sz="1400" u="none" cap="none" strike="noStrike">
+        <a:defRPr sz="1400" b="0" i="0" u="none" strike="noStrike" cap="none">
           <a:solidFill>
             <a:srgbClr val="000000"/>
           </a:solidFill>
@@ -13670,7 +14065,7 @@
       </a:lvl9pPr>
     </p:titleStyle>
     <p:bodyStyle>
-      <a:defPPr lvl="0" marR="0" rtl="0" algn="l">
+      <a:defPPr marR="0" lvl="0" algn="l" rtl="0">
         <a:lnSpc>
           <a:spcPct val="100000"/>
         </a:lnSpc>
@@ -13681,7 +14076,7 @@
           <a:spcPts val="0"/>
         </a:spcAft>
       </a:defPPr>
-      <a:lvl1pPr lvl="0" marR="0" rtl="0" algn="l">
+      <a:lvl1pPr marR="0" lvl="0" algn="l" rtl="0">
         <a:lnSpc>
           <a:spcPct val="100000"/>
         </a:lnSpc>
@@ -13695,7 +14090,7 @@
           <a:srgbClr val="000000"/>
         </a:buClr>
         <a:buFont typeface="Arial"/>
-        <a:defRPr b="0" i="0" sz="1400" u="none" cap="none" strike="noStrike">
+        <a:defRPr sz="1400" b="0" i="0" u="none" strike="noStrike" cap="none">
           <a:solidFill>
             <a:srgbClr val="000000"/>
           </a:solidFill>
@@ -13705,7 +14100,7 @@
           <a:sym typeface="Arial"/>
         </a:defRPr>
       </a:lvl1pPr>
-      <a:lvl2pPr lvl="1" marR="0" rtl="0" algn="l">
+      <a:lvl2pPr marR="0" lvl="1" algn="l" rtl="0">
         <a:lnSpc>
           <a:spcPct val="100000"/>
         </a:lnSpc>
@@ -13719,7 +14114,7 @@
           <a:srgbClr val="000000"/>
         </a:buClr>
         <a:buFont typeface="Arial"/>
-        <a:defRPr b="0" i="0" sz="1400" u="none" cap="none" strike="noStrike">
+        <a:defRPr sz="1400" b="0" i="0" u="none" strike="noStrike" cap="none">
           <a:solidFill>
             <a:srgbClr val="000000"/>
           </a:solidFill>
@@ -13729,7 +14124,7 @@
           <a:sym typeface="Arial"/>
         </a:defRPr>
       </a:lvl2pPr>
-      <a:lvl3pPr lvl="2" marR="0" rtl="0" algn="l">
+      <a:lvl3pPr marR="0" lvl="2" algn="l" rtl="0">
         <a:lnSpc>
           <a:spcPct val="100000"/>
         </a:lnSpc>
@@ -13743,7 +14138,7 @@
           <a:srgbClr val="000000"/>
         </a:buClr>
         <a:buFont typeface="Arial"/>
-        <a:defRPr b="0" i="0" sz="1400" u="none" cap="none" strike="noStrike">
+        <a:defRPr sz="1400" b="0" i="0" u="none" strike="noStrike" cap="none">
           <a:solidFill>
             <a:srgbClr val="000000"/>
           </a:solidFill>
@@ -13753,7 +14148,7 @@
           <a:sym typeface="Arial"/>
         </a:defRPr>
       </a:lvl3pPr>
-      <a:lvl4pPr lvl="3" marR="0" rtl="0" algn="l">
+      <a:lvl4pPr marR="0" lvl="3" algn="l" rtl="0">
         <a:lnSpc>
           <a:spcPct val="100000"/>
         </a:lnSpc>
@@ -13767,7 +14162,7 @@
           <a:srgbClr val="000000"/>
         </a:buClr>
         <a:buFont typeface="Arial"/>
-        <a:defRPr b="0" i="0" sz="1400" u="none" cap="none" strike="noStrike">
+        <a:defRPr sz="1400" b="0" i="0" u="none" strike="noStrike" cap="none">
           <a:solidFill>
             <a:srgbClr val="000000"/>
           </a:solidFill>
@@ -13777,7 +14172,7 @@
           <a:sym typeface="Arial"/>
         </a:defRPr>
       </a:lvl4pPr>
-      <a:lvl5pPr lvl="4" marR="0" rtl="0" algn="l">
+      <a:lvl5pPr marR="0" lvl="4" algn="l" rtl="0">
         <a:lnSpc>
           <a:spcPct val="100000"/>
         </a:lnSpc>
@@ -13791,7 +14186,7 @@
           <a:srgbClr val="000000"/>
         </a:buClr>
         <a:buFont typeface="Arial"/>
-        <a:defRPr b="0" i="0" sz="1400" u="none" cap="none" strike="noStrike">
+        <a:defRPr sz="1400" b="0" i="0" u="none" strike="noStrike" cap="none">
           <a:solidFill>
             <a:srgbClr val="000000"/>
           </a:solidFill>
@@ -13801,7 +14196,7 @@
           <a:sym typeface="Arial"/>
         </a:defRPr>
       </a:lvl5pPr>
-      <a:lvl6pPr lvl="5" marR="0" rtl="0" algn="l">
+      <a:lvl6pPr marR="0" lvl="5" algn="l" rtl="0">
         <a:lnSpc>
           <a:spcPct val="100000"/>
         </a:lnSpc>
@@ -13815,7 +14210,7 @@
           <a:srgbClr val="000000"/>
         </a:buClr>
         <a:buFont typeface="Arial"/>
-        <a:defRPr b="0" i="0" sz="1400" u="none" cap="none" strike="noStrike">
+        <a:defRPr sz="1400" b="0" i="0" u="none" strike="noStrike" cap="none">
           <a:solidFill>
             <a:srgbClr val="000000"/>
           </a:solidFill>
@@ -13825,7 +14220,7 @@
           <a:sym typeface="Arial"/>
         </a:defRPr>
       </a:lvl6pPr>
-      <a:lvl7pPr lvl="6" marR="0" rtl="0" algn="l">
+      <a:lvl7pPr marR="0" lvl="6" algn="l" rtl="0">
         <a:lnSpc>
           <a:spcPct val="100000"/>
         </a:lnSpc>
@@ -13839,7 +14234,7 @@
           <a:srgbClr val="000000"/>
         </a:buClr>
         <a:buFont typeface="Arial"/>
-        <a:defRPr b="0" i="0" sz="1400" u="none" cap="none" strike="noStrike">
+        <a:defRPr sz="1400" b="0" i="0" u="none" strike="noStrike" cap="none">
           <a:solidFill>
             <a:srgbClr val="000000"/>
           </a:solidFill>
@@ -13849,7 +14244,7 @@
           <a:sym typeface="Arial"/>
         </a:defRPr>
       </a:lvl7pPr>
-      <a:lvl8pPr lvl="7" marR="0" rtl="0" algn="l">
+      <a:lvl8pPr marR="0" lvl="7" algn="l" rtl="0">
         <a:lnSpc>
           <a:spcPct val="100000"/>
         </a:lnSpc>
@@ -13863,7 +14258,7 @@
           <a:srgbClr val="000000"/>
         </a:buClr>
         <a:buFont typeface="Arial"/>
-        <a:defRPr b="0" i="0" sz="1400" u="none" cap="none" strike="noStrike">
+        <a:defRPr sz="1400" b="0" i="0" u="none" strike="noStrike" cap="none">
           <a:solidFill>
             <a:srgbClr val="000000"/>
           </a:solidFill>
@@ -13873,7 +14268,7 @@
           <a:sym typeface="Arial"/>
         </a:defRPr>
       </a:lvl8pPr>
-      <a:lvl9pPr lvl="8" marR="0" rtl="0" algn="l">
+      <a:lvl9pPr marR="0" lvl="8" algn="l" rtl="0">
         <a:lnSpc>
           <a:spcPct val="100000"/>
         </a:lnSpc>
@@ -13887,7 +14282,7 @@
           <a:srgbClr val="000000"/>
         </a:buClr>
         <a:buFont typeface="Arial"/>
-        <a:defRPr b="0" i="0" sz="1400" u="none" cap="none" strike="noStrike">
+        <a:defRPr sz="1400" b="0" i="0" u="none" strike="noStrike" cap="none">
           <a:solidFill>
             <a:srgbClr val="000000"/>
           </a:solidFill>
@@ -13899,7 +14294,7 @@
       </a:lvl9pPr>
     </p:bodyStyle>
     <p:otherStyle>
-      <a:defPPr lvl="0" marR="0" rtl="0" algn="l">
+      <a:defPPr marR="0" lvl="0" algn="l" rtl="0">
         <a:lnSpc>
           <a:spcPct val="100000"/>
         </a:lnSpc>
@@ -13910,7 +14305,7 @@
           <a:spcPts val="0"/>
         </a:spcAft>
       </a:defPPr>
-      <a:lvl1pPr lvl="0" marR="0" rtl="0" algn="l">
+      <a:lvl1pPr marR="0" lvl="0" algn="l" rtl="0">
         <a:lnSpc>
           <a:spcPct val="100000"/>
         </a:lnSpc>
@@ -13924,7 +14319,7 @@
           <a:srgbClr val="000000"/>
         </a:buClr>
         <a:buFont typeface="Arial"/>
-        <a:defRPr b="0" i="0" sz="1400" u="none" cap="none" strike="noStrike">
+        <a:defRPr sz="1400" b="0" i="0" u="none" strike="noStrike" cap="none">
           <a:solidFill>
             <a:srgbClr val="000000"/>
           </a:solidFill>
@@ -13934,7 +14329,7 @@
           <a:sym typeface="Arial"/>
         </a:defRPr>
       </a:lvl1pPr>
-      <a:lvl2pPr lvl="1" marR="0" rtl="0" algn="l">
+      <a:lvl2pPr marR="0" lvl="1" algn="l" rtl="0">
         <a:lnSpc>
           <a:spcPct val="100000"/>
         </a:lnSpc>
@@ -13948,7 +14343,7 @@
           <a:srgbClr val="000000"/>
         </a:buClr>
         <a:buFont typeface="Arial"/>
-        <a:defRPr b="0" i="0" sz="1400" u="none" cap="none" strike="noStrike">
+        <a:defRPr sz="1400" b="0" i="0" u="none" strike="noStrike" cap="none">
           <a:solidFill>
             <a:srgbClr val="000000"/>
           </a:solidFill>
@@ -13958,7 +14353,7 @@
           <a:sym typeface="Arial"/>
         </a:defRPr>
       </a:lvl2pPr>
-      <a:lvl3pPr lvl="2" marR="0" rtl="0" algn="l">
+      <a:lvl3pPr marR="0" lvl="2" algn="l" rtl="0">
         <a:lnSpc>
           <a:spcPct val="100000"/>
         </a:lnSpc>
@@ -13972,7 +14367,7 @@
           <a:srgbClr val="000000"/>
         </a:buClr>
         <a:buFont typeface="Arial"/>
-        <a:defRPr b="0" i="0" sz="1400" u="none" cap="none" strike="noStrike">
+        <a:defRPr sz="1400" b="0" i="0" u="none" strike="noStrike" cap="none">
           <a:solidFill>
             <a:srgbClr val="000000"/>
           </a:solidFill>
@@ -13982,7 +14377,7 @@
           <a:sym typeface="Arial"/>
         </a:defRPr>
       </a:lvl3pPr>
-      <a:lvl4pPr lvl="3" marR="0" rtl="0" algn="l">
+      <a:lvl4pPr marR="0" lvl="3" algn="l" rtl="0">
         <a:lnSpc>
           <a:spcPct val="100000"/>
         </a:lnSpc>
@@ -13996,7 +14391,7 @@
           <a:srgbClr val="000000"/>
         </a:buClr>
         <a:buFont typeface="Arial"/>
-        <a:defRPr b="0" i="0" sz="1400" u="none" cap="none" strike="noStrike">
+        <a:defRPr sz="1400" b="0" i="0" u="none" strike="noStrike" cap="none">
           <a:solidFill>
             <a:srgbClr val="000000"/>
           </a:solidFill>
@@ -14006,7 +14401,7 @@
           <a:sym typeface="Arial"/>
         </a:defRPr>
       </a:lvl4pPr>
-      <a:lvl5pPr lvl="4" marR="0" rtl="0" algn="l">
+      <a:lvl5pPr marR="0" lvl="4" algn="l" rtl="0">
         <a:lnSpc>
           <a:spcPct val="100000"/>
         </a:lnSpc>
@@ -14020,7 +14415,7 @@
           <a:srgbClr val="000000"/>
         </a:buClr>
         <a:buFont typeface="Arial"/>
-        <a:defRPr b="0" i="0" sz="1400" u="none" cap="none" strike="noStrike">
+        <a:defRPr sz="1400" b="0" i="0" u="none" strike="noStrike" cap="none">
           <a:solidFill>
             <a:srgbClr val="000000"/>
           </a:solidFill>
@@ -14030,7 +14425,7 @@
           <a:sym typeface="Arial"/>
         </a:defRPr>
       </a:lvl5pPr>
-      <a:lvl6pPr lvl="5" marR="0" rtl="0" algn="l">
+      <a:lvl6pPr marR="0" lvl="5" algn="l" rtl="0">
         <a:lnSpc>
           <a:spcPct val="100000"/>
         </a:lnSpc>
@@ -14044,7 +14439,7 @@
           <a:srgbClr val="000000"/>
         </a:buClr>
         <a:buFont typeface="Arial"/>
-        <a:defRPr b="0" i="0" sz="1400" u="none" cap="none" strike="noStrike">
+        <a:defRPr sz="1400" b="0" i="0" u="none" strike="noStrike" cap="none">
           <a:solidFill>
             <a:srgbClr val="000000"/>
           </a:solidFill>
@@ -14054,7 +14449,7 @@
           <a:sym typeface="Arial"/>
         </a:defRPr>
       </a:lvl6pPr>
-      <a:lvl7pPr lvl="6" marR="0" rtl="0" algn="l">
+      <a:lvl7pPr marR="0" lvl="6" algn="l" rtl="0">
         <a:lnSpc>
           <a:spcPct val="100000"/>
         </a:lnSpc>
@@ -14068,7 +14463,7 @@
           <a:srgbClr val="000000"/>
         </a:buClr>
         <a:buFont typeface="Arial"/>
-        <a:defRPr b="0" i="0" sz="1400" u="none" cap="none" strike="noStrike">
+        <a:defRPr sz="1400" b="0" i="0" u="none" strike="noStrike" cap="none">
           <a:solidFill>
             <a:srgbClr val="000000"/>
           </a:solidFill>
@@ -14078,7 +14473,7 @@
           <a:sym typeface="Arial"/>
         </a:defRPr>
       </a:lvl7pPr>
-      <a:lvl8pPr lvl="7" marR="0" rtl="0" algn="l">
+      <a:lvl8pPr marR="0" lvl="7" algn="l" rtl="0">
         <a:lnSpc>
           <a:spcPct val="100000"/>
         </a:lnSpc>
@@ -14092,7 +14487,7 @@
           <a:srgbClr val="000000"/>
         </a:buClr>
         <a:buFont typeface="Arial"/>
-        <a:defRPr b="0" i="0" sz="1400" u="none" cap="none" strike="noStrike">
+        <a:defRPr sz="1400" b="0" i="0" u="none" strike="noStrike" cap="none">
           <a:solidFill>
             <a:srgbClr val="000000"/>
           </a:solidFill>
@@ -14102,7 +14497,7 @@
           <a:sym typeface="Arial"/>
         </a:defRPr>
       </a:lvl8pPr>
-      <a:lvl9pPr lvl="8" marR="0" rtl="0" algn="l">
+      <a:lvl9pPr marR="0" lvl="8" algn="l" rtl="0">
         <a:lnSpc>
           <a:spcPct val="100000"/>
         </a:lnSpc>
@@ -14116,7 +14511,7 @@
           <a:srgbClr val="000000"/>
         </a:buClr>
         <a:buFont typeface="Arial"/>
-        <a:defRPr b="0" i="0" sz="1400" u="none" cap="none" strike="noStrike">
+        <a:defRPr sz="1400" b="0" i="0" u="none" strike="noStrike" cap="none">
           <a:solidFill>
             <a:srgbClr val="000000"/>
           </a:solidFill>
@@ -14132,11 +14527,11 @@
 </file>
 
 <file path=ppt/slides/slide1.xml><?xml version="1.0" encoding="utf-8"?>
-<p:sld xmlns:a="http://schemas.openxmlformats.org/drawingml/2006/main" xmlns:r="http://schemas.openxmlformats.org/officeDocument/2006/relationships" xmlns:mc="http://schemas.openxmlformats.org/markup-compatibility/2006" xmlns:mv="urn:schemas-microsoft-com:mac:vml" xmlns:p="http://schemas.openxmlformats.org/presentationml/2006/main" xmlns:c="http://schemas.openxmlformats.org/drawingml/2006/chart" xmlns:dgm="http://schemas.openxmlformats.org/drawingml/2006/diagram" xmlns:o="urn:schemas-microsoft-com:office:office" xmlns:v="urn:schemas-microsoft-com:vml" xmlns:pvml="urn:schemas-microsoft-com:office:powerpoint" xmlns:com="http://schemas.openxmlformats.org/drawingml/2006/compatibility" xmlns:p14="http://schemas.microsoft.com/office/powerpoint/2010/main" xmlns:p15="http://schemas.microsoft.com/office/powerpoint/2012/main">
+<p:sld xmlns:a="http://schemas.openxmlformats.org/drawingml/2006/main" xmlns:r="http://schemas.openxmlformats.org/officeDocument/2006/relationships" xmlns:p="http://schemas.openxmlformats.org/presentationml/2006/main">
   <p:cSld>
     <p:spTree>
       <p:nvGrpSpPr>
-        <p:cNvPr id="83" name="Shape 83"/>
+        <p:cNvPr id="1" name="Shape 83"/>
         <p:cNvGrpSpPr/>
         <p:nvPr/>
       </p:nvGrpSpPr>
@@ -14158,7 +14553,7 @@
           <a:blip r:embed="rId3">
             <a:alphaModFix/>
           </a:blip>
-          <a:srcRect b="0" l="0" r="0" t="0"/>
+          <a:srcRect/>
           <a:stretch/>
         </p:blipFill>
         <p:spPr>
@@ -14195,12 +14590,12 @@
           </a:ln>
         </p:spPr>
         <p:txBody>
-          <a:bodyPr anchorCtr="0" anchor="ctr" bIns="68575" lIns="137150" spcFirstLastPara="1" rIns="137150" wrap="square" tIns="68575">
+          <a:bodyPr spcFirstLastPara="1" wrap="square" lIns="137150" tIns="68575" rIns="137150" bIns="68575" anchor="ctr" anchorCtr="0">
             <a:noAutofit/>
           </a:bodyPr>
           <a:lstStyle/>
           <a:p>
-            <a:pPr indent="0" lvl="0" marL="0" marR="0" rtl="0" algn="l">
+            <a:pPr marL="0" marR="0" lvl="0" indent="0" algn="l" rtl="0">
               <a:lnSpc>
                 <a:spcPct val="100000"/>
               </a:lnSpc>
@@ -14218,7 +14613,7 @@
               <a:buNone/>
             </a:pPr>
             <a:r>
-              <a:rPr b="0" i="0" lang="en-US" sz="9800" u="none" cap="none" strike="noStrike">
+              <a:rPr lang="en-US" sz="9800" b="0" i="0" u="none" strike="noStrike" cap="none">
                 <a:solidFill>
                   <a:srgbClr val="EDB21F"/>
                 </a:solidFill>
@@ -14229,7 +14624,7 @@
               </a:rPr>
               <a:t>Fid’Lin</a:t>
             </a:r>
-            <a:endParaRPr b="0" i="0" sz="8200" u="none" cap="none" strike="noStrike">
+            <a:endParaRPr sz="8200" b="0" i="0" u="none" strike="noStrike" cap="none">
               <a:solidFill>
                 <a:srgbClr val="EDB21F"/>
               </a:solidFill>
@@ -14240,7 +14635,7 @@
             </a:endParaRPr>
           </a:p>
           <a:p>
-            <a:pPr indent="0" lvl="0" marL="0" marR="0" rtl="0" algn="l">
+            <a:pPr marL="0" marR="0" lvl="0" indent="0" algn="l" rtl="0">
               <a:lnSpc>
                 <a:spcPct val="100000"/>
               </a:lnSpc>
@@ -14258,7 +14653,7 @@
               <a:buNone/>
             </a:pPr>
             <a:r>
-              <a:rPr b="0" i="1" lang="en-US" sz="4200" u="none" cap="none" strike="noStrike">
+              <a:rPr lang="en-US" sz="4200" b="0" i="1" u="none" strike="noStrike" cap="none">
                 <a:solidFill>
                   <a:schemeClr val="lt1"/>
                 </a:solidFill>
@@ -14269,7 +14664,7 @@
               </a:rPr>
               <a:t>Jakob Beckleheimer, Dylan Brownell, Tanner Groll, Derek Pendleton, &amp; Phil Snider</a:t>
             </a:r>
-            <a:endParaRPr b="0" i="0" sz="1400" u="none" cap="none" strike="noStrike">
+            <a:endParaRPr sz="1400" b="0" i="0" u="none" strike="noStrike" cap="none">
               <a:solidFill>
                 <a:srgbClr val="000000"/>
               </a:solidFill>
@@ -14280,7 +14675,7 @@
             </a:endParaRPr>
           </a:p>
           <a:p>
-            <a:pPr indent="0" lvl="0" marL="0" marR="0" rtl="0" algn="l">
+            <a:pPr marL="0" marR="0" lvl="0" indent="0" algn="l" rtl="0">
               <a:lnSpc>
                 <a:spcPct val="100000"/>
               </a:lnSpc>
@@ -14298,7 +14693,7 @@
               <a:buNone/>
             </a:pPr>
             <a:r>
-              <a:rPr b="0" i="1" lang="en-US" sz="4200" u="none" cap="none" strike="noStrike">
+              <a:rPr lang="en-US" sz="4200" b="0" i="1" u="none" strike="noStrike" cap="none">
                 <a:solidFill>
                   <a:schemeClr val="lt1"/>
                 </a:solidFill>
@@ -14309,7 +14704,7 @@
               </a:rPr>
               <a:t>Team 2</a:t>
             </a:r>
-            <a:endParaRPr b="0" i="0" sz="1400" u="none" cap="none" strike="noStrike">
+            <a:endParaRPr sz="1400" b="0" i="0" u="none" strike="noStrike" cap="none">
               <a:solidFill>
                 <a:srgbClr val="000000"/>
               </a:solidFill>
@@ -14343,12 +14738,12 @@
           </a:ln>
         </p:spPr>
         <p:txBody>
-          <a:bodyPr anchorCtr="0" anchor="ctr" bIns="68575" lIns="137150" spcFirstLastPara="1" rIns="137150" wrap="square" tIns="68575">
+          <a:bodyPr spcFirstLastPara="1" wrap="square" lIns="137150" tIns="68575" rIns="137150" bIns="68575" anchor="ctr" anchorCtr="0">
             <a:noAutofit/>
           </a:bodyPr>
           <a:lstStyle/>
           <a:p>
-            <a:pPr indent="0" lvl="0" marL="0" marR="0" rtl="0" algn="l">
+            <a:pPr marL="0" marR="0" lvl="0" indent="0" algn="l" rtl="0">
               <a:lnSpc>
                 <a:spcPct val="100000"/>
               </a:lnSpc>
@@ -14366,7 +14761,7 @@
               <a:buNone/>
             </a:pPr>
             <a:r>
-              <a:rPr b="0" i="0" lang="en-US" sz="5100" u="none" cap="none" strike="noStrike">
+              <a:rPr lang="en-US" sz="5100" b="0" i="0" u="none" strike="noStrike" cap="none">
                 <a:solidFill>
                   <a:schemeClr val="lt1"/>
                 </a:solidFill>
@@ -14377,7 +14772,7 @@
               </a:rPr>
               <a:t>Summary</a:t>
             </a:r>
-            <a:endParaRPr b="0" i="0" sz="1400" u="none" cap="none" strike="noStrike">
+            <a:endParaRPr sz="1400" b="0" i="0" u="none" strike="noStrike" cap="none">
               <a:solidFill>
                 <a:srgbClr val="000000"/>
               </a:solidFill>
@@ -14404,23 +14799,23 @@
             <a:avLst/>
           </a:prstGeom>
           <a:noFill/>
-          <a:ln cap="flat" cmpd="sng" w="9525">
+          <a:ln w="9525" cap="flat" cmpd="sng">
             <a:solidFill>
               <a:schemeClr val="dk1"/>
             </a:solidFill>
             <a:prstDash val="solid"/>
             <a:round/>
-            <a:headEnd len="sm" w="sm" type="none"/>
-            <a:tailEnd len="sm" w="sm" type="none"/>
+            <a:headEnd type="none" w="sm" len="sm"/>
+            <a:tailEnd type="none" w="sm" len="sm"/>
           </a:ln>
         </p:spPr>
         <p:txBody>
-          <a:bodyPr anchorCtr="0" anchor="t" bIns="68575" lIns="137150" spcFirstLastPara="1" rIns="137150" wrap="square" tIns="68575">
+          <a:bodyPr spcFirstLastPara="1" wrap="square" lIns="137150" tIns="68575" rIns="137150" bIns="68575" anchor="t" anchorCtr="0">
             <a:noAutofit/>
           </a:bodyPr>
           <a:lstStyle/>
           <a:p>
-            <a:pPr indent="0" lvl="0" marL="0" marR="0" rtl="0" algn="l">
+            <a:pPr marL="0" marR="0" lvl="0" indent="0" algn="l" rtl="0">
               <a:lnSpc>
                 <a:spcPct val="100000"/>
               </a:lnSpc>
@@ -14438,7 +14833,7 @@
               <a:buNone/>
             </a:pPr>
             <a:r>
-              <a:rPr b="0" i="0" lang="en-US" sz="5000" u="none" cap="none" strike="noStrike">
+              <a:rPr lang="en-US" sz="5000" b="0" i="0" u="none" strike="noStrike" cap="none">
                 <a:solidFill>
                   <a:srgbClr val="000000"/>
                 </a:solidFill>
@@ -14450,7 +14845,7 @@
               <a:t>Fid’Lin, the fiddle / violin player practice application, is an application intended to aid fiddle or violin players in learning how to play and practice their instrument.</a:t>
             </a:r>
             <a:r>
-              <a:rPr b="0" i="0" lang="en-US" sz="5000" u="none" cap="none" strike="noStrike">
+              <a:rPr lang="en-US" sz="5000" b="0" i="0" u="none" strike="noStrike" cap="none">
                 <a:solidFill>
                   <a:schemeClr val="dk1"/>
                 </a:solidFill>
@@ -14474,7 +14869,7 @@
               <a:t>this application</a:t>
             </a:r>
             <a:r>
-              <a:rPr b="0" i="0" lang="en-US" sz="5000" u="none" cap="none" strike="noStrike">
+              <a:rPr lang="en-US" sz="5000" b="0" i="0" u="none" strike="noStrike" cap="none">
                 <a:solidFill>
                   <a:schemeClr val="dk1"/>
                 </a:solidFill>
@@ -14498,7 +14893,7 @@
               <a:t>broader</a:t>
             </a:r>
             <a:r>
-              <a:rPr b="0" i="0" lang="en-US" sz="5000" u="none" cap="none" strike="noStrike">
+              <a:rPr lang="en-US" sz="5000" b="0" i="0" u="none" strike="noStrike" cap="none">
                 <a:solidFill>
                   <a:schemeClr val="dk1"/>
                 </a:solidFill>
@@ -14522,7 +14917,7 @@
               <a:t> startup/setup time, and also </a:t>
             </a:r>
             <a:r>
-              <a:rPr b="0" i="0" lang="en-US" sz="5000" u="none" cap="none" strike="noStrike">
+              <a:rPr lang="en-US" sz="5000" b="0" i="0" u="none" strike="noStrike" cap="none">
                 <a:solidFill>
                   <a:schemeClr val="dk1"/>
                 </a:solidFill>
@@ -14546,7 +14941,7 @@
               <a:t>so that our users can utilize</a:t>
             </a:r>
             <a:r>
-              <a:rPr b="0" i="0" lang="en-US" sz="5000" u="none" cap="none" strike="noStrike">
+              <a:rPr lang="en-US" sz="5000" b="0" i="0" u="none" strike="noStrike" cap="none">
                 <a:solidFill>
                   <a:schemeClr val="dk1"/>
                 </a:solidFill>
@@ -14557,7 +14952,7 @@
               </a:rPr>
               <a:t> their practice time to the fullest. </a:t>
             </a:r>
-            <a:endParaRPr b="0" i="0" sz="5000" u="none" cap="none" strike="noStrike">
+            <a:endParaRPr sz="5000" b="0" i="0" u="none" strike="noStrike" cap="none">
               <a:solidFill>
                 <a:srgbClr val="000000"/>
               </a:solidFill>
@@ -14591,12 +14986,12 @@
           </a:ln>
         </p:spPr>
         <p:txBody>
-          <a:bodyPr anchorCtr="0" anchor="ctr" bIns="68575" lIns="137150" spcFirstLastPara="1" rIns="137150" wrap="square" tIns="68575">
+          <a:bodyPr spcFirstLastPara="1" wrap="square" lIns="137150" tIns="68575" rIns="137150" bIns="68575" anchor="ctr" anchorCtr="0">
             <a:noAutofit/>
           </a:bodyPr>
           <a:lstStyle/>
           <a:p>
-            <a:pPr indent="0" lvl="0" marL="0" marR="0" rtl="0" algn="l">
+            <a:pPr marL="0" marR="0" lvl="0" indent="0" algn="l" rtl="0">
               <a:lnSpc>
                 <a:spcPct val="100000"/>
               </a:lnSpc>
@@ -14614,7 +15009,7 @@
               <a:buNone/>
             </a:pPr>
             <a:r>
-              <a:rPr b="0" i="0" lang="en-US" sz="5100" u="none" cap="none" strike="noStrike">
+              <a:rPr lang="en-US" sz="5100" b="0" i="0" u="none" strike="noStrike" cap="none">
                 <a:solidFill>
                   <a:schemeClr val="lt1"/>
                 </a:solidFill>
@@ -14625,7 +15020,7 @@
               </a:rPr>
               <a:t>Motivation</a:t>
             </a:r>
-            <a:endParaRPr b="0" i="0" sz="1400" u="none" cap="none" strike="noStrike">
+            <a:endParaRPr sz="1400" b="0" i="0" u="none" strike="noStrike" cap="none">
               <a:solidFill>
                 <a:srgbClr val="000000"/>
               </a:solidFill>
@@ -14652,23 +15047,23 @@
             <a:avLst/>
           </a:prstGeom>
           <a:noFill/>
-          <a:ln cap="flat" cmpd="sng" w="9525">
+          <a:ln w="9525" cap="flat" cmpd="sng">
             <a:solidFill>
               <a:schemeClr val="dk1"/>
             </a:solidFill>
             <a:prstDash val="solid"/>
             <a:round/>
-            <a:headEnd len="sm" w="sm" type="none"/>
-            <a:tailEnd len="sm" w="sm" type="none"/>
+            <a:headEnd type="none" w="sm" len="sm"/>
+            <a:tailEnd type="none" w="sm" len="sm"/>
           </a:ln>
         </p:spPr>
         <p:txBody>
-          <a:bodyPr anchorCtr="0" anchor="t" bIns="68575" lIns="137150" spcFirstLastPara="1" rIns="137150" wrap="square" tIns="68575">
+          <a:bodyPr spcFirstLastPara="1" wrap="square" lIns="137150" tIns="68575" rIns="137150" bIns="68575" anchor="t" anchorCtr="0">
             <a:noAutofit/>
           </a:bodyPr>
           <a:lstStyle/>
           <a:p>
-            <a:pPr indent="0" lvl="0" marL="0" marR="0" rtl="0" algn="l">
+            <a:pPr marL="0" marR="0" lvl="0" indent="0" algn="l" rtl="0">
               <a:lnSpc>
                 <a:spcPct val="100000"/>
               </a:lnSpc>
@@ -14686,7 +15081,7 @@
               <a:buNone/>
             </a:pPr>
             <a:r>
-              <a:rPr b="0" i="0" lang="en-US" sz="5000" u="none" cap="none" strike="noStrike">
+              <a:rPr lang="en-US" sz="5000" b="0" i="0" u="none" strike="noStrike" cap="none">
                 <a:solidFill>
                   <a:schemeClr val="dk1"/>
                 </a:solidFill>
@@ -14697,7 +15092,7 @@
               </a:rPr>
               <a:t>Learning to play a musical instrument can be a difficult and time consuming process. Regular practice is an important part of learning an instrument. Thus, in order to effectively learn an instrument, practice must be done in an efficient manner. For a stringed instrument such as a fiddle or violin, this means checking if the open strings are tuned correctly as well as checking if the fiddler’s fingers are in the correct position. The current market lacks an application that aids in all of these fields while also maintaining ease of use. We set out to create an all-inclusive fiddle / violin practice app that would remain simplistic in nature as to allow first time users to hop right into their practice without wasting time learning the intricacies that many modern application come with.</a:t>
             </a:r>
-            <a:endParaRPr b="0" i="0" sz="5000" u="none" cap="none" strike="noStrike">
+            <a:endParaRPr sz="5000" b="0" i="0" u="none" strike="noStrike" cap="none">
               <a:solidFill>
                 <a:schemeClr val="dk1"/>
               </a:solidFill>
@@ -14731,12 +15126,12 @@
           </a:ln>
         </p:spPr>
         <p:txBody>
-          <a:bodyPr anchorCtr="0" anchor="ctr" bIns="68575" lIns="137150" spcFirstLastPara="1" rIns="137150" wrap="square" tIns="68575">
+          <a:bodyPr spcFirstLastPara="1" wrap="square" lIns="137150" tIns="68575" rIns="137150" bIns="68575" anchor="ctr" anchorCtr="0">
             <a:noAutofit/>
           </a:bodyPr>
           <a:lstStyle/>
           <a:p>
-            <a:pPr indent="0" lvl="0" marL="0" marR="0" rtl="0" algn="l">
+            <a:pPr marL="0" marR="0" lvl="0" indent="0" algn="l" rtl="0">
               <a:lnSpc>
                 <a:spcPct val="100000"/>
               </a:lnSpc>
@@ -14754,7 +15149,7 @@
               <a:buNone/>
             </a:pPr>
             <a:r>
-              <a:rPr b="0" i="0" lang="en-US" sz="5100" u="none" cap="none" strike="noStrike">
+              <a:rPr lang="en-US" sz="5100" b="0" i="0" u="none" strike="noStrike" cap="none">
                 <a:solidFill>
                   <a:schemeClr val="lt1"/>
                 </a:solidFill>
@@ -14765,7 +15160,7 @@
               </a:rPr>
               <a:t>Project Description</a:t>
             </a:r>
-            <a:endParaRPr b="0" i="0" sz="1400" u="none" cap="none" strike="noStrike">
+            <a:endParaRPr sz="1400" b="0" i="0" u="none" strike="noStrike" cap="none">
               <a:solidFill>
                 <a:srgbClr val="000000"/>
               </a:solidFill>
@@ -14799,12 +15194,12 @@
           </a:ln>
         </p:spPr>
         <p:txBody>
-          <a:bodyPr anchorCtr="0" anchor="ctr" bIns="68575" lIns="137150" spcFirstLastPara="1" rIns="137150" wrap="square" tIns="68575">
+          <a:bodyPr spcFirstLastPara="1" wrap="square" lIns="137150" tIns="68575" rIns="137150" bIns="68575" anchor="ctr" anchorCtr="0">
             <a:noAutofit/>
           </a:bodyPr>
           <a:lstStyle/>
           <a:p>
-            <a:pPr indent="0" lvl="0" marL="0" marR="0" rtl="0" algn="l">
+            <a:pPr marL="0" marR="0" lvl="0" indent="0" algn="l" rtl="0">
               <a:lnSpc>
                 <a:spcPct val="100000"/>
               </a:lnSpc>
@@ -14822,7 +15217,7 @@
               <a:buNone/>
             </a:pPr>
             <a:r>
-              <a:rPr b="0" i="0" lang="en-US" sz="5100" u="none" cap="none" strike="noStrike">
+              <a:rPr lang="en-US" sz="5100" b="0" i="0" u="none" strike="noStrike" cap="none">
                 <a:solidFill>
                   <a:schemeClr val="lt1"/>
                 </a:solidFill>
@@ -14833,7 +15228,7 @@
               </a:rPr>
               <a:t>Methods &amp; tools used</a:t>
             </a:r>
-            <a:endParaRPr b="0" i="0" sz="1400" u="none" cap="none" strike="noStrike">
+            <a:endParaRPr sz="1400" b="0" i="0" u="none" strike="noStrike" cap="none">
               <a:solidFill>
                 <a:srgbClr val="000000"/>
               </a:solidFill>
@@ -14867,12 +15262,12 @@
           </a:ln>
         </p:spPr>
         <p:txBody>
-          <a:bodyPr anchorCtr="0" anchor="ctr" bIns="68575" lIns="137150" spcFirstLastPara="1" rIns="137150" wrap="square" tIns="68575">
+          <a:bodyPr spcFirstLastPara="1" wrap="square" lIns="137150" tIns="68575" rIns="137150" bIns="68575" anchor="ctr" anchorCtr="0">
             <a:noAutofit/>
           </a:bodyPr>
           <a:lstStyle/>
           <a:p>
-            <a:pPr indent="0" lvl="0" marL="0" marR="0" rtl="0" algn="l">
+            <a:pPr marL="0" marR="0" lvl="0" indent="0" algn="l" rtl="0">
               <a:lnSpc>
                 <a:spcPct val="100000"/>
               </a:lnSpc>
@@ -14890,7 +15285,7 @@
               <a:buNone/>
             </a:pPr>
             <a:r>
-              <a:rPr b="0" i="0" lang="en-US" sz="5100" u="none" cap="none" strike="noStrike">
+              <a:rPr lang="en-US" sz="5100" b="0" i="0" u="none" strike="noStrike" cap="none">
                 <a:solidFill>
                   <a:schemeClr val="lt1"/>
                 </a:solidFill>
@@ -14901,7 +15296,7 @@
               </a:rPr>
               <a:t>Results</a:t>
             </a:r>
-            <a:endParaRPr b="0" i="0" sz="1400" u="none" cap="none" strike="noStrike">
+            <a:endParaRPr sz="1400" b="0" i="0" u="none" strike="noStrike" cap="none">
               <a:solidFill>
                 <a:srgbClr val="000000"/>
               </a:solidFill>
@@ -14935,12 +15330,12 @@
           </a:ln>
         </p:spPr>
         <p:txBody>
-          <a:bodyPr anchorCtr="0" anchor="ctr" bIns="68575" lIns="137150" spcFirstLastPara="1" rIns="137150" wrap="square" tIns="68575">
+          <a:bodyPr spcFirstLastPara="1" wrap="square" lIns="137150" tIns="68575" rIns="137150" bIns="68575" anchor="ctr" anchorCtr="0">
             <a:noAutofit/>
           </a:bodyPr>
           <a:lstStyle/>
           <a:p>
-            <a:pPr indent="0" lvl="0" marL="0" marR="0" rtl="0" algn="l">
+            <a:pPr marL="0" marR="0" lvl="0" indent="0" algn="l" rtl="0">
               <a:lnSpc>
                 <a:spcPct val="100000"/>
               </a:lnSpc>
@@ -14957,10 +15352,7 @@
               <a:buFont typeface="Arial"/>
               <a:buNone/>
             </a:pPr>
-            <a:r>
-              <a:t/>
-            </a:r>
-            <a:endParaRPr b="0" i="0" sz="1800" u="none" cap="none" strike="noStrike">
+            <a:endParaRPr sz="1800" b="0" i="0" u="none" strike="noStrike" cap="none">
               <a:solidFill>
                 <a:schemeClr val="lt1"/>
               </a:solidFill>
@@ -14987,23 +15379,23 @@
             <a:avLst/>
           </a:prstGeom>
           <a:noFill/>
-          <a:ln cap="flat" cmpd="sng" w="9525">
+          <a:ln w="9525" cap="flat" cmpd="sng">
             <a:solidFill>
               <a:schemeClr val="dk1"/>
             </a:solidFill>
             <a:prstDash val="solid"/>
             <a:round/>
-            <a:headEnd len="sm" w="sm" type="none"/>
-            <a:tailEnd len="sm" w="sm" type="none"/>
+            <a:headEnd type="none" w="sm" len="sm"/>
+            <a:tailEnd type="none" w="sm" len="sm"/>
           </a:ln>
         </p:spPr>
         <p:txBody>
-          <a:bodyPr anchorCtr="0" anchor="t" bIns="68575" lIns="137150" spcFirstLastPara="1" rIns="137150" wrap="square" tIns="68575">
+          <a:bodyPr spcFirstLastPara="1" wrap="square" lIns="137150" tIns="68575" rIns="137150" bIns="68575" anchor="t" anchorCtr="0">
             <a:noAutofit/>
           </a:bodyPr>
           <a:lstStyle/>
           <a:p>
-            <a:pPr indent="0" lvl="0" marL="0" marR="0" rtl="0" algn="l">
+            <a:pPr marL="0" marR="0" lvl="0" indent="0" algn="l" rtl="0">
               <a:lnSpc>
                 <a:spcPct val="100000"/>
               </a:lnSpc>
@@ -15030,7 +15422,7 @@
               <a:t>Developed a</a:t>
             </a:r>
             <a:r>
-              <a:rPr b="0" i="0" lang="en-US" sz="5000" u="none" cap="none" strike="noStrike">
+              <a:rPr lang="en-US" sz="5000" b="0" i="0" u="none" strike="noStrike" cap="none">
                 <a:solidFill>
                   <a:srgbClr val="000000"/>
                 </a:solidFill>
@@ -15051,7 +15443,7 @@
               <a:t>mobile</a:t>
             </a:r>
             <a:r>
-              <a:rPr b="0" i="0" lang="en-US" sz="5000" u="none" cap="none" strike="noStrike">
+              <a:rPr lang="en-US" sz="5000" b="0" i="0" u="none" strike="noStrike" cap="none">
                 <a:solidFill>
                   <a:srgbClr val="000000"/>
                 </a:solidFill>
@@ -15069,19 +15461,10 @@
                 <a:cs typeface="NTR"/>
                 <a:sym typeface="NTR"/>
               </a:rPr>
-              <a:t>e goal of providing a range of tools related to practicing the fiddle or violin.</a:t>
+              <a:t>e goal of providing a range of tools related to practicing the fiddle or violin. The application aims to be an all-inclusive musical aid so that users can maximize their time spent practicing. Some of our features include a tuning aid to help t</a:t>
             </a:r>
             <a:r>
-              <a:rPr lang="en-US" sz="5000">
-                <a:latin typeface="NTR"/>
-                <a:ea typeface="NTR"/>
-                <a:cs typeface="NTR"/>
-                <a:sym typeface="NTR"/>
-              </a:rPr>
-              <a:t> The application aims to be an all-inclusive musical aid so that users can maximize their time spent practicing. Some of our features include a tuning aid to help t</a:t>
-            </a:r>
-            <a:r>
-              <a:rPr b="0" i="0" lang="en-US" sz="5000" u="none" cap="none" strike="noStrike">
+              <a:rPr lang="en-US" sz="5000" b="0" i="0" u="none" strike="noStrike" cap="none">
                 <a:solidFill>
                   <a:srgbClr val="000000"/>
                 </a:solidFill>
@@ -15102,7 +15485,7 @@
               <a:t> T</a:t>
             </a:r>
             <a:r>
-              <a:rPr b="0" i="0" lang="en-US" sz="5000" u="none" cap="none" strike="noStrike">
+              <a:rPr lang="en-US" sz="5000" b="0" i="0" u="none" strike="noStrike" cap="none">
                 <a:solidFill>
                   <a:srgbClr val="000000"/>
                 </a:solidFill>
@@ -15123,7 +15506,7 @@
               <a:t>our</a:t>
             </a:r>
             <a:r>
-              <a:rPr b="0" i="0" lang="en-US" sz="5000" u="none" cap="none" strike="noStrike">
+              <a:rPr lang="en-US" sz="5000" b="0" i="0" u="none" strike="noStrike" cap="none">
                 <a:solidFill>
                   <a:srgbClr val="000000"/>
                 </a:solidFill>
@@ -15144,7 +15527,7 @@
               <a:t>ny tempo between 30-210 bpm (allowing for all tempi, anywhere between Grave and Prestissimo.)</a:t>
             </a:r>
             <a:r>
-              <a:rPr b="0" i="0" lang="en-US" sz="5000" u="none" cap="none" strike="noStrike">
+              <a:rPr lang="en-US" sz="5000" b="0" i="0" u="none" strike="noStrike" cap="none">
                 <a:solidFill>
                   <a:srgbClr val="000000"/>
                 </a:solidFill>
@@ -15155,7 +15538,7 @@
               </a:rPr>
               <a:t> The app has built in support for all major and minor scales, both pentatonic major and pentatonic minor, as well as chromatic scales in first position. It covers two octaves.</a:t>
             </a:r>
-            <a:endParaRPr b="0" i="0" sz="5000" u="none" cap="none" strike="noStrike">
+            <a:endParaRPr sz="5000" b="0" i="0" u="none" strike="noStrike" cap="none">
               <a:solidFill>
                 <a:srgbClr val="474747"/>
               </a:solidFill>
@@ -15177,7 +15560,7 @@
           <a:blip r:embed="rId4">
             <a:alphaModFix/>
           </a:blip>
-          <a:srcRect b="0" l="0" r="0" t="0"/>
+          <a:srcRect/>
           <a:stretch/>
         </p:blipFill>
         <p:spPr>
@@ -15204,7 +15587,7 @@
           <a:blip r:embed="rId5">
             <a:alphaModFix/>
           </a:blip>
-          <a:srcRect b="0" l="0" r="0" t="0"/>
+          <a:srcRect/>
           <a:stretch/>
         </p:blipFill>
         <p:spPr>
@@ -15236,23 +15619,23 @@
             <a:avLst/>
           </a:prstGeom>
           <a:noFill/>
-          <a:ln cap="flat" cmpd="sng" w="9525">
+          <a:ln w="9525" cap="flat" cmpd="sng">
             <a:solidFill>
               <a:schemeClr val="dk1"/>
             </a:solidFill>
             <a:prstDash val="solid"/>
             <a:round/>
-            <a:headEnd len="sm" w="sm" type="none"/>
-            <a:tailEnd len="sm" w="sm" type="none"/>
+            <a:headEnd type="none" w="sm" len="sm"/>
+            <a:tailEnd type="none" w="sm" len="sm"/>
           </a:ln>
         </p:spPr>
         <p:txBody>
-          <a:bodyPr anchorCtr="0" anchor="t" bIns="45700" lIns="91425" spcFirstLastPara="1" rIns="91425" wrap="square" tIns="45700">
+          <a:bodyPr spcFirstLastPara="1" wrap="square" lIns="91425" tIns="45700" rIns="91425" bIns="45700" anchor="t" anchorCtr="0">
             <a:noAutofit/>
           </a:bodyPr>
           <a:lstStyle/>
           <a:p>
-            <a:pPr indent="0" lvl="0" marL="0" marR="0" rtl="0" algn="ctr">
+            <a:pPr marL="0" marR="0" lvl="0" indent="0" algn="ctr" rtl="0">
               <a:lnSpc>
                 <a:spcPct val="100000"/>
               </a:lnSpc>
@@ -15270,7 +15653,7 @@
               <a:buNone/>
             </a:pPr>
             <a:r>
-              <a:rPr b="1" i="0" lang="en-US" sz="5000" u="none" cap="none" strike="noStrike">
+              <a:rPr lang="en-US" sz="5000" b="1" i="0" u="none" strike="noStrike" cap="none">
                 <a:solidFill>
                   <a:schemeClr val="dk1"/>
                 </a:solidFill>
@@ -15281,7 +15664,7 @@
               </a:rPr>
               <a:t>Tuning Menu</a:t>
             </a:r>
-            <a:endParaRPr b="1" i="0" sz="5000" u="none" cap="none" strike="noStrike">
+            <a:endParaRPr sz="5000" b="1" i="0" u="none" strike="noStrike" cap="none">
               <a:solidFill>
                 <a:schemeClr val="dk1"/>
               </a:solidFill>
@@ -15292,7 +15675,7 @@
             </a:endParaRPr>
           </a:p>
           <a:p>
-            <a:pPr indent="0" lvl="0" marL="0" marR="0" rtl="0" algn="ctr">
+            <a:pPr marL="0" marR="0" lvl="0" indent="0" algn="ctr" rtl="0">
               <a:lnSpc>
                 <a:spcPct val="100000"/>
               </a:lnSpc>
@@ -15310,7 +15693,7 @@
               <a:buNone/>
             </a:pPr>
             <a:r>
-              <a:rPr b="0" i="0" lang="en-US" sz="5000" u="none" cap="none" strike="noStrike">
+              <a:rPr lang="en-US" sz="5000" b="0" i="0" u="none" strike="noStrike" cap="none">
                 <a:solidFill>
                   <a:schemeClr val="dk1"/>
                 </a:solidFill>
@@ -15321,7 +15704,7 @@
               </a:rPr>
               <a:t>This feature allows users to tune their instrument which is the first step to practice.</a:t>
             </a:r>
-            <a:endParaRPr b="0" i="0" sz="5000" u="none" cap="none" strike="noStrike">
+            <a:endParaRPr sz="5000" b="0" i="0" u="none" strike="noStrike" cap="none">
               <a:solidFill>
                 <a:schemeClr val="dk1"/>
               </a:solidFill>
@@ -15348,23 +15731,23 @@
             <a:avLst/>
           </a:prstGeom>
           <a:noFill/>
-          <a:ln cap="flat" cmpd="sng" w="9525">
+          <a:ln w="9525" cap="flat" cmpd="sng">
             <a:solidFill>
               <a:schemeClr val="dk1"/>
             </a:solidFill>
             <a:prstDash val="solid"/>
             <a:round/>
-            <a:headEnd len="sm" w="sm" type="none"/>
-            <a:tailEnd len="sm" w="sm" type="none"/>
+            <a:headEnd type="none" w="sm" len="sm"/>
+            <a:tailEnd type="none" w="sm" len="sm"/>
           </a:ln>
         </p:spPr>
         <p:txBody>
-          <a:bodyPr anchorCtr="0" anchor="t" bIns="45700" lIns="91425" spcFirstLastPara="1" rIns="91425" wrap="square" tIns="45700">
+          <a:bodyPr spcFirstLastPara="1" wrap="square" lIns="91425" tIns="45700" rIns="91425" bIns="45700" anchor="t" anchorCtr="0">
             <a:noAutofit/>
           </a:bodyPr>
           <a:lstStyle/>
           <a:p>
-            <a:pPr indent="0" lvl="0" marL="0" marR="0" rtl="0" algn="ctr">
+            <a:pPr marL="0" marR="0" lvl="0" indent="0" algn="ctr" rtl="0">
               <a:lnSpc>
                 <a:spcPct val="100000"/>
               </a:lnSpc>
@@ -15382,7 +15765,7 @@
               <a:buNone/>
             </a:pPr>
             <a:r>
-              <a:rPr b="1" i="0" lang="en-US" sz="5000" u="none" cap="none" strike="noStrike">
+              <a:rPr lang="en-US" sz="5000" b="1" i="0" u="none" strike="noStrike" cap="none">
                 <a:solidFill>
                   <a:schemeClr val="dk1"/>
                 </a:solidFill>
@@ -15393,7 +15776,7 @@
               </a:rPr>
               <a:t>Scale Menu</a:t>
             </a:r>
-            <a:endParaRPr b="1" i="0" sz="5000" u="none" cap="none" strike="noStrike">
+            <a:endParaRPr sz="5000" b="1" i="0" u="none" strike="noStrike" cap="none">
               <a:solidFill>
                 <a:schemeClr val="dk1"/>
               </a:solidFill>
@@ -15404,7 +15787,7 @@
             </a:endParaRPr>
           </a:p>
           <a:p>
-            <a:pPr indent="0" lvl="0" marL="0" marR="0" rtl="0" algn="ctr">
+            <a:pPr marL="0" marR="0" lvl="0" indent="0" algn="ctr" rtl="0">
               <a:lnSpc>
                 <a:spcPct val="100000"/>
               </a:lnSpc>
@@ -15422,7 +15805,7 @@
               <a:buNone/>
             </a:pPr>
             <a:r>
-              <a:rPr b="0" i="0" lang="en-US" sz="5000" u="none" cap="none" strike="noStrike">
+              <a:rPr lang="en-US" sz="5000" b="0" i="0" u="none" strike="noStrike" cap="none">
                 <a:solidFill>
                   <a:schemeClr val="dk1"/>
                 </a:solidFill>
@@ -15433,7 +15816,7 @@
               </a:rPr>
               <a:t>Key feature that provides users with feedback while they play various scales</a:t>
             </a:r>
-            <a:endParaRPr b="0" i="0" sz="5000" u="none" cap="none" strike="noStrike">
+            <a:endParaRPr sz="5000" b="0" i="0" u="none" strike="noStrike" cap="none">
               <a:solidFill>
                 <a:schemeClr val="dk1"/>
               </a:solidFill>
@@ -15460,23 +15843,23 @@
             <a:avLst/>
           </a:prstGeom>
           <a:noFill/>
-          <a:ln cap="flat" cmpd="sng" w="9525">
+          <a:ln w="9525" cap="flat" cmpd="sng">
             <a:solidFill>
               <a:schemeClr val="dk1"/>
             </a:solidFill>
             <a:prstDash val="solid"/>
             <a:round/>
-            <a:headEnd len="sm" w="sm" type="none"/>
-            <a:tailEnd len="sm" w="sm" type="none"/>
+            <a:headEnd type="none" w="sm" len="sm"/>
+            <a:tailEnd type="none" w="sm" len="sm"/>
           </a:ln>
         </p:spPr>
         <p:txBody>
-          <a:bodyPr anchorCtr="0" anchor="t" bIns="68575" lIns="137150" spcFirstLastPara="1" rIns="137150" wrap="square" tIns="68575">
+          <a:bodyPr spcFirstLastPara="1" wrap="square" lIns="137150" tIns="68575" rIns="137150" bIns="68575" anchor="t" anchorCtr="0">
             <a:noAutofit/>
           </a:bodyPr>
           <a:lstStyle/>
           <a:p>
-            <a:pPr indent="0" lvl="0" marL="0" marR="0" rtl="0" algn="l">
+            <a:pPr marL="0" marR="0" lvl="0" indent="0" algn="l" rtl="0">
               <a:lnSpc>
                 <a:spcPct val="100000"/>
               </a:lnSpc>
@@ -15494,7 +15877,7 @@
               <a:buNone/>
             </a:pPr>
             <a:r>
-              <a:rPr b="0" i="0" lang="en-US" sz="5000" u="none" cap="none" strike="noStrike">
+              <a:rPr lang="en-US" sz="5000" b="0" i="0" u="none" strike="noStrike" cap="none">
                 <a:latin typeface="NTR"/>
                 <a:ea typeface="NTR"/>
                 <a:cs typeface="NTR"/>
@@ -15502,7 +15885,7 @@
               </a:rPr>
               <a:t>The application was written entirely in C#. It was built using Visual Studio Community 2017 using Xamarin forms for Android development. Source control for the project what done with GitHub. Communication for the project was done primarily through Discord. Project assignments and team organizations was handled using a standard Trello board.</a:t>
             </a:r>
-            <a:endParaRPr b="0" i="0" sz="5000" u="none" cap="none" strike="noStrike">
+            <a:endParaRPr sz="5000" b="0" i="0" u="none" strike="noStrike" cap="none">
               <a:latin typeface="NTR"/>
               <a:ea typeface="NTR"/>
               <a:cs typeface="NTR"/>
@@ -15521,7 +15904,7 @@
           <a:blip r:embed="rId6">
             <a:alphaModFix/>
           </a:blip>
-          <a:srcRect b="0" l="0" r="0" t="0"/>
+          <a:srcRect/>
           <a:stretch/>
         </p:blipFill>
         <p:spPr>
@@ -15553,23 +15936,23 @@
             <a:avLst/>
           </a:prstGeom>
           <a:noFill/>
-          <a:ln cap="flat" cmpd="sng" w="9525">
+          <a:ln w="9525" cap="flat" cmpd="sng">
             <a:solidFill>
               <a:schemeClr val="dk1"/>
             </a:solidFill>
             <a:prstDash val="solid"/>
             <a:round/>
-            <a:headEnd len="sm" w="sm" type="none"/>
-            <a:tailEnd len="sm" w="sm" type="none"/>
+            <a:headEnd type="none" w="sm" len="sm"/>
+            <a:tailEnd type="none" w="sm" len="sm"/>
           </a:ln>
         </p:spPr>
         <p:txBody>
-          <a:bodyPr anchorCtr="0" anchor="t" bIns="91425" lIns="91425" spcFirstLastPara="1" rIns="91425" wrap="square" tIns="91425">
+          <a:bodyPr spcFirstLastPara="1" wrap="square" lIns="91425" tIns="91425" rIns="91425" bIns="91425" anchor="t" anchorCtr="0">
             <a:noAutofit/>
           </a:bodyPr>
           <a:lstStyle/>
           <a:p>
-            <a:pPr indent="0" lvl="0" marL="0" marR="0" rtl="0" algn="ctr">
+            <a:pPr marL="0" marR="0" lvl="0" indent="0" algn="ctr" rtl="0">
               <a:lnSpc>
                 <a:spcPct val="100000"/>
               </a:lnSpc>
@@ -15587,7 +15970,7 @@
               <a:buNone/>
             </a:pPr>
             <a:r>
-              <a:rPr b="1" i="0" lang="en-US" sz="5000" u="none" cap="none" strike="noStrike">
+              <a:rPr lang="en-US" sz="5000" b="1" i="0" u="none" strike="noStrike" cap="none">
                 <a:solidFill>
                   <a:srgbClr val="000000"/>
                 </a:solidFill>
@@ -15598,7 +15981,7 @@
               </a:rPr>
               <a:t>Metronome Window</a:t>
             </a:r>
-            <a:endParaRPr b="0" i="0" sz="5000" u="none" cap="none" strike="noStrike">
+            <a:endParaRPr sz="5000" b="0" i="0" u="none" strike="noStrike" cap="none">
               <a:solidFill>
                 <a:srgbClr val="000000"/>
               </a:solidFill>
@@ -15609,7 +15992,7 @@
             </a:endParaRPr>
           </a:p>
           <a:p>
-            <a:pPr indent="0" lvl="0" marL="0" marR="0" rtl="0" algn="ctr">
+            <a:pPr marL="0" marR="0" lvl="0" indent="0" algn="ctr" rtl="0">
               <a:lnSpc>
                 <a:spcPct val="100000"/>
               </a:lnSpc>
@@ -15627,7 +16010,7 @@
               <a:buNone/>
             </a:pPr>
             <a:r>
-              <a:rPr b="0" i="0" lang="en-US" sz="5000" u="none" cap="none" strike="noStrike">
+              <a:rPr lang="en-US" sz="5000" b="0" i="0" u="none" strike="noStrike" cap="none">
                 <a:solidFill>
                   <a:srgbClr val="000000"/>
                 </a:solidFill>
@@ -15638,7 +16021,7 @@
               </a:rPr>
               <a:t>Application being all-inclusive means that we also provide our users with a metronome feature to keep a desired tempo while they practice</a:t>
             </a:r>
-            <a:endParaRPr b="0" i="0" sz="5000" u="none" cap="none" strike="noStrike">
+            <a:endParaRPr sz="5000" b="0" i="0" u="none" strike="noStrike" cap="none">
               <a:solidFill>
                 <a:srgbClr val="000000"/>
               </a:solidFill>
@@ -15660,7 +16043,7 @@
           <a:blip r:embed="rId7">
             <a:alphaModFix/>
           </a:blip>
-          <a:srcRect b="1987" l="0" r="0" t="0"/>
+          <a:srcRect b="1987"/>
           <a:stretch/>
         </p:blipFill>
         <p:spPr>
@@ -15692,23 +16075,23 @@
             <a:avLst/>
           </a:prstGeom>
           <a:noFill/>
-          <a:ln cap="flat" cmpd="sng" w="9525">
+          <a:ln w="9525" cap="flat" cmpd="sng">
             <a:solidFill>
               <a:schemeClr val="dk1"/>
             </a:solidFill>
             <a:prstDash val="solid"/>
             <a:round/>
-            <a:headEnd len="sm" w="sm" type="none"/>
-            <a:tailEnd len="sm" w="sm" type="none"/>
+            <a:headEnd type="none" w="sm" len="sm"/>
+            <a:tailEnd type="none" w="sm" len="sm"/>
           </a:ln>
         </p:spPr>
         <p:txBody>
-          <a:bodyPr anchorCtr="0" anchor="t" bIns="91425" lIns="91425" spcFirstLastPara="1" rIns="91425" wrap="square" tIns="91425">
+          <a:bodyPr spcFirstLastPara="1" wrap="square" lIns="91425" tIns="91425" rIns="91425" bIns="91425" anchor="t" anchorCtr="0">
             <a:noAutofit/>
           </a:bodyPr>
           <a:lstStyle/>
           <a:p>
-            <a:pPr indent="0" lvl="0" marL="0" marR="0" rtl="0" algn="ctr">
+            <a:pPr marL="0" marR="0" lvl="0" indent="0" algn="ctr" rtl="0">
               <a:lnSpc>
                 <a:spcPct val="100000"/>
               </a:lnSpc>
@@ -15726,7 +16109,7 @@
               <a:buNone/>
             </a:pPr>
             <a:r>
-              <a:rPr b="1" i="0" lang="en-US" sz="5000" u="none" cap="none" strike="noStrike">
+              <a:rPr lang="en-US" sz="5000" b="1" i="0" u="none" strike="noStrike" cap="none">
                 <a:solidFill>
                   <a:srgbClr val="000000"/>
                 </a:solidFill>
@@ -15737,7 +16120,7 @@
               </a:rPr>
               <a:t>Video Menu</a:t>
             </a:r>
-            <a:endParaRPr b="1" i="0" sz="5000" u="none" cap="none" strike="noStrike">
+            <a:endParaRPr sz="5000" b="1" i="0" u="none" strike="noStrike" cap="none">
               <a:solidFill>
                 <a:srgbClr val="000000"/>
               </a:solidFill>
@@ -15748,7 +16131,7 @@
             </a:endParaRPr>
           </a:p>
           <a:p>
-            <a:pPr indent="0" lvl="0" marL="0" marR="0" rtl="0" algn="ctr">
+            <a:pPr marL="0" marR="0" lvl="0" indent="0" algn="ctr" rtl="0">
               <a:lnSpc>
                 <a:spcPct val="100000"/>
               </a:lnSpc>
@@ -15766,7 +16149,7 @@
               <a:buNone/>
             </a:pPr>
             <a:r>
-              <a:rPr b="0" i="0" lang="en-US" sz="5000" u="none" cap="none" strike="noStrike">
+              <a:rPr lang="en-US" sz="5000" b="0" i="0" u="none" strike="noStrike" cap="none">
                 <a:solidFill>
                   <a:srgbClr val="000000"/>
                 </a:solidFill>
@@ -15777,7 +16160,7 @@
               </a:rPr>
               <a:t>Menu that hosts practice videos for the user to follow.</a:t>
             </a:r>
-            <a:endParaRPr b="0" i="0" sz="5000" u="none" cap="none" strike="noStrike">
+            <a:endParaRPr sz="5000" b="0" i="0" u="none" strike="noStrike" cap="none">
               <a:solidFill>
                 <a:srgbClr val="000000"/>
               </a:solidFill>
@@ -15789,6 +16172,261 @@
           </a:p>
         </p:txBody>
       </p:sp>
+      <mc:AlternateContent xmlns:mc="http://schemas.openxmlformats.org/markup-compatibility/2006">
+        <mc:Choice xmlns:p14="http://schemas.microsoft.com/office/powerpoint/2010/main" xmlns:aink="http://schemas.microsoft.com/office/drawing/2016/ink" Requires="p14 aink">
+          <p:contentPart p14:bwMode="auto" r:id="rId8">
+            <p14:nvContentPartPr>
+              <p14:cNvPr id="2" name="Ink 1">
+                <a:extLst>
+                  <a:ext uri="{FF2B5EF4-FFF2-40B4-BE49-F238E27FC236}">
+                    <a16:creationId xmlns:a16="http://schemas.microsoft.com/office/drawing/2014/main" id="{759C9273-5822-495B-8819-A6AA4F6730C1}"/>
+                  </a:ext>
+                </a:extLst>
+              </p14:cNvPr>
+              <p14:cNvContentPartPr/>
+              <p14:nvPr/>
+            </p14:nvContentPartPr>
+            <p14:xfrm>
+              <a:off x="17534939" y="18345509"/>
+              <a:ext cx="360" cy="360"/>
+            </p14:xfrm>
+          </p:contentPart>
+        </mc:Choice>
+        <mc:Fallback>
+          <p:pic>
+            <p:nvPicPr>
+              <p:cNvPr id="2" name="Ink 1">
+                <a:extLst>
+                  <a:ext uri="{FF2B5EF4-FFF2-40B4-BE49-F238E27FC236}">
+                    <a16:creationId xmlns:a16="http://schemas.microsoft.com/office/drawing/2014/main" id="{759C9273-5822-495B-8819-A6AA4F6730C1}"/>
+                  </a:ext>
+                </a:extLst>
+              </p:cNvPr>
+              <p:cNvPicPr/>
+              <p:nvPr/>
+            </p:nvPicPr>
+            <p:blipFill>
+              <a:blip r:embed="rId9"/>
+              <a:stretch>
+                <a:fillRect/>
+              </a:stretch>
+            </p:blipFill>
+            <p:spPr>
+              <a:xfrm>
+                <a:off x="17517299" y="18237509"/>
+                <a:ext cx="36000" cy="216000"/>
+              </a:xfrm>
+              <a:prstGeom prst="rect">
+                <a:avLst/>
+              </a:prstGeom>
+            </p:spPr>
+          </p:pic>
+        </mc:Fallback>
+      </mc:AlternateContent>
+      <mc:AlternateContent xmlns:mc="http://schemas.openxmlformats.org/markup-compatibility/2006">
+        <mc:Choice xmlns:p14="http://schemas.microsoft.com/office/powerpoint/2010/main" xmlns:aink="http://schemas.microsoft.com/office/drawing/2016/ink" Requires="p14 aink">
+          <p:contentPart p14:bwMode="auto" r:id="rId10">
+            <p14:nvContentPartPr>
+              <p14:cNvPr id="7" name="Ink 6">
+                <a:extLst>
+                  <a:ext uri="{FF2B5EF4-FFF2-40B4-BE49-F238E27FC236}">
+                    <a16:creationId xmlns:a16="http://schemas.microsoft.com/office/drawing/2014/main" id="{945E0510-7C04-4D16-A7FF-6AD84297E8D7}"/>
+                  </a:ext>
+                </a:extLst>
+              </p14:cNvPr>
+              <p14:cNvContentPartPr/>
+              <p14:nvPr/>
+            </p14:nvContentPartPr>
+            <p14:xfrm>
+              <a:off x="18816179" y="18081269"/>
+              <a:ext cx="1861560" cy="252000"/>
+            </p14:xfrm>
+          </p:contentPart>
+        </mc:Choice>
+        <mc:Fallback>
+          <p:pic>
+            <p:nvPicPr>
+              <p:cNvPr id="7" name="Ink 6">
+                <a:extLst>
+                  <a:ext uri="{FF2B5EF4-FFF2-40B4-BE49-F238E27FC236}">
+                    <a16:creationId xmlns:a16="http://schemas.microsoft.com/office/drawing/2014/main" id="{945E0510-7C04-4D16-A7FF-6AD84297E8D7}"/>
+                  </a:ext>
+                </a:extLst>
+              </p:cNvPr>
+              <p:cNvPicPr/>
+              <p:nvPr/>
+            </p:nvPicPr>
+            <p:blipFill>
+              <a:blip r:embed="rId11"/>
+              <a:stretch>
+                <a:fillRect/>
+              </a:stretch>
+            </p:blipFill>
+            <p:spPr>
+              <a:xfrm>
+                <a:off x="18798539" y="17973629"/>
+                <a:ext cx="1897200" cy="467640"/>
+              </a:xfrm>
+              <a:prstGeom prst="rect">
+                <a:avLst/>
+              </a:prstGeom>
+            </p:spPr>
+          </p:pic>
+        </mc:Fallback>
+      </mc:AlternateContent>
+      <mc:AlternateContent xmlns:mc="http://schemas.openxmlformats.org/markup-compatibility/2006">
+        <mc:Choice xmlns:p14="http://schemas.microsoft.com/office/powerpoint/2010/main" Requires="p14">
+          <p:contentPart p14:bwMode="auto" r:id="rId12">
+            <p14:nvContentPartPr>
+              <p14:cNvPr id="13" name="Ink 12">
+                <a:extLst>
+                  <a:ext uri="{FF2B5EF4-FFF2-40B4-BE49-F238E27FC236}">
+                    <a16:creationId xmlns:a16="http://schemas.microsoft.com/office/drawing/2014/main" id="{5EA82767-E311-4F53-8CB2-D1496EED48FA}"/>
+                  </a:ext>
+                </a:extLst>
+              </p14:cNvPr>
+              <p14:cNvContentPartPr/>
+              <p14:nvPr/>
+            </p14:nvContentPartPr>
+            <p14:xfrm>
+              <a:off x="17234339" y="18163709"/>
+              <a:ext cx="145800" cy="262800"/>
+            </p14:xfrm>
+          </p:contentPart>
+        </mc:Choice>
+        <mc:Fallback>
+          <p:pic>
+            <p:nvPicPr>
+              <p:cNvPr id="13" name="Ink 12">
+                <a:extLst>
+                  <a:ext uri="{FF2B5EF4-FFF2-40B4-BE49-F238E27FC236}">
+                    <a16:creationId xmlns:a16="http://schemas.microsoft.com/office/drawing/2014/main" id="{5EA82767-E311-4F53-8CB2-D1496EED48FA}"/>
+                  </a:ext>
+                </a:extLst>
+              </p:cNvPr>
+              <p:cNvPicPr/>
+              <p:nvPr/>
+            </p:nvPicPr>
+            <p:blipFill>
+              <a:blip r:embed="rId13"/>
+              <a:stretch>
+                <a:fillRect/>
+              </a:stretch>
+            </p:blipFill>
+            <p:spPr>
+              <a:xfrm>
+                <a:off x="17180699" y="18055709"/>
+                <a:ext cx="253440" cy="478440"/>
+              </a:xfrm>
+              <a:prstGeom prst="rect">
+                <a:avLst/>
+              </a:prstGeom>
+            </p:spPr>
+          </p:pic>
+        </mc:Fallback>
+      </mc:AlternateContent>
+      <mc:AlternateContent xmlns:mc="http://schemas.openxmlformats.org/markup-compatibility/2006">
+        <mc:Choice xmlns:p14="http://schemas.microsoft.com/office/powerpoint/2010/main" Requires="p14">
+          <p:contentPart p14:bwMode="auto" r:id="rId14">
+            <p14:nvContentPartPr>
+              <p14:cNvPr id="15" name="Ink 14">
+                <a:extLst>
+                  <a:ext uri="{FF2B5EF4-FFF2-40B4-BE49-F238E27FC236}">
+                    <a16:creationId xmlns:a16="http://schemas.microsoft.com/office/drawing/2014/main" id="{56C2F62B-0163-40D9-BB71-2D02F40D846B}"/>
+                  </a:ext>
+                </a:extLst>
+              </p14:cNvPr>
+              <p14:cNvContentPartPr/>
+              <p14:nvPr/>
+            </p14:nvContentPartPr>
+            <p14:xfrm>
+              <a:off x="23536499" y="18157589"/>
+              <a:ext cx="145440" cy="230040"/>
+            </p14:xfrm>
+          </p:contentPart>
+        </mc:Choice>
+        <mc:Fallback>
+          <p:pic>
+            <p:nvPicPr>
+              <p:cNvPr id="15" name="Ink 14">
+                <a:extLst>
+                  <a:ext uri="{FF2B5EF4-FFF2-40B4-BE49-F238E27FC236}">
+                    <a16:creationId xmlns:a16="http://schemas.microsoft.com/office/drawing/2014/main" id="{56C2F62B-0163-40D9-BB71-2D02F40D846B}"/>
+                  </a:ext>
+                </a:extLst>
+              </p:cNvPr>
+              <p:cNvPicPr/>
+              <p:nvPr/>
+            </p:nvPicPr>
+            <p:blipFill>
+              <a:blip r:embed="rId15"/>
+              <a:stretch>
+                <a:fillRect/>
+              </a:stretch>
+            </p:blipFill>
+            <p:spPr>
+              <a:xfrm>
+                <a:off x="23482499" y="18049949"/>
+                <a:ext cx="253080" cy="445680"/>
+              </a:xfrm>
+              <a:prstGeom prst="rect">
+                <a:avLst/>
+              </a:prstGeom>
+            </p:spPr>
+          </p:pic>
+        </mc:Fallback>
+      </mc:AlternateContent>
+      <mc:AlternateContent xmlns:mc="http://schemas.openxmlformats.org/markup-compatibility/2006">
+        <mc:Choice xmlns:p14="http://schemas.microsoft.com/office/powerpoint/2010/main" Requires="p14">
+          <p:contentPart p14:bwMode="auto" r:id="rId16">
+            <p14:nvContentPartPr>
+              <p14:cNvPr id="16" name="Ink 15">
+                <a:extLst>
+                  <a:ext uri="{FF2B5EF4-FFF2-40B4-BE49-F238E27FC236}">
+                    <a16:creationId xmlns:a16="http://schemas.microsoft.com/office/drawing/2014/main" id="{D7746DB1-3D71-43B9-8EB5-6DACD0D0770A}"/>
+                  </a:ext>
+                </a:extLst>
+              </p14:cNvPr>
+              <p14:cNvContentPartPr/>
+              <p14:nvPr/>
+            </p14:nvContentPartPr>
+            <p14:xfrm>
+              <a:off x="29501699" y="17970029"/>
+              <a:ext cx="106560" cy="371880"/>
+            </p14:xfrm>
+          </p:contentPart>
+        </mc:Choice>
+        <mc:Fallback>
+          <p:pic>
+            <p:nvPicPr>
+              <p:cNvPr id="16" name="Ink 15">
+                <a:extLst>
+                  <a:ext uri="{FF2B5EF4-FFF2-40B4-BE49-F238E27FC236}">
+                    <a16:creationId xmlns:a16="http://schemas.microsoft.com/office/drawing/2014/main" id="{D7746DB1-3D71-43B9-8EB5-6DACD0D0770A}"/>
+                  </a:ext>
+                </a:extLst>
+              </p:cNvPr>
+              <p:cNvPicPr/>
+              <p:nvPr/>
+            </p:nvPicPr>
+            <p:blipFill>
+              <a:blip r:embed="rId17"/>
+              <a:stretch>
+                <a:fillRect/>
+              </a:stretch>
+            </p:blipFill>
+            <p:spPr>
+              <a:xfrm>
+                <a:off x="29447699" y="17862029"/>
+                <a:ext cx="214200" cy="587520"/>
+              </a:xfrm>
+              <a:prstGeom prst="rect">
+                <a:avLst/>
+              </a:prstGeom>
+            </p:spPr>
+          </p:pic>
+        </mc:Fallback>
+      </mc:AlternateContent>
     </p:spTree>
   </p:cSld>
   <p:clrMapOvr>
@@ -15798,7 +16436,7 @@
 </file>
 
 <file path=ppt/theme/theme1.xml><?xml version="1.0" encoding="utf-8"?>
-<a:theme xmlns:a="http://schemas.openxmlformats.org/drawingml/2006/main" xmlns:r="http://schemas.openxmlformats.org/officeDocument/2006/relationships" name="Office Theme">
+<a:theme xmlns:a="http://schemas.openxmlformats.org/drawingml/2006/main" name="Office Theme">
   <a:themeElements>
     <a:clrScheme name="Office Theme">
       <a:dk1>
@@ -16073,11 +16711,13 @@
       </a:bgFillStyleLst>
     </a:fmtScheme>
   </a:themeElements>
+  <a:objectDefaults/>
+  <a:extraClrSchemeLst/>
 </a:theme>
 </file>
 
 <file path=ppt/theme/theme2.xml><?xml version="1.0" encoding="utf-8"?>
-<a:theme xmlns:a="http://schemas.openxmlformats.org/drawingml/2006/main" xmlns:r="http://schemas.openxmlformats.org/officeDocument/2006/relationships">
+<a:theme xmlns:a="http://schemas.openxmlformats.org/drawingml/2006/main">
   <a:themeElements>
     <a:clrScheme name="Default">
       <a:dk1>
@@ -16352,5 +16992,7 @@
       </a:bgFillStyleLst>
     </a:fmtScheme>
   </a:themeElements>
+  <a:objectDefaults/>
+  <a:extraClrSchemeLst/>
 </a:theme>
 </file>